--- a/tskit_presentation.pptx
+++ b/tskit_presentation.pptx
@@ -5,14 +5,32 @@
     <p:sldMasterId id="2147483648" r:id="rId1"/>
   </p:sldMasterIdLst>
   <p:notesMasterIdLst>
-    <p:notesMasterId r:id="rId7"/>
+    <p:notesMasterId r:id="rId25"/>
   </p:notesMasterIdLst>
   <p:sldIdLst>
     <p:sldId id="258" r:id="rId2"/>
     <p:sldId id="259" r:id="rId3"/>
     <p:sldId id="260" r:id="rId4"/>
-    <p:sldId id="256" r:id="rId5"/>
-    <p:sldId id="257" r:id="rId6"/>
+    <p:sldId id="263" r:id="rId5"/>
+    <p:sldId id="264" r:id="rId6"/>
+    <p:sldId id="256" r:id="rId7"/>
+    <p:sldId id="257" r:id="rId8"/>
+    <p:sldId id="261" r:id="rId9"/>
+    <p:sldId id="262" r:id="rId10"/>
+    <p:sldId id="273" r:id="rId11"/>
+    <p:sldId id="265" r:id="rId12"/>
+    <p:sldId id="275" r:id="rId13"/>
+    <p:sldId id="276" r:id="rId14"/>
+    <p:sldId id="267" r:id="rId15"/>
+    <p:sldId id="272" r:id="rId16"/>
+    <p:sldId id="266" r:id="rId17"/>
+    <p:sldId id="277" r:id="rId18"/>
+    <p:sldId id="268" r:id="rId19"/>
+    <p:sldId id="269" r:id="rId20"/>
+    <p:sldId id="270" r:id="rId21"/>
+    <p:sldId id="271" r:id="rId22"/>
+    <p:sldId id="274" r:id="rId23"/>
+    <p:sldId id="278" r:id="rId24"/>
   </p:sldIdLst>
   <p:sldSz cx="12192000" cy="6858000"/>
   <p:notesSz cx="6858000" cy="9144000"/>
@@ -201,7 +219,7 @@
           <a:p>
             <a:fld id="{54BE1BF4-E52A-3947-AAF8-F81D869E3D7F}" type="datetimeFigureOut">
               <a:rPr lang="en-US" smtClean="0"/>
-              <a:t>7/14/23</a:t>
+              <a:t>7/17/23</a:t>
             </a:fld>
             <a:endParaRPr lang="en-US"/>
           </a:p>
@@ -552,6 +570,174 @@
 </p:notes>
 </file>
 
+<file path=ppt/notesSlides/notesSlide2.xml><?xml version="1.0" encoding="utf-8"?>
+<p:notes xmlns:a="http://schemas.openxmlformats.org/drawingml/2006/main" xmlns:r="http://schemas.openxmlformats.org/officeDocument/2006/relationships" xmlns:p="http://schemas.openxmlformats.org/presentationml/2006/main">
+  <p:cSld>
+    <p:spTree>
+      <p:nvGrpSpPr>
+        <p:cNvPr id="1" name=""/>
+        <p:cNvGrpSpPr/>
+        <p:nvPr/>
+      </p:nvGrpSpPr>
+      <p:grpSpPr>
+        <a:xfrm>
+          <a:off x="0" y="0"/>
+          <a:ext cx="0" cy="0"/>
+          <a:chOff x="0" y="0"/>
+          <a:chExt cx="0" cy="0"/>
+        </a:xfrm>
+      </p:grpSpPr>
+      <p:sp>
+        <p:nvSpPr>
+          <p:cNvPr id="2" name="Slide Image Placeholder 1"/>
+          <p:cNvSpPr>
+            <a:spLocks noGrp="1" noRot="1" noChangeAspect="1"/>
+          </p:cNvSpPr>
+          <p:nvPr>
+            <p:ph type="sldImg"/>
+          </p:nvPr>
+        </p:nvSpPr>
+        <p:spPr/>
+      </p:sp>
+      <p:sp>
+        <p:nvSpPr>
+          <p:cNvPr id="3" name="Notes Placeholder 2"/>
+          <p:cNvSpPr>
+            <a:spLocks noGrp="1"/>
+          </p:cNvSpPr>
+          <p:nvPr>
+            <p:ph type="body" idx="1"/>
+          </p:nvPr>
+        </p:nvSpPr>
+        <p:spPr/>
+        <p:txBody>
+          <a:bodyPr/>
+          <a:lstStyle/>
+          <a:p>
+            <a:endParaRPr lang="en-US" dirty="0"/>
+          </a:p>
+        </p:txBody>
+      </p:sp>
+      <p:sp>
+        <p:nvSpPr>
+          <p:cNvPr id="4" name="Slide Number Placeholder 3"/>
+          <p:cNvSpPr>
+            <a:spLocks noGrp="1"/>
+          </p:cNvSpPr>
+          <p:nvPr>
+            <p:ph type="sldNum" sz="quarter" idx="5"/>
+          </p:nvPr>
+        </p:nvSpPr>
+        <p:spPr/>
+        <p:txBody>
+          <a:bodyPr/>
+          <a:lstStyle/>
+          <a:p>
+            <a:fld id="{1E0B3BE8-305E-9F48-A75D-74D5ECBEC479}" type="slidenum">
+              <a:rPr lang="en-US" smtClean="0"/>
+              <a:t>4</a:t>
+            </a:fld>
+            <a:endParaRPr lang="en-US"/>
+          </a:p>
+        </p:txBody>
+      </p:sp>
+    </p:spTree>
+    <p:extLst>
+      <p:ext uri="{BB962C8B-B14F-4D97-AF65-F5344CB8AC3E}">
+        <p14:creationId xmlns:p14="http://schemas.microsoft.com/office/powerpoint/2010/main" val="2851776810"/>
+      </p:ext>
+    </p:extLst>
+  </p:cSld>
+  <p:clrMapOvr>
+    <a:masterClrMapping/>
+  </p:clrMapOvr>
+</p:notes>
+</file>
+
+<file path=ppt/notesSlides/notesSlide3.xml><?xml version="1.0" encoding="utf-8"?>
+<p:notes xmlns:a="http://schemas.openxmlformats.org/drawingml/2006/main" xmlns:r="http://schemas.openxmlformats.org/officeDocument/2006/relationships" xmlns:p="http://schemas.openxmlformats.org/presentationml/2006/main">
+  <p:cSld>
+    <p:spTree>
+      <p:nvGrpSpPr>
+        <p:cNvPr id="1" name=""/>
+        <p:cNvGrpSpPr/>
+        <p:nvPr/>
+      </p:nvGrpSpPr>
+      <p:grpSpPr>
+        <a:xfrm>
+          <a:off x="0" y="0"/>
+          <a:ext cx="0" cy="0"/>
+          <a:chOff x="0" y="0"/>
+          <a:chExt cx="0" cy="0"/>
+        </a:xfrm>
+      </p:grpSpPr>
+      <p:sp>
+        <p:nvSpPr>
+          <p:cNvPr id="2" name="Slide Image Placeholder 1"/>
+          <p:cNvSpPr>
+            <a:spLocks noGrp="1" noRot="1" noChangeAspect="1"/>
+          </p:cNvSpPr>
+          <p:nvPr>
+            <p:ph type="sldImg"/>
+          </p:nvPr>
+        </p:nvSpPr>
+        <p:spPr/>
+      </p:sp>
+      <p:sp>
+        <p:nvSpPr>
+          <p:cNvPr id="3" name="Notes Placeholder 2"/>
+          <p:cNvSpPr>
+            <a:spLocks noGrp="1"/>
+          </p:cNvSpPr>
+          <p:nvPr>
+            <p:ph type="body" idx="1"/>
+          </p:nvPr>
+        </p:nvSpPr>
+        <p:spPr/>
+        <p:txBody>
+          <a:bodyPr/>
+          <a:lstStyle/>
+          <a:p>
+            <a:endParaRPr lang="en-US" dirty="0"/>
+          </a:p>
+        </p:txBody>
+      </p:sp>
+      <p:sp>
+        <p:nvSpPr>
+          <p:cNvPr id="4" name="Slide Number Placeholder 3"/>
+          <p:cNvSpPr>
+            <a:spLocks noGrp="1"/>
+          </p:cNvSpPr>
+          <p:nvPr>
+            <p:ph type="sldNum" sz="quarter" idx="5"/>
+          </p:nvPr>
+        </p:nvSpPr>
+        <p:spPr/>
+        <p:txBody>
+          <a:bodyPr/>
+          <a:lstStyle/>
+          <a:p>
+            <a:fld id="{1E0B3BE8-305E-9F48-A75D-74D5ECBEC479}" type="slidenum">
+              <a:rPr lang="en-US" smtClean="0"/>
+              <a:t>5</a:t>
+            </a:fld>
+            <a:endParaRPr lang="en-US"/>
+          </a:p>
+        </p:txBody>
+      </p:sp>
+    </p:spTree>
+    <p:extLst>
+      <p:ext uri="{BB962C8B-B14F-4D97-AF65-F5344CB8AC3E}">
+        <p14:creationId xmlns:p14="http://schemas.microsoft.com/office/powerpoint/2010/main" val="117107992"/>
+      </p:ext>
+    </p:extLst>
+  </p:cSld>
+  <p:clrMapOvr>
+    <a:masterClrMapping/>
+  </p:clrMapOvr>
+</p:notes>
+</file>
+
 <file path=ppt/slideLayouts/slideLayout1.xml><?xml version="1.0" encoding="utf-8"?>
 <p:sldLayout xmlns:a="http://schemas.openxmlformats.org/drawingml/2006/main" xmlns:r="http://schemas.openxmlformats.org/officeDocument/2006/relationships" xmlns:p="http://schemas.openxmlformats.org/presentationml/2006/main" type="title" preserve="1">
   <p:cSld name="Title Slide">
@@ -699,7 +885,7 @@
           <a:p>
             <a:fld id="{84C09D2D-DDE8-084A-97EA-5E9E2E477616}" type="datetimeFigureOut">
               <a:rPr lang="en-US" smtClean="0"/>
-              <a:t>7/14/23</a:t>
+              <a:t>7/17/23</a:t>
             </a:fld>
             <a:endParaRPr lang="en-US"/>
           </a:p>
@@ -897,7 +1083,7 @@
           <a:p>
             <a:fld id="{84C09D2D-DDE8-084A-97EA-5E9E2E477616}" type="datetimeFigureOut">
               <a:rPr lang="en-US" smtClean="0"/>
-              <a:t>7/14/23</a:t>
+              <a:t>7/17/23</a:t>
             </a:fld>
             <a:endParaRPr lang="en-US"/>
           </a:p>
@@ -1105,7 +1291,7 @@
           <a:p>
             <a:fld id="{84C09D2D-DDE8-084A-97EA-5E9E2E477616}" type="datetimeFigureOut">
               <a:rPr lang="en-US" smtClean="0"/>
-              <a:t>7/14/23</a:t>
+              <a:t>7/17/23</a:t>
             </a:fld>
             <a:endParaRPr lang="en-US"/>
           </a:p>
@@ -1303,7 +1489,7 @@
           <a:p>
             <a:fld id="{84C09D2D-DDE8-084A-97EA-5E9E2E477616}" type="datetimeFigureOut">
               <a:rPr lang="en-US" smtClean="0"/>
-              <a:t>7/14/23</a:t>
+              <a:t>7/17/23</a:t>
             </a:fld>
             <a:endParaRPr lang="en-US"/>
           </a:p>
@@ -1578,7 +1764,7 @@
           <a:p>
             <a:fld id="{84C09D2D-DDE8-084A-97EA-5E9E2E477616}" type="datetimeFigureOut">
               <a:rPr lang="en-US" smtClean="0"/>
-              <a:t>7/14/23</a:t>
+              <a:t>7/17/23</a:t>
             </a:fld>
             <a:endParaRPr lang="en-US"/>
           </a:p>
@@ -1843,7 +2029,7 @@
           <a:p>
             <a:fld id="{84C09D2D-DDE8-084A-97EA-5E9E2E477616}" type="datetimeFigureOut">
               <a:rPr lang="en-US" smtClean="0"/>
-              <a:t>7/14/23</a:t>
+              <a:t>7/17/23</a:t>
             </a:fld>
             <a:endParaRPr lang="en-US"/>
           </a:p>
@@ -2255,7 +2441,7 @@
           <a:p>
             <a:fld id="{84C09D2D-DDE8-084A-97EA-5E9E2E477616}" type="datetimeFigureOut">
               <a:rPr lang="en-US" smtClean="0"/>
-              <a:t>7/14/23</a:t>
+              <a:t>7/17/23</a:t>
             </a:fld>
             <a:endParaRPr lang="en-US"/>
           </a:p>
@@ -2396,7 +2582,7 @@
           <a:p>
             <a:fld id="{84C09D2D-DDE8-084A-97EA-5E9E2E477616}" type="datetimeFigureOut">
               <a:rPr lang="en-US" smtClean="0"/>
-              <a:t>7/14/23</a:t>
+              <a:t>7/17/23</a:t>
             </a:fld>
             <a:endParaRPr lang="en-US"/>
           </a:p>
@@ -2509,7 +2695,7 @@
           <a:p>
             <a:fld id="{84C09D2D-DDE8-084A-97EA-5E9E2E477616}" type="datetimeFigureOut">
               <a:rPr lang="en-US" smtClean="0"/>
-              <a:t>7/14/23</a:t>
+              <a:t>7/17/23</a:t>
             </a:fld>
             <a:endParaRPr lang="en-US"/>
           </a:p>
@@ -2820,7 +3006,7 @@
           <a:p>
             <a:fld id="{84C09D2D-DDE8-084A-97EA-5E9E2E477616}" type="datetimeFigureOut">
               <a:rPr lang="en-US" smtClean="0"/>
-              <a:t>7/14/23</a:t>
+              <a:t>7/17/23</a:t>
             </a:fld>
             <a:endParaRPr lang="en-US"/>
           </a:p>
@@ -3108,7 +3294,7 @@
           <a:p>
             <a:fld id="{84C09D2D-DDE8-084A-97EA-5E9E2E477616}" type="datetimeFigureOut">
               <a:rPr lang="en-US" smtClean="0"/>
-              <a:t>7/14/23</a:t>
+              <a:t>7/17/23</a:t>
             </a:fld>
             <a:endParaRPr lang="en-US"/>
           </a:p>
@@ -3349,7 +3535,7 @@
           <a:p>
             <a:fld id="{84C09D2D-DDE8-084A-97EA-5E9E2E477616}" type="datetimeFigureOut">
               <a:rPr lang="en-US" smtClean="0"/>
-              <a:t>7/14/23</a:t>
+              <a:t>7/17/23</a:t>
             </a:fld>
             <a:endParaRPr lang="en-US"/>
           </a:p>
@@ -3766,53 +3952,284 @@
           <a:chExt cx="0" cy="0"/>
         </a:xfrm>
       </p:grpSpPr>
-      <p:sp>
-        <p:nvSpPr>
-          <p:cNvPr id="4" name="Title 3">
-            <a:extLst>
-              <a:ext uri="{FF2B5EF4-FFF2-40B4-BE49-F238E27FC236}">
-                <a16:creationId xmlns:a16="http://schemas.microsoft.com/office/drawing/2014/main" id="{97155C48-0A48-C919-D5B3-50DA4C1BB646}"/>
-              </a:ext>
-            </a:extLst>
-          </p:cNvPr>
-          <p:cNvSpPr>
-            <a:spLocks noGrp="1"/>
-          </p:cNvSpPr>
-          <p:nvPr>
-            <p:ph type="ctrTitle"/>
-          </p:nvPr>
-        </p:nvSpPr>
-        <p:spPr/>
-        <p:txBody>
-          <a:bodyPr/>
+      <p:grpSp>
+        <p:nvGrpSpPr>
+          <p:cNvPr id="12" name="Group 11">
+            <a:extLst>
+              <a:ext uri="{FF2B5EF4-FFF2-40B4-BE49-F238E27FC236}">
+                <a16:creationId xmlns:a16="http://schemas.microsoft.com/office/drawing/2014/main" id="{C21FDECF-4BCE-E4B4-B7B4-0148F7535D69}"/>
+              </a:ext>
+            </a:extLst>
+          </p:cNvPr>
+          <p:cNvGrpSpPr/>
+          <p:nvPr/>
+        </p:nvGrpSpPr>
+        <p:grpSpPr>
+          <a:xfrm>
+            <a:off x="1676400" y="1261442"/>
+            <a:ext cx="9144000" cy="4396671"/>
+            <a:chOff x="1676400" y="951387"/>
+            <a:chExt cx="9144000" cy="4396671"/>
+          </a:xfrm>
+        </p:grpSpPr>
+        <p:sp>
+          <p:nvSpPr>
+            <p:cNvPr id="7" name="TextBox 6">
+              <a:extLst>
+                <a:ext uri="{FF2B5EF4-FFF2-40B4-BE49-F238E27FC236}">
+                  <a16:creationId xmlns:a16="http://schemas.microsoft.com/office/drawing/2014/main" id="{D7EE25C3-AB85-FB03-B7DE-591888B658C9}"/>
+                </a:ext>
+              </a:extLst>
+            </p:cNvPr>
+            <p:cNvSpPr txBox="1"/>
+            <p:nvPr/>
+          </p:nvSpPr>
+          <p:spPr>
+            <a:xfrm>
+              <a:off x="1676400" y="3993841"/>
+              <a:ext cx="9144000" cy="1354217"/>
+            </a:xfrm>
+            <a:prstGeom prst="rect">
+              <a:avLst/>
+            </a:prstGeom>
+            <a:noFill/>
+          </p:spPr>
+          <p:txBody>
+            <a:bodyPr wrap="square" rtlCol="0">
+              <a:spAutoFit/>
+            </a:bodyPr>
+            <a:lstStyle/>
+            <a:p>
+              <a:pPr algn="ctr"/>
+              <a:r>
+                <a:rPr lang="en-US" sz="2800" b="1" dirty="0">
+                  <a:solidFill>
+                    <a:srgbClr val="043D4D"/>
+                  </a:solidFill>
+                </a:rPr>
+                <a:t>James Kitchens</a:t>
+              </a:r>
+            </a:p>
+            <a:p>
+              <a:pPr algn="ctr"/>
+              <a:endParaRPr lang="en-US" dirty="0"/>
+            </a:p>
+            <a:p>
+              <a:pPr algn="ctr"/>
+              <a:r>
+                <a:rPr lang="en-US" dirty="0" err="1">
+                  <a:solidFill>
+                    <a:srgbClr val="043D4D"/>
+                  </a:solidFill>
+                </a:rPr>
+                <a:t>tskit</a:t>
+              </a:r>
+              <a:r>
+                <a:rPr lang="en-US" dirty="0">
+                  <a:solidFill>
+                    <a:srgbClr val="043D4D"/>
+                  </a:solidFill>
+                </a:rPr>
+                <a:t> dev group meeting</a:t>
+              </a:r>
+            </a:p>
+            <a:p>
+              <a:pPr algn="ctr"/>
+              <a:r>
+                <a:rPr lang="en-US" dirty="0">
+                  <a:solidFill>
+                    <a:srgbClr val="043D4D"/>
+                  </a:solidFill>
+                </a:rPr>
+                <a:t>August X, 2023</a:t>
+              </a:r>
+            </a:p>
+          </p:txBody>
+        </p:sp>
+        <p:sp>
+          <p:nvSpPr>
+            <p:cNvPr id="8" name="Title 3">
+              <a:extLst>
+                <a:ext uri="{FF2B5EF4-FFF2-40B4-BE49-F238E27FC236}">
+                  <a16:creationId xmlns:a16="http://schemas.microsoft.com/office/drawing/2014/main" id="{9EF75938-3824-24FF-AEA5-9CF969FE7E75}"/>
+                </a:ext>
+              </a:extLst>
+            </p:cNvPr>
+            <p:cNvSpPr txBox="1">
+              <a:spLocks/>
+            </p:cNvSpPr>
+            <p:nvPr/>
+          </p:nvSpPr>
+          <p:spPr>
+            <a:xfrm>
+              <a:off x="1676400" y="951387"/>
+              <a:ext cx="9144000" cy="2711177"/>
+            </a:xfrm>
+            <a:prstGeom prst="rect">
+              <a:avLst/>
+            </a:prstGeom>
+            <a:solidFill>
+              <a:srgbClr val="043D4D"/>
+            </a:solidFill>
+          </p:spPr>
+          <p:txBody>
+            <a:bodyPr vert="horz" lIns="91440" tIns="45720" rIns="91440" bIns="45720" rtlCol="0" anchor="ctr">
+              <a:normAutofit/>
+            </a:bodyPr>
+            <a:lstStyle>
+              <a:lvl1pPr algn="ctr" defTabSz="914400" rtl="0" eaLnBrk="1" latinLnBrk="0" hangingPunct="1">
+                <a:lnSpc>
+                  <a:spcPct val="90000"/>
+                </a:lnSpc>
+                <a:spcBef>
+                  <a:spcPct val="0"/>
+                </a:spcBef>
+                <a:buNone/>
+                <a:defRPr sz="6000" kern="1200">
+                  <a:solidFill>
+                    <a:schemeClr val="tx1"/>
+                  </a:solidFill>
+                  <a:latin typeface="+mj-lt"/>
+                  <a:ea typeface="+mj-ea"/>
+                  <a:cs typeface="+mj-cs"/>
+                </a:defRPr>
+              </a:lvl1pPr>
+            </a:lstStyle>
+            <a:p>
+              <a:r>
+                <a:rPr lang="en-US" sz="8000" dirty="0">
+                  <a:solidFill>
+                    <a:srgbClr val="4DEBB2"/>
+                  </a:solidFill>
+                  <a:latin typeface="DIN Condensed" pitchFamily="2" charset="0"/>
+                  <a:cs typeface="Aharoni" panose="02010803020104030203" pitchFamily="2" charset="-79"/>
+                </a:rPr>
+                <a:t>ARG Visualizations</a:t>
+              </a:r>
+              <a:br>
+                <a:rPr lang="en-US" sz="8000" dirty="0">
+                  <a:solidFill>
+                    <a:srgbClr val="4DEBB2"/>
+                  </a:solidFill>
+                  <a:latin typeface="DIN Condensed" pitchFamily="2" charset="0"/>
+                  <a:cs typeface="Aharoni" panose="02010803020104030203" pitchFamily="2" charset="-79"/>
+                </a:rPr>
+              </a:br>
+              <a:r>
+                <a:rPr lang="en-US" sz="8000" dirty="0">
+                  <a:solidFill>
+                    <a:srgbClr val="4DEBB2"/>
+                  </a:solidFill>
+                  <a:latin typeface="DIN Condensed" pitchFamily="2" charset="0"/>
+                  <a:cs typeface="Aharoni" panose="02010803020104030203" pitchFamily="2" charset="-79"/>
+                </a:rPr>
+                <a:t>with D3.js</a:t>
+              </a:r>
+              <a:endParaRPr lang="en-US" sz="8000" dirty="0">
+                <a:solidFill>
+                  <a:srgbClr val="4DEBB2"/>
+                </a:solidFill>
+              </a:endParaRPr>
+            </a:p>
+          </p:txBody>
+        </p:sp>
+      </p:grpSp>
+      <p:sp>
+        <p:nvSpPr>
+          <p:cNvPr id="13" name="TextBox 12">
+            <a:extLst>
+              <a:ext uri="{FF2B5EF4-FFF2-40B4-BE49-F238E27FC236}">
+                <a16:creationId xmlns:a16="http://schemas.microsoft.com/office/drawing/2014/main" id="{44E81F88-E584-1233-0B82-82C9D6E2E155}"/>
+              </a:ext>
+            </a:extLst>
+          </p:cNvPr>
+          <p:cNvSpPr txBox="1"/>
+          <p:nvPr/>
+        </p:nvSpPr>
+        <p:spPr>
+          <a:xfrm>
+            <a:off x="8176156" y="6545976"/>
+            <a:ext cx="4015844" cy="307777"/>
+          </a:xfrm>
+          <a:prstGeom prst="rect">
+            <a:avLst/>
+          </a:prstGeom>
+          <a:noFill/>
+        </p:spPr>
+        <p:txBody>
+          <a:bodyPr wrap="none" rtlCol="0">
+            <a:spAutoFit/>
+          </a:bodyPr>
           <a:lstStyle/>
           <a:p>
-            <a:endParaRPr lang="en-US" dirty="0"/>
-          </a:p>
-        </p:txBody>
-      </p:sp>
-      <p:sp>
-        <p:nvSpPr>
-          <p:cNvPr id="5" name="Subtitle 4">
-            <a:extLst>
-              <a:ext uri="{FF2B5EF4-FFF2-40B4-BE49-F238E27FC236}">
-                <a16:creationId xmlns:a16="http://schemas.microsoft.com/office/drawing/2014/main" id="{465AD079-C4E7-6466-E60C-746BD2FCD8CF}"/>
-              </a:ext>
-            </a:extLst>
-          </p:cNvPr>
-          <p:cNvSpPr>
-            <a:spLocks noGrp="1"/>
-          </p:cNvSpPr>
-          <p:nvPr>
-            <p:ph type="subTitle" idx="1"/>
-          </p:nvPr>
-        </p:nvSpPr>
-        <p:spPr/>
-        <p:txBody>
-          <a:bodyPr/>
-          <a:lstStyle/>
-          <a:p>
-            <a:endParaRPr lang="en-US"/>
+            <a:pPr algn="r"/>
+            <a:r>
+              <a:rPr lang="en-US" sz="1400" dirty="0">
+                <a:solidFill>
+                  <a:srgbClr val="043D4D"/>
+                </a:solidFill>
+                <a:latin typeface="Arial" panose="020B0604020202020204" pitchFamily="34" charset="0"/>
+                <a:cs typeface="Arial" panose="020B0604020202020204" pitchFamily="34" charset="0"/>
+              </a:rPr>
+              <a:t>https://</a:t>
+            </a:r>
+            <a:r>
+              <a:rPr lang="en-US" sz="1400" dirty="0" err="1">
+                <a:solidFill>
+                  <a:srgbClr val="043D4D"/>
+                </a:solidFill>
+                <a:latin typeface="Arial" panose="020B0604020202020204" pitchFamily="34" charset="0"/>
+                <a:cs typeface="Arial" panose="020B0604020202020204" pitchFamily="34" charset="0"/>
+              </a:rPr>
+              <a:t>github.com</a:t>
+            </a:r>
+            <a:r>
+              <a:rPr lang="en-US" sz="1400" dirty="0">
+                <a:solidFill>
+                  <a:srgbClr val="043D4D"/>
+                </a:solidFill>
+                <a:latin typeface="Arial" panose="020B0604020202020204" pitchFamily="34" charset="0"/>
+                <a:cs typeface="Arial" panose="020B0604020202020204" pitchFamily="34" charset="0"/>
+              </a:rPr>
+              <a:t>/</a:t>
+            </a:r>
+            <a:r>
+              <a:rPr lang="en-US" sz="1400" dirty="0" err="1">
+                <a:solidFill>
+                  <a:srgbClr val="043D4D"/>
+                </a:solidFill>
+                <a:latin typeface="Arial" panose="020B0604020202020204" pitchFamily="34" charset="0"/>
+                <a:cs typeface="Arial" panose="020B0604020202020204" pitchFamily="34" charset="0"/>
+              </a:rPr>
+              <a:t>kitchensjn</a:t>
+            </a:r>
+            <a:r>
+              <a:rPr lang="en-US" sz="1400" dirty="0">
+                <a:solidFill>
+                  <a:srgbClr val="043D4D"/>
+                </a:solidFill>
+                <a:latin typeface="Arial" panose="020B0604020202020204" pitchFamily="34" charset="0"/>
+                <a:cs typeface="Arial" panose="020B0604020202020204" pitchFamily="34" charset="0"/>
+              </a:rPr>
+              <a:t>/</a:t>
+            </a:r>
+            <a:r>
+              <a:rPr lang="en-US" sz="1400" dirty="0" err="1">
+                <a:solidFill>
+                  <a:srgbClr val="043D4D"/>
+                </a:solidFill>
+                <a:latin typeface="Arial" panose="020B0604020202020204" pitchFamily="34" charset="0"/>
+                <a:cs typeface="Arial" panose="020B0604020202020204" pitchFamily="34" charset="0"/>
+              </a:rPr>
+              <a:t>tskit_arg_visualizer</a:t>
+            </a:r>
+            <a:endParaRPr lang="en-US" sz="1400" dirty="0">
+              <a:solidFill>
+                <a:srgbClr val="043D4D"/>
+              </a:solidFill>
+              <a:latin typeface="Arial" panose="020B0604020202020204" pitchFamily="34" charset="0"/>
+              <a:cs typeface="Arial" panose="020B0604020202020204" pitchFamily="34" charset="0"/>
+            </a:endParaRPr>
           </a:p>
         </p:txBody>
       </p:sp>
@@ -3820,6 +4237,2626 @@
     <p:extLst>
       <p:ext uri="{BB962C8B-B14F-4D97-AF65-F5344CB8AC3E}">
         <p14:creationId xmlns:p14="http://schemas.microsoft.com/office/powerpoint/2010/main" val="672774732"/>
+      </p:ext>
+    </p:extLst>
+  </p:cSld>
+  <p:clrMapOvr>
+    <a:masterClrMapping/>
+  </p:clrMapOvr>
+</p:sld>
+</file>
+
+<file path=ppt/slides/slide10.xml><?xml version="1.0" encoding="utf-8"?>
+<p:sld xmlns:a="http://schemas.openxmlformats.org/drawingml/2006/main" xmlns:r="http://schemas.openxmlformats.org/officeDocument/2006/relationships" xmlns:p="http://schemas.openxmlformats.org/presentationml/2006/main">
+  <p:cSld>
+    <p:spTree>
+      <p:nvGrpSpPr>
+        <p:cNvPr id="1" name=""/>
+        <p:cNvGrpSpPr/>
+        <p:nvPr/>
+      </p:nvGrpSpPr>
+      <p:grpSpPr>
+        <a:xfrm>
+          <a:off x="0" y="0"/>
+          <a:ext cx="0" cy="0"/>
+          <a:chOff x="0" y="0"/>
+          <a:chExt cx="0" cy="0"/>
+        </a:xfrm>
+      </p:grpSpPr>
+      <p:sp>
+        <p:nvSpPr>
+          <p:cNvPr id="5" name="TextBox 4">
+            <a:extLst>
+              <a:ext uri="{FF2B5EF4-FFF2-40B4-BE49-F238E27FC236}">
+                <a16:creationId xmlns:a16="http://schemas.microsoft.com/office/drawing/2014/main" id="{FC88E107-9192-476E-2533-0736D5E2C8CF}"/>
+              </a:ext>
+            </a:extLst>
+          </p:cNvPr>
+          <p:cNvSpPr txBox="1"/>
+          <p:nvPr/>
+        </p:nvSpPr>
+        <p:spPr>
+          <a:xfrm>
+            <a:off x="722517" y="492851"/>
+            <a:ext cx="4511684" cy="1323439"/>
+          </a:xfrm>
+          <a:prstGeom prst="rect">
+            <a:avLst/>
+          </a:prstGeom>
+          <a:noFill/>
+        </p:spPr>
+        <p:txBody>
+          <a:bodyPr wrap="none" rtlCol="0">
+            <a:spAutoFit/>
+          </a:bodyPr>
+          <a:lstStyle/>
+          <a:p>
+            <a:r>
+              <a:rPr lang="en-US" sz="8000" dirty="0">
+                <a:solidFill>
+                  <a:srgbClr val="043D4D"/>
+                </a:solidFill>
+                <a:latin typeface="DIN Condensed" pitchFamily="2" charset="0"/>
+                <a:cs typeface="Aharoni" panose="02010803020104030203" pitchFamily="2" charset="-79"/>
+              </a:rPr>
+              <a:t>Where To Run</a:t>
+            </a:r>
+          </a:p>
+        </p:txBody>
+      </p:sp>
+      <p:grpSp>
+        <p:nvGrpSpPr>
+          <p:cNvPr id="34" name="Group 33">
+            <a:extLst>
+              <a:ext uri="{FF2B5EF4-FFF2-40B4-BE49-F238E27FC236}">
+                <a16:creationId xmlns:a16="http://schemas.microsoft.com/office/drawing/2014/main" id="{C702EC33-039F-B906-6BDB-3B1214647EF8}"/>
+              </a:ext>
+            </a:extLst>
+          </p:cNvPr>
+          <p:cNvGrpSpPr/>
+          <p:nvPr/>
+        </p:nvGrpSpPr>
+        <p:grpSpPr>
+          <a:xfrm>
+            <a:off x="722517" y="2224658"/>
+            <a:ext cx="10746965" cy="3478912"/>
+            <a:chOff x="722518" y="1816290"/>
+            <a:chExt cx="10746965" cy="3478912"/>
+          </a:xfrm>
+        </p:grpSpPr>
+        <p:grpSp>
+          <p:nvGrpSpPr>
+            <p:cNvPr id="32" name="Group 31">
+              <a:extLst>
+                <a:ext uri="{FF2B5EF4-FFF2-40B4-BE49-F238E27FC236}">
+                  <a16:creationId xmlns:a16="http://schemas.microsoft.com/office/drawing/2014/main" id="{35A4E890-D63A-93DB-58F3-3A0190B1C76D}"/>
+                </a:ext>
+              </a:extLst>
+            </p:cNvPr>
+            <p:cNvGrpSpPr/>
+            <p:nvPr/>
+          </p:nvGrpSpPr>
+          <p:grpSpPr>
+            <a:xfrm>
+              <a:off x="3310123" y="1816290"/>
+              <a:ext cx="3990529" cy="3478912"/>
+              <a:chOff x="3760256" y="1816290"/>
+              <a:chExt cx="3990529" cy="3478912"/>
+            </a:xfrm>
+          </p:grpSpPr>
+          <p:grpSp>
+            <p:nvGrpSpPr>
+              <p:cNvPr id="22" name="Group 21">
+                <a:extLst>
+                  <a:ext uri="{FF2B5EF4-FFF2-40B4-BE49-F238E27FC236}">
+                    <a16:creationId xmlns:a16="http://schemas.microsoft.com/office/drawing/2014/main" id="{CAA1204E-A172-7B3F-65EB-2FD101A18623}"/>
+                  </a:ext>
+                </a:extLst>
+              </p:cNvPr>
+              <p:cNvGrpSpPr/>
+              <p:nvPr/>
+            </p:nvGrpSpPr>
+            <p:grpSpPr>
+              <a:xfrm>
+                <a:off x="3760256" y="1816290"/>
+                <a:ext cx="3990529" cy="3478912"/>
+                <a:chOff x="722517" y="1816290"/>
+                <a:chExt cx="3468483" cy="3478912"/>
+              </a:xfrm>
+            </p:grpSpPr>
+            <p:sp>
+              <p:nvSpPr>
+                <p:cNvPr id="23" name="Rectangle 22">
+                  <a:extLst>
+                    <a:ext uri="{FF2B5EF4-FFF2-40B4-BE49-F238E27FC236}">
+                      <a16:creationId xmlns:a16="http://schemas.microsoft.com/office/drawing/2014/main" id="{746DC50F-8810-9DEE-5007-1ADDB1ABA878}"/>
+                    </a:ext>
+                  </a:extLst>
+                </p:cNvPr>
+                <p:cNvSpPr/>
+                <p:nvPr/>
+              </p:nvSpPr>
+              <p:spPr>
+                <a:xfrm>
+                  <a:off x="722517" y="1816290"/>
+                  <a:ext cx="3468483" cy="3478912"/>
+                </a:xfrm>
+                <a:prstGeom prst="rect">
+                  <a:avLst/>
+                </a:prstGeom>
+                <a:solidFill>
+                  <a:srgbClr val="F5F5F5"/>
+                </a:solidFill>
+                <a:ln w="38100">
+                  <a:solidFill>
+                    <a:srgbClr val="043D4D"/>
+                  </a:solidFill>
+                </a:ln>
+              </p:spPr>
+              <p:style>
+                <a:lnRef idx="2">
+                  <a:schemeClr val="accent1">
+                    <a:shade val="15000"/>
+                  </a:schemeClr>
+                </a:lnRef>
+                <a:fillRef idx="1">
+                  <a:schemeClr val="accent1"/>
+                </a:fillRef>
+                <a:effectRef idx="0">
+                  <a:schemeClr val="accent1"/>
+                </a:effectRef>
+                <a:fontRef idx="minor">
+                  <a:schemeClr val="lt1"/>
+                </a:fontRef>
+              </p:style>
+              <p:txBody>
+                <a:bodyPr rtlCol="0" anchor="ctr"/>
+                <a:lstStyle/>
+                <a:p>
+                  <a:pPr algn="ctr"/>
+                  <a:endParaRPr lang="en-US"/>
+                </a:p>
+              </p:txBody>
+            </p:sp>
+            <p:sp>
+              <p:nvSpPr>
+                <p:cNvPr id="24" name="TextBox 23">
+                  <a:extLst>
+                    <a:ext uri="{FF2B5EF4-FFF2-40B4-BE49-F238E27FC236}">
+                      <a16:creationId xmlns:a16="http://schemas.microsoft.com/office/drawing/2014/main" id="{20F7160B-A2AB-8887-780C-1E452F24977F}"/>
+                    </a:ext>
+                  </a:extLst>
+                </p:cNvPr>
+                <p:cNvSpPr txBox="1"/>
+                <p:nvPr/>
+              </p:nvSpPr>
+              <p:spPr>
+                <a:xfrm>
+                  <a:off x="831158" y="1940437"/>
+                  <a:ext cx="3251200" cy="3354765"/>
+                </a:xfrm>
+                <a:prstGeom prst="rect">
+                  <a:avLst/>
+                </a:prstGeom>
+                <a:noFill/>
+                <a:ln>
+                  <a:noFill/>
+                </a:ln>
+              </p:spPr>
+              <p:txBody>
+                <a:bodyPr wrap="square" rtlCol="0">
+                  <a:spAutoFit/>
+                </a:bodyPr>
+                <a:lstStyle/>
+                <a:p>
+                  <a:pPr algn="ctr"/>
+                  <a:r>
+                    <a:rPr lang="en-US" sz="3200" dirty="0" err="1">
+                      <a:solidFill>
+                        <a:srgbClr val="043D4D"/>
+                      </a:solidFill>
+                      <a:latin typeface="Arial" panose="020B0604020202020204" pitchFamily="34" charset="0"/>
+                      <a:cs typeface="Arial" panose="020B0604020202020204" pitchFamily="34" charset="0"/>
+                    </a:rPr>
+                    <a:t>Jupyter</a:t>
+                  </a:r>
+                  <a:r>
+                    <a:rPr lang="en-US" sz="3200" dirty="0">
+                      <a:solidFill>
+                        <a:srgbClr val="043D4D"/>
+                      </a:solidFill>
+                      <a:latin typeface="Arial" panose="020B0604020202020204" pitchFamily="34" charset="0"/>
+                      <a:cs typeface="Arial" panose="020B0604020202020204" pitchFamily="34" charset="0"/>
+                    </a:rPr>
+                    <a:t> Notebook</a:t>
+                  </a:r>
+                </a:p>
+                <a:p>
+                  <a:endParaRPr lang="en-US" dirty="0">
+                    <a:solidFill>
+                      <a:srgbClr val="F5F5F5"/>
+                    </a:solidFill>
+                    <a:latin typeface="Arial" panose="020B0604020202020204" pitchFamily="34" charset="0"/>
+                    <a:cs typeface="Arial" panose="020B0604020202020204" pitchFamily="34" charset="0"/>
+                  </a:endParaRPr>
+                </a:p>
+                <a:p>
+                  <a:r>
+                    <a:rPr lang="en-US" dirty="0">
+                      <a:solidFill>
+                        <a:srgbClr val="043D4D"/>
+                      </a:solidFill>
+                      <a:latin typeface="Arial" panose="020B0604020202020204" pitchFamily="34" charset="0"/>
+                      <a:cs typeface="Arial" panose="020B0604020202020204" pitchFamily="34" charset="0"/>
+                    </a:rPr>
+                    <a:t>Add this header to the top of the notebook:</a:t>
+                  </a:r>
+                </a:p>
+                <a:p>
+                  <a:endParaRPr lang="en-US" dirty="0">
+                    <a:solidFill>
+                      <a:srgbClr val="F5F5F5"/>
+                    </a:solidFill>
+                    <a:latin typeface="Arial" panose="020B0604020202020204" pitchFamily="34" charset="0"/>
+                    <a:cs typeface="Arial" panose="020B0604020202020204" pitchFamily="34" charset="0"/>
+                  </a:endParaRPr>
+                </a:p>
+                <a:p>
+                  <a:endParaRPr lang="en-US" dirty="0">
+                    <a:solidFill>
+                      <a:srgbClr val="F5F5F5"/>
+                    </a:solidFill>
+                    <a:latin typeface="Arial" panose="020B0604020202020204" pitchFamily="34" charset="0"/>
+                    <a:cs typeface="Arial" panose="020B0604020202020204" pitchFamily="34" charset="0"/>
+                  </a:endParaRPr>
+                </a:p>
+                <a:p>
+                  <a:endParaRPr lang="en-US" dirty="0">
+                    <a:solidFill>
+                      <a:srgbClr val="F5F5F5"/>
+                    </a:solidFill>
+                    <a:latin typeface="Arial" panose="020B0604020202020204" pitchFamily="34" charset="0"/>
+                    <a:cs typeface="Arial" panose="020B0604020202020204" pitchFamily="34" charset="0"/>
+                  </a:endParaRPr>
+                </a:p>
+                <a:p>
+                  <a:endParaRPr lang="en-US" dirty="0">
+                    <a:solidFill>
+                      <a:srgbClr val="F5F5F5"/>
+                    </a:solidFill>
+                    <a:latin typeface="Arial" panose="020B0604020202020204" pitchFamily="34" charset="0"/>
+                    <a:cs typeface="Arial" panose="020B0604020202020204" pitchFamily="34" charset="0"/>
+                  </a:endParaRPr>
+                </a:p>
+                <a:p>
+                  <a:endParaRPr lang="en-US" dirty="0">
+                    <a:solidFill>
+                      <a:srgbClr val="F5F5F5"/>
+                    </a:solidFill>
+                    <a:latin typeface="Arial" panose="020B0604020202020204" pitchFamily="34" charset="0"/>
+                    <a:cs typeface="Arial" panose="020B0604020202020204" pitchFamily="34" charset="0"/>
+                  </a:endParaRPr>
+                </a:p>
+                <a:p>
+                  <a:endParaRPr lang="en-US" dirty="0">
+                    <a:solidFill>
+                      <a:srgbClr val="F5F5F5"/>
+                    </a:solidFill>
+                    <a:latin typeface="Arial" panose="020B0604020202020204" pitchFamily="34" charset="0"/>
+                    <a:cs typeface="Arial" panose="020B0604020202020204" pitchFamily="34" charset="0"/>
+                  </a:endParaRPr>
+                </a:p>
+                <a:p>
+                  <a:endParaRPr lang="en-US" dirty="0">
+                    <a:solidFill>
+                      <a:srgbClr val="F5F5F5"/>
+                    </a:solidFill>
+                    <a:latin typeface="Arial" panose="020B0604020202020204" pitchFamily="34" charset="0"/>
+                    <a:cs typeface="Arial" panose="020B0604020202020204" pitchFamily="34" charset="0"/>
+                  </a:endParaRPr>
+                </a:p>
+              </p:txBody>
+            </p:sp>
+          </p:grpSp>
+          <p:grpSp>
+            <p:nvGrpSpPr>
+              <p:cNvPr id="26" name="Group 25">
+                <a:extLst>
+                  <a:ext uri="{FF2B5EF4-FFF2-40B4-BE49-F238E27FC236}">
+                    <a16:creationId xmlns:a16="http://schemas.microsoft.com/office/drawing/2014/main" id="{623F03BE-86CE-BD8F-579D-BA0600E6ABFC}"/>
+                  </a:ext>
+                </a:extLst>
+              </p:cNvPr>
+              <p:cNvGrpSpPr/>
+              <p:nvPr/>
+            </p:nvGrpSpPr>
+            <p:grpSpPr>
+              <a:xfrm>
+                <a:off x="3885249" y="3429000"/>
+                <a:ext cx="3724190" cy="1672497"/>
+                <a:chOff x="3901601" y="3206843"/>
+                <a:chExt cx="3724190" cy="1672497"/>
+              </a:xfrm>
+            </p:grpSpPr>
+            <p:sp>
+              <p:nvSpPr>
+                <p:cNvPr id="25" name="Rectangle 24">
+                  <a:extLst>
+                    <a:ext uri="{FF2B5EF4-FFF2-40B4-BE49-F238E27FC236}">
+                      <a16:creationId xmlns:a16="http://schemas.microsoft.com/office/drawing/2014/main" id="{7E3906EA-1408-FA8B-1BE9-22DBD01294AA}"/>
+                    </a:ext>
+                  </a:extLst>
+                </p:cNvPr>
+                <p:cNvSpPr/>
+                <p:nvPr/>
+              </p:nvSpPr>
+              <p:spPr>
+                <a:xfrm>
+                  <a:off x="3901601" y="3206843"/>
+                  <a:ext cx="3724190" cy="1672497"/>
+                </a:xfrm>
+                <a:prstGeom prst="rect">
+                  <a:avLst/>
+                </a:prstGeom>
+                <a:solidFill>
+                  <a:srgbClr val="F5F5F5"/>
+                </a:solidFill>
+                <a:ln w="12700">
+                  <a:noFill/>
+                </a:ln>
+              </p:spPr>
+              <p:style>
+                <a:lnRef idx="2">
+                  <a:schemeClr val="accent1">
+                    <a:shade val="15000"/>
+                  </a:schemeClr>
+                </a:lnRef>
+                <a:fillRef idx="1">
+                  <a:schemeClr val="accent1"/>
+                </a:fillRef>
+                <a:effectRef idx="0">
+                  <a:schemeClr val="accent1"/>
+                </a:effectRef>
+                <a:fontRef idx="minor">
+                  <a:schemeClr val="lt1"/>
+                </a:fontRef>
+              </p:style>
+              <p:txBody>
+                <a:bodyPr rtlCol="0" anchor="ctr"/>
+                <a:lstStyle/>
+                <a:p>
+                  <a:pPr algn="ctr"/>
+                  <a:endParaRPr lang="en-US"/>
+                </a:p>
+              </p:txBody>
+            </p:sp>
+            <p:pic>
+              <p:nvPicPr>
+                <p:cNvPr id="15" name="Picture 14" descr="A screen shot of a computer code&#10;&#10;Description automatically generated">
+                  <a:extLst>
+                    <a:ext uri="{FF2B5EF4-FFF2-40B4-BE49-F238E27FC236}">
+                      <a16:creationId xmlns:a16="http://schemas.microsoft.com/office/drawing/2014/main" id="{7FF7B4EC-14D9-13ED-59B8-41C53015918F}"/>
+                    </a:ext>
+                  </a:extLst>
+                </p:cNvPr>
+                <p:cNvPicPr>
+                  <a:picLocks noChangeAspect="1"/>
+                </p:cNvPicPr>
+                <p:nvPr/>
+              </p:nvPicPr>
+              <p:blipFill>
+                <a:blip r:embed="rId2"/>
+                <a:stretch>
+                  <a:fillRect/>
+                </a:stretch>
+              </p:blipFill>
+              <p:spPr>
+                <a:xfrm>
+                  <a:off x="3973991" y="3304903"/>
+                  <a:ext cx="2921000" cy="1476375"/>
+                </a:xfrm>
+                <a:prstGeom prst="rect">
+                  <a:avLst/>
+                </a:prstGeom>
+              </p:spPr>
+            </p:pic>
+          </p:grpSp>
+        </p:grpSp>
+        <p:grpSp>
+          <p:nvGrpSpPr>
+            <p:cNvPr id="20" name="Group 19">
+              <a:extLst>
+                <a:ext uri="{FF2B5EF4-FFF2-40B4-BE49-F238E27FC236}">
+                  <a16:creationId xmlns:a16="http://schemas.microsoft.com/office/drawing/2014/main" id="{6724EDD6-A4B2-FFA3-B3AC-B29D6091ACC5}"/>
+                </a:ext>
+              </a:extLst>
+            </p:cNvPr>
+            <p:cNvGrpSpPr/>
+            <p:nvPr/>
+          </p:nvGrpSpPr>
+          <p:grpSpPr>
+            <a:xfrm>
+              <a:off x="722518" y="1816290"/>
+              <a:ext cx="2409303" cy="2252790"/>
+              <a:chOff x="722517" y="1816290"/>
+              <a:chExt cx="3468483" cy="2252790"/>
+            </a:xfrm>
+          </p:grpSpPr>
+          <p:sp>
+            <p:nvSpPr>
+              <p:cNvPr id="19" name="Rectangle 18">
+                <a:extLst>
+                  <a:ext uri="{FF2B5EF4-FFF2-40B4-BE49-F238E27FC236}">
+                    <a16:creationId xmlns:a16="http://schemas.microsoft.com/office/drawing/2014/main" id="{026581A5-EE5F-14FC-32B8-E493D9F48F75}"/>
+                  </a:ext>
+                </a:extLst>
+              </p:cNvPr>
+              <p:cNvSpPr/>
+              <p:nvPr/>
+            </p:nvSpPr>
+            <p:spPr>
+              <a:xfrm>
+                <a:off x="722517" y="1816290"/>
+                <a:ext cx="3468483" cy="2252790"/>
+              </a:xfrm>
+              <a:prstGeom prst="rect">
+                <a:avLst/>
+              </a:prstGeom>
+              <a:solidFill>
+                <a:srgbClr val="F5F5F5"/>
+              </a:solidFill>
+              <a:ln w="38100"/>
+            </p:spPr>
+            <p:style>
+              <a:lnRef idx="2">
+                <a:schemeClr val="accent1">
+                  <a:shade val="15000"/>
+                </a:schemeClr>
+              </a:lnRef>
+              <a:fillRef idx="1">
+                <a:schemeClr val="accent1"/>
+              </a:fillRef>
+              <a:effectRef idx="0">
+                <a:schemeClr val="accent1"/>
+              </a:effectRef>
+              <a:fontRef idx="minor">
+                <a:schemeClr val="lt1"/>
+              </a:fontRef>
+            </p:style>
+            <p:txBody>
+              <a:bodyPr rtlCol="0" anchor="ctr"/>
+              <a:lstStyle/>
+              <a:p>
+                <a:pPr algn="ctr"/>
+                <a:endParaRPr lang="en-US"/>
+              </a:p>
+            </p:txBody>
+          </p:sp>
+          <p:sp>
+            <p:nvSpPr>
+              <p:cNvPr id="16" name="TextBox 15">
+                <a:extLst>
+                  <a:ext uri="{FF2B5EF4-FFF2-40B4-BE49-F238E27FC236}">
+                    <a16:creationId xmlns:a16="http://schemas.microsoft.com/office/drawing/2014/main" id="{2B87100A-309A-647E-E426-B2DD863E8378}"/>
+                  </a:ext>
+                </a:extLst>
+              </p:cNvPr>
+              <p:cNvSpPr txBox="1"/>
+              <p:nvPr/>
+            </p:nvSpPr>
+            <p:spPr>
+              <a:xfrm>
+                <a:off x="831158" y="1940437"/>
+                <a:ext cx="3251200" cy="1969770"/>
+              </a:xfrm>
+              <a:prstGeom prst="rect">
+                <a:avLst/>
+              </a:prstGeom>
+              <a:noFill/>
+              <a:ln>
+                <a:noFill/>
+              </a:ln>
+            </p:spPr>
+            <p:txBody>
+              <a:bodyPr wrap="square" rtlCol="0">
+                <a:spAutoFit/>
+              </a:bodyPr>
+              <a:lstStyle/>
+              <a:p>
+                <a:pPr algn="ctr"/>
+                <a:r>
+                  <a:rPr lang="en-US" sz="3200" dirty="0">
+                    <a:solidFill>
+                      <a:srgbClr val="043D4D"/>
+                    </a:solidFill>
+                    <a:latin typeface="Arial" panose="020B0604020202020204" pitchFamily="34" charset="0"/>
+                    <a:cs typeface="Arial" panose="020B0604020202020204" pitchFamily="34" charset="0"/>
+                  </a:rPr>
+                  <a:t>Terminal</a:t>
+                </a:r>
+              </a:p>
+              <a:p>
+                <a:endParaRPr lang="en-US" dirty="0">
+                  <a:solidFill>
+                    <a:srgbClr val="F5F5F5"/>
+                  </a:solidFill>
+                  <a:latin typeface="Arial" panose="020B0604020202020204" pitchFamily="34" charset="0"/>
+                  <a:cs typeface="Arial" panose="020B0604020202020204" pitchFamily="34" charset="0"/>
+                </a:endParaRPr>
+              </a:p>
+              <a:p>
+                <a:r>
+                  <a:rPr lang="en-US" dirty="0">
+                    <a:solidFill>
+                      <a:srgbClr val="043D4D"/>
+                    </a:solidFill>
+                    <a:latin typeface="Arial" panose="020B0604020202020204" pitchFamily="34" charset="0"/>
+                    <a:cs typeface="Arial" panose="020B0604020202020204" pitchFamily="34" charset="0"/>
+                  </a:rPr>
+                  <a:t>Creates a temporary HTML file and launches in default browser</a:t>
+                </a:r>
+              </a:p>
+            </p:txBody>
+          </p:sp>
+        </p:grpSp>
+        <p:grpSp>
+          <p:nvGrpSpPr>
+            <p:cNvPr id="33" name="Group 32">
+              <a:extLst>
+                <a:ext uri="{FF2B5EF4-FFF2-40B4-BE49-F238E27FC236}">
+                  <a16:creationId xmlns:a16="http://schemas.microsoft.com/office/drawing/2014/main" id="{975C6073-5441-43F7-4313-FAF5BAEB5B14}"/>
+                </a:ext>
+              </a:extLst>
+            </p:cNvPr>
+            <p:cNvGrpSpPr/>
+            <p:nvPr/>
+          </p:nvGrpSpPr>
+          <p:grpSpPr>
+            <a:xfrm>
+              <a:off x="7478954" y="1816290"/>
+              <a:ext cx="3990529" cy="3478912"/>
+              <a:chOff x="7845871" y="1816290"/>
+              <a:chExt cx="3990529" cy="3478912"/>
+            </a:xfrm>
+          </p:grpSpPr>
+          <p:grpSp>
+            <p:nvGrpSpPr>
+              <p:cNvPr id="27" name="Group 26">
+                <a:extLst>
+                  <a:ext uri="{FF2B5EF4-FFF2-40B4-BE49-F238E27FC236}">
+                    <a16:creationId xmlns:a16="http://schemas.microsoft.com/office/drawing/2014/main" id="{8020408E-1321-1C06-8286-C248879381A4}"/>
+                  </a:ext>
+                </a:extLst>
+              </p:cNvPr>
+              <p:cNvGrpSpPr/>
+              <p:nvPr/>
+            </p:nvGrpSpPr>
+            <p:grpSpPr>
+              <a:xfrm>
+                <a:off x="7845871" y="1816290"/>
+                <a:ext cx="3990529" cy="3478912"/>
+                <a:chOff x="722517" y="1816290"/>
+                <a:chExt cx="3468483" cy="3478912"/>
+              </a:xfrm>
+            </p:grpSpPr>
+            <p:sp>
+              <p:nvSpPr>
+                <p:cNvPr id="28" name="Rectangle 27">
+                  <a:extLst>
+                    <a:ext uri="{FF2B5EF4-FFF2-40B4-BE49-F238E27FC236}">
+                      <a16:creationId xmlns:a16="http://schemas.microsoft.com/office/drawing/2014/main" id="{98674E4E-5F02-3481-8077-D3E3A5F3DDEB}"/>
+                    </a:ext>
+                  </a:extLst>
+                </p:cNvPr>
+                <p:cNvSpPr/>
+                <p:nvPr/>
+              </p:nvSpPr>
+              <p:spPr>
+                <a:xfrm>
+                  <a:off x="722517" y="1816290"/>
+                  <a:ext cx="3468483" cy="2858580"/>
+                </a:xfrm>
+                <a:prstGeom prst="rect">
+                  <a:avLst/>
+                </a:prstGeom>
+                <a:solidFill>
+                  <a:srgbClr val="F5F5F5"/>
+                </a:solidFill>
+                <a:ln w="38100">
+                  <a:solidFill>
+                    <a:srgbClr val="043D4D"/>
+                  </a:solidFill>
+                </a:ln>
+              </p:spPr>
+              <p:style>
+                <a:lnRef idx="2">
+                  <a:schemeClr val="accent1">
+                    <a:shade val="15000"/>
+                  </a:schemeClr>
+                </a:lnRef>
+                <a:fillRef idx="1">
+                  <a:schemeClr val="accent1"/>
+                </a:fillRef>
+                <a:effectRef idx="0">
+                  <a:schemeClr val="accent1"/>
+                </a:effectRef>
+                <a:fontRef idx="minor">
+                  <a:schemeClr val="lt1"/>
+                </a:fontRef>
+              </p:style>
+              <p:txBody>
+                <a:bodyPr rtlCol="0" anchor="ctr"/>
+                <a:lstStyle/>
+                <a:p>
+                  <a:pPr algn="ctr"/>
+                  <a:endParaRPr lang="en-US"/>
+                </a:p>
+              </p:txBody>
+            </p:sp>
+            <p:sp>
+              <p:nvSpPr>
+                <p:cNvPr id="29" name="TextBox 28">
+                  <a:extLst>
+                    <a:ext uri="{FF2B5EF4-FFF2-40B4-BE49-F238E27FC236}">
+                      <a16:creationId xmlns:a16="http://schemas.microsoft.com/office/drawing/2014/main" id="{F00D2AA6-C28D-2600-83ED-F77EA6B7D1A3}"/>
+                    </a:ext>
+                  </a:extLst>
+                </p:cNvPr>
+                <p:cNvSpPr txBox="1"/>
+                <p:nvPr/>
+              </p:nvSpPr>
+              <p:spPr>
+                <a:xfrm>
+                  <a:off x="831158" y="1940437"/>
+                  <a:ext cx="3251200" cy="3354765"/>
+                </a:xfrm>
+                <a:prstGeom prst="rect">
+                  <a:avLst/>
+                </a:prstGeom>
+                <a:noFill/>
+                <a:ln>
+                  <a:noFill/>
+                </a:ln>
+              </p:spPr>
+              <p:txBody>
+                <a:bodyPr wrap="square" rtlCol="0">
+                  <a:spAutoFit/>
+                </a:bodyPr>
+                <a:lstStyle/>
+                <a:p>
+                  <a:pPr algn="ctr"/>
+                  <a:r>
+                    <a:rPr lang="en-US" sz="3200" dirty="0" err="1">
+                      <a:solidFill>
+                        <a:srgbClr val="043D4D"/>
+                      </a:solidFill>
+                      <a:latin typeface="Arial" panose="020B0604020202020204" pitchFamily="34" charset="0"/>
+                      <a:cs typeface="Arial" panose="020B0604020202020204" pitchFamily="34" charset="0"/>
+                    </a:rPr>
+                    <a:t>Jupyter</a:t>
+                  </a:r>
+                  <a:r>
+                    <a:rPr lang="en-US" sz="3200" dirty="0">
+                      <a:solidFill>
+                        <a:srgbClr val="043D4D"/>
+                      </a:solidFill>
+                      <a:latin typeface="Arial" panose="020B0604020202020204" pitchFamily="34" charset="0"/>
+                      <a:cs typeface="Arial" panose="020B0604020202020204" pitchFamily="34" charset="0"/>
+                    </a:rPr>
+                    <a:t> Lab</a:t>
+                  </a:r>
+                </a:p>
+                <a:p>
+                  <a:endParaRPr lang="en-US" dirty="0">
+                    <a:solidFill>
+                      <a:srgbClr val="F5F5F5"/>
+                    </a:solidFill>
+                    <a:latin typeface="Arial" panose="020B0604020202020204" pitchFamily="34" charset="0"/>
+                    <a:cs typeface="Arial" panose="020B0604020202020204" pitchFamily="34" charset="0"/>
+                  </a:endParaRPr>
+                </a:p>
+                <a:p>
+                  <a:r>
+                    <a:rPr lang="en-US" dirty="0">
+                      <a:solidFill>
+                        <a:srgbClr val="043D4D"/>
+                      </a:solidFill>
+                      <a:latin typeface="Arial" panose="020B0604020202020204" pitchFamily="34" charset="0"/>
+                      <a:cs typeface="Arial" panose="020B0604020202020204" pitchFamily="34" charset="0"/>
+                    </a:rPr>
+                    <a:t>Add this header to the top of the notebook:</a:t>
+                  </a:r>
+                </a:p>
+                <a:p>
+                  <a:endParaRPr lang="en-US" dirty="0">
+                    <a:solidFill>
+                      <a:srgbClr val="F5F5F5"/>
+                    </a:solidFill>
+                    <a:latin typeface="Arial" panose="020B0604020202020204" pitchFamily="34" charset="0"/>
+                    <a:cs typeface="Arial" panose="020B0604020202020204" pitchFamily="34" charset="0"/>
+                  </a:endParaRPr>
+                </a:p>
+                <a:p>
+                  <a:endParaRPr lang="en-US" dirty="0">
+                    <a:solidFill>
+                      <a:srgbClr val="F5F5F5"/>
+                    </a:solidFill>
+                    <a:latin typeface="Arial" panose="020B0604020202020204" pitchFamily="34" charset="0"/>
+                    <a:cs typeface="Arial" panose="020B0604020202020204" pitchFamily="34" charset="0"/>
+                  </a:endParaRPr>
+                </a:p>
+                <a:p>
+                  <a:endParaRPr lang="en-US" dirty="0">
+                    <a:solidFill>
+                      <a:srgbClr val="F5F5F5"/>
+                    </a:solidFill>
+                    <a:latin typeface="Arial" panose="020B0604020202020204" pitchFamily="34" charset="0"/>
+                    <a:cs typeface="Arial" panose="020B0604020202020204" pitchFamily="34" charset="0"/>
+                  </a:endParaRPr>
+                </a:p>
+                <a:p>
+                  <a:endParaRPr lang="en-US" dirty="0">
+                    <a:solidFill>
+                      <a:srgbClr val="F5F5F5"/>
+                    </a:solidFill>
+                    <a:latin typeface="Arial" panose="020B0604020202020204" pitchFamily="34" charset="0"/>
+                    <a:cs typeface="Arial" panose="020B0604020202020204" pitchFamily="34" charset="0"/>
+                  </a:endParaRPr>
+                </a:p>
+                <a:p>
+                  <a:endParaRPr lang="en-US" dirty="0">
+                    <a:solidFill>
+                      <a:srgbClr val="F5F5F5"/>
+                    </a:solidFill>
+                    <a:latin typeface="Arial" panose="020B0604020202020204" pitchFamily="34" charset="0"/>
+                    <a:cs typeface="Arial" panose="020B0604020202020204" pitchFamily="34" charset="0"/>
+                  </a:endParaRPr>
+                </a:p>
+                <a:p>
+                  <a:endParaRPr lang="en-US" dirty="0">
+                    <a:solidFill>
+                      <a:srgbClr val="F5F5F5"/>
+                    </a:solidFill>
+                    <a:latin typeface="Arial" panose="020B0604020202020204" pitchFamily="34" charset="0"/>
+                    <a:cs typeface="Arial" panose="020B0604020202020204" pitchFamily="34" charset="0"/>
+                  </a:endParaRPr>
+                </a:p>
+                <a:p>
+                  <a:endParaRPr lang="en-US" dirty="0">
+                    <a:solidFill>
+                      <a:srgbClr val="F5F5F5"/>
+                    </a:solidFill>
+                    <a:latin typeface="Arial" panose="020B0604020202020204" pitchFamily="34" charset="0"/>
+                    <a:cs typeface="Arial" panose="020B0604020202020204" pitchFamily="34" charset="0"/>
+                  </a:endParaRPr>
+                </a:p>
+              </p:txBody>
+            </p:sp>
+          </p:grpSp>
+          <p:grpSp>
+            <p:nvGrpSpPr>
+              <p:cNvPr id="31" name="Group 30">
+                <a:extLst>
+                  <a:ext uri="{FF2B5EF4-FFF2-40B4-BE49-F238E27FC236}">
+                    <a16:creationId xmlns:a16="http://schemas.microsoft.com/office/drawing/2014/main" id="{BDA76B93-1FA4-CFE1-4528-E61007829C4E}"/>
+                  </a:ext>
+                </a:extLst>
+              </p:cNvPr>
+              <p:cNvGrpSpPr/>
+              <p:nvPr/>
+            </p:nvGrpSpPr>
+            <p:grpSpPr>
+              <a:xfrm>
+                <a:off x="7970864" y="3429000"/>
+                <a:ext cx="3740542" cy="1048781"/>
+                <a:chOff x="7970864" y="3843259"/>
+                <a:chExt cx="3740542" cy="1048781"/>
+              </a:xfrm>
+            </p:grpSpPr>
+            <p:sp>
+              <p:nvSpPr>
+                <p:cNvPr id="30" name="Rectangle 29">
+                  <a:extLst>
+                    <a:ext uri="{FF2B5EF4-FFF2-40B4-BE49-F238E27FC236}">
+                      <a16:creationId xmlns:a16="http://schemas.microsoft.com/office/drawing/2014/main" id="{8D795929-8CB5-7634-0436-102B077B76CA}"/>
+                    </a:ext>
+                  </a:extLst>
+                </p:cNvPr>
+                <p:cNvSpPr/>
+                <p:nvPr/>
+              </p:nvSpPr>
+              <p:spPr>
+                <a:xfrm>
+                  <a:off x="7970864" y="3843259"/>
+                  <a:ext cx="3740542" cy="1048781"/>
+                </a:xfrm>
+                <a:prstGeom prst="rect">
+                  <a:avLst/>
+                </a:prstGeom>
+                <a:solidFill>
+                  <a:srgbClr val="F5F5F5"/>
+                </a:solidFill>
+                <a:ln>
+                  <a:noFill/>
+                </a:ln>
+              </p:spPr>
+              <p:style>
+                <a:lnRef idx="2">
+                  <a:schemeClr val="accent1">
+                    <a:shade val="15000"/>
+                  </a:schemeClr>
+                </a:lnRef>
+                <a:fillRef idx="1">
+                  <a:schemeClr val="accent1"/>
+                </a:fillRef>
+                <a:effectRef idx="0">
+                  <a:schemeClr val="accent1"/>
+                </a:effectRef>
+                <a:fontRef idx="minor">
+                  <a:schemeClr val="lt1"/>
+                </a:fontRef>
+              </p:style>
+              <p:txBody>
+                <a:bodyPr rtlCol="0" anchor="ctr"/>
+                <a:lstStyle/>
+                <a:p>
+                  <a:pPr algn="ctr"/>
+                  <a:endParaRPr lang="en-US"/>
+                </a:p>
+              </p:txBody>
+            </p:sp>
+            <p:pic>
+              <p:nvPicPr>
+                <p:cNvPr id="13" name="Picture 12" descr="A close-up of a computer code&#10;&#10;Description automatically generated">
+                  <a:extLst>
+                    <a:ext uri="{FF2B5EF4-FFF2-40B4-BE49-F238E27FC236}">
+                      <a16:creationId xmlns:a16="http://schemas.microsoft.com/office/drawing/2014/main" id="{1C1FA5EF-53E4-45AB-6659-48FBD4919188}"/>
+                    </a:ext>
+                  </a:extLst>
+                </p:cNvPr>
+                <p:cNvPicPr>
+                  <a:picLocks noChangeAspect="1"/>
+                </p:cNvPicPr>
+                <p:nvPr/>
+              </p:nvPicPr>
+              <p:blipFill>
+                <a:blip r:embed="rId3"/>
+                <a:stretch>
+                  <a:fillRect/>
+                </a:stretch>
+              </p:blipFill>
+              <p:spPr>
+                <a:xfrm>
+                  <a:off x="8013413" y="3939024"/>
+                  <a:ext cx="3655443" cy="857250"/>
+                </a:xfrm>
+                <a:prstGeom prst="rect">
+                  <a:avLst/>
+                </a:prstGeom>
+              </p:spPr>
+            </p:pic>
+          </p:grpSp>
+        </p:grpSp>
+      </p:grpSp>
+    </p:spTree>
+    <p:extLst>
+      <p:ext uri="{BB962C8B-B14F-4D97-AF65-F5344CB8AC3E}">
+        <p14:creationId xmlns:p14="http://schemas.microsoft.com/office/powerpoint/2010/main" val="1511584320"/>
+      </p:ext>
+    </p:extLst>
+  </p:cSld>
+  <p:clrMapOvr>
+    <a:masterClrMapping/>
+  </p:clrMapOvr>
+</p:sld>
+</file>
+
+<file path=ppt/slides/slide11.xml><?xml version="1.0" encoding="utf-8"?>
+<p:sld xmlns:a="http://schemas.openxmlformats.org/drawingml/2006/main" xmlns:r="http://schemas.openxmlformats.org/officeDocument/2006/relationships" xmlns:p="http://schemas.openxmlformats.org/presentationml/2006/main" show="0">
+  <p:cSld>
+    <p:spTree>
+      <p:nvGrpSpPr>
+        <p:cNvPr id="1" name=""/>
+        <p:cNvGrpSpPr/>
+        <p:nvPr/>
+      </p:nvGrpSpPr>
+      <p:grpSpPr>
+        <a:xfrm>
+          <a:off x="0" y="0"/>
+          <a:ext cx="0" cy="0"/>
+          <a:chOff x="0" y="0"/>
+          <a:chExt cx="0" cy="0"/>
+        </a:xfrm>
+      </p:grpSpPr>
+      <p:pic>
+        <p:nvPicPr>
+          <p:cNvPr id="14" name="Picture 13" descr="A screenshot of a computer&#10;&#10;Description automatically generated">
+            <a:extLst>
+              <a:ext uri="{FF2B5EF4-FFF2-40B4-BE49-F238E27FC236}">
+                <a16:creationId xmlns:a16="http://schemas.microsoft.com/office/drawing/2014/main" id="{6BBA1B56-8A9B-3E66-CE84-C5A0B56326B7}"/>
+              </a:ext>
+            </a:extLst>
+          </p:cNvPr>
+          <p:cNvPicPr>
+            <a:picLocks noChangeAspect="1"/>
+          </p:cNvPicPr>
+          <p:nvPr/>
+        </p:nvPicPr>
+        <p:blipFill>
+          <a:blip r:embed="rId2"/>
+          <a:stretch>
+            <a:fillRect/>
+          </a:stretch>
+        </p:blipFill>
+        <p:spPr>
+          <a:xfrm>
+            <a:off x="3653239" y="797011"/>
+            <a:ext cx="4885521" cy="5263977"/>
+          </a:xfrm>
+          <a:prstGeom prst="rect">
+            <a:avLst/>
+          </a:prstGeom>
+        </p:spPr>
+      </p:pic>
+      <p:cxnSp>
+        <p:nvCxnSpPr>
+          <p:cNvPr id="9" name="Straight Arrow Connector 8">
+            <a:extLst>
+              <a:ext uri="{FF2B5EF4-FFF2-40B4-BE49-F238E27FC236}">
+                <a16:creationId xmlns:a16="http://schemas.microsoft.com/office/drawing/2014/main" id="{F129AD86-1D32-3687-7A7C-3D5DBBA4F048}"/>
+              </a:ext>
+            </a:extLst>
+          </p:cNvPr>
+          <p:cNvCxnSpPr>
+            <a:cxnSpLocks/>
+          </p:cNvCxnSpPr>
+          <p:nvPr/>
+        </p:nvCxnSpPr>
+        <p:spPr>
+          <a:xfrm rot="10800000">
+            <a:off x="8362588" y="5166745"/>
+            <a:ext cx="506627" cy="0"/>
+          </a:xfrm>
+          <a:prstGeom prst="straightConnector1">
+            <a:avLst/>
+          </a:prstGeom>
+          <a:ln w="63500">
+            <a:solidFill>
+              <a:srgbClr val="043D4D"/>
+            </a:solidFill>
+            <a:tailEnd type="triangle"/>
+          </a:ln>
+        </p:spPr>
+        <p:style>
+          <a:lnRef idx="1">
+            <a:schemeClr val="accent1"/>
+          </a:lnRef>
+          <a:fillRef idx="0">
+            <a:schemeClr val="accent1"/>
+          </a:fillRef>
+          <a:effectRef idx="0">
+            <a:schemeClr val="accent1"/>
+          </a:effectRef>
+          <a:fontRef idx="minor">
+            <a:schemeClr val="tx1"/>
+          </a:fontRef>
+        </p:style>
+      </p:cxnSp>
+      <p:sp>
+        <p:nvSpPr>
+          <p:cNvPr id="10" name="TextBox 9">
+            <a:extLst>
+              <a:ext uri="{FF2B5EF4-FFF2-40B4-BE49-F238E27FC236}">
+                <a16:creationId xmlns:a16="http://schemas.microsoft.com/office/drawing/2014/main" id="{CF0D38E0-5A9A-8159-FA28-72D3FFC1AB04}"/>
+              </a:ext>
+            </a:extLst>
+          </p:cNvPr>
+          <p:cNvSpPr txBox="1"/>
+          <p:nvPr/>
+        </p:nvSpPr>
+        <p:spPr>
+          <a:xfrm>
+            <a:off x="8995961" y="4151082"/>
+            <a:ext cx="2298357" cy="2031325"/>
+          </a:xfrm>
+          <a:prstGeom prst="rect">
+            <a:avLst/>
+          </a:prstGeom>
+          <a:noFill/>
+        </p:spPr>
+        <p:txBody>
+          <a:bodyPr wrap="square" rtlCol="0">
+            <a:spAutoFit/>
+          </a:bodyPr>
+          <a:lstStyle/>
+          <a:p>
+            <a:r>
+              <a:rPr lang="en-US" dirty="0">
+                <a:solidFill>
+                  <a:srgbClr val="043D4D"/>
+                </a:solidFill>
+                <a:latin typeface="Arial" panose="020B0604020202020204" pitchFamily="34" charset="0"/>
+                <a:cs typeface="Arial" panose="020B0604020202020204" pitchFamily="34" charset="0"/>
+              </a:rPr>
+              <a:t>Ordering of sample nodes is set by the first tree in the tree sequence (these are the only nodes with fixed x-axis positions at the start)</a:t>
+            </a:r>
+          </a:p>
+        </p:txBody>
+      </p:sp>
+      <p:cxnSp>
+        <p:nvCxnSpPr>
+          <p:cNvPr id="11" name="Straight Arrow Connector 10">
+            <a:extLst>
+              <a:ext uri="{FF2B5EF4-FFF2-40B4-BE49-F238E27FC236}">
+                <a16:creationId xmlns:a16="http://schemas.microsoft.com/office/drawing/2014/main" id="{402323CE-3900-0F71-22DC-0C1BF6DE958C}"/>
+              </a:ext>
+            </a:extLst>
+          </p:cNvPr>
+          <p:cNvCxnSpPr>
+            <a:cxnSpLocks/>
+          </p:cNvCxnSpPr>
+          <p:nvPr/>
+        </p:nvCxnSpPr>
+        <p:spPr>
+          <a:xfrm>
+            <a:off x="3469945" y="5800284"/>
+            <a:ext cx="506627" cy="0"/>
+          </a:xfrm>
+          <a:prstGeom prst="straightConnector1">
+            <a:avLst/>
+          </a:prstGeom>
+          <a:ln w="63500">
+            <a:solidFill>
+              <a:srgbClr val="043D4D"/>
+            </a:solidFill>
+            <a:tailEnd type="triangle"/>
+          </a:ln>
+        </p:spPr>
+        <p:style>
+          <a:lnRef idx="1">
+            <a:schemeClr val="accent1"/>
+          </a:lnRef>
+          <a:fillRef idx="0">
+            <a:schemeClr val="accent1"/>
+          </a:fillRef>
+          <a:effectRef idx="0">
+            <a:schemeClr val="accent1"/>
+          </a:effectRef>
+          <a:fontRef idx="minor">
+            <a:schemeClr val="tx1"/>
+          </a:fontRef>
+        </p:style>
+      </p:cxnSp>
+      <p:sp>
+        <p:nvSpPr>
+          <p:cNvPr id="12" name="TextBox 11">
+            <a:extLst>
+              <a:ext uri="{FF2B5EF4-FFF2-40B4-BE49-F238E27FC236}">
+                <a16:creationId xmlns:a16="http://schemas.microsoft.com/office/drawing/2014/main" id="{EAA6295F-65C6-92A9-902C-5C0A5324AF3E}"/>
+              </a:ext>
+            </a:extLst>
+          </p:cNvPr>
+          <p:cNvSpPr txBox="1"/>
+          <p:nvPr/>
+        </p:nvSpPr>
+        <p:spPr>
+          <a:xfrm>
+            <a:off x="1135640" y="5200119"/>
+            <a:ext cx="2298357" cy="1200329"/>
+          </a:xfrm>
+          <a:prstGeom prst="rect">
+            <a:avLst/>
+          </a:prstGeom>
+          <a:noFill/>
+        </p:spPr>
+        <p:txBody>
+          <a:bodyPr wrap="square" rtlCol="0">
+            <a:spAutoFit/>
+          </a:bodyPr>
+          <a:lstStyle/>
+          <a:p>
+            <a:r>
+              <a:rPr lang="en-US" dirty="0" err="1">
+                <a:solidFill>
+                  <a:srgbClr val="043D4D"/>
+                </a:solidFill>
+                <a:latin typeface="Arial" panose="020B0604020202020204" pitchFamily="34" charset="0"/>
+                <a:cs typeface="Arial" panose="020B0604020202020204" pitchFamily="34" charset="0"/>
+              </a:rPr>
+              <a:t>Hoverable</a:t>
+            </a:r>
+            <a:r>
+              <a:rPr lang="en-US" dirty="0">
+                <a:solidFill>
+                  <a:srgbClr val="043D4D"/>
+                </a:solidFill>
+                <a:latin typeface="Arial" panose="020B0604020202020204" pitchFamily="34" charset="0"/>
+                <a:cs typeface="Arial" panose="020B0604020202020204" pitchFamily="34" charset="0"/>
+              </a:rPr>
+              <a:t> blocks corresponding to the different trees in the tree sequence</a:t>
+            </a:r>
+          </a:p>
+        </p:txBody>
+      </p:sp>
+      <p:cxnSp>
+        <p:nvCxnSpPr>
+          <p:cNvPr id="15" name="Straight Arrow Connector 14">
+            <a:extLst>
+              <a:ext uri="{FF2B5EF4-FFF2-40B4-BE49-F238E27FC236}">
+                <a16:creationId xmlns:a16="http://schemas.microsoft.com/office/drawing/2014/main" id="{93A076EB-E03D-E5E2-D7C1-523E4AC4346C}"/>
+              </a:ext>
+            </a:extLst>
+          </p:cNvPr>
+          <p:cNvCxnSpPr>
+            <a:cxnSpLocks/>
+          </p:cNvCxnSpPr>
+          <p:nvPr/>
+        </p:nvCxnSpPr>
+        <p:spPr>
+          <a:xfrm rot="10800000">
+            <a:off x="5212644" y="955588"/>
+            <a:ext cx="506627" cy="0"/>
+          </a:xfrm>
+          <a:prstGeom prst="straightConnector1">
+            <a:avLst/>
+          </a:prstGeom>
+          <a:ln w="63500">
+            <a:solidFill>
+              <a:srgbClr val="043D4D"/>
+            </a:solidFill>
+            <a:tailEnd type="triangle"/>
+          </a:ln>
+        </p:spPr>
+        <p:style>
+          <a:lnRef idx="1">
+            <a:schemeClr val="accent1"/>
+          </a:lnRef>
+          <a:fillRef idx="0">
+            <a:schemeClr val="accent1"/>
+          </a:fillRef>
+          <a:effectRef idx="0">
+            <a:schemeClr val="accent1"/>
+          </a:effectRef>
+          <a:fontRef idx="minor">
+            <a:schemeClr val="tx1"/>
+          </a:fontRef>
+        </p:style>
+      </p:cxnSp>
+      <p:sp>
+        <p:nvSpPr>
+          <p:cNvPr id="16" name="TextBox 15">
+            <a:extLst>
+              <a:ext uri="{FF2B5EF4-FFF2-40B4-BE49-F238E27FC236}">
+                <a16:creationId xmlns:a16="http://schemas.microsoft.com/office/drawing/2014/main" id="{03BF55EC-9CD8-5613-5957-41A0769E02F2}"/>
+              </a:ext>
+            </a:extLst>
+          </p:cNvPr>
+          <p:cNvSpPr txBox="1"/>
+          <p:nvPr/>
+        </p:nvSpPr>
+        <p:spPr>
+          <a:xfrm>
+            <a:off x="5902565" y="216923"/>
+            <a:ext cx="3235500" cy="1477328"/>
+          </a:xfrm>
+          <a:prstGeom prst="rect">
+            <a:avLst/>
+          </a:prstGeom>
+          <a:noFill/>
+        </p:spPr>
+        <p:txBody>
+          <a:bodyPr wrap="square" rtlCol="0">
+            <a:spAutoFit/>
+          </a:bodyPr>
+          <a:lstStyle/>
+          <a:p>
+            <a:r>
+              <a:rPr lang="en-US" dirty="0">
+                <a:solidFill>
+                  <a:srgbClr val="043D4D"/>
+                </a:solidFill>
+                <a:latin typeface="Arial" panose="020B0604020202020204" pitchFamily="34" charset="0"/>
+                <a:cs typeface="Arial" panose="020B0604020202020204" pitchFamily="34" charset="0"/>
+              </a:rPr>
+              <a:t>JSON object is updated as the simulation runs, which means this can be copied, giving user’s the ability to replicate figures</a:t>
+            </a:r>
+          </a:p>
+        </p:txBody>
+      </p:sp>
+      <p:cxnSp>
+        <p:nvCxnSpPr>
+          <p:cNvPr id="17" name="Straight Arrow Connector 16">
+            <a:extLst>
+              <a:ext uri="{FF2B5EF4-FFF2-40B4-BE49-F238E27FC236}">
+                <a16:creationId xmlns:a16="http://schemas.microsoft.com/office/drawing/2014/main" id="{9047F1FF-3949-5492-6AFD-6E6A60B5ADC0}"/>
+              </a:ext>
+            </a:extLst>
+          </p:cNvPr>
+          <p:cNvCxnSpPr>
+            <a:cxnSpLocks/>
+          </p:cNvCxnSpPr>
+          <p:nvPr/>
+        </p:nvCxnSpPr>
+        <p:spPr>
+          <a:xfrm>
+            <a:off x="3053934" y="1170619"/>
+            <a:ext cx="506627" cy="0"/>
+          </a:xfrm>
+          <a:prstGeom prst="straightConnector1">
+            <a:avLst/>
+          </a:prstGeom>
+          <a:ln w="63500">
+            <a:solidFill>
+              <a:srgbClr val="043D4D"/>
+            </a:solidFill>
+            <a:tailEnd type="triangle"/>
+          </a:ln>
+        </p:spPr>
+        <p:style>
+          <a:lnRef idx="1">
+            <a:schemeClr val="accent1"/>
+          </a:lnRef>
+          <a:fillRef idx="0">
+            <a:schemeClr val="accent1"/>
+          </a:fillRef>
+          <a:effectRef idx="0">
+            <a:schemeClr val="accent1"/>
+          </a:effectRef>
+          <a:fontRef idx="minor">
+            <a:schemeClr val="tx1"/>
+          </a:fontRef>
+        </p:style>
+      </p:cxnSp>
+      <p:sp>
+        <p:nvSpPr>
+          <p:cNvPr id="18" name="TextBox 17">
+            <a:extLst>
+              <a:ext uri="{FF2B5EF4-FFF2-40B4-BE49-F238E27FC236}">
+                <a16:creationId xmlns:a16="http://schemas.microsoft.com/office/drawing/2014/main" id="{AE326D61-D68A-69C6-8CAD-3F9087B251E0}"/>
+              </a:ext>
+            </a:extLst>
+          </p:cNvPr>
+          <p:cNvSpPr txBox="1"/>
+          <p:nvPr/>
+        </p:nvSpPr>
+        <p:spPr>
+          <a:xfrm>
+            <a:off x="755577" y="570454"/>
+            <a:ext cx="2298357" cy="2308324"/>
+          </a:xfrm>
+          <a:prstGeom prst="rect">
+            <a:avLst/>
+          </a:prstGeom>
+          <a:noFill/>
+        </p:spPr>
+        <p:txBody>
+          <a:bodyPr wrap="square" rtlCol="0">
+            <a:spAutoFit/>
+          </a:bodyPr>
+          <a:lstStyle/>
+          <a:p>
+            <a:r>
+              <a:rPr lang="en-US" dirty="0">
+                <a:solidFill>
+                  <a:srgbClr val="043D4D"/>
+                </a:solidFill>
+                <a:latin typeface="Arial" panose="020B0604020202020204" pitchFamily="34" charset="0"/>
+                <a:cs typeface="Arial" panose="020B0604020202020204" pitchFamily="34" charset="0"/>
+              </a:rPr>
+              <a:t>EXPERIMENTAL: a node’s position becomes fixed after dragging, this unfixes the x-axis positions of all nodes except the samples</a:t>
+            </a:r>
+          </a:p>
+        </p:txBody>
+      </p:sp>
+      <p:cxnSp>
+        <p:nvCxnSpPr>
+          <p:cNvPr id="20" name="Straight Arrow Connector 19">
+            <a:extLst>
+              <a:ext uri="{FF2B5EF4-FFF2-40B4-BE49-F238E27FC236}">
+                <a16:creationId xmlns:a16="http://schemas.microsoft.com/office/drawing/2014/main" id="{8A4D5C1C-806C-8444-9212-9099145AAE48}"/>
+              </a:ext>
+            </a:extLst>
+          </p:cNvPr>
+          <p:cNvCxnSpPr>
+            <a:cxnSpLocks/>
+          </p:cNvCxnSpPr>
+          <p:nvPr/>
+        </p:nvCxnSpPr>
+        <p:spPr>
+          <a:xfrm>
+            <a:off x="3090760" y="3440130"/>
+            <a:ext cx="506627" cy="0"/>
+          </a:xfrm>
+          <a:prstGeom prst="straightConnector1">
+            <a:avLst/>
+          </a:prstGeom>
+          <a:ln w="63500">
+            <a:solidFill>
+              <a:srgbClr val="043D4D"/>
+            </a:solidFill>
+            <a:tailEnd type="triangle"/>
+          </a:ln>
+        </p:spPr>
+        <p:style>
+          <a:lnRef idx="1">
+            <a:schemeClr val="accent1"/>
+          </a:lnRef>
+          <a:fillRef idx="0">
+            <a:schemeClr val="accent1"/>
+          </a:fillRef>
+          <a:effectRef idx="0">
+            <a:schemeClr val="accent1"/>
+          </a:effectRef>
+          <a:fontRef idx="minor">
+            <a:schemeClr val="tx1"/>
+          </a:fontRef>
+        </p:style>
+      </p:cxnSp>
+      <p:sp>
+        <p:nvSpPr>
+          <p:cNvPr id="21" name="TextBox 20">
+            <a:extLst>
+              <a:ext uri="{FF2B5EF4-FFF2-40B4-BE49-F238E27FC236}">
+                <a16:creationId xmlns:a16="http://schemas.microsoft.com/office/drawing/2014/main" id="{4F5AD698-FD2F-9E42-9360-7983630F5F03}"/>
+              </a:ext>
+            </a:extLst>
+          </p:cNvPr>
+          <p:cNvSpPr txBox="1"/>
+          <p:nvPr/>
+        </p:nvSpPr>
+        <p:spPr>
+          <a:xfrm>
+            <a:off x="755577" y="2701466"/>
+            <a:ext cx="2298357" cy="1477328"/>
+          </a:xfrm>
+          <a:prstGeom prst="rect">
+            <a:avLst/>
+          </a:prstGeom>
+          <a:noFill/>
+        </p:spPr>
+        <p:txBody>
+          <a:bodyPr wrap="square" rtlCol="0">
+            <a:spAutoFit/>
+          </a:bodyPr>
+          <a:lstStyle/>
+          <a:p>
+            <a:r>
+              <a:rPr lang="en-US" dirty="0">
+                <a:solidFill>
+                  <a:srgbClr val="043D4D"/>
+                </a:solidFill>
+                <a:latin typeface="Arial" panose="020B0604020202020204" pitchFamily="34" charset="0"/>
+                <a:cs typeface="Arial" panose="020B0604020202020204" pitchFamily="34" charset="0"/>
+              </a:rPr>
+              <a:t>Three options for the y-axis scale: rank, time, and </a:t>
+            </a:r>
+            <a:r>
+              <a:rPr lang="en-US" dirty="0" err="1">
+                <a:solidFill>
+                  <a:srgbClr val="043D4D"/>
+                </a:solidFill>
+                <a:latin typeface="Arial" panose="020B0604020202020204" pitchFamily="34" charset="0"/>
+                <a:cs typeface="Arial" panose="020B0604020202020204" pitchFamily="34" charset="0"/>
+              </a:rPr>
+              <a:t>log_time</a:t>
+            </a:r>
+            <a:r>
+              <a:rPr lang="en-US" dirty="0">
+                <a:solidFill>
+                  <a:srgbClr val="043D4D"/>
+                </a:solidFill>
+                <a:latin typeface="Arial" panose="020B0604020202020204" pitchFamily="34" charset="0"/>
+                <a:cs typeface="Arial" panose="020B0604020202020204" pitchFamily="34" charset="0"/>
+              </a:rPr>
+              <a:t> (all nodes have fixed y-axis positions)</a:t>
+            </a:r>
+          </a:p>
+        </p:txBody>
+      </p:sp>
+    </p:spTree>
+    <p:extLst>
+      <p:ext uri="{BB962C8B-B14F-4D97-AF65-F5344CB8AC3E}">
+        <p14:creationId xmlns:p14="http://schemas.microsoft.com/office/powerpoint/2010/main" val="3755420000"/>
+      </p:ext>
+    </p:extLst>
+  </p:cSld>
+  <p:clrMapOvr>
+    <a:masterClrMapping/>
+  </p:clrMapOvr>
+</p:sld>
+</file>
+
+<file path=ppt/slides/slide12.xml><?xml version="1.0" encoding="utf-8"?>
+<p:sld xmlns:a="http://schemas.openxmlformats.org/drawingml/2006/main" xmlns:r="http://schemas.openxmlformats.org/officeDocument/2006/relationships" xmlns:p="http://schemas.openxmlformats.org/presentationml/2006/main">
+  <p:cSld>
+    <p:spTree>
+      <p:nvGrpSpPr>
+        <p:cNvPr id="1" name=""/>
+        <p:cNvGrpSpPr/>
+        <p:nvPr/>
+      </p:nvGrpSpPr>
+      <p:grpSpPr>
+        <a:xfrm>
+          <a:off x="0" y="0"/>
+          <a:ext cx="0" cy="0"/>
+          <a:chOff x="0" y="0"/>
+          <a:chExt cx="0" cy="0"/>
+        </a:xfrm>
+      </p:grpSpPr>
+      <p:pic>
+        <p:nvPicPr>
+          <p:cNvPr id="14" name="Picture 13" descr="A screenshot of a computer&#10;&#10;Description automatically generated">
+            <a:extLst>
+              <a:ext uri="{FF2B5EF4-FFF2-40B4-BE49-F238E27FC236}">
+                <a16:creationId xmlns:a16="http://schemas.microsoft.com/office/drawing/2014/main" id="{6BBA1B56-8A9B-3E66-CE84-C5A0B56326B7}"/>
+              </a:ext>
+            </a:extLst>
+          </p:cNvPr>
+          <p:cNvPicPr>
+            <a:picLocks noChangeAspect="1"/>
+          </p:cNvPicPr>
+          <p:nvPr/>
+        </p:nvPicPr>
+        <p:blipFill>
+          <a:blip r:embed="rId2"/>
+          <a:stretch>
+            <a:fillRect/>
+          </a:stretch>
+        </p:blipFill>
+        <p:spPr>
+          <a:xfrm>
+            <a:off x="3653239" y="797011"/>
+            <a:ext cx="4885521" cy="5263977"/>
+          </a:xfrm>
+          <a:prstGeom prst="rect">
+            <a:avLst/>
+          </a:prstGeom>
+        </p:spPr>
+      </p:pic>
+    </p:spTree>
+    <p:extLst>
+      <p:ext uri="{BB962C8B-B14F-4D97-AF65-F5344CB8AC3E}">
+        <p14:creationId xmlns:p14="http://schemas.microsoft.com/office/powerpoint/2010/main" val="3253373374"/>
+      </p:ext>
+    </p:extLst>
+  </p:cSld>
+  <p:clrMapOvr>
+    <a:masterClrMapping/>
+  </p:clrMapOvr>
+</p:sld>
+</file>
+
+<file path=ppt/slides/slide13.xml><?xml version="1.0" encoding="utf-8"?>
+<p:sld xmlns:a="http://schemas.openxmlformats.org/drawingml/2006/main" xmlns:r="http://schemas.openxmlformats.org/officeDocument/2006/relationships" xmlns:p="http://schemas.openxmlformats.org/presentationml/2006/main">
+  <p:cSld>
+    <p:spTree>
+      <p:nvGrpSpPr>
+        <p:cNvPr id="1" name=""/>
+        <p:cNvGrpSpPr/>
+        <p:nvPr/>
+      </p:nvGrpSpPr>
+      <p:grpSpPr>
+        <a:xfrm>
+          <a:off x="0" y="0"/>
+          <a:ext cx="0" cy="0"/>
+          <a:chOff x="0" y="0"/>
+          <a:chExt cx="0" cy="0"/>
+        </a:xfrm>
+      </p:grpSpPr>
+      <p:pic>
+        <p:nvPicPr>
+          <p:cNvPr id="14" name="Picture 13" descr="A screenshot of a computer&#10;&#10;Description automatically generated">
+            <a:extLst>
+              <a:ext uri="{FF2B5EF4-FFF2-40B4-BE49-F238E27FC236}">
+                <a16:creationId xmlns:a16="http://schemas.microsoft.com/office/drawing/2014/main" id="{6BBA1B56-8A9B-3E66-CE84-C5A0B56326B7}"/>
+              </a:ext>
+            </a:extLst>
+          </p:cNvPr>
+          <p:cNvPicPr>
+            <a:picLocks noChangeAspect="1"/>
+          </p:cNvPicPr>
+          <p:nvPr/>
+        </p:nvPicPr>
+        <p:blipFill>
+          <a:blip r:embed="rId2"/>
+          <a:stretch>
+            <a:fillRect/>
+          </a:stretch>
+        </p:blipFill>
+        <p:spPr>
+          <a:xfrm>
+            <a:off x="3653239" y="797011"/>
+            <a:ext cx="4885521" cy="5263977"/>
+          </a:xfrm>
+          <a:prstGeom prst="rect">
+            <a:avLst/>
+          </a:prstGeom>
+        </p:spPr>
+      </p:pic>
+      <p:sp>
+        <p:nvSpPr>
+          <p:cNvPr id="2" name="TextBox 1">
+            <a:extLst>
+              <a:ext uri="{FF2B5EF4-FFF2-40B4-BE49-F238E27FC236}">
+                <a16:creationId xmlns:a16="http://schemas.microsoft.com/office/drawing/2014/main" id="{019077C8-F32E-0594-97E8-BF9A2E4D57E0}"/>
+              </a:ext>
+            </a:extLst>
+          </p:cNvPr>
+          <p:cNvSpPr txBox="1"/>
+          <p:nvPr/>
+        </p:nvSpPr>
+        <p:spPr>
+          <a:xfrm>
+            <a:off x="736551" y="2701466"/>
+            <a:ext cx="2298357" cy="1477328"/>
+          </a:xfrm>
+          <a:prstGeom prst="rect">
+            <a:avLst/>
+          </a:prstGeom>
+          <a:noFill/>
+        </p:spPr>
+        <p:txBody>
+          <a:bodyPr wrap="square" rtlCol="0">
+            <a:spAutoFit/>
+          </a:bodyPr>
+          <a:lstStyle/>
+          <a:p>
+            <a:r>
+              <a:rPr lang="en-US" dirty="0">
+                <a:solidFill>
+                  <a:srgbClr val="043D4D"/>
+                </a:solidFill>
+                <a:latin typeface="Arial" panose="020B0604020202020204" pitchFamily="34" charset="0"/>
+                <a:cs typeface="Arial" panose="020B0604020202020204" pitchFamily="34" charset="0"/>
+              </a:rPr>
+              <a:t>Three options for the y-axis scale: rank, time, and </a:t>
+            </a:r>
+            <a:r>
+              <a:rPr lang="en-US" dirty="0" err="1">
+                <a:solidFill>
+                  <a:srgbClr val="043D4D"/>
+                </a:solidFill>
+                <a:latin typeface="Arial" panose="020B0604020202020204" pitchFamily="34" charset="0"/>
+                <a:cs typeface="Arial" panose="020B0604020202020204" pitchFamily="34" charset="0"/>
+              </a:rPr>
+              <a:t>log_time</a:t>
+            </a:r>
+            <a:r>
+              <a:rPr lang="en-US" dirty="0">
+                <a:solidFill>
+                  <a:srgbClr val="043D4D"/>
+                </a:solidFill>
+                <a:latin typeface="Arial" panose="020B0604020202020204" pitchFamily="34" charset="0"/>
+                <a:cs typeface="Arial" panose="020B0604020202020204" pitchFamily="34" charset="0"/>
+              </a:rPr>
+              <a:t> (all nodes have fixed y-axis positions)</a:t>
+            </a:r>
+          </a:p>
+        </p:txBody>
+      </p:sp>
+      <p:cxnSp>
+        <p:nvCxnSpPr>
+          <p:cNvPr id="3" name="Straight Arrow Connector 2">
+            <a:extLst>
+              <a:ext uri="{FF2B5EF4-FFF2-40B4-BE49-F238E27FC236}">
+                <a16:creationId xmlns:a16="http://schemas.microsoft.com/office/drawing/2014/main" id="{A7EF5928-919C-4C99-9350-45EB89824C5C}"/>
+              </a:ext>
+            </a:extLst>
+          </p:cNvPr>
+          <p:cNvCxnSpPr>
+            <a:cxnSpLocks/>
+          </p:cNvCxnSpPr>
+          <p:nvPr/>
+        </p:nvCxnSpPr>
+        <p:spPr>
+          <a:xfrm>
+            <a:off x="3090760" y="3440130"/>
+            <a:ext cx="506627" cy="0"/>
+          </a:xfrm>
+          <a:prstGeom prst="straightConnector1">
+            <a:avLst/>
+          </a:prstGeom>
+          <a:ln w="63500">
+            <a:solidFill>
+              <a:srgbClr val="043D4D"/>
+            </a:solidFill>
+            <a:tailEnd type="triangle"/>
+          </a:ln>
+        </p:spPr>
+        <p:style>
+          <a:lnRef idx="1">
+            <a:schemeClr val="accent1"/>
+          </a:lnRef>
+          <a:fillRef idx="0">
+            <a:schemeClr val="accent1"/>
+          </a:fillRef>
+          <a:effectRef idx="0">
+            <a:schemeClr val="accent1"/>
+          </a:effectRef>
+          <a:fontRef idx="minor">
+            <a:schemeClr val="tx1"/>
+          </a:fontRef>
+        </p:style>
+      </p:cxnSp>
+    </p:spTree>
+    <p:extLst>
+      <p:ext uri="{BB962C8B-B14F-4D97-AF65-F5344CB8AC3E}">
+        <p14:creationId xmlns:p14="http://schemas.microsoft.com/office/powerpoint/2010/main" val="175854428"/>
+      </p:ext>
+    </p:extLst>
+  </p:cSld>
+  <p:clrMapOvr>
+    <a:masterClrMapping/>
+  </p:clrMapOvr>
+</p:sld>
+</file>
+
+<file path=ppt/slides/slide14.xml><?xml version="1.0" encoding="utf-8"?>
+<p:sld xmlns:a="http://schemas.openxmlformats.org/drawingml/2006/main" xmlns:r="http://schemas.openxmlformats.org/officeDocument/2006/relationships" xmlns:p="http://schemas.openxmlformats.org/presentationml/2006/main">
+  <p:cSld>
+    <p:spTree>
+      <p:nvGrpSpPr>
+        <p:cNvPr id="1" name=""/>
+        <p:cNvGrpSpPr/>
+        <p:nvPr/>
+      </p:nvGrpSpPr>
+      <p:grpSpPr>
+        <a:xfrm>
+          <a:off x="0" y="0"/>
+          <a:ext cx="0" cy="0"/>
+          <a:chOff x="0" y="0"/>
+          <a:chExt cx="0" cy="0"/>
+        </a:xfrm>
+      </p:grpSpPr>
+      <p:pic>
+        <p:nvPicPr>
+          <p:cNvPr id="14" name="Picture 13" descr="A screenshot of a computer&#10;&#10;Description automatically generated">
+            <a:extLst>
+              <a:ext uri="{FF2B5EF4-FFF2-40B4-BE49-F238E27FC236}">
+                <a16:creationId xmlns:a16="http://schemas.microsoft.com/office/drawing/2014/main" id="{6BBA1B56-8A9B-3E66-CE84-C5A0B56326B7}"/>
+              </a:ext>
+            </a:extLst>
+          </p:cNvPr>
+          <p:cNvPicPr>
+            <a:picLocks noChangeAspect="1"/>
+          </p:cNvPicPr>
+          <p:nvPr/>
+        </p:nvPicPr>
+        <p:blipFill>
+          <a:blip r:embed="rId2"/>
+          <a:stretch>
+            <a:fillRect/>
+          </a:stretch>
+        </p:blipFill>
+        <p:spPr>
+          <a:xfrm>
+            <a:off x="3653239" y="797011"/>
+            <a:ext cx="4885521" cy="5263977"/>
+          </a:xfrm>
+          <a:prstGeom prst="rect">
+            <a:avLst/>
+          </a:prstGeom>
+        </p:spPr>
+      </p:pic>
+      <p:sp>
+        <p:nvSpPr>
+          <p:cNvPr id="2" name="TextBox 1">
+            <a:extLst>
+              <a:ext uri="{FF2B5EF4-FFF2-40B4-BE49-F238E27FC236}">
+                <a16:creationId xmlns:a16="http://schemas.microsoft.com/office/drawing/2014/main" id="{019077C8-F32E-0594-97E8-BF9A2E4D57E0}"/>
+              </a:ext>
+            </a:extLst>
+          </p:cNvPr>
+          <p:cNvSpPr txBox="1"/>
+          <p:nvPr/>
+        </p:nvSpPr>
+        <p:spPr>
+          <a:xfrm>
+            <a:off x="812356" y="3694269"/>
+            <a:ext cx="2315929" cy="923330"/>
+          </a:xfrm>
+          <a:prstGeom prst="rect">
+            <a:avLst/>
+          </a:prstGeom>
+          <a:noFill/>
+        </p:spPr>
+        <p:txBody>
+          <a:bodyPr wrap="square" rtlCol="0">
+            <a:spAutoFit/>
+          </a:bodyPr>
+          <a:lstStyle/>
+          <a:p>
+            <a:r>
+              <a:rPr lang="en-US" dirty="0">
+                <a:solidFill>
+                  <a:srgbClr val="043D4D"/>
+                </a:solidFill>
+                <a:latin typeface="Arial" panose="020B0604020202020204" pitchFamily="34" charset="0"/>
+                <a:cs typeface="Arial" panose="020B0604020202020204" pitchFamily="34" charset="0"/>
+              </a:rPr>
+              <a:t>Corresponding recombination nodes have been merged</a:t>
+            </a:r>
+          </a:p>
+        </p:txBody>
+      </p:sp>
+      <p:cxnSp>
+        <p:nvCxnSpPr>
+          <p:cNvPr id="3" name="Straight Arrow Connector 2">
+            <a:extLst>
+              <a:ext uri="{FF2B5EF4-FFF2-40B4-BE49-F238E27FC236}">
+                <a16:creationId xmlns:a16="http://schemas.microsoft.com/office/drawing/2014/main" id="{A7EF5928-919C-4C99-9350-45EB89824C5C}"/>
+              </a:ext>
+            </a:extLst>
+          </p:cNvPr>
+          <p:cNvCxnSpPr>
+            <a:cxnSpLocks/>
+          </p:cNvCxnSpPr>
+          <p:nvPr/>
+        </p:nvCxnSpPr>
+        <p:spPr>
+          <a:xfrm>
+            <a:off x="3303270" y="4155934"/>
+            <a:ext cx="1025637" cy="0"/>
+          </a:xfrm>
+          <a:prstGeom prst="straightConnector1">
+            <a:avLst/>
+          </a:prstGeom>
+          <a:ln w="63500">
+            <a:solidFill>
+              <a:srgbClr val="043D4D"/>
+            </a:solidFill>
+            <a:tailEnd type="triangle"/>
+          </a:ln>
+        </p:spPr>
+        <p:style>
+          <a:lnRef idx="1">
+            <a:schemeClr val="accent1"/>
+          </a:lnRef>
+          <a:fillRef idx="0">
+            <a:schemeClr val="accent1"/>
+          </a:fillRef>
+          <a:effectRef idx="0">
+            <a:schemeClr val="accent1"/>
+          </a:effectRef>
+          <a:fontRef idx="minor">
+            <a:schemeClr val="tx1"/>
+          </a:fontRef>
+        </p:style>
+      </p:cxnSp>
+    </p:spTree>
+    <p:extLst>
+      <p:ext uri="{BB962C8B-B14F-4D97-AF65-F5344CB8AC3E}">
+        <p14:creationId xmlns:p14="http://schemas.microsoft.com/office/powerpoint/2010/main" val="2300527140"/>
+      </p:ext>
+    </p:extLst>
+  </p:cSld>
+  <p:clrMapOvr>
+    <a:masterClrMapping/>
+  </p:clrMapOvr>
+</p:sld>
+</file>
+
+<file path=ppt/slides/slide15.xml><?xml version="1.0" encoding="utf-8"?>
+<p:sld xmlns:a="http://schemas.openxmlformats.org/drawingml/2006/main" xmlns:r="http://schemas.openxmlformats.org/officeDocument/2006/relationships" xmlns:p="http://schemas.openxmlformats.org/presentationml/2006/main">
+  <p:cSld>
+    <p:spTree>
+      <p:nvGrpSpPr>
+        <p:cNvPr id="1" name=""/>
+        <p:cNvGrpSpPr/>
+        <p:nvPr/>
+      </p:nvGrpSpPr>
+      <p:grpSpPr>
+        <a:xfrm>
+          <a:off x="0" y="0"/>
+          <a:ext cx="0" cy="0"/>
+          <a:chOff x="0" y="0"/>
+          <a:chExt cx="0" cy="0"/>
+        </a:xfrm>
+      </p:grpSpPr>
+      <p:pic>
+        <p:nvPicPr>
+          <p:cNvPr id="14" name="Picture 13" descr="A screenshot of a computer&#10;&#10;Description automatically generated">
+            <a:extLst>
+              <a:ext uri="{FF2B5EF4-FFF2-40B4-BE49-F238E27FC236}">
+                <a16:creationId xmlns:a16="http://schemas.microsoft.com/office/drawing/2014/main" id="{6BBA1B56-8A9B-3E66-CE84-C5A0B56326B7}"/>
+              </a:ext>
+            </a:extLst>
+          </p:cNvPr>
+          <p:cNvPicPr>
+            <a:picLocks noChangeAspect="1"/>
+          </p:cNvPicPr>
+          <p:nvPr/>
+        </p:nvPicPr>
+        <p:blipFill>
+          <a:blip r:embed="rId2"/>
+          <a:stretch>
+            <a:fillRect/>
+          </a:stretch>
+        </p:blipFill>
+        <p:spPr>
+          <a:xfrm>
+            <a:off x="3653239" y="797011"/>
+            <a:ext cx="4885521" cy="5263977"/>
+          </a:xfrm>
+          <a:prstGeom prst="rect">
+            <a:avLst/>
+          </a:prstGeom>
+        </p:spPr>
+      </p:pic>
+      <p:sp>
+        <p:nvSpPr>
+          <p:cNvPr id="10" name="TextBox 9">
+            <a:extLst>
+              <a:ext uri="{FF2B5EF4-FFF2-40B4-BE49-F238E27FC236}">
+                <a16:creationId xmlns:a16="http://schemas.microsoft.com/office/drawing/2014/main" id="{CF0D38E0-5A9A-8159-FA28-72D3FFC1AB04}"/>
+              </a:ext>
+            </a:extLst>
+          </p:cNvPr>
+          <p:cNvSpPr txBox="1"/>
+          <p:nvPr/>
+        </p:nvSpPr>
+        <p:spPr>
+          <a:xfrm>
+            <a:off x="8407401" y="2078581"/>
+            <a:ext cx="3052018" cy="1477328"/>
+          </a:xfrm>
+          <a:prstGeom prst="rect">
+            <a:avLst/>
+          </a:prstGeom>
+          <a:noFill/>
+        </p:spPr>
+        <p:txBody>
+          <a:bodyPr wrap="square" rtlCol="0">
+            <a:spAutoFit/>
+          </a:bodyPr>
+          <a:lstStyle/>
+          <a:p>
+            <a:r>
+              <a:rPr lang="en-US" dirty="0">
+                <a:solidFill>
+                  <a:srgbClr val="043D4D"/>
+                </a:solidFill>
+                <a:latin typeface="Arial" panose="020B0604020202020204" pitchFamily="34" charset="0"/>
+                <a:cs typeface="Arial" panose="020B0604020202020204" pitchFamily="34" charset="0"/>
+              </a:rPr>
+              <a:t>With `</a:t>
+            </a:r>
+            <a:r>
+              <a:rPr lang="en-US" dirty="0" err="1">
+                <a:solidFill>
+                  <a:srgbClr val="043D4D"/>
+                </a:solidFill>
+                <a:latin typeface="Arial" panose="020B0604020202020204" pitchFamily="34" charset="0"/>
+                <a:cs typeface="Arial" panose="020B0604020202020204" pitchFamily="34" charset="0"/>
+              </a:rPr>
+              <a:t>edge_type</a:t>
+            </a:r>
+            <a:r>
+              <a:rPr lang="en-US" dirty="0">
+                <a:solidFill>
+                  <a:srgbClr val="043D4D"/>
+                </a:solidFill>
+                <a:latin typeface="Arial" panose="020B0604020202020204" pitchFamily="34" charset="0"/>
+                <a:cs typeface="Arial" panose="020B0604020202020204" pitchFamily="34" charset="0"/>
+              </a:rPr>
+              <a:t>=“ortho”`, the visualizer uses the flags of the source and target nodes to set the pathing rules</a:t>
+            </a:r>
+          </a:p>
+        </p:txBody>
+      </p:sp>
+      <p:cxnSp>
+        <p:nvCxnSpPr>
+          <p:cNvPr id="2" name="Straight Arrow Connector 1">
+            <a:extLst>
+              <a:ext uri="{FF2B5EF4-FFF2-40B4-BE49-F238E27FC236}">
+                <a16:creationId xmlns:a16="http://schemas.microsoft.com/office/drawing/2014/main" id="{FCC53BCE-08B4-0BFE-738F-56BAE2CAE5FE}"/>
+              </a:ext>
+            </a:extLst>
+          </p:cNvPr>
+          <p:cNvCxnSpPr>
+            <a:cxnSpLocks/>
+          </p:cNvCxnSpPr>
+          <p:nvPr/>
+        </p:nvCxnSpPr>
+        <p:spPr>
+          <a:xfrm rot="10800000">
+            <a:off x="7748374" y="2817245"/>
+            <a:ext cx="506627" cy="0"/>
+          </a:xfrm>
+          <a:prstGeom prst="straightConnector1">
+            <a:avLst/>
+          </a:prstGeom>
+          <a:ln w="63500">
+            <a:solidFill>
+              <a:srgbClr val="043D4D"/>
+            </a:solidFill>
+            <a:tailEnd type="triangle"/>
+          </a:ln>
+        </p:spPr>
+        <p:style>
+          <a:lnRef idx="1">
+            <a:schemeClr val="accent1"/>
+          </a:lnRef>
+          <a:fillRef idx="0">
+            <a:schemeClr val="accent1"/>
+          </a:fillRef>
+          <a:effectRef idx="0">
+            <a:schemeClr val="accent1"/>
+          </a:effectRef>
+          <a:fontRef idx="minor">
+            <a:schemeClr val="tx1"/>
+          </a:fontRef>
+        </p:style>
+      </p:cxnSp>
+      <p:sp>
+        <p:nvSpPr>
+          <p:cNvPr id="3" name="TextBox 2">
+            <a:extLst>
+              <a:ext uri="{FF2B5EF4-FFF2-40B4-BE49-F238E27FC236}">
+                <a16:creationId xmlns:a16="http://schemas.microsoft.com/office/drawing/2014/main" id="{48C29319-95E1-1F22-2D71-1A2DDB43AF1F}"/>
+              </a:ext>
+            </a:extLst>
+          </p:cNvPr>
+          <p:cNvSpPr txBox="1"/>
+          <p:nvPr/>
+        </p:nvSpPr>
+        <p:spPr>
+          <a:xfrm>
+            <a:off x="6425184" y="6550223"/>
+            <a:ext cx="5766816" cy="307777"/>
+          </a:xfrm>
+          <a:prstGeom prst="rect">
+            <a:avLst/>
+          </a:prstGeom>
+          <a:noFill/>
+        </p:spPr>
+        <p:txBody>
+          <a:bodyPr wrap="square">
+            <a:spAutoFit/>
+          </a:bodyPr>
+          <a:lstStyle/>
+          <a:p>
+            <a:pPr algn="r"/>
+            <a:r>
+              <a:rPr lang="en-US" sz="1400" dirty="0">
+                <a:solidFill>
+                  <a:srgbClr val="043D4D"/>
+                </a:solidFill>
+                <a:latin typeface="Arial" panose="020B0604020202020204" pitchFamily="34" charset="0"/>
+                <a:cs typeface="Arial" panose="020B0604020202020204" pitchFamily="34" charset="0"/>
+              </a:rPr>
+              <a:t>https://</a:t>
+            </a:r>
+            <a:r>
+              <a:rPr lang="en-US" sz="1400" dirty="0" err="1">
+                <a:solidFill>
+                  <a:srgbClr val="043D4D"/>
+                </a:solidFill>
+                <a:latin typeface="Arial" panose="020B0604020202020204" pitchFamily="34" charset="0"/>
+                <a:cs typeface="Arial" panose="020B0604020202020204" pitchFamily="34" charset="0"/>
+              </a:rPr>
+              <a:t>github.com</a:t>
+            </a:r>
+            <a:r>
+              <a:rPr lang="en-US" sz="1400" dirty="0">
+                <a:solidFill>
+                  <a:srgbClr val="043D4D"/>
+                </a:solidFill>
+                <a:latin typeface="Arial" panose="020B0604020202020204" pitchFamily="34" charset="0"/>
+                <a:cs typeface="Arial" panose="020B0604020202020204" pitchFamily="34" charset="0"/>
+              </a:rPr>
+              <a:t>/</a:t>
+            </a:r>
+            <a:r>
+              <a:rPr lang="en-US" sz="1400" dirty="0" err="1">
+                <a:solidFill>
+                  <a:srgbClr val="043D4D"/>
+                </a:solidFill>
+                <a:latin typeface="Arial" panose="020B0604020202020204" pitchFamily="34" charset="0"/>
+                <a:cs typeface="Arial" panose="020B0604020202020204" pitchFamily="34" charset="0"/>
+              </a:rPr>
+              <a:t>kitchensjn</a:t>
+            </a:r>
+            <a:r>
+              <a:rPr lang="en-US" sz="1400" dirty="0">
+                <a:solidFill>
+                  <a:srgbClr val="043D4D"/>
+                </a:solidFill>
+                <a:latin typeface="Arial" panose="020B0604020202020204" pitchFamily="34" charset="0"/>
+                <a:cs typeface="Arial" panose="020B0604020202020204" pitchFamily="34" charset="0"/>
+              </a:rPr>
+              <a:t>/</a:t>
+            </a:r>
+            <a:r>
+              <a:rPr lang="en-US" sz="1400" dirty="0" err="1">
+                <a:solidFill>
+                  <a:srgbClr val="043D4D"/>
+                </a:solidFill>
+                <a:latin typeface="Arial" panose="020B0604020202020204" pitchFamily="34" charset="0"/>
+                <a:cs typeface="Arial" panose="020B0604020202020204" pitchFamily="34" charset="0"/>
+              </a:rPr>
+              <a:t>tskit_arg_visualizer</a:t>
+            </a:r>
+            <a:r>
+              <a:rPr lang="en-US" sz="1400" dirty="0">
+                <a:solidFill>
+                  <a:srgbClr val="043D4D"/>
+                </a:solidFill>
+                <a:latin typeface="Arial" panose="020B0604020202020204" pitchFamily="34" charset="0"/>
+                <a:cs typeface="Arial" panose="020B0604020202020204" pitchFamily="34" charset="0"/>
+              </a:rPr>
+              <a:t>/blob/main/</a:t>
+            </a:r>
+            <a:r>
+              <a:rPr lang="en-US" sz="1400" dirty="0" err="1">
+                <a:solidFill>
+                  <a:srgbClr val="043D4D"/>
+                </a:solidFill>
+                <a:latin typeface="Arial" panose="020B0604020202020204" pitchFamily="34" charset="0"/>
+                <a:cs typeface="Arial" panose="020B0604020202020204" pitchFamily="34" charset="0"/>
+              </a:rPr>
+              <a:t>pathing.md</a:t>
+            </a:r>
+            <a:endParaRPr lang="en-US" sz="1400" dirty="0">
+              <a:solidFill>
+                <a:srgbClr val="043D4D"/>
+              </a:solidFill>
+              <a:latin typeface="Arial" panose="020B0604020202020204" pitchFamily="34" charset="0"/>
+              <a:cs typeface="Arial" panose="020B0604020202020204" pitchFamily="34" charset="0"/>
+            </a:endParaRPr>
+          </a:p>
+        </p:txBody>
+      </p:sp>
+    </p:spTree>
+    <p:extLst>
+      <p:ext uri="{BB962C8B-B14F-4D97-AF65-F5344CB8AC3E}">
+        <p14:creationId xmlns:p14="http://schemas.microsoft.com/office/powerpoint/2010/main" val="3760029924"/>
+      </p:ext>
+    </p:extLst>
+  </p:cSld>
+  <p:clrMapOvr>
+    <a:masterClrMapping/>
+  </p:clrMapOvr>
+</p:sld>
+</file>
+
+<file path=ppt/slides/slide16.xml><?xml version="1.0" encoding="utf-8"?>
+<p:sld xmlns:a="http://schemas.openxmlformats.org/drawingml/2006/main" xmlns:r="http://schemas.openxmlformats.org/officeDocument/2006/relationships" xmlns:p="http://schemas.openxmlformats.org/presentationml/2006/main">
+  <p:cSld>
+    <p:spTree>
+      <p:nvGrpSpPr>
+        <p:cNvPr id="1" name=""/>
+        <p:cNvGrpSpPr/>
+        <p:nvPr/>
+      </p:nvGrpSpPr>
+      <p:grpSpPr>
+        <a:xfrm>
+          <a:off x="0" y="0"/>
+          <a:ext cx="0" cy="0"/>
+          <a:chOff x="0" y="0"/>
+          <a:chExt cx="0" cy="0"/>
+        </a:xfrm>
+      </p:grpSpPr>
+      <p:pic>
+        <p:nvPicPr>
+          <p:cNvPr id="14" name="Picture 13" descr="A screenshot of a computer&#10;&#10;Description automatically generated">
+            <a:extLst>
+              <a:ext uri="{FF2B5EF4-FFF2-40B4-BE49-F238E27FC236}">
+                <a16:creationId xmlns:a16="http://schemas.microsoft.com/office/drawing/2014/main" id="{6BBA1B56-8A9B-3E66-CE84-C5A0B56326B7}"/>
+              </a:ext>
+            </a:extLst>
+          </p:cNvPr>
+          <p:cNvPicPr>
+            <a:picLocks noChangeAspect="1"/>
+          </p:cNvPicPr>
+          <p:nvPr/>
+        </p:nvPicPr>
+        <p:blipFill>
+          <a:blip r:embed="rId2"/>
+          <a:stretch>
+            <a:fillRect/>
+          </a:stretch>
+        </p:blipFill>
+        <p:spPr>
+          <a:xfrm>
+            <a:off x="3653239" y="797011"/>
+            <a:ext cx="4885521" cy="5263977"/>
+          </a:xfrm>
+          <a:prstGeom prst="rect">
+            <a:avLst/>
+          </a:prstGeom>
+        </p:spPr>
+      </p:pic>
+      <p:cxnSp>
+        <p:nvCxnSpPr>
+          <p:cNvPr id="9" name="Straight Arrow Connector 8">
+            <a:extLst>
+              <a:ext uri="{FF2B5EF4-FFF2-40B4-BE49-F238E27FC236}">
+                <a16:creationId xmlns:a16="http://schemas.microsoft.com/office/drawing/2014/main" id="{F129AD86-1D32-3687-7A7C-3D5DBBA4F048}"/>
+              </a:ext>
+            </a:extLst>
+          </p:cNvPr>
+          <p:cNvCxnSpPr>
+            <a:cxnSpLocks/>
+          </p:cNvCxnSpPr>
+          <p:nvPr/>
+        </p:nvCxnSpPr>
+        <p:spPr>
+          <a:xfrm rot="10800000">
+            <a:off x="8362588" y="5166745"/>
+            <a:ext cx="506627" cy="0"/>
+          </a:xfrm>
+          <a:prstGeom prst="straightConnector1">
+            <a:avLst/>
+          </a:prstGeom>
+          <a:ln w="63500">
+            <a:solidFill>
+              <a:srgbClr val="043D4D"/>
+            </a:solidFill>
+            <a:tailEnd type="triangle"/>
+          </a:ln>
+        </p:spPr>
+        <p:style>
+          <a:lnRef idx="1">
+            <a:schemeClr val="accent1"/>
+          </a:lnRef>
+          <a:fillRef idx="0">
+            <a:schemeClr val="accent1"/>
+          </a:fillRef>
+          <a:effectRef idx="0">
+            <a:schemeClr val="accent1"/>
+          </a:effectRef>
+          <a:fontRef idx="minor">
+            <a:schemeClr val="tx1"/>
+          </a:fontRef>
+        </p:style>
+      </p:cxnSp>
+      <p:sp>
+        <p:nvSpPr>
+          <p:cNvPr id="10" name="TextBox 9">
+            <a:extLst>
+              <a:ext uri="{FF2B5EF4-FFF2-40B4-BE49-F238E27FC236}">
+                <a16:creationId xmlns:a16="http://schemas.microsoft.com/office/drawing/2014/main" id="{CF0D38E0-5A9A-8159-FA28-72D3FFC1AB04}"/>
+              </a:ext>
+            </a:extLst>
+          </p:cNvPr>
+          <p:cNvSpPr txBox="1"/>
+          <p:nvPr/>
+        </p:nvSpPr>
+        <p:spPr>
+          <a:xfrm>
+            <a:off x="8995961" y="4151082"/>
+            <a:ext cx="2298357" cy="2031325"/>
+          </a:xfrm>
+          <a:prstGeom prst="rect">
+            <a:avLst/>
+          </a:prstGeom>
+          <a:noFill/>
+        </p:spPr>
+        <p:txBody>
+          <a:bodyPr wrap="square" rtlCol="0">
+            <a:spAutoFit/>
+          </a:bodyPr>
+          <a:lstStyle/>
+          <a:p>
+            <a:r>
+              <a:rPr lang="en-US" dirty="0">
+                <a:solidFill>
+                  <a:srgbClr val="043D4D"/>
+                </a:solidFill>
+                <a:latin typeface="Arial" panose="020B0604020202020204" pitchFamily="34" charset="0"/>
+                <a:cs typeface="Arial" panose="020B0604020202020204" pitchFamily="34" charset="0"/>
+              </a:rPr>
+              <a:t>Ordering of sample nodes is set by the first tree in the tree sequence (these are the only nodes with fixed x-axis positions at the start)</a:t>
+            </a:r>
+          </a:p>
+        </p:txBody>
+      </p:sp>
+    </p:spTree>
+    <p:extLst>
+      <p:ext uri="{BB962C8B-B14F-4D97-AF65-F5344CB8AC3E}">
+        <p14:creationId xmlns:p14="http://schemas.microsoft.com/office/powerpoint/2010/main" val="297343203"/>
+      </p:ext>
+    </p:extLst>
+  </p:cSld>
+  <p:clrMapOvr>
+    <a:masterClrMapping/>
+  </p:clrMapOvr>
+</p:sld>
+</file>
+
+<file path=ppt/slides/slide17.xml><?xml version="1.0" encoding="utf-8"?>
+<p:sld xmlns:a="http://schemas.openxmlformats.org/drawingml/2006/main" xmlns:r="http://schemas.openxmlformats.org/officeDocument/2006/relationships" xmlns:p="http://schemas.openxmlformats.org/presentationml/2006/main">
+  <p:cSld>
+    <p:spTree>
+      <p:nvGrpSpPr>
+        <p:cNvPr id="1" name=""/>
+        <p:cNvGrpSpPr/>
+        <p:nvPr/>
+      </p:nvGrpSpPr>
+      <p:grpSpPr>
+        <a:xfrm>
+          <a:off x="0" y="0"/>
+          <a:ext cx="0" cy="0"/>
+          <a:chOff x="0" y="0"/>
+          <a:chExt cx="0" cy="0"/>
+        </a:xfrm>
+      </p:grpSpPr>
+      <p:pic>
+        <p:nvPicPr>
+          <p:cNvPr id="14" name="Picture 13" descr="A screenshot of a computer&#10;&#10;Description automatically generated">
+            <a:extLst>
+              <a:ext uri="{FF2B5EF4-FFF2-40B4-BE49-F238E27FC236}">
+                <a16:creationId xmlns:a16="http://schemas.microsoft.com/office/drawing/2014/main" id="{6BBA1B56-8A9B-3E66-CE84-C5A0B56326B7}"/>
+              </a:ext>
+            </a:extLst>
+          </p:cNvPr>
+          <p:cNvPicPr>
+            <a:picLocks noChangeAspect="1"/>
+          </p:cNvPicPr>
+          <p:nvPr/>
+        </p:nvPicPr>
+        <p:blipFill>
+          <a:blip r:embed="rId2"/>
+          <a:stretch>
+            <a:fillRect/>
+          </a:stretch>
+        </p:blipFill>
+        <p:spPr>
+          <a:xfrm>
+            <a:off x="3653239" y="797011"/>
+            <a:ext cx="4885521" cy="5263977"/>
+          </a:xfrm>
+          <a:prstGeom prst="rect">
+            <a:avLst/>
+          </a:prstGeom>
+        </p:spPr>
+      </p:pic>
+      <p:sp>
+        <p:nvSpPr>
+          <p:cNvPr id="10" name="TextBox 9">
+            <a:extLst>
+              <a:ext uri="{FF2B5EF4-FFF2-40B4-BE49-F238E27FC236}">
+                <a16:creationId xmlns:a16="http://schemas.microsoft.com/office/drawing/2014/main" id="{CF0D38E0-5A9A-8159-FA28-72D3FFC1AB04}"/>
+              </a:ext>
+            </a:extLst>
+          </p:cNvPr>
+          <p:cNvSpPr txBox="1"/>
+          <p:nvPr/>
+        </p:nvSpPr>
+        <p:spPr>
+          <a:xfrm>
+            <a:off x="8362588" y="1167852"/>
+            <a:ext cx="2747372" cy="1200329"/>
+          </a:xfrm>
+          <a:prstGeom prst="rect">
+            <a:avLst/>
+          </a:prstGeom>
+          <a:noFill/>
+        </p:spPr>
+        <p:txBody>
+          <a:bodyPr wrap="square" rtlCol="0">
+            <a:spAutoFit/>
+          </a:bodyPr>
+          <a:lstStyle/>
+          <a:p>
+            <a:r>
+              <a:rPr lang="en-US" dirty="0">
+                <a:solidFill>
+                  <a:srgbClr val="043D4D"/>
+                </a:solidFill>
+                <a:latin typeface="Arial" panose="020B0604020202020204" pitchFamily="34" charset="0"/>
+                <a:cs typeface="Arial" panose="020B0604020202020204" pitchFamily="34" charset="0"/>
+              </a:rPr>
+              <a:t>All nodes are draggable along the x-axis; a node’s position becomes fixed after dragging</a:t>
+            </a:r>
+          </a:p>
+        </p:txBody>
+      </p:sp>
+    </p:spTree>
+    <p:extLst>
+      <p:ext uri="{BB962C8B-B14F-4D97-AF65-F5344CB8AC3E}">
+        <p14:creationId xmlns:p14="http://schemas.microsoft.com/office/powerpoint/2010/main" val="1617870256"/>
+      </p:ext>
+    </p:extLst>
+  </p:cSld>
+  <p:clrMapOvr>
+    <a:masterClrMapping/>
+  </p:clrMapOvr>
+</p:sld>
+</file>
+
+<file path=ppt/slides/slide18.xml><?xml version="1.0" encoding="utf-8"?>
+<p:sld xmlns:a="http://schemas.openxmlformats.org/drawingml/2006/main" xmlns:r="http://schemas.openxmlformats.org/officeDocument/2006/relationships" xmlns:p="http://schemas.openxmlformats.org/presentationml/2006/main">
+  <p:cSld>
+    <p:spTree>
+      <p:nvGrpSpPr>
+        <p:cNvPr id="1" name=""/>
+        <p:cNvGrpSpPr/>
+        <p:nvPr/>
+      </p:nvGrpSpPr>
+      <p:grpSpPr>
+        <a:xfrm>
+          <a:off x="0" y="0"/>
+          <a:ext cx="0" cy="0"/>
+          <a:chOff x="0" y="0"/>
+          <a:chExt cx="0" cy="0"/>
+        </a:xfrm>
+      </p:grpSpPr>
+      <p:pic>
+        <p:nvPicPr>
+          <p:cNvPr id="14" name="Picture 13" descr="A screenshot of a computer&#10;&#10;Description automatically generated">
+            <a:extLst>
+              <a:ext uri="{FF2B5EF4-FFF2-40B4-BE49-F238E27FC236}">
+                <a16:creationId xmlns:a16="http://schemas.microsoft.com/office/drawing/2014/main" id="{6BBA1B56-8A9B-3E66-CE84-C5A0B56326B7}"/>
+              </a:ext>
+            </a:extLst>
+          </p:cNvPr>
+          <p:cNvPicPr>
+            <a:picLocks noChangeAspect="1"/>
+          </p:cNvPicPr>
+          <p:nvPr/>
+        </p:nvPicPr>
+        <p:blipFill>
+          <a:blip r:embed="rId2"/>
+          <a:stretch>
+            <a:fillRect/>
+          </a:stretch>
+        </p:blipFill>
+        <p:spPr>
+          <a:xfrm>
+            <a:off x="3653239" y="797011"/>
+            <a:ext cx="4885521" cy="5263977"/>
+          </a:xfrm>
+          <a:prstGeom prst="rect">
+            <a:avLst/>
+          </a:prstGeom>
+        </p:spPr>
+      </p:pic>
+      <p:cxnSp>
+        <p:nvCxnSpPr>
+          <p:cNvPr id="4" name="Straight Arrow Connector 3">
+            <a:extLst>
+              <a:ext uri="{FF2B5EF4-FFF2-40B4-BE49-F238E27FC236}">
+                <a16:creationId xmlns:a16="http://schemas.microsoft.com/office/drawing/2014/main" id="{7FC52C38-F35F-6B46-FD51-3B2A74FE1E5B}"/>
+              </a:ext>
+            </a:extLst>
+          </p:cNvPr>
+          <p:cNvCxnSpPr>
+            <a:cxnSpLocks/>
+          </p:cNvCxnSpPr>
+          <p:nvPr/>
+        </p:nvCxnSpPr>
+        <p:spPr>
+          <a:xfrm>
+            <a:off x="3469945" y="5800284"/>
+            <a:ext cx="506627" cy="0"/>
+          </a:xfrm>
+          <a:prstGeom prst="straightConnector1">
+            <a:avLst/>
+          </a:prstGeom>
+          <a:ln w="63500">
+            <a:solidFill>
+              <a:srgbClr val="043D4D"/>
+            </a:solidFill>
+            <a:tailEnd type="triangle"/>
+          </a:ln>
+        </p:spPr>
+        <p:style>
+          <a:lnRef idx="1">
+            <a:schemeClr val="accent1"/>
+          </a:lnRef>
+          <a:fillRef idx="0">
+            <a:schemeClr val="accent1"/>
+          </a:fillRef>
+          <a:effectRef idx="0">
+            <a:schemeClr val="accent1"/>
+          </a:effectRef>
+          <a:fontRef idx="minor">
+            <a:schemeClr val="tx1"/>
+          </a:fontRef>
+        </p:style>
+      </p:cxnSp>
+      <p:sp>
+        <p:nvSpPr>
+          <p:cNvPr id="5" name="TextBox 4">
+            <a:extLst>
+              <a:ext uri="{FF2B5EF4-FFF2-40B4-BE49-F238E27FC236}">
+                <a16:creationId xmlns:a16="http://schemas.microsoft.com/office/drawing/2014/main" id="{134118FB-E13B-1278-BC7D-680E352E297D}"/>
+              </a:ext>
+            </a:extLst>
+          </p:cNvPr>
+          <p:cNvSpPr txBox="1"/>
+          <p:nvPr/>
+        </p:nvSpPr>
+        <p:spPr>
+          <a:xfrm>
+            <a:off x="1135640" y="5200119"/>
+            <a:ext cx="2298357" cy="1200329"/>
+          </a:xfrm>
+          <a:prstGeom prst="rect">
+            <a:avLst/>
+          </a:prstGeom>
+          <a:noFill/>
+        </p:spPr>
+        <p:txBody>
+          <a:bodyPr wrap="square" rtlCol="0">
+            <a:spAutoFit/>
+          </a:bodyPr>
+          <a:lstStyle/>
+          <a:p>
+            <a:r>
+              <a:rPr lang="en-US" dirty="0" err="1">
+                <a:solidFill>
+                  <a:srgbClr val="043D4D"/>
+                </a:solidFill>
+                <a:latin typeface="Arial" panose="020B0604020202020204" pitchFamily="34" charset="0"/>
+                <a:cs typeface="Arial" panose="020B0604020202020204" pitchFamily="34" charset="0"/>
+              </a:rPr>
+              <a:t>Hoverable</a:t>
+            </a:r>
+            <a:r>
+              <a:rPr lang="en-US" dirty="0">
+                <a:solidFill>
+                  <a:srgbClr val="043D4D"/>
+                </a:solidFill>
+                <a:latin typeface="Arial" panose="020B0604020202020204" pitchFamily="34" charset="0"/>
+                <a:cs typeface="Arial" panose="020B0604020202020204" pitchFamily="34" charset="0"/>
+              </a:rPr>
+              <a:t> blocks corresponding to the different trees in the tree sequence</a:t>
+            </a:r>
+          </a:p>
+        </p:txBody>
+      </p:sp>
+    </p:spTree>
+    <p:extLst>
+      <p:ext uri="{BB962C8B-B14F-4D97-AF65-F5344CB8AC3E}">
+        <p14:creationId xmlns:p14="http://schemas.microsoft.com/office/powerpoint/2010/main" val="3706269338"/>
+      </p:ext>
+    </p:extLst>
+  </p:cSld>
+  <p:clrMapOvr>
+    <a:masterClrMapping/>
+  </p:clrMapOvr>
+</p:sld>
+</file>
+
+<file path=ppt/slides/slide19.xml><?xml version="1.0" encoding="utf-8"?>
+<p:sld xmlns:a="http://schemas.openxmlformats.org/drawingml/2006/main" xmlns:r="http://schemas.openxmlformats.org/officeDocument/2006/relationships" xmlns:p="http://schemas.openxmlformats.org/presentationml/2006/main">
+  <p:cSld>
+    <p:spTree>
+      <p:nvGrpSpPr>
+        <p:cNvPr id="1" name=""/>
+        <p:cNvGrpSpPr/>
+        <p:nvPr/>
+      </p:nvGrpSpPr>
+      <p:grpSpPr>
+        <a:xfrm>
+          <a:off x="0" y="0"/>
+          <a:ext cx="0" cy="0"/>
+          <a:chOff x="0" y="0"/>
+          <a:chExt cx="0" cy="0"/>
+        </a:xfrm>
+      </p:grpSpPr>
+      <p:pic>
+        <p:nvPicPr>
+          <p:cNvPr id="14" name="Picture 13" descr="A screenshot of a computer&#10;&#10;Description automatically generated">
+            <a:extLst>
+              <a:ext uri="{FF2B5EF4-FFF2-40B4-BE49-F238E27FC236}">
+                <a16:creationId xmlns:a16="http://schemas.microsoft.com/office/drawing/2014/main" id="{6BBA1B56-8A9B-3E66-CE84-C5A0B56326B7}"/>
+              </a:ext>
+            </a:extLst>
+          </p:cNvPr>
+          <p:cNvPicPr>
+            <a:picLocks noChangeAspect="1"/>
+          </p:cNvPicPr>
+          <p:nvPr/>
+        </p:nvPicPr>
+        <p:blipFill>
+          <a:blip r:embed="rId2"/>
+          <a:stretch>
+            <a:fillRect/>
+          </a:stretch>
+        </p:blipFill>
+        <p:spPr>
+          <a:xfrm>
+            <a:off x="3653239" y="797011"/>
+            <a:ext cx="4885521" cy="5263977"/>
+          </a:xfrm>
+          <a:prstGeom prst="rect">
+            <a:avLst/>
+          </a:prstGeom>
+        </p:spPr>
+      </p:pic>
+      <p:cxnSp>
+        <p:nvCxnSpPr>
+          <p:cNvPr id="2" name="Straight Arrow Connector 1">
+            <a:extLst>
+              <a:ext uri="{FF2B5EF4-FFF2-40B4-BE49-F238E27FC236}">
+                <a16:creationId xmlns:a16="http://schemas.microsoft.com/office/drawing/2014/main" id="{E47B28F6-E880-10DD-751B-6767312ABE3A}"/>
+              </a:ext>
+            </a:extLst>
+          </p:cNvPr>
+          <p:cNvCxnSpPr>
+            <a:cxnSpLocks/>
+          </p:cNvCxnSpPr>
+          <p:nvPr/>
+        </p:nvCxnSpPr>
+        <p:spPr>
+          <a:xfrm>
+            <a:off x="3053934" y="1170619"/>
+            <a:ext cx="506627" cy="0"/>
+          </a:xfrm>
+          <a:prstGeom prst="straightConnector1">
+            <a:avLst/>
+          </a:prstGeom>
+          <a:ln w="63500">
+            <a:solidFill>
+              <a:srgbClr val="043D4D"/>
+            </a:solidFill>
+            <a:tailEnd type="triangle"/>
+          </a:ln>
+        </p:spPr>
+        <p:style>
+          <a:lnRef idx="1">
+            <a:schemeClr val="accent1"/>
+          </a:lnRef>
+          <a:fillRef idx="0">
+            <a:schemeClr val="accent1"/>
+          </a:fillRef>
+          <a:effectRef idx="0">
+            <a:schemeClr val="accent1"/>
+          </a:effectRef>
+          <a:fontRef idx="minor">
+            <a:schemeClr val="tx1"/>
+          </a:fontRef>
+        </p:style>
+      </p:cxnSp>
+      <p:sp>
+        <p:nvSpPr>
+          <p:cNvPr id="3" name="TextBox 2">
+            <a:extLst>
+              <a:ext uri="{FF2B5EF4-FFF2-40B4-BE49-F238E27FC236}">
+                <a16:creationId xmlns:a16="http://schemas.microsoft.com/office/drawing/2014/main" id="{64B4708C-B0E1-CC6E-2B75-A7AC7F57D981}"/>
+              </a:ext>
+            </a:extLst>
+          </p:cNvPr>
+          <p:cNvSpPr txBox="1"/>
+          <p:nvPr/>
+        </p:nvSpPr>
+        <p:spPr>
+          <a:xfrm>
+            <a:off x="755577" y="570454"/>
+            <a:ext cx="2298357" cy="2031325"/>
+          </a:xfrm>
+          <a:prstGeom prst="rect">
+            <a:avLst/>
+          </a:prstGeom>
+          <a:noFill/>
+        </p:spPr>
+        <p:txBody>
+          <a:bodyPr wrap="square" rtlCol="0">
+            <a:spAutoFit/>
+          </a:bodyPr>
+          <a:lstStyle/>
+          <a:p>
+            <a:r>
+              <a:rPr lang="en-US" dirty="0">
+                <a:solidFill>
+                  <a:srgbClr val="043D4D"/>
+                </a:solidFill>
+                <a:latin typeface="Arial" panose="020B0604020202020204" pitchFamily="34" charset="0"/>
+                <a:cs typeface="Arial" panose="020B0604020202020204" pitchFamily="34" charset="0"/>
+              </a:rPr>
+              <a:t>EXPERIMENTAL: this unfixes the x-axis positions of all nodes except the samples and allows the simulation to reposition the nodes</a:t>
+            </a:r>
+          </a:p>
+        </p:txBody>
+      </p:sp>
+    </p:spTree>
+    <p:extLst>
+      <p:ext uri="{BB962C8B-B14F-4D97-AF65-F5344CB8AC3E}">
+        <p14:creationId xmlns:p14="http://schemas.microsoft.com/office/powerpoint/2010/main" val="367473304"/>
       </p:ext>
     </p:extLst>
   </p:cSld>
@@ -3860,8 +6897,8 @@
         </p:nvSpPr>
         <p:spPr>
           <a:xfrm>
-            <a:off x="722517" y="675731"/>
-            <a:ext cx="6925294" cy="1323439"/>
+            <a:off x="722517" y="492851"/>
+            <a:ext cx="7124066" cy="1323439"/>
           </a:xfrm>
           <a:prstGeom prst="rect">
             <a:avLst/>
@@ -3875,16 +6912,15 @@
           <a:lstStyle/>
           <a:p>
             <a:r>
-              <a:rPr lang="en-US" sz="8000">
-                <a:latin typeface="Aharoni" panose="02010803020104030203" pitchFamily="2" charset="-79"/>
+              <a:rPr lang="en-US" sz="8000" dirty="0">
+                <a:solidFill>
+                  <a:srgbClr val="043D4D"/>
+                </a:solidFill>
+                <a:latin typeface="DIN Condensed" pitchFamily="2" charset="0"/>
                 <a:cs typeface="Aharoni" panose="02010803020104030203" pitchFamily="2" charset="-79"/>
               </a:rPr>
-              <a:t>Visualizations</a:t>
-            </a:r>
-            <a:endParaRPr lang="en-US" sz="8000" dirty="0">
-              <a:latin typeface="Aharoni" panose="02010803020104030203" pitchFamily="2" charset="-79"/>
-              <a:cs typeface="Aharoni" panose="02010803020104030203" pitchFamily="2" charset="-79"/>
-            </a:endParaRPr>
+              <a:t>Current Visualizations</a:t>
+            </a:r>
           </a:p>
         </p:txBody>
       </p:sp>
@@ -3902,8 +6938,8 @@
         </p:nvSpPr>
         <p:spPr>
           <a:xfrm>
-            <a:off x="8789742" y="0"/>
-            <a:ext cx="3407471" cy="369332"/>
+            <a:off x="9492030" y="6545976"/>
+            <a:ext cx="2699970" cy="307777"/>
           </a:xfrm>
           <a:prstGeom prst="rect">
             <a:avLst/>
@@ -3916,23 +6952,54 @@
           </a:bodyPr>
           <a:lstStyle/>
           <a:p>
-            <a:r>
-              <a:rPr lang="en-US" dirty="0"/>
+            <a:pPr algn="r"/>
+            <a:r>
+              <a:rPr lang="en-US" sz="1400" dirty="0">
+                <a:solidFill>
+                  <a:srgbClr val="043D4D"/>
+                </a:solidFill>
+                <a:latin typeface="Arial" panose="020B0604020202020204" pitchFamily="34" charset="0"/>
+                <a:cs typeface="Arial" panose="020B0604020202020204" pitchFamily="34" charset="0"/>
+              </a:rPr>
               <a:t>https://</a:t>
             </a:r>
             <a:r>
-              <a:rPr lang="en-US" dirty="0" err="1"/>
+              <a:rPr lang="en-US" sz="1400" dirty="0" err="1">
+                <a:solidFill>
+                  <a:srgbClr val="043D4D"/>
+                </a:solidFill>
+                <a:latin typeface="Arial" panose="020B0604020202020204" pitchFamily="34" charset="0"/>
+                <a:cs typeface="Arial" panose="020B0604020202020204" pitchFamily="34" charset="0"/>
+              </a:rPr>
               <a:t>tskit.dev</a:t>
             </a:r>
             <a:r>
-              <a:rPr lang="en-US" dirty="0"/>
+              <a:rPr lang="en-US" sz="1400" dirty="0">
+                <a:solidFill>
+                  <a:srgbClr val="043D4D"/>
+                </a:solidFill>
+                <a:latin typeface="Arial" panose="020B0604020202020204" pitchFamily="34" charset="0"/>
+                <a:cs typeface="Arial" panose="020B0604020202020204" pitchFamily="34" charset="0"/>
+              </a:rPr>
               <a:t>/tutorials/</a:t>
             </a:r>
             <a:r>
-              <a:rPr lang="en-US" dirty="0" err="1"/>
+              <a:rPr lang="en-US" sz="1400" dirty="0" err="1">
+                <a:solidFill>
+                  <a:srgbClr val="043D4D"/>
+                </a:solidFill>
+                <a:latin typeface="Arial" panose="020B0604020202020204" pitchFamily="34" charset="0"/>
+                <a:cs typeface="Arial" panose="020B0604020202020204" pitchFamily="34" charset="0"/>
+              </a:rPr>
               <a:t>viz.html</a:t>
             </a:r>
-            <a:endParaRPr lang="en-US" dirty="0"/>
+            <a:endParaRPr lang="en-US" sz="1400" dirty="0">
+              <a:solidFill>
+                <a:srgbClr val="043D4D"/>
+              </a:solidFill>
+              <a:latin typeface="Arial" panose="020B0604020202020204" pitchFamily="34" charset="0"/>
+              <a:cs typeface="Arial" panose="020B0604020202020204" pitchFamily="34" charset="0"/>
+            </a:endParaRPr>
           </a:p>
         </p:txBody>
       </p:sp>
@@ -3951,7 +7018,7 @@
         <p:spPr>
           <a:xfrm>
             <a:off x="1412065" y="5959272"/>
-            <a:ext cx="5546198" cy="461665"/>
+            <a:ext cx="6255751" cy="461665"/>
           </a:xfrm>
           <a:prstGeom prst="rect">
             <a:avLst/>
@@ -3965,7 +7032,13 @@
           <a:lstStyle/>
           <a:p>
             <a:r>
-              <a:rPr lang="en-US" sz="2400" dirty="0"/>
+              <a:rPr lang="en-US" sz="2400" dirty="0">
+                <a:solidFill>
+                  <a:srgbClr val="043D4D"/>
+                </a:solidFill>
+                <a:latin typeface="Arial" panose="020B0604020202020204" pitchFamily="34" charset="0"/>
+                <a:cs typeface="Arial" panose="020B0604020202020204" pitchFamily="34" charset="0"/>
+              </a:rPr>
               <a:t>Viewing the Tree Sequence versus Full ARG</a:t>
             </a:r>
           </a:p>
@@ -3993,7 +7066,7 @@
         </p:blipFill>
         <p:spPr>
           <a:xfrm>
-            <a:off x="298964" y="2713262"/>
+            <a:off x="298964" y="2621822"/>
             <a:ext cx="7772400" cy="2531918"/>
           </a:xfrm>
           <a:prstGeom prst="rect">
@@ -4030,8 +7103,8 @@
         </p:blipFill>
         <p:spPr bwMode="auto">
           <a:xfrm>
-            <a:off x="8634946" y="675731"/>
-            <a:ext cx="2945748" cy="5745206"/>
+            <a:off x="8851490" y="925830"/>
+            <a:ext cx="2694471" cy="5255130"/>
           </a:xfrm>
           <a:prstGeom prst="rect">
             <a:avLst/>
@@ -4062,7 +7135,7 @@
         </p:nvSpPr>
         <p:spPr>
           <a:xfrm>
-            <a:off x="282186" y="2801923"/>
+            <a:off x="275836" y="2715424"/>
             <a:ext cx="250390" cy="246221"/>
           </a:xfrm>
           <a:prstGeom prst="rect">
@@ -4087,6 +7160,745 @@
     <p:extLst>
       <p:ext uri="{BB962C8B-B14F-4D97-AF65-F5344CB8AC3E}">
         <p14:creationId xmlns:p14="http://schemas.microsoft.com/office/powerpoint/2010/main" val="1025804387"/>
+      </p:ext>
+    </p:extLst>
+  </p:cSld>
+  <p:clrMapOvr>
+    <a:masterClrMapping/>
+  </p:clrMapOvr>
+</p:sld>
+</file>
+
+<file path=ppt/slides/slide20.xml><?xml version="1.0" encoding="utf-8"?>
+<p:sld xmlns:a="http://schemas.openxmlformats.org/drawingml/2006/main" xmlns:r="http://schemas.openxmlformats.org/officeDocument/2006/relationships" xmlns:p="http://schemas.openxmlformats.org/presentationml/2006/main">
+  <p:cSld>
+    <p:spTree>
+      <p:nvGrpSpPr>
+        <p:cNvPr id="1" name=""/>
+        <p:cNvGrpSpPr/>
+        <p:nvPr/>
+      </p:nvGrpSpPr>
+      <p:grpSpPr>
+        <a:xfrm>
+          <a:off x="0" y="0"/>
+          <a:ext cx="0" cy="0"/>
+          <a:chOff x="0" y="0"/>
+          <a:chExt cx="0" cy="0"/>
+        </a:xfrm>
+      </p:grpSpPr>
+      <p:pic>
+        <p:nvPicPr>
+          <p:cNvPr id="14" name="Picture 13" descr="A screenshot of a computer&#10;&#10;Description automatically generated">
+            <a:extLst>
+              <a:ext uri="{FF2B5EF4-FFF2-40B4-BE49-F238E27FC236}">
+                <a16:creationId xmlns:a16="http://schemas.microsoft.com/office/drawing/2014/main" id="{6BBA1B56-8A9B-3E66-CE84-C5A0B56326B7}"/>
+              </a:ext>
+            </a:extLst>
+          </p:cNvPr>
+          <p:cNvPicPr>
+            <a:picLocks noChangeAspect="1"/>
+          </p:cNvPicPr>
+          <p:nvPr/>
+        </p:nvPicPr>
+        <p:blipFill>
+          <a:blip r:embed="rId2"/>
+          <a:stretch>
+            <a:fillRect/>
+          </a:stretch>
+        </p:blipFill>
+        <p:spPr>
+          <a:xfrm>
+            <a:off x="3653239" y="797011"/>
+            <a:ext cx="4885521" cy="5263977"/>
+          </a:xfrm>
+          <a:prstGeom prst="rect">
+            <a:avLst/>
+          </a:prstGeom>
+        </p:spPr>
+      </p:pic>
+      <p:cxnSp>
+        <p:nvCxnSpPr>
+          <p:cNvPr id="4" name="Straight Arrow Connector 3">
+            <a:extLst>
+              <a:ext uri="{FF2B5EF4-FFF2-40B4-BE49-F238E27FC236}">
+                <a16:creationId xmlns:a16="http://schemas.microsoft.com/office/drawing/2014/main" id="{8865EE20-8F00-DE58-F370-C90883DB53BC}"/>
+              </a:ext>
+            </a:extLst>
+          </p:cNvPr>
+          <p:cNvCxnSpPr>
+            <a:cxnSpLocks/>
+          </p:cNvCxnSpPr>
+          <p:nvPr/>
+        </p:nvCxnSpPr>
+        <p:spPr>
+          <a:xfrm rot="10800000">
+            <a:off x="5212644" y="955588"/>
+            <a:ext cx="506627" cy="0"/>
+          </a:xfrm>
+          <a:prstGeom prst="straightConnector1">
+            <a:avLst/>
+          </a:prstGeom>
+          <a:ln w="63500">
+            <a:solidFill>
+              <a:srgbClr val="043D4D"/>
+            </a:solidFill>
+            <a:tailEnd type="triangle"/>
+          </a:ln>
+        </p:spPr>
+        <p:style>
+          <a:lnRef idx="1">
+            <a:schemeClr val="accent1"/>
+          </a:lnRef>
+          <a:fillRef idx="0">
+            <a:schemeClr val="accent1"/>
+          </a:fillRef>
+          <a:effectRef idx="0">
+            <a:schemeClr val="accent1"/>
+          </a:effectRef>
+          <a:fontRef idx="minor">
+            <a:schemeClr val="tx1"/>
+          </a:fontRef>
+        </p:style>
+      </p:cxnSp>
+      <p:sp>
+        <p:nvSpPr>
+          <p:cNvPr id="5" name="TextBox 4">
+            <a:extLst>
+              <a:ext uri="{FF2B5EF4-FFF2-40B4-BE49-F238E27FC236}">
+                <a16:creationId xmlns:a16="http://schemas.microsoft.com/office/drawing/2014/main" id="{220A9610-CBC7-3A91-94EE-69BAF36E6CF3}"/>
+              </a:ext>
+            </a:extLst>
+          </p:cNvPr>
+          <p:cNvSpPr txBox="1"/>
+          <p:nvPr/>
+        </p:nvSpPr>
+        <p:spPr>
+          <a:xfrm>
+            <a:off x="5895539" y="355422"/>
+            <a:ext cx="4052965" cy="1200329"/>
+          </a:xfrm>
+          <a:prstGeom prst="rect">
+            <a:avLst/>
+          </a:prstGeom>
+          <a:noFill/>
+        </p:spPr>
+        <p:txBody>
+          <a:bodyPr wrap="square" rtlCol="0">
+            <a:spAutoFit/>
+          </a:bodyPr>
+          <a:lstStyle/>
+          <a:p>
+            <a:r>
+              <a:rPr lang="en-US" dirty="0">
+                <a:solidFill>
+                  <a:srgbClr val="043D4D"/>
+                </a:solidFill>
+                <a:latin typeface="Arial" panose="020B0604020202020204" pitchFamily="34" charset="0"/>
+                <a:cs typeface="Arial" panose="020B0604020202020204" pitchFamily="34" charset="0"/>
+              </a:rPr>
+              <a:t>JSON object is updated as the simulation runs, which means this can be copied, giving user’s the ability to replicate figures</a:t>
+            </a:r>
+          </a:p>
+        </p:txBody>
+      </p:sp>
+    </p:spTree>
+    <p:extLst>
+      <p:ext uri="{BB962C8B-B14F-4D97-AF65-F5344CB8AC3E}">
+        <p14:creationId xmlns:p14="http://schemas.microsoft.com/office/powerpoint/2010/main" val="3275529585"/>
+      </p:ext>
+    </p:extLst>
+  </p:cSld>
+  <p:clrMapOvr>
+    <a:masterClrMapping/>
+  </p:clrMapOvr>
+</p:sld>
+</file>
+
+<file path=ppt/slides/slide21.xml><?xml version="1.0" encoding="utf-8"?>
+<p:sld xmlns:a="http://schemas.openxmlformats.org/drawingml/2006/main" xmlns:r="http://schemas.openxmlformats.org/officeDocument/2006/relationships" xmlns:p="http://schemas.openxmlformats.org/presentationml/2006/main">
+  <p:cSld>
+    <p:spTree>
+      <p:nvGrpSpPr>
+        <p:cNvPr id="1" name=""/>
+        <p:cNvGrpSpPr/>
+        <p:nvPr/>
+      </p:nvGrpSpPr>
+      <p:grpSpPr>
+        <a:xfrm>
+          <a:off x="0" y="0"/>
+          <a:ext cx="0" cy="0"/>
+          <a:chOff x="0" y="0"/>
+          <a:chExt cx="0" cy="0"/>
+        </a:xfrm>
+      </p:grpSpPr>
+      <p:sp>
+        <p:nvSpPr>
+          <p:cNvPr id="5" name="TextBox 4">
+            <a:extLst>
+              <a:ext uri="{FF2B5EF4-FFF2-40B4-BE49-F238E27FC236}">
+                <a16:creationId xmlns:a16="http://schemas.microsoft.com/office/drawing/2014/main" id="{6D006505-1806-2ECF-1FAC-7227B64795FA}"/>
+              </a:ext>
+            </a:extLst>
+          </p:cNvPr>
+          <p:cNvSpPr txBox="1"/>
+          <p:nvPr/>
+        </p:nvSpPr>
+        <p:spPr>
+          <a:xfrm>
+            <a:off x="722517" y="492851"/>
+            <a:ext cx="9336723" cy="1323439"/>
+          </a:xfrm>
+          <a:prstGeom prst="rect">
+            <a:avLst/>
+          </a:prstGeom>
+          <a:noFill/>
+        </p:spPr>
+        <p:txBody>
+          <a:bodyPr wrap="none" rtlCol="0">
+            <a:spAutoFit/>
+          </a:bodyPr>
+          <a:lstStyle/>
+          <a:p>
+            <a:r>
+              <a:rPr lang="en-US" sz="8000" dirty="0">
+                <a:solidFill>
+                  <a:srgbClr val="043D4D"/>
+                </a:solidFill>
+                <a:latin typeface="DIN Condensed" pitchFamily="2" charset="0"/>
+                <a:cs typeface="Aharoni" panose="02010803020104030203" pitchFamily="2" charset="-79"/>
+              </a:rPr>
+              <a:t>”Simplified” Tree Sequences</a:t>
+            </a:r>
+          </a:p>
+        </p:txBody>
+      </p:sp>
+      <p:pic>
+        <p:nvPicPr>
+          <p:cNvPr id="23" name="Content Placeholder 22" descr="A diagram of lines and dots&#10;&#10;Description automatically generated">
+            <a:extLst>
+              <a:ext uri="{FF2B5EF4-FFF2-40B4-BE49-F238E27FC236}">
+                <a16:creationId xmlns:a16="http://schemas.microsoft.com/office/drawing/2014/main" id="{5DAF9310-9BAC-6B6C-1F1D-5F4BD88B4ECD}"/>
+              </a:ext>
+            </a:extLst>
+          </p:cNvPr>
+          <p:cNvPicPr>
+            <a:picLocks noGrp="1" noChangeAspect="1"/>
+          </p:cNvPicPr>
+          <p:nvPr>
+            <p:ph sz="half" idx="1"/>
+          </p:nvPr>
+        </p:nvPicPr>
+        <p:blipFill>
+          <a:blip r:embed="rId2"/>
+          <a:stretch>
+            <a:fillRect/>
+          </a:stretch>
+        </p:blipFill>
+        <p:spPr>
+          <a:xfrm>
+            <a:off x="1148577" y="1825625"/>
+            <a:ext cx="4560846" cy="4351338"/>
+          </a:xfrm>
+        </p:spPr>
+      </p:pic>
+      <p:sp>
+        <p:nvSpPr>
+          <p:cNvPr id="24" name="Content Placeholder 10">
+            <a:extLst>
+              <a:ext uri="{FF2B5EF4-FFF2-40B4-BE49-F238E27FC236}">
+                <a16:creationId xmlns:a16="http://schemas.microsoft.com/office/drawing/2014/main" id="{EEDC9D2F-D905-17D7-48F0-F3BEC25E6B8E}"/>
+              </a:ext>
+            </a:extLst>
+          </p:cNvPr>
+          <p:cNvSpPr txBox="1">
+            <a:spLocks/>
+          </p:cNvSpPr>
+          <p:nvPr/>
+        </p:nvSpPr>
+        <p:spPr>
+          <a:xfrm>
+            <a:off x="6324600" y="1978025"/>
+            <a:ext cx="5181600" cy="4351338"/>
+          </a:xfrm>
+          <a:prstGeom prst="rect">
+            <a:avLst/>
+          </a:prstGeom>
+        </p:spPr>
+        <p:txBody>
+          <a:bodyPr vert="horz" lIns="91440" tIns="45720" rIns="91440" bIns="45720" rtlCol="0">
+            <a:normAutofit/>
+          </a:bodyPr>
+          <a:lstStyle>
+            <a:lvl1pPr marL="228600" indent="-228600" algn="l" defTabSz="914400" rtl="0" eaLnBrk="1" latinLnBrk="0" hangingPunct="1">
+              <a:lnSpc>
+                <a:spcPct val="90000"/>
+              </a:lnSpc>
+              <a:spcBef>
+                <a:spcPts val="1000"/>
+              </a:spcBef>
+              <a:buFont typeface="Arial" panose="020B0604020202020204" pitchFamily="34" charset="0"/>
+              <a:buChar char="•"/>
+              <a:defRPr sz="2800" kern="1200">
+                <a:solidFill>
+                  <a:schemeClr val="tx1"/>
+                </a:solidFill>
+                <a:latin typeface="+mn-lt"/>
+                <a:ea typeface="+mn-ea"/>
+                <a:cs typeface="+mn-cs"/>
+              </a:defRPr>
+            </a:lvl1pPr>
+            <a:lvl2pPr marL="685800" indent="-228600" algn="l" defTabSz="914400" rtl="0" eaLnBrk="1" latinLnBrk="0" hangingPunct="1">
+              <a:lnSpc>
+                <a:spcPct val="90000"/>
+              </a:lnSpc>
+              <a:spcBef>
+                <a:spcPts val="500"/>
+              </a:spcBef>
+              <a:buFont typeface="Arial" panose="020B0604020202020204" pitchFamily="34" charset="0"/>
+              <a:buChar char="•"/>
+              <a:defRPr sz="2400" kern="1200">
+                <a:solidFill>
+                  <a:schemeClr val="tx1"/>
+                </a:solidFill>
+                <a:latin typeface="+mn-lt"/>
+                <a:ea typeface="+mn-ea"/>
+                <a:cs typeface="+mn-cs"/>
+              </a:defRPr>
+            </a:lvl2pPr>
+            <a:lvl3pPr marL="1143000" indent="-228600" algn="l" defTabSz="914400" rtl="0" eaLnBrk="1" latinLnBrk="0" hangingPunct="1">
+              <a:lnSpc>
+                <a:spcPct val="90000"/>
+              </a:lnSpc>
+              <a:spcBef>
+                <a:spcPts val="500"/>
+              </a:spcBef>
+              <a:buFont typeface="Arial" panose="020B0604020202020204" pitchFamily="34" charset="0"/>
+              <a:buChar char="•"/>
+              <a:defRPr sz="2000" kern="1200">
+                <a:solidFill>
+                  <a:schemeClr val="tx1"/>
+                </a:solidFill>
+                <a:latin typeface="+mn-lt"/>
+                <a:ea typeface="+mn-ea"/>
+                <a:cs typeface="+mn-cs"/>
+              </a:defRPr>
+            </a:lvl3pPr>
+            <a:lvl4pPr marL="1600200" indent="-228600" algn="l" defTabSz="914400" rtl="0" eaLnBrk="1" latinLnBrk="0" hangingPunct="1">
+              <a:lnSpc>
+                <a:spcPct val="90000"/>
+              </a:lnSpc>
+              <a:spcBef>
+                <a:spcPts val="500"/>
+              </a:spcBef>
+              <a:buFont typeface="Arial" panose="020B0604020202020204" pitchFamily="34" charset="0"/>
+              <a:buChar char="•"/>
+              <a:defRPr sz="1800" kern="1200">
+                <a:solidFill>
+                  <a:schemeClr val="tx1"/>
+                </a:solidFill>
+                <a:latin typeface="+mn-lt"/>
+                <a:ea typeface="+mn-ea"/>
+                <a:cs typeface="+mn-cs"/>
+              </a:defRPr>
+            </a:lvl4pPr>
+            <a:lvl5pPr marL="2057400" indent="-228600" algn="l" defTabSz="914400" rtl="0" eaLnBrk="1" latinLnBrk="0" hangingPunct="1">
+              <a:lnSpc>
+                <a:spcPct val="90000"/>
+              </a:lnSpc>
+              <a:spcBef>
+                <a:spcPts val="500"/>
+              </a:spcBef>
+              <a:buFont typeface="Arial" panose="020B0604020202020204" pitchFamily="34" charset="0"/>
+              <a:buChar char="•"/>
+              <a:defRPr sz="1800" kern="1200">
+                <a:solidFill>
+                  <a:schemeClr val="tx1"/>
+                </a:solidFill>
+                <a:latin typeface="+mn-lt"/>
+                <a:ea typeface="+mn-ea"/>
+                <a:cs typeface="+mn-cs"/>
+              </a:defRPr>
+            </a:lvl5pPr>
+            <a:lvl6pPr marL="2514600" indent="-228600" algn="l" defTabSz="914400" rtl="0" eaLnBrk="1" latinLnBrk="0" hangingPunct="1">
+              <a:lnSpc>
+                <a:spcPct val="90000"/>
+              </a:lnSpc>
+              <a:spcBef>
+                <a:spcPts val="500"/>
+              </a:spcBef>
+              <a:buFont typeface="Arial" panose="020B0604020202020204" pitchFamily="34" charset="0"/>
+              <a:buChar char="•"/>
+              <a:defRPr sz="1800" kern="1200">
+                <a:solidFill>
+                  <a:schemeClr val="tx1"/>
+                </a:solidFill>
+                <a:latin typeface="+mn-lt"/>
+                <a:ea typeface="+mn-ea"/>
+                <a:cs typeface="+mn-cs"/>
+              </a:defRPr>
+            </a:lvl6pPr>
+            <a:lvl7pPr marL="2971800" indent="-228600" algn="l" defTabSz="914400" rtl="0" eaLnBrk="1" latinLnBrk="0" hangingPunct="1">
+              <a:lnSpc>
+                <a:spcPct val="90000"/>
+              </a:lnSpc>
+              <a:spcBef>
+                <a:spcPts val="500"/>
+              </a:spcBef>
+              <a:buFont typeface="Arial" panose="020B0604020202020204" pitchFamily="34" charset="0"/>
+              <a:buChar char="•"/>
+              <a:defRPr sz="1800" kern="1200">
+                <a:solidFill>
+                  <a:schemeClr val="tx1"/>
+                </a:solidFill>
+                <a:latin typeface="+mn-lt"/>
+                <a:ea typeface="+mn-ea"/>
+                <a:cs typeface="+mn-cs"/>
+              </a:defRPr>
+            </a:lvl7pPr>
+            <a:lvl8pPr marL="3429000" indent="-228600" algn="l" defTabSz="914400" rtl="0" eaLnBrk="1" latinLnBrk="0" hangingPunct="1">
+              <a:lnSpc>
+                <a:spcPct val="90000"/>
+              </a:lnSpc>
+              <a:spcBef>
+                <a:spcPts val="500"/>
+              </a:spcBef>
+              <a:buFont typeface="Arial" panose="020B0604020202020204" pitchFamily="34" charset="0"/>
+              <a:buChar char="•"/>
+              <a:defRPr sz="1800" kern="1200">
+                <a:solidFill>
+                  <a:schemeClr val="tx1"/>
+                </a:solidFill>
+                <a:latin typeface="+mn-lt"/>
+                <a:ea typeface="+mn-ea"/>
+                <a:cs typeface="+mn-cs"/>
+              </a:defRPr>
+            </a:lvl8pPr>
+            <a:lvl9pPr marL="3886200" indent="-228600" algn="l" defTabSz="914400" rtl="0" eaLnBrk="1" latinLnBrk="0" hangingPunct="1">
+              <a:lnSpc>
+                <a:spcPct val="90000"/>
+              </a:lnSpc>
+              <a:spcBef>
+                <a:spcPts val="500"/>
+              </a:spcBef>
+              <a:buFont typeface="Arial" panose="020B0604020202020204" pitchFamily="34" charset="0"/>
+              <a:buChar char="•"/>
+              <a:defRPr sz="1800" kern="1200">
+                <a:solidFill>
+                  <a:schemeClr val="tx1"/>
+                </a:solidFill>
+                <a:latin typeface="+mn-lt"/>
+                <a:ea typeface="+mn-ea"/>
+                <a:cs typeface="+mn-cs"/>
+              </a:defRPr>
+            </a:lvl9pPr>
+          </a:lstStyle>
+          <a:p>
+            <a:pPr>
+              <a:buFontTx/>
+              <a:buChar char="-"/>
+            </a:pPr>
+            <a:r>
+              <a:rPr lang="en-US" sz="2400" dirty="0">
+                <a:solidFill>
+                  <a:srgbClr val="043D4D"/>
+                </a:solidFill>
+                <a:latin typeface="Arial" panose="020B0604020202020204" pitchFamily="34" charset="0"/>
+                <a:cs typeface="Arial" panose="020B0604020202020204" pitchFamily="34" charset="0"/>
+              </a:rPr>
+              <a:t>Visualizer also works for tree sequences that don’t have marked recombination nodes as long as `</a:t>
+            </a:r>
+            <a:r>
+              <a:rPr lang="en-US" sz="2400" dirty="0" err="1">
+                <a:solidFill>
+                  <a:srgbClr val="043D4D"/>
+                </a:solidFill>
+                <a:latin typeface="Arial" panose="020B0604020202020204" pitchFamily="34" charset="0"/>
+                <a:cs typeface="Arial" panose="020B0604020202020204" pitchFamily="34" charset="0"/>
+              </a:rPr>
+              <a:t>edge_type</a:t>
+            </a:r>
+            <a:r>
+              <a:rPr lang="en-US" sz="2400" dirty="0">
+                <a:solidFill>
+                  <a:srgbClr val="043D4D"/>
+                </a:solidFill>
+                <a:latin typeface="Arial" panose="020B0604020202020204" pitchFamily="34" charset="0"/>
+                <a:cs typeface="Arial" panose="020B0604020202020204" pitchFamily="34" charset="0"/>
+              </a:rPr>
+              <a:t>=“line”` (default).</a:t>
+            </a:r>
+          </a:p>
+          <a:p>
+            <a:pPr>
+              <a:buFontTx/>
+              <a:buChar char="-"/>
+            </a:pPr>
+            <a:r>
+              <a:rPr lang="en-US" sz="2400" dirty="0">
+                <a:solidFill>
+                  <a:srgbClr val="043D4D"/>
+                </a:solidFill>
+                <a:latin typeface="Arial" panose="020B0604020202020204" pitchFamily="34" charset="0"/>
+                <a:cs typeface="Arial" panose="020B0604020202020204" pitchFamily="34" charset="0"/>
+              </a:rPr>
+              <a:t>“ortho” edge pathing does not work for that type of tree sequences. All other functionality is the same.</a:t>
+            </a:r>
+          </a:p>
+          <a:p>
+            <a:pPr marL="0" indent="0">
+              <a:buNone/>
+            </a:pPr>
+            <a:endParaRPr lang="en-US" sz="2400" dirty="0">
+              <a:solidFill>
+                <a:srgbClr val="043D4D"/>
+              </a:solidFill>
+              <a:latin typeface="Arial" panose="020B0604020202020204" pitchFamily="34" charset="0"/>
+              <a:cs typeface="Arial" panose="020B0604020202020204" pitchFamily="34" charset="0"/>
+            </a:endParaRPr>
+          </a:p>
+          <a:p>
+            <a:pPr marL="0" indent="0">
+              <a:buNone/>
+            </a:pPr>
+            <a:endParaRPr lang="en-US" sz="2400" dirty="0">
+              <a:solidFill>
+                <a:srgbClr val="043D4D"/>
+              </a:solidFill>
+              <a:latin typeface="Arial" panose="020B0604020202020204" pitchFamily="34" charset="0"/>
+              <a:cs typeface="Arial" panose="020B0604020202020204" pitchFamily="34" charset="0"/>
+            </a:endParaRPr>
+          </a:p>
+        </p:txBody>
+      </p:sp>
+    </p:spTree>
+    <p:extLst>
+      <p:ext uri="{BB962C8B-B14F-4D97-AF65-F5344CB8AC3E}">
+        <p14:creationId xmlns:p14="http://schemas.microsoft.com/office/powerpoint/2010/main" val="1365822039"/>
+      </p:ext>
+    </p:extLst>
+  </p:cSld>
+  <p:clrMapOvr>
+    <a:masterClrMapping/>
+  </p:clrMapOvr>
+</p:sld>
+</file>
+
+<file path=ppt/slides/slide22.xml><?xml version="1.0" encoding="utf-8"?>
+<p:sld xmlns:a="http://schemas.openxmlformats.org/drawingml/2006/main" xmlns:r="http://schemas.openxmlformats.org/officeDocument/2006/relationships" xmlns:p="http://schemas.openxmlformats.org/presentationml/2006/main">
+  <p:cSld>
+    <p:spTree>
+      <p:nvGrpSpPr>
+        <p:cNvPr id="1" name=""/>
+        <p:cNvGrpSpPr/>
+        <p:nvPr/>
+      </p:nvGrpSpPr>
+      <p:grpSpPr>
+        <a:xfrm>
+          <a:off x="0" y="0"/>
+          <a:ext cx="0" cy="0"/>
+          <a:chOff x="0" y="0"/>
+          <a:chExt cx="0" cy="0"/>
+        </a:xfrm>
+      </p:grpSpPr>
+      <p:sp>
+        <p:nvSpPr>
+          <p:cNvPr id="6" name="Content Placeholder 5">
+            <a:extLst>
+              <a:ext uri="{FF2B5EF4-FFF2-40B4-BE49-F238E27FC236}">
+                <a16:creationId xmlns:a16="http://schemas.microsoft.com/office/drawing/2014/main" id="{141E0C07-F06C-4411-E1BD-5213BE6F5B12}"/>
+              </a:ext>
+            </a:extLst>
+          </p:cNvPr>
+          <p:cNvSpPr>
+            <a:spLocks noGrp="1"/>
+          </p:cNvSpPr>
+          <p:nvPr>
+            <p:ph idx="1"/>
+          </p:nvPr>
+        </p:nvSpPr>
+        <p:spPr/>
+        <p:txBody>
+          <a:bodyPr>
+            <a:normAutofit/>
+          </a:bodyPr>
+          <a:lstStyle/>
+          <a:p>
+            <a:pPr>
+              <a:buFontTx/>
+              <a:buChar char="-"/>
+            </a:pPr>
+            <a:r>
+              <a:rPr lang="en-US" sz="2400" dirty="0">
+                <a:solidFill>
+                  <a:srgbClr val="043D4D"/>
+                </a:solidFill>
+                <a:latin typeface="Arial" panose="020B0604020202020204" pitchFamily="34" charset="0"/>
+                <a:cs typeface="Arial" panose="020B0604020202020204" pitchFamily="34" charset="0"/>
+              </a:rPr>
+              <a:t>Best for smaller ARGs</a:t>
+            </a:r>
+          </a:p>
+          <a:p>
+            <a:pPr>
+              <a:buFontTx/>
+              <a:buChar char="-"/>
+            </a:pPr>
+            <a:r>
+              <a:rPr lang="en-US" sz="2400" dirty="0">
+                <a:solidFill>
+                  <a:srgbClr val="043D4D"/>
+                </a:solidFill>
+                <a:latin typeface="Arial" panose="020B0604020202020204" pitchFamily="34" charset="0"/>
+                <a:cs typeface="Arial" panose="020B0604020202020204" pitchFamily="34" charset="0"/>
+              </a:rPr>
+              <a:t>Node positions will often require fine tuning/untangling, particularly around recombination nodes or if the order of the sample nodes isn’t optimal</a:t>
+            </a:r>
+          </a:p>
+          <a:p>
+            <a:pPr>
+              <a:buFontTx/>
+              <a:buChar char="-"/>
+            </a:pPr>
+            <a:r>
+              <a:rPr lang="en-US" sz="2400" dirty="0">
+                <a:solidFill>
+                  <a:srgbClr val="043D4D"/>
+                </a:solidFill>
+                <a:latin typeface="Arial" panose="020B0604020202020204" pitchFamily="34" charset="0"/>
+                <a:cs typeface="Arial" panose="020B0604020202020204" pitchFamily="34" charset="0"/>
+              </a:rPr>
+              <a:t>“ortho” edge pathing can’t yet handle polytomies; `</a:t>
+            </a:r>
+            <a:r>
+              <a:rPr lang="en-US" sz="2400" dirty="0" err="1">
+                <a:solidFill>
+                  <a:srgbClr val="043D4D"/>
+                </a:solidFill>
+                <a:latin typeface="Arial" panose="020B0604020202020204" pitchFamily="34" charset="0"/>
+                <a:cs typeface="Arial" panose="020B0604020202020204" pitchFamily="34" charset="0"/>
+              </a:rPr>
+              <a:t>edge_type</a:t>
+            </a:r>
+            <a:r>
+              <a:rPr lang="en-US" sz="2400" dirty="0">
+                <a:solidFill>
+                  <a:srgbClr val="043D4D"/>
+                </a:solidFill>
+                <a:latin typeface="Arial" panose="020B0604020202020204" pitchFamily="34" charset="0"/>
+                <a:cs typeface="Arial" panose="020B0604020202020204" pitchFamily="34" charset="0"/>
+              </a:rPr>
+              <a:t>=“line”` is better for this</a:t>
+            </a:r>
+          </a:p>
+          <a:p>
+            <a:pPr>
+              <a:buFontTx/>
+              <a:buChar char="-"/>
+            </a:pPr>
+            <a:r>
+              <a:rPr lang="en-US" sz="2400" dirty="0">
+                <a:solidFill>
+                  <a:srgbClr val="043D4D"/>
+                </a:solidFill>
+                <a:latin typeface="Arial" panose="020B0604020202020204" pitchFamily="34" charset="0"/>
+                <a:cs typeface="Arial" panose="020B0604020202020204" pitchFamily="34" charset="0"/>
+              </a:rPr>
+              <a:t>Requires a connection to the internet to load D3.js from a CDN</a:t>
+            </a:r>
+          </a:p>
+          <a:p>
+            <a:pPr>
+              <a:buFontTx/>
+              <a:buChar char="-"/>
+            </a:pPr>
+            <a:r>
+              <a:rPr lang="en-US" sz="2400" dirty="0">
+                <a:solidFill>
+                  <a:srgbClr val="043D4D"/>
+                </a:solidFill>
+                <a:latin typeface="Arial" panose="020B0604020202020204" pitchFamily="34" charset="0"/>
+                <a:cs typeface="Arial" panose="020B0604020202020204" pitchFamily="34" charset="0"/>
+              </a:rPr>
+              <a:t>Currently, uses D3.js v4, which is not the most recent version (I’m planning to update this)</a:t>
+            </a:r>
+          </a:p>
+        </p:txBody>
+      </p:sp>
+      <p:sp>
+        <p:nvSpPr>
+          <p:cNvPr id="7" name="TextBox 6">
+            <a:extLst>
+              <a:ext uri="{FF2B5EF4-FFF2-40B4-BE49-F238E27FC236}">
+                <a16:creationId xmlns:a16="http://schemas.microsoft.com/office/drawing/2014/main" id="{92123D94-AB6A-43B5-88FC-674D83D33E35}"/>
+              </a:ext>
+            </a:extLst>
+          </p:cNvPr>
+          <p:cNvSpPr txBox="1"/>
+          <p:nvPr/>
+        </p:nvSpPr>
+        <p:spPr>
+          <a:xfrm>
+            <a:off x="722517" y="492851"/>
+            <a:ext cx="5101333" cy="1323439"/>
+          </a:xfrm>
+          <a:prstGeom prst="rect">
+            <a:avLst/>
+          </a:prstGeom>
+          <a:noFill/>
+        </p:spPr>
+        <p:txBody>
+          <a:bodyPr wrap="none" rtlCol="0">
+            <a:spAutoFit/>
+          </a:bodyPr>
+          <a:lstStyle/>
+          <a:p>
+            <a:r>
+              <a:rPr lang="en-US" sz="8000" dirty="0">
+                <a:solidFill>
+                  <a:srgbClr val="043D4D"/>
+                </a:solidFill>
+                <a:latin typeface="DIN Condensed" pitchFamily="2" charset="0"/>
+                <a:cs typeface="Aharoni" panose="02010803020104030203" pitchFamily="2" charset="-79"/>
+              </a:rPr>
+              <a:t>Considerations</a:t>
+            </a:r>
+          </a:p>
+        </p:txBody>
+      </p:sp>
+    </p:spTree>
+    <p:extLst>
+      <p:ext uri="{BB962C8B-B14F-4D97-AF65-F5344CB8AC3E}">
+        <p14:creationId xmlns:p14="http://schemas.microsoft.com/office/powerpoint/2010/main" val="1291751435"/>
+      </p:ext>
+    </p:extLst>
+  </p:cSld>
+  <p:clrMapOvr>
+    <a:masterClrMapping/>
+  </p:clrMapOvr>
+</p:sld>
+</file>
+
+<file path=ppt/slides/slide23.xml><?xml version="1.0" encoding="utf-8"?>
+<p:sld xmlns:a="http://schemas.openxmlformats.org/drawingml/2006/main" xmlns:r="http://schemas.openxmlformats.org/officeDocument/2006/relationships" xmlns:p="http://schemas.openxmlformats.org/presentationml/2006/main">
+  <p:cSld>
+    <p:spTree>
+      <p:nvGrpSpPr>
+        <p:cNvPr id="1" name=""/>
+        <p:cNvGrpSpPr/>
+        <p:nvPr/>
+      </p:nvGrpSpPr>
+      <p:grpSpPr>
+        <a:xfrm>
+          <a:off x="0" y="0"/>
+          <a:ext cx="0" cy="0"/>
+          <a:chOff x="0" y="0"/>
+          <a:chExt cx="0" cy="0"/>
+        </a:xfrm>
+      </p:grpSpPr>
+    </p:spTree>
+    <p:extLst>
+      <p:ext uri="{BB962C8B-B14F-4D97-AF65-F5344CB8AC3E}">
+        <p14:creationId xmlns:p14="http://schemas.microsoft.com/office/powerpoint/2010/main" val="3555708059"/>
       </p:ext>
     </p:extLst>
   </p:cSld>
@@ -4205,6 +8017,372 @@
       </p:grpSpPr>
       <p:pic>
         <p:nvPicPr>
+          <p:cNvPr id="11" name="Picture 10">
+            <a:extLst>
+              <a:ext uri="{FF2B5EF4-FFF2-40B4-BE49-F238E27FC236}">
+                <a16:creationId xmlns:a16="http://schemas.microsoft.com/office/drawing/2014/main" id="{9E32968A-F8A1-27AE-E119-958BB4C5CB91}"/>
+              </a:ext>
+            </a:extLst>
+          </p:cNvPr>
+          <p:cNvPicPr>
+            <a:picLocks noChangeAspect="1"/>
+          </p:cNvPicPr>
+          <p:nvPr/>
+        </p:nvPicPr>
+        <p:blipFill>
+          <a:blip r:embed="rId3"/>
+          <a:stretch>
+            <a:fillRect/>
+          </a:stretch>
+        </p:blipFill>
+        <p:spPr>
+          <a:xfrm>
+            <a:off x="6291072" y="1050563"/>
+            <a:ext cx="5615404" cy="5102370"/>
+          </a:xfrm>
+          <a:prstGeom prst="rect">
+            <a:avLst/>
+          </a:prstGeom>
+        </p:spPr>
+      </p:pic>
+      <p:sp>
+        <p:nvSpPr>
+          <p:cNvPr id="5" name="Rectangle 4">
+            <a:extLst>
+              <a:ext uri="{FF2B5EF4-FFF2-40B4-BE49-F238E27FC236}">
+                <a16:creationId xmlns:a16="http://schemas.microsoft.com/office/drawing/2014/main" id="{7F2EDB75-395E-77EA-70F3-A5E7AC437C76}"/>
+              </a:ext>
+            </a:extLst>
+          </p:cNvPr>
+          <p:cNvSpPr/>
+          <p:nvPr/>
+        </p:nvSpPr>
+        <p:spPr>
+          <a:xfrm>
+            <a:off x="1463040" y="1231392"/>
+            <a:ext cx="3706368" cy="4395214"/>
+          </a:xfrm>
+          <a:prstGeom prst="rect">
+            <a:avLst/>
+          </a:prstGeom>
+          <a:solidFill>
+            <a:srgbClr val="F5F5F5"/>
+          </a:solidFill>
+          <a:ln w="38100">
+            <a:solidFill>
+              <a:srgbClr val="043D4D"/>
+            </a:solidFill>
+          </a:ln>
+        </p:spPr>
+        <p:style>
+          <a:lnRef idx="2">
+            <a:schemeClr val="accent1">
+              <a:shade val="15000"/>
+            </a:schemeClr>
+          </a:lnRef>
+          <a:fillRef idx="1">
+            <a:schemeClr val="accent1"/>
+          </a:fillRef>
+          <a:effectRef idx="0">
+            <a:schemeClr val="accent1"/>
+          </a:effectRef>
+          <a:fontRef idx="minor">
+            <a:schemeClr val="lt1"/>
+          </a:fontRef>
+        </p:style>
+        <p:txBody>
+          <a:bodyPr rtlCol="0" anchor="ctr"/>
+          <a:lstStyle/>
+          <a:p>
+            <a:pPr algn="ctr"/>
+            <a:endParaRPr lang="en-US"/>
+          </a:p>
+        </p:txBody>
+      </p:sp>
+      <p:pic>
+        <p:nvPicPr>
+          <p:cNvPr id="9" name="Picture 8" descr="A screenshot of a computer code&#10;&#10;Description automatically generated">
+            <a:extLst>
+              <a:ext uri="{FF2B5EF4-FFF2-40B4-BE49-F238E27FC236}">
+                <a16:creationId xmlns:a16="http://schemas.microsoft.com/office/drawing/2014/main" id="{0E022537-F842-DB08-FD65-5E5CF7DDF811}"/>
+              </a:ext>
+            </a:extLst>
+          </p:cNvPr>
+          <p:cNvPicPr>
+            <a:picLocks noChangeAspect="1"/>
+          </p:cNvPicPr>
+          <p:nvPr/>
+        </p:nvPicPr>
+        <p:blipFill>
+          <a:blip r:embed="rId4"/>
+          <a:stretch>
+            <a:fillRect/>
+          </a:stretch>
+        </p:blipFill>
+        <p:spPr>
+          <a:xfrm>
+            <a:off x="1620774" y="1352549"/>
+            <a:ext cx="3390900" cy="4152900"/>
+          </a:xfrm>
+          <a:prstGeom prst="rect">
+            <a:avLst/>
+          </a:prstGeom>
+        </p:spPr>
+      </p:pic>
+    </p:spTree>
+    <p:extLst>
+      <p:ext uri="{BB962C8B-B14F-4D97-AF65-F5344CB8AC3E}">
+        <p14:creationId xmlns:p14="http://schemas.microsoft.com/office/powerpoint/2010/main" val="2737830703"/>
+      </p:ext>
+    </p:extLst>
+  </p:cSld>
+  <p:clrMapOvr>
+    <a:masterClrMapping/>
+  </p:clrMapOvr>
+</p:sld>
+</file>
+
+<file path=ppt/slides/slide5.xml><?xml version="1.0" encoding="utf-8"?>
+<p:sld xmlns:a="http://schemas.openxmlformats.org/drawingml/2006/main" xmlns:r="http://schemas.openxmlformats.org/officeDocument/2006/relationships" xmlns:p="http://schemas.openxmlformats.org/presentationml/2006/main" show="0">
+  <p:cSld>
+    <p:spTree>
+      <p:nvGrpSpPr>
+        <p:cNvPr id="1" name=""/>
+        <p:cNvGrpSpPr/>
+        <p:nvPr/>
+      </p:nvGrpSpPr>
+      <p:grpSpPr>
+        <a:xfrm>
+          <a:off x="0" y="0"/>
+          <a:ext cx="0" cy="0"/>
+          <a:chOff x="0" y="0"/>
+          <a:chExt cx="0" cy="0"/>
+        </a:xfrm>
+      </p:grpSpPr>
+      <p:pic>
+        <p:nvPicPr>
+          <p:cNvPr id="7" name="Picture 6">
+            <a:extLst>
+              <a:ext uri="{FF2B5EF4-FFF2-40B4-BE49-F238E27FC236}">
+                <a16:creationId xmlns:a16="http://schemas.microsoft.com/office/drawing/2014/main" id="{BC71CB2F-A70C-7D91-5294-8F42F2139097}"/>
+              </a:ext>
+            </a:extLst>
+          </p:cNvPr>
+          <p:cNvPicPr>
+            <a:picLocks noChangeAspect="1"/>
+          </p:cNvPicPr>
+          <p:nvPr/>
+        </p:nvPicPr>
+        <p:blipFill>
+          <a:blip r:embed="rId3"/>
+          <a:stretch>
+            <a:fillRect/>
+          </a:stretch>
+        </p:blipFill>
+        <p:spPr>
+          <a:xfrm>
+            <a:off x="383060" y="989603"/>
+            <a:ext cx="5430553" cy="5231179"/>
+          </a:xfrm>
+          <a:prstGeom prst="rect">
+            <a:avLst/>
+          </a:prstGeom>
+        </p:spPr>
+      </p:pic>
+      <p:pic>
+        <p:nvPicPr>
+          <p:cNvPr id="11" name="Picture 10">
+            <a:extLst>
+              <a:ext uri="{FF2B5EF4-FFF2-40B4-BE49-F238E27FC236}">
+                <a16:creationId xmlns:a16="http://schemas.microsoft.com/office/drawing/2014/main" id="{9E32968A-F8A1-27AE-E119-958BB4C5CB91}"/>
+              </a:ext>
+            </a:extLst>
+          </p:cNvPr>
+          <p:cNvPicPr>
+            <a:picLocks noChangeAspect="1"/>
+          </p:cNvPicPr>
+          <p:nvPr/>
+        </p:nvPicPr>
+        <p:blipFill>
+          <a:blip r:embed="rId4"/>
+          <a:stretch>
+            <a:fillRect/>
+          </a:stretch>
+        </p:blipFill>
+        <p:spPr>
+          <a:xfrm>
+            <a:off x="6291072" y="1050563"/>
+            <a:ext cx="5615404" cy="5102370"/>
+          </a:xfrm>
+          <a:prstGeom prst="rect">
+            <a:avLst/>
+          </a:prstGeom>
+        </p:spPr>
+      </p:pic>
+      <p:sp>
+        <p:nvSpPr>
+          <p:cNvPr id="6" name="Rectangle 5">
+            <a:extLst>
+              <a:ext uri="{FF2B5EF4-FFF2-40B4-BE49-F238E27FC236}">
+                <a16:creationId xmlns:a16="http://schemas.microsoft.com/office/drawing/2014/main" id="{5574FA6F-596D-A929-1F5B-53968E4482C5}"/>
+              </a:ext>
+            </a:extLst>
+          </p:cNvPr>
+          <p:cNvSpPr/>
+          <p:nvPr/>
+        </p:nvSpPr>
+        <p:spPr>
+          <a:xfrm>
+            <a:off x="0" y="0"/>
+            <a:ext cx="12192000" cy="6858000"/>
+          </a:xfrm>
+          <a:prstGeom prst="rect">
+            <a:avLst/>
+          </a:prstGeom>
+          <a:solidFill>
+            <a:srgbClr val="FFFFFF">
+              <a:alpha val="89804"/>
+            </a:srgbClr>
+          </a:solidFill>
+        </p:spPr>
+        <p:style>
+          <a:lnRef idx="2">
+            <a:schemeClr val="accent1">
+              <a:shade val="15000"/>
+            </a:schemeClr>
+          </a:lnRef>
+          <a:fillRef idx="1">
+            <a:schemeClr val="accent1"/>
+          </a:fillRef>
+          <a:effectRef idx="0">
+            <a:schemeClr val="accent1"/>
+          </a:effectRef>
+          <a:fontRef idx="minor">
+            <a:schemeClr val="lt1"/>
+          </a:fontRef>
+        </p:style>
+        <p:txBody>
+          <a:bodyPr rtlCol="0" anchor="ctr"/>
+          <a:lstStyle/>
+          <a:p>
+            <a:pPr algn="ctr"/>
+            <a:endParaRPr lang="en-US" dirty="0"/>
+          </a:p>
+        </p:txBody>
+      </p:sp>
+      <p:sp>
+        <p:nvSpPr>
+          <p:cNvPr id="5" name="Rectangle 4">
+            <a:extLst>
+              <a:ext uri="{FF2B5EF4-FFF2-40B4-BE49-F238E27FC236}">
+                <a16:creationId xmlns:a16="http://schemas.microsoft.com/office/drawing/2014/main" id="{7F2EDB75-395E-77EA-70F3-A5E7AC437C76}"/>
+              </a:ext>
+            </a:extLst>
+          </p:cNvPr>
+          <p:cNvSpPr/>
+          <p:nvPr/>
+        </p:nvSpPr>
+        <p:spPr>
+          <a:xfrm>
+            <a:off x="1987296" y="1804416"/>
+            <a:ext cx="8217408" cy="3249166"/>
+          </a:xfrm>
+          <a:prstGeom prst="rect">
+            <a:avLst/>
+          </a:prstGeom>
+          <a:solidFill>
+            <a:srgbClr val="F5F5F5"/>
+          </a:solidFill>
+          <a:ln>
+            <a:noFill/>
+          </a:ln>
+        </p:spPr>
+        <p:style>
+          <a:lnRef idx="2">
+            <a:schemeClr val="accent1">
+              <a:shade val="15000"/>
+            </a:schemeClr>
+          </a:lnRef>
+          <a:fillRef idx="1">
+            <a:schemeClr val="accent1"/>
+          </a:fillRef>
+          <a:effectRef idx="0">
+            <a:schemeClr val="accent1"/>
+          </a:effectRef>
+          <a:fontRef idx="minor">
+            <a:schemeClr val="lt1"/>
+          </a:fontRef>
+        </p:style>
+        <p:txBody>
+          <a:bodyPr rtlCol="0" anchor="ctr"/>
+          <a:lstStyle/>
+          <a:p>
+            <a:pPr algn="ctr"/>
+            <a:endParaRPr lang="en-US"/>
+          </a:p>
+        </p:txBody>
+      </p:sp>
+      <p:pic>
+        <p:nvPicPr>
+          <p:cNvPr id="3" name="Picture 2" descr="A screenshot of a computer program&#10;&#10;Description automatically generated">
+            <a:extLst>
+              <a:ext uri="{FF2B5EF4-FFF2-40B4-BE49-F238E27FC236}">
+                <a16:creationId xmlns:a16="http://schemas.microsoft.com/office/drawing/2014/main" id="{F2647A63-B573-7D1A-1857-AE43EA607985}"/>
+              </a:ext>
+            </a:extLst>
+          </p:cNvPr>
+          <p:cNvPicPr>
+            <a:picLocks noChangeAspect="1"/>
+          </p:cNvPicPr>
+          <p:nvPr/>
+        </p:nvPicPr>
+        <p:blipFill rotWithShape="1">
+          <a:blip r:embed="rId5"/>
+          <a:srcRect l="640" t="2283" r="724" b="1811"/>
+          <a:stretch/>
+        </p:blipFill>
+        <p:spPr>
+          <a:xfrm>
+            <a:off x="2262809" y="2080591"/>
+            <a:ext cx="7666382" cy="2696818"/>
+          </a:xfrm>
+          <a:prstGeom prst="rect">
+            <a:avLst/>
+          </a:prstGeom>
+        </p:spPr>
+      </p:pic>
+    </p:spTree>
+    <p:extLst>
+      <p:ext uri="{BB962C8B-B14F-4D97-AF65-F5344CB8AC3E}">
+        <p14:creationId xmlns:p14="http://schemas.microsoft.com/office/powerpoint/2010/main" val="2501787283"/>
+      </p:ext>
+    </p:extLst>
+  </p:cSld>
+  <p:clrMapOvr>
+    <a:masterClrMapping/>
+  </p:clrMapOvr>
+</p:sld>
+</file>
+
+<file path=ppt/slides/slide6.xml><?xml version="1.0" encoding="utf-8"?>
+<p:sld xmlns:a="http://schemas.openxmlformats.org/drawingml/2006/main" xmlns:r="http://schemas.openxmlformats.org/officeDocument/2006/relationships" xmlns:p="http://schemas.openxmlformats.org/presentationml/2006/main">
+  <p:cSld>
+    <p:spTree>
+      <p:nvGrpSpPr>
+        <p:cNvPr id="1" name=""/>
+        <p:cNvGrpSpPr/>
+        <p:nvPr/>
+      </p:nvGrpSpPr>
+      <p:grpSpPr>
+        <a:xfrm>
+          <a:off x="0" y="0"/>
+          <a:ext cx="0" cy="0"/>
+          <a:chOff x="0" y="0"/>
+          <a:chExt cx="0" cy="0"/>
+        </a:xfrm>
+      </p:grpSpPr>
+      <p:pic>
+        <p:nvPicPr>
           <p:cNvPr id="1028" name="Picture 4" descr="What is Python Coding?">
             <a:extLst>
               <a:ext uri="{FF2B5EF4-FFF2-40B4-BE49-F238E27FC236}">
@@ -4411,7 +8589,10 @@
           <a:prstGeom prst="straightConnector1">
             <a:avLst/>
           </a:prstGeom>
-          <a:ln w="114300">
+          <a:ln w="63500">
+            <a:solidFill>
+              <a:srgbClr val="043D4D"/>
+            </a:solidFill>
             <a:tailEnd type="triangle"/>
           </a:ln>
         </p:spPr>
@@ -4450,7 +8631,10 @@
           <a:prstGeom prst="straightConnector1">
             <a:avLst/>
           </a:prstGeom>
-          <a:ln w="114300">
+          <a:ln w="63500">
+            <a:solidFill>
+              <a:srgbClr val="043D4D"/>
+            </a:solidFill>
             <a:tailEnd type="triangle"/>
           </a:ln>
         </p:spPr>
@@ -4491,7 +8675,10 @@
           <a:prstGeom prst="straightConnector1">
             <a:avLst/>
           </a:prstGeom>
-          <a:ln w="114300">
+          <a:ln w="63500">
+            <a:solidFill>
+              <a:srgbClr val="043D4D"/>
+            </a:solidFill>
             <a:tailEnd type="triangle"/>
           </a:ln>
         </p:spPr>
@@ -4524,8 +8711,8 @@
         </p:nvSpPr>
         <p:spPr>
           <a:xfrm>
-            <a:off x="722517" y="675731"/>
-            <a:ext cx="5110694" cy="1323439"/>
+            <a:off x="722517" y="492851"/>
+            <a:ext cx="3181705" cy="1323439"/>
           </a:xfrm>
           <a:prstGeom prst="rect">
             <a:avLst/>
@@ -4540,7 +8727,10 @@
           <a:p>
             <a:r>
               <a:rPr lang="en-US" sz="8000" dirty="0">
-                <a:latin typeface="Aharoni" panose="02010803020104030203" pitchFamily="2" charset="-79"/>
+                <a:solidFill>
+                  <a:srgbClr val="043D4D"/>
+                </a:solidFill>
+                <a:latin typeface="DIN Condensed" pitchFamily="2" charset="0"/>
                 <a:cs typeface="Aharoni" panose="02010803020104030203" pitchFamily="2" charset="-79"/>
               </a:rPr>
               <a:t>Workflow</a:t>
@@ -4561,7 +8751,7 @@
 </p:sld>
 </file>
 
-<file path=ppt/slides/slide5.xml><?xml version="1.0" encoding="utf-8"?>
+<file path=ppt/slides/slide7.xml><?xml version="1.0" encoding="utf-8"?>
 <p:sld xmlns:a="http://schemas.openxmlformats.org/drawingml/2006/main" xmlns:r="http://schemas.openxmlformats.org/officeDocument/2006/relationships" xmlns:p="http://schemas.openxmlformats.org/presentationml/2006/main">
   <p:cSld>
     <p:spTree>
@@ -4831,8 +9021,8 @@
         </p:nvSpPr>
         <p:spPr>
           <a:xfrm>
-            <a:off x="722517" y="675731"/>
-            <a:ext cx="5110694" cy="1323439"/>
+            <a:off x="722517" y="492851"/>
+            <a:ext cx="3181705" cy="1323439"/>
           </a:xfrm>
           <a:prstGeom prst="rect">
             <a:avLst/>
@@ -4847,7 +9037,10 @@
           <a:p>
             <a:r>
               <a:rPr lang="en-US" sz="8000" dirty="0">
-                <a:latin typeface="Aharoni" panose="02010803020104030203" pitchFamily="2" charset="-79"/>
+                <a:solidFill>
+                  <a:srgbClr val="043D4D"/>
+                </a:solidFill>
+                <a:latin typeface="DIN Condensed" pitchFamily="2" charset="0"/>
                 <a:cs typeface="Aharoni" panose="02010803020104030203" pitchFamily="2" charset="-79"/>
               </a:rPr>
               <a:t>Workflow</a:t>
@@ -4885,6 +9078,9 @@
           <a:p>
             <a:r>
               <a:rPr lang="en-US" sz="2800" dirty="0">
+                <a:solidFill>
+                  <a:srgbClr val="043D4D"/>
+                </a:solidFill>
                 <a:latin typeface="Arial" panose="020B0604020202020204" pitchFamily="34" charset="0"/>
                 <a:cs typeface="Arial" panose="020B0604020202020204" pitchFamily="34" charset="0"/>
               </a:rPr>
@@ -4923,6 +9119,9 @@
           <a:p>
             <a:r>
               <a:rPr lang="en-US" sz="2800" dirty="0">
+                <a:solidFill>
+                  <a:srgbClr val="043D4D"/>
+                </a:solidFill>
                 <a:latin typeface="Arial" panose="020B0604020202020204" pitchFamily="34" charset="0"/>
                 <a:cs typeface="Arial" panose="020B0604020202020204" pitchFamily="34" charset="0"/>
               </a:rPr>
@@ -4962,6 +9161,9 @@
             <a:pPr algn="ctr"/>
             <a:r>
               <a:rPr lang="en-US" sz="2800" dirty="0">
+                <a:solidFill>
+                  <a:srgbClr val="043D4D"/>
+                </a:solidFill>
                 <a:latin typeface="Arial" panose="020B0604020202020204" pitchFamily="34" charset="0"/>
                 <a:cs typeface="Arial" panose="020B0604020202020204" pitchFamily="34" charset="0"/>
               </a:rPr>
@@ -5000,6 +9202,9 @@
           <a:p>
             <a:r>
               <a:rPr lang="en-US" sz="2800" dirty="0">
+                <a:solidFill>
+                  <a:srgbClr val="043D4D"/>
+                </a:solidFill>
                 <a:latin typeface="Arial" panose="020B0604020202020204" pitchFamily="34" charset="0"/>
                 <a:cs typeface="Arial" panose="020B0604020202020204" pitchFamily="34" charset="0"/>
               </a:rPr>
@@ -5007,6 +9212,9 @@
             </a:r>
             <a:r>
               <a:rPr lang="en-US" sz="2800" dirty="0" err="1">
+                <a:solidFill>
+                  <a:srgbClr val="043D4D"/>
+                </a:solidFill>
                 <a:latin typeface="Arial" panose="020B0604020202020204" pitchFamily="34" charset="0"/>
                 <a:cs typeface="Arial" panose="020B0604020202020204" pitchFamily="34" charset="0"/>
               </a:rPr>
@@ -5014,6 +9222,9 @@
             </a:r>
             <a:r>
               <a:rPr lang="en-US" sz="2800" dirty="0">
+                <a:solidFill>
+                  <a:srgbClr val="043D4D"/>
+                </a:solidFill>
                 <a:latin typeface="Arial" panose="020B0604020202020204" pitchFamily="34" charset="0"/>
                 <a:cs typeface="Arial" panose="020B0604020202020204" pitchFamily="34" charset="0"/>
               </a:rPr>
@@ -5042,7 +9253,10 @@
           <a:prstGeom prst="straightConnector1">
             <a:avLst/>
           </a:prstGeom>
-          <a:ln w="114300">
+          <a:ln w="63500">
+            <a:solidFill>
+              <a:srgbClr val="043D4D"/>
+            </a:solidFill>
             <a:tailEnd type="triangle"/>
           </a:ln>
         </p:spPr>
@@ -5081,7 +9295,10 @@
           <a:prstGeom prst="straightConnector1">
             <a:avLst/>
           </a:prstGeom>
-          <a:ln w="114300">
+          <a:ln w="63500">
+            <a:solidFill>
+              <a:srgbClr val="043D4D"/>
+            </a:solidFill>
             <a:tailEnd type="triangle"/>
           </a:ln>
         </p:spPr>
@@ -5122,7 +9339,10 @@
           <a:prstGeom prst="straightConnector1">
             <a:avLst/>
           </a:prstGeom>
-          <a:ln w="114300">
+          <a:ln w="63500">
+            <a:solidFill>
+              <a:srgbClr val="043D4D"/>
+            </a:solidFill>
             <a:tailEnd type="triangle"/>
           </a:ln>
         </p:spPr>
@@ -5145,6 +9365,871 @@
     <p:extLst>
       <p:ext uri="{BB962C8B-B14F-4D97-AF65-F5344CB8AC3E}">
         <p14:creationId xmlns:p14="http://schemas.microsoft.com/office/powerpoint/2010/main" val="1628684385"/>
+      </p:ext>
+    </p:extLst>
+  </p:cSld>
+  <p:clrMapOvr>
+    <a:masterClrMapping/>
+  </p:clrMapOvr>
+</p:sld>
+</file>
+
+<file path=ppt/slides/slide8.xml><?xml version="1.0" encoding="utf-8"?>
+<p:sld xmlns:a="http://schemas.openxmlformats.org/drawingml/2006/main" xmlns:r="http://schemas.openxmlformats.org/officeDocument/2006/relationships" xmlns:p="http://schemas.openxmlformats.org/presentationml/2006/main">
+  <p:cSld>
+    <p:spTree>
+      <p:nvGrpSpPr>
+        <p:cNvPr id="1" name=""/>
+        <p:cNvGrpSpPr/>
+        <p:nvPr/>
+      </p:nvGrpSpPr>
+      <p:grpSpPr>
+        <a:xfrm>
+          <a:off x="0" y="0"/>
+          <a:ext cx="0" cy="0"/>
+          <a:chOff x="0" y="0"/>
+          <a:chExt cx="0" cy="0"/>
+        </a:xfrm>
+      </p:grpSpPr>
+      <p:sp>
+        <p:nvSpPr>
+          <p:cNvPr id="4" name="TextBox 3">
+            <a:extLst>
+              <a:ext uri="{FF2B5EF4-FFF2-40B4-BE49-F238E27FC236}">
+                <a16:creationId xmlns:a16="http://schemas.microsoft.com/office/drawing/2014/main" id="{B05A8C33-3DB9-0ECF-9D9C-8C6C1F6928C6}"/>
+              </a:ext>
+            </a:extLst>
+          </p:cNvPr>
+          <p:cNvSpPr txBox="1"/>
+          <p:nvPr/>
+        </p:nvSpPr>
+        <p:spPr>
+          <a:xfrm>
+            <a:off x="722517" y="492851"/>
+            <a:ext cx="1835759" cy="1323439"/>
+          </a:xfrm>
+          <a:prstGeom prst="rect">
+            <a:avLst/>
+          </a:prstGeom>
+          <a:noFill/>
+        </p:spPr>
+        <p:txBody>
+          <a:bodyPr wrap="none" rtlCol="0">
+            <a:spAutoFit/>
+          </a:bodyPr>
+          <a:lstStyle/>
+          <a:p>
+            <a:r>
+              <a:rPr lang="en-US" sz="8000" dirty="0">
+                <a:solidFill>
+                  <a:srgbClr val="043D4D"/>
+                </a:solidFill>
+                <a:latin typeface="DIN Condensed" pitchFamily="2" charset="0"/>
+                <a:cs typeface="Aharoni" panose="02010803020104030203" pitchFamily="2" charset="-79"/>
+              </a:rPr>
+              <a:t>JSON</a:t>
+            </a:r>
+          </a:p>
+        </p:txBody>
+      </p:sp>
+      <p:sp>
+        <p:nvSpPr>
+          <p:cNvPr id="6" name="TextBox 5">
+            <a:extLst>
+              <a:ext uri="{FF2B5EF4-FFF2-40B4-BE49-F238E27FC236}">
+                <a16:creationId xmlns:a16="http://schemas.microsoft.com/office/drawing/2014/main" id="{5A1096C9-DABB-8DA8-FE70-789BF979FB56}"/>
+              </a:ext>
+            </a:extLst>
+          </p:cNvPr>
+          <p:cNvSpPr txBox="1"/>
+          <p:nvPr/>
+        </p:nvSpPr>
+        <p:spPr>
+          <a:xfrm>
+            <a:off x="6425184" y="6550223"/>
+            <a:ext cx="5766816" cy="307777"/>
+          </a:xfrm>
+          <a:prstGeom prst="rect">
+            <a:avLst/>
+          </a:prstGeom>
+          <a:noFill/>
+        </p:spPr>
+        <p:txBody>
+          <a:bodyPr wrap="square">
+            <a:spAutoFit/>
+          </a:bodyPr>
+          <a:lstStyle/>
+          <a:p>
+            <a:pPr algn="r"/>
+            <a:r>
+              <a:rPr lang="en-US" sz="1400" dirty="0">
+                <a:solidFill>
+                  <a:srgbClr val="043D4D"/>
+                </a:solidFill>
+                <a:latin typeface="Arial" panose="020B0604020202020204" pitchFamily="34" charset="0"/>
+                <a:cs typeface="Arial" panose="020B0604020202020204" pitchFamily="34" charset="0"/>
+              </a:rPr>
+              <a:t>https://</a:t>
+            </a:r>
+            <a:r>
+              <a:rPr lang="en-US" sz="1400" dirty="0" err="1">
+                <a:solidFill>
+                  <a:srgbClr val="043D4D"/>
+                </a:solidFill>
+                <a:latin typeface="Arial" panose="020B0604020202020204" pitchFamily="34" charset="0"/>
+                <a:cs typeface="Arial" panose="020B0604020202020204" pitchFamily="34" charset="0"/>
+              </a:rPr>
+              <a:t>github.com</a:t>
+            </a:r>
+            <a:r>
+              <a:rPr lang="en-US" sz="1400" dirty="0">
+                <a:solidFill>
+                  <a:srgbClr val="043D4D"/>
+                </a:solidFill>
+                <a:latin typeface="Arial" panose="020B0604020202020204" pitchFamily="34" charset="0"/>
+                <a:cs typeface="Arial" panose="020B0604020202020204" pitchFamily="34" charset="0"/>
+              </a:rPr>
+              <a:t>/</a:t>
+            </a:r>
+            <a:r>
+              <a:rPr lang="en-US" sz="1400" dirty="0" err="1">
+                <a:solidFill>
+                  <a:srgbClr val="043D4D"/>
+                </a:solidFill>
+                <a:latin typeface="Arial" panose="020B0604020202020204" pitchFamily="34" charset="0"/>
+                <a:cs typeface="Arial" panose="020B0604020202020204" pitchFamily="34" charset="0"/>
+              </a:rPr>
+              <a:t>kitchensjn</a:t>
+            </a:r>
+            <a:r>
+              <a:rPr lang="en-US" sz="1400" dirty="0">
+                <a:solidFill>
+                  <a:srgbClr val="043D4D"/>
+                </a:solidFill>
+                <a:latin typeface="Arial" panose="020B0604020202020204" pitchFamily="34" charset="0"/>
+                <a:cs typeface="Arial" panose="020B0604020202020204" pitchFamily="34" charset="0"/>
+              </a:rPr>
+              <a:t>/</a:t>
+            </a:r>
+            <a:r>
+              <a:rPr lang="en-US" sz="1400" dirty="0" err="1">
+                <a:solidFill>
+                  <a:srgbClr val="043D4D"/>
+                </a:solidFill>
+                <a:latin typeface="Arial" panose="020B0604020202020204" pitchFamily="34" charset="0"/>
+                <a:cs typeface="Arial" panose="020B0604020202020204" pitchFamily="34" charset="0"/>
+              </a:rPr>
+              <a:t>tskit_arg_visualizer</a:t>
+            </a:r>
+            <a:r>
+              <a:rPr lang="en-US" sz="1400" dirty="0">
+                <a:solidFill>
+                  <a:srgbClr val="043D4D"/>
+                </a:solidFill>
+                <a:latin typeface="Arial" panose="020B0604020202020204" pitchFamily="34" charset="0"/>
+                <a:cs typeface="Arial" panose="020B0604020202020204" pitchFamily="34" charset="0"/>
+              </a:rPr>
+              <a:t>/blob/main/</a:t>
+            </a:r>
+            <a:r>
+              <a:rPr lang="en-US" sz="1400" dirty="0" err="1">
+                <a:solidFill>
+                  <a:srgbClr val="043D4D"/>
+                </a:solidFill>
+                <a:latin typeface="Arial" panose="020B0604020202020204" pitchFamily="34" charset="0"/>
+                <a:cs typeface="Arial" panose="020B0604020202020204" pitchFamily="34" charset="0"/>
+              </a:rPr>
+              <a:t>plotting.md</a:t>
+            </a:r>
+            <a:endParaRPr lang="en-US" sz="1400" dirty="0">
+              <a:solidFill>
+                <a:srgbClr val="043D4D"/>
+              </a:solidFill>
+              <a:latin typeface="Arial" panose="020B0604020202020204" pitchFamily="34" charset="0"/>
+              <a:cs typeface="Arial" panose="020B0604020202020204" pitchFamily="34" charset="0"/>
+            </a:endParaRPr>
+          </a:p>
+        </p:txBody>
+      </p:sp>
+      <p:sp>
+        <p:nvSpPr>
+          <p:cNvPr id="7" name="Right Brace 6">
+            <a:extLst>
+              <a:ext uri="{FF2B5EF4-FFF2-40B4-BE49-F238E27FC236}">
+                <a16:creationId xmlns:a16="http://schemas.microsoft.com/office/drawing/2014/main" id="{5AE150C6-64CA-82DA-A979-40F8922F9E58}"/>
+              </a:ext>
+            </a:extLst>
+          </p:cNvPr>
+          <p:cNvSpPr/>
+          <p:nvPr/>
+        </p:nvSpPr>
+        <p:spPr>
+          <a:xfrm>
+            <a:off x="5003617" y="2194559"/>
+            <a:ext cx="1597152" cy="1005839"/>
+          </a:xfrm>
+          <a:prstGeom prst="rightBrace">
+            <a:avLst/>
+          </a:prstGeom>
+          <a:ln w="63500">
+            <a:solidFill>
+              <a:srgbClr val="043D4D"/>
+            </a:solidFill>
+          </a:ln>
+        </p:spPr>
+        <p:style>
+          <a:lnRef idx="1">
+            <a:schemeClr val="accent1"/>
+          </a:lnRef>
+          <a:fillRef idx="0">
+            <a:schemeClr val="accent1"/>
+          </a:fillRef>
+          <a:effectRef idx="0">
+            <a:schemeClr val="accent1"/>
+          </a:effectRef>
+          <a:fontRef idx="minor">
+            <a:schemeClr val="tx1"/>
+          </a:fontRef>
+        </p:style>
+        <p:txBody>
+          <a:bodyPr rtlCol="0" anchor="ctr"/>
+          <a:lstStyle/>
+          <a:p>
+            <a:pPr algn="ctr"/>
+            <a:endParaRPr lang="en-US"/>
+          </a:p>
+        </p:txBody>
+      </p:sp>
+      <p:sp>
+        <p:nvSpPr>
+          <p:cNvPr id="8" name="Right Brace 7">
+            <a:extLst>
+              <a:ext uri="{FF2B5EF4-FFF2-40B4-BE49-F238E27FC236}">
+                <a16:creationId xmlns:a16="http://schemas.microsoft.com/office/drawing/2014/main" id="{6AE7CEE9-BF8F-5843-FDC9-A3DB9F5F4388}"/>
+              </a:ext>
+            </a:extLst>
+          </p:cNvPr>
+          <p:cNvSpPr/>
+          <p:nvPr/>
+        </p:nvSpPr>
+        <p:spPr>
+          <a:xfrm>
+            <a:off x="5003617" y="3657601"/>
+            <a:ext cx="1597152" cy="2218944"/>
+          </a:xfrm>
+          <a:prstGeom prst="rightBrace">
+            <a:avLst/>
+          </a:prstGeom>
+          <a:ln w="63500">
+            <a:solidFill>
+              <a:srgbClr val="043D4D"/>
+            </a:solidFill>
+          </a:ln>
+        </p:spPr>
+        <p:style>
+          <a:lnRef idx="1">
+            <a:schemeClr val="accent1"/>
+          </a:lnRef>
+          <a:fillRef idx="0">
+            <a:schemeClr val="accent1"/>
+          </a:fillRef>
+          <a:effectRef idx="0">
+            <a:schemeClr val="accent1"/>
+          </a:effectRef>
+          <a:fontRef idx="minor">
+            <a:schemeClr val="tx1"/>
+          </a:fontRef>
+        </p:style>
+        <p:txBody>
+          <a:bodyPr rtlCol="0" anchor="ctr"/>
+          <a:lstStyle/>
+          <a:p>
+            <a:pPr algn="ctr"/>
+            <a:endParaRPr lang="en-US"/>
+          </a:p>
+        </p:txBody>
+      </p:sp>
+      <p:sp>
+        <p:nvSpPr>
+          <p:cNvPr id="10" name="TextBox 9">
+            <a:extLst>
+              <a:ext uri="{FF2B5EF4-FFF2-40B4-BE49-F238E27FC236}">
+                <a16:creationId xmlns:a16="http://schemas.microsoft.com/office/drawing/2014/main" id="{701C1C2A-23F1-4276-98DE-4591A93D55D4}"/>
+              </a:ext>
+            </a:extLst>
+          </p:cNvPr>
+          <p:cNvSpPr txBox="1"/>
+          <p:nvPr/>
+        </p:nvSpPr>
+        <p:spPr>
+          <a:xfrm>
+            <a:off x="7125025" y="2220424"/>
+            <a:ext cx="3490423" cy="954107"/>
+          </a:xfrm>
+          <a:prstGeom prst="rect">
+            <a:avLst/>
+          </a:prstGeom>
+          <a:noFill/>
+        </p:spPr>
+        <p:txBody>
+          <a:bodyPr wrap="square" rtlCol="0">
+            <a:spAutoFit/>
+          </a:bodyPr>
+          <a:lstStyle/>
+          <a:p>
+            <a:r>
+              <a:rPr lang="en-US" sz="2800" dirty="0">
+                <a:solidFill>
+                  <a:srgbClr val="043D4D"/>
+                </a:solidFill>
+                <a:latin typeface="Arial" panose="020B0604020202020204" pitchFamily="34" charset="0"/>
+                <a:cs typeface="Arial" panose="020B0604020202020204" pitchFamily="34" charset="0"/>
+              </a:rPr>
+              <a:t>Modified versions of the tables from </a:t>
+            </a:r>
+            <a:r>
+              <a:rPr lang="en-US" sz="2800" dirty="0" err="1">
+                <a:solidFill>
+                  <a:srgbClr val="043D4D"/>
+                </a:solidFill>
+                <a:latin typeface="Arial" panose="020B0604020202020204" pitchFamily="34" charset="0"/>
+                <a:cs typeface="Arial" panose="020B0604020202020204" pitchFamily="34" charset="0"/>
+              </a:rPr>
+              <a:t>tskit</a:t>
+            </a:r>
+            <a:endParaRPr lang="en-US" sz="2800" dirty="0">
+              <a:solidFill>
+                <a:srgbClr val="043D4D"/>
+              </a:solidFill>
+              <a:latin typeface="Arial" panose="020B0604020202020204" pitchFamily="34" charset="0"/>
+              <a:cs typeface="Arial" panose="020B0604020202020204" pitchFamily="34" charset="0"/>
+            </a:endParaRPr>
+          </a:p>
+        </p:txBody>
+      </p:sp>
+      <p:sp>
+        <p:nvSpPr>
+          <p:cNvPr id="11" name="TextBox 10">
+            <a:extLst>
+              <a:ext uri="{FF2B5EF4-FFF2-40B4-BE49-F238E27FC236}">
+                <a16:creationId xmlns:a16="http://schemas.microsoft.com/office/drawing/2014/main" id="{9FD2E621-270E-A35F-6E0B-66E107F67D1A}"/>
+              </a:ext>
+            </a:extLst>
+          </p:cNvPr>
+          <p:cNvSpPr txBox="1"/>
+          <p:nvPr/>
+        </p:nvSpPr>
+        <p:spPr>
+          <a:xfrm>
+            <a:off x="1451806" y="1999170"/>
+            <a:ext cx="3289683" cy="4139595"/>
+          </a:xfrm>
+          <a:prstGeom prst="rect">
+            <a:avLst/>
+          </a:prstGeom>
+          <a:noFill/>
+        </p:spPr>
+        <p:txBody>
+          <a:bodyPr wrap="none" rtlCol="0">
+            <a:spAutoFit/>
+          </a:bodyPr>
+          <a:lstStyle/>
+          <a:p>
+            <a:pPr marL="457200" indent="-457200">
+              <a:buFontTx/>
+              <a:buChar char="-"/>
+            </a:pPr>
+            <a:r>
+              <a:rPr lang="en-US" sz="2800" dirty="0">
+                <a:solidFill>
+                  <a:srgbClr val="043D4D"/>
+                </a:solidFill>
+                <a:latin typeface="Arial" panose="020B0604020202020204" pitchFamily="34" charset="0"/>
+                <a:cs typeface="Arial" panose="020B0604020202020204" pitchFamily="34" charset="0"/>
+              </a:rPr>
+              <a:t>nodes</a:t>
+            </a:r>
+          </a:p>
+          <a:p>
+            <a:pPr marL="457200" indent="-457200">
+              <a:buFontTx/>
+              <a:buChar char="-"/>
+            </a:pPr>
+            <a:r>
+              <a:rPr lang="en-US" sz="2800" dirty="0">
+                <a:solidFill>
+                  <a:srgbClr val="043D4D"/>
+                </a:solidFill>
+                <a:latin typeface="Arial" panose="020B0604020202020204" pitchFamily="34" charset="0"/>
+                <a:cs typeface="Arial" panose="020B0604020202020204" pitchFamily="34" charset="0"/>
+              </a:rPr>
+              <a:t>links</a:t>
+            </a:r>
+          </a:p>
+          <a:p>
+            <a:pPr marL="457200" indent="-457200">
+              <a:buFontTx/>
+              <a:buChar char="-"/>
+            </a:pPr>
+            <a:r>
+              <a:rPr lang="en-US" sz="2800" dirty="0">
+                <a:solidFill>
+                  <a:srgbClr val="043D4D"/>
+                </a:solidFill>
+                <a:latin typeface="Arial" panose="020B0604020202020204" pitchFamily="34" charset="0"/>
+                <a:cs typeface="Arial" panose="020B0604020202020204" pitchFamily="34" charset="0"/>
+              </a:rPr>
+              <a:t>breakpoints</a:t>
+            </a:r>
+          </a:p>
+          <a:p>
+            <a:endParaRPr lang="en-US" sz="1100" dirty="0">
+              <a:solidFill>
+                <a:srgbClr val="043D4D"/>
+              </a:solidFill>
+              <a:latin typeface="Arial" panose="020B0604020202020204" pitchFamily="34" charset="0"/>
+              <a:cs typeface="Arial" panose="020B0604020202020204" pitchFamily="34" charset="0"/>
+            </a:endParaRPr>
+          </a:p>
+          <a:p>
+            <a:pPr marL="457200" indent="-457200">
+              <a:buFontTx/>
+              <a:buChar char="-"/>
+            </a:pPr>
+            <a:r>
+              <a:rPr lang="en-US" sz="2800" dirty="0">
+                <a:solidFill>
+                  <a:srgbClr val="043D4D"/>
+                </a:solidFill>
+                <a:latin typeface="Arial" panose="020B0604020202020204" pitchFamily="34" charset="0"/>
+                <a:cs typeface="Arial" panose="020B0604020202020204" pitchFamily="34" charset="0"/>
+              </a:rPr>
+              <a:t>width</a:t>
+            </a:r>
+          </a:p>
+          <a:p>
+            <a:pPr marL="457200" indent="-457200">
+              <a:buFontTx/>
+              <a:buChar char="-"/>
+            </a:pPr>
+            <a:r>
+              <a:rPr lang="en-US" sz="2800" dirty="0">
+                <a:solidFill>
+                  <a:srgbClr val="043D4D"/>
+                </a:solidFill>
+                <a:latin typeface="Arial" panose="020B0604020202020204" pitchFamily="34" charset="0"/>
+                <a:cs typeface="Arial" panose="020B0604020202020204" pitchFamily="34" charset="0"/>
+              </a:rPr>
+              <a:t>height</a:t>
+            </a:r>
+          </a:p>
+          <a:p>
+            <a:pPr marL="457200" indent="-457200">
+              <a:buFontTx/>
+              <a:buChar char="-"/>
+            </a:pPr>
+            <a:r>
+              <a:rPr lang="en-US" sz="2800" dirty="0" err="1">
+                <a:solidFill>
+                  <a:srgbClr val="043D4D"/>
+                </a:solidFill>
+                <a:latin typeface="Arial" panose="020B0604020202020204" pitchFamily="34" charset="0"/>
+                <a:cs typeface="Arial" panose="020B0604020202020204" pitchFamily="34" charset="0"/>
+              </a:rPr>
+              <a:t>tree_highlighting</a:t>
+            </a:r>
+            <a:endParaRPr lang="en-US" sz="2800" dirty="0">
+              <a:solidFill>
+                <a:srgbClr val="043D4D"/>
+              </a:solidFill>
+              <a:latin typeface="Arial" panose="020B0604020202020204" pitchFamily="34" charset="0"/>
+              <a:cs typeface="Arial" panose="020B0604020202020204" pitchFamily="34" charset="0"/>
+            </a:endParaRPr>
+          </a:p>
+          <a:p>
+            <a:pPr marL="457200" indent="-457200">
+              <a:buFontTx/>
+              <a:buChar char="-"/>
+            </a:pPr>
+            <a:r>
+              <a:rPr lang="en-US" sz="2800" dirty="0" err="1">
+                <a:solidFill>
+                  <a:srgbClr val="043D4D"/>
+                </a:solidFill>
+                <a:latin typeface="Arial" panose="020B0604020202020204" pitchFamily="34" charset="0"/>
+                <a:cs typeface="Arial" panose="020B0604020202020204" pitchFamily="34" charset="0"/>
+              </a:rPr>
+              <a:t>y_axis</a:t>
+            </a:r>
+            <a:endParaRPr lang="en-US" sz="2800" dirty="0">
+              <a:solidFill>
+                <a:srgbClr val="043D4D"/>
+              </a:solidFill>
+              <a:latin typeface="Arial" panose="020B0604020202020204" pitchFamily="34" charset="0"/>
+              <a:cs typeface="Arial" panose="020B0604020202020204" pitchFamily="34" charset="0"/>
+            </a:endParaRPr>
+          </a:p>
+          <a:p>
+            <a:pPr marL="457200" indent="-457200">
+              <a:buFontTx/>
+              <a:buChar char="-"/>
+            </a:pPr>
+            <a:r>
+              <a:rPr lang="en-US" sz="2800" dirty="0" err="1">
+                <a:solidFill>
+                  <a:srgbClr val="043D4D"/>
+                </a:solidFill>
+                <a:latin typeface="Arial" panose="020B0604020202020204" pitchFamily="34" charset="0"/>
+                <a:cs typeface="Arial" panose="020B0604020202020204" pitchFamily="34" charset="0"/>
+              </a:rPr>
+              <a:t>edge_type</a:t>
+            </a:r>
+            <a:endParaRPr lang="en-US" sz="2800" dirty="0">
+              <a:solidFill>
+                <a:srgbClr val="043D4D"/>
+              </a:solidFill>
+              <a:latin typeface="Arial" panose="020B0604020202020204" pitchFamily="34" charset="0"/>
+              <a:cs typeface="Arial" panose="020B0604020202020204" pitchFamily="34" charset="0"/>
+            </a:endParaRPr>
+          </a:p>
+          <a:p>
+            <a:pPr marL="457200" indent="-457200">
+              <a:buFontTx/>
+              <a:buChar char="-"/>
+            </a:pPr>
+            <a:r>
+              <a:rPr lang="en-US" sz="2800" dirty="0" err="1">
+                <a:solidFill>
+                  <a:srgbClr val="043D4D"/>
+                </a:solidFill>
+                <a:latin typeface="Arial" panose="020B0604020202020204" pitchFamily="34" charset="0"/>
+                <a:cs typeface="Arial" panose="020B0604020202020204" pitchFamily="34" charset="0"/>
+              </a:rPr>
+              <a:t>subset_nodes</a:t>
+            </a:r>
+            <a:endParaRPr lang="en-US" dirty="0">
+              <a:solidFill>
+                <a:srgbClr val="043D4D"/>
+              </a:solidFill>
+              <a:latin typeface="Arial" panose="020B0604020202020204" pitchFamily="34" charset="0"/>
+              <a:cs typeface="Arial" panose="020B0604020202020204" pitchFamily="34" charset="0"/>
+            </a:endParaRPr>
+          </a:p>
+        </p:txBody>
+      </p:sp>
+      <p:sp>
+        <p:nvSpPr>
+          <p:cNvPr id="14" name="TextBox 13">
+            <a:extLst>
+              <a:ext uri="{FF2B5EF4-FFF2-40B4-BE49-F238E27FC236}">
+                <a16:creationId xmlns:a16="http://schemas.microsoft.com/office/drawing/2014/main" id="{C82EC6A0-2BBE-2434-70D8-A008DD62B334}"/>
+              </a:ext>
+            </a:extLst>
+          </p:cNvPr>
+          <p:cNvSpPr txBox="1"/>
+          <p:nvPr/>
+        </p:nvSpPr>
+        <p:spPr>
+          <a:xfrm>
+            <a:off x="7125025" y="4505463"/>
+            <a:ext cx="4523995" cy="523220"/>
+          </a:xfrm>
+          <a:prstGeom prst="rect">
+            <a:avLst/>
+          </a:prstGeom>
+          <a:noFill/>
+        </p:spPr>
+        <p:txBody>
+          <a:bodyPr wrap="none" rtlCol="0">
+            <a:spAutoFit/>
+          </a:bodyPr>
+          <a:lstStyle/>
+          <a:p>
+            <a:r>
+              <a:rPr lang="en-US" sz="2800" dirty="0">
+                <a:solidFill>
+                  <a:srgbClr val="043D4D"/>
+                </a:solidFill>
+                <a:latin typeface="Arial" panose="020B0604020202020204" pitchFamily="34" charset="0"/>
+                <a:cs typeface="Arial" panose="020B0604020202020204" pitchFamily="34" charset="0"/>
+              </a:rPr>
+              <a:t>Describes the graph styling</a:t>
+            </a:r>
+          </a:p>
+        </p:txBody>
+      </p:sp>
+    </p:spTree>
+    <p:extLst>
+      <p:ext uri="{BB962C8B-B14F-4D97-AF65-F5344CB8AC3E}">
+        <p14:creationId xmlns:p14="http://schemas.microsoft.com/office/powerpoint/2010/main" val="1897785487"/>
+      </p:ext>
+    </p:extLst>
+  </p:cSld>
+  <p:clrMapOvr>
+    <a:masterClrMapping/>
+  </p:clrMapOvr>
+</p:sld>
+</file>
+
+<file path=ppt/slides/slide9.xml><?xml version="1.0" encoding="utf-8"?>
+<p:sld xmlns:a="http://schemas.openxmlformats.org/drawingml/2006/main" xmlns:r="http://schemas.openxmlformats.org/officeDocument/2006/relationships" xmlns:p="http://schemas.openxmlformats.org/presentationml/2006/main">
+  <p:cSld>
+    <p:spTree>
+      <p:nvGrpSpPr>
+        <p:cNvPr id="1" name=""/>
+        <p:cNvGrpSpPr/>
+        <p:nvPr/>
+      </p:nvGrpSpPr>
+      <p:grpSpPr>
+        <a:xfrm>
+          <a:off x="0" y="0"/>
+          <a:ext cx="0" cy="0"/>
+          <a:chOff x="0" y="0"/>
+          <a:chExt cx="0" cy="0"/>
+        </a:xfrm>
+      </p:grpSpPr>
+      <p:sp>
+        <p:nvSpPr>
+          <p:cNvPr id="4" name="TextBox 3">
+            <a:extLst>
+              <a:ext uri="{FF2B5EF4-FFF2-40B4-BE49-F238E27FC236}">
+                <a16:creationId xmlns:a16="http://schemas.microsoft.com/office/drawing/2014/main" id="{B05A8C33-3DB9-0ECF-9D9C-8C6C1F6928C6}"/>
+              </a:ext>
+            </a:extLst>
+          </p:cNvPr>
+          <p:cNvSpPr txBox="1"/>
+          <p:nvPr/>
+        </p:nvSpPr>
+        <p:spPr>
+          <a:xfrm>
+            <a:off x="722517" y="492851"/>
+            <a:ext cx="8840818" cy="1323439"/>
+          </a:xfrm>
+          <a:prstGeom prst="rect">
+            <a:avLst/>
+          </a:prstGeom>
+          <a:noFill/>
+        </p:spPr>
+        <p:txBody>
+          <a:bodyPr wrap="none" rtlCol="0">
+            <a:spAutoFit/>
+          </a:bodyPr>
+          <a:lstStyle/>
+          <a:p>
+            <a:r>
+              <a:rPr lang="en-US" sz="8000" dirty="0">
+                <a:solidFill>
+                  <a:srgbClr val="043D4D"/>
+                </a:solidFill>
+                <a:latin typeface="DIN Condensed" pitchFamily="2" charset="0"/>
+                <a:cs typeface="Aharoni" panose="02010803020104030203" pitchFamily="2" charset="-79"/>
+              </a:rPr>
+              <a:t>D3.js Force Directed Graph</a:t>
+            </a:r>
+          </a:p>
+        </p:txBody>
+      </p:sp>
+      <p:sp>
+        <p:nvSpPr>
+          <p:cNvPr id="6" name="TextBox 5">
+            <a:extLst>
+              <a:ext uri="{FF2B5EF4-FFF2-40B4-BE49-F238E27FC236}">
+                <a16:creationId xmlns:a16="http://schemas.microsoft.com/office/drawing/2014/main" id="{0313DF68-9B20-F8B4-0FC9-5B25366CB492}"/>
+              </a:ext>
+            </a:extLst>
+          </p:cNvPr>
+          <p:cNvSpPr txBox="1"/>
+          <p:nvPr/>
+        </p:nvSpPr>
+        <p:spPr>
+          <a:xfrm>
+            <a:off x="6425184" y="6550223"/>
+            <a:ext cx="5766816" cy="307777"/>
+          </a:xfrm>
+          <a:prstGeom prst="rect">
+            <a:avLst/>
+          </a:prstGeom>
+          <a:noFill/>
+        </p:spPr>
+        <p:txBody>
+          <a:bodyPr wrap="square">
+            <a:spAutoFit/>
+          </a:bodyPr>
+          <a:lstStyle/>
+          <a:p>
+            <a:pPr algn="r"/>
+            <a:r>
+              <a:rPr lang="en-US" sz="1400" dirty="0">
+                <a:solidFill>
+                  <a:srgbClr val="043D4D"/>
+                </a:solidFill>
+                <a:latin typeface="Arial" panose="020B0604020202020204" pitchFamily="34" charset="0"/>
+                <a:cs typeface="Arial" panose="020B0604020202020204" pitchFamily="34" charset="0"/>
+              </a:rPr>
+              <a:t>https://</a:t>
+            </a:r>
+            <a:r>
+              <a:rPr lang="en-US" sz="1400" dirty="0" err="1">
+                <a:solidFill>
+                  <a:srgbClr val="043D4D"/>
+                </a:solidFill>
+                <a:latin typeface="Arial" panose="020B0604020202020204" pitchFamily="34" charset="0"/>
+                <a:cs typeface="Arial" panose="020B0604020202020204" pitchFamily="34" charset="0"/>
+              </a:rPr>
+              <a:t>github.com</a:t>
+            </a:r>
+            <a:r>
+              <a:rPr lang="en-US" sz="1400" dirty="0">
+                <a:solidFill>
+                  <a:srgbClr val="043D4D"/>
+                </a:solidFill>
+                <a:latin typeface="Arial" panose="020B0604020202020204" pitchFamily="34" charset="0"/>
+                <a:cs typeface="Arial" panose="020B0604020202020204" pitchFamily="34" charset="0"/>
+              </a:rPr>
+              <a:t>/d3/d3-force</a:t>
+            </a:r>
+          </a:p>
+        </p:txBody>
+      </p:sp>
+      <p:pic>
+        <p:nvPicPr>
+          <p:cNvPr id="7" name="Content Placeholder 6" descr="A network of dots and lines&#10;&#10;Description automatically generated">
+            <a:extLst>
+              <a:ext uri="{FF2B5EF4-FFF2-40B4-BE49-F238E27FC236}">
+                <a16:creationId xmlns:a16="http://schemas.microsoft.com/office/drawing/2014/main" id="{4A758C05-301B-47BD-FE54-7EDE04985D29}"/>
+              </a:ext>
+            </a:extLst>
+          </p:cNvPr>
+          <p:cNvPicPr>
+            <a:picLocks noGrp="1" noChangeAspect="1"/>
+          </p:cNvPicPr>
+          <p:nvPr>
+            <p:ph sz="half" idx="1"/>
+          </p:nvPr>
+        </p:nvPicPr>
+        <p:blipFill>
+          <a:blip r:embed="rId2"/>
+          <a:stretch>
+            <a:fillRect/>
+          </a:stretch>
+        </p:blipFill>
+        <p:spPr>
+          <a:xfrm>
+            <a:off x="1504950" y="2115344"/>
+            <a:ext cx="3848100" cy="3771900"/>
+          </a:xfrm>
+        </p:spPr>
+      </p:pic>
+      <p:sp>
+        <p:nvSpPr>
+          <p:cNvPr id="11" name="Content Placeholder 10">
+            <a:extLst>
+              <a:ext uri="{FF2B5EF4-FFF2-40B4-BE49-F238E27FC236}">
+                <a16:creationId xmlns:a16="http://schemas.microsoft.com/office/drawing/2014/main" id="{DC7B9FAD-1EBB-DAE9-4421-F0B0FDBD7AB1}"/>
+              </a:ext>
+            </a:extLst>
+          </p:cNvPr>
+          <p:cNvSpPr>
+            <a:spLocks noGrp="1"/>
+          </p:cNvSpPr>
+          <p:nvPr>
+            <p:ph sz="half" idx="2"/>
+          </p:nvPr>
+        </p:nvSpPr>
+        <p:spPr/>
+        <p:txBody>
+          <a:bodyPr>
+            <a:normAutofit/>
+          </a:bodyPr>
+          <a:lstStyle/>
+          <a:p>
+            <a:pPr marL="0" indent="0">
+              <a:buNone/>
+            </a:pPr>
+            <a:endParaRPr lang="en-US" sz="1050" dirty="0">
+              <a:solidFill>
+                <a:srgbClr val="043D4D"/>
+              </a:solidFill>
+            </a:endParaRPr>
+          </a:p>
+          <a:p>
+            <a:pPr marL="0" indent="0">
+              <a:buNone/>
+            </a:pPr>
+            <a:r>
+              <a:rPr lang="en-US" dirty="0">
+                <a:solidFill>
+                  <a:srgbClr val="043D4D"/>
+                </a:solidFill>
+                <a:latin typeface="Arial" panose="020B0604020202020204" pitchFamily="34" charset="0"/>
+                <a:cs typeface="Arial" panose="020B0604020202020204" pitchFamily="34" charset="0"/>
+              </a:rPr>
+              <a:t>Node positions are determined by a physics-based simulation:</a:t>
+            </a:r>
+          </a:p>
+          <a:p>
+            <a:r>
+              <a:rPr lang="en-US" sz="2400" dirty="0">
+                <a:solidFill>
+                  <a:srgbClr val="043D4D"/>
+                </a:solidFill>
+                <a:latin typeface="Arial" panose="020B0604020202020204" pitchFamily="34" charset="0"/>
+                <a:cs typeface="Arial" panose="020B0604020202020204" pitchFamily="34" charset="0"/>
+              </a:rPr>
+              <a:t>Nodes repel each other, whereas edges pull connected nodes closer together</a:t>
+            </a:r>
+          </a:p>
+          <a:p>
+            <a:r>
+              <a:rPr lang="en-US" sz="2400" dirty="0">
+                <a:solidFill>
+                  <a:srgbClr val="043D4D"/>
+                </a:solidFill>
+                <a:latin typeface="Arial" panose="020B0604020202020204" pitchFamily="34" charset="0"/>
+                <a:cs typeface="Arial" panose="020B0604020202020204" pitchFamily="34" charset="0"/>
+              </a:rPr>
+              <a:t>Energy of the simulation decreases overtime and nodes come to rest</a:t>
+            </a:r>
+          </a:p>
+          <a:p>
+            <a:r>
+              <a:rPr lang="en-US" sz="2400" dirty="0">
+                <a:solidFill>
+                  <a:srgbClr val="043D4D"/>
+                </a:solidFill>
+                <a:latin typeface="Arial" panose="020B0604020202020204" pitchFamily="34" charset="0"/>
+                <a:cs typeface="Arial" panose="020B0604020202020204" pitchFamily="34" charset="0"/>
+              </a:rPr>
+              <a:t>Nodes’ x and/or y coordinates can be fixed</a:t>
+            </a:r>
+          </a:p>
+          <a:p>
+            <a:r>
+              <a:rPr lang="en-US" sz="2400" dirty="0">
+                <a:solidFill>
+                  <a:srgbClr val="043D4D"/>
+                </a:solidFill>
+                <a:latin typeface="Arial" panose="020B0604020202020204" pitchFamily="34" charset="0"/>
+                <a:cs typeface="Arial" panose="020B0604020202020204" pitchFamily="34" charset="0"/>
+              </a:rPr>
+              <a:t>Nodes are draggable</a:t>
+            </a:r>
+          </a:p>
+          <a:p>
+            <a:endParaRPr lang="en-US" sz="2400" dirty="0">
+              <a:solidFill>
+                <a:srgbClr val="043D4D"/>
+              </a:solidFill>
+              <a:latin typeface="Arial" panose="020B0604020202020204" pitchFamily="34" charset="0"/>
+              <a:cs typeface="Arial" panose="020B0604020202020204" pitchFamily="34" charset="0"/>
+            </a:endParaRPr>
+          </a:p>
+        </p:txBody>
+      </p:sp>
+    </p:spTree>
+    <p:extLst>
+      <p:ext uri="{BB962C8B-B14F-4D97-AF65-F5344CB8AC3E}">
+        <p14:creationId xmlns:p14="http://schemas.microsoft.com/office/powerpoint/2010/main" val="3618554156"/>
       </p:ext>
     </p:extLst>
   </p:cSld>

--- a/tskit_presentation.pptx
+++ b/tskit_presentation.pptx
@@ -5,7 +5,7 @@
     <p:sldMasterId id="2147483648" r:id="rId1"/>
   </p:sldMasterIdLst>
   <p:notesMasterIdLst>
-    <p:notesMasterId r:id="rId25"/>
+    <p:notesMasterId r:id="rId24"/>
   </p:notesMasterIdLst>
   <p:sldIdLst>
     <p:sldId id="258" r:id="rId2"/>
@@ -30,7 +30,6 @@
     <p:sldId id="270" r:id="rId21"/>
     <p:sldId id="271" r:id="rId22"/>
     <p:sldId id="274" r:id="rId23"/>
-    <p:sldId id="278" r:id="rId24"/>
   </p:sldIdLst>
   <p:sldSz cx="12192000" cy="6858000"/>
   <p:notesSz cx="6858000" cy="9144000"/>
@@ -7869,36 +7868,6 @@
     <p:extLst>
       <p:ext uri="{BB962C8B-B14F-4D97-AF65-F5344CB8AC3E}">
         <p14:creationId xmlns:p14="http://schemas.microsoft.com/office/powerpoint/2010/main" val="1291751435"/>
-      </p:ext>
-    </p:extLst>
-  </p:cSld>
-  <p:clrMapOvr>
-    <a:masterClrMapping/>
-  </p:clrMapOvr>
-</p:sld>
-</file>
-
-<file path=ppt/slides/slide23.xml><?xml version="1.0" encoding="utf-8"?>
-<p:sld xmlns:a="http://schemas.openxmlformats.org/drawingml/2006/main" xmlns:r="http://schemas.openxmlformats.org/officeDocument/2006/relationships" xmlns:p="http://schemas.openxmlformats.org/presentationml/2006/main">
-  <p:cSld>
-    <p:spTree>
-      <p:nvGrpSpPr>
-        <p:cNvPr id="1" name=""/>
-        <p:cNvGrpSpPr/>
-        <p:nvPr/>
-      </p:nvGrpSpPr>
-      <p:grpSpPr>
-        <a:xfrm>
-          <a:off x="0" y="0"/>
-          <a:ext cx="0" cy="0"/>
-          <a:chOff x="0" y="0"/>
-          <a:chExt cx="0" cy="0"/>
-        </a:xfrm>
-      </p:grpSpPr>
-    </p:spTree>
-    <p:extLst>
-      <p:ext uri="{BB962C8B-B14F-4D97-AF65-F5344CB8AC3E}">
-        <p14:creationId xmlns:p14="http://schemas.microsoft.com/office/powerpoint/2010/main" val="3555708059"/>
       </p:ext>
     </p:extLst>
   </p:cSld>

--- a/tskit_presentation.pptx
+++ b/tskit_presentation.pptx
@@ -5,7 +5,7 @@
     <p:sldMasterId id="2147483648" r:id="rId1"/>
   </p:sldMasterIdLst>
   <p:notesMasterIdLst>
-    <p:notesMasterId r:id="rId25"/>
+    <p:notesMasterId r:id="rId26"/>
   </p:notesMasterIdLst>
   <p:sldIdLst>
     <p:sldId id="258" r:id="rId2"/>
@@ -31,6 +31,7 @@
     <p:sldId id="271" r:id="rId22"/>
     <p:sldId id="274" r:id="rId23"/>
     <p:sldId id="278" r:id="rId24"/>
+    <p:sldId id="279" r:id="rId25"/>
   </p:sldIdLst>
   <p:sldSz cx="12192000" cy="6858000"/>
   <p:notesSz cx="6858000" cy="9144000"/>
@@ -219,7 +220,7 @@
           <a:p>
             <a:fld id="{54BE1BF4-E52A-3947-AAF8-F81D869E3D7F}" type="datetimeFigureOut">
               <a:rPr lang="en-US" smtClean="0"/>
-              <a:t>7/17/23</a:t>
+              <a:t>7/27/23</a:t>
             </a:fld>
             <a:endParaRPr lang="en-US"/>
           </a:p>
@@ -885,7 +886,7 @@
           <a:p>
             <a:fld id="{84C09D2D-DDE8-084A-97EA-5E9E2E477616}" type="datetimeFigureOut">
               <a:rPr lang="en-US" smtClean="0"/>
-              <a:t>7/17/23</a:t>
+              <a:t>7/27/23</a:t>
             </a:fld>
             <a:endParaRPr lang="en-US"/>
           </a:p>
@@ -1083,7 +1084,7 @@
           <a:p>
             <a:fld id="{84C09D2D-DDE8-084A-97EA-5E9E2E477616}" type="datetimeFigureOut">
               <a:rPr lang="en-US" smtClean="0"/>
-              <a:t>7/17/23</a:t>
+              <a:t>7/27/23</a:t>
             </a:fld>
             <a:endParaRPr lang="en-US"/>
           </a:p>
@@ -1291,7 +1292,7 @@
           <a:p>
             <a:fld id="{84C09D2D-DDE8-084A-97EA-5E9E2E477616}" type="datetimeFigureOut">
               <a:rPr lang="en-US" smtClean="0"/>
-              <a:t>7/17/23</a:t>
+              <a:t>7/27/23</a:t>
             </a:fld>
             <a:endParaRPr lang="en-US"/>
           </a:p>
@@ -1489,7 +1490,7 @@
           <a:p>
             <a:fld id="{84C09D2D-DDE8-084A-97EA-5E9E2E477616}" type="datetimeFigureOut">
               <a:rPr lang="en-US" smtClean="0"/>
-              <a:t>7/17/23</a:t>
+              <a:t>7/27/23</a:t>
             </a:fld>
             <a:endParaRPr lang="en-US"/>
           </a:p>
@@ -1764,7 +1765,7 @@
           <a:p>
             <a:fld id="{84C09D2D-DDE8-084A-97EA-5E9E2E477616}" type="datetimeFigureOut">
               <a:rPr lang="en-US" smtClean="0"/>
-              <a:t>7/17/23</a:t>
+              <a:t>7/27/23</a:t>
             </a:fld>
             <a:endParaRPr lang="en-US"/>
           </a:p>
@@ -2029,7 +2030,7 @@
           <a:p>
             <a:fld id="{84C09D2D-DDE8-084A-97EA-5E9E2E477616}" type="datetimeFigureOut">
               <a:rPr lang="en-US" smtClean="0"/>
-              <a:t>7/17/23</a:t>
+              <a:t>7/27/23</a:t>
             </a:fld>
             <a:endParaRPr lang="en-US"/>
           </a:p>
@@ -2441,7 +2442,7 @@
           <a:p>
             <a:fld id="{84C09D2D-DDE8-084A-97EA-5E9E2E477616}" type="datetimeFigureOut">
               <a:rPr lang="en-US" smtClean="0"/>
-              <a:t>7/17/23</a:t>
+              <a:t>7/27/23</a:t>
             </a:fld>
             <a:endParaRPr lang="en-US"/>
           </a:p>
@@ -2582,7 +2583,7 @@
           <a:p>
             <a:fld id="{84C09D2D-DDE8-084A-97EA-5E9E2E477616}" type="datetimeFigureOut">
               <a:rPr lang="en-US" smtClean="0"/>
-              <a:t>7/17/23</a:t>
+              <a:t>7/27/23</a:t>
             </a:fld>
             <a:endParaRPr lang="en-US"/>
           </a:p>
@@ -2695,7 +2696,7 @@
           <a:p>
             <a:fld id="{84C09D2D-DDE8-084A-97EA-5E9E2E477616}" type="datetimeFigureOut">
               <a:rPr lang="en-US" smtClean="0"/>
-              <a:t>7/17/23</a:t>
+              <a:t>7/27/23</a:t>
             </a:fld>
             <a:endParaRPr lang="en-US"/>
           </a:p>
@@ -3006,7 +3007,7 @@
           <a:p>
             <a:fld id="{84C09D2D-DDE8-084A-97EA-5E9E2E477616}" type="datetimeFigureOut">
               <a:rPr lang="en-US" smtClean="0"/>
-              <a:t>7/17/23</a:t>
+              <a:t>7/27/23</a:t>
             </a:fld>
             <a:endParaRPr lang="en-US"/>
           </a:p>
@@ -3294,7 +3295,7 @@
           <a:p>
             <a:fld id="{84C09D2D-DDE8-084A-97EA-5E9E2E477616}" type="datetimeFigureOut">
               <a:rPr lang="en-US" smtClean="0"/>
-              <a:t>7/17/23</a:t>
+              <a:t>7/27/23</a:t>
             </a:fld>
             <a:endParaRPr lang="en-US"/>
           </a:p>
@@ -3535,7 +3536,7 @@
           <a:p>
             <a:fld id="{84C09D2D-DDE8-084A-97EA-5E9E2E477616}" type="datetimeFigureOut">
               <a:rPr lang="en-US" smtClean="0"/>
-              <a:t>7/17/23</a:t>
+              <a:t>7/27/23</a:t>
             </a:fld>
             <a:endParaRPr lang="en-US"/>
           </a:p>
@@ -7398,22 +7399,6 @@
               <a:t>Requires a connection to the internet to load D3.js from a CDN</a:t>
             </a:r>
           </a:p>
-          <a:p>
-            <a:pPr>
-              <a:buFontTx/>
-              <a:buChar char="-"/>
-            </a:pPr>
-            <a:r>
-              <a:rPr lang="en-US" sz="2400" dirty="0">
-                <a:solidFill>
-                  <a:srgbClr val="043D4D"/>
-                </a:solidFill>
-                <a:latin typeface="Arial" panose="020B0604020202020204" pitchFamily="34" charset="0"/>
-                <a:cs typeface="Arial" panose="020B0604020202020204" pitchFamily="34" charset="0"/>
-              </a:rPr>
-              <a:t>Currently, uses D3.js v4, which is not the most recent version (I’m planning to update this)</a:t>
-            </a:r>
-          </a:p>
         </p:txBody>
       </p:sp>
       <p:sp>
@@ -7779,6 +7764,629 @@
     <p:extLst>
       <p:ext uri="{BB962C8B-B14F-4D97-AF65-F5344CB8AC3E}">
         <p14:creationId xmlns:p14="http://schemas.microsoft.com/office/powerpoint/2010/main" val="2507852968"/>
+      </p:ext>
+    </p:extLst>
+  </p:cSld>
+  <p:clrMapOvr>
+    <a:masterClrMapping/>
+  </p:clrMapOvr>
+</p:sld>
+</file>
+
+<file path=ppt/slides/slide24.xml><?xml version="1.0" encoding="utf-8"?>
+<p:sld xmlns:a="http://schemas.openxmlformats.org/drawingml/2006/main" xmlns:r="http://schemas.openxmlformats.org/officeDocument/2006/relationships" xmlns:p="http://schemas.openxmlformats.org/presentationml/2006/main">
+  <p:cSld>
+    <p:spTree>
+      <p:nvGrpSpPr>
+        <p:cNvPr id="1" name=""/>
+        <p:cNvGrpSpPr/>
+        <p:nvPr/>
+      </p:nvGrpSpPr>
+      <p:grpSpPr>
+        <a:xfrm>
+          <a:off x="0" y="0"/>
+          <a:ext cx="0" cy="0"/>
+          <a:chOff x="0" y="0"/>
+          <a:chExt cx="0" cy="0"/>
+        </a:xfrm>
+      </p:grpSpPr>
+      <p:sp>
+        <p:nvSpPr>
+          <p:cNvPr id="29" name="Rectangle 28">
+            <a:extLst>
+              <a:ext uri="{FF2B5EF4-FFF2-40B4-BE49-F238E27FC236}">
+                <a16:creationId xmlns:a16="http://schemas.microsoft.com/office/drawing/2014/main" id="{3AF2EC6B-AF3A-0E0F-5A2E-112E8C7B134A}"/>
+              </a:ext>
+            </a:extLst>
+          </p:cNvPr>
+          <p:cNvSpPr/>
+          <p:nvPr/>
+        </p:nvSpPr>
+        <p:spPr>
+          <a:xfrm>
+            <a:off x="0" y="0"/>
+            <a:ext cx="3635298" cy="2185639"/>
+          </a:xfrm>
+          <a:prstGeom prst="rect">
+            <a:avLst/>
+          </a:prstGeom>
+          <a:noFill/>
+          <a:ln w="34925">
+            <a:solidFill>
+              <a:schemeClr val="accent1"/>
+            </a:solidFill>
+          </a:ln>
+        </p:spPr>
+        <p:style>
+          <a:lnRef idx="2">
+            <a:schemeClr val="accent1">
+              <a:shade val="15000"/>
+            </a:schemeClr>
+          </a:lnRef>
+          <a:fillRef idx="1">
+            <a:schemeClr val="accent1"/>
+          </a:fillRef>
+          <a:effectRef idx="0">
+            <a:schemeClr val="accent1"/>
+          </a:effectRef>
+          <a:fontRef idx="minor">
+            <a:schemeClr val="lt1"/>
+          </a:fontRef>
+        </p:style>
+        <p:txBody>
+          <a:bodyPr rtlCol="0" anchor="ctr"/>
+          <a:lstStyle/>
+          <a:p>
+            <a:pPr algn="ctr"/>
+            <a:endParaRPr lang="en-US"/>
+          </a:p>
+        </p:txBody>
+      </p:sp>
+      <p:pic>
+        <p:nvPicPr>
+          <p:cNvPr id="5" name="Content Placeholder 4" descr="A screenshot of a computer&#10;&#10;Description automatically generated">
+            <a:extLst>
+              <a:ext uri="{FF2B5EF4-FFF2-40B4-BE49-F238E27FC236}">
+                <a16:creationId xmlns:a16="http://schemas.microsoft.com/office/drawing/2014/main" id="{28614BB7-6FE3-90DF-2F8C-A35538868C5C}"/>
+              </a:ext>
+            </a:extLst>
+          </p:cNvPr>
+          <p:cNvPicPr>
+            <a:picLocks noGrp="1" noChangeAspect="1"/>
+          </p:cNvPicPr>
+          <p:nvPr>
+            <p:ph idx="1"/>
+          </p:nvPr>
+        </p:nvPicPr>
+        <p:blipFill rotWithShape="1">
+          <a:blip r:embed="rId2"/>
+          <a:srcRect l="36085" t="36598" r="48749" b="40887"/>
+          <a:stretch/>
+        </p:blipFill>
+        <p:spPr>
+          <a:xfrm>
+            <a:off x="1455767" y="3612771"/>
+            <a:ext cx="1845131" cy="1711979"/>
+          </a:xfrm>
+        </p:spPr>
+      </p:pic>
+      <p:pic>
+        <p:nvPicPr>
+          <p:cNvPr id="6" name="Content Placeholder 4" descr="A screenshot of a computer&#10;&#10;Description automatically generated">
+            <a:extLst>
+              <a:ext uri="{FF2B5EF4-FFF2-40B4-BE49-F238E27FC236}">
+                <a16:creationId xmlns:a16="http://schemas.microsoft.com/office/drawing/2014/main" id="{C228AA54-A214-68CC-4720-F7B3B8029E6B}"/>
+              </a:ext>
+            </a:extLst>
+          </p:cNvPr>
+          <p:cNvPicPr>
+            <a:picLocks noChangeAspect="1"/>
+          </p:cNvPicPr>
+          <p:nvPr/>
+        </p:nvPicPr>
+        <p:blipFill rotWithShape="1">
+          <a:blip r:embed="rId2"/>
+          <a:srcRect l="20918" t="36842" r="63915" b="40642"/>
+          <a:stretch/>
+        </p:blipFill>
+        <p:spPr>
+          <a:xfrm>
+            <a:off x="198664" y="171248"/>
+            <a:ext cx="1845131" cy="1711979"/>
+          </a:xfrm>
+          <a:prstGeom prst="rect">
+            <a:avLst/>
+          </a:prstGeom>
+        </p:spPr>
+      </p:pic>
+      <p:pic>
+        <p:nvPicPr>
+          <p:cNvPr id="7" name="Content Placeholder 4" descr="A screenshot of a computer&#10;&#10;Description automatically generated">
+            <a:extLst>
+              <a:ext uri="{FF2B5EF4-FFF2-40B4-BE49-F238E27FC236}">
+                <a16:creationId xmlns:a16="http://schemas.microsoft.com/office/drawing/2014/main" id="{603CAB2B-9814-2C60-BC8C-2845E319C1EF}"/>
+              </a:ext>
+            </a:extLst>
+          </p:cNvPr>
+          <p:cNvPicPr>
+            <a:picLocks noChangeAspect="1"/>
+          </p:cNvPicPr>
+          <p:nvPr/>
+        </p:nvPicPr>
+        <p:blipFill rotWithShape="1">
+          <a:blip r:embed="rId2"/>
+          <a:srcRect l="50626" t="36598" r="34208" b="40887"/>
+          <a:stretch/>
+        </p:blipFill>
+        <p:spPr>
+          <a:xfrm>
+            <a:off x="3485950" y="2767667"/>
+            <a:ext cx="1845131" cy="1711979"/>
+          </a:xfrm>
+          <a:prstGeom prst="rect">
+            <a:avLst/>
+          </a:prstGeom>
+        </p:spPr>
+      </p:pic>
+      <p:pic>
+        <p:nvPicPr>
+          <p:cNvPr id="8" name="Content Placeholder 4" descr="A screenshot of a computer&#10;&#10;Description automatically generated">
+            <a:extLst>
+              <a:ext uri="{FF2B5EF4-FFF2-40B4-BE49-F238E27FC236}">
+                <a16:creationId xmlns:a16="http://schemas.microsoft.com/office/drawing/2014/main" id="{7BE69581-2AF4-DED2-E2A8-CE2C6E90C513}"/>
+              </a:ext>
+            </a:extLst>
+          </p:cNvPr>
+          <p:cNvPicPr>
+            <a:picLocks noChangeAspect="1"/>
+          </p:cNvPicPr>
+          <p:nvPr/>
+        </p:nvPicPr>
+        <p:blipFill rotWithShape="1">
+          <a:blip r:embed="rId2"/>
+          <a:srcRect l="36123" t="60320" r="48711" b="17165"/>
+          <a:stretch/>
+        </p:blipFill>
+        <p:spPr>
+          <a:xfrm>
+            <a:off x="3485949" y="4603371"/>
+            <a:ext cx="1845131" cy="1711979"/>
+          </a:xfrm>
+          <a:prstGeom prst="rect">
+            <a:avLst/>
+          </a:prstGeom>
+        </p:spPr>
+      </p:pic>
+      <p:pic>
+        <p:nvPicPr>
+          <p:cNvPr id="9" name="Content Placeholder 4" descr="A screenshot of a computer&#10;&#10;Description automatically generated">
+            <a:extLst>
+              <a:ext uri="{FF2B5EF4-FFF2-40B4-BE49-F238E27FC236}">
+                <a16:creationId xmlns:a16="http://schemas.microsoft.com/office/drawing/2014/main" id="{F496C411-0E36-2AA2-5129-4DC277E36DA2}"/>
+              </a:ext>
+            </a:extLst>
+          </p:cNvPr>
+          <p:cNvPicPr>
+            <a:picLocks noChangeAspect="1"/>
+          </p:cNvPicPr>
+          <p:nvPr/>
+        </p:nvPicPr>
+        <p:blipFill rotWithShape="1">
+          <a:blip r:embed="rId2"/>
+          <a:srcRect l="50626" t="13225" r="34208" b="64260"/>
+          <a:stretch/>
+        </p:blipFill>
+        <p:spPr>
+          <a:xfrm>
+            <a:off x="5510692" y="2767667"/>
+            <a:ext cx="1845131" cy="1711979"/>
+          </a:xfrm>
+          <a:prstGeom prst="rect">
+            <a:avLst/>
+          </a:prstGeom>
+        </p:spPr>
+      </p:pic>
+      <p:pic>
+        <p:nvPicPr>
+          <p:cNvPr id="10" name="Content Placeholder 4" descr="A screenshot of a computer&#10;&#10;Description automatically generated">
+            <a:extLst>
+              <a:ext uri="{FF2B5EF4-FFF2-40B4-BE49-F238E27FC236}">
+                <a16:creationId xmlns:a16="http://schemas.microsoft.com/office/drawing/2014/main" id="{E7562E6B-320E-C336-DC43-CF5CAC21E8FA}"/>
+              </a:ext>
+            </a:extLst>
+          </p:cNvPr>
+          <p:cNvPicPr>
+            <a:picLocks noChangeAspect="1"/>
+          </p:cNvPicPr>
+          <p:nvPr/>
+        </p:nvPicPr>
+        <p:blipFill rotWithShape="1">
+          <a:blip r:embed="rId2"/>
+          <a:srcRect l="36117" t="13225" r="48717" b="64260"/>
+          <a:stretch/>
+        </p:blipFill>
+        <p:spPr>
+          <a:xfrm>
+            <a:off x="7535434" y="2767667"/>
+            <a:ext cx="1845131" cy="1711979"/>
+          </a:xfrm>
+          <a:prstGeom prst="rect">
+            <a:avLst/>
+          </a:prstGeom>
+        </p:spPr>
+      </p:pic>
+      <p:pic>
+        <p:nvPicPr>
+          <p:cNvPr id="11" name="Content Placeholder 4" descr="A screenshot of a computer&#10;&#10;Description automatically generated">
+            <a:extLst>
+              <a:ext uri="{FF2B5EF4-FFF2-40B4-BE49-F238E27FC236}">
+                <a16:creationId xmlns:a16="http://schemas.microsoft.com/office/drawing/2014/main" id="{DA5A8329-725E-7DD2-42DE-8109B1ED69FF}"/>
+              </a:ext>
+            </a:extLst>
+          </p:cNvPr>
+          <p:cNvPicPr>
+            <a:picLocks noChangeAspect="1"/>
+          </p:cNvPicPr>
+          <p:nvPr/>
+        </p:nvPicPr>
+        <p:blipFill rotWithShape="1">
+          <a:blip r:embed="rId2"/>
+          <a:srcRect l="21420" t="13225" r="63414" b="64260"/>
+          <a:stretch/>
+        </p:blipFill>
+        <p:spPr>
+          <a:xfrm>
+            <a:off x="9560176" y="2756782"/>
+            <a:ext cx="1845131" cy="1711979"/>
+          </a:xfrm>
+          <a:prstGeom prst="rect">
+            <a:avLst/>
+          </a:prstGeom>
+        </p:spPr>
+      </p:pic>
+      <p:sp>
+        <p:nvSpPr>
+          <p:cNvPr id="12" name="TextBox 11">
+            <a:extLst>
+              <a:ext uri="{FF2B5EF4-FFF2-40B4-BE49-F238E27FC236}">
+                <a16:creationId xmlns:a16="http://schemas.microsoft.com/office/drawing/2014/main" id="{BE747820-AC02-A79D-97D5-658D0F376D52}"/>
+              </a:ext>
+            </a:extLst>
+          </p:cNvPr>
+          <p:cNvSpPr txBox="1"/>
+          <p:nvPr/>
+        </p:nvSpPr>
+        <p:spPr>
+          <a:xfrm>
+            <a:off x="2043795" y="842571"/>
+            <a:ext cx="1424877" cy="369332"/>
+          </a:xfrm>
+          <a:prstGeom prst="rect">
+            <a:avLst/>
+          </a:prstGeom>
+          <a:noFill/>
+        </p:spPr>
+        <p:txBody>
+          <a:bodyPr wrap="none" rtlCol="0">
+            <a:spAutoFit/>
+          </a:bodyPr>
+          <a:lstStyle/>
+          <a:p>
+            <a:r>
+              <a:rPr lang="en-US" dirty="0"/>
+              <a:t>Original ARG</a:t>
+            </a:r>
+          </a:p>
+        </p:txBody>
+      </p:sp>
+      <p:sp>
+        <p:nvSpPr>
+          <p:cNvPr id="13" name="TextBox 12">
+            <a:extLst>
+              <a:ext uri="{FF2B5EF4-FFF2-40B4-BE49-F238E27FC236}">
+                <a16:creationId xmlns:a16="http://schemas.microsoft.com/office/drawing/2014/main" id="{05402AA4-58F2-4EAD-FB21-8E1BB8567B93}"/>
+              </a:ext>
+            </a:extLst>
+          </p:cNvPr>
+          <p:cNvSpPr txBox="1"/>
+          <p:nvPr/>
+        </p:nvSpPr>
+        <p:spPr>
+          <a:xfrm>
+            <a:off x="688323" y="3299525"/>
+            <a:ext cx="1534886" cy="923330"/>
+          </a:xfrm>
+          <a:prstGeom prst="rect">
+            <a:avLst/>
+          </a:prstGeom>
+          <a:noFill/>
+        </p:spPr>
+        <p:txBody>
+          <a:bodyPr wrap="square" rtlCol="0">
+            <a:spAutoFit/>
+          </a:bodyPr>
+          <a:lstStyle/>
+          <a:p>
+            <a:r>
+              <a:rPr lang="en-US" dirty="0"/>
+              <a:t>Nodes can be highlighted for collapse</a:t>
+            </a:r>
+          </a:p>
+        </p:txBody>
+      </p:sp>
+      <p:sp>
+        <p:nvSpPr>
+          <p:cNvPr id="17" name="TextBox 16">
+            <a:extLst>
+              <a:ext uri="{FF2B5EF4-FFF2-40B4-BE49-F238E27FC236}">
+                <a16:creationId xmlns:a16="http://schemas.microsoft.com/office/drawing/2014/main" id="{0FC3921A-D9C1-60AA-DA4A-1E6266FE44DA}"/>
+              </a:ext>
+            </a:extLst>
+          </p:cNvPr>
+          <p:cNvSpPr txBox="1"/>
+          <p:nvPr/>
+        </p:nvSpPr>
+        <p:spPr>
+          <a:xfrm>
+            <a:off x="3887050" y="1843274"/>
+            <a:ext cx="3726786" cy="923330"/>
+          </a:xfrm>
+          <a:prstGeom prst="rect">
+            <a:avLst/>
+          </a:prstGeom>
+          <a:noFill/>
+        </p:spPr>
+        <p:txBody>
+          <a:bodyPr wrap="square" rtlCol="0">
+            <a:spAutoFit/>
+          </a:bodyPr>
+          <a:lstStyle/>
+          <a:p>
+            <a:r>
+              <a:rPr lang="en-US" dirty="0"/>
+              <a:t>If two neighboring nodes are marked for collapse, they automatically merge.</a:t>
+            </a:r>
+          </a:p>
+        </p:txBody>
+      </p:sp>
+      <p:sp>
+        <p:nvSpPr>
+          <p:cNvPr id="18" name="TextBox 17">
+            <a:extLst>
+              <a:ext uri="{FF2B5EF4-FFF2-40B4-BE49-F238E27FC236}">
+                <a16:creationId xmlns:a16="http://schemas.microsoft.com/office/drawing/2014/main" id="{514EB6B7-3226-5C81-3839-E95C2EE856D8}"/>
+              </a:ext>
+            </a:extLst>
+          </p:cNvPr>
+          <p:cNvSpPr txBox="1"/>
+          <p:nvPr/>
+        </p:nvSpPr>
+        <p:spPr>
+          <a:xfrm>
+            <a:off x="7696783" y="1833452"/>
+            <a:ext cx="3726786" cy="923330"/>
+          </a:xfrm>
+          <a:prstGeom prst="rect">
+            <a:avLst/>
+          </a:prstGeom>
+          <a:noFill/>
+        </p:spPr>
+        <p:txBody>
+          <a:bodyPr wrap="square" rtlCol="0">
+            <a:spAutoFit/>
+          </a:bodyPr>
+          <a:lstStyle/>
+          <a:p>
+            <a:r>
+              <a:rPr lang="en-US" dirty="0"/>
+              <a:t>Collapsed nodes will continue to merge with neighboring nodes that are later marked for collapse.</a:t>
+            </a:r>
+          </a:p>
+        </p:txBody>
+      </p:sp>
+      <p:sp>
+        <p:nvSpPr>
+          <p:cNvPr id="19" name="TextBox 18">
+            <a:extLst>
+              <a:ext uri="{FF2B5EF4-FFF2-40B4-BE49-F238E27FC236}">
+                <a16:creationId xmlns:a16="http://schemas.microsoft.com/office/drawing/2014/main" id="{30FCA8AB-3134-85C3-B5F4-C5763D8DC7A3}"/>
+              </a:ext>
+            </a:extLst>
+          </p:cNvPr>
+          <p:cNvSpPr txBox="1"/>
+          <p:nvPr/>
+        </p:nvSpPr>
+        <p:spPr>
+          <a:xfrm>
+            <a:off x="5510692" y="4997695"/>
+            <a:ext cx="3726786" cy="646331"/>
+          </a:xfrm>
+          <a:prstGeom prst="rect">
+            <a:avLst/>
+          </a:prstGeom>
+          <a:noFill/>
+        </p:spPr>
+        <p:txBody>
+          <a:bodyPr wrap="square" rtlCol="0">
+            <a:spAutoFit/>
+          </a:bodyPr>
+          <a:lstStyle/>
+          <a:p>
+            <a:r>
+              <a:rPr lang="en-US" dirty="0"/>
+              <a:t>These nodes are not neighbors and will not merge.</a:t>
+            </a:r>
+          </a:p>
+        </p:txBody>
+      </p:sp>
+      <p:cxnSp>
+        <p:nvCxnSpPr>
+          <p:cNvPr id="24" name="Straight Arrow Connector 23">
+            <a:extLst>
+              <a:ext uri="{FF2B5EF4-FFF2-40B4-BE49-F238E27FC236}">
+                <a16:creationId xmlns:a16="http://schemas.microsoft.com/office/drawing/2014/main" id="{3CF5D952-16E5-4638-E767-C4B01625A248}"/>
+              </a:ext>
+            </a:extLst>
+          </p:cNvPr>
+          <p:cNvCxnSpPr>
+            <a:cxnSpLocks/>
+          </p:cNvCxnSpPr>
+          <p:nvPr/>
+        </p:nvCxnSpPr>
+        <p:spPr>
+          <a:xfrm rot="-2700000">
+            <a:off x="3090770" y="4202234"/>
+            <a:ext cx="335521" cy="0"/>
+          </a:xfrm>
+          <a:prstGeom prst="straightConnector1">
+            <a:avLst/>
+          </a:prstGeom>
+          <a:ln w="50800">
+            <a:tailEnd type="triangle"/>
+          </a:ln>
+        </p:spPr>
+        <p:style>
+          <a:lnRef idx="1">
+            <a:schemeClr val="accent1"/>
+          </a:lnRef>
+          <a:fillRef idx="0">
+            <a:schemeClr val="accent1"/>
+          </a:fillRef>
+          <a:effectRef idx="0">
+            <a:schemeClr val="accent1"/>
+          </a:effectRef>
+          <a:fontRef idx="minor">
+            <a:schemeClr val="tx1"/>
+          </a:fontRef>
+        </p:style>
+      </p:cxnSp>
+      <p:cxnSp>
+        <p:nvCxnSpPr>
+          <p:cNvPr id="26" name="Straight Arrow Connector 25">
+            <a:extLst>
+              <a:ext uri="{FF2B5EF4-FFF2-40B4-BE49-F238E27FC236}">
+                <a16:creationId xmlns:a16="http://schemas.microsoft.com/office/drawing/2014/main" id="{E45F46FA-799B-12A4-E186-E44CBD5373C0}"/>
+              </a:ext>
+            </a:extLst>
+          </p:cNvPr>
+          <p:cNvCxnSpPr>
+            <a:cxnSpLocks/>
+          </p:cNvCxnSpPr>
+          <p:nvPr/>
+        </p:nvCxnSpPr>
+        <p:spPr>
+          <a:xfrm>
+            <a:off x="7281457" y="3623656"/>
+            <a:ext cx="335521" cy="0"/>
+          </a:xfrm>
+          <a:prstGeom prst="straightConnector1">
+            <a:avLst/>
+          </a:prstGeom>
+          <a:ln w="50800">
+            <a:tailEnd type="triangle"/>
+          </a:ln>
+        </p:spPr>
+        <p:style>
+          <a:lnRef idx="1">
+            <a:schemeClr val="accent1"/>
+          </a:lnRef>
+          <a:fillRef idx="0">
+            <a:schemeClr val="accent1"/>
+          </a:fillRef>
+          <a:effectRef idx="0">
+            <a:schemeClr val="accent1"/>
+          </a:effectRef>
+          <a:fontRef idx="minor">
+            <a:schemeClr val="tx1"/>
+          </a:fontRef>
+        </p:style>
+      </p:cxnSp>
+      <p:cxnSp>
+        <p:nvCxnSpPr>
+          <p:cNvPr id="27" name="Straight Arrow Connector 26">
+            <a:extLst>
+              <a:ext uri="{FF2B5EF4-FFF2-40B4-BE49-F238E27FC236}">
+                <a16:creationId xmlns:a16="http://schemas.microsoft.com/office/drawing/2014/main" id="{F01A7713-587F-FACE-7EF4-D77C909CCCEB}"/>
+              </a:ext>
+            </a:extLst>
+          </p:cNvPr>
+          <p:cNvCxnSpPr>
+            <a:cxnSpLocks/>
+          </p:cNvCxnSpPr>
+          <p:nvPr/>
+        </p:nvCxnSpPr>
+        <p:spPr>
+          <a:xfrm rot="2700000">
+            <a:off x="3086682" y="4721995"/>
+            <a:ext cx="335521" cy="0"/>
+          </a:xfrm>
+          <a:prstGeom prst="straightConnector1">
+            <a:avLst/>
+          </a:prstGeom>
+          <a:ln w="50800">
+            <a:tailEnd type="triangle"/>
+          </a:ln>
+        </p:spPr>
+        <p:style>
+          <a:lnRef idx="1">
+            <a:schemeClr val="accent1"/>
+          </a:lnRef>
+          <a:fillRef idx="0">
+            <a:schemeClr val="accent1"/>
+          </a:fillRef>
+          <a:effectRef idx="0">
+            <a:schemeClr val="accent1"/>
+          </a:effectRef>
+          <a:fontRef idx="minor">
+            <a:schemeClr val="tx1"/>
+          </a:fontRef>
+        </p:style>
+      </p:cxnSp>
+      <p:cxnSp>
+        <p:nvCxnSpPr>
+          <p:cNvPr id="31" name="Straight Connector 30">
+            <a:extLst>
+              <a:ext uri="{FF2B5EF4-FFF2-40B4-BE49-F238E27FC236}">
+                <a16:creationId xmlns:a16="http://schemas.microsoft.com/office/drawing/2014/main" id="{9925169A-800C-354A-9542-BB1FE3B9B6B9}"/>
+              </a:ext>
+            </a:extLst>
+          </p:cNvPr>
+          <p:cNvCxnSpPr>
+            <a:cxnSpLocks/>
+          </p:cNvCxnSpPr>
+          <p:nvPr/>
+        </p:nvCxnSpPr>
+        <p:spPr>
+          <a:xfrm flipH="1">
+            <a:off x="3555081" y="4558766"/>
+            <a:ext cx="7788271" cy="0"/>
+          </a:xfrm>
+          <a:prstGeom prst="line">
+            <a:avLst/>
+          </a:prstGeom>
+          <a:ln w="28575">
+            <a:prstDash val="dash"/>
+          </a:ln>
+        </p:spPr>
+        <p:style>
+          <a:lnRef idx="1">
+            <a:schemeClr val="accent1"/>
+          </a:lnRef>
+          <a:fillRef idx="0">
+            <a:schemeClr val="accent1"/>
+          </a:fillRef>
+          <a:effectRef idx="0">
+            <a:schemeClr val="accent1"/>
+          </a:effectRef>
+          <a:fontRef idx="minor">
+            <a:schemeClr val="tx1"/>
+          </a:fontRef>
+        </p:style>
+      </p:cxnSp>
+    </p:spTree>
+    <p:extLst>
+      <p:ext uri="{BB962C8B-B14F-4D97-AF65-F5344CB8AC3E}">
+        <p14:creationId xmlns:p14="http://schemas.microsoft.com/office/powerpoint/2010/main" val="4282169266"/>
       </p:ext>
     </p:extLst>
   </p:cSld>

--- a/tskit_presentation.pptx
+++ b/tskit_presentation.pptx
@@ -5,33 +5,34 @@
     <p:sldMasterId id="2147483648" r:id="rId1"/>
   </p:sldMasterIdLst>
   <p:notesMasterIdLst>
-    <p:notesMasterId r:id="rId26"/>
+    <p:notesMasterId r:id="rId27"/>
   </p:notesMasterIdLst>
   <p:sldIdLst>
     <p:sldId id="258" r:id="rId2"/>
     <p:sldId id="259" r:id="rId3"/>
     <p:sldId id="260" r:id="rId4"/>
-    <p:sldId id="256" r:id="rId5"/>
-    <p:sldId id="257" r:id="rId6"/>
-    <p:sldId id="261" r:id="rId7"/>
-    <p:sldId id="262" r:id="rId8"/>
-    <p:sldId id="273" r:id="rId9"/>
-    <p:sldId id="263" r:id="rId10"/>
-    <p:sldId id="264" r:id="rId11"/>
-    <p:sldId id="265" r:id="rId12"/>
-    <p:sldId id="275" r:id="rId13"/>
-    <p:sldId id="276" r:id="rId14"/>
-    <p:sldId id="267" r:id="rId15"/>
-    <p:sldId id="272" r:id="rId16"/>
-    <p:sldId id="266" r:id="rId17"/>
-    <p:sldId id="277" r:id="rId18"/>
-    <p:sldId id="268" r:id="rId19"/>
-    <p:sldId id="269" r:id="rId20"/>
-    <p:sldId id="270" r:id="rId21"/>
-    <p:sldId id="271" r:id="rId22"/>
-    <p:sldId id="274" r:id="rId23"/>
-    <p:sldId id="278" r:id="rId24"/>
-    <p:sldId id="279" r:id="rId25"/>
+    <p:sldId id="281" r:id="rId5"/>
+    <p:sldId id="256" r:id="rId6"/>
+    <p:sldId id="257" r:id="rId7"/>
+    <p:sldId id="261" r:id="rId8"/>
+    <p:sldId id="262" r:id="rId9"/>
+    <p:sldId id="273" r:id="rId10"/>
+    <p:sldId id="263" r:id="rId11"/>
+    <p:sldId id="264" r:id="rId12"/>
+    <p:sldId id="265" r:id="rId13"/>
+    <p:sldId id="275" r:id="rId14"/>
+    <p:sldId id="276" r:id="rId15"/>
+    <p:sldId id="267" r:id="rId16"/>
+    <p:sldId id="272" r:id="rId17"/>
+    <p:sldId id="266" r:id="rId18"/>
+    <p:sldId id="277" r:id="rId19"/>
+    <p:sldId id="268" r:id="rId20"/>
+    <p:sldId id="269" r:id="rId21"/>
+    <p:sldId id="270" r:id="rId22"/>
+    <p:sldId id="271" r:id="rId23"/>
+    <p:sldId id="274" r:id="rId24"/>
+    <p:sldId id="278" r:id="rId25"/>
+    <p:sldId id="279" r:id="rId26"/>
   </p:sldIdLst>
   <p:sldSz cx="12192000" cy="6858000"/>
   <p:notesSz cx="6858000" cy="9144000"/>
@@ -220,7 +221,7 @@
           <a:p>
             <a:fld id="{54BE1BF4-E52A-3947-AAF8-F81D869E3D7F}" type="datetimeFigureOut">
               <a:rPr lang="en-US" smtClean="0"/>
-              <a:t>7/27/23</a:t>
+              <a:t>9/5/23</a:t>
             </a:fld>
             <a:endParaRPr lang="en-US"/>
           </a:p>
@@ -636,7 +637,7 @@
           <a:p>
             <a:fld id="{1E0B3BE8-305E-9F48-A75D-74D5ECBEC479}" type="slidenum">
               <a:rPr lang="en-US" smtClean="0"/>
-              <a:t>9</a:t>
+              <a:t>4</a:t>
             </a:fld>
             <a:endParaRPr lang="en-US"/>
           </a:p>
@@ -645,7 +646,7 @@
     </p:spTree>
     <p:extLst>
       <p:ext uri="{BB962C8B-B14F-4D97-AF65-F5344CB8AC3E}">
-        <p14:creationId xmlns:p14="http://schemas.microsoft.com/office/powerpoint/2010/main" val="2851776810"/>
+        <p14:creationId xmlns:p14="http://schemas.microsoft.com/office/powerpoint/2010/main" val="1313555594"/>
       </p:ext>
     </p:extLst>
   </p:cSld>
@@ -721,6 +722,90 @@
             <a:fld id="{1E0B3BE8-305E-9F48-A75D-74D5ECBEC479}" type="slidenum">
               <a:rPr lang="en-US" smtClean="0"/>
               <a:t>10</a:t>
+            </a:fld>
+            <a:endParaRPr lang="en-US"/>
+          </a:p>
+        </p:txBody>
+      </p:sp>
+    </p:spTree>
+    <p:extLst>
+      <p:ext uri="{BB962C8B-B14F-4D97-AF65-F5344CB8AC3E}">
+        <p14:creationId xmlns:p14="http://schemas.microsoft.com/office/powerpoint/2010/main" val="2851776810"/>
+      </p:ext>
+    </p:extLst>
+  </p:cSld>
+  <p:clrMapOvr>
+    <a:masterClrMapping/>
+  </p:clrMapOvr>
+</p:notes>
+</file>
+
+<file path=ppt/notesSlides/notesSlide4.xml><?xml version="1.0" encoding="utf-8"?>
+<p:notes xmlns:a="http://schemas.openxmlformats.org/drawingml/2006/main" xmlns:r="http://schemas.openxmlformats.org/officeDocument/2006/relationships" xmlns:p="http://schemas.openxmlformats.org/presentationml/2006/main">
+  <p:cSld>
+    <p:spTree>
+      <p:nvGrpSpPr>
+        <p:cNvPr id="1" name=""/>
+        <p:cNvGrpSpPr/>
+        <p:nvPr/>
+      </p:nvGrpSpPr>
+      <p:grpSpPr>
+        <a:xfrm>
+          <a:off x="0" y="0"/>
+          <a:ext cx="0" cy="0"/>
+          <a:chOff x="0" y="0"/>
+          <a:chExt cx="0" cy="0"/>
+        </a:xfrm>
+      </p:grpSpPr>
+      <p:sp>
+        <p:nvSpPr>
+          <p:cNvPr id="2" name="Slide Image Placeholder 1"/>
+          <p:cNvSpPr>
+            <a:spLocks noGrp="1" noRot="1" noChangeAspect="1"/>
+          </p:cNvSpPr>
+          <p:nvPr>
+            <p:ph type="sldImg"/>
+          </p:nvPr>
+        </p:nvSpPr>
+        <p:spPr/>
+      </p:sp>
+      <p:sp>
+        <p:nvSpPr>
+          <p:cNvPr id="3" name="Notes Placeholder 2"/>
+          <p:cNvSpPr>
+            <a:spLocks noGrp="1"/>
+          </p:cNvSpPr>
+          <p:nvPr>
+            <p:ph type="body" idx="1"/>
+          </p:nvPr>
+        </p:nvSpPr>
+        <p:spPr/>
+        <p:txBody>
+          <a:bodyPr/>
+          <a:lstStyle/>
+          <a:p>
+            <a:endParaRPr lang="en-US" dirty="0"/>
+          </a:p>
+        </p:txBody>
+      </p:sp>
+      <p:sp>
+        <p:nvSpPr>
+          <p:cNvPr id="4" name="Slide Number Placeholder 3"/>
+          <p:cNvSpPr>
+            <a:spLocks noGrp="1"/>
+          </p:cNvSpPr>
+          <p:nvPr>
+            <p:ph type="sldNum" sz="quarter" idx="5"/>
+          </p:nvPr>
+        </p:nvSpPr>
+        <p:spPr/>
+        <p:txBody>
+          <a:bodyPr/>
+          <a:lstStyle/>
+          <a:p>
+            <a:fld id="{1E0B3BE8-305E-9F48-A75D-74D5ECBEC479}" type="slidenum">
+              <a:rPr lang="en-US" smtClean="0"/>
+              <a:t>11</a:t>
             </a:fld>
             <a:endParaRPr lang="en-US"/>
           </a:p>
@@ -886,7 +971,7 @@
           <a:p>
             <a:fld id="{84C09D2D-DDE8-084A-97EA-5E9E2E477616}" type="datetimeFigureOut">
               <a:rPr lang="en-US" smtClean="0"/>
-              <a:t>7/27/23</a:t>
+              <a:t>9/5/23</a:t>
             </a:fld>
             <a:endParaRPr lang="en-US"/>
           </a:p>
@@ -1084,7 +1169,7 @@
           <a:p>
             <a:fld id="{84C09D2D-DDE8-084A-97EA-5E9E2E477616}" type="datetimeFigureOut">
               <a:rPr lang="en-US" smtClean="0"/>
-              <a:t>7/27/23</a:t>
+              <a:t>9/5/23</a:t>
             </a:fld>
             <a:endParaRPr lang="en-US"/>
           </a:p>
@@ -1292,7 +1377,7 @@
           <a:p>
             <a:fld id="{84C09D2D-DDE8-084A-97EA-5E9E2E477616}" type="datetimeFigureOut">
               <a:rPr lang="en-US" smtClean="0"/>
-              <a:t>7/27/23</a:t>
+              <a:t>9/5/23</a:t>
             </a:fld>
             <a:endParaRPr lang="en-US"/>
           </a:p>
@@ -1490,7 +1575,7 @@
           <a:p>
             <a:fld id="{84C09D2D-DDE8-084A-97EA-5E9E2E477616}" type="datetimeFigureOut">
               <a:rPr lang="en-US" smtClean="0"/>
-              <a:t>7/27/23</a:t>
+              <a:t>9/5/23</a:t>
             </a:fld>
             <a:endParaRPr lang="en-US"/>
           </a:p>
@@ -1765,7 +1850,7 @@
           <a:p>
             <a:fld id="{84C09D2D-DDE8-084A-97EA-5E9E2E477616}" type="datetimeFigureOut">
               <a:rPr lang="en-US" smtClean="0"/>
-              <a:t>7/27/23</a:t>
+              <a:t>9/5/23</a:t>
             </a:fld>
             <a:endParaRPr lang="en-US"/>
           </a:p>
@@ -2030,7 +2115,7 @@
           <a:p>
             <a:fld id="{84C09D2D-DDE8-084A-97EA-5E9E2E477616}" type="datetimeFigureOut">
               <a:rPr lang="en-US" smtClean="0"/>
-              <a:t>7/27/23</a:t>
+              <a:t>9/5/23</a:t>
             </a:fld>
             <a:endParaRPr lang="en-US"/>
           </a:p>
@@ -2442,7 +2527,7 @@
           <a:p>
             <a:fld id="{84C09D2D-DDE8-084A-97EA-5E9E2E477616}" type="datetimeFigureOut">
               <a:rPr lang="en-US" smtClean="0"/>
-              <a:t>7/27/23</a:t>
+              <a:t>9/5/23</a:t>
             </a:fld>
             <a:endParaRPr lang="en-US"/>
           </a:p>
@@ -2583,7 +2668,7 @@
           <a:p>
             <a:fld id="{84C09D2D-DDE8-084A-97EA-5E9E2E477616}" type="datetimeFigureOut">
               <a:rPr lang="en-US" smtClean="0"/>
-              <a:t>7/27/23</a:t>
+              <a:t>9/5/23</a:t>
             </a:fld>
             <a:endParaRPr lang="en-US"/>
           </a:p>
@@ -2696,7 +2781,7 @@
           <a:p>
             <a:fld id="{84C09D2D-DDE8-084A-97EA-5E9E2E477616}" type="datetimeFigureOut">
               <a:rPr lang="en-US" smtClean="0"/>
-              <a:t>7/27/23</a:t>
+              <a:t>9/5/23</a:t>
             </a:fld>
             <a:endParaRPr lang="en-US"/>
           </a:p>
@@ -3007,7 +3092,7 @@
           <a:p>
             <a:fld id="{84C09D2D-DDE8-084A-97EA-5E9E2E477616}" type="datetimeFigureOut">
               <a:rPr lang="en-US" smtClean="0"/>
-              <a:t>7/27/23</a:t>
+              <a:t>9/5/23</a:t>
             </a:fld>
             <a:endParaRPr lang="en-US"/>
           </a:p>
@@ -3295,7 +3380,7 @@
           <a:p>
             <a:fld id="{84C09D2D-DDE8-084A-97EA-5E9E2E477616}" type="datetimeFigureOut">
               <a:rPr lang="en-US" smtClean="0"/>
-              <a:t>7/27/23</a:t>
+              <a:t>9/5/23</a:t>
             </a:fld>
             <a:endParaRPr lang="en-US"/>
           </a:p>
@@ -3536,7 +3621,7 @@
           <a:p>
             <a:fld id="{84C09D2D-DDE8-084A-97EA-5E9E2E477616}" type="datetimeFigureOut">
               <a:rPr lang="en-US" smtClean="0"/>
-              <a:t>7/27/23</a:t>
+              <a:t>9/5/23</a:t>
             </a:fld>
             <a:endParaRPr lang="en-US"/>
           </a:p>
@@ -4248,7 +4333,7 @@
 </file>
 
 <file path=ppt/slides/slide10.xml><?xml version="1.0" encoding="utf-8"?>
-<p:sld xmlns:a="http://schemas.openxmlformats.org/drawingml/2006/main" xmlns:r="http://schemas.openxmlformats.org/officeDocument/2006/relationships" xmlns:p="http://schemas.openxmlformats.org/presentationml/2006/main" show="0">
+<p:sld xmlns:a="http://schemas.openxmlformats.org/drawingml/2006/main" xmlns:r="http://schemas.openxmlformats.org/officeDocument/2006/relationships" xmlns:p="http://schemas.openxmlformats.org/presentationml/2006/main">
   <p:cSld>
     <p:spTree>
       <p:nvGrpSpPr>
@@ -4264,72 +4349,12 @@
           <a:chExt cx="0" cy="0"/>
         </a:xfrm>
       </p:grpSpPr>
-      <p:pic>
-        <p:nvPicPr>
-          <p:cNvPr id="7" name="Picture 6">
-            <a:extLst>
-              <a:ext uri="{FF2B5EF4-FFF2-40B4-BE49-F238E27FC236}">
-                <a16:creationId xmlns:a16="http://schemas.microsoft.com/office/drawing/2014/main" id="{BC71CB2F-A70C-7D91-5294-8F42F2139097}"/>
-              </a:ext>
-            </a:extLst>
-          </p:cNvPr>
-          <p:cNvPicPr>
-            <a:picLocks noChangeAspect="1"/>
-          </p:cNvPicPr>
-          <p:nvPr/>
-        </p:nvPicPr>
-        <p:blipFill>
-          <a:blip r:embed="rId3"/>
-          <a:stretch>
-            <a:fillRect/>
-          </a:stretch>
-        </p:blipFill>
-        <p:spPr>
-          <a:xfrm>
-            <a:off x="383060" y="989603"/>
-            <a:ext cx="5430553" cy="5231179"/>
-          </a:xfrm>
-          <a:prstGeom prst="rect">
-            <a:avLst/>
-          </a:prstGeom>
-        </p:spPr>
-      </p:pic>
-      <p:pic>
-        <p:nvPicPr>
-          <p:cNvPr id="11" name="Picture 10">
-            <a:extLst>
-              <a:ext uri="{FF2B5EF4-FFF2-40B4-BE49-F238E27FC236}">
-                <a16:creationId xmlns:a16="http://schemas.microsoft.com/office/drawing/2014/main" id="{9E32968A-F8A1-27AE-E119-958BB4C5CB91}"/>
-              </a:ext>
-            </a:extLst>
-          </p:cNvPr>
-          <p:cNvPicPr>
-            <a:picLocks noChangeAspect="1"/>
-          </p:cNvPicPr>
-          <p:nvPr/>
-        </p:nvPicPr>
-        <p:blipFill>
-          <a:blip r:embed="rId4"/>
-          <a:stretch>
-            <a:fillRect/>
-          </a:stretch>
-        </p:blipFill>
-        <p:spPr>
-          <a:xfrm>
-            <a:off x="6291072" y="1050563"/>
-            <a:ext cx="5615404" cy="5102370"/>
-          </a:xfrm>
-          <a:prstGeom prst="rect">
-            <a:avLst/>
-          </a:prstGeom>
-        </p:spPr>
-      </p:pic>
-      <p:sp>
-        <p:nvSpPr>
-          <p:cNvPr id="6" name="Rectangle 5">
-            <a:extLst>
-              <a:ext uri="{FF2B5EF4-FFF2-40B4-BE49-F238E27FC236}">
-                <a16:creationId xmlns:a16="http://schemas.microsoft.com/office/drawing/2014/main" id="{5574FA6F-596D-A929-1F5B-53968E4482C5}"/>
+      <p:sp>
+        <p:nvSpPr>
+          <p:cNvPr id="5" name="Rectangle 4">
+            <a:extLst>
+              <a:ext uri="{FF2B5EF4-FFF2-40B4-BE49-F238E27FC236}">
+                <a16:creationId xmlns:a16="http://schemas.microsoft.com/office/drawing/2014/main" id="{7F2EDB75-395E-77EA-70F3-A5E7AC437C76}"/>
               </a:ext>
             </a:extLst>
           </p:cNvPr>
@@ -4338,17 +4363,20 @@
         </p:nvSpPr>
         <p:spPr>
           <a:xfrm>
-            <a:off x="0" y="0"/>
-            <a:ext cx="12192000" cy="6858000"/>
+            <a:off x="1463040" y="1231392"/>
+            <a:ext cx="3706368" cy="4395214"/>
           </a:xfrm>
           <a:prstGeom prst="rect">
             <a:avLst/>
           </a:prstGeom>
           <a:solidFill>
-            <a:srgbClr val="FFFFFF">
-              <a:alpha val="89804"/>
-            </a:srgbClr>
+            <a:srgbClr val="F5F5F5"/>
           </a:solidFill>
+          <a:ln w="38100">
+            <a:solidFill>
+              <a:srgbClr val="043D4D"/>
+            </a:solidFill>
+          </a:ln>
         </p:spPr>
         <p:style>
           <a:lnRef idx="2">
@@ -4371,68 +4399,46 @@
           <a:lstStyle/>
           <a:p>
             <a:pPr algn="ctr"/>
-            <a:endParaRPr lang="en-US" dirty="0"/>
-          </a:p>
-        </p:txBody>
-      </p:sp>
-      <p:sp>
-        <p:nvSpPr>
-          <p:cNvPr id="5" name="Rectangle 4">
-            <a:extLst>
-              <a:ext uri="{FF2B5EF4-FFF2-40B4-BE49-F238E27FC236}">
-                <a16:creationId xmlns:a16="http://schemas.microsoft.com/office/drawing/2014/main" id="{7F2EDB75-395E-77EA-70F3-A5E7AC437C76}"/>
-              </a:ext>
-            </a:extLst>
-          </p:cNvPr>
-          <p:cNvSpPr/>
+            <a:endParaRPr lang="en-US"/>
+          </a:p>
+        </p:txBody>
+      </p:sp>
+      <p:pic>
+        <p:nvPicPr>
+          <p:cNvPr id="9" name="Picture 8" descr="A screenshot of a computer code&#10;&#10;Description automatically generated">
+            <a:extLst>
+              <a:ext uri="{FF2B5EF4-FFF2-40B4-BE49-F238E27FC236}">
+                <a16:creationId xmlns:a16="http://schemas.microsoft.com/office/drawing/2014/main" id="{0E022537-F842-DB08-FD65-5E5CF7DDF811}"/>
+              </a:ext>
+            </a:extLst>
+          </p:cNvPr>
+          <p:cNvPicPr>
+            <a:picLocks noChangeAspect="1"/>
+          </p:cNvPicPr>
           <p:nvPr/>
-        </p:nvSpPr>
-        <p:spPr>
-          <a:xfrm>
-            <a:off x="1987296" y="1804416"/>
-            <a:ext cx="8217408" cy="3249166"/>
+        </p:nvPicPr>
+        <p:blipFill>
+          <a:blip r:embed="rId3"/>
+          <a:stretch>
+            <a:fillRect/>
+          </a:stretch>
+        </p:blipFill>
+        <p:spPr>
+          <a:xfrm>
+            <a:off x="1620774" y="1352549"/>
+            <a:ext cx="3390900" cy="4152900"/>
           </a:xfrm>
           <a:prstGeom prst="rect">
             <a:avLst/>
           </a:prstGeom>
-          <a:solidFill>
-            <a:srgbClr val="F5F5F5"/>
-          </a:solidFill>
-          <a:ln>
-            <a:noFill/>
-          </a:ln>
-        </p:spPr>
-        <p:style>
-          <a:lnRef idx="2">
-            <a:schemeClr val="accent1">
-              <a:shade val="15000"/>
-            </a:schemeClr>
-          </a:lnRef>
-          <a:fillRef idx="1">
-            <a:schemeClr val="accent1"/>
-          </a:fillRef>
-          <a:effectRef idx="0">
-            <a:schemeClr val="accent1"/>
-          </a:effectRef>
-          <a:fontRef idx="minor">
-            <a:schemeClr val="lt1"/>
-          </a:fontRef>
-        </p:style>
-        <p:txBody>
-          <a:bodyPr rtlCol="0" anchor="ctr"/>
-          <a:lstStyle/>
-          <a:p>
-            <a:pPr algn="ctr"/>
-            <a:endParaRPr lang="en-US"/>
-          </a:p>
-        </p:txBody>
-      </p:sp>
+        </p:spPr>
+      </p:pic>
       <p:pic>
         <p:nvPicPr>
-          <p:cNvPr id="3" name="Picture 2" descr="A screenshot of a computer program&#10;&#10;Description automatically generated">
-            <a:extLst>
-              <a:ext uri="{FF2B5EF4-FFF2-40B4-BE49-F238E27FC236}">
-                <a16:creationId xmlns:a16="http://schemas.microsoft.com/office/drawing/2014/main" id="{F2647A63-B573-7D1A-1857-AE43EA607985}"/>
+          <p:cNvPr id="2" name="Picture 1" descr="A screenshot of a computer&#10;&#10;Description automatically generated">
+            <a:extLst>
+              <a:ext uri="{FF2B5EF4-FFF2-40B4-BE49-F238E27FC236}">
+                <a16:creationId xmlns:a16="http://schemas.microsoft.com/office/drawing/2014/main" id="{902338C6-FA68-7400-0C1A-480271D50E75}"/>
               </a:ext>
             </a:extLst>
           </p:cNvPr>
@@ -4442,14 +4448,14 @@
           <p:nvPr/>
         </p:nvPicPr>
         <p:blipFill rotWithShape="1">
-          <a:blip r:embed="rId5"/>
-          <a:srcRect l="640" t="2283" r="724" b="1811"/>
+          <a:blip r:embed="rId4"/>
+          <a:srcRect t="8390"/>
           <a:stretch/>
         </p:blipFill>
         <p:spPr>
           <a:xfrm>
-            <a:off x="2262809" y="2080591"/>
-            <a:ext cx="7666382" cy="2696818"/>
+            <a:off x="6243418" y="707237"/>
+            <a:ext cx="5624990" cy="5443527"/>
           </a:xfrm>
           <a:prstGeom prst="rect">
             <a:avLst/>
@@ -4459,7 +4465,7 @@
     </p:spTree>
     <p:extLst>
       <p:ext uri="{BB962C8B-B14F-4D97-AF65-F5344CB8AC3E}">
-        <p14:creationId xmlns:p14="http://schemas.microsoft.com/office/powerpoint/2010/main" val="2501787283"/>
+        <p14:creationId xmlns:p14="http://schemas.microsoft.com/office/powerpoint/2010/main" val="2737830703"/>
       </p:ext>
     </p:extLst>
   </p:cSld>
@@ -4488,10 +4494,10 @@
       </p:grpSpPr>
       <p:pic>
         <p:nvPicPr>
-          <p:cNvPr id="14" name="Picture 13" descr="A screenshot of a computer&#10;&#10;Description automatically generated">
-            <a:extLst>
-              <a:ext uri="{FF2B5EF4-FFF2-40B4-BE49-F238E27FC236}">
-                <a16:creationId xmlns:a16="http://schemas.microsoft.com/office/drawing/2014/main" id="{6BBA1B56-8A9B-3E66-CE84-C5A0B56326B7}"/>
+          <p:cNvPr id="7" name="Picture 6">
+            <a:extLst>
+              <a:ext uri="{FF2B5EF4-FFF2-40B4-BE49-F238E27FC236}">
+                <a16:creationId xmlns:a16="http://schemas.microsoft.com/office/drawing/2014/main" id="{BC71CB2F-A70C-7D91-5294-8F42F2139097}"/>
               </a:ext>
             </a:extLst>
           </p:cNvPr>
@@ -4501,480 +4507,187 @@
           <p:nvPr/>
         </p:nvPicPr>
         <p:blipFill>
-          <a:blip r:embed="rId2"/>
+          <a:blip r:embed="rId3"/>
           <a:stretch>
             <a:fillRect/>
           </a:stretch>
         </p:blipFill>
         <p:spPr>
           <a:xfrm>
-            <a:off x="3653239" y="797011"/>
-            <a:ext cx="4885521" cy="5263977"/>
+            <a:off x="383060" y="989603"/>
+            <a:ext cx="5430553" cy="5231179"/>
           </a:xfrm>
           <a:prstGeom prst="rect">
             <a:avLst/>
           </a:prstGeom>
         </p:spPr>
       </p:pic>
-      <p:cxnSp>
-        <p:nvCxnSpPr>
-          <p:cNvPr id="9" name="Straight Arrow Connector 8">
-            <a:extLst>
-              <a:ext uri="{FF2B5EF4-FFF2-40B4-BE49-F238E27FC236}">
-                <a16:creationId xmlns:a16="http://schemas.microsoft.com/office/drawing/2014/main" id="{F129AD86-1D32-3687-7A7C-3D5DBBA4F048}"/>
-              </a:ext>
-            </a:extLst>
-          </p:cNvPr>
-          <p:cNvCxnSpPr>
-            <a:cxnSpLocks/>
-          </p:cNvCxnSpPr>
+      <p:pic>
+        <p:nvPicPr>
+          <p:cNvPr id="11" name="Picture 10">
+            <a:extLst>
+              <a:ext uri="{FF2B5EF4-FFF2-40B4-BE49-F238E27FC236}">
+                <a16:creationId xmlns:a16="http://schemas.microsoft.com/office/drawing/2014/main" id="{9E32968A-F8A1-27AE-E119-958BB4C5CB91}"/>
+              </a:ext>
+            </a:extLst>
+          </p:cNvPr>
+          <p:cNvPicPr>
+            <a:picLocks noChangeAspect="1"/>
+          </p:cNvPicPr>
           <p:nvPr/>
-        </p:nvCxnSpPr>
-        <p:spPr>
-          <a:xfrm rot="10800000">
-            <a:off x="8362588" y="5166745"/>
-            <a:ext cx="506627" cy="0"/>
-          </a:xfrm>
-          <a:prstGeom prst="straightConnector1">
+        </p:nvPicPr>
+        <p:blipFill>
+          <a:blip r:embed="rId4"/>
+          <a:stretch>
+            <a:fillRect/>
+          </a:stretch>
+        </p:blipFill>
+        <p:spPr>
+          <a:xfrm>
+            <a:off x="6291072" y="1050563"/>
+            <a:ext cx="5615404" cy="5102370"/>
+          </a:xfrm>
+          <a:prstGeom prst="rect">
             <a:avLst/>
           </a:prstGeom>
-          <a:ln w="63500">
-            <a:solidFill>
-              <a:srgbClr val="043D4D"/>
-            </a:solidFill>
-            <a:tailEnd type="triangle"/>
-          </a:ln>
+        </p:spPr>
+      </p:pic>
+      <p:sp>
+        <p:nvSpPr>
+          <p:cNvPr id="6" name="Rectangle 5">
+            <a:extLst>
+              <a:ext uri="{FF2B5EF4-FFF2-40B4-BE49-F238E27FC236}">
+                <a16:creationId xmlns:a16="http://schemas.microsoft.com/office/drawing/2014/main" id="{5574FA6F-596D-A929-1F5B-53968E4482C5}"/>
+              </a:ext>
+            </a:extLst>
+          </p:cNvPr>
+          <p:cNvSpPr/>
+          <p:nvPr/>
+        </p:nvSpPr>
+        <p:spPr>
+          <a:xfrm>
+            <a:off x="0" y="0"/>
+            <a:ext cx="12192000" cy="6858000"/>
+          </a:xfrm>
+          <a:prstGeom prst="rect">
+            <a:avLst/>
+          </a:prstGeom>
+          <a:solidFill>
+            <a:srgbClr val="FFFFFF">
+              <a:alpha val="89804"/>
+            </a:srgbClr>
+          </a:solidFill>
         </p:spPr>
         <p:style>
-          <a:lnRef idx="1">
-            <a:schemeClr val="accent1"/>
+          <a:lnRef idx="2">
+            <a:schemeClr val="accent1">
+              <a:shade val="15000"/>
+            </a:schemeClr>
           </a:lnRef>
-          <a:fillRef idx="0">
+          <a:fillRef idx="1">
             <a:schemeClr val="accent1"/>
           </a:fillRef>
           <a:effectRef idx="0">
             <a:schemeClr val="accent1"/>
           </a:effectRef>
           <a:fontRef idx="minor">
-            <a:schemeClr val="tx1"/>
+            <a:schemeClr val="lt1"/>
           </a:fontRef>
         </p:style>
-      </p:cxnSp>
-      <p:sp>
-        <p:nvSpPr>
-          <p:cNvPr id="10" name="TextBox 9">
-            <a:extLst>
-              <a:ext uri="{FF2B5EF4-FFF2-40B4-BE49-F238E27FC236}">
-                <a16:creationId xmlns:a16="http://schemas.microsoft.com/office/drawing/2014/main" id="{CF0D38E0-5A9A-8159-FA28-72D3FFC1AB04}"/>
-              </a:ext>
-            </a:extLst>
-          </p:cNvPr>
-          <p:cNvSpPr txBox="1"/>
+        <p:txBody>
+          <a:bodyPr rtlCol="0" anchor="ctr"/>
+          <a:lstStyle/>
+          <a:p>
+            <a:pPr algn="ctr"/>
+            <a:endParaRPr lang="en-US" dirty="0"/>
+          </a:p>
+        </p:txBody>
+      </p:sp>
+      <p:sp>
+        <p:nvSpPr>
+          <p:cNvPr id="5" name="Rectangle 4">
+            <a:extLst>
+              <a:ext uri="{FF2B5EF4-FFF2-40B4-BE49-F238E27FC236}">
+                <a16:creationId xmlns:a16="http://schemas.microsoft.com/office/drawing/2014/main" id="{7F2EDB75-395E-77EA-70F3-A5E7AC437C76}"/>
+              </a:ext>
+            </a:extLst>
+          </p:cNvPr>
+          <p:cNvSpPr/>
           <p:nvPr/>
         </p:nvSpPr>
         <p:spPr>
           <a:xfrm>
-            <a:off x="8995961" y="4151082"/>
-            <a:ext cx="2298357" cy="2031325"/>
+            <a:off x="1987296" y="1804416"/>
+            <a:ext cx="8217408" cy="3249166"/>
           </a:xfrm>
           <a:prstGeom prst="rect">
             <a:avLst/>
           </a:prstGeom>
-          <a:noFill/>
-        </p:spPr>
-        <p:txBody>
-          <a:bodyPr wrap="square" rtlCol="0">
-            <a:spAutoFit/>
-          </a:bodyPr>
-          <a:lstStyle/>
-          <a:p>
-            <a:r>
-              <a:rPr lang="en-US" dirty="0">
-                <a:solidFill>
-                  <a:srgbClr val="043D4D"/>
-                </a:solidFill>
-                <a:latin typeface="Arial" panose="020B0604020202020204" pitchFamily="34" charset="0"/>
-                <a:cs typeface="Arial" panose="020B0604020202020204" pitchFamily="34" charset="0"/>
-              </a:rPr>
-              <a:t>Ordering of sample nodes is set by the first tree in the tree sequence (these are the only nodes with fixed x-axis positions at the start)</a:t>
-            </a:r>
-          </a:p>
-        </p:txBody>
-      </p:sp>
-      <p:cxnSp>
-        <p:nvCxnSpPr>
-          <p:cNvPr id="11" name="Straight Arrow Connector 10">
-            <a:extLst>
-              <a:ext uri="{FF2B5EF4-FFF2-40B4-BE49-F238E27FC236}">
-                <a16:creationId xmlns:a16="http://schemas.microsoft.com/office/drawing/2014/main" id="{402323CE-3900-0F71-22DC-0C1BF6DE958C}"/>
-              </a:ext>
-            </a:extLst>
-          </p:cNvPr>
-          <p:cNvCxnSpPr>
-            <a:cxnSpLocks/>
-          </p:cNvCxnSpPr>
-          <p:nvPr/>
-        </p:nvCxnSpPr>
-        <p:spPr>
-          <a:xfrm>
-            <a:off x="3469945" y="5800284"/>
-            <a:ext cx="506627" cy="0"/>
-          </a:xfrm>
-          <a:prstGeom prst="straightConnector1">
-            <a:avLst/>
-          </a:prstGeom>
-          <a:ln w="63500">
-            <a:solidFill>
-              <a:srgbClr val="043D4D"/>
-            </a:solidFill>
-            <a:tailEnd type="triangle"/>
+          <a:solidFill>
+            <a:srgbClr val="F5F5F5"/>
+          </a:solidFill>
+          <a:ln>
+            <a:noFill/>
           </a:ln>
         </p:spPr>
         <p:style>
-          <a:lnRef idx="1">
-            <a:schemeClr val="accent1"/>
+          <a:lnRef idx="2">
+            <a:schemeClr val="accent1">
+              <a:shade val="15000"/>
+            </a:schemeClr>
           </a:lnRef>
-          <a:fillRef idx="0">
+          <a:fillRef idx="1">
             <a:schemeClr val="accent1"/>
           </a:fillRef>
           <a:effectRef idx="0">
             <a:schemeClr val="accent1"/>
           </a:effectRef>
           <a:fontRef idx="minor">
-            <a:schemeClr val="tx1"/>
+            <a:schemeClr val="lt1"/>
           </a:fontRef>
         </p:style>
-      </p:cxnSp>
-      <p:sp>
-        <p:nvSpPr>
-          <p:cNvPr id="12" name="TextBox 11">
-            <a:extLst>
-              <a:ext uri="{FF2B5EF4-FFF2-40B4-BE49-F238E27FC236}">
-                <a16:creationId xmlns:a16="http://schemas.microsoft.com/office/drawing/2014/main" id="{EAA6295F-65C6-92A9-902C-5C0A5324AF3E}"/>
-              </a:ext>
-            </a:extLst>
-          </p:cNvPr>
-          <p:cNvSpPr txBox="1"/>
+        <p:txBody>
+          <a:bodyPr rtlCol="0" anchor="ctr"/>
+          <a:lstStyle/>
+          <a:p>
+            <a:pPr algn="ctr"/>
+            <a:endParaRPr lang="en-US"/>
+          </a:p>
+        </p:txBody>
+      </p:sp>
+      <p:pic>
+        <p:nvPicPr>
+          <p:cNvPr id="3" name="Picture 2" descr="A screenshot of a computer program&#10;&#10;Description automatically generated">
+            <a:extLst>
+              <a:ext uri="{FF2B5EF4-FFF2-40B4-BE49-F238E27FC236}">
+                <a16:creationId xmlns:a16="http://schemas.microsoft.com/office/drawing/2014/main" id="{F2647A63-B573-7D1A-1857-AE43EA607985}"/>
+              </a:ext>
+            </a:extLst>
+          </p:cNvPr>
+          <p:cNvPicPr>
+            <a:picLocks noChangeAspect="1"/>
+          </p:cNvPicPr>
           <p:nvPr/>
-        </p:nvSpPr>
-        <p:spPr>
-          <a:xfrm>
-            <a:off x="1135640" y="5200119"/>
-            <a:ext cx="2298357" cy="1200329"/>
+        </p:nvPicPr>
+        <p:blipFill rotWithShape="1">
+          <a:blip r:embed="rId5"/>
+          <a:srcRect l="640" t="2283" r="724" b="1811"/>
+          <a:stretch/>
+        </p:blipFill>
+        <p:spPr>
+          <a:xfrm>
+            <a:off x="2262809" y="2080591"/>
+            <a:ext cx="7666382" cy="2696818"/>
           </a:xfrm>
           <a:prstGeom prst="rect">
             <a:avLst/>
           </a:prstGeom>
-          <a:noFill/>
-        </p:spPr>
-        <p:txBody>
-          <a:bodyPr wrap="square" rtlCol="0">
-            <a:spAutoFit/>
-          </a:bodyPr>
-          <a:lstStyle/>
-          <a:p>
-            <a:r>
-              <a:rPr lang="en-US" dirty="0" err="1">
-                <a:solidFill>
-                  <a:srgbClr val="043D4D"/>
-                </a:solidFill>
-                <a:latin typeface="Arial" panose="020B0604020202020204" pitchFamily="34" charset="0"/>
-                <a:cs typeface="Arial" panose="020B0604020202020204" pitchFamily="34" charset="0"/>
-              </a:rPr>
-              <a:t>Hoverable</a:t>
-            </a:r>
-            <a:r>
-              <a:rPr lang="en-US" dirty="0">
-                <a:solidFill>
-                  <a:srgbClr val="043D4D"/>
-                </a:solidFill>
-                <a:latin typeface="Arial" panose="020B0604020202020204" pitchFamily="34" charset="0"/>
-                <a:cs typeface="Arial" panose="020B0604020202020204" pitchFamily="34" charset="0"/>
-              </a:rPr>
-              <a:t> blocks corresponding to the different trees in the tree sequence</a:t>
-            </a:r>
-          </a:p>
-        </p:txBody>
-      </p:sp>
-      <p:cxnSp>
-        <p:nvCxnSpPr>
-          <p:cNvPr id="15" name="Straight Arrow Connector 14">
-            <a:extLst>
-              <a:ext uri="{FF2B5EF4-FFF2-40B4-BE49-F238E27FC236}">
-                <a16:creationId xmlns:a16="http://schemas.microsoft.com/office/drawing/2014/main" id="{93A076EB-E03D-E5E2-D7C1-523E4AC4346C}"/>
-              </a:ext>
-            </a:extLst>
-          </p:cNvPr>
-          <p:cNvCxnSpPr>
-            <a:cxnSpLocks/>
-          </p:cNvCxnSpPr>
-          <p:nvPr/>
-        </p:nvCxnSpPr>
-        <p:spPr>
-          <a:xfrm rot="10800000">
-            <a:off x="5212644" y="955588"/>
-            <a:ext cx="506627" cy="0"/>
-          </a:xfrm>
-          <a:prstGeom prst="straightConnector1">
-            <a:avLst/>
-          </a:prstGeom>
-          <a:ln w="63500">
-            <a:solidFill>
-              <a:srgbClr val="043D4D"/>
-            </a:solidFill>
-            <a:tailEnd type="triangle"/>
-          </a:ln>
-        </p:spPr>
-        <p:style>
-          <a:lnRef idx="1">
-            <a:schemeClr val="accent1"/>
-          </a:lnRef>
-          <a:fillRef idx="0">
-            <a:schemeClr val="accent1"/>
-          </a:fillRef>
-          <a:effectRef idx="0">
-            <a:schemeClr val="accent1"/>
-          </a:effectRef>
-          <a:fontRef idx="minor">
-            <a:schemeClr val="tx1"/>
-          </a:fontRef>
-        </p:style>
-      </p:cxnSp>
-      <p:sp>
-        <p:nvSpPr>
-          <p:cNvPr id="16" name="TextBox 15">
-            <a:extLst>
-              <a:ext uri="{FF2B5EF4-FFF2-40B4-BE49-F238E27FC236}">
-                <a16:creationId xmlns:a16="http://schemas.microsoft.com/office/drawing/2014/main" id="{03BF55EC-9CD8-5613-5957-41A0769E02F2}"/>
-              </a:ext>
-            </a:extLst>
-          </p:cNvPr>
-          <p:cNvSpPr txBox="1"/>
-          <p:nvPr/>
-        </p:nvSpPr>
-        <p:spPr>
-          <a:xfrm>
-            <a:off x="5902565" y="216923"/>
-            <a:ext cx="3235500" cy="1477328"/>
-          </a:xfrm>
-          <a:prstGeom prst="rect">
-            <a:avLst/>
-          </a:prstGeom>
-          <a:noFill/>
-        </p:spPr>
-        <p:txBody>
-          <a:bodyPr wrap="square" rtlCol="0">
-            <a:spAutoFit/>
-          </a:bodyPr>
-          <a:lstStyle/>
-          <a:p>
-            <a:r>
-              <a:rPr lang="en-US" dirty="0">
-                <a:solidFill>
-                  <a:srgbClr val="043D4D"/>
-                </a:solidFill>
-                <a:latin typeface="Arial" panose="020B0604020202020204" pitchFamily="34" charset="0"/>
-                <a:cs typeface="Arial" panose="020B0604020202020204" pitchFamily="34" charset="0"/>
-              </a:rPr>
-              <a:t>JSON object is updated as the simulation runs, which means this can be copied, giving user’s the ability to replicate figures</a:t>
-            </a:r>
-          </a:p>
-        </p:txBody>
-      </p:sp>
-      <p:cxnSp>
-        <p:nvCxnSpPr>
-          <p:cNvPr id="17" name="Straight Arrow Connector 16">
-            <a:extLst>
-              <a:ext uri="{FF2B5EF4-FFF2-40B4-BE49-F238E27FC236}">
-                <a16:creationId xmlns:a16="http://schemas.microsoft.com/office/drawing/2014/main" id="{9047F1FF-3949-5492-6AFD-6E6A60B5ADC0}"/>
-              </a:ext>
-            </a:extLst>
-          </p:cNvPr>
-          <p:cNvCxnSpPr>
-            <a:cxnSpLocks/>
-          </p:cNvCxnSpPr>
-          <p:nvPr/>
-        </p:nvCxnSpPr>
-        <p:spPr>
-          <a:xfrm>
-            <a:off x="3053934" y="1170619"/>
-            <a:ext cx="506627" cy="0"/>
-          </a:xfrm>
-          <a:prstGeom prst="straightConnector1">
-            <a:avLst/>
-          </a:prstGeom>
-          <a:ln w="63500">
-            <a:solidFill>
-              <a:srgbClr val="043D4D"/>
-            </a:solidFill>
-            <a:tailEnd type="triangle"/>
-          </a:ln>
-        </p:spPr>
-        <p:style>
-          <a:lnRef idx="1">
-            <a:schemeClr val="accent1"/>
-          </a:lnRef>
-          <a:fillRef idx="0">
-            <a:schemeClr val="accent1"/>
-          </a:fillRef>
-          <a:effectRef idx="0">
-            <a:schemeClr val="accent1"/>
-          </a:effectRef>
-          <a:fontRef idx="minor">
-            <a:schemeClr val="tx1"/>
-          </a:fontRef>
-        </p:style>
-      </p:cxnSp>
-      <p:sp>
-        <p:nvSpPr>
-          <p:cNvPr id="18" name="TextBox 17">
-            <a:extLst>
-              <a:ext uri="{FF2B5EF4-FFF2-40B4-BE49-F238E27FC236}">
-                <a16:creationId xmlns:a16="http://schemas.microsoft.com/office/drawing/2014/main" id="{AE326D61-D68A-69C6-8CAD-3F9087B251E0}"/>
-              </a:ext>
-            </a:extLst>
-          </p:cNvPr>
-          <p:cNvSpPr txBox="1"/>
-          <p:nvPr/>
-        </p:nvSpPr>
-        <p:spPr>
-          <a:xfrm>
-            <a:off x="755577" y="570454"/>
-            <a:ext cx="2298357" cy="2308324"/>
-          </a:xfrm>
-          <a:prstGeom prst="rect">
-            <a:avLst/>
-          </a:prstGeom>
-          <a:noFill/>
-        </p:spPr>
-        <p:txBody>
-          <a:bodyPr wrap="square" rtlCol="0">
-            <a:spAutoFit/>
-          </a:bodyPr>
-          <a:lstStyle/>
-          <a:p>
-            <a:r>
-              <a:rPr lang="en-US" dirty="0">
-                <a:solidFill>
-                  <a:srgbClr val="043D4D"/>
-                </a:solidFill>
-                <a:latin typeface="Arial" panose="020B0604020202020204" pitchFamily="34" charset="0"/>
-                <a:cs typeface="Arial" panose="020B0604020202020204" pitchFamily="34" charset="0"/>
-              </a:rPr>
-              <a:t>EXPERIMENTAL: a node’s position becomes fixed after dragging, this unfixes the x-axis positions of all nodes except the samples</a:t>
-            </a:r>
-          </a:p>
-        </p:txBody>
-      </p:sp>
-      <p:cxnSp>
-        <p:nvCxnSpPr>
-          <p:cNvPr id="20" name="Straight Arrow Connector 19">
-            <a:extLst>
-              <a:ext uri="{FF2B5EF4-FFF2-40B4-BE49-F238E27FC236}">
-                <a16:creationId xmlns:a16="http://schemas.microsoft.com/office/drawing/2014/main" id="{8A4D5C1C-806C-8444-9212-9099145AAE48}"/>
-              </a:ext>
-            </a:extLst>
-          </p:cNvPr>
-          <p:cNvCxnSpPr>
-            <a:cxnSpLocks/>
-          </p:cNvCxnSpPr>
-          <p:nvPr/>
-        </p:nvCxnSpPr>
-        <p:spPr>
-          <a:xfrm>
-            <a:off x="3090760" y="3440130"/>
-            <a:ext cx="506627" cy="0"/>
-          </a:xfrm>
-          <a:prstGeom prst="straightConnector1">
-            <a:avLst/>
-          </a:prstGeom>
-          <a:ln w="63500">
-            <a:solidFill>
-              <a:srgbClr val="043D4D"/>
-            </a:solidFill>
-            <a:tailEnd type="triangle"/>
-          </a:ln>
-        </p:spPr>
-        <p:style>
-          <a:lnRef idx="1">
-            <a:schemeClr val="accent1"/>
-          </a:lnRef>
-          <a:fillRef idx="0">
-            <a:schemeClr val="accent1"/>
-          </a:fillRef>
-          <a:effectRef idx="0">
-            <a:schemeClr val="accent1"/>
-          </a:effectRef>
-          <a:fontRef idx="minor">
-            <a:schemeClr val="tx1"/>
-          </a:fontRef>
-        </p:style>
-      </p:cxnSp>
-      <p:sp>
-        <p:nvSpPr>
-          <p:cNvPr id="21" name="TextBox 20">
-            <a:extLst>
-              <a:ext uri="{FF2B5EF4-FFF2-40B4-BE49-F238E27FC236}">
-                <a16:creationId xmlns:a16="http://schemas.microsoft.com/office/drawing/2014/main" id="{4F5AD698-FD2F-9E42-9360-7983630F5F03}"/>
-              </a:ext>
-            </a:extLst>
-          </p:cNvPr>
-          <p:cNvSpPr txBox="1"/>
-          <p:nvPr/>
-        </p:nvSpPr>
-        <p:spPr>
-          <a:xfrm>
-            <a:off x="755577" y="2701466"/>
-            <a:ext cx="2298357" cy="1477328"/>
-          </a:xfrm>
-          <a:prstGeom prst="rect">
-            <a:avLst/>
-          </a:prstGeom>
-          <a:noFill/>
-        </p:spPr>
-        <p:txBody>
-          <a:bodyPr wrap="square" rtlCol="0">
-            <a:spAutoFit/>
-          </a:bodyPr>
-          <a:lstStyle/>
-          <a:p>
-            <a:r>
-              <a:rPr lang="en-US" dirty="0">
-                <a:solidFill>
-                  <a:srgbClr val="043D4D"/>
-                </a:solidFill>
-                <a:latin typeface="Arial" panose="020B0604020202020204" pitchFamily="34" charset="0"/>
-                <a:cs typeface="Arial" panose="020B0604020202020204" pitchFamily="34" charset="0"/>
-              </a:rPr>
-              <a:t>Three options for the y-axis scale: rank, time, and </a:t>
-            </a:r>
-            <a:r>
-              <a:rPr lang="en-US" dirty="0" err="1">
-                <a:solidFill>
-                  <a:srgbClr val="043D4D"/>
-                </a:solidFill>
-                <a:latin typeface="Arial" panose="020B0604020202020204" pitchFamily="34" charset="0"/>
-                <a:cs typeface="Arial" panose="020B0604020202020204" pitchFamily="34" charset="0"/>
-              </a:rPr>
-              <a:t>log_time</a:t>
-            </a:r>
-            <a:r>
-              <a:rPr lang="en-US" dirty="0">
-                <a:solidFill>
-                  <a:srgbClr val="043D4D"/>
-                </a:solidFill>
-                <a:latin typeface="Arial" panose="020B0604020202020204" pitchFamily="34" charset="0"/>
-                <a:cs typeface="Arial" panose="020B0604020202020204" pitchFamily="34" charset="0"/>
-              </a:rPr>
-              <a:t> (all nodes have fixed y-axis positions)</a:t>
-            </a:r>
-          </a:p>
-        </p:txBody>
-      </p:sp>
+        </p:spPr>
+      </p:pic>
     </p:spTree>
     <p:extLst>
       <p:ext uri="{BB962C8B-B14F-4D97-AF65-F5344CB8AC3E}">
-        <p14:creationId xmlns:p14="http://schemas.microsoft.com/office/powerpoint/2010/main" val="3755420000"/>
+        <p14:creationId xmlns:p14="http://schemas.microsoft.com/office/powerpoint/2010/main" val="2501787283"/>
       </p:ext>
     </p:extLst>
   </p:cSld>
@@ -4985,7 +4698,7 @@
 </file>
 
 <file path=ppt/slides/slide12.xml><?xml version="1.0" encoding="utf-8"?>
-<p:sld xmlns:a="http://schemas.openxmlformats.org/drawingml/2006/main" xmlns:r="http://schemas.openxmlformats.org/officeDocument/2006/relationships" xmlns:p="http://schemas.openxmlformats.org/presentationml/2006/main">
+<p:sld xmlns:a="http://schemas.openxmlformats.org/drawingml/2006/main" xmlns:r="http://schemas.openxmlformats.org/officeDocument/2006/relationships" xmlns:p="http://schemas.openxmlformats.org/presentationml/2006/main" show="0">
   <p:cSld>
     <p:spTree>
       <p:nvGrpSpPr>
@@ -5031,10 +4744,465 @@
           </a:prstGeom>
         </p:spPr>
       </p:pic>
+      <p:cxnSp>
+        <p:nvCxnSpPr>
+          <p:cNvPr id="9" name="Straight Arrow Connector 8">
+            <a:extLst>
+              <a:ext uri="{FF2B5EF4-FFF2-40B4-BE49-F238E27FC236}">
+                <a16:creationId xmlns:a16="http://schemas.microsoft.com/office/drawing/2014/main" id="{F129AD86-1D32-3687-7A7C-3D5DBBA4F048}"/>
+              </a:ext>
+            </a:extLst>
+          </p:cNvPr>
+          <p:cNvCxnSpPr>
+            <a:cxnSpLocks/>
+          </p:cNvCxnSpPr>
+          <p:nvPr/>
+        </p:nvCxnSpPr>
+        <p:spPr>
+          <a:xfrm rot="10800000">
+            <a:off x="8362588" y="5166745"/>
+            <a:ext cx="506627" cy="0"/>
+          </a:xfrm>
+          <a:prstGeom prst="straightConnector1">
+            <a:avLst/>
+          </a:prstGeom>
+          <a:ln w="63500">
+            <a:solidFill>
+              <a:srgbClr val="043D4D"/>
+            </a:solidFill>
+            <a:tailEnd type="triangle"/>
+          </a:ln>
+        </p:spPr>
+        <p:style>
+          <a:lnRef idx="1">
+            <a:schemeClr val="accent1"/>
+          </a:lnRef>
+          <a:fillRef idx="0">
+            <a:schemeClr val="accent1"/>
+          </a:fillRef>
+          <a:effectRef idx="0">
+            <a:schemeClr val="accent1"/>
+          </a:effectRef>
+          <a:fontRef idx="minor">
+            <a:schemeClr val="tx1"/>
+          </a:fontRef>
+        </p:style>
+      </p:cxnSp>
+      <p:sp>
+        <p:nvSpPr>
+          <p:cNvPr id="10" name="TextBox 9">
+            <a:extLst>
+              <a:ext uri="{FF2B5EF4-FFF2-40B4-BE49-F238E27FC236}">
+                <a16:creationId xmlns:a16="http://schemas.microsoft.com/office/drawing/2014/main" id="{CF0D38E0-5A9A-8159-FA28-72D3FFC1AB04}"/>
+              </a:ext>
+            </a:extLst>
+          </p:cNvPr>
+          <p:cNvSpPr txBox="1"/>
+          <p:nvPr/>
+        </p:nvSpPr>
+        <p:spPr>
+          <a:xfrm>
+            <a:off x="8995961" y="4151082"/>
+            <a:ext cx="2298357" cy="2031325"/>
+          </a:xfrm>
+          <a:prstGeom prst="rect">
+            <a:avLst/>
+          </a:prstGeom>
+          <a:noFill/>
+        </p:spPr>
+        <p:txBody>
+          <a:bodyPr wrap="square" rtlCol="0">
+            <a:spAutoFit/>
+          </a:bodyPr>
+          <a:lstStyle/>
+          <a:p>
+            <a:r>
+              <a:rPr lang="en-US" dirty="0">
+                <a:solidFill>
+                  <a:srgbClr val="043D4D"/>
+                </a:solidFill>
+                <a:latin typeface="Arial" panose="020B0604020202020204" pitchFamily="34" charset="0"/>
+                <a:cs typeface="Arial" panose="020B0604020202020204" pitchFamily="34" charset="0"/>
+              </a:rPr>
+              <a:t>Ordering of sample nodes is set by the first tree in the tree sequence (these are the only nodes with fixed x-axis positions at the start)</a:t>
+            </a:r>
+          </a:p>
+        </p:txBody>
+      </p:sp>
+      <p:cxnSp>
+        <p:nvCxnSpPr>
+          <p:cNvPr id="11" name="Straight Arrow Connector 10">
+            <a:extLst>
+              <a:ext uri="{FF2B5EF4-FFF2-40B4-BE49-F238E27FC236}">
+                <a16:creationId xmlns:a16="http://schemas.microsoft.com/office/drawing/2014/main" id="{402323CE-3900-0F71-22DC-0C1BF6DE958C}"/>
+              </a:ext>
+            </a:extLst>
+          </p:cNvPr>
+          <p:cNvCxnSpPr>
+            <a:cxnSpLocks/>
+          </p:cNvCxnSpPr>
+          <p:nvPr/>
+        </p:nvCxnSpPr>
+        <p:spPr>
+          <a:xfrm>
+            <a:off x="3469945" y="5800284"/>
+            <a:ext cx="506627" cy="0"/>
+          </a:xfrm>
+          <a:prstGeom prst="straightConnector1">
+            <a:avLst/>
+          </a:prstGeom>
+          <a:ln w="63500">
+            <a:solidFill>
+              <a:srgbClr val="043D4D"/>
+            </a:solidFill>
+            <a:tailEnd type="triangle"/>
+          </a:ln>
+        </p:spPr>
+        <p:style>
+          <a:lnRef idx="1">
+            <a:schemeClr val="accent1"/>
+          </a:lnRef>
+          <a:fillRef idx="0">
+            <a:schemeClr val="accent1"/>
+          </a:fillRef>
+          <a:effectRef idx="0">
+            <a:schemeClr val="accent1"/>
+          </a:effectRef>
+          <a:fontRef idx="minor">
+            <a:schemeClr val="tx1"/>
+          </a:fontRef>
+        </p:style>
+      </p:cxnSp>
+      <p:sp>
+        <p:nvSpPr>
+          <p:cNvPr id="12" name="TextBox 11">
+            <a:extLst>
+              <a:ext uri="{FF2B5EF4-FFF2-40B4-BE49-F238E27FC236}">
+                <a16:creationId xmlns:a16="http://schemas.microsoft.com/office/drawing/2014/main" id="{EAA6295F-65C6-92A9-902C-5C0A5324AF3E}"/>
+              </a:ext>
+            </a:extLst>
+          </p:cNvPr>
+          <p:cNvSpPr txBox="1"/>
+          <p:nvPr/>
+        </p:nvSpPr>
+        <p:spPr>
+          <a:xfrm>
+            <a:off x="1135640" y="5200119"/>
+            <a:ext cx="2298357" cy="1200329"/>
+          </a:xfrm>
+          <a:prstGeom prst="rect">
+            <a:avLst/>
+          </a:prstGeom>
+          <a:noFill/>
+        </p:spPr>
+        <p:txBody>
+          <a:bodyPr wrap="square" rtlCol="0">
+            <a:spAutoFit/>
+          </a:bodyPr>
+          <a:lstStyle/>
+          <a:p>
+            <a:r>
+              <a:rPr lang="en-US" dirty="0" err="1">
+                <a:solidFill>
+                  <a:srgbClr val="043D4D"/>
+                </a:solidFill>
+                <a:latin typeface="Arial" panose="020B0604020202020204" pitchFamily="34" charset="0"/>
+                <a:cs typeface="Arial" panose="020B0604020202020204" pitchFamily="34" charset="0"/>
+              </a:rPr>
+              <a:t>Hoverable</a:t>
+            </a:r>
+            <a:r>
+              <a:rPr lang="en-US" dirty="0">
+                <a:solidFill>
+                  <a:srgbClr val="043D4D"/>
+                </a:solidFill>
+                <a:latin typeface="Arial" panose="020B0604020202020204" pitchFamily="34" charset="0"/>
+                <a:cs typeface="Arial" panose="020B0604020202020204" pitchFamily="34" charset="0"/>
+              </a:rPr>
+              <a:t> blocks corresponding to the different trees in the tree sequence</a:t>
+            </a:r>
+          </a:p>
+        </p:txBody>
+      </p:sp>
+      <p:cxnSp>
+        <p:nvCxnSpPr>
+          <p:cNvPr id="15" name="Straight Arrow Connector 14">
+            <a:extLst>
+              <a:ext uri="{FF2B5EF4-FFF2-40B4-BE49-F238E27FC236}">
+                <a16:creationId xmlns:a16="http://schemas.microsoft.com/office/drawing/2014/main" id="{93A076EB-E03D-E5E2-D7C1-523E4AC4346C}"/>
+              </a:ext>
+            </a:extLst>
+          </p:cNvPr>
+          <p:cNvCxnSpPr>
+            <a:cxnSpLocks/>
+          </p:cNvCxnSpPr>
+          <p:nvPr/>
+        </p:nvCxnSpPr>
+        <p:spPr>
+          <a:xfrm rot="10800000">
+            <a:off x="5212644" y="955588"/>
+            <a:ext cx="506627" cy="0"/>
+          </a:xfrm>
+          <a:prstGeom prst="straightConnector1">
+            <a:avLst/>
+          </a:prstGeom>
+          <a:ln w="63500">
+            <a:solidFill>
+              <a:srgbClr val="043D4D"/>
+            </a:solidFill>
+            <a:tailEnd type="triangle"/>
+          </a:ln>
+        </p:spPr>
+        <p:style>
+          <a:lnRef idx="1">
+            <a:schemeClr val="accent1"/>
+          </a:lnRef>
+          <a:fillRef idx="0">
+            <a:schemeClr val="accent1"/>
+          </a:fillRef>
+          <a:effectRef idx="0">
+            <a:schemeClr val="accent1"/>
+          </a:effectRef>
+          <a:fontRef idx="minor">
+            <a:schemeClr val="tx1"/>
+          </a:fontRef>
+        </p:style>
+      </p:cxnSp>
+      <p:sp>
+        <p:nvSpPr>
+          <p:cNvPr id="16" name="TextBox 15">
+            <a:extLst>
+              <a:ext uri="{FF2B5EF4-FFF2-40B4-BE49-F238E27FC236}">
+                <a16:creationId xmlns:a16="http://schemas.microsoft.com/office/drawing/2014/main" id="{03BF55EC-9CD8-5613-5957-41A0769E02F2}"/>
+              </a:ext>
+            </a:extLst>
+          </p:cNvPr>
+          <p:cNvSpPr txBox="1"/>
+          <p:nvPr/>
+        </p:nvSpPr>
+        <p:spPr>
+          <a:xfrm>
+            <a:off x="5902565" y="216923"/>
+            <a:ext cx="3235500" cy="1477328"/>
+          </a:xfrm>
+          <a:prstGeom prst="rect">
+            <a:avLst/>
+          </a:prstGeom>
+          <a:noFill/>
+        </p:spPr>
+        <p:txBody>
+          <a:bodyPr wrap="square" rtlCol="0">
+            <a:spAutoFit/>
+          </a:bodyPr>
+          <a:lstStyle/>
+          <a:p>
+            <a:r>
+              <a:rPr lang="en-US" dirty="0">
+                <a:solidFill>
+                  <a:srgbClr val="043D4D"/>
+                </a:solidFill>
+                <a:latin typeface="Arial" panose="020B0604020202020204" pitchFamily="34" charset="0"/>
+                <a:cs typeface="Arial" panose="020B0604020202020204" pitchFamily="34" charset="0"/>
+              </a:rPr>
+              <a:t>JSON object is updated as the simulation runs, which means this can be copied, giving user’s the ability to replicate figures</a:t>
+            </a:r>
+          </a:p>
+        </p:txBody>
+      </p:sp>
+      <p:cxnSp>
+        <p:nvCxnSpPr>
+          <p:cNvPr id="17" name="Straight Arrow Connector 16">
+            <a:extLst>
+              <a:ext uri="{FF2B5EF4-FFF2-40B4-BE49-F238E27FC236}">
+                <a16:creationId xmlns:a16="http://schemas.microsoft.com/office/drawing/2014/main" id="{9047F1FF-3949-5492-6AFD-6E6A60B5ADC0}"/>
+              </a:ext>
+            </a:extLst>
+          </p:cNvPr>
+          <p:cNvCxnSpPr>
+            <a:cxnSpLocks/>
+          </p:cNvCxnSpPr>
+          <p:nvPr/>
+        </p:nvCxnSpPr>
+        <p:spPr>
+          <a:xfrm>
+            <a:off x="3053934" y="1170619"/>
+            <a:ext cx="506627" cy="0"/>
+          </a:xfrm>
+          <a:prstGeom prst="straightConnector1">
+            <a:avLst/>
+          </a:prstGeom>
+          <a:ln w="63500">
+            <a:solidFill>
+              <a:srgbClr val="043D4D"/>
+            </a:solidFill>
+            <a:tailEnd type="triangle"/>
+          </a:ln>
+        </p:spPr>
+        <p:style>
+          <a:lnRef idx="1">
+            <a:schemeClr val="accent1"/>
+          </a:lnRef>
+          <a:fillRef idx="0">
+            <a:schemeClr val="accent1"/>
+          </a:fillRef>
+          <a:effectRef idx="0">
+            <a:schemeClr val="accent1"/>
+          </a:effectRef>
+          <a:fontRef idx="minor">
+            <a:schemeClr val="tx1"/>
+          </a:fontRef>
+        </p:style>
+      </p:cxnSp>
+      <p:sp>
+        <p:nvSpPr>
+          <p:cNvPr id="18" name="TextBox 17">
+            <a:extLst>
+              <a:ext uri="{FF2B5EF4-FFF2-40B4-BE49-F238E27FC236}">
+                <a16:creationId xmlns:a16="http://schemas.microsoft.com/office/drawing/2014/main" id="{AE326D61-D68A-69C6-8CAD-3F9087B251E0}"/>
+              </a:ext>
+            </a:extLst>
+          </p:cNvPr>
+          <p:cNvSpPr txBox="1"/>
+          <p:nvPr/>
+        </p:nvSpPr>
+        <p:spPr>
+          <a:xfrm>
+            <a:off x="755577" y="570454"/>
+            <a:ext cx="2298357" cy="2308324"/>
+          </a:xfrm>
+          <a:prstGeom prst="rect">
+            <a:avLst/>
+          </a:prstGeom>
+          <a:noFill/>
+        </p:spPr>
+        <p:txBody>
+          <a:bodyPr wrap="square" rtlCol="0">
+            <a:spAutoFit/>
+          </a:bodyPr>
+          <a:lstStyle/>
+          <a:p>
+            <a:r>
+              <a:rPr lang="en-US" dirty="0">
+                <a:solidFill>
+                  <a:srgbClr val="043D4D"/>
+                </a:solidFill>
+                <a:latin typeface="Arial" panose="020B0604020202020204" pitchFamily="34" charset="0"/>
+                <a:cs typeface="Arial" panose="020B0604020202020204" pitchFamily="34" charset="0"/>
+              </a:rPr>
+              <a:t>EXPERIMENTAL: a node’s position becomes fixed after dragging, this unfixes the x-axis positions of all nodes except the samples</a:t>
+            </a:r>
+          </a:p>
+        </p:txBody>
+      </p:sp>
+      <p:cxnSp>
+        <p:nvCxnSpPr>
+          <p:cNvPr id="20" name="Straight Arrow Connector 19">
+            <a:extLst>
+              <a:ext uri="{FF2B5EF4-FFF2-40B4-BE49-F238E27FC236}">
+                <a16:creationId xmlns:a16="http://schemas.microsoft.com/office/drawing/2014/main" id="{8A4D5C1C-806C-8444-9212-9099145AAE48}"/>
+              </a:ext>
+            </a:extLst>
+          </p:cNvPr>
+          <p:cNvCxnSpPr>
+            <a:cxnSpLocks/>
+          </p:cNvCxnSpPr>
+          <p:nvPr/>
+        </p:nvCxnSpPr>
+        <p:spPr>
+          <a:xfrm>
+            <a:off x="3090760" y="3440130"/>
+            <a:ext cx="506627" cy="0"/>
+          </a:xfrm>
+          <a:prstGeom prst="straightConnector1">
+            <a:avLst/>
+          </a:prstGeom>
+          <a:ln w="63500">
+            <a:solidFill>
+              <a:srgbClr val="043D4D"/>
+            </a:solidFill>
+            <a:tailEnd type="triangle"/>
+          </a:ln>
+        </p:spPr>
+        <p:style>
+          <a:lnRef idx="1">
+            <a:schemeClr val="accent1"/>
+          </a:lnRef>
+          <a:fillRef idx="0">
+            <a:schemeClr val="accent1"/>
+          </a:fillRef>
+          <a:effectRef idx="0">
+            <a:schemeClr val="accent1"/>
+          </a:effectRef>
+          <a:fontRef idx="minor">
+            <a:schemeClr val="tx1"/>
+          </a:fontRef>
+        </p:style>
+      </p:cxnSp>
+      <p:sp>
+        <p:nvSpPr>
+          <p:cNvPr id="21" name="TextBox 20">
+            <a:extLst>
+              <a:ext uri="{FF2B5EF4-FFF2-40B4-BE49-F238E27FC236}">
+                <a16:creationId xmlns:a16="http://schemas.microsoft.com/office/drawing/2014/main" id="{4F5AD698-FD2F-9E42-9360-7983630F5F03}"/>
+              </a:ext>
+            </a:extLst>
+          </p:cNvPr>
+          <p:cNvSpPr txBox="1"/>
+          <p:nvPr/>
+        </p:nvSpPr>
+        <p:spPr>
+          <a:xfrm>
+            <a:off x="755577" y="2701466"/>
+            <a:ext cx="2298357" cy="1477328"/>
+          </a:xfrm>
+          <a:prstGeom prst="rect">
+            <a:avLst/>
+          </a:prstGeom>
+          <a:noFill/>
+        </p:spPr>
+        <p:txBody>
+          <a:bodyPr wrap="square" rtlCol="0">
+            <a:spAutoFit/>
+          </a:bodyPr>
+          <a:lstStyle/>
+          <a:p>
+            <a:r>
+              <a:rPr lang="en-US" dirty="0">
+                <a:solidFill>
+                  <a:srgbClr val="043D4D"/>
+                </a:solidFill>
+                <a:latin typeface="Arial" panose="020B0604020202020204" pitchFamily="34" charset="0"/>
+                <a:cs typeface="Arial" panose="020B0604020202020204" pitchFamily="34" charset="0"/>
+              </a:rPr>
+              <a:t>Three options for the y-axis scale: rank, time, and </a:t>
+            </a:r>
+            <a:r>
+              <a:rPr lang="en-US" dirty="0" err="1">
+                <a:solidFill>
+                  <a:srgbClr val="043D4D"/>
+                </a:solidFill>
+                <a:latin typeface="Arial" panose="020B0604020202020204" pitchFamily="34" charset="0"/>
+                <a:cs typeface="Arial" panose="020B0604020202020204" pitchFamily="34" charset="0"/>
+              </a:rPr>
+              <a:t>log_time</a:t>
+            </a:r>
+            <a:r>
+              <a:rPr lang="en-US" dirty="0">
+                <a:solidFill>
+                  <a:srgbClr val="043D4D"/>
+                </a:solidFill>
+                <a:latin typeface="Arial" panose="020B0604020202020204" pitchFamily="34" charset="0"/>
+                <a:cs typeface="Arial" panose="020B0604020202020204" pitchFamily="34" charset="0"/>
+              </a:rPr>
+              <a:t> (all nodes have fixed y-axis positions)</a:t>
+            </a:r>
+          </a:p>
+        </p:txBody>
+      </p:sp>
     </p:spTree>
     <p:extLst>
       <p:ext uri="{BB962C8B-B14F-4D97-AF65-F5344CB8AC3E}">
-        <p14:creationId xmlns:p14="http://schemas.microsoft.com/office/powerpoint/2010/main" val="3253373374"/>
+        <p14:creationId xmlns:p14="http://schemas.microsoft.com/office/powerpoint/2010/main" val="3755420000"/>
       </p:ext>
     </p:extLst>
   </p:cSld>
@@ -5091,112 +5259,10 @@
           </a:prstGeom>
         </p:spPr>
       </p:pic>
-      <p:sp>
-        <p:nvSpPr>
-          <p:cNvPr id="2" name="TextBox 1">
-            <a:extLst>
-              <a:ext uri="{FF2B5EF4-FFF2-40B4-BE49-F238E27FC236}">
-                <a16:creationId xmlns:a16="http://schemas.microsoft.com/office/drawing/2014/main" id="{019077C8-F32E-0594-97E8-BF9A2E4D57E0}"/>
-              </a:ext>
-            </a:extLst>
-          </p:cNvPr>
-          <p:cNvSpPr txBox="1"/>
-          <p:nvPr/>
-        </p:nvSpPr>
-        <p:spPr>
-          <a:xfrm>
-            <a:off x="736551" y="2967334"/>
-            <a:ext cx="2298357" cy="923330"/>
-          </a:xfrm>
-          <a:prstGeom prst="rect">
-            <a:avLst/>
-          </a:prstGeom>
-          <a:noFill/>
-        </p:spPr>
-        <p:txBody>
-          <a:bodyPr wrap="square" rtlCol="0">
-            <a:spAutoFit/>
-          </a:bodyPr>
-          <a:lstStyle/>
-          <a:p>
-            <a:r>
-              <a:rPr lang="en-US" dirty="0">
-                <a:solidFill>
-                  <a:srgbClr val="043D4D"/>
-                </a:solidFill>
-                <a:latin typeface="Arial" panose="020B0604020202020204" pitchFamily="34" charset="0"/>
-                <a:cs typeface="Arial" panose="020B0604020202020204" pitchFamily="34" charset="0"/>
-              </a:rPr>
-              <a:t>Three options for the y-axis scale: rank, time, and </a:t>
-            </a:r>
-            <a:r>
-              <a:rPr lang="en-US" dirty="0" err="1">
-                <a:solidFill>
-                  <a:srgbClr val="043D4D"/>
-                </a:solidFill>
-                <a:latin typeface="Arial" panose="020B0604020202020204" pitchFamily="34" charset="0"/>
-                <a:cs typeface="Arial" panose="020B0604020202020204" pitchFamily="34" charset="0"/>
-              </a:rPr>
-              <a:t>log_time</a:t>
-            </a:r>
-            <a:endParaRPr lang="en-US" dirty="0">
-              <a:solidFill>
-                <a:srgbClr val="043D4D"/>
-              </a:solidFill>
-              <a:latin typeface="Arial" panose="020B0604020202020204" pitchFamily="34" charset="0"/>
-              <a:cs typeface="Arial" panose="020B0604020202020204" pitchFamily="34" charset="0"/>
-            </a:endParaRPr>
-          </a:p>
-        </p:txBody>
-      </p:sp>
-      <p:cxnSp>
-        <p:nvCxnSpPr>
-          <p:cNvPr id="3" name="Straight Arrow Connector 2">
-            <a:extLst>
-              <a:ext uri="{FF2B5EF4-FFF2-40B4-BE49-F238E27FC236}">
-                <a16:creationId xmlns:a16="http://schemas.microsoft.com/office/drawing/2014/main" id="{A7EF5928-919C-4C99-9350-45EB89824C5C}"/>
-              </a:ext>
-            </a:extLst>
-          </p:cNvPr>
-          <p:cNvCxnSpPr>
-            <a:cxnSpLocks/>
-          </p:cNvCxnSpPr>
-          <p:nvPr/>
-        </p:nvCxnSpPr>
-        <p:spPr>
-          <a:xfrm>
-            <a:off x="3090760" y="3440130"/>
-            <a:ext cx="506627" cy="0"/>
-          </a:xfrm>
-          <a:prstGeom prst="straightConnector1">
-            <a:avLst/>
-          </a:prstGeom>
-          <a:ln w="63500">
-            <a:solidFill>
-              <a:srgbClr val="043D4D"/>
-            </a:solidFill>
-            <a:tailEnd type="triangle"/>
-          </a:ln>
-        </p:spPr>
-        <p:style>
-          <a:lnRef idx="1">
-            <a:schemeClr val="accent1"/>
-          </a:lnRef>
-          <a:fillRef idx="0">
-            <a:schemeClr val="accent1"/>
-          </a:fillRef>
-          <a:effectRef idx="0">
-            <a:schemeClr val="accent1"/>
-          </a:effectRef>
-          <a:fontRef idx="minor">
-            <a:schemeClr val="tx1"/>
-          </a:fontRef>
-        </p:style>
-      </p:cxnSp>
     </p:spTree>
     <p:extLst>
       <p:ext uri="{BB962C8B-B14F-4D97-AF65-F5344CB8AC3E}">
-        <p14:creationId xmlns:p14="http://schemas.microsoft.com/office/powerpoint/2010/main" val="175854428"/>
+        <p14:creationId xmlns:p14="http://schemas.microsoft.com/office/powerpoint/2010/main" val="3253373374"/>
       </p:ext>
     </p:extLst>
   </p:cSld>
@@ -5267,8 +5333,8 @@
         </p:nvSpPr>
         <p:spPr>
           <a:xfrm>
-            <a:off x="812356" y="3694269"/>
-            <a:ext cx="2315929" cy="923330"/>
+            <a:off x="736551" y="2967334"/>
+            <a:ext cx="2298357" cy="923330"/>
           </a:xfrm>
           <a:prstGeom prst="rect">
             <a:avLst/>
@@ -5289,8 +5355,25 @@
                 <a:latin typeface="Arial" panose="020B0604020202020204" pitchFamily="34" charset="0"/>
                 <a:cs typeface="Arial" panose="020B0604020202020204" pitchFamily="34" charset="0"/>
               </a:rPr>
-              <a:t>Corresponding recombination nodes have been merged</a:t>
-            </a:r>
+              <a:t>Three options for the y-axis scale: rank, time, and </a:t>
+            </a:r>
+            <a:r>
+              <a:rPr lang="en-US" dirty="0" err="1">
+                <a:solidFill>
+                  <a:srgbClr val="043D4D"/>
+                </a:solidFill>
+                <a:latin typeface="Arial" panose="020B0604020202020204" pitchFamily="34" charset="0"/>
+                <a:cs typeface="Arial" panose="020B0604020202020204" pitchFamily="34" charset="0"/>
+              </a:rPr>
+              <a:t>log_time</a:t>
+            </a:r>
+            <a:endParaRPr lang="en-US" dirty="0">
+              <a:solidFill>
+                <a:srgbClr val="043D4D"/>
+              </a:solidFill>
+              <a:latin typeface="Arial" panose="020B0604020202020204" pitchFamily="34" charset="0"/>
+              <a:cs typeface="Arial" panose="020B0604020202020204" pitchFamily="34" charset="0"/>
+            </a:endParaRPr>
           </a:p>
         </p:txBody>
       </p:sp>
@@ -5310,8 +5393,8 @@
         </p:nvCxnSpPr>
         <p:spPr>
           <a:xfrm>
-            <a:off x="3303270" y="4155934"/>
-            <a:ext cx="1025637" cy="0"/>
+            <a:off x="3090760" y="3440130"/>
+            <a:ext cx="506627" cy="0"/>
           </a:xfrm>
           <a:prstGeom prst="straightConnector1">
             <a:avLst/>
@@ -5341,7 +5424,7 @@
     </p:spTree>
     <p:extLst>
       <p:ext uri="{BB962C8B-B14F-4D97-AF65-F5344CB8AC3E}">
-        <p14:creationId xmlns:p14="http://schemas.microsoft.com/office/powerpoint/2010/main" val="2300527140"/>
+        <p14:creationId xmlns:p14="http://schemas.microsoft.com/office/powerpoint/2010/main" val="175854428"/>
       </p:ext>
     </p:extLst>
   </p:cSld>
@@ -5400,10 +5483,10 @@
       </p:pic>
       <p:sp>
         <p:nvSpPr>
-          <p:cNvPr id="10" name="TextBox 9">
-            <a:extLst>
-              <a:ext uri="{FF2B5EF4-FFF2-40B4-BE49-F238E27FC236}">
-                <a16:creationId xmlns:a16="http://schemas.microsoft.com/office/drawing/2014/main" id="{CF0D38E0-5A9A-8159-FA28-72D3FFC1AB04}"/>
+          <p:cNvPr id="2" name="TextBox 1">
+            <a:extLst>
+              <a:ext uri="{FF2B5EF4-FFF2-40B4-BE49-F238E27FC236}">
+                <a16:creationId xmlns:a16="http://schemas.microsoft.com/office/drawing/2014/main" id="{019077C8-F32E-0594-97E8-BF9A2E4D57E0}"/>
               </a:ext>
             </a:extLst>
           </p:cNvPr>
@@ -5412,8 +5495,8 @@
         </p:nvSpPr>
         <p:spPr>
           <a:xfrm>
-            <a:off x="8407401" y="2078581"/>
-            <a:ext cx="3052018" cy="1477328"/>
+            <a:off x="812356" y="3694269"/>
+            <a:ext cx="2315929" cy="923330"/>
           </a:xfrm>
           <a:prstGeom prst="rect">
             <a:avLst/>
@@ -5434,37 +5517,17 @@
                 <a:latin typeface="Arial" panose="020B0604020202020204" pitchFamily="34" charset="0"/>
                 <a:cs typeface="Arial" panose="020B0604020202020204" pitchFamily="34" charset="0"/>
               </a:rPr>
-              <a:t>With `</a:t>
-            </a:r>
-            <a:r>
-              <a:rPr lang="en-US" dirty="0" err="1">
-                <a:solidFill>
-                  <a:srgbClr val="043D4D"/>
-                </a:solidFill>
-                <a:latin typeface="Arial" panose="020B0604020202020204" pitchFamily="34" charset="0"/>
-                <a:cs typeface="Arial" panose="020B0604020202020204" pitchFamily="34" charset="0"/>
-              </a:rPr>
-              <a:t>edge_type</a:t>
-            </a:r>
-            <a:r>
-              <a:rPr lang="en-US" dirty="0">
-                <a:solidFill>
-                  <a:srgbClr val="043D4D"/>
-                </a:solidFill>
-                <a:latin typeface="Arial" panose="020B0604020202020204" pitchFamily="34" charset="0"/>
-                <a:cs typeface="Arial" panose="020B0604020202020204" pitchFamily="34" charset="0"/>
-              </a:rPr>
-              <a:t>=“ortho”`, the visualizer uses the flags of the source and target nodes to set the pathing rules</a:t>
+              <a:t>Corresponding recombination nodes have been merged</a:t>
             </a:r>
           </a:p>
         </p:txBody>
       </p:sp>
       <p:cxnSp>
         <p:nvCxnSpPr>
-          <p:cNvPr id="2" name="Straight Arrow Connector 1">
-            <a:extLst>
-              <a:ext uri="{FF2B5EF4-FFF2-40B4-BE49-F238E27FC236}">
-                <a16:creationId xmlns:a16="http://schemas.microsoft.com/office/drawing/2014/main" id="{FCC53BCE-08B4-0BFE-738F-56BAE2CAE5FE}"/>
+          <p:cNvPr id="3" name="Straight Arrow Connector 2">
+            <a:extLst>
+              <a:ext uri="{FF2B5EF4-FFF2-40B4-BE49-F238E27FC236}">
+                <a16:creationId xmlns:a16="http://schemas.microsoft.com/office/drawing/2014/main" id="{A7EF5928-919C-4C99-9350-45EB89824C5C}"/>
               </a:ext>
             </a:extLst>
           </p:cNvPr>
@@ -5474,9 +5537,9 @@
           <p:nvPr/>
         </p:nvCxnSpPr>
         <p:spPr>
-          <a:xfrm rot="10800000">
-            <a:off x="7748374" y="2817245"/>
-            <a:ext cx="506627" cy="0"/>
+          <a:xfrm>
+            <a:off x="3303270" y="4155934"/>
+            <a:ext cx="1025637" cy="0"/>
           </a:xfrm>
           <a:prstGeom prst="straightConnector1">
             <a:avLst/>
@@ -5503,129 +5566,10 @@
           </a:fontRef>
         </p:style>
       </p:cxnSp>
-      <p:sp>
-        <p:nvSpPr>
-          <p:cNvPr id="3" name="TextBox 2">
-            <a:extLst>
-              <a:ext uri="{FF2B5EF4-FFF2-40B4-BE49-F238E27FC236}">
-                <a16:creationId xmlns:a16="http://schemas.microsoft.com/office/drawing/2014/main" id="{48C29319-95E1-1F22-2D71-1A2DDB43AF1F}"/>
-              </a:ext>
-            </a:extLst>
-          </p:cNvPr>
-          <p:cNvSpPr txBox="1"/>
-          <p:nvPr/>
-        </p:nvSpPr>
-        <p:spPr>
-          <a:xfrm>
-            <a:off x="6425184" y="6550223"/>
-            <a:ext cx="5766816" cy="307777"/>
-          </a:xfrm>
-          <a:prstGeom prst="rect">
-            <a:avLst/>
-          </a:prstGeom>
-          <a:noFill/>
-        </p:spPr>
-        <p:txBody>
-          <a:bodyPr wrap="square">
-            <a:spAutoFit/>
-          </a:bodyPr>
-          <a:lstStyle/>
-          <a:p>
-            <a:pPr algn="r"/>
-            <a:r>
-              <a:rPr lang="en-US" sz="1400" dirty="0">
-                <a:solidFill>
-                  <a:srgbClr val="043D4D"/>
-                </a:solidFill>
-                <a:latin typeface="Arial" panose="020B0604020202020204" pitchFamily="34" charset="0"/>
-                <a:cs typeface="Arial" panose="020B0604020202020204" pitchFamily="34" charset="0"/>
-              </a:rPr>
-              <a:t>https://</a:t>
-            </a:r>
-            <a:r>
-              <a:rPr lang="en-US" sz="1400" dirty="0" err="1">
-                <a:solidFill>
-                  <a:srgbClr val="043D4D"/>
-                </a:solidFill>
-                <a:latin typeface="Arial" panose="020B0604020202020204" pitchFamily="34" charset="0"/>
-                <a:cs typeface="Arial" panose="020B0604020202020204" pitchFamily="34" charset="0"/>
-              </a:rPr>
-              <a:t>github.com</a:t>
-            </a:r>
-            <a:r>
-              <a:rPr lang="en-US" sz="1400" dirty="0">
-                <a:solidFill>
-                  <a:srgbClr val="043D4D"/>
-                </a:solidFill>
-                <a:latin typeface="Arial" panose="020B0604020202020204" pitchFamily="34" charset="0"/>
-                <a:cs typeface="Arial" panose="020B0604020202020204" pitchFamily="34" charset="0"/>
-              </a:rPr>
-              <a:t>/</a:t>
-            </a:r>
-            <a:r>
-              <a:rPr lang="en-US" sz="1400" dirty="0" err="1">
-                <a:solidFill>
-                  <a:srgbClr val="043D4D"/>
-                </a:solidFill>
-                <a:latin typeface="Arial" panose="020B0604020202020204" pitchFamily="34" charset="0"/>
-                <a:cs typeface="Arial" panose="020B0604020202020204" pitchFamily="34" charset="0"/>
-              </a:rPr>
-              <a:t>kitchensjn</a:t>
-            </a:r>
-            <a:r>
-              <a:rPr lang="en-US" sz="1400" dirty="0">
-                <a:solidFill>
-                  <a:srgbClr val="043D4D"/>
-                </a:solidFill>
-                <a:latin typeface="Arial" panose="020B0604020202020204" pitchFamily="34" charset="0"/>
-                <a:cs typeface="Arial" panose="020B0604020202020204" pitchFamily="34" charset="0"/>
-              </a:rPr>
-              <a:t>/</a:t>
-            </a:r>
-            <a:r>
-              <a:rPr lang="en-US" sz="1400" dirty="0" err="1">
-                <a:solidFill>
-                  <a:srgbClr val="043D4D"/>
-                </a:solidFill>
-                <a:latin typeface="Arial" panose="020B0604020202020204" pitchFamily="34" charset="0"/>
-                <a:cs typeface="Arial" panose="020B0604020202020204" pitchFamily="34" charset="0"/>
-              </a:rPr>
-              <a:t>tskit_arg_visualizer</a:t>
-            </a:r>
-            <a:r>
-              <a:rPr lang="en-US" sz="1400" dirty="0">
-                <a:solidFill>
-                  <a:srgbClr val="043D4D"/>
-                </a:solidFill>
-                <a:latin typeface="Arial" panose="020B0604020202020204" pitchFamily="34" charset="0"/>
-                <a:cs typeface="Arial" panose="020B0604020202020204" pitchFamily="34" charset="0"/>
-              </a:rPr>
-              <a:t>/blob/main/</a:t>
-            </a:r>
-            <a:r>
-              <a:rPr lang="en-US" sz="1400" dirty="0" err="1">
-                <a:solidFill>
-                  <a:srgbClr val="043D4D"/>
-                </a:solidFill>
-                <a:latin typeface="Arial" panose="020B0604020202020204" pitchFamily="34" charset="0"/>
-                <a:cs typeface="Arial" panose="020B0604020202020204" pitchFamily="34" charset="0"/>
-              </a:rPr>
-              <a:t>pathing.md</a:t>
-            </a:r>
-            <a:endParaRPr lang="en-US" sz="1400" dirty="0">
-              <a:solidFill>
-                <a:srgbClr val="043D4D"/>
-              </a:solidFill>
-              <a:latin typeface="Arial" panose="020B0604020202020204" pitchFamily="34" charset="0"/>
-              <a:cs typeface="Arial" panose="020B0604020202020204" pitchFamily="34" charset="0"/>
-            </a:endParaRPr>
-          </a:p>
-        </p:txBody>
-      </p:sp>
     </p:spTree>
     <p:extLst>
       <p:ext uri="{BB962C8B-B14F-4D97-AF65-F5344CB8AC3E}">
-        <p14:creationId xmlns:p14="http://schemas.microsoft.com/office/powerpoint/2010/main" val="3760029924"/>
+        <p14:creationId xmlns:p14="http://schemas.microsoft.com/office/powerpoint/2010/main" val="2300527140"/>
       </p:ext>
     </p:extLst>
   </p:cSld>
@@ -5682,12 +5626,73 @@
           </a:prstGeom>
         </p:spPr>
       </p:pic>
+      <p:sp>
+        <p:nvSpPr>
+          <p:cNvPr id="10" name="TextBox 9">
+            <a:extLst>
+              <a:ext uri="{FF2B5EF4-FFF2-40B4-BE49-F238E27FC236}">
+                <a16:creationId xmlns:a16="http://schemas.microsoft.com/office/drawing/2014/main" id="{CF0D38E0-5A9A-8159-FA28-72D3FFC1AB04}"/>
+              </a:ext>
+            </a:extLst>
+          </p:cNvPr>
+          <p:cNvSpPr txBox="1"/>
+          <p:nvPr/>
+        </p:nvSpPr>
+        <p:spPr>
+          <a:xfrm>
+            <a:off x="8407401" y="2078581"/>
+            <a:ext cx="3052018" cy="1477328"/>
+          </a:xfrm>
+          <a:prstGeom prst="rect">
+            <a:avLst/>
+          </a:prstGeom>
+          <a:noFill/>
+        </p:spPr>
+        <p:txBody>
+          <a:bodyPr wrap="square" rtlCol="0">
+            <a:spAutoFit/>
+          </a:bodyPr>
+          <a:lstStyle/>
+          <a:p>
+            <a:r>
+              <a:rPr lang="en-US" dirty="0">
+                <a:solidFill>
+                  <a:srgbClr val="043D4D"/>
+                </a:solidFill>
+                <a:latin typeface="Arial" panose="020B0604020202020204" pitchFamily="34" charset="0"/>
+                <a:cs typeface="Arial" panose="020B0604020202020204" pitchFamily="34" charset="0"/>
+              </a:rPr>
+              <a:t>With `</a:t>
+            </a:r>
+            <a:r>
+              <a:rPr lang="en-US" dirty="0" err="1">
+                <a:solidFill>
+                  <a:srgbClr val="043D4D"/>
+                </a:solidFill>
+                <a:latin typeface="Arial" panose="020B0604020202020204" pitchFamily="34" charset="0"/>
+                <a:cs typeface="Arial" panose="020B0604020202020204" pitchFamily="34" charset="0"/>
+              </a:rPr>
+              <a:t>edge_type</a:t>
+            </a:r>
+            <a:r>
+              <a:rPr lang="en-US" dirty="0">
+                <a:solidFill>
+                  <a:srgbClr val="043D4D"/>
+                </a:solidFill>
+                <a:latin typeface="Arial" panose="020B0604020202020204" pitchFamily="34" charset="0"/>
+                <a:cs typeface="Arial" panose="020B0604020202020204" pitchFamily="34" charset="0"/>
+              </a:rPr>
+              <a:t>=“ortho”`, the visualizer uses the flags of the source and target nodes to set the pathing rules</a:t>
+            </a:r>
+          </a:p>
+        </p:txBody>
+      </p:sp>
       <p:cxnSp>
         <p:nvCxnSpPr>
-          <p:cNvPr id="9" name="Straight Arrow Connector 8">
-            <a:extLst>
-              <a:ext uri="{FF2B5EF4-FFF2-40B4-BE49-F238E27FC236}">
-                <a16:creationId xmlns:a16="http://schemas.microsoft.com/office/drawing/2014/main" id="{F129AD86-1D32-3687-7A7C-3D5DBBA4F048}"/>
+          <p:cNvPr id="2" name="Straight Arrow Connector 1">
+            <a:extLst>
+              <a:ext uri="{FF2B5EF4-FFF2-40B4-BE49-F238E27FC236}">
+                <a16:creationId xmlns:a16="http://schemas.microsoft.com/office/drawing/2014/main" id="{FCC53BCE-08B4-0BFE-738F-56BAE2CAE5FE}"/>
               </a:ext>
             </a:extLst>
           </p:cNvPr>
@@ -5698,7 +5703,7 @@
         </p:nvCxnSpPr>
         <p:spPr>
           <a:xfrm rot="10800000">
-            <a:off x="8362588" y="5166745"/>
+            <a:off x="7748374" y="2817245"/>
             <a:ext cx="506627" cy="0"/>
           </a:xfrm>
           <a:prstGeom prst="straightConnector1">
@@ -5728,10 +5733,10 @@
       </p:cxnSp>
       <p:sp>
         <p:nvSpPr>
-          <p:cNvPr id="10" name="TextBox 9">
-            <a:extLst>
-              <a:ext uri="{FF2B5EF4-FFF2-40B4-BE49-F238E27FC236}">
-                <a16:creationId xmlns:a16="http://schemas.microsoft.com/office/drawing/2014/main" id="{CF0D38E0-5A9A-8159-FA28-72D3FFC1AB04}"/>
+          <p:cNvPr id="3" name="TextBox 2">
+            <a:extLst>
+              <a:ext uri="{FF2B5EF4-FFF2-40B4-BE49-F238E27FC236}">
+                <a16:creationId xmlns:a16="http://schemas.microsoft.com/office/drawing/2014/main" id="{48C29319-95E1-1F22-2D71-1A2DDB43AF1F}"/>
               </a:ext>
             </a:extLst>
           </p:cNvPr>
@@ -5740,8 +5745,8 @@
         </p:nvSpPr>
         <p:spPr>
           <a:xfrm>
-            <a:off x="8995961" y="4151082"/>
-            <a:ext cx="2298357" cy="2031325"/>
+            <a:off x="6425184" y="6550223"/>
+            <a:ext cx="5766816" cy="307777"/>
           </a:xfrm>
           <a:prstGeom prst="rect">
             <a:avLst/>
@@ -5749,28 +5754,106 @@
           <a:noFill/>
         </p:spPr>
         <p:txBody>
-          <a:bodyPr wrap="square" rtlCol="0">
+          <a:bodyPr wrap="square">
             <a:spAutoFit/>
           </a:bodyPr>
           <a:lstStyle/>
           <a:p>
-            <a:r>
-              <a:rPr lang="en-US" dirty="0">
+            <a:pPr algn="r"/>
+            <a:r>
+              <a:rPr lang="en-US" sz="1400" dirty="0">
                 <a:solidFill>
                   <a:srgbClr val="043D4D"/>
                 </a:solidFill>
                 <a:latin typeface="Arial" panose="020B0604020202020204" pitchFamily="34" charset="0"/>
                 <a:cs typeface="Arial" panose="020B0604020202020204" pitchFamily="34" charset="0"/>
               </a:rPr>
-              <a:t>Ordering of sample nodes is set by the first tree in the tree sequence (these are the only nodes with fixed x-axis positions at the start)</a:t>
-            </a:r>
+              <a:t>https://</a:t>
+            </a:r>
+            <a:r>
+              <a:rPr lang="en-US" sz="1400" dirty="0" err="1">
+                <a:solidFill>
+                  <a:srgbClr val="043D4D"/>
+                </a:solidFill>
+                <a:latin typeface="Arial" panose="020B0604020202020204" pitchFamily="34" charset="0"/>
+                <a:cs typeface="Arial" panose="020B0604020202020204" pitchFamily="34" charset="0"/>
+              </a:rPr>
+              <a:t>github.com</a:t>
+            </a:r>
+            <a:r>
+              <a:rPr lang="en-US" sz="1400" dirty="0">
+                <a:solidFill>
+                  <a:srgbClr val="043D4D"/>
+                </a:solidFill>
+                <a:latin typeface="Arial" panose="020B0604020202020204" pitchFamily="34" charset="0"/>
+                <a:cs typeface="Arial" panose="020B0604020202020204" pitchFamily="34" charset="0"/>
+              </a:rPr>
+              <a:t>/</a:t>
+            </a:r>
+            <a:r>
+              <a:rPr lang="en-US" sz="1400" dirty="0" err="1">
+                <a:solidFill>
+                  <a:srgbClr val="043D4D"/>
+                </a:solidFill>
+                <a:latin typeface="Arial" panose="020B0604020202020204" pitchFamily="34" charset="0"/>
+                <a:cs typeface="Arial" panose="020B0604020202020204" pitchFamily="34" charset="0"/>
+              </a:rPr>
+              <a:t>kitchensjn</a:t>
+            </a:r>
+            <a:r>
+              <a:rPr lang="en-US" sz="1400" dirty="0">
+                <a:solidFill>
+                  <a:srgbClr val="043D4D"/>
+                </a:solidFill>
+                <a:latin typeface="Arial" panose="020B0604020202020204" pitchFamily="34" charset="0"/>
+                <a:cs typeface="Arial" panose="020B0604020202020204" pitchFamily="34" charset="0"/>
+              </a:rPr>
+              <a:t>/</a:t>
+            </a:r>
+            <a:r>
+              <a:rPr lang="en-US" sz="1400" dirty="0" err="1">
+                <a:solidFill>
+                  <a:srgbClr val="043D4D"/>
+                </a:solidFill>
+                <a:latin typeface="Arial" panose="020B0604020202020204" pitchFamily="34" charset="0"/>
+                <a:cs typeface="Arial" panose="020B0604020202020204" pitchFamily="34" charset="0"/>
+              </a:rPr>
+              <a:t>tskit_arg_visualizer</a:t>
+            </a:r>
+            <a:r>
+              <a:rPr lang="en-US" sz="1400" dirty="0">
+                <a:solidFill>
+                  <a:srgbClr val="043D4D"/>
+                </a:solidFill>
+                <a:latin typeface="Arial" panose="020B0604020202020204" pitchFamily="34" charset="0"/>
+                <a:cs typeface="Arial" panose="020B0604020202020204" pitchFamily="34" charset="0"/>
+              </a:rPr>
+              <a:t>/blob/main/</a:t>
+            </a:r>
+            <a:r>
+              <a:rPr lang="en-US" sz="1400" dirty="0" err="1">
+                <a:solidFill>
+                  <a:srgbClr val="043D4D"/>
+                </a:solidFill>
+                <a:latin typeface="Arial" panose="020B0604020202020204" pitchFamily="34" charset="0"/>
+                <a:cs typeface="Arial" panose="020B0604020202020204" pitchFamily="34" charset="0"/>
+              </a:rPr>
+              <a:t>pathing.md</a:t>
+            </a:r>
+            <a:endParaRPr lang="en-US" sz="1400" dirty="0">
+              <a:solidFill>
+                <a:srgbClr val="043D4D"/>
+              </a:solidFill>
+              <a:latin typeface="Arial" panose="020B0604020202020204" pitchFamily="34" charset="0"/>
+              <a:cs typeface="Arial" panose="020B0604020202020204" pitchFamily="34" charset="0"/>
+            </a:endParaRPr>
           </a:p>
         </p:txBody>
       </p:sp>
     </p:spTree>
     <p:extLst>
       <p:ext uri="{BB962C8B-B14F-4D97-AF65-F5344CB8AC3E}">
-        <p14:creationId xmlns:p14="http://schemas.microsoft.com/office/powerpoint/2010/main" val="297343203"/>
+        <p14:creationId xmlns:p14="http://schemas.microsoft.com/office/powerpoint/2010/main" val="3760029924"/>
       </p:ext>
     </p:extLst>
   </p:cSld>
@@ -5827,53 +5910,12 @@
           </a:prstGeom>
         </p:spPr>
       </p:pic>
-      <p:sp>
-        <p:nvSpPr>
-          <p:cNvPr id="10" name="TextBox 9">
-            <a:extLst>
-              <a:ext uri="{FF2B5EF4-FFF2-40B4-BE49-F238E27FC236}">
-                <a16:creationId xmlns:a16="http://schemas.microsoft.com/office/drawing/2014/main" id="{CF0D38E0-5A9A-8159-FA28-72D3FFC1AB04}"/>
-              </a:ext>
-            </a:extLst>
-          </p:cNvPr>
-          <p:cNvSpPr txBox="1"/>
-          <p:nvPr/>
-        </p:nvSpPr>
-        <p:spPr>
-          <a:xfrm>
-            <a:off x="6804201" y="253452"/>
-            <a:ext cx="2747372" cy="1754326"/>
-          </a:xfrm>
-          <a:prstGeom prst="rect">
-            <a:avLst/>
-          </a:prstGeom>
-          <a:noFill/>
-        </p:spPr>
-        <p:txBody>
-          <a:bodyPr wrap="square" rtlCol="0">
-            <a:spAutoFit/>
-          </a:bodyPr>
-          <a:lstStyle/>
-          <a:p>
-            <a:r>
-              <a:rPr lang="en-US" dirty="0">
-                <a:solidFill>
-                  <a:srgbClr val="043D4D"/>
-                </a:solidFill>
-                <a:latin typeface="Arial" panose="020B0604020202020204" pitchFamily="34" charset="0"/>
-                <a:cs typeface="Arial" panose="020B0604020202020204" pitchFamily="34" charset="0"/>
-              </a:rPr>
-              <a:t>All nodes are draggable along the x-axis (nodes have fixed y-axis positions); a node’s position becomes fixed after dragging</a:t>
-            </a:r>
-          </a:p>
-        </p:txBody>
-      </p:sp>
       <p:cxnSp>
         <p:nvCxnSpPr>
-          <p:cNvPr id="2" name="Straight Arrow Connector 1">
-            <a:extLst>
-              <a:ext uri="{FF2B5EF4-FFF2-40B4-BE49-F238E27FC236}">
-                <a16:creationId xmlns:a16="http://schemas.microsoft.com/office/drawing/2014/main" id="{8125081F-7472-3DEB-806E-96B2F2F61F14}"/>
+          <p:cNvPr id="9" name="Straight Arrow Connector 8">
+            <a:extLst>
+              <a:ext uri="{FF2B5EF4-FFF2-40B4-BE49-F238E27FC236}">
+                <a16:creationId xmlns:a16="http://schemas.microsoft.com/office/drawing/2014/main" id="{F129AD86-1D32-3687-7A7C-3D5DBBA4F048}"/>
               </a:ext>
             </a:extLst>
           </p:cNvPr>
@@ -5883,8 +5925,8 @@
           <p:nvPr/>
         </p:nvCxnSpPr>
         <p:spPr>
-          <a:xfrm rot="9000000">
-            <a:off x="6223325" y="1881121"/>
+          <a:xfrm rot="10800000">
+            <a:off x="8362588" y="5166745"/>
             <a:ext cx="506627" cy="0"/>
           </a:xfrm>
           <a:prstGeom prst="straightConnector1">
@@ -5912,46 +5954,51 @@
           </a:fontRef>
         </p:style>
       </p:cxnSp>
-      <p:pic>
-        <p:nvPicPr>
-          <p:cNvPr id="4" name="Graphic 3" descr="Right pointing backhand index with solid fill">
-            <a:extLst>
-              <a:ext uri="{FF2B5EF4-FFF2-40B4-BE49-F238E27FC236}">
-                <a16:creationId xmlns:a16="http://schemas.microsoft.com/office/drawing/2014/main" id="{DDBA9612-5EB4-408F-B239-F2B366788BE5}"/>
-              </a:ext>
-            </a:extLst>
-          </p:cNvPr>
-          <p:cNvPicPr>
-            <a:picLocks noChangeAspect="1"/>
-          </p:cNvPicPr>
+      <p:sp>
+        <p:nvSpPr>
+          <p:cNvPr id="10" name="TextBox 9">
+            <a:extLst>
+              <a:ext uri="{FF2B5EF4-FFF2-40B4-BE49-F238E27FC236}">
+                <a16:creationId xmlns:a16="http://schemas.microsoft.com/office/drawing/2014/main" id="{CF0D38E0-5A9A-8159-FA28-72D3FFC1AB04}"/>
+              </a:ext>
+            </a:extLst>
+          </p:cNvPr>
+          <p:cNvSpPr txBox="1"/>
           <p:nvPr/>
-        </p:nvPicPr>
-        <p:blipFill>
-          <a:blip r:embed="rId3">
-            <a:extLst>
-              <a:ext uri="{96DAC541-7B7A-43D3-8B79-37D633B846F1}">
-                <asvg:svgBlip xmlns:asvg="http://schemas.microsoft.com/office/drawing/2016/SVG/main" r:embed="rId4"/>
-              </a:ext>
-            </a:extLst>
-          </a:blip>
-          <a:stretch>
-            <a:fillRect/>
-          </a:stretch>
-        </p:blipFill>
-        <p:spPr>
-          <a:xfrm rot="15969267">
-            <a:off x="5804926" y="2155337"/>
-            <a:ext cx="400359" cy="400359"/>
+        </p:nvSpPr>
+        <p:spPr>
+          <a:xfrm>
+            <a:off x="8995961" y="4151082"/>
+            <a:ext cx="2298357" cy="2031325"/>
           </a:xfrm>
           <a:prstGeom prst="rect">
             <a:avLst/>
           </a:prstGeom>
-        </p:spPr>
-      </p:pic>
+          <a:noFill/>
+        </p:spPr>
+        <p:txBody>
+          <a:bodyPr wrap="square" rtlCol="0">
+            <a:spAutoFit/>
+          </a:bodyPr>
+          <a:lstStyle/>
+          <a:p>
+            <a:r>
+              <a:rPr lang="en-US" dirty="0">
+                <a:solidFill>
+                  <a:srgbClr val="043D4D"/>
+                </a:solidFill>
+                <a:latin typeface="Arial" panose="020B0604020202020204" pitchFamily="34" charset="0"/>
+                <a:cs typeface="Arial" panose="020B0604020202020204" pitchFamily="34" charset="0"/>
+              </a:rPr>
+              <a:t>Ordering of sample nodes is set by the first tree in the tree sequence (these are the only nodes with fixed x-axis positions at the start)</a:t>
+            </a:r>
+          </a:p>
+        </p:txBody>
+      </p:sp>
     </p:spTree>
     <p:extLst>
       <p:ext uri="{BB962C8B-B14F-4D97-AF65-F5344CB8AC3E}">
-        <p14:creationId xmlns:p14="http://schemas.microsoft.com/office/powerpoint/2010/main" val="1617870256"/>
+        <p14:creationId xmlns:p14="http://schemas.microsoft.com/office/powerpoint/2010/main" val="297343203"/>
       </p:ext>
     </p:extLst>
   </p:cSld>
@@ -6008,12 +6055,53 @@
           </a:prstGeom>
         </p:spPr>
       </p:pic>
+      <p:sp>
+        <p:nvSpPr>
+          <p:cNvPr id="10" name="TextBox 9">
+            <a:extLst>
+              <a:ext uri="{FF2B5EF4-FFF2-40B4-BE49-F238E27FC236}">
+                <a16:creationId xmlns:a16="http://schemas.microsoft.com/office/drawing/2014/main" id="{CF0D38E0-5A9A-8159-FA28-72D3FFC1AB04}"/>
+              </a:ext>
+            </a:extLst>
+          </p:cNvPr>
+          <p:cNvSpPr txBox="1"/>
+          <p:nvPr/>
+        </p:nvSpPr>
+        <p:spPr>
+          <a:xfrm>
+            <a:off x="6804201" y="253452"/>
+            <a:ext cx="2747372" cy="1754326"/>
+          </a:xfrm>
+          <a:prstGeom prst="rect">
+            <a:avLst/>
+          </a:prstGeom>
+          <a:noFill/>
+        </p:spPr>
+        <p:txBody>
+          <a:bodyPr wrap="square" rtlCol="0">
+            <a:spAutoFit/>
+          </a:bodyPr>
+          <a:lstStyle/>
+          <a:p>
+            <a:r>
+              <a:rPr lang="en-US" dirty="0">
+                <a:solidFill>
+                  <a:srgbClr val="043D4D"/>
+                </a:solidFill>
+                <a:latin typeface="Arial" panose="020B0604020202020204" pitchFamily="34" charset="0"/>
+                <a:cs typeface="Arial" panose="020B0604020202020204" pitchFamily="34" charset="0"/>
+              </a:rPr>
+              <a:t>All nodes are draggable along the x-axis (nodes have fixed y-axis positions); a node’s position becomes fixed after dragging</a:t>
+            </a:r>
+          </a:p>
+        </p:txBody>
+      </p:sp>
       <p:cxnSp>
         <p:nvCxnSpPr>
-          <p:cNvPr id="4" name="Straight Arrow Connector 3">
-            <a:extLst>
-              <a:ext uri="{FF2B5EF4-FFF2-40B4-BE49-F238E27FC236}">
-                <a16:creationId xmlns:a16="http://schemas.microsoft.com/office/drawing/2014/main" id="{7FC52C38-F35F-6B46-FD51-3B2A74FE1E5B}"/>
+          <p:cNvPr id="2" name="Straight Arrow Connector 1">
+            <a:extLst>
+              <a:ext uri="{FF2B5EF4-FFF2-40B4-BE49-F238E27FC236}">
+                <a16:creationId xmlns:a16="http://schemas.microsoft.com/office/drawing/2014/main" id="{8125081F-7472-3DEB-806E-96B2F2F61F14}"/>
               </a:ext>
             </a:extLst>
           </p:cNvPr>
@@ -6023,8 +6111,8 @@
           <p:nvPr/>
         </p:nvCxnSpPr>
         <p:spPr>
-          <a:xfrm>
-            <a:off x="3469945" y="5800284"/>
+          <a:xfrm rot="9000000">
+            <a:off x="6223325" y="1881121"/>
             <a:ext cx="506627" cy="0"/>
           </a:xfrm>
           <a:prstGeom prst="straightConnector1">
@@ -6052,61 +6140,46 @@
           </a:fontRef>
         </p:style>
       </p:cxnSp>
-      <p:sp>
-        <p:nvSpPr>
-          <p:cNvPr id="5" name="TextBox 4">
-            <a:extLst>
-              <a:ext uri="{FF2B5EF4-FFF2-40B4-BE49-F238E27FC236}">
-                <a16:creationId xmlns:a16="http://schemas.microsoft.com/office/drawing/2014/main" id="{134118FB-E13B-1278-BC7D-680E352E297D}"/>
-              </a:ext>
-            </a:extLst>
-          </p:cNvPr>
-          <p:cNvSpPr txBox="1"/>
+      <p:pic>
+        <p:nvPicPr>
+          <p:cNvPr id="4" name="Graphic 3" descr="Right pointing backhand index with solid fill">
+            <a:extLst>
+              <a:ext uri="{FF2B5EF4-FFF2-40B4-BE49-F238E27FC236}">
+                <a16:creationId xmlns:a16="http://schemas.microsoft.com/office/drawing/2014/main" id="{DDBA9612-5EB4-408F-B239-F2B366788BE5}"/>
+              </a:ext>
+            </a:extLst>
+          </p:cNvPr>
+          <p:cNvPicPr>
+            <a:picLocks noChangeAspect="1"/>
+          </p:cNvPicPr>
           <p:nvPr/>
-        </p:nvSpPr>
-        <p:spPr>
-          <a:xfrm>
-            <a:off x="1135640" y="5200119"/>
-            <a:ext cx="2298357" cy="1200329"/>
+        </p:nvPicPr>
+        <p:blipFill>
+          <a:blip r:embed="rId3">
+            <a:extLst>
+              <a:ext uri="{96DAC541-7B7A-43D3-8B79-37D633B846F1}">
+                <asvg:svgBlip xmlns:asvg="http://schemas.microsoft.com/office/drawing/2016/SVG/main" r:embed="rId4"/>
+              </a:ext>
+            </a:extLst>
+          </a:blip>
+          <a:stretch>
+            <a:fillRect/>
+          </a:stretch>
+        </p:blipFill>
+        <p:spPr>
+          <a:xfrm rot="15969267">
+            <a:off x="5804926" y="2155337"/>
+            <a:ext cx="400359" cy="400359"/>
           </a:xfrm>
           <a:prstGeom prst="rect">
             <a:avLst/>
           </a:prstGeom>
-          <a:noFill/>
-        </p:spPr>
-        <p:txBody>
-          <a:bodyPr wrap="square" rtlCol="0">
-            <a:spAutoFit/>
-          </a:bodyPr>
-          <a:lstStyle/>
-          <a:p>
-            <a:r>
-              <a:rPr lang="en-US" dirty="0" err="1">
-                <a:solidFill>
-                  <a:srgbClr val="043D4D"/>
-                </a:solidFill>
-                <a:latin typeface="Arial" panose="020B0604020202020204" pitchFamily="34" charset="0"/>
-                <a:cs typeface="Arial" panose="020B0604020202020204" pitchFamily="34" charset="0"/>
-              </a:rPr>
-              <a:t>Hoverable</a:t>
-            </a:r>
-            <a:r>
-              <a:rPr lang="en-US" dirty="0">
-                <a:solidFill>
-                  <a:srgbClr val="043D4D"/>
-                </a:solidFill>
-                <a:latin typeface="Arial" panose="020B0604020202020204" pitchFamily="34" charset="0"/>
-                <a:cs typeface="Arial" panose="020B0604020202020204" pitchFamily="34" charset="0"/>
-              </a:rPr>
-              <a:t> blocks corresponding to the different trees in the tree sequence</a:t>
-            </a:r>
-          </a:p>
-        </p:txBody>
-      </p:sp>
+        </p:spPr>
+      </p:pic>
     </p:spTree>
     <p:extLst>
       <p:ext uri="{BB962C8B-B14F-4D97-AF65-F5344CB8AC3E}">
-        <p14:creationId xmlns:p14="http://schemas.microsoft.com/office/powerpoint/2010/main" val="3706269338"/>
+        <p14:creationId xmlns:p14="http://schemas.microsoft.com/office/powerpoint/2010/main" val="1617870256"/>
       </p:ext>
     </p:extLst>
   </p:cSld>
@@ -6165,10 +6238,10 @@
       </p:pic>
       <p:cxnSp>
         <p:nvCxnSpPr>
-          <p:cNvPr id="2" name="Straight Arrow Connector 1">
-            <a:extLst>
-              <a:ext uri="{FF2B5EF4-FFF2-40B4-BE49-F238E27FC236}">
-                <a16:creationId xmlns:a16="http://schemas.microsoft.com/office/drawing/2014/main" id="{E47B28F6-E880-10DD-751B-6767312ABE3A}"/>
+          <p:cNvPr id="4" name="Straight Arrow Connector 3">
+            <a:extLst>
+              <a:ext uri="{FF2B5EF4-FFF2-40B4-BE49-F238E27FC236}">
+                <a16:creationId xmlns:a16="http://schemas.microsoft.com/office/drawing/2014/main" id="{7FC52C38-F35F-6B46-FD51-3B2A74FE1E5B}"/>
               </a:ext>
             </a:extLst>
           </p:cNvPr>
@@ -6179,7 +6252,7 @@
         </p:nvCxnSpPr>
         <p:spPr>
           <a:xfrm>
-            <a:off x="3053934" y="1170619"/>
+            <a:off x="3469945" y="5800284"/>
             <a:ext cx="506627" cy="0"/>
           </a:xfrm>
           <a:prstGeom prst="straightConnector1">
@@ -6209,10 +6282,10 @@
       </p:cxnSp>
       <p:sp>
         <p:nvSpPr>
-          <p:cNvPr id="3" name="TextBox 2">
-            <a:extLst>
-              <a:ext uri="{FF2B5EF4-FFF2-40B4-BE49-F238E27FC236}">
-                <a16:creationId xmlns:a16="http://schemas.microsoft.com/office/drawing/2014/main" id="{64B4708C-B0E1-CC6E-2B75-A7AC7F57D981}"/>
+          <p:cNvPr id="5" name="TextBox 4">
+            <a:extLst>
+              <a:ext uri="{FF2B5EF4-FFF2-40B4-BE49-F238E27FC236}">
+                <a16:creationId xmlns:a16="http://schemas.microsoft.com/office/drawing/2014/main" id="{134118FB-E13B-1278-BC7D-680E352E297D}"/>
               </a:ext>
             </a:extLst>
           </p:cNvPr>
@@ -6221,8 +6294,8 @@
         </p:nvSpPr>
         <p:spPr>
           <a:xfrm>
-            <a:off x="755577" y="570454"/>
-            <a:ext cx="2298357" cy="2031325"/>
+            <a:off x="1135640" y="5200119"/>
+            <a:ext cx="2298357" cy="1200329"/>
           </a:xfrm>
           <a:prstGeom prst="rect">
             <a:avLst/>
@@ -6236,14 +6309,24 @@
           <a:lstStyle/>
           <a:p>
             <a:r>
-              <a:rPr lang="en-US" dirty="0">
+              <a:rPr lang="en-US" dirty="0" err="1">
                 <a:solidFill>
                   <a:srgbClr val="043D4D"/>
                 </a:solidFill>
                 <a:latin typeface="Arial" panose="020B0604020202020204" pitchFamily="34" charset="0"/>
                 <a:cs typeface="Arial" panose="020B0604020202020204" pitchFamily="34" charset="0"/>
               </a:rPr>
-              <a:t>EXPERIMENTAL: this unfixes the x-axis positions of all nodes except the samples and allows the simulation to reposition the nodes</a:t>
+              <a:t>Hoverable</a:t>
+            </a:r>
+            <a:r>
+              <a:rPr lang="en-US" dirty="0">
+                <a:solidFill>
+                  <a:srgbClr val="043D4D"/>
+                </a:solidFill>
+                <a:latin typeface="Arial" panose="020B0604020202020204" pitchFamily="34" charset="0"/>
+                <a:cs typeface="Arial" panose="020B0604020202020204" pitchFamily="34" charset="0"/>
+              </a:rPr>
+              <a:t> blocks corresponding to the different trees in the tree sequence</a:t>
             </a:r>
           </a:p>
         </p:txBody>
@@ -6251,7 +6334,7 @@
     </p:spTree>
     <p:extLst>
       <p:ext uri="{BB962C8B-B14F-4D97-AF65-F5344CB8AC3E}">
-        <p14:creationId xmlns:p14="http://schemas.microsoft.com/office/powerpoint/2010/main" val="367473304"/>
+        <p14:creationId xmlns:p14="http://schemas.microsoft.com/office/powerpoint/2010/main" val="3706269338"/>
       </p:ext>
     </p:extLst>
   </p:cSld>
@@ -6581,56 +6664,6 @@
           <a:chExt cx="0" cy="0"/>
         </a:xfrm>
       </p:grpSpPr>
-      <p:sp>
-        <p:nvSpPr>
-          <p:cNvPr id="9" name="Rectangle 8">
-            <a:extLst>
-              <a:ext uri="{FF2B5EF4-FFF2-40B4-BE49-F238E27FC236}">
-                <a16:creationId xmlns:a16="http://schemas.microsoft.com/office/drawing/2014/main" id="{8032ADFE-4D7D-2EFE-FE06-7EB77C77CC46}"/>
-              </a:ext>
-            </a:extLst>
-          </p:cNvPr>
-          <p:cNvSpPr/>
-          <p:nvPr/>
-        </p:nvSpPr>
-        <p:spPr>
-          <a:xfrm>
-            <a:off x="8573050" y="1555751"/>
-            <a:ext cx="3428450" cy="3622351"/>
-          </a:xfrm>
-          <a:prstGeom prst="rect">
-            <a:avLst/>
-          </a:prstGeom>
-          <a:solidFill>
-            <a:srgbClr val="F5F5F5"/>
-          </a:solidFill>
-          <a:ln w="38100"/>
-        </p:spPr>
-        <p:style>
-          <a:lnRef idx="2">
-            <a:schemeClr val="accent1">
-              <a:shade val="15000"/>
-            </a:schemeClr>
-          </a:lnRef>
-          <a:fillRef idx="1">
-            <a:schemeClr val="accent1"/>
-          </a:fillRef>
-          <a:effectRef idx="0">
-            <a:schemeClr val="accent1"/>
-          </a:effectRef>
-          <a:fontRef idx="minor">
-            <a:schemeClr val="lt1"/>
-          </a:fontRef>
-        </p:style>
-        <p:txBody>
-          <a:bodyPr rtlCol="0" anchor="ctr"/>
-          <a:lstStyle/>
-          <a:p>
-            <a:pPr algn="ctr"/>
-            <a:endParaRPr lang="en-US"/>
-          </a:p>
-        </p:txBody>
-      </p:sp>
       <p:pic>
         <p:nvPicPr>
           <p:cNvPr id="14" name="Picture 13" descr="A screenshot of a computer&#10;&#10;Description automatically generated">
@@ -6663,10 +6696,10 @@
       </p:pic>
       <p:cxnSp>
         <p:nvCxnSpPr>
-          <p:cNvPr id="4" name="Straight Arrow Connector 3">
-            <a:extLst>
-              <a:ext uri="{FF2B5EF4-FFF2-40B4-BE49-F238E27FC236}">
-                <a16:creationId xmlns:a16="http://schemas.microsoft.com/office/drawing/2014/main" id="{8865EE20-8F00-DE58-F370-C90883DB53BC}"/>
+          <p:cNvPr id="2" name="Straight Arrow Connector 1">
+            <a:extLst>
+              <a:ext uri="{FF2B5EF4-FFF2-40B4-BE49-F238E27FC236}">
+                <a16:creationId xmlns:a16="http://schemas.microsoft.com/office/drawing/2014/main" id="{E47B28F6-E880-10DD-751B-6767312ABE3A}"/>
               </a:ext>
             </a:extLst>
           </p:cNvPr>
@@ -6676,8 +6709,8 @@
           <p:nvPr/>
         </p:nvCxnSpPr>
         <p:spPr>
-          <a:xfrm rot="10800000">
-            <a:off x="5212644" y="955588"/>
+          <a:xfrm>
+            <a:off x="3053934" y="1170619"/>
             <a:ext cx="506627" cy="0"/>
           </a:xfrm>
           <a:prstGeom prst="straightConnector1">
@@ -6707,10 +6740,10 @@
       </p:cxnSp>
       <p:sp>
         <p:nvSpPr>
-          <p:cNvPr id="5" name="TextBox 4">
-            <a:extLst>
-              <a:ext uri="{FF2B5EF4-FFF2-40B4-BE49-F238E27FC236}">
-                <a16:creationId xmlns:a16="http://schemas.microsoft.com/office/drawing/2014/main" id="{220A9610-CBC7-3A91-94EE-69BAF36E6CF3}"/>
+          <p:cNvPr id="3" name="TextBox 2">
+            <a:extLst>
+              <a:ext uri="{FF2B5EF4-FFF2-40B4-BE49-F238E27FC236}">
+                <a16:creationId xmlns:a16="http://schemas.microsoft.com/office/drawing/2014/main" id="{64B4708C-B0E1-CC6E-2B75-A7AC7F57D981}"/>
               </a:ext>
             </a:extLst>
           </p:cNvPr>
@@ -6719,8 +6752,8 @@
         </p:nvSpPr>
         <p:spPr>
           <a:xfrm>
-            <a:off x="5895539" y="355422"/>
-            <a:ext cx="4052965" cy="1200329"/>
+            <a:off x="755577" y="570454"/>
+            <a:ext cx="2298357" cy="2031325"/>
           </a:xfrm>
           <a:prstGeom prst="rect">
             <a:avLst/>
@@ -6741,142 +6774,7 @@
                 <a:latin typeface="Arial" panose="020B0604020202020204" pitchFamily="34" charset="0"/>
                 <a:cs typeface="Arial" panose="020B0604020202020204" pitchFamily="34" charset="0"/>
               </a:rPr>
-              <a:t>JSON object is updated as the simulation runs, which means this can be copied, giving user’s the ability to replicate figures</a:t>
-            </a:r>
-          </a:p>
-        </p:txBody>
-      </p:sp>
-      <p:pic>
-        <p:nvPicPr>
-          <p:cNvPr id="6" name="Content Placeholder 4" descr="A close-up of text&#10;&#10;Description automatically generated">
-            <a:extLst>
-              <a:ext uri="{FF2B5EF4-FFF2-40B4-BE49-F238E27FC236}">
-                <a16:creationId xmlns:a16="http://schemas.microsoft.com/office/drawing/2014/main" id="{B5284A2D-5A8E-AA66-B623-FCFD603B308C}"/>
-              </a:ext>
-            </a:extLst>
-          </p:cNvPr>
-          <p:cNvPicPr>
-            <a:picLocks noGrp="1" noChangeAspect="1"/>
-          </p:cNvPicPr>
-          <p:nvPr>
-            <p:ph idx="1"/>
-          </p:nvPr>
-        </p:nvPicPr>
-        <p:blipFill>
-          <a:blip r:embed="rId3"/>
-          <a:stretch>
-            <a:fillRect/>
-          </a:stretch>
-        </p:blipFill>
-        <p:spPr>
-          <a:xfrm>
-            <a:off x="8768038" y="4239933"/>
-            <a:ext cx="3038474" cy="717236"/>
-          </a:xfrm>
-        </p:spPr>
-      </p:pic>
-      <p:sp>
-        <p:nvSpPr>
-          <p:cNvPr id="10" name="TextBox 9">
-            <a:extLst>
-              <a:ext uri="{FF2B5EF4-FFF2-40B4-BE49-F238E27FC236}">
-                <a16:creationId xmlns:a16="http://schemas.microsoft.com/office/drawing/2014/main" id="{1CDA38C4-92D6-1DEC-F0AD-1B762D1162A9}"/>
-              </a:ext>
-            </a:extLst>
-          </p:cNvPr>
-          <p:cNvSpPr txBox="1"/>
-          <p:nvPr/>
-        </p:nvSpPr>
-        <p:spPr>
-          <a:xfrm>
-            <a:off x="8641630" y="1679898"/>
-            <a:ext cx="3302720" cy="2339102"/>
-          </a:xfrm>
-          <a:prstGeom prst="rect">
-            <a:avLst/>
-          </a:prstGeom>
-          <a:noFill/>
-          <a:ln>
-            <a:noFill/>
-          </a:ln>
-        </p:spPr>
-        <p:txBody>
-          <a:bodyPr wrap="square" rtlCol="0">
-            <a:spAutoFit/>
-          </a:bodyPr>
-          <a:lstStyle/>
-          <a:p>
-            <a:pPr algn="ctr"/>
-            <a:r>
-              <a:rPr lang="en-US" sz="2800" dirty="0">
-                <a:solidFill>
-                  <a:srgbClr val="043D4D"/>
-                </a:solidFill>
-                <a:latin typeface="Arial" panose="020B0604020202020204" pitchFamily="34" charset="0"/>
-                <a:cs typeface="Arial" panose="020B0604020202020204" pitchFamily="34" charset="0"/>
-              </a:rPr>
-              <a:t>Steps to Replicate a Figure</a:t>
-            </a:r>
-          </a:p>
-          <a:p>
-            <a:endParaRPr lang="en-US" dirty="0">
-              <a:solidFill>
-                <a:srgbClr val="043D4D"/>
-              </a:solidFill>
-              <a:latin typeface="Arial" panose="020B0604020202020204" pitchFamily="34" charset="0"/>
-              <a:cs typeface="Arial" panose="020B0604020202020204" pitchFamily="34" charset="0"/>
-            </a:endParaRPr>
-          </a:p>
-          <a:p>
-            <a:r>
-              <a:rPr lang="en-US" dirty="0">
-                <a:solidFill>
-                  <a:srgbClr val="043D4D"/>
-                </a:solidFill>
-                <a:latin typeface="Arial" panose="020B0604020202020204" pitchFamily="34" charset="0"/>
-                <a:cs typeface="Arial" panose="020B0604020202020204" pitchFamily="34" charset="0"/>
-              </a:rPr>
-              <a:t>Paste the copied JSON object into a “.</a:t>
-            </a:r>
-            <a:r>
-              <a:rPr lang="en-US" dirty="0" err="1">
-                <a:solidFill>
-                  <a:srgbClr val="043D4D"/>
-                </a:solidFill>
-                <a:latin typeface="Arial" panose="020B0604020202020204" pitchFamily="34" charset="0"/>
-                <a:cs typeface="Arial" panose="020B0604020202020204" pitchFamily="34" charset="0"/>
-              </a:rPr>
-              <a:t>json</a:t>
-            </a:r>
-            <a:r>
-              <a:rPr lang="en-US" dirty="0">
-                <a:solidFill>
-                  <a:srgbClr val="043D4D"/>
-                </a:solidFill>
-                <a:latin typeface="Arial" panose="020B0604020202020204" pitchFamily="34" charset="0"/>
-                <a:cs typeface="Arial" panose="020B0604020202020204" pitchFamily="34" charset="0"/>
-              </a:rPr>
-              <a:t>” file and run the following (replacing “</a:t>
-            </a:r>
-            <a:r>
-              <a:rPr lang="en-US" dirty="0" err="1">
-                <a:solidFill>
-                  <a:srgbClr val="043D4D"/>
-                </a:solidFill>
-                <a:latin typeface="Arial" panose="020B0604020202020204" pitchFamily="34" charset="0"/>
-                <a:cs typeface="Arial" panose="020B0604020202020204" pitchFamily="34" charset="0"/>
-              </a:rPr>
-              <a:t>example.json</a:t>
-            </a:r>
-            <a:r>
-              <a:rPr lang="en-US" dirty="0">
-                <a:solidFill>
-                  <a:srgbClr val="043D4D"/>
-                </a:solidFill>
-                <a:latin typeface="Arial" panose="020B0604020202020204" pitchFamily="34" charset="0"/>
-                <a:cs typeface="Arial" panose="020B0604020202020204" pitchFamily="34" charset="0"/>
-              </a:rPr>
-              <a:t>” with your file):</a:t>
+              <a:t>EXPERIMENTAL: this unfixes the x-axis positions of all nodes except the samples and allows the simulation to reposition the nodes</a:t>
             </a:r>
           </a:p>
         </p:txBody>
@@ -6884,7 +6782,7 @@
     </p:spTree>
     <p:extLst>
       <p:ext uri="{BB962C8B-B14F-4D97-AF65-F5344CB8AC3E}">
-        <p14:creationId xmlns:p14="http://schemas.microsoft.com/office/powerpoint/2010/main" val="3275529585"/>
+        <p14:creationId xmlns:p14="http://schemas.microsoft.com/office/powerpoint/2010/main" val="367473304"/>
       </p:ext>
     </p:extLst>
   </p:cSld>
@@ -6913,60 +6811,67 @@
       </p:grpSpPr>
       <p:sp>
         <p:nvSpPr>
-          <p:cNvPr id="5" name="TextBox 4">
-            <a:extLst>
-              <a:ext uri="{FF2B5EF4-FFF2-40B4-BE49-F238E27FC236}">
-                <a16:creationId xmlns:a16="http://schemas.microsoft.com/office/drawing/2014/main" id="{6D006505-1806-2ECF-1FAC-7227B64795FA}"/>
-              </a:ext>
-            </a:extLst>
-          </p:cNvPr>
-          <p:cNvSpPr txBox="1"/>
+          <p:cNvPr id="9" name="Rectangle 8">
+            <a:extLst>
+              <a:ext uri="{FF2B5EF4-FFF2-40B4-BE49-F238E27FC236}">
+                <a16:creationId xmlns:a16="http://schemas.microsoft.com/office/drawing/2014/main" id="{8032ADFE-4D7D-2EFE-FE06-7EB77C77CC46}"/>
+              </a:ext>
+            </a:extLst>
+          </p:cNvPr>
+          <p:cNvSpPr/>
           <p:nvPr/>
         </p:nvSpPr>
         <p:spPr>
           <a:xfrm>
-            <a:off x="722517" y="492851"/>
-            <a:ext cx="9336723" cy="1323439"/>
+            <a:off x="8573050" y="1555751"/>
+            <a:ext cx="3428450" cy="3622351"/>
           </a:xfrm>
           <a:prstGeom prst="rect">
             <a:avLst/>
           </a:prstGeom>
-          <a:noFill/>
-        </p:spPr>
-        <p:txBody>
-          <a:bodyPr wrap="none" rtlCol="0">
-            <a:spAutoFit/>
-          </a:bodyPr>
+          <a:solidFill>
+            <a:srgbClr val="F5F5F5"/>
+          </a:solidFill>
+          <a:ln w="38100"/>
+        </p:spPr>
+        <p:style>
+          <a:lnRef idx="2">
+            <a:schemeClr val="accent1">
+              <a:shade val="15000"/>
+            </a:schemeClr>
+          </a:lnRef>
+          <a:fillRef idx="1">
+            <a:schemeClr val="accent1"/>
+          </a:fillRef>
+          <a:effectRef idx="0">
+            <a:schemeClr val="accent1"/>
+          </a:effectRef>
+          <a:fontRef idx="minor">
+            <a:schemeClr val="lt1"/>
+          </a:fontRef>
+        </p:style>
+        <p:txBody>
+          <a:bodyPr rtlCol="0" anchor="ctr"/>
           <a:lstStyle/>
           <a:p>
-            <a:r>
-              <a:rPr lang="en-US" sz="8000" dirty="0">
-                <a:solidFill>
-                  <a:srgbClr val="043D4D"/>
-                </a:solidFill>
-                <a:latin typeface="DIN Condensed" pitchFamily="2" charset="0"/>
-                <a:cs typeface="Aharoni" panose="02010803020104030203" pitchFamily="2" charset="-79"/>
-              </a:rPr>
-              <a:t>”Simplified” Tree Sequences</a:t>
-            </a:r>
+            <a:pPr algn="ctr"/>
+            <a:endParaRPr lang="en-US"/>
           </a:p>
         </p:txBody>
       </p:sp>
       <p:pic>
         <p:nvPicPr>
-          <p:cNvPr id="23" name="Content Placeholder 22" descr="A diagram of lines and dots&#10;&#10;Description automatically generated">
-            <a:extLst>
-              <a:ext uri="{FF2B5EF4-FFF2-40B4-BE49-F238E27FC236}">
-                <a16:creationId xmlns:a16="http://schemas.microsoft.com/office/drawing/2014/main" id="{5DAF9310-9BAC-6B6C-1F1D-5F4BD88B4ECD}"/>
+          <p:cNvPr id="14" name="Picture 13" descr="A screenshot of a computer&#10;&#10;Description automatically generated">
+            <a:extLst>
+              <a:ext uri="{FF2B5EF4-FFF2-40B4-BE49-F238E27FC236}">
+                <a16:creationId xmlns:a16="http://schemas.microsoft.com/office/drawing/2014/main" id="{6BBA1B56-8A9B-3E66-CE84-C5A0B56326B7}"/>
               </a:ext>
             </a:extLst>
           </p:cNvPr>
           <p:cNvPicPr>
-            <a:picLocks noGrp="1" noChangeAspect="1"/>
+            <a:picLocks noChangeAspect="1"/>
           </p:cNvPicPr>
-          <p:nvPr>
-            <p:ph sz="half" idx="1"/>
-          </p:nvPr>
+          <p:nvPr/>
         </p:nvPicPr>
         <p:blipFill>
           <a:blip r:embed="rId2"/>
@@ -6976,208 +6881,173 @@
         </p:blipFill>
         <p:spPr>
           <a:xfrm>
-            <a:off x="1148577" y="1825625"/>
-            <a:ext cx="4560846" cy="4351338"/>
-          </a:xfrm>
-        </p:spPr>
-      </p:pic>
-      <p:sp>
-        <p:nvSpPr>
-          <p:cNvPr id="24" name="Content Placeholder 10">
-            <a:extLst>
-              <a:ext uri="{FF2B5EF4-FFF2-40B4-BE49-F238E27FC236}">
-                <a16:creationId xmlns:a16="http://schemas.microsoft.com/office/drawing/2014/main" id="{EEDC9D2F-D905-17D7-48F0-F3BEC25E6B8E}"/>
-              </a:ext>
-            </a:extLst>
-          </p:cNvPr>
-          <p:cNvSpPr txBox="1">
-            <a:spLocks/>
-          </p:cNvSpPr>
-          <p:nvPr/>
-        </p:nvSpPr>
-        <p:spPr>
-          <a:xfrm>
-            <a:off x="6324600" y="1978025"/>
-            <a:ext cx="5181600" cy="4351338"/>
+            <a:off x="3653239" y="797011"/>
+            <a:ext cx="4885521" cy="5263977"/>
           </a:xfrm>
           <a:prstGeom prst="rect">
             <a:avLst/>
           </a:prstGeom>
         </p:spPr>
-        <p:txBody>
-          <a:bodyPr vert="horz" lIns="91440" tIns="45720" rIns="91440" bIns="45720" rtlCol="0">
-            <a:normAutofit/>
+      </p:pic>
+      <p:cxnSp>
+        <p:nvCxnSpPr>
+          <p:cNvPr id="4" name="Straight Arrow Connector 3">
+            <a:extLst>
+              <a:ext uri="{FF2B5EF4-FFF2-40B4-BE49-F238E27FC236}">
+                <a16:creationId xmlns:a16="http://schemas.microsoft.com/office/drawing/2014/main" id="{8865EE20-8F00-DE58-F370-C90883DB53BC}"/>
+              </a:ext>
+            </a:extLst>
+          </p:cNvPr>
+          <p:cNvCxnSpPr>
+            <a:cxnSpLocks/>
+          </p:cNvCxnSpPr>
+          <p:nvPr/>
+        </p:nvCxnSpPr>
+        <p:spPr>
+          <a:xfrm rot="10800000">
+            <a:off x="5212644" y="955588"/>
+            <a:ext cx="506627" cy="0"/>
+          </a:xfrm>
+          <a:prstGeom prst="straightConnector1">
+            <a:avLst/>
+          </a:prstGeom>
+          <a:ln w="63500">
+            <a:solidFill>
+              <a:srgbClr val="043D4D"/>
+            </a:solidFill>
+            <a:tailEnd type="triangle"/>
+          </a:ln>
+        </p:spPr>
+        <p:style>
+          <a:lnRef idx="1">
+            <a:schemeClr val="accent1"/>
+          </a:lnRef>
+          <a:fillRef idx="0">
+            <a:schemeClr val="accent1"/>
+          </a:fillRef>
+          <a:effectRef idx="0">
+            <a:schemeClr val="accent1"/>
+          </a:effectRef>
+          <a:fontRef idx="minor">
+            <a:schemeClr val="tx1"/>
+          </a:fontRef>
+        </p:style>
+      </p:cxnSp>
+      <p:sp>
+        <p:nvSpPr>
+          <p:cNvPr id="5" name="TextBox 4">
+            <a:extLst>
+              <a:ext uri="{FF2B5EF4-FFF2-40B4-BE49-F238E27FC236}">
+                <a16:creationId xmlns:a16="http://schemas.microsoft.com/office/drawing/2014/main" id="{220A9610-CBC7-3A91-94EE-69BAF36E6CF3}"/>
+              </a:ext>
+            </a:extLst>
+          </p:cNvPr>
+          <p:cNvSpPr txBox="1"/>
+          <p:nvPr/>
+        </p:nvSpPr>
+        <p:spPr>
+          <a:xfrm>
+            <a:off x="5895539" y="355422"/>
+            <a:ext cx="4052965" cy="1200329"/>
+          </a:xfrm>
+          <a:prstGeom prst="rect">
+            <a:avLst/>
+          </a:prstGeom>
+          <a:noFill/>
+        </p:spPr>
+        <p:txBody>
+          <a:bodyPr wrap="square" rtlCol="0">
+            <a:spAutoFit/>
           </a:bodyPr>
-          <a:lstStyle>
-            <a:lvl1pPr marL="228600" indent="-228600" algn="l" defTabSz="914400" rtl="0" eaLnBrk="1" latinLnBrk="0" hangingPunct="1">
-              <a:lnSpc>
-                <a:spcPct val="90000"/>
-              </a:lnSpc>
-              <a:spcBef>
-                <a:spcPts val="1000"/>
-              </a:spcBef>
-              <a:buFont typeface="Arial" panose="020B0604020202020204" pitchFamily="34" charset="0"/>
-              <a:buChar char="•"/>
-              <a:defRPr sz="2800" kern="1200">
-                <a:solidFill>
-                  <a:schemeClr val="tx1"/>
-                </a:solidFill>
-                <a:latin typeface="+mn-lt"/>
-                <a:ea typeface="+mn-ea"/>
-                <a:cs typeface="+mn-cs"/>
-              </a:defRPr>
-            </a:lvl1pPr>
-            <a:lvl2pPr marL="685800" indent="-228600" algn="l" defTabSz="914400" rtl="0" eaLnBrk="1" latinLnBrk="0" hangingPunct="1">
-              <a:lnSpc>
-                <a:spcPct val="90000"/>
-              </a:lnSpc>
-              <a:spcBef>
-                <a:spcPts val="500"/>
-              </a:spcBef>
-              <a:buFont typeface="Arial" panose="020B0604020202020204" pitchFamily="34" charset="0"/>
-              <a:buChar char="•"/>
-              <a:defRPr sz="2400" kern="1200">
-                <a:solidFill>
-                  <a:schemeClr val="tx1"/>
-                </a:solidFill>
-                <a:latin typeface="+mn-lt"/>
-                <a:ea typeface="+mn-ea"/>
-                <a:cs typeface="+mn-cs"/>
-              </a:defRPr>
-            </a:lvl2pPr>
-            <a:lvl3pPr marL="1143000" indent="-228600" algn="l" defTabSz="914400" rtl="0" eaLnBrk="1" latinLnBrk="0" hangingPunct="1">
-              <a:lnSpc>
-                <a:spcPct val="90000"/>
-              </a:lnSpc>
-              <a:spcBef>
-                <a:spcPts val="500"/>
-              </a:spcBef>
-              <a:buFont typeface="Arial" panose="020B0604020202020204" pitchFamily="34" charset="0"/>
-              <a:buChar char="•"/>
-              <a:defRPr sz="2000" kern="1200">
-                <a:solidFill>
-                  <a:schemeClr val="tx1"/>
-                </a:solidFill>
-                <a:latin typeface="+mn-lt"/>
-                <a:ea typeface="+mn-ea"/>
-                <a:cs typeface="+mn-cs"/>
-              </a:defRPr>
-            </a:lvl3pPr>
-            <a:lvl4pPr marL="1600200" indent="-228600" algn="l" defTabSz="914400" rtl="0" eaLnBrk="1" latinLnBrk="0" hangingPunct="1">
-              <a:lnSpc>
-                <a:spcPct val="90000"/>
-              </a:lnSpc>
-              <a:spcBef>
-                <a:spcPts val="500"/>
-              </a:spcBef>
-              <a:buFont typeface="Arial" panose="020B0604020202020204" pitchFamily="34" charset="0"/>
-              <a:buChar char="•"/>
-              <a:defRPr sz="1800" kern="1200">
-                <a:solidFill>
-                  <a:schemeClr val="tx1"/>
-                </a:solidFill>
-                <a:latin typeface="+mn-lt"/>
-                <a:ea typeface="+mn-ea"/>
-                <a:cs typeface="+mn-cs"/>
-              </a:defRPr>
-            </a:lvl4pPr>
-            <a:lvl5pPr marL="2057400" indent="-228600" algn="l" defTabSz="914400" rtl="0" eaLnBrk="1" latinLnBrk="0" hangingPunct="1">
-              <a:lnSpc>
-                <a:spcPct val="90000"/>
-              </a:lnSpc>
-              <a:spcBef>
-                <a:spcPts val="500"/>
-              </a:spcBef>
-              <a:buFont typeface="Arial" panose="020B0604020202020204" pitchFamily="34" charset="0"/>
-              <a:buChar char="•"/>
-              <a:defRPr sz="1800" kern="1200">
-                <a:solidFill>
-                  <a:schemeClr val="tx1"/>
-                </a:solidFill>
-                <a:latin typeface="+mn-lt"/>
-                <a:ea typeface="+mn-ea"/>
-                <a:cs typeface="+mn-cs"/>
-              </a:defRPr>
-            </a:lvl5pPr>
-            <a:lvl6pPr marL="2514600" indent="-228600" algn="l" defTabSz="914400" rtl="0" eaLnBrk="1" latinLnBrk="0" hangingPunct="1">
-              <a:lnSpc>
-                <a:spcPct val="90000"/>
-              </a:lnSpc>
-              <a:spcBef>
-                <a:spcPts val="500"/>
-              </a:spcBef>
-              <a:buFont typeface="Arial" panose="020B0604020202020204" pitchFamily="34" charset="0"/>
-              <a:buChar char="•"/>
-              <a:defRPr sz="1800" kern="1200">
-                <a:solidFill>
-                  <a:schemeClr val="tx1"/>
-                </a:solidFill>
-                <a:latin typeface="+mn-lt"/>
-                <a:ea typeface="+mn-ea"/>
-                <a:cs typeface="+mn-cs"/>
-              </a:defRPr>
-            </a:lvl6pPr>
-            <a:lvl7pPr marL="2971800" indent="-228600" algn="l" defTabSz="914400" rtl="0" eaLnBrk="1" latinLnBrk="0" hangingPunct="1">
-              <a:lnSpc>
-                <a:spcPct val="90000"/>
-              </a:lnSpc>
-              <a:spcBef>
-                <a:spcPts val="500"/>
-              </a:spcBef>
-              <a:buFont typeface="Arial" panose="020B0604020202020204" pitchFamily="34" charset="0"/>
-              <a:buChar char="•"/>
-              <a:defRPr sz="1800" kern="1200">
-                <a:solidFill>
-                  <a:schemeClr val="tx1"/>
-                </a:solidFill>
-                <a:latin typeface="+mn-lt"/>
-                <a:ea typeface="+mn-ea"/>
-                <a:cs typeface="+mn-cs"/>
-              </a:defRPr>
-            </a:lvl7pPr>
-            <a:lvl8pPr marL="3429000" indent="-228600" algn="l" defTabSz="914400" rtl="0" eaLnBrk="1" latinLnBrk="0" hangingPunct="1">
-              <a:lnSpc>
-                <a:spcPct val="90000"/>
-              </a:lnSpc>
-              <a:spcBef>
-                <a:spcPts val="500"/>
-              </a:spcBef>
-              <a:buFont typeface="Arial" panose="020B0604020202020204" pitchFamily="34" charset="0"/>
-              <a:buChar char="•"/>
-              <a:defRPr sz="1800" kern="1200">
-                <a:solidFill>
-                  <a:schemeClr val="tx1"/>
-                </a:solidFill>
-                <a:latin typeface="+mn-lt"/>
-                <a:ea typeface="+mn-ea"/>
-                <a:cs typeface="+mn-cs"/>
-              </a:defRPr>
-            </a:lvl8pPr>
-            <a:lvl9pPr marL="3886200" indent="-228600" algn="l" defTabSz="914400" rtl="0" eaLnBrk="1" latinLnBrk="0" hangingPunct="1">
-              <a:lnSpc>
-                <a:spcPct val="90000"/>
-              </a:lnSpc>
-              <a:spcBef>
-                <a:spcPts val="500"/>
-              </a:spcBef>
-              <a:buFont typeface="Arial" panose="020B0604020202020204" pitchFamily="34" charset="0"/>
-              <a:buChar char="•"/>
-              <a:defRPr sz="1800" kern="1200">
-                <a:solidFill>
-                  <a:schemeClr val="tx1"/>
-                </a:solidFill>
-                <a:latin typeface="+mn-lt"/>
-                <a:ea typeface="+mn-ea"/>
-                <a:cs typeface="+mn-cs"/>
-              </a:defRPr>
-            </a:lvl9pPr>
-          </a:lstStyle>
-          <a:p>
-            <a:pPr>
-              <a:buFontTx/>
-              <a:buChar char="-"/>
-            </a:pPr>
-            <a:endParaRPr lang="en-US" sz="1050" dirty="0">
+          <a:lstStyle/>
+          <a:p>
+            <a:r>
+              <a:rPr lang="en-US" dirty="0">
+                <a:solidFill>
+                  <a:srgbClr val="043D4D"/>
+                </a:solidFill>
+                <a:latin typeface="Arial" panose="020B0604020202020204" pitchFamily="34" charset="0"/>
+                <a:cs typeface="Arial" panose="020B0604020202020204" pitchFamily="34" charset="0"/>
+              </a:rPr>
+              <a:t>JSON object is updated as the simulation runs, which means this can be copied, giving user’s the ability to replicate figures</a:t>
+            </a:r>
+          </a:p>
+        </p:txBody>
+      </p:sp>
+      <p:pic>
+        <p:nvPicPr>
+          <p:cNvPr id="6" name="Content Placeholder 4" descr="A close-up of text&#10;&#10;Description automatically generated">
+            <a:extLst>
+              <a:ext uri="{FF2B5EF4-FFF2-40B4-BE49-F238E27FC236}">
+                <a16:creationId xmlns:a16="http://schemas.microsoft.com/office/drawing/2014/main" id="{B5284A2D-5A8E-AA66-B623-FCFD603B308C}"/>
+              </a:ext>
+            </a:extLst>
+          </p:cNvPr>
+          <p:cNvPicPr>
+            <a:picLocks noGrp="1" noChangeAspect="1"/>
+          </p:cNvPicPr>
+          <p:nvPr>
+            <p:ph idx="1"/>
+          </p:nvPr>
+        </p:nvPicPr>
+        <p:blipFill>
+          <a:blip r:embed="rId3"/>
+          <a:stretch>
+            <a:fillRect/>
+          </a:stretch>
+        </p:blipFill>
+        <p:spPr>
+          <a:xfrm>
+            <a:off x="8768038" y="4239933"/>
+            <a:ext cx="3038474" cy="717236"/>
+          </a:xfrm>
+        </p:spPr>
+      </p:pic>
+      <p:sp>
+        <p:nvSpPr>
+          <p:cNvPr id="10" name="TextBox 9">
+            <a:extLst>
+              <a:ext uri="{FF2B5EF4-FFF2-40B4-BE49-F238E27FC236}">
+                <a16:creationId xmlns:a16="http://schemas.microsoft.com/office/drawing/2014/main" id="{1CDA38C4-92D6-1DEC-F0AD-1B762D1162A9}"/>
+              </a:ext>
+            </a:extLst>
+          </p:cNvPr>
+          <p:cNvSpPr txBox="1"/>
+          <p:nvPr/>
+        </p:nvSpPr>
+        <p:spPr>
+          <a:xfrm>
+            <a:off x="8641630" y="1679898"/>
+            <a:ext cx="3302720" cy="2339102"/>
+          </a:xfrm>
+          <a:prstGeom prst="rect">
+            <a:avLst/>
+          </a:prstGeom>
+          <a:noFill/>
+          <a:ln>
+            <a:noFill/>
+          </a:ln>
+        </p:spPr>
+        <p:txBody>
+          <a:bodyPr wrap="square" rtlCol="0">
+            <a:spAutoFit/>
+          </a:bodyPr>
+          <a:lstStyle/>
+          <a:p>
+            <a:pPr algn="ctr"/>
+            <a:r>
+              <a:rPr lang="en-US" sz="2800" dirty="0">
+                <a:solidFill>
+                  <a:srgbClr val="043D4D"/>
+                </a:solidFill>
+                <a:latin typeface="Arial" panose="020B0604020202020204" pitchFamily="34" charset="0"/>
+                <a:cs typeface="Arial" panose="020B0604020202020204" pitchFamily="34" charset="0"/>
+              </a:rPr>
+              <a:t>Steps to Replicate a Figure</a:t>
+            </a:r>
+          </a:p>
+          <a:p>
+            <a:endParaRPr lang="en-US" dirty="0">
               <a:solidFill>
                 <a:srgbClr val="043D4D"/>
               </a:solidFill>
@@ -7186,87 +7056,63 @@
             </a:endParaRPr>
           </a:p>
           <a:p>
-            <a:pPr>
-              <a:buFontTx/>
-              <a:buChar char="-"/>
-            </a:pPr>
-            <a:r>
-              <a:rPr lang="en-US" sz="2400" dirty="0">
+            <a:r>
+              <a:rPr lang="en-US" dirty="0">
                 <a:solidFill>
                   <a:srgbClr val="043D4D"/>
                 </a:solidFill>
                 <a:latin typeface="Arial" panose="020B0604020202020204" pitchFamily="34" charset="0"/>
                 <a:cs typeface="Arial" panose="020B0604020202020204" pitchFamily="34" charset="0"/>
               </a:rPr>
-              <a:t>Visualizer also works for tree sequences that don’t have marked recombination nodes as long as `</a:t>
-            </a:r>
-            <a:r>
-              <a:rPr lang="en-US" sz="2400" dirty="0" err="1">
+              <a:t>Paste the copied JSON object into a “.</a:t>
+            </a:r>
+            <a:r>
+              <a:rPr lang="en-US" dirty="0" err="1">
                 <a:solidFill>
                   <a:srgbClr val="043D4D"/>
                 </a:solidFill>
                 <a:latin typeface="Arial" panose="020B0604020202020204" pitchFamily="34" charset="0"/>
                 <a:cs typeface="Arial" panose="020B0604020202020204" pitchFamily="34" charset="0"/>
               </a:rPr>
-              <a:t>edge_type</a:t>
-            </a:r>
-            <a:r>
-              <a:rPr lang="en-US" sz="2400" dirty="0">
+              <a:t>json</a:t>
+            </a:r>
+            <a:r>
+              <a:rPr lang="en-US" dirty="0">
                 <a:solidFill>
                   <a:srgbClr val="043D4D"/>
                 </a:solidFill>
                 <a:latin typeface="Arial" panose="020B0604020202020204" pitchFamily="34" charset="0"/>
                 <a:cs typeface="Arial" panose="020B0604020202020204" pitchFamily="34" charset="0"/>
               </a:rPr>
-              <a:t>=“line”` (default).</a:t>
-            </a:r>
-          </a:p>
-          <a:p>
-            <a:pPr>
-              <a:buFontTx/>
-              <a:buChar char="-"/>
-            </a:pPr>
-            <a:r>
-              <a:rPr lang="en-US" sz="2400" dirty="0">
+              <a:t>” file and run the following (replacing “</a:t>
+            </a:r>
+            <a:r>
+              <a:rPr lang="en-US" dirty="0" err="1">
                 <a:solidFill>
                   <a:srgbClr val="043D4D"/>
                 </a:solidFill>
                 <a:latin typeface="Arial" panose="020B0604020202020204" pitchFamily="34" charset="0"/>
                 <a:cs typeface="Arial" panose="020B0604020202020204" pitchFamily="34" charset="0"/>
               </a:rPr>
-              <a:t>“ortho” edge pathing does not work for that type of tree sequences. All other functionality is the same.</a:t>
-            </a:r>
-          </a:p>
-          <a:p>
-            <a:pPr marL="0" indent="0">
-              <a:buNone/>
-            </a:pPr>
-            <a:endParaRPr lang="en-US" sz="2400" dirty="0">
-              <a:solidFill>
-                <a:srgbClr val="043D4D"/>
-              </a:solidFill>
-              <a:latin typeface="Arial" panose="020B0604020202020204" pitchFamily="34" charset="0"/>
-              <a:cs typeface="Arial" panose="020B0604020202020204" pitchFamily="34" charset="0"/>
-            </a:endParaRPr>
-          </a:p>
-          <a:p>
-            <a:pPr marL="0" indent="0">
-              <a:buNone/>
-            </a:pPr>
-            <a:endParaRPr lang="en-US" sz="2400" dirty="0">
-              <a:solidFill>
-                <a:srgbClr val="043D4D"/>
-              </a:solidFill>
-              <a:latin typeface="Arial" panose="020B0604020202020204" pitchFamily="34" charset="0"/>
-              <a:cs typeface="Arial" panose="020B0604020202020204" pitchFamily="34" charset="0"/>
-            </a:endParaRPr>
+              <a:t>example.json</a:t>
+            </a:r>
+            <a:r>
+              <a:rPr lang="en-US" dirty="0">
+                <a:solidFill>
+                  <a:srgbClr val="043D4D"/>
+                </a:solidFill>
+                <a:latin typeface="Arial" panose="020B0604020202020204" pitchFamily="34" charset="0"/>
+                <a:cs typeface="Arial" panose="020B0604020202020204" pitchFamily="34" charset="0"/>
+              </a:rPr>
+              <a:t>” with your file):</a:t>
+            </a:r>
           </a:p>
         </p:txBody>
       </p:sp>
     </p:spTree>
     <p:extLst>
       <p:ext uri="{BB962C8B-B14F-4D97-AF65-F5344CB8AC3E}">
-        <p14:creationId xmlns:p14="http://schemas.microsoft.com/office/powerpoint/2010/main" val="1365822039"/>
+        <p14:creationId xmlns:p14="http://schemas.microsoft.com/office/powerpoint/2010/main" val="3275529585"/>
       </p:ext>
     </p:extLst>
   </p:cSld>
@@ -7295,41 +7141,277 @@
       </p:grpSpPr>
       <p:sp>
         <p:nvSpPr>
-          <p:cNvPr id="6" name="Content Placeholder 5">
-            <a:extLst>
-              <a:ext uri="{FF2B5EF4-FFF2-40B4-BE49-F238E27FC236}">
-                <a16:creationId xmlns:a16="http://schemas.microsoft.com/office/drawing/2014/main" id="{141E0C07-F06C-4411-E1BD-5213BE6F5B12}"/>
-              </a:ext>
-            </a:extLst>
-          </p:cNvPr>
-          <p:cNvSpPr>
-            <a:spLocks noGrp="1"/>
+          <p:cNvPr id="5" name="TextBox 4">
+            <a:extLst>
+              <a:ext uri="{FF2B5EF4-FFF2-40B4-BE49-F238E27FC236}">
+                <a16:creationId xmlns:a16="http://schemas.microsoft.com/office/drawing/2014/main" id="{6D006505-1806-2ECF-1FAC-7227B64795FA}"/>
+              </a:ext>
+            </a:extLst>
+          </p:cNvPr>
+          <p:cNvSpPr txBox="1"/>
+          <p:nvPr/>
+        </p:nvSpPr>
+        <p:spPr>
+          <a:xfrm>
+            <a:off x="722517" y="492851"/>
+            <a:ext cx="9336723" cy="1323439"/>
+          </a:xfrm>
+          <a:prstGeom prst="rect">
+            <a:avLst/>
+          </a:prstGeom>
+          <a:noFill/>
+        </p:spPr>
+        <p:txBody>
+          <a:bodyPr wrap="none" rtlCol="0">
+            <a:spAutoFit/>
+          </a:bodyPr>
+          <a:lstStyle/>
+          <a:p>
+            <a:r>
+              <a:rPr lang="en-US" sz="8000" dirty="0">
+                <a:solidFill>
+                  <a:srgbClr val="043D4D"/>
+                </a:solidFill>
+                <a:latin typeface="DIN Condensed" pitchFamily="2" charset="0"/>
+                <a:cs typeface="Aharoni" panose="02010803020104030203" pitchFamily="2" charset="-79"/>
+              </a:rPr>
+              <a:t>”Simplified” Tree Sequences</a:t>
+            </a:r>
+          </a:p>
+        </p:txBody>
+      </p:sp>
+      <p:pic>
+        <p:nvPicPr>
+          <p:cNvPr id="23" name="Content Placeholder 22" descr="A diagram of lines and dots&#10;&#10;Description automatically generated">
+            <a:extLst>
+              <a:ext uri="{FF2B5EF4-FFF2-40B4-BE49-F238E27FC236}">
+                <a16:creationId xmlns:a16="http://schemas.microsoft.com/office/drawing/2014/main" id="{5DAF9310-9BAC-6B6C-1F1D-5F4BD88B4ECD}"/>
+              </a:ext>
+            </a:extLst>
+          </p:cNvPr>
+          <p:cNvPicPr>
+            <a:picLocks noGrp="1" noChangeAspect="1"/>
+          </p:cNvPicPr>
+          <p:nvPr>
+            <p:ph sz="half" idx="1"/>
+          </p:nvPr>
+        </p:nvPicPr>
+        <p:blipFill>
+          <a:blip r:embed="rId2"/>
+          <a:stretch>
+            <a:fillRect/>
+          </a:stretch>
+        </p:blipFill>
+        <p:spPr>
+          <a:xfrm>
+            <a:off x="1148577" y="1825625"/>
+            <a:ext cx="4560846" cy="4351338"/>
+          </a:xfrm>
+        </p:spPr>
+      </p:pic>
+      <p:sp>
+        <p:nvSpPr>
+          <p:cNvPr id="24" name="Content Placeholder 10">
+            <a:extLst>
+              <a:ext uri="{FF2B5EF4-FFF2-40B4-BE49-F238E27FC236}">
+                <a16:creationId xmlns:a16="http://schemas.microsoft.com/office/drawing/2014/main" id="{EEDC9D2F-D905-17D7-48F0-F3BEC25E6B8E}"/>
+              </a:ext>
+            </a:extLst>
+          </p:cNvPr>
+          <p:cNvSpPr txBox="1">
+            <a:spLocks/>
           </p:cNvSpPr>
-          <p:nvPr>
-            <p:ph idx="1"/>
-          </p:nvPr>
-        </p:nvSpPr>
-        <p:spPr/>
-        <p:txBody>
-          <a:bodyPr>
+          <p:nvPr/>
+        </p:nvSpPr>
+        <p:spPr>
+          <a:xfrm>
+            <a:off x="6324600" y="1978025"/>
+            <a:ext cx="5181600" cy="4351338"/>
+          </a:xfrm>
+          <a:prstGeom prst="rect">
+            <a:avLst/>
+          </a:prstGeom>
+        </p:spPr>
+        <p:txBody>
+          <a:bodyPr vert="horz" lIns="91440" tIns="45720" rIns="91440" bIns="45720" rtlCol="0">
             <a:normAutofit/>
           </a:bodyPr>
-          <a:lstStyle/>
+          <a:lstStyle>
+            <a:lvl1pPr marL="228600" indent="-228600" algn="l" defTabSz="914400" rtl="0" eaLnBrk="1" latinLnBrk="0" hangingPunct="1">
+              <a:lnSpc>
+                <a:spcPct val="90000"/>
+              </a:lnSpc>
+              <a:spcBef>
+                <a:spcPts val="1000"/>
+              </a:spcBef>
+              <a:buFont typeface="Arial" panose="020B0604020202020204" pitchFamily="34" charset="0"/>
+              <a:buChar char="•"/>
+              <a:defRPr sz="2800" kern="1200">
+                <a:solidFill>
+                  <a:schemeClr val="tx1"/>
+                </a:solidFill>
+                <a:latin typeface="+mn-lt"/>
+                <a:ea typeface="+mn-ea"/>
+                <a:cs typeface="+mn-cs"/>
+              </a:defRPr>
+            </a:lvl1pPr>
+            <a:lvl2pPr marL="685800" indent="-228600" algn="l" defTabSz="914400" rtl="0" eaLnBrk="1" latinLnBrk="0" hangingPunct="1">
+              <a:lnSpc>
+                <a:spcPct val="90000"/>
+              </a:lnSpc>
+              <a:spcBef>
+                <a:spcPts val="500"/>
+              </a:spcBef>
+              <a:buFont typeface="Arial" panose="020B0604020202020204" pitchFamily="34" charset="0"/>
+              <a:buChar char="•"/>
+              <a:defRPr sz="2400" kern="1200">
+                <a:solidFill>
+                  <a:schemeClr val="tx1"/>
+                </a:solidFill>
+                <a:latin typeface="+mn-lt"/>
+                <a:ea typeface="+mn-ea"/>
+                <a:cs typeface="+mn-cs"/>
+              </a:defRPr>
+            </a:lvl2pPr>
+            <a:lvl3pPr marL="1143000" indent="-228600" algn="l" defTabSz="914400" rtl="0" eaLnBrk="1" latinLnBrk="0" hangingPunct="1">
+              <a:lnSpc>
+                <a:spcPct val="90000"/>
+              </a:lnSpc>
+              <a:spcBef>
+                <a:spcPts val="500"/>
+              </a:spcBef>
+              <a:buFont typeface="Arial" panose="020B0604020202020204" pitchFamily="34" charset="0"/>
+              <a:buChar char="•"/>
+              <a:defRPr sz="2000" kern="1200">
+                <a:solidFill>
+                  <a:schemeClr val="tx1"/>
+                </a:solidFill>
+                <a:latin typeface="+mn-lt"/>
+                <a:ea typeface="+mn-ea"/>
+                <a:cs typeface="+mn-cs"/>
+              </a:defRPr>
+            </a:lvl3pPr>
+            <a:lvl4pPr marL="1600200" indent="-228600" algn="l" defTabSz="914400" rtl="0" eaLnBrk="1" latinLnBrk="0" hangingPunct="1">
+              <a:lnSpc>
+                <a:spcPct val="90000"/>
+              </a:lnSpc>
+              <a:spcBef>
+                <a:spcPts val="500"/>
+              </a:spcBef>
+              <a:buFont typeface="Arial" panose="020B0604020202020204" pitchFamily="34" charset="0"/>
+              <a:buChar char="•"/>
+              <a:defRPr sz="1800" kern="1200">
+                <a:solidFill>
+                  <a:schemeClr val="tx1"/>
+                </a:solidFill>
+                <a:latin typeface="+mn-lt"/>
+                <a:ea typeface="+mn-ea"/>
+                <a:cs typeface="+mn-cs"/>
+              </a:defRPr>
+            </a:lvl4pPr>
+            <a:lvl5pPr marL="2057400" indent="-228600" algn="l" defTabSz="914400" rtl="0" eaLnBrk="1" latinLnBrk="0" hangingPunct="1">
+              <a:lnSpc>
+                <a:spcPct val="90000"/>
+              </a:lnSpc>
+              <a:spcBef>
+                <a:spcPts val="500"/>
+              </a:spcBef>
+              <a:buFont typeface="Arial" panose="020B0604020202020204" pitchFamily="34" charset="0"/>
+              <a:buChar char="•"/>
+              <a:defRPr sz="1800" kern="1200">
+                <a:solidFill>
+                  <a:schemeClr val="tx1"/>
+                </a:solidFill>
+                <a:latin typeface="+mn-lt"/>
+                <a:ea typeface="+mn-ea"/>
+                <a:cs typeface="+mn-cs"/>
+              </a:defRPr>
+            </a:lvl5pPr>
+            <a:lvl6pPr marL="2514600" indent="-228600" algn="l" defTabSz="914400" rtl="0" eaLnBrk="1" latinLnBrk="0" hangingPunct="1">
+              <a:lnSpc>
+                <a:spcPct val="90000"/>
+              </a:lnSpc>
+              <a:spcBef>
+                <a:spcPts val="500"/>
+              </a:spcBef>
+              <a:buFont typeface="Arial" panose="020B0604020202020204" pitchFamily="34" charset="0"/>
+              <a:buChar char="•"/>
+              <a:defRPr sz="1800" kern="1200">
+                <a:solidFill>
+                  <a:schemeClr val="tx1"/>
+                </a:solidFill>
+                <a:latin typeface="+mn-lt"/>
+                <a:ea typeface="+mn-ea"/>
+                <a:cs typeface="+mn-cs"/>
+              </a:defRPr>
+            </a:lvl6pPr>
+            <a:lvl7pPr marL="2971800" indent="-228600" algn="l" defTabSz="914400" rtl="0" eaLnBrk="1" latinLnBrk="0" hangingPunct="1">
+              <a:lnSpc>
+                <a:spcPct val="90000"/>
+              </a:lnSpc>
+              <a:spcBef>
+                <a:spcPts val="500"/>
+              </a:spcBef>
+              <a:buFont typeface="Arial" panose="020B0604020202020204" pitchFamily="34" charset="0"/>
+              <a:buChar char="•"/>
+              <a:defRPr sz="1800" kern="1200">
+                <a:solidFill>
+                  <a:schemeClr val="tx1"/>
+                </a:solidFill>
+                <a:latin typeface="+mn-lt"/>
+                <a:ea typeface="+mn-ea"/>
+                <a:cs typeface="+mn-cs"/>
+              </a:defRPr>
+            </a:lvl7pPr>
+            <a:lvl8pPr marL="3429000" indent="-228600" algn="l" defTabSz="914400" rtl="0" eaLnBrk="1" latinLnBrk="0" hangingPunct="1">
+              <a:lnSpc>
+                <a:spcPct val="90000"/>
+              </a:lnSpc>
+              <a:spcBef>
+                <a:spcPts val="500"/>
+              </a:spcBef>
+              <a:buFont typeface="Arial" panose="020B0604020202020204" pitchFamily="34" charset="0"/>
+              <a:buChar char="•"/>
+              <a:defRPr sz="1800" kern="1200">
+                <a:solidFill>
+                  <a:schemeClr val="tx1"/>
+                </a:solidFill>
+                <a:latin typeface="+mn-lt"/>
+                <a:ea typeface="+mn-ea"/>
+                <a:cs typeface="+mn-cs"/>
+              </a:defRPr>
+            </a:lvl8pPr>
+            <a:lvl9pPr marL="3886200" indent="-228600" algn="l" defTabSz="914400" rtl="0" eaLnBrk="1" latinLnBrk="0" hangingPunct="1">
+              <a:lnSpc>
+                <a:spcPct val="90000"/>
+              </a:lnSpc>
+              <a:spcBef>
+                <a:spcPts val="500"/>
+              </a:spcBef>
+              <a:buFont typeface="Arial" panose="020B0604020202020204" pitchFamily="34" charset="0"/>
+              <a:buChar char="•"/>
+              <a:defRPr sz="1800" kern="1200">
+                <a:solidFill>
+                  <a:schemeClr val="tx1"/>
+                </a:solidFill>
+                <a:latin typeface="+mn-lt"/>
+                <a:ea typeface="+mn-ea"/>
+                <a:cs typeface="+mn-cs"/>
+              </a:defRPr>
+            </a:lvl9pPr>
+          </a:lstStyle>
           <a:p>
             <a:pPr>
               <a:buFontTx/>
               <a:buChar char="-"/>
             </a:pPr>
-            <a:r>
-              <a:rPr lang="en-US" sz="2400" dirty="0">
-                <a:solidFill>
-                  <a:srgbClr val="043D4D"/>
-                </a:solidFill>
-                <a:latin typeface="Arial" panose="020B0604020202020204" pitchFamily="34" charset="0"/>
-                <a:cs typeface="Arial" panose="020B0604020202020204" pitchFamily="34" charset="0"/>
-              </a:rPr>
-              <a:t>Best for smaller ARGs</a:t>
-            </a:r>
+            <a:endParaRPr lang="en-US" sz="1050" dirty="0">
+              <a:solidFill>
+                <a:srgbClr val="043D4D"/>
+              </a:solidFill>
+              <a:latin typeface="Arial" panose="020B0604020202020204" pitchFamily="34" charset="0"/>
+              <a:cs typeface="Arial" panose="020B0604020202020204" pitchFamily="34" charset="0"/>
+            </a:endParaRPr>
           </a:p>
           <a:p>
             <a:pPr>
@@ -7344,7 +7426,27 @@
                 <a:latin typeface="Arial" panose="020B0604020202020204" pitchFamily="34" charset="0"/>
                 <a:cs typeface="Arial" panose="020B0604020202020204" pitchFamily="34" charset="0"/>
               </a:rPr>
-              <a:t>Node positions will still require fine tuning/untangling, particularly around recombination nodes or if the order of the sample nodes isn’t optimal</a:t>
+              <a:t>Visualizer also works for tree sequences that don’t have marked recombination nodes as long as `</a:t>
+            </a:r>
+            <a:r>
+              <a:rPr lang="en-US" sz="2400" dirty="0" err="1">
+                <a:solidFill>
+                  <a:srgbClr val="043D4D"/>
+                </a:solidFill>
+                <a:latin typeface="Arial" panose="020B0604020202020204" pitchFamily="34" charset="0"/>
+                <a:cs typeface="Arial" panose="020B0604020202020204" pitchFamily="34" charset="0"/>
+              </a:rPr>
+              <a:t>edge_type</a:t>
+            </a:r>
+            <a:r>
+              <a:rPr lang="en-US" sz="2400" dirty="0">
+                <a:solidFill>
+                  <a:srgbClr val="043D4D"/>
+                </a:solidFill>
+                <a:latin typeface="Arial" panose="020B0604020202020204" pitchFamily="34" charset="0"/>
+                <a:cs typeface="Arial" panose="020B0604020202020204" pitchFamily="34" charset="0"/>
+              </a:rPr>
+              <a:t>=“line”` (default).</a:t>
             </a:r>
           </a:p>
           <a:p>
@@ -7360,92 +7462,39 @@
                 <a:latin typeface="Arial" panose="020B0604020202020204" pitchFamily="34" charset="0"/>
                 <a:cs typeface="Arial" panose="020B0604020202020204" pitchFamily="34" charset="0"/>
               </a:rPr>
-              <a:t>“ortho” edge pathing can’t yet handle polytomies; `</a:t>
-            </a:r>
-            <a:r>
-              <a:rPr lang="en-US" sz="2400" dirty="0" err="1">
-                <a:solidFill>
-                  <a:srgbClr val="043D4D"/>
-                </a:solidFill>
-                <a:latin typeface="Arial" panose="020B0604020202020204" pitchFamily="34" charset="0"/>
-                <a:cs typeface="Arial" panose="020B0604020202020204" pitchFamily="34" charset="0"/>
-              </a:rPr>
-              <a:t>edge_type</a:t>
-            </a:r>
-            <a:r>
-              <a:rPr lang="en-US" sz="2400" dirty="0">
-                <a:solidFill>
-                  <a:srgbClr val="043D4D"/>
-                </a:solidFill>
-                <a:latin typeface="Arial" panose="020B0604020202020204" pitchFamily="34" charset="0"/>
-                <a:cs typeface="Arial" panose="020B0604020202020204" pitchFamily="34" charset="0"/>
-              </a:rPr>
-              <a:t>=“line”` is better for this</a:t>
-            </a:r>
-          </a:p>
-          <a:p>
-            <a:pPr>
-              <a:buFontTx/>
-              <a:buChar char="-"/>
+              <a:t>“ortho” edge pathing does not work for that type of tree sequences. All other functionality is the same.</a:t>
+            </a:r>
+          </a:p>
+          <a:p>
+            <a:pPr marL="0" indent="0">
+              <a:buNone/>
             </a:pPr>
-            <a:r>
-              <a:rPr lang="en-US" sz="2400" dirty="0">
-                <a:solidFill>
-                  <a:srgbClr val="043D4D"/>
-                </a:solidFill>
-                <a:latin typeface="Arial" panose="020B0604020202020204" pitchFamily="34" charset="0"/>
-                <a:cs typeface="Arial" panose="020B0604020202020204" pitchFamily="34" charset="0"/>
-              </a:rPr>
-              <a:t>Requires a connection to the internet to load D3.js from a CDN</a:t>
-            </a:r>
-          </a:p>
-        </p:txBody>
-      </p:sp>
-      <p:sp>
-        <p:nvSpPr>
-          <p:cNvPr id="7" name="TextBox 6">
-            <a:extLst>
-              <a:ext uri="{FF2B5EF4-FFF2-40B4-BE49-F238E27FC236}">
-                <a16:creationId xmlns:a16="http://schemas.microsoft.com/office/drawing/2014/main" id="{92123D94-AB6A-43B5-88FC-674D83D33E35}"/>
-              </a:ext>
-            </a:extLst>
-          </p:cNvPr>
-          <p:cNvSpPr txBox="1"/>
-          <p:nvPr/>
-        </p:nvSpPr>
-        <p:spPr>
-          <a:xfrm>
-            <a:off x="722517" y="492851"/>
-            <a:ext cx="5101333" cy="1323439"/>
-          </a:xfrm>
-          <a:prstGeom prst="rect">
-            <a:avLst/>
-          </a:prstGeom>
-          <a:noFill/>
-        </p:spPr>
-        <p:txBody>
-          <a:bodyPr wrap="none" rtlCol="0">
-            <a:spAutoFit/>
-          </a:bodyPr>
-          <a:lstStyle/>
-          <a:p>
-            <a:r>
-              <a:rPr lang="en-US" sz="8000" dirty="0">
-                <a:solidFill>
-                  <a:srgbClr val="043D4D"/>
-                </a:solidFill>
-                <a:latin typeface="DIN Condensed" pitchFamily="2" charset="0"/>
-                <a:cs typeface="Aharoni" panose="02010803020104030203" pitchFamily="2" charset="-79"/>
-              </a:rPr>
-              <a:t>Considerations</a:t>
-            </a:r>
+            <a:endParaRPr lang="en-US" sz="2400" dirty="0">
+              <a:solidFill>
+                <a:srgbClr val="043D4D"/>
+              </a:solidFill>
+              <a:latin typeface="Arial" panose="020B0604020202020204" pitchFamily="34" charset="0"/>
+              <a:cs typeface="Arial" panose="020B0604020202020204" pitchFamily="34" charset="0"/>
+            </a:endParaRPr>
+          </a:p>
+          <a:p>
+            <a:pPr marL="0" indent="0">
+              <a:buNone/>
+            </a:pPr>
+            <a:endParaRPr lang="en-US" sz="2400" dirty="0">
+              <a:solidFill>
+                <a:srgbClr val="043D4D"/>
+              </a:solidFill>
+              <a:latin typeface="Arial" panose="020B0604020202020204" pitchFamily="34" charset="0"/>
+              <a:cs typeface="Arial" panose="020B0604020202020204" pitchFamily="34" charset="0"/>
+            </a:endParaRPr>
           </a:p>
         </p:txBody>
       </p:sp>
     </p:spTree>
     <p:extLst>
       <p:ext uri="{BB962C8B-B14F-4D97-AF65-F5344CB8AC3E}">
-        <p14:creationId xmlns:p14="http://schemas.microsoft.com/office/powerpoint/2010/main" val="1291751435"/>
+        <p14:creationId xmlns:p14="http://schemas.microsoft.com/office/powerpoint/2010/main" val="1365822039"/>
       </p:ext>
     </p:extLst>
   </p:cSld>
@@ -7474,6 +7523,185 @@
       </p:grpSpPr>
       <p:sp>
         <p:nvSpPr>
+          <p:cNvPr id="6" name="Content Placeholder 5">
+            <a:extLst>
+              <a:ext uri="{FF2B5EF4-FFF2-40B4-BE49-F238E27FC236}">
+                <a16:creationId xmlns:a16="http://schemas.microsoft.com/office/drawing/2014/main" id="{141E0C07-F06C-4411-E1BD-5213BE6F5B12}"/>
+              </a:ext>
+            </a:extLst>
+          </p:cNvPr>
+          <p:cNvSpPr>
+            <a:spLocks noGrp="1"/>
+          </p:cNvSpPr>
+          <p:nvPr>
+            <p:ph idx="1"/>
+          </p:nvPr>
+        </p:nvSpPr>
+        <p:spPr/>
+        <p:txBody>
+          <a:bodyPr>
+            <a:normAutofit/>
+          </a:bodyPr>
+          <a:lstStyle/>
+          <a:p>
+            <a:pPr>
+              <a:buFontTx/>
+              <a:buChar char="-"/>
+            </a:pPr>
+            <a:r>
+              <a:rPr lang="en-US" sz="2400" dirty="0">
+                <a:solidFill>
+                  <a:srgbClr val="043D4D"/>
+                </a:solidFill>
+                <a:latin typeface="Arial" panose="020B0604020202020204" pitchFamily="34" charset="0"/>
+                <a:cs typeface="Arial" panose="020B0604020202020204" pitchFamily="34" charset="0"/>
+              </a:rPr>
+              <a:t>Best for smaller ARGs</a:t>
+            </a:r>
+          </a:p>
+          <a:p>
+            <a:pPr>
+              <a:buFontTx/>
+              <a:buChar char="-"/>
+            </a:pPr>
+            <a:r>
+              <a:rPr lang="en-US" sz="2400" dirty="0">
+                <a:solidFill>
+                  <a:srgbClr val="043D4D"/>
+                </a:solidFill>
+                <a:latin typeface="Arial" panose="020B0604020202020204" pitchFamily="34" charset="0"/>
+                <a:cs typeface="Arial" panose="020B0604020202020204" pitchFamily="34" charset="0"/>
+              </a:rPr>
+              <a:t>Node positions will still require fine tuning/untangling, particularly around recombination nodes or if the order of the sample nodes isn’t optimal</a:t>
+            </a:r>
+          </a:p>
+          <a:p>
+            <a:pPr>
+              <a:buFontTx/>
+              <a:buChar char="-"/>
+            </a:pPr>
+            <a:r>
+              <a:rPr lang="en-US" sz="2400" dirty="0">
+                <a:solidFill>
+                  <a:srgbClr val="043D4D"/>
+                </a:solidFill>
+                <a:latin typeface="Arial" panose="020B0604020202020204" pitchFamily="34" charset="0"/>
+                <a:cs typeface="Arial" panose="020B0604020202020204" pitchFamily="34" charset="0"/>
+              </a:rPr>
+              <a:t>“ortho” edge pathing can’t yet handle polytomies; `</a:t>
+            </a:r>
+            <a:r>
+              <a:rPr lang="en-US" sz="2400" dirty="0" err="1">
+                <a:solidFill>
+                  <a:srgbClr val="043D4D"/>
+                </a:solidFill>
+                <a:latin typeface="Arial" panose="020B0604020202020204" pitchFamily="34" charset="0"/>
+                <a:cs typeface="Arial" panose="020B0604020202020204" pitchFamily="34" charset="0"/>
+              </a:rPr>
+              <a:t>edge_type</a:t>
+            </a:r>
+            <a:r>
+              <a:rPr lang="en-US" sz="2400" dirty="0">
+                <a:solidFill>
+                  <a:srgbClr val="043D4D"/>
+                </a:solidFill>
+                <a:latin typeface="Arial" panose="020B0604020202020204" pitchFamily="34" charset="0"/>
+                <a:cs typeface="Arial" panose="020B0604020202020204" pitchFamily="34" charset="0"/>
+              </a:rPr>
+              <a:t>=“line”` is better for this</a:t>
+            </a:r>
+          </a:p>
+          <a:p>
+            <a:pPr>
+              <a:buFontTx/>
+              <a:buChar char="-"/>
+            </a:pPr>
+            <a:r>
+              <a:rPr lang="en-US" sz="2400" dirty="0">
+                <a:solidFill>
+                  <a:srgbClr val="043D4D"/>
+                </a:solidFill>
+                <a:latin typeface="Arial" panose="020B0604020202020204" pitchFamily="34" charset="0"/>
+                <a:cs typeface="Arial" panose="020B0604020202020204" pitchFamily="34" charset="0"/>
+              </a:rPr>
+              <a:t>Requires a connection to the internet to load D3.js from a CDN</a:t>
+            </a:r>
+          </a:p>
+        </p:txBody>
+      </p:sp>
+      <p:sp>
+        <p:nvSpPr>
+          <p:cNvPr id="7" name="TextBox 6">
+            <a:extLst>
+              <a:ext uri="{FF2B5EF4-FFF2-40B4-BE49-F238E27FC236}">
+                <a16:creationId xmlns:a16="http://schemas.microsoft.com/office/drawing/2014/main" id="{92123D94-AB6A-43B5-88FC-674D83D33E35}"/>
+              </a:ext>
+            </a:extLst>
+          </p:cNvPr>
+          <p:cNvSpPr txBox="1"/>
+          <p:nvPr/>
+        </p:nvSpPr>
+        <p:spPr>
+          <a:xfrm>
+            <a:off x="722517" y="492851"/>
+            <a:ext cx="5101333" cy="1323439"/>
+          </a:xfrm>
+          <a:prstGeom prst="rect">
+            <a:avLst/>
+          </a:prstGeom>
+          <a:noFill/>
+        </p:spPr>
+        <p:txBody>
+          <a:bodyPr wrap="none" rtlCol="0">
+            <a:spAutoFit/>
+          </a:bodyPr>
+          <a:lstStyle/>
+          <a:p>
+            <a:r>
+              <a:rPr lang="en-US" sz="8000" dirty="0">
+                <a:solidFill>
+                  <a:srgbClr val="043D4D"/>
+                </a:solidFill>
+                <a:latin typeface="DIN Condensed" pitchFamily="2" charset="0"/>
+                <a:cs typeface="Aharoni" panose="02010803020104030203" pitchFamily="2" charset="-79"/>
+              </a:rPr>
+              <a:t>Considerations</a:t>
+            </a:r>
+          </a:p>
+        </p:txBody>
+      </p:sp>
+    </p:spTree>
+    <p:extLst>
+      <p:ext uri="{BB962C8B-B14F-4D97-AF65-F5344CB8AC3E}">
+        <p14:creationId xmlns:p14="http://schemas.microsoft.com/office/powerpoint/2010/main" val="1291751435"/>
+      </p:ext>
+    </p:extLst>
+  </p:cSld>
+  <p:clrMapOvr>
+    <a:masterClrMapping/>
+  </p:clrMapOvr>
+</p:sld>
+</file>
+
+<file path=ppt/slides/slide24.xml><?xml version="1.0" encoding="utf-8"?>
+<p:sld xmlns:a="http://schemas.openxmlformats.org/drawingml/2006/main" xmlns:r="http://schemas.openxmlformats.org/officeDocument/2006/relationships" xmlns:p="http://schemas.openxmlformats.org/presentationml/2006/main">
+  <p:cSld>
+    <p:spTree>
+      <p:nvGrpSpPr>
+        <p:cNvPr id="1" name=""/>
+        <p:cNvGrpSpPr/>
+        <p:nvPr/>
+      </p:nvGrpSpPr>
+      <p:grpSpPr>
+        <a:xfrm>
+          <a:off x="0" y="0"/>
+          <a:ext cx="0" cy="0"/>
+          <a:chOff x="0" y="0"/>
+          <a:chExt cx="0" cy="0"/>
+        </a:xfrm>
+      </p:grpSpPr>
+      <p:sp>
+        <p:nvSpPr>
           <p:cNvPr id="3" name="Content Placeholder 2">
             <a:extLst>
               <a:ext uri="{FF2B5EF4-FFF2-40B4-BE49-F238E27FC236}">
@@ -7773,8 +8001,8 @@
 </p:sld>
 </file>
 
-<file path=ppt/slides/slide24.xml><?xml version="1.0" encoding="utf-8"?>
-<p:sld xmlns:a="http://schemas.openxmlformats.org/drawingml/2006/main" xmlns:r="http://schemas.openxmlformats.org/officeDocument/2006/relationships" xmlns:p="http://schemas.openxmlformats.org/presentationml/2006/main">
+<file path=ppt/slides/slide25.xml><?xml version="1.0" encoding="utf-8"?>
+<p:sld xmlns:a="http://schemas.openxmlformats.org/drawingml/2006/main" xmlns:r="http://schemas.openxmlformats.org/officeDocument/2006/relationships" xmlns:p="http://schemas.openxmlformats.org/presentationml/2006/main" show="0">
   <p:cSld>
     <p:spTree>
       <p:nvGrpSpPr>
@@ -8397,7 +8625,7 @@
 </file>
 
 <file path=ppt/slides/slide3.xml><?xml version="1.0" encoding="utf-8"?>
-<p:sld xmlns:a="http://schemas.openxmlformats.org/drawingml/2006/main" xmlns:r="http://schemas.openxmlformats.org/officeDocument/2006/relationships" xmlns:p="http://schemas.openxmlformats.org/presentationml/2006/main">
+<p:sld xmlns:a="http://schemas.openxmlformats.org/drawingml/2006/main" xmlns:r="http://schemas.openxmlformats.org/officeDocument/2006/relationships" xmlns:p="http://schemas.openxmlformats.org/presentationml/2006/main" show="0">
   <p:cSld>
     <p:spTree>
       <p:nvGrpSpPr>
@@ -8505,365 +8733,66 @@
       </p:grpSpPr>
       <p:pic>
         <p:nvPicPr>
-          <p:cNvPr id="1028" name="Picture 4" descr="What is Python Coding?">
-            <a:extLst>
-              <a:ext uri="{FF2B5EF4-FFF2-40B4-BE49-F238E27FC236}">
-                <a16:creationId xmlns:a16="http://schemas.microsoft.com/office/drawing/2014/main" id="{0BC942EC-3C18-A94B-7E4E-6A81C77E978C}"/>
+          <p:cNvPr id="4" name="Picture 3" descr="A screenshot of a graph&#10;&#10;Description automatically generated">
+            <a:extLst>
+              <a:ext uri="{FF2B5EF4-FFF2-40B4-BE49-F238E27FC236}">
+                <a16:creationId xmlns:a16="http://schemas.microsoft.com/office/drawing/2014/main" id="{FE06C633-72F0-9E9C-8003-FD7CE1F8CEA7}"/>
               </a:ext>
             </a:extLst>
           </p:cNvPr>
           <p:cNvPicPr>
-            <a:picLocks noChangeAspect="1" noChangeArrowheads="1"/>
+            <a:picLocks noChangeAspect="1"/>
           </p:cNvPicPr>
           <p:nvPr/>
         </p:nvPicPr>
-        <p:blipFill>
-          <a:blip r:embed="rId2">
-            <a:extLst>
-              <a:ext uri="{28A0092B-C50C-407E-A947-70E740481C1C}">
-                <a14:useLocalDpi xmlns:a14="http://schemas.microsoft.com/office/drawing/2010/main" val="0"/>
-              </a:ext>
-            </a:extLst>
-          </a:blip>
-          <a:srcRect/>
-          <a:stretch>
-            <a:fillRect/>
-          </a:stretch>
+        <p:blipFill rotWithShape="1">
+          <a:blip r:embed="rId3"/>
+          <a:srcRect t="8389"/>
+          <a:stretch/>
         </p:blipFill>
-        <p:spPr bwMode="auto">
-          <a:xfrm>
-            <a:off x="316894" y="2083735"/>
-            <a:ext cx="4460789" cy="4460789"/>
+        <p:spPr>
+          <a:xfrm>
+            <a:off x="323592" y="707237"/>
+            <a:ext cx="5596234" cy="5443527"/>
           </a:xfrm>
           <a:prstGeom prst="rect">
             <a:avLst/>
           </a:prstGeom>
-          <a:noFill/>
-          <a:extLst>
-            <a:ext uri="{909E8E84-426E-40DD-AFC4-6F175D3DCCD1}">
-              <a14:hiddenFill xmlns:a14="http://schemas.microsoft.com/office/drawing/2010/main">
-                <a:solidFill>
-                  <a:srgbClr val="FFFFFF"/>
-                </a:solidFill>
-              </a14:hiddenFill>
-            </a:ext>
-          </a:extLst>
         </p:spPr>
       </p:pic>
       <p:pic>
         <p:nvPicPr>
-          <p:cNvPr id="1026" name="Picture 2">
-            <a:extLst>
-              <a:ext uri="{FF2B5EF4-FFF2-40B4-BE49-F238E27FC236}">
-                <a16:creationId xmlns:a16="http://schemas.microsoft.com/office/drawing/2014/main" id="{D1AC9C57-4A7F-F547-29AC-7D28E0A698C1}"/>
+          <p:cNvPr id="7" name="Picture 6" descr="A screenshot of a computer&#10;&#10;Description automatically generated">
+            <a:extLst>
+              <a:ext uri="{FF2B5EF4-FFF2-40B4-BE49-F238E27FC236}">
+                <a16:creationId xmlns:a16="http://schemas.microsoft.com/office/drawing/2014/main" id="{B0A7C332-75DA-B78F-C541-18A1CF6733F2}"/>
               </a:ext>
             </a:extLst>
           </p:cNvPr>
           <p:cNvPicPr>
-            <a:picLocks noChangeAspect="1" noChangeArrowheads="1"/>
+            <a:picLocks noChangeAspect="1"/>
           </p:cNvPicPr>
           <p:nvPr/>
         </p:nvPicPr>
-        <p:blipFill>
-          <a:blip r:embed="rId3">
-            <a:extLst>
-              <a:ext uri="{28A0092B-C50C-407E-A947-70E740481C1C}">
-                <a14:useLocalDpi xmlns:a14="http://schemas.microsoft.com/office/drawing/2010/main" val="0"/>
-              </a:ext>
-            </a:extLst>
-          </a:blip>
-          <a:srcRect/>
-          <a:stretch>
-            <a:fillRect/>
-          </a:stretch>
+        <p:blipFill rotWithShape="1">
+          <a:blip r:embed="rId4"/>
+          <a:srcRect t="8390"/>
+          <a:stretch/>
         </p:blipFill>
-        <p:spPr bwMode="auto">
-          <a:xfrm>
-            <a:off x="5346791" y="3090124"/>
-            <a:ext cx="2448010" cy="2448010"/>
+        <p:spPr>
+          <a:xfrm>
+            <a:off x="6243418" y="707237"/>
+            <a:ext cx="5624990" cy="5443527"/>
           </a:xfrm>
           <a:prstGeom prst="rect">
             <a:avLst/>
           </a:prstGeom>
-          <a:noFill/>
-          <a:extLst>
-            <a:ext uri="{909E8E84-426E-40DD-AFC4-6F175D3DCCD1}">
-              <a14:hiddenFill xmlns:a14="http://schemas.microsoft.com/office/drawing/2010/main">
-                <a:solidFill>
-                  <a:srgbClr val="FFFFFF"/>
-                </a:solidFill>
-              </a14:hiddenFill>
-            </a:ext>
-          </a:extLst>
         </p:spPr>
       </p:pic>
-      <p:pic>
-        <p:nvPicPr>
-          <p:cNvPr id="1030" name="Picture 6" descr="HTML - Wikipedia">
-            <a:extLst>
-              <a:ext uri="{FF2B5EF4-FFF2-40B4-BE49-F238E27FC236}">
-                <a16:creationId xmlns:a16="http://schemas.microsoft.com/office/drawing/2014/main" id="{832DF6FD-5747-3CBA-C551-E68C46AB4D38}"/>
-              </a:ext>
-            </a:extLst>
-          </p:cNvPr>
-          <p:cNvPicPr>
-            <a:picLocks noChangeAspect="1" noChangeArrowheads="1"/>
-          </p:cNvPicPr>
-          <p:nvPr/>
-        </p:nvPicPr>
-        <p:blipFill>
-          <a:blip r:embed="rId4">
-            <a:extLst>
-              <a:ext uri="{28A0092B-C50C-407E-A947-70E740481C1C}">
-                <a14:useLocalDpi xmlns:a14="http://schemas.microsoft.com/office/drawing/2010/main" val="0"/>
-              </a:ext>
-            </a:extLst>
-          </a:blip>
-          <a:srcRect/>
-          <a:stretch>
-            <a:fillRect/>
-          </a:stretch>
-        </p:blipFill>
-        <p:spPr bwMode="auto">
-          <a:xfrm>
-            <a:off x="9203686" y="3090124"/>
-            <a:ext cx="2448010" cy="2448010"/>
-          </a:xfrm>
-          <a:prstGeom prst="rect">
-            <a:avLst/>
-          </a:prstGeom>
-          <a:noFill/>
-          <a:extLst>
-            <a:ext uri="{909E8E84-426E-40DD-AFC4-6F175D3DCCD1}">
-              <a14:hiddenFill xmlns:a14="http://schemas.microsoft.com/office/drawing/2010/main">
-                <a:solidFill>
-                  <a:srgbClr val="FFFFFF"/>
-                </a:solidFill>
-              </a14:hiddenFill>
-            </a:ext>
-          </a:extLst>
-        </p:spPr>
-      </p:pic>
-      <p:pic>
-        <p:nvPicPr>
-          <p:cNvPr id="1032" name="Picture 8" descr="CSS - Wikipedia">
-            <a:extLst>
-              <a:ext uri="{FF2B5EF4-FFF2-40B4-BE49-F238E27FC236}">
-                <a16:creationId xmlns:a16="http://schemas.microsoft.com/office/drawing/2014/main" id="{277BC29C-935F-9AE1-7BD2-CF9F97C9F053}"/>
-              </a:ext>
-            </a:extLst>
-          </p:cNvPr>
-          <p:cNvPicPr>
-            <a:picLocks noChangeAspect="1" noChangeArrowheads="1"/>
-          </p:cNvPicPr>
-          <p:nvPr/>
-        </p:nvPicPr>
-        <p:blipFill>
-          <a:blip r:embed="rId5">
-            <a:extLst>
-              <a:ext uri="{28A0092B-C50C-407E-A947-70E740481C1C}">
-                <a14:useLocalDpi xmlns:a14="http://schemas.microsoft.com/office/drawing/2010/main" val="0"/>
-              </a:ext>
-            </a:extLst>
-          </a:blip>
-          <a:srcRect/>
-          <a:stretch>
-            <a:fillRect/>
-          </a:stretch>
-        </p:blipFill>
-        <p:spPr bwMode="auto">
-          <a:xfrm>
-            <a:off x="8533111" y="1010996"/>
-            <a:ext cx="826389" cy="1167438"/>
-          </a:xfrm>
-          <a:prstGeom prst="rect">
-            <a:avLst/>
-          </a:prstGeom>
-          <a:noFill/>
-          <a:extLst>
-            <a:ext uri="{909E8E84-426E-40DD-AFC4-6F175D3DCCD1}">
-              <a14:hiddenFill xmlns:a14="http://schemas.microsoft.com/office/drawing/2010/main">
-                <a:solidFill>
-                  <a:srgbClr val="FFFFFF"/>
-                </a:solidFill>
-              </a14:hiddenFill>
-            </a:ext>
-          </a:extLst>
-        </p:spPr>
-      </p:pic>
-      <p:cxnSp>
-        <p:nvCxnSpPr>
-          <p:cNvPr id="5" name="Straight Arrow Connector 4">
-            <a:extLst>
-              <a:ext uri="{FF2B5EF4-FFF2-40B4-BE49-F238E27FC236}">
-                <a16:creationId xmlns:a16="http://schemas.microsoft.com/office/drawing/2014/main" id="{393F6AF3-1800-FD5B-0E01-315919A80FB5}"/>
-              </a:ext>
-            </a:extLst>
-          </p:cNvPr>
-          <p:cNvCxnSpPr/>
-          <p:nvPr/>
-        </p:nvCxnSpPr>
-        <p:spPr>
-          <a:xfrm>
-            <a:off x="4312584" y="4314129"/>
-            <a:ext cx="506627" cy="0"/>
-          </a:xfrm>
-          <a:prstGeom prst="straightConnector1">
-            <a:avLst/>
-          </a:prstGeom>
-          <a:ln w="63500">
-            <a:solidFill>
-              <a:srgbClr val="043D4D"/>
-            </a:solidFill>
-            <a:tailEnd type="triangle"/>
-          </a:ln>
-        </p:spPr>
-        <p:style>
-          <a:lnRef idx="1">
-            <a:schemeClr val="accent1"/>
-          </a:lnRef>
-          <a:fillRef idx="0">
-            <a:schemeClr val="accent1"/>
-          </a:fillRef>
-          <a:effectRef idx="0">
-            <a:schemeClr val="accent1"/>
-          </a:effectRef>
-          <a:fontRef idx="minor">
-            <a:schemeClr val="tx1"/>
-          </a:fontRef>
-        </p:style>
-      </p:cxnSp>
-      <p:cxnSp>
-        <p:nvCxnSpPr>
-          <p:cNvPr id="6" name="Straight Arrow Connector 5">
-            <a:extLst>
-              <a:ext uri="{FF2B5EF4-FFF2-40B4-BE49-F238E27FC236}">
-                <a16:creationId xmlns:a16="http://schemas.microsoft.com/office/drawing/2014/main" id="{62717A5B-C61F-AFEB-95F1-1FDCFA56E9EC}"/>
-              </a:ext>
-            </a:extLst>
-          </p:cNvPr>
-          <p:cNvCxnSpPr/>
-          <p:nvPr/>
-        </p:nvCxnSpPr>
-        <p:spPr>
-          <a:xfrm>
-            <a:off x="8468464" y="4314129"/>
-            <a:ext cx="506627" cy="0"/>
-          </a:xfrm>
-          <a:prstGeom prst="straightConnector1">
-            <a:avLst/>
-          </a:prstGeom>
-          <a:ln w="63500">
-            <a:solidFill>
-              <a:srgbClr val="043D4D"/>
-            </a:solidFill>
-            <a:tailEnd type="triangle"/>
-          </a:ln>
-        </p:spPr>
-        <p:style>
-          <a:lnRef idx="1">
-            <a:schemeClr val="accent1"/>
-          </a:lnRef>
-          <a:fillRef idx="0">
-            <a:schemeClr val="accent1"/>
-          </a:fillRef>
-          <a:effectRef idx="0">
-            <a:schemeClr val="accent1"/>
-          </a:effectRef>
-          <a:fontRef idx="minor">
-            <a:schemeClr val="tx1"/>
-          </a:fontRef>
-        </p:style>
-      </p:cxnSp>
-      <p:cxnSp>
-        <p:nvCxnSpPr>
-          <p:cNvPr id="7" name="Straight Arrow Connector 6">
-            <a:extLst>
-              <a:ext uri="{FF2B5EF4-FFF2-40B4-BE49-F238E27FC236}">
-                <a16:creationId xmlns:a16="http://schemas.microsoft.com/office/drawing/2014/main" id="{7BFFD168-25DA-61DE-73A4-857B8831C027}"/>
-              </a:ext>
-            </a:extLst>
-          </p:cNvPr>
-          <p:cNvCxnSpPr>
-            <a:cxnSpLocks/>
-          </p:cNvCxnSpPr>
-          <p:nvPr/>
-        </p:nvCxnSpPr>
-        <p:spPr>
-          <a:xfrm rot="3600000">
-            <a:off x="9173159" y="2560312"/>
-            <a:ext cx="506627" cy="0"/>
-          </a:xfrm>
-          <a:prstGeom prst="straightConnector1">
-            <a:avLst/>
-          </a:prstGeom>
-          <a:ln w="63500">
-            <a:solidFill>
-              <a:srgbClr val="043D4D"/>
-            </a:solidFill>
-            <a:tailEnd type="triangle"/>
-          </a:ln>
-        </p:spPr>
-        <p:style>
-          <a:lnRef idx="1">
-            <a:schemeClr val="accent1"/>
-          </a:lnRef>
-          <a:fillRef idx="0">
-            <a:schemeClr val="accent1"/>
-          </a:fillRef>
-          <a:effectRef idx="0">
-            <a:schemeClr val="accent1"/>
-          </a:effectRef>
-          <a:fontRef idx="minor">
-            <a:schemeClr val="tx1"/>
-          </a:fontRef>
-        </p:style>
-      </p:cxnSp>
-      <p:sp>
-        <p:nvSpPr>
-          <p:cNvPr id="10" name="TextBox 9">
-            <a:extLst>
-              <a:ext uri="{FF2B5EF4-FFF2-40B4-BE49-F238E27FC236}">
-                <a16:creationId xmlns:a16="http://schemas.microsoft.com/office/drawing/2014/main" id="{4E20BD24-16BF-2B52-98E0-5B9B54A02758}"/>
-              </a:ext>
-            </a:extLst>
-          </p:cNvPr>
-          <p:cNvSpPr txBox="1"/>
-          <p:nvPr/>
-        </p:nvSpPr>
-        <p:spPr>
-          <a:xfrm>
-            <a:off x="722517" y="492851"/>
-            <a:ext cx="3181705" cy="1323439"/>
-          </a:xfrm>
-          <a:prstGeom prst="rect">
-            <a:avLst/>
-          </a:prstGeom>
-          <a:noFill/>
-        </p:spPr>
-        <p:txBody>
-          <a:bodyPr wrap="none" rtlCol="0">
-            <a:spAutoFit/>
-          </a:bodyPr>
-          <a:lstStyle/>
-          <a:p>
-            <a:r>
-              <a:rPr lang="en-US" sz="8000" dirty="0">
-                <a:solidFill>
-                  <a:srgbClr val="043D4D"/>
-                </a:solidFill>
-                <a:latin typeface="DIN Condensed" pitchFamily="2" charset="0"/>
-                <a:cs typeface="Aharoni" panose="02010803020104030203" pitchFamily="2" charset="-79"/>
-              </a:rPr>
-              <a:t>Workflow</a:t>
-            </a:r>
-          </a:p>
-        </p:txBody>
-      </p:sp>
     </p:spTree>
     <p:extLst>
       <p:ext uri="{BB962C8B-B14F-4D97-AF65-F5344CB8AC3E}">
-        <p14:creationId xmlns:p14="http://schemas.microsoft.com/office/powerpoint/2010/main" val="3957441001"/>
+        <p14:creationId xmlns:p14="http://schemas.microsoft.com/office/powerpoint/2010/main" val="2483702775"/>
       </p:ext>
     </p:extLst>
   </p:cSld>
@@ -8892,6 +8821,393 @@
       </p:grpSpPr>
       <p:pic>
         <p:nvPicPr>
+          <p:cNvPr id="1028" name="Picture 4" descr="What is Python Coding?">
+            <a:extLst>
+              <a:ext uri="{FF2B5EF4-FFF2-40B4-BE49-F238E27FC236}">
+                <a16:creationId xmlns:a16="http://schemas.microsoft.com/office/drawing/2014/main" id="{0BC942EC-3C18-A94B-7E4E-6A81C77E978C}"/>
+              </a:ext>
+            </a:extLst>
+          </p:cNvPr>
+          <p:cNvPicPr>
+            <a:picLocks noChangeAspect="1" noChangeArrowheads="1"/>
+          </p:cNvPicPr>
+          <p:nvPr/>
+        </p:nvPicPr>
+        <p:blipFill>
+          <a:blip r:embed="rId2">
+            <a:extLst>
+              <a:ext uri="{28A0092B-C50C-407E-A947-70E740481C1C}">
+                <a14:useLocalDpi xmlns:a14="http://schemas.microsoft.com/office/drawing/2010/main" val="0"/>
+              </a:ext>
+            </a:extLst>
+          </a:blip>
+          <a:srcRect/>
+          <a:stretch>
+            <a:fillRect/>
+          </a:stretch>
+        </p:blipFill>
+        <p:spPr bwMode="auto">
+          <a:xfrm>
+            <a:off x="316894" y="2083735"/>
+            <a:ext cx="4460789" cy="4460789"/>
+          </a:xfrm>
+          <a:prstGeom prst="rect">
+            <a:avLst/>
+          </a:prstGeom>
+          <a:noFill/>
+          <a:extLst>
+            <a:ext uri="{909E8E84-426E-40DD-AFC4-6F175D3DCCD1}">
+              <a14:hiddenFill xmlns:a14="http://schemas.microsoft.com/office/drawing/2010/main">
+                <a:solidFill>
+                  <a:srgbClr val="FFFFFF"/>
+                </a:solidFill>
+              </a14:hiddenFill>
+            </a:ext>
+          </a:extLst>
+        </p:spPr>
+      </p:pic>
+      <p:pic>
+        <p:nvPicPr>
+          <p:cNvPr id="1026" name="Picture 2">
+            <a:extLst>
+              <a:ext uri="{FF2B5EF4-FFF2-40B4-BE49-F238E27FC236}">
+                <a16:creationId xmlns:a16="http://schemas.microsoft.com/office/drawing/2014/main" id="{D1AC9C57-4A7F-F547-29AC-7D28E0A698C1}"/>
+              </a:ext>
+            </a:extLst>
+          </p:cNvPr>
+          <p:cNvPicPr>
+            <a:picLocks noChangeAspect="1" noChangeArrowheads="1"/>
+          </p:cNvPicPr>
+          <p:nvPr/>
+        </p:nvPicPr>
+        <p:blipFill>
+          <a:blip r:embed="rId3">
+            <a:extLst>
+              <a:ext uri="{28A0092B-C50C-407E-A947-70E740481C1C}">
+                <a14:useLocalDpi xmlns:a14="http://schemas.microsoft.com/office/drawing/2010/main" val="0"/>
+              </a:ext>
+            </a:extLst>
+          </a:blip>
+          <a:srcRect/>
+          <a:stretch>
+            <a:fillRect/>
+          </a:stretch>
+        </p:blipFill>
+        <p:spPr bwMode="auto">
+          <a:xfrm>
+            <a:off x="5346791" y="3090124"/>
+            <a:ext cx="2448010" cy="2448010"/>
+          </a:xfrm>
+          <a:prstGeom prst="rect">
+            <a:avLst/>
+          </a:prstGeom>
+          <a:noFill/>
+          <a:extLst>
+            <a:ext uri="{909E8E84-426E-40DD-AFC4-6F175D3DCCD1}">
+              <a14:hiddenFill xmlns:a14="http://schemas.microsoft.com/office/drawing/2010/main">
+                <a:solidFill>
+                  <a:srgbClr val="FFFFFF"/>
+                </a:solidFill>
+              </a14:hiddenFill>
+            </a:ext>
+          </a:extLst>
+        </p:spPr>
+      </p:pic>
+      <p:pic>
+        <p:nvPicPr>
+          <p:cNvPr id="1030" name="Picture 6" descr="HTML - Wikipedia">
+            <a:extLst>
+              <a:ext uri="{FF2B5EF4-FFF2-40B4-BE49-F238E27FC236}">
+                <a16:creationId xmlns:a16="http://schemas.microsoft.com/office/drawing/2014/main" id="{832DF6FD-5747-3CBA-C551-E68C46AB4D38}"/>
+              </a:ext>
+            </a:extLst>
+          </p:cNvPr>
+          <p:cNvPicPr>
+            <a:picLocks noChangeAspect="1" noChangeArrowheads="1"/>
+          </p:cNvPicPr>
+          <p:nvPr/>
+        </p:nvPicPr>
+        <p:blipFill>
+          <a:blip r:embed="rId4">
+            <a:extLst>
+              <a:ext uri="{28A0092B-C50C-407E-A947-70E740481C1C}">
+                <a14:useLocalDpi xmlns:a14="http://schemas.microsoft.com/office/drawing/2010/main" val="0"/>
+              </a:ext>
+            </a:extLst>
+          </a:blip>
+          <a:srcRect/>
+          <a:stretch>
+            <a:fillRect/>
+          </a:stretch>
+        </p:blipFill>
+        <p:spPr bwMode="auto">
+          <a:xfrm>
+            <a:off x="9203686" y="3090124"/>
+            <a:ext cx="2448010" cy="2448010"/>
+          </a:xfrm>
+          <a:prstGeom prst="rect">
+            <a:avLst/>
+          </a:prstGeom>
+          <a:noFill/>
+          <a:extLst>
+            <a:ext uri="{909E8E84-426E-40DD-AFC4-6F175D3DCCD1}">
+              <a14:hiddenFill xmlns:a14="http://schemas.microsoft.com/office/drawing/2010/main">
+                <a:solidFill>
+                  <a:srgbClr val="FFFFFF"/>
+                </a:solidFill>
+              </a14:hiddenFill>
+            </a:ext>
+          </a:extLst>
+        </p:spPr>
+      </p:pic>
+      <p:pic>
+        <p:nvPicPr>
+          <p:cNvPr id="1032" name="Picture 8" descr="CSS - Wikipedia">
+            <a:extLst>
+              <a:ext uri="{FF2B5EF4-FFF2-40B4-BE49-F238E27FC236}">
+                <a16:creationId xmlns:a16="http://schemas.microsoft.com/office/drawing/2014/main" id="{277BC29C-935F-9AE1-7BD2-CF9F97C9F053}"/>
+              </a:ext>
+            </a:extLst>
+          </p:cNvPr>
+          <p:cNvPicPr>
+            <a:picLocks noChangeAspect="1" noChangeArrowheads="1"/>
+          </p:cNvPicPr>
+          <p:nvPr/>
+        </p:nvPicPr>
+        <p:blipFill>
+          <a:blip r:embed="rId5">
+            <a:extLst>
+              <a:ext uri="{28A0092B-C50C-407E-A947-70E740481C1C}">
+                <a14:useLocalDpi xmlns:a14="http://schemas.microsoft.com/office/drawing/2010/main" val="0"/>
+              </a:ext>
+            </a:extLst>
+          </a:blip>
+          <a:srcRect/>
+          <a:stretch>
+            <a:fillRect/>
+          </a:stretch>
+        </p:blipFill>
+        <p:spPr bwMode="auto">
+          <a:xfrm>
+            <a:off x="8533111" y="1010996"/>
+            <a:ext cx="826389" cy="1167438"/>
+          </a:xfrm>
+          <a:prstGeom prst="rect">
+            <a:avLst/>
+          </a:prstGeom>
+          <a:noFill/>
+          <a:extLst>
+            <a:ext uri="{909E8E84-426E-40DD-AFC4-6F175D3DCCD1}">
+              <a14:hiddenFill xmlns:a14="http://schemas.microsoft.com/office/drawing/2010/main">
+                <a:solidFill>
+                  <a:srgbClr val="FFFFFF"/>
+                </a:solidFill>
+              </a14:hiddenFill>
+            </a:ext>
+          </a:extLst>
+        </p:spPr>
+      </p:pic>
+      <p:cxnSp>
+        <p:nvCxnSpPr>
+          <p:cNvPr id="5" name="Straight Arrow Connector 4">
+            <a:extLst>
+              <a:ext uri="{FF2B5EF4-FFF2-40B4-BE49-F238E27FC236}">
+                <a16:creationId xmlns:a16="http://schemas.microsoft.com/office/drawing/2014/main" id="{393F6AF3-1800-FD5B-0E01-315919A80FB5}"/>
+              </a:ext>
+            </a:extLst>
+          </p:cNvPr>
+          <p:cNvCxnSpPr/>
+          <p:nvPr/>
+        </p:nvCxnSpPr>
+        <p:spPr>
+          <a:xfrm>
+            <a:off x="4312584" y="4314129"/>
+            <a:ext cx="506627" cy="0"/>
+          </a:xfrm>
+          <a:prstGeom prst="straightConnector1">
+            <a:avLst/>
+          </a:prstGeom>
+          <a:ln w="63500">
+            <a:solidFill>
+              <a:srgbClr val="043D4D"/>
+            </a:solidFill>
+            <a:tailEnd type="triangle"/>
+          </a:ln>
+        </p:spPr>
+        <p:style>
+          <a:lnRef idx="1">
+            <a:schemeClr val="accent1"/>
+          </a:lnRef>
+          <a:fillRef idx="0">
+            <a:schemeClr val="accent1"/>
+          </a:fillRef>
+          <a:effectRef idx="0">
+            <a:schemeClr val="accent1"/>
+          </a:effectRef>
+          <a:fontRef idx="minor">
+            <a:schemeClr val="tx1"/>
+          </a:fontRef>
+        </p:style>
+      </p:cxnSp>
+      <p:cxnSp>
+        <p:nvCxnSpPr>
+          <p:cNvPr id="6" name="Straight Arrow Connector 5">
+            <a:extLst>
+              <a:ext uri="{FF2B5EF4-FFF2-40B4-BE49-F238E27FC236}">
+                <a16:creationId xmlns:a16="http://schemas.microsoft.com/office/drawing/2014/main" id="{62717A5B-C61F-AFEB-95F1-1FDCFA56E9EC}"/>
+              </a:ext>
+            </a:extLst>
+          </p:cNvPr>
+          <p:cNvCxnSpPr/>
+          <p:nvPr/>
+        </p:nvCxnSpPr>
+        <p:spPr>
+          <a:xfrm>
+            <a:off x="8468464" y="4314129"/>
+            <a:ext cx="506627" cy="0"/>
+          </a:xfrm>
+          <a:prstGeom prst="straightConnector1">
+            <a:avLst/>
+          </a:prstGeom>
+          <a:ln w="63500">
+            <a:solidFill>
+              <a:srgbClr val="043D4D"/>
+            </a:solidFill>
+            <a:tailEnd type="triangle"/>
+          </a:ln>
+        </p:spPr>
+        <p:style>
+          <a:lnRef idx="1">
+            <a:schemeClr val="accent1"/>
+          </a:lnRef>
+          <a:fillRef idx="0">
+            <a:schemeClr val="accent1"/>
+          </a:fillRef>
+          <a:effectRef idx="0">
+            <a:schemeClr val="accent1"/>
+          </a:effectRef>
+          <a:fontRef idx="minor">
+            <a:schemeClr val="tx1"/>
+          </a:fontRef>
+        </p:style>
+      </p:cxnSp>
+      <p:cxnSp>
+        <p:nvCxnSpPr>
+          <p:cNvPr id="7" name="Straight Arrow Connector 6">
+            <a:extLst>
+              <a:ext uri="{FF2B5EF4-FFF2-40B4-BE49-F238E27FC236}">
+                <a16:creationId xmlns:a16="http://schemas.microsoft.com/office/drawing/2014/main" id="{7BFFD168-25DA-61DE-73A4-857B8831C027}"/>
+              </a:ext>
+            </a:extLst>
+          </p:cNvPr>
+          <p:cNvCxnSpPr>
+            <a:cxnSpLocks/>
+          </p:cNvCxnSpPr>
+          <p:nvPr/>
+        </p:nvCxnSpPr>
+        <p:spPr>
+          <a:xfrm rot="3600000">
+            <a:off x="9173159" y="2560312"/>
+            <a:ext cx="506627" cy="0"/>
+          </a:xfrm>
+          <a:prstGeom prst="straightConnector1">
+            <a:avLst/>
+          </a:prstGeom>
+          <a:ln w="63500">
+            <a:solidFill>
+              <a:srgbClr val="043D4D"/>
+            </a:solidFill>
+            <a:tailEnd type="triangle"/>
+          </a:ln>
+        </p:spPr>
+        <p:style>
+          <a:lnRef idx="1">
+            <a:schemeClr val="accent1"/>
+          </a:lnRef>
+          <a:fillRef idx="0">
+            <a:schemeClr val="accent1"/>
+          </a:fillRef>
+          <a:effectRef idx="0">
+            <a:schemeClr val="accent1"/>
+          </a:effectRef>
+          <a:fontRef idx="minor">
+            <a:schemeClr val="tx1"/>
+          </a:fontRef>
+        </p:style>
+      </p:cxnSp>
+      <p:sp>
+        <p:nvSpPr>
+          <p:cNvPr id="10" name="TextBox 9">
+            <a:extLst>
+              <a:ext uri="{FF2B5EF4-FFF2-40B4-BE49-F238E27FC236}">
+                <a16:creationId xmlns:a16="http://schemas.microsoft.com/office/drawing/2014/main" id="{4E20BD24-16BF-2B52-98E0-5B9B54A02758}"/>
+              </a:ext>
+            </a:extLst>
+          </p:cNvPr>
+          <p:cNvSpPr txBox="1"/>
+          <p:nvPr/>
+        </p:nvSpPr>
+        <p:spPr>
+          <a:xfrm>
+            <a:off x="722517" y="492851"/>
+            <a:ext cx="3181705" cy="1323439"/>
+          </a:xfrm>
+          <a:prstGeom prst="rect">
+            <a:avLst/>
+          </a:prstGeom>
+          <a:noFill/>
+        </p:spPr>
+        <p:txBody>
+          <a:bodyPr wrap="none" rtlCol="0">
+            <a:spAutoFit/>
+          </a:bodyPr>
+          <a:lstStyle/>
+          <a:p>
+            <a:r>
+              <a:rPr lang="en-US" sz="8000" dirty="0">
+                <a:solidFill>
+                  <a:srgbClr val="043D4D"/>
+                </a:solidFill>
+                <a:latin typeface="DIN Condensed" pitchFamily="2" charset="0"/>
+                <a:cs typeface="Aharoni" panose="02010803020104030203" pitchFamily="2" charset="-79"/>
+              </a:rPr>
+              <a:t>Workflow</a:t>
+            </a:r>
+          </a:p>
+        </p:txBody>
+      </p:sp>
+    </p:spTree>
+    <p:extLst>
+      <p:ext uri="{BB962C8B-B14F-4D97-AF65-F5344CB8AC3E}">
+        <p14:creationId xmlns:p14="http://schemas.microsoft.com/office/powerpoint/2010/main" val="3957441001"/>
+      </p:ext>
+    </p:extLst>
+  </p:cSld>
+  <p:clrMapOvr>
+    <a:masterClrMapping/>
+  </p:clrMapOvr>
+</p:sld>
+</file>
+
+<file path=ppt/slides/slide6.xml><?xml version="1.0" encoding="utf-8"?>
+<p:sld xmlns:a="http://schemas.openxmlformats.org/drawingml/2006/main" xmlns:r="http://schemas.openxmlformats.org/officeDocument/2006/relationships" xmlns:p="http://schemas.openxmlformats.org/presentationml/2006/main">
+  <p:cSld>
+    <p:spTree>
+      <p:nvGrpSpPr>
+        <p:cNvPr id="1" name=""/>
+        <p:cNvGrpSpPr/>
+        <p:nvPr/>
+      </p:nvGrpSpPr>
+      <p:grpSpPr>
+        <a:xfrm>
+          <a:off x="0" y="0"/>
+          <a:ext cx="0" cy="0"/>
+          <a:chOff x="0" y="0"/>
+          <a:chExt cx="0" cy="0"/>
+        </a:xfrm>
+      </p:grpSpPr>
+      <p:pic>
+        <p:nvPicPr>
           <p:cNvPr id="18" name="Picture 4" descr="What is Python Coding?">
             <a:extLst>
               <a:ext uri="{FF2B5EF4-FFF2-40B4-BE49-F238E27FC236}">
@@ -9496,603 +9812,6 @@
 </p:sld>
 </file>
 
-<file path=ppt/slides/slide6.xml><?xml version="1.0" encoding="utf-8"?>
-<p:sld xmlns:a="http://schemas.openxmlformats.org/drawingml/2006/main" xmlns:r="http://schemas.openxmlformats.org/officeDocument/2006/relationships" xmlns:p="http://schemas.openxmlformats.org/presentationml/2006/main">
-  <p:cSld>
-    <p:spTree>
-      <p:nvGrpSpPr>
-        <p:cNvPr id="1" name=""/>
-        <p:cNvGrpSpPr/>
-        <p:nvPr/>
-      </p:nvGrpSpPr>
-      <p:grpSpPr>
-        <a:xfrm>
-          <a:off x="0" y="0"/>
-          <a:ext cx="0" cy="0"/>
-          <a:chOff x="0" y="0"/>
-          <a:chExt cx="0" cy="0"/>
-        </a:xfrm>
-      </p:grpSpPr>
-      <p:sp>
-        <p:nvSpPr>
-          <p:cNvPr id="4" name="TextBox 3">
-            <a:extLst>
-              <a:ext uri="{FF2B5EF4-FFF2-40B4-BE49-F238E27FC236}">
-                <a16:creationId xmlns:a16="http://schemas.microsoft.com/office/drawing/2014/main" id="{B05A8C33-3DB9-0ECF-9D9C-8C6C1F6928C6}"/>
-              </a:ext>
-            </a:extLst>
-          </p:cNvPr>
-          <p:cNvSpPr txBox="1"/>
-          <p:nvPr/>
-        </p:nvSpPr>
-        <p:spPr>
-          <a:xfrm>
-            <a:off x="722517" y="492851"/>
-            <a:ext cx="1835759" cy="1323439"/>
-          </a:xfrm>
-          <a:prstGeom prst="rect">
-            <a:avLst/>
-          </a:prstGeom>
-          <a:noFill/>
-        </p:spPr>
-        <p:txBody>
-          <a:bodyPr wrap="none" rtlCol="0">
-            <a:spAutoFit/>
-          </a:bodyPr>
-          <a:lstStyle/>
-          <a:p>
-            <a:r>
-              <a:rPr lang="en-US" sz="8000" dirty="0">
-                <a:solidFill>
-                  <a:srgbClr val="043D4D"/>
-                </a:solidFill>
-                <a:latin typeface="DIN Condensed" pitchFamily="2" charset="0"/>
-                <a:cs typeface="Aharoni" panose="02010803020104030203" pitchFamily="2" charset="-79"/>
-              </a:rPr>
-              <a:t>JSON</a:t>
-            </a:r>
-          </a:p>
-        </p:txBody>
-      </p:sp>
-      <p:sp>
-        <p:nvSpPr>
-          <p:cNvPr id="6" name="TextBox 5">
-            <a:extLst>
-              <a:ext uri="{FF2B5EF4-FFF2-40B4-BE49-F238E27FC236}">
-                <a16:creationId xmlns:a16="http://schemas.microsoft.com/office/drawing/2014/main" id="{5A1096C9-DABB-8DA8-FE70-789BF979FB56}"/>
-              </a:ext>
-            </a:extLst>
-          </p:cNvPr>
-          <p:cNvSpPr txBox="1"/>
-          <p:nvPr/>
-        </p:nvSpPr>
-        <p:spPr>
-          <a:xfrm>
-            <a:off x="6425184" y="6550223"/>
-            <a:ext cx="5766816" cy="307777"/>
-          </a:xfrm>
-          <a:prstGeom prst="rect">
-            <a:avLst/>
-          </a:prstGeom>
-          <a:noFill/>
-        </p:spPr>
-        <p:txBody>
-          <a:bodyPr wrap="square">
-            <a:spAutoFit/>
-          </a:bodyPr>
-          <a:lstStyle/>
-          <a:p>
-            <a:pPr algn="r"/>
-            <a:r>
-              <a:rPr lang="en-US" sz="1400" dirty="0">
-                <a:solidFill>
-                  <a:srgbClr val="043D4D"/>
-                </a:solidFill>
-                <a:latin typeface="Arial" panose="020B0604020202020204" pitchFamily="34" charset="0"/>
-                <a:cs typeface="Arial" panose="020B0604020202020204" pitchFamily="34" charset="0"/>
-              </a:rPr>
-              <a:t>https://</a:t>
-            </a:r>
-            <a:r>
-              <a:rPr lang="en-US" sz="1400" dirty="0" err="1">
-                <a:solidFill>
-                  <a:srgbClr val="043D4D"/>
-                </a:solidFill>
-                <a:latin typeface="Arial" panose="020B0604020202020204" pitchFamily="34" charset="0"/>
-                <a:cs typeface="Arial" panose="020B0604020202020204" pitchFamily="34" charset="0"/>
-              </a:rPr>
-              <a:t>github.com</a:t>
-            </a:r>
-            <a:r>
-              <a:rPr lang="en-US" sz="1400" dirty="0">
-                <a:solidFill>
-                  <a:srgbClr val="043D4D"/>
-                </a:solidFill>
-                <a:latin typeface="Arial" panose="020B0604020202020204" pitchFamily="34" charset="0"/>
-                <a:cs typeface="Arial" panose="020B0604020202020204" pitchFamily="34" charset="0"/>
-              </a:rPr>
-              <a:t>/</a:t>
-            </a:r>
-            <a:r>
-              <a:rPr lang="en-US" sz="1400" dirty="0" err="1">
-                <a:solidFill>
-                  <a:srgbClr val="043D4D"/>
-                </a:solidFill>
-                <a:latin typeface="Arial" panose="020B0604020202020204" pitchFamily="34" charset="0"/>
-                <a:cs typeface="Arial" panose="020B0604020202020204" pitchFamily="34" charset="0"/>
-              </a:rPr>
-              <a:t>kitchensjn</a:t>
-            </a:r>
-            <a:r>
-              <a:rPr lang="en-US" sz="1400" dirty="0">
-                <a:solidFill>
-                  <a:srgbClr val="043D4D"/>
-                </a:solidFill>
-                <a:latin typeface="Arial" panose="020B0604020202020204" pitchFamily="34" charset="0"/>
-                <a:cs typeface="Arial" panose="020B0604020202020204" pitchFamily="34" charset="0"/>
-              </a:rPr>
-              <a:t>/</a:t>
-            </a:r>
-            <a:r>
-              <a:rPr lang="en-US" sz="1400" dirty="0" err="1">
-                <a:solidFill>
-                  <a:srgbClr val="043D4D"/>
-                </a:solidFill>
-                <a:latin typeface="Arial" panose="020B0604020202020204" pitchFamily="34" charset="0"/>
-                <a:cs typeface="Arial" panose="020B0604020202020204" pitchFamily="34" charset="0"/>
-              </a:rPr>
-              <a:t>tskit_arg_visualizer</a:t>
-            </a:r>
-            <a:r>
-              <a:rPr lang="en-US" sz="1400" dirty="0">
-                <a:solidFill>
-                  <a:srgbClr val="043D4D"/>
-                </a:solidFill>
-                <a:latin typeface="Arial" panose="020B0604020202020204" pitchFamily="34" charset="0"/>
-                <a:cs typeface="Arial" panose="020B0604020202020204" pitchFamily="34" charset="0"/>
-              </a:rPr>
-              <a:t>/blob/main/</a:t>
-            </a:r>
-            <a:r>
-              <a:rPr lang="en-US" sz="1400" dirty="0" err="1">
-                <a:solidFill>
-                  <a:srgbClr val="043D4D"/>
-                </a:solidFill>
-                <a:latin typeface="Arial" panose="020B0604020202020204" pitchFamily="34" charset="0"/>
-                <a:cs typeface="Arial" panose="020B0604020202020204" pitchFamily="34" charset="0"/>
-              </a:rPr>
-              <a:t>plotting.md</a:t>
-            </a:r>
-            <a:endParaRPr lang="en-US" sz="1400" dirty="0">
-              <a:solidFill>
-                <a:srgbClr val="043D4D"/>
-              </a:solidFill>
-              <a:latin typeface="Arial" panose="020B0604020202020204" pitchFamily="34" charset="0"/>
-              <a:cs typeface="Arial" panose="020B0604020202020204" pitchFamily="34" charset="0"/>
-            </a:endParaRPr>
-          </a:p>
-        </p:txBody>
-      </p:sp>
-      <p:sp>
-        <p:nvSpPr>
-          <p:cNvPr id="7" name="Right Brace 6">
-            <a:extLst>
-              <a:ext uri="{FF2B5EF4-FFF2-40B4-BE49-F238E27FC236}">
-                <a16:creationId xmlns:a16="http://schemas.microsoft.com/office/drawing/2014/main" id="{5AE150C6-64CA-82DA-A979-40F8922F9E58}"/>
-              </a:ext>
-            </a:extLst>
-          </p:cNvPr>
-          <p:cNvSpPr/>
-          <p:nvPr/>
-        </p:nvSpPr>
-        <p:spPr>
-          <a:xfrm>
-            <a:off x="5003617" y="2194559"/>
-            <a:ext cx="1597152" cy="1005839"/>
-          </a:xfrm>
-          <a:prstGeom prst="rightBrace">
-            <a:avLst/>
-          </a:prstGeom>
-          <a:ln w="63500">
-            <a:solidFill>
-              <a:srgbClr val="043D4D"/>
-            </a:solidFill>
-          </a:ln>
-        </p:spPr>
-        <p:style>
-          <a:lnRef idx="1">
-            <a:schemeClr val="accent1"/>
-          </a:lnRef>
-          <a:fillRef idx="0">
-            <a:schemeClr val="accent1"/>
-          </a:fillRef>
-          <a:effectRef idx="0">
-            <a:schemeClr val="accent1"/>
-          </a:effectRef>
-          <a:fontRef idx="minor">
-            <a:schemeClr val="tx1"/>
-          </a:fontRef>
-        </p:style>
-        <p:txBody>
-          <a:bodyPr rtlCol="0" anchor="ctr"/>
-          <a:lstStyle/>
-          <a:p>
-            <a:pPr algn="ctr"/>
-            <a:endParaRPr lang="en-US"/>
-          </a:p>
-        </p:txBody>
-      </p:sp>
-      <p:sp>
-        <p:nvSpPr>
-          <p:cNvPr id="8" name="Right Brace 7">
-            <a:extLst>
-              <a:ext uri="{FF2B5EF4-FFF2-40B4-BE49-F238E27FC236}">
-                <a16:creationId xmlns:a16="http://schemas.microsoft.com/office/drawing/2014/main" id="{6AE7CEE9-BF8F-5843-FDC9-A3DB9F5F4388}"/>
-              </a:ext>
-            </a:extLst>
-          </p:cNvPr>
-          <p:cNvSpPr/>
-          <p:nvPr/>
-        </p:nvSpPr>
-        <p:spPr>
-          <a:xfrm>
-            <a:off x="5003617" y="3657601"/>
-            <a:ext cx="1597152" cy="2218944"/>
-          </a:xfrm>
-          <a:prstGeom prst="rightBrace">
-            <a:avLst/>
-          </a:prstGeom>
-          <a:ln w="63500">
-            <a:solidFill>
-              <a:srgbClr val="043D4D"/>
-            </a:solidFill>
-          </a:ln>
-        </p:spPr>
-        <p:style>
-          <a:lnRef idx="1">
-            <a:schemeClr val="accent1"/>
-          </a:lnRef>
-          <a:fillRef idx="0">
-            <a:schemeClr val="accent1"/>
-          </a:fillRef>
-          <a:effectRef idx="0">
-            <a:schemeClr val="accent1"/>
-          </a:effectRef>
-          <a:fontRef idx="minor">
-            <a:schemeClr val="tx1"/>
-          </a:fontRef>
-        </p:style>
-        <p:txBody>
-          <a:bodyPr rtlCol="0" anchor="ctr"/>
-          <a:lstStyle/>
-          <a:p>
-            <a:pPr algn="ctr"/>
-            <a:endParaRPr lang="en-US"/>
-          </a:p>
-        </p:txBody>
-      </p:sp>
-      <p:sp>
-        <p:nvSpPr>
-          <p:cNvPr id="10" name="TextBox 9">
-            <a:extLst>
-              <a:ext uri="{FF2B5EF4-FFF2-40B4-BE49-F238E27FC236}">
-                <a16:creationId xmlns:a16="http://schemas.microsoft.com/office/drawing/2014/main" id="{701C1C2A-23F1-4276-98DE-4591A93D55D4}"/>
-              </a:ext>
-            </a:extLst>
-          </p:cNvPr>
-          <p:cNvSpPr txBox="1"/>
-          <p:nvPr/>
-        </p:nvSpPr>
-        <p:spPr>
-          <a:xfrm>
-            <a:off x="7125025" y="2220424"/>
-            <a:ext cx="3490423" cy="954107"/>
-          </a:xfrm>
-          <a:prstGeom prst="rect">
-            <a:avLst/>
-          </a:prstGeom>
-          <a:noFill/>
-        </p:spPr>
-        <p:txBody>
-          <a:bodyPr wrap="square" rtlCol="0">
-            <a:spAutoFit/>
-          </a:bodyPr>
-          <a:lstStyle/>
-          <a:p>
-            <a:r>
-              <a:rPr lang="en-US" sz="2800" dirty="0">
-                <a:solidFill>
-                  <a:srgbClr val="043D4D"/>
-                </a:solidFill>
-                <a:latin typeface="Arial" panose="020B0604020202020204" pitchFamily="34" charset="0"/>
-                <a:cs typeface="Arial" panose="020B0604020202020204" pitchFamily="34" charset="0"/>
-              </a:rPr>
-              <a:t>Modified versions of the tables from </a:t>
-            </a:r>
-            <a:r>
-              <a:rPr lang="en-US" sz="2800" dirty="0" err="1">
-                <a:solidFill>
-                  <a:srgbClr val="043D4D"/>
-                </a:solidFill>
-                <a:latin typeface="Arial" panose="020B0604020202020204" pitchFamily="34" charset="0"/>
-                <a:cs typeface="Arial" panose="020B0604020202020204" pitchFamily="34" charset="0"/>
-              </a:rPr>
-              <a:t>tskit</a:t>
-            </a:r>
-            <a:endParaRPr lang="en-US" sz="2800" dirty="0">
-              <a:solidFill>
-                <a:srgbClr val="043D4D"/>
-              </a:solidFill>
-              <a:latin typeface="Arial" panose="020B0604020202020204" pitchFamily="34" charset="0"/>
-              <a:cs typeface="Arial" panose="020B0604020202020204" pitchFamily="34" charset="0"/>
-            </a:endParaRPr>
-          </a:p>
-        </p:txBody>
-      </p:sp>
-      <p:sp>
-        <p:nvSpPr>
-          <p:cNvPr id="11" name="TextBox 10">
-            <a:extLst>
-              <a:ext uri="{FF2B5EF4-FFF2-40B4-BE49-F238E27FC236}">
-                <a16:creationId xmlns:a16="http://schemas.microsoft.com/office/drawing/2014/main" id="{9FD2E621-270E-A35F-6E0B-66E107F67D1A}"/>
-              </a:ext>
-            </a:extLst>
-          </p:cNvPr>
-          <p:cNvSpPr txBox="1"/>
-          <p:nvPr/>
-        </p:nvSpPr>
-        <p:spPr>
-          <a:xfrm>
-            <a:off x="1451806" y="1999170"/>
-            <a:ext cx="3289683" cy="4139595"/>
-          </a:xfrm>
-          <a:prstGeom prst="rect">
-            <a:avLst/>
-          </a:prstGeom>
-          <a:noFill/>
-        </p:spPr>
-        <p:txBody>
-          <a:bodyPr wrap="none" rtlCol="0">
-            <a:spAutoFit/>
-          </a:bodyPr>
-          <a:lstStyle/>
-          <a:p>
-            <a:pPr marL="457200" indent="-457200">
-              <a:buFontTx/>
-              <a:buChar char="-"/>
-            </a:pPr>
-            <a:r>
-              <a:rPr lang="en-US" sz="2800" dirty="0">
-                <a:solidFill>
-                  <a:srgbClr val="043D4D"/>
-                </a:solidFill>
-                <a:latin typeface="Arial" panose="020B0604020202020204" pitchFamily="34" charset="0"/>
-                <a:cs typeface="Arial" panose="020B0604020202020204" pitchFamily="34" charset="0"/>
-              </a:rPr>
-              <a:t>nodes</a:t>
-            </a:r>
-          </a:p>
-          <a:p>
-            <a:pPr marL="457200" indent="-457200">
-              <a:buFontTx/>
-              <a:buChar char="-"/>
-            </a:pPr>
-            <a:r>
-              <a:rPr lang="en-US" sz="2800" dirty="0">
-                <a:solidFill>
-                  <a:srgbClr val="043D4D"/>
-                </a:solidFill>
-                <a:latin typeface="Arial" panose="020B0604020202020204" pitchFamily="34" charset="0"/>
-                <a:cs typeface="Arial" panose="020B0604020202020204" pitchFamily="34" charset="0"/>
-              </a:rPr>
-              <a:t>links</a:t>
-            </a:r>
-          </a:p>
-          <a:p>
-            <a:pPr marL="457200" indent="-457200">
-              <a:buFontTx/>
-              <a:buChar char="-"/>
-            </a:pPr>
-            <a:r>
-              <a:rPr lang="en-US" sz="2800" dirty="0">
-                <a:solidFill>
-                  <a:srgbClr val="043D4D"/>
-                </a:solidFill>
-                <a:latin typeface="Arial" panose="020B0604020202020204" pitchFamily="34" charset="0"/>
-                <a:cs typeface="Arial" panose="020B0604020202020204" pitchFamily="34" charset="0"/>
-              </a:rPr>
-              <a:t>breakpoints</a:t>
-            </a:r>
-          </a:p>
-          <a:p>
-            <a:endParaRPr lang="en-US" sz="1100" dirty="0">
-              <a:solidFill>
-                <a:srgbClr val="043D4D"/>
-              </a:solidFill>
-              <a:latin typeface="Arial" panose="020B0604020202020204" pitchFamily="34" charset="0"/>
-              <a:cs typeface="Arial" panose="020B0604020202020204" pitchFamily="34" charset="0"/>
-            </a:endParaRPr>
-          </a:p>
-          <a:p>
-            <a:pPr marL="457200" indent="-457200">
-              <a:buFontTx/>
-              <a:buChar char="-"/>
-            </a:pPr>
-            <a:r>
-              <a:rPr lang="en-US" sz="2800" dirty="0">
-                <a:solidFill>
-                  <a:srgbClr val="043D4D"/>
-                </a:solidFill>
-                <a:latin typeface="Arial" panose="020B0604020202020204" pitchFamily="34" charset="0"/>
-                <a:cs typeface="Arial" panose="020B0604020202020204" pitchFamily="34" charset="0"/>
-              </a:rPr>
-              <a:t>width</a:t>
-            </a:r>
-          </a:p>
-          <a:p>
-            <a:pPr marL="457200" indent="-457200">
-              <a:buFontTx/>
-              <a:buChar char="-"/>
-            </a:pPr>
-            <a:r>
-              <a:rPr lang="en-US" sz="2800" dirty="0">
-                <a:solidFill>
-                  <a:srgbClr val="043D4D"/>
-                </a:solidFill>
-                <a:latin typeface="Arial" panose="020B0604020202020204" pitchFamily="34" charset="0"/>
-                <a:cs typeface="Arial" panose="020B0604020202020204" pitchFamily="34" charset="0"/>
-              </a:rPr>
-              <a:t>height</a:t>
-            </a:r>
-          </a:p>
-          <a:p>
-            <a:pPr marL="457200" indent="-457200">
-              <a:buFontTx/>
-              <a:buChar char="-"/>
-            </a:pPr>
-            <a:r>
-              <a:rPr lang="en-US" sz="2800" dirty="0" err="1">
-                <a:solidFill>
-                  <a:srgbClr val="043D4D"/>
-                </a:solidFill>
-                <a:latin typeface="Arial" panose="020B0604020202020204" pitchFamily="34" charset="0"/>
-                <a:cs typeface="Arial" panose="020B0604020202020204" pitchFamily="34" charset="0"/>
-              </a:rPr>
-              <a:t>tree_highlighting</a:t>
-            </a:r>
-            <a:endParaRPr lang="en-US" sz="2800" dirty="0">
-              <a:solidFill>
-                <a:srgbClr val="043D4D"/>
-              </a:solidFill>
-              <a:latin typeface="Arial" panose="020B0604020202020204" pitchFamily="34" charset="0"/>
-              <a:cs typeface="Arial" panose="020B0604020202020204" pitchFamily="34" charset="0"/>
-            </a:endParaRPr>
-          </a:p>
-          <a:p>
-            <a:pPr marL="457200" indent="-457200">
-              <a:buFontTx/>
-              <a:buChar char="-"/>
-            </a:pPr>
-            <a:r>
-              <a:rPr lang="en-US" sz="2800" dirty="0" err="1">
-                <a:solidFill>
-                  <a:srgbClr val="043D4D"/>
-                </a:solidFill>
-                <a:latin typeface="Arial" panose="020B0604020202020204" pitchFamily="34" charset="0"/>
-                <a:cs typeface="Arial" panose="020B0604020202020204" pitchFamily="34" charset="0"/>
-              </a:rPr>
-              <a:t>y_axis</a:t>
-            </a:r>
-            <a:endParaRPr lang="en-US" sz="2800" dirty="0">
-              <a:solidFill>
-                <a:srgbClr val="043D4D"/>
-              </a:solidFill>
-              <a:latin typeface="Arial" panose="020B0604020202020204" pitchFamily="34" charset="0"/>
-              <a:cs typeface="Arial" panose="020B0604020202020204" pitchFamily="34" charset="0"/>
-            </a:endParaRPr>
-          </a:p>
-          <a:p>
-            <a:pPr marL="457200" indent="-457200">
-              <a:buFontTx/>
-              <a:buChar char="-"/>
-            </a:pPr>
-            <a:r>
-              <a:rPr lang="en-US" sz="2800" dirty="0" err="1">
-                <a:solidFill>
-                  <a:srgbClr val="043D4D"/>
-                </a:solidFill>
-                <a:latin typeface="Arial" panose="020B0604020202020204" pitchFamily="34" charset="0"/>
-                <a:cs typeface="Arial" panose="020B0604020202020204" pitchFamily="34" charset="0"/>
-              </a:rPr>
-              <a:t>edge_type</a:t>
-            </a:r>
-            <a:endParaRPr lang="en-US" sz="2800" dirty="0">
-              <a:solidFill>
-                <a:srgbClr val="043D4D"/>
-              </a:solidFill>
-              <a:latin typeface="Arial" panose="020B0604020202020204" pitchFamily="34" charset="0"/>
-              <a:cs typeface="Arial" panose="020B0604020202020204" pitchFamily="34" charset="0"/>
-            </a:endParaRPr>
-          </a:p>
-          <a:p>
-            <a:pPr marL="457200" indent="-457200">
-              <a:buFontTx/>
-              <a:buChar char="-"/>
-            </a:pPr>
-            <a:r>
-              <a:rPr lang="en-US" sz="2800" dirty="0" err="1">
-                <a:solidFill>
-                  <a:srgbClr val="043D4D"/>
-                </a:solidFill>
-                <a:latin typeface="Arial" panose="020B0604020202020204" pitchFamily="34" charset="0"/>
-                <a:cs typeface="Arial" panose="020B0604020202020204" pitchFamily="34" charset="0"/>
-              </a:rPr>
-              <a:t>subset_nodes</a:t>
-            </a:r>
-            <a:endParaRPr lang="en-US" dirty="0">
-              <a:solidFill>
-                <a:srgbClr val="043D4D"/>
-              </a:solidFill>
-              <a:latin typeface="Arial" panose="020B0604020202020204" pitchFamily="34" charset="0"/>
-              <a:cs typeface="Arial" panose="020B0604020202020204" pitchFamily="34" charset="0"/>
-            </a:endParaRPr>
-          </a:p>
-        </p:txBody>
-      </p:sp>
-      <p:sp>
-        <p:nvSpPr>
-          <p:cNvPr id="14" name="TextBox 13">
-            <a:extLst>
-              <a:ext uri="{FF2B5EF4-FFF2-40B4-BE49-F238E27FC236}">
-                <a16:creationId xmlns:a16="http://schemas.microsoft.com/office/drawing/2014/main" id="{C82EC6A0-2BBE-2434-70D8-A008DD62B334}"/>
-              </a:ext>
-            </a:extLst>
-          </p:cNvPr>
-          <p:cNvSpPr txBox="1"/>
-          <p:nvPr/>
-        </p:nvSpPr>
-        <p:spPr>
-          <a:xfrm>
-            <a:off x="7125025" y="4505463"/>
-            <a:ext cx="4523995" cy="523220"/>
-          </a:xfrm>
-          <a:prstGeom prst="rect">
-            <a:avLst/>
-          </a:prstGeom>
-          <a:noFill/>
-        </p:spPr>
-        <p:txBody>
-          <a:bodyPr wrap="none" rtlCol="0">
-            <a:spAutoFit/>
-          </a:bodyPr>
-          <a:lstStyle/>
-          <a:p>
-            <a:r>
-              <a:rPr lang="en-US" sz="2800" dirty="0">
-                <a:solidFill>
-                  <a:srgbClr val="043D4D"/>
-                </a:solidFill>
-                <a:latin typeface="Arial" panose="020B0604020202020204" pitchFamily="34" charset="0"/>
-                <a:cs typeface="Arial" panose="020B0604020202020204" pitchFamily="34" charset="0"/>
-              </a:rPr>
-              <a:t>Describes the graph styling</a:t>
-            </a:r>
-          </a:p>
-        </p:txBody>
-      </p:sp>
-    </p:spTree>
-    <p:extLst>
-      <p:ext uri="{BB962C8B-B14F-4D97-AF65-F5344CB8AC3E}">
-        <p14:creationId xmlns:p14="http://schemas.microsoft.com/office/powerpoint/2010/main" val="1897785487"/>
-      </p:ext>
-    </p:extLst>
-  </p:cSld>
-  <p:clrMapOvr>
-    <a:masterClrMapping/>
-  </p:clrMapOvr>
-</p:sld>
-</file>
-
 <file path=ppt/slides/slide7.xml><?xml version="1.0" encoding="utf-8"?>
 <p:sld xmlns:a="http://schemas.openxmlformats.org/drawingml/2006/main" xmlns:r="http://schemas.openxmlformats.org/officeDocument/2006/relationships" xmlns:p="http://schemas.openxmlformats.org/presentationml/2006/main">
   <p:cSld>
@@ -10125,6 +9844,603 @@
         <p:spPr>
           <a:xfrm>
             <a:off x="722517" y="492851"/>
+            <a:ext cx="1835759" cy="1323439"/>
+          </a:xfrm>
+          <a:prstGeom prst="rect">
+            <a:avLst/>
+          </a:prstGeom>
+          <a:noFill/>
+        </p:spPr>
+        <p:txBody>
+          <a:bodyPr wrap="none" rtlCol="0">
+            <a:spAutoFit/>
+          </a:bodyPr>
+          <a:lstStyle/>
+          <a:p>
+            <a:r>
+              <a:rPr lang="en-US" sz="8000" dirty="0">
+                <a:solidFill>
+                  <a:srgbClr val="043D4D"/>
+                </a:solidFill>
+                <a:latin typeface="DIN Condensed" pitchFamily="2" charset="0"/>
+                <a:cs typeface="Aharoni" panose="02010803020104030203" pitchFamily="2" charset="-79"/>
+              </a:rPr>
+              <a:t>JSON</a:t>
+            </a:r>
+          </a:p>
+        </p:txBody>
+      </p:sp>
+      <p:sp>
+        <p:nvSpPr>
+          <p:cNvPr id="6" name="TextBox 5">
+            <a:extLst>
+              <a:ext uri="{FF2B5EF4-FFF2-40B4-BE49-F238E27FC236}">
+                <a16:creationId xmlns:a16="http://schemas.microsoft.com/office/drawing/2014/main" id="{5A1096C9-DABB-8DA8-FE70-789BF979FB56}"/>
+              </a:ext>
+            </a:extLst>
+          </p:cNvPr>
+          <p:cNvSpPr txBox="1"/>
+          <p:nvPr/>
+        </p:nvSpPr>
+        <p:spPr>
+          <a:xfrm>
+            <a:off x="6425184" y="6550223"/>
+            <a:ext cx="5766816" cy="307777"/>
+          </a:xfrm>
+          <a:prstGeom prst="rect">
+            <a:avLst/>
+          </a:prstGeom>
+          <a:noFill/>
+        </p:spPr>
+        <p:txBody>
+          <a:bodyPr wrap="square">
+            <a:spAutoFit/>
+          </a:bodyPr>
+          <a:lstStyle/>
+          <a:p>
+            <a:pPr algn="r"/>
+            <a:r>
+              <a:rPr lang="en-US" sz="1400" dirty="0">
+                <a:solidFill>
+                  <a:srgbClr val="043D4D"/>
+                </a:solidFill>
+                <a:latin typeface="Arial" panose="020B0604020202020204" pitchFamily="34" charset="0"/>
+                <a:cs typeface="Arial" panose="020B0604020202020204" pitchFamily="34" charset="0"/>
+              </a:rPr>
+              <a:t>https://</a:t>
+            </a:r>
+            <a:r>
+              <a:rPr lang="en-US" sz="1400" dirty="0" err="1">
+                <a:solidFill>
+                  <a:srgbClr val="043D4D"/>
+                </a:solidFill>
+                <a:latin typeface="Arial" panose="020B0604020202020204" pitchFamily="34" charset="0"/>
+                <a:cs typeface="Arial" panose="020B0604020202020204" pitchFamily="34" charset="0"/>
+              </a:rPr>
+              <a:t>github.com</a:t>
+            </a:r>
+            <a:r>
+              <a:rPr lang="en-US" sz="1400" dirty="0">
+                <a:solidFill>
+                  <a:srgbClr val="043D4D"/>
+                </a:solidFill>
+                <a:latin typeface="Arial" panose="020B0604020202020204" pitchFamily="34" charset="0"/>
+                <a:cs typeface="Arial" panose="020B0604020202020204" pitchFamily="34" charset="0"/>
+              </a:rPr>
+              <a:t>/</a:t>
+            </a:r>
+            <a:r>
+              <a:rPr lang="en-US" sz="1400" dirty="0" err="1">
+                <a:solidFill>
+                  <a:srgbClr val="043D4D"/>
+                </a:solidFill>
+                <a:latin typeface="Arial" panose="020B0604020202020204" pitchFamily="34" charset="0"/>
+                <a:cs typeface="Arial" panose="020B0604020202020204" pitchFamily="34" charset="0"/>
+              </a:rPr>
+              <a:t>kitchensjn</a:t>
+            </a:r>
+            <a:r>
+              <a:rPr lang="en-US" sz="1400" dirty="0">
+                <a:solidFill>
+                  <a:srgbClr val="043D4D"/>
+                </a:solidFill>
+                <a:latin typeface="Arial" panose="020B0604020202020204" pitchFamily="34" charset="0"/>
+                <a:cs typeface="Arial" panose="020B0604020202020204" pitchFamily="34" charset="0"/>
+              </a:rPr>
+              <a:t>/</a:t>
+            </a:r>
+            <a:r>
+              <a:rPr lang="en-US" sz="1400" dirty="0" err="1">
+                <a:solidFill>
+                  <a:srgbClr val="043D4D"/>
+                </a:solidFill>
+                <a:latin typeface="Arial" panose="020B0604020202020204" pitchFamily="34" charset="0"/>
+                <a:cs typeface="Arial" panose="020B0604020202020204" pitchFamily="34" charset="0"/>
+              </a:rPr>
+              <a:t>tskit_arg_visualizer</a:t>
+            </a:r>
+            <a:r>
+              <a:rPr lang="en-US" sz="1400" dirty="0">
+                <a:solidFill>
+                  <a:srgbClr val="043D4D"/>
+                </a:solidFill>
+                <a:latin typeface="Arial" panose="020B0604020202020204" pitchFamily="34" charset="0"/>
+                <a:cs typeface="Arial" panose="020B0604020202020204" pitchFamily="34" charset="0"/>
+              </a:rPr>
+              <a:t>/blob/main/</a:t>
+            </a:r>
+            <a:r>
+              <a:rPr lang="en-US" sz="1400" dirty="0" err="1">
+                <a:solidFill>
+                  <a:srgbClr val="043D4D"/>
+                </a:solidFill>
+                <a:latin typeface="Arial" panose="020B0604020202020204" pitchFamily="34" charset="0"/>
+                <a:cs typeface="Arial" panose="020B0604020202020204" pitchFamily="34" charset="0"/>
+              </a:rPr>
+              <a:t>plotting.md</a:t>
+            </a:r>
+            <a:endParaRPr lang="en-US" sz="1400" dirty="0">
+              <a:solidFill>
+                <a:srgbClr val="043D4D"/>
+              </a:solidFill>
+              <a:latin typeface="Arial" panose="020B0604020202020204" pitchFamily="34" charset="0"/>
+              <a:cs typeface="Arial" panose="020B0604020202020204" pitchFamily="34" charset="0"/>
+            </a:endParaRPr>
+          </a:p>
+        </p:txBody>
+      </p:sp>
+      <p:sp>
+        <p:nvSpPr>
+          <p:cNvPr id="7" name="Right Brace 6">
+            <a:extLst>
+              <a:ext uri="{FF2B5EF4-FFF2-40B4-BE49-F238E27FC236}">
+                <a16:creationId xmlns:a16="http://schemas.microsoft.com/office/drawing/2014/main" id="{5AE150C6-64CA-82DA-A979-40F8922F9E58}"/>
+              </a:ext>
+            </a:extLst>
+          </p:cNvPr>
+          <p:cNvSpPr/>
+          <p:nvPr/>
+        </p:nvSpPr>
+        <p:spPr>
+          <a:xfrm>
+            <a:off x="5003617" y="2194559"/>
+            <a:ext cx="1597152" cy="1005839"/>
+          </a:xfrm>
+          <a:prstGeom prst="rightBrace">
+            <a:avLst/>
+          </a:prstGeom>
+          <a:ln w="63500">
+            <a:solidFill>
+              <a:srgbClr val="043D4D"/>
+            </a:solidFill>
+          </a:ln>
+        </p:spPr>
+        <p:style>
+          <a:lnRef idx="1">
+            <a:schemeClr val="accent1"/>
+          </a:lnRef>
+          <a:fillRef idx="0">
+            <a:schemeClr val="accent1"/>
+          </a:fillRef>
+          <a:effectRef idx="0">
+            <a:schemeClr val="accent1"/>
+          </a:effectRef>
+          <a:fontRef idx="minor">
+            <a:schemeClr val="tx1"/>
+          </a:fontRef>
+        </p:style>
+        <p:txBody>
+          <a:bodyPr rtlCol="0" anchor="ctr"/>
+          <a:lstStyle/>
+          <a:p>
+            <a:pPr algn="ctr"/>
+            <a:endParaRPr lang="en-US"/>
+          </a:p>
+        </p:txBody>
+      </p:sp>
+      <p:sp>
+        <p:nvSpPr>
+          <p:cNvPr id="8" name="Right Brace 7">
+            <a:extLst>
+              <a:ext uri="{FF2B5EF4-FFF2-40B4-BE49-F238E27FC236}">
+                <a16:creationId xmlns:a16="http://schemas.microsoft.com/office/drawing/2014/main" id="{6AE7CEE9-BF8F-5843-FDC9-A3DB9F5F4388}"/>
+              </a:ext>
+            </a:extLst>
+          </p:cNvPr>
+          <p:cNvSpPr/>
+          <p:nvPr/>
+        </p:nvSpPr>
+        <p:spPr>
+          <a:xfrm>
+            <a:off x="5003617" y="3657601"/>
+            <a:ext cx="1597152" cy="2218944"/>
+          </a:xfrm>
+          <a:prstGeom prst="rightBrace">
+            <a:avLst/>
+          </a:prstGeom>
+          <a:ln w="63500">
+            <a:solidFill>
+              <a:srgbClr val="043D4D"/>
+            </a:solidFill>
+          </a:ln>
+        </p:spPr>
+        <p:style>
+          <a:lnRef idx="1">
+            <a:schemeClr val="accent1"/>
+          </a:lnRef>
+          <a:fillRef idx="0">
+            <a:schemeClr val="accent1"/>
+          </a:fillRef>
+          <a:effectRef idx="0">
+            <a:schemeClr val="accent1"/>
+          </a:effectRef>
+          <a:fontRef idx="minor">
+            <a:schemeClr val="tx1"/>
+          </a:fontRef>
+        </p:style>
+        <p:txBody>
+          <a:bodyPr rtlCol="0" anchor="ctr"/>
+          <a:lstStyle/>
+          <a:p>
+            <a:pPr algn="ctr"/>
+            <a:endParaRPr lang="en-US"/>
+          </a:p>
+        </p:txBody>
+      </p:sp>
+      <p:sp>
+        <p:nvSpPr>
+          <p:cNvPr id="10" name="TextBox 9">
+            <a:extLst>
+              <a:ext uri="{FF2B5EF4-FFF2-40B4-BE49-F238E27FC236}">
+                <a16:creationId xmlns:a16="http://schemas.microsoft.com/office/drawing/2014/main" id="{701C1C2A-23F1-4276-98DE-4591A93D55D4}"/>
+              </a:ext>
+            </a:extLst>
+          </p:cNvPr>
+          <p:cNvSpPr txBox="1"/>
+          <p:nvPr/>
+        </p:nvSpPr>
+        <p:spPr>
+          <a:xfrm>
+            <a:off x="7125025" y="2220424"/>
+            <a:ext cx="3490423" cy="954107"/>
+          </a:xfrm>
+          <a:prstGeom prst="rect">
+            <a:avLst/>
+          </a:prstGeom>
+          <a:noFill/>
+        </p:spPr>
+        <p:txBody>
+          <a:bodyPr wrap="square" rtlCol="0">
+            <a:spAutoFit/>
+          </a:bodyPr>
+          <a:lstStyle/>
+          <a:p>
+            <a:r>
+              <a:rPr lang="en-US" sz="2800" dirty="0">
+                <a:solidFill>
+                  <a:srgbClr val="043D4D"/>
+                </a:solidFill>
+                <a:latin typeface="Arial" panose="020B0604020202020204" pitchFamily="34" charset="0"/>
+                <a:cs typeface="Arial" panose="020B0604020202020204" pitchFamily="34" charset="0"/>
+              </a:rPr>
+              <a:t>Modified versions of the tables from </a:t>
+            </a:r>
+            <a:r>
+              <a:rPr lang="en-US" sz="2800" dirty="0" err="1">
+                <a:solidFill>
+                  <a:srgbClr val="043D4D"/>
+                </a:solidFill>
+                <a:latin typeface="Arial" panose="020B0604020202020204" pitchFamily="34" charset="0"/>
+                <a:cs typeface="Arial" panose="020B0604020202020204" pitchFamily="34" charset="0"/>
+              </a:rPr>
+              <a:t>tskit</a:t>
+            </a:r>
+            <a:endParaRPr lang="en-US" sz="2800" dirty="0">
+              <a:solidFill>
+                <a:srgbClr val="043D4D"/>
+              </a:solidFill>
+              <a:latin typeface="Arial" panose="020B0604020202020204" pitchFamily="34" charset="0"/>
+              <a:cs typeface="Arial" panose="020B0604020202020204" pitchFamily="34" charset="0"/>
+            </a:endParaRPr>
+          </a:p>
+        </p:txBody>
+      </p:sp>
+      <p:sp>
+        <p:nvSpPr>
+          <p:cNvPr id="11" name="TextBox 10">
+            <a:extLst>
+              <a:ext uri="{FF2B5EF4-FFF2-40B4-BE49-F238E27FC236}">
+                <a16:creationId xmlns:a16="http://schemas.microsoft.com/office/drawing/2014/main" id="{9FD2E621-270E-A35F-6E0B-66E107F67D1A}"/>
+              </a:ext>
+            </a:extLst>
+          </p:cNvPr>
+          <p:cNvSpPr txBox="1"/>
+          <p:nvPr/>
+        </p:nvSpPr>
+        <p:spPr>
+          <a:xfrm>
+            <a:off x="1451806" y="1999170"/>
+            <a:ext cx="3289683" cy="4139595"/>
+          </a:xfrm>
+          <a:prstGeom prst="rect">
+            <a:avLst/>
+          </a:prstGeom>
+          <a:noFill/>
+        </p:spPr>
+        <p:txBody>
+          <a:bodyPr wrap="none" rtlCol="0">
+            <a:spAutoFit/>
+          </a:bodyPr>
+          <a:lstStyle/>
+          <a:p>
+            <a:pPr marL="457200" indent="-457200">
+              <a:buFontTx/>
+              <a:buChar char="-"/>
+            </a:pPr>
+            <a:r>
+              <a:rPr lang="en-US" sz="2800" dirty="0">
+                <a:solidFill>
+                  <a:srgbClr val="043D4D"/>
+                </a:solidFill>
+                <a:latin typeface="Arial" panose="020B0604020202020204" pitchFamily="34" charset="0"/>
+                <a:cs typeface="Arial" panose="020B0604020202020204" pitchFamily="34" charset="0"/>
+              </a:rPr>
+              <a:t>nodes</a:t>
+            </a:r>
+          </a:p>
+          <a:p>
+            <a:pPr marL="457200" indent="-457200">
+              <a:buFontTx/>
+              <a:buChar char="-"/>
+            </a:pPr>
+            <a:r>
+              <a:rPr lang="en-US" sz="2800" dirty="0">
+                <a:solidFill>
+                  <a:srgbClr val="043D4D"/>
+                </a:solidFill>
+                <a:latin typeface="Arial" panose="020B0604020202020204" pitchFamily="34" charset="0"/>
+                <a:cs typeface="Arial" panose="020B0604020202020204" pitchFamily="34" charset="0"/>
+              </a:rPr>
+              <a:t>links</a:t>
+            </a:r>
+          </a:p>
+          <a:p>
+            <a:pPr marL="457200" indent="-457200">
+              <a:buFontTx/>
+              <a:buChar char="-"/>
+            </a:pPr>
+            <a:r>
+              <a:rPr lang="en-US" sz="2800" dirty="0">
+                <a:solidFill>
+                  <a:srgbClr val="043D4D"/>
+                </a:solidFill>
+                <a:latin typeface="Arial" panose="020B0604020202020204" pitchFamily="34" charset="0"/>
+                <a:cs typeface="Arial" panose="020B0604020202020204" pitchFamily="34" charset="0"/>
+              </a:rPr>
+              <a:t>breakpoints</a:t>
+            </a:r>
+          </a:p>
+          <a:p>
+            <a:endParaRPr lang="en-US" sz="1100" dirty="0">
+              <a:solidFill>
+                <a:srgbClr val="043D4D"/>
+              </a:solidFill>
+              <a:latin typeface="Arial" panose="020B0604020202020204" pitchFamily="34" charset="0"/>
+              <a:cs typeface="Arial" panose="020B0604020202020204" pitchFamily="34" charset="0"/>
+            </a:endParaRPr>
+          </a:p>
+          <a:p>
+            <a:pPr marL="457200" indent="-457200">
+              <a:buFontTx/>
+              <a:buChar char="-"/>
+            </a:pPr>
+            <a:r>
+              <a:rPr lang="en-US" sz="2800" dirty="0">
+                <a:solidFill>
+                  <a:srgbClr val="043D4D"/>
+                </a:solidFill>
+                <a:latin typeface="Arial" panose="020B0604020202020204" pitchFamily="34" charset="0"/>
+                <a:cs typeface="Arial" panose="020B0604020202020204" pitchFamily="34" charset="0"/>
+              </a:rPr>
+              <a:t>width</a:t>
+            </a:r>
+          </a:p>
+          <a:p>
+            <a:pPr marL="457200" indent="-457200">
+              <a:buFontTx/>
+              <a:buChar char="-"/>
+            </a:pPr>
+            <a:r>
+              <a:rPr lang="en-US" sz="2800" dirty="0">
+                <a:solidFill>
+                  <a:srgbClr val="043D4D"/>
+                </a:solidFill>
+                <a:latin typeface="Arial" panose="020B0604020202020204" pitchFamily="34" charset="0"/>
+                <a:cs typeface="Arial" panose="020B0604020202020204" pitchFamily="34" charset="0"/>
+              </a:rPr>
+              <a:t>height</a:t>
+            </a:r>
+          </a:p>
+          <a:p>
+            <a:pPr marL="457200" indent="-457200">
+              <a:buFontTx/>
+              <a:buChar char="-"/>
+            </a:pPr>
+            <a:r>
+              <a:rPr lang="en-US" sz="2800" dirty="0" err="1">
+                <a:solidFill>
+                  <a:srgbClr val="043D4D"/>
+                </a:solidFill>
+                <a:latin typeface="Arial" panose="020B0604020202020204" pitchFamily="34" charset="0"/>
+                <a:cs typeface="Arial" panose="020B0604020202020204" pitchFamily="34" charset="0"/>
+              </a:rPr>
+              <a:t>tree_highlighting</a:t>
+            </a:r>
+            <a:endParaRPr lang="en-US" sz="2800" dirty="0">
+              <a:solidFill>
+                <a:srgbClr val="043D4D"/>
+              </a:solidFill>
+              <a:latin typeface="Arial" panose="020B0604020202020204" pitchFamily="34" charset="0"/>
+              <a:cs typeface="Arial" panose="020B0604020202020204" pitchFamily="34" charset="0"/>
+            </a:endParaRPr>
+          </a:p>
+          <a:p>
+            <a:pPr marL="457200" indent="-457200">
+              <a:buFontTx/>
+              <a:buChar char="-"/>
+            </a:pPr>
+            <a:r>
+              <a:rPr lang="en-US" sz="2800" dirty="0" err="1">
+                <a:solidFill>
+                  <a:srgbClr val="043D4D"/>
+                </a:solidFill>
+                <a:latin typeface="Arial" panose="020B0604020202020204" pitchFamily="34" charset="0"/>
+                <a:cs typeface="Arial" panose="020B0604020202020204" pitchFamily="34" charset="0"/>
+              </a:rPr>
+              <a:t>y_axis</a:t>
+            </a:r>
+            <a:endParaRPr lang="en-US" sz="2800" dirty="0">
+              <a:solidFill>
+                <a:srgbClr val="043D4D"/>
+              </a:solidFill>
+              <a:latin typeface="Arial" panose="020B0604020202020204" pitchFamily="34" charset="0"/>
+              <a:cs typeface="Arial" panose="020B0604020202020204" pitchFamily="34" charset="0"/>
+            </a:endParaRPr>
+          </a:p>
+          <a:p>
+            <a:pPr marL="457200" indent="-457200">
+              <a:buFontTx/>
+              <a:buChar char="-"/>
+            </a:pPr>
+            <a:r>
+              <a:rPr lang="en-US" sz="2800" dirty="0" err="1">
+                <a:solidFill>
+                  <a:srgbClr val="043D4D"/>
+                </a:solidFill>
+                <a:latin typeface="Arial" panose="020B0604020202020204" pitchFamily="34" charset="0"/>
+                <a:cs typeface="Arial" panose="020B0604020202020204" pitchFamily="34" charset="0"/>
+              </a:rPr>
+              <a:t>edge_type</a:t>
+            </a:r>
+            <a:endParaRPr lang="en-US" sz="2800" dirty="0">
+              <a:solidFill>
+                <a:srgbClr val="043D4D"/>
+              </a:solidFill>
+              <a:latin typeface="Arial" panose="020B0604020202020204" pitchFamily="34" charset="0"/>
+              <a:cs typeface="Arial" panose="020B0604020202020204" pitchFamily="34" charset="0"/>
+            </a:endParaRPr>
+          </a:p>
+          <a:p>
+            <a:pPr marL="457200" indent="-457200">
+              <a:buFontTx/>
+              <a:buChar char="-"/>
+            </a:pPr>
+            <a:r>
+              <a:rPr lang="en-US" sz="2800" dirty="0" err="1">
+                <a:solidFill>
+                  <a:srgbClr val="043D4D"/>
+                </a:solidFill>
+                <a:latin typeface="Arial" panose="020B0604020202020204" pitchFamily="34" charset="0"/>
+                <a:cs typeface="Arial" panose="020B0604020202020204" pitchFamily="34" charset="0"/>
+              </a:rPr>
+              <a:t>subset_nodes</a:t>
+            </a:r>
+            <a:endParaRPr lang="en-US" dirty="0">
+              <a:solidFill>
+                <a:srgbClr val="043D4D"/>
+              </a:solidFill>
+              <a:latin typeface="Arial" panose="020B0604020202020204" pitchFamily="34" charset="0"/>
+              <a:cs typeface="Arial" panose="020B0604020202020204" pitchFamily="34" charset="0"/>
+            </a:endParaRPr>
+          </a:p>
+        </p:txBody>
+      </p:sp>
+      <p:sp>
+        <p:nvSpPr>
+          <p:cNvPr id="14" name="TextBox 13">
+            <a:extLst>
+              <a:ext uri="{FF2B5EF4-FFF2-40B4-BE49-F238E27FC236}">
+                <a16:creationId xmlns:a16="http://schemas.microsoft.com/office/drawing/2014/main" id="{C82EC6A0-2BBE-2434-70D8-A008DD62B334}"/>
+              </a:ext>
+            </a:extLst>
+          </p:cNvPr>
+          <p:cNvSpPr txBox="1"/>
+          <p:nvPr/>
+        </p:nvSpPr>
+        <p:spPr>
+          <a:xfrm>
+            <a:off x="7125025" y="4505463"/>
+            <a:ext cx="4523995" cy="523220"/>
+          </a:xfrm>
+          <a:prstGeom prst="rect">
+            <a:avLst/>
+          </a:prstGeom>
+          <a:noFill/>
+        </p:spPr>
+        <p:txBody>
+          <a:bodyPr wrap="none" rtlCol="0">
+            <a:spAutoFit/>
+          </a:bodyPr>
+          <a:lstStyle/>
+          <a:p>
+            <a:r>
+              <a:rPr lang="en-US" sz="2800" dirty="0">
+                <a:solidFill>
+                  <a:srgbClr val="043D4D"/>
+                </a:solidFill>
+                <a:latin typeface="Arial" panose="020B0604020202020204" pitchFamily="34" charset="0"/>
+                <a:cs typeface="Arial" panose="020B0604020202020204" pitchFamily="34" charset="0"/>
+              </a:rPr>
+              <a:t>Describes the graph styling</a:t>
+            </a:r>
+          </a:p>
+        </p:txBody>
+      </p:sp>
+    </p:spTree>
+    <p:extLst>
+      <p:ext uri="{BB962C8B-B14F-4D97-AF65-F5344CB8AC3E}">
+        <p14:creationId xmlns:p14="http://schemas.microsoft.com/office/powerpoint/2010/main" val="1897785487"/>
+      </p:ext>
+    </p:extLst>
+  </p:cSld>
+  <p:clrMapOvr>
+    <a:masterClrMapping/>
+  </p:clrMapOvr>
+</p:sld>
+</file>
+
+<file path=ppt/slides/slide8.xml><?xml version="1.0" encoding="utf-8"?>
+<p:sld xmlns:a="http://schemas.openxmlformats.org/drawingml/2006/main" xmlns:r="http://schemas.openxmlformats.org/officeDocument/2006/relationships" xmlns:p="http://schemas.openxmlformats.org/presentationml/2006/main">
+  <p:cSld>
+    <p:spTree>
+      <p:nvGrpSpPr>
+        <p:cNvPr id="1" name=""/>
+        <p:cNvGrpSpPr/>
+        <p:nvPr/>
+      </p:nvGrpSpPr>
+      <p:grpSpPr>
+        <a:xfrm>
+          <a:off x="0" y="0"/>
+          <a:ext cx="0" cy="0"/>
+          <a:chOff x="0" y="0"/>
+          <a:chExt cx="0" cy="0"/>
+        </a:xfrm>
+      </p:grpSpPr>
+      <p:sp>
+        <p:nvSpPr>
+          <p:cNvPr id="4" name="TextBox 3">
+            <a:extLst>
+              <a:ext uri="{FF2B5EF4-FFF2-40B4-BE49-F238E27FC236}">
+                <a16:creationId xmlns:a16="http://schemas.microsoft.com/office/drawing/2014/main" id="{B05A8C33-3DB9-0ECF-9D9C-8C6C1F6928C6}"/>
+              </a:ext>
+            </a:extLst>
+          </p:cNvPr>
+          <p:cNvSpPr txBox="1"/>
+          <p:nvPr/>
+        </p:nvSpPr>
+        <p:spPr>
+          <a:xfrm>
+            <a:off x="722517" y="492851"/>
             <a:ext cx="8840818" cy="1323439"/>
           </a:xfrm>
           <a:prstGeom prst="rect">
@@ -10363,7 +10679,7 @@
 </p:sld>
 </file>
 
-<file path=ppt/slides/slide8.xml><?xml version="1.0" encoding="utf-8"?>
+<file path=ppt/slides/slide9.xml><?xml version="1.0" encoding="utf-8"?>
 <p:sld xmlns:a="http://schemas.openxmlformats.org/drawingml/2006/main" xmlns:r="http://schemas.openxmlformats.org/officeDocument/2006/relationships" xmlns:p="http://schemas.openxmlformats.org/presentationml/2006/main">
   <p:cSld>
     <p:spTree>
@@ -11259,150 +11575,6 @@
     <p:extLst>
       <p:ext uri="{BB962C8B-B14F-4D97-AF65-F5344CB8AC3E}">
         <p14:creationId xmlns:p14="http://schemas.microsoft.com/office/powerpoint/2010/main" val="1511584320"/>
-      </p:ext>
-    </p:extLst>
-  </p:cSld>
-  <p:clrMapOvr>
-    <a:masterClrMapping/>
-  </p:clrMapOvr>
-</p:sld>
-</file>
-
-<file path=ppt/slides/slide9.xml><?xml version="1.0" encoding="utf-8"?>
-<p:sld xmlns:a="http://schemas.openxmlformats.org/drawingml/2006/main" xmlns:r="http://schemas.openxmlformats.org/officeDocument/2006/relationships" xmlns:p="http://schemas.openxmlformats.org/presentationml/2006/main">
-  <p:cSld>
-    <p:spTree>
-      <p:nvGrpSpPr>
-        <p:cNvPr id="1" name=""/>
-        <p:cNvGrpSpPr/>
-        <p:nvPr/>
-      </p:nvGrpSpPr>
-      <p:grpSpPr>
-        <a:xfrm>
-          <a:off x="0" y="0"/>
-          <a:ext cx="0" cy="0"/>
-          <a:chOff x="0" y="0"/>
-          <a:chExt cx="0" cy="0"/>
-        </a:xfrm>
-      </p:grpSpPr>
-      <p:pic>
-        <p:nvPicPr>
-          <p:cNvPr id="11" name="Picture 10">
-            <a:extLst>
-              <a:ext uri="{FF2B5EF4-FFF2-40B4-BE49-F238E27FC236}">
-                <a16:creationId xmlns:a16="http://schemas.microsoft.com/office/drawing/2014/main" id="{9E32968A-F8A1-27AE-E119-958BB4C5CB91}"/>
-              </a:ext>
-            </a:extLst>
-          </p:cNvPr>
-          <p:cNvPicPr>
-            <a:picLocks noChangeAspect="1"/>
-          </p:cNvPicPr>
-          <p:nvPr/>
-        </p:nvPicPr>
-        <p:blipFill>
-          <a:blip r:embed="rId3"/>
-          <a:stretch>
-            <a:fillRect/>
-          </a:stretch>
-        </p:blipFill>
-        <p:spPr>
-          <a:xfrm>
-            <a:off x="6291072" y="1050563"/>
-            <a:ext cx="5615404" cy="5102370"/>
-          </a:xfrm>
-          <a:prstGeom prst="rect">
-            <a:avLst/>
-          </a:prstGeom>
-        </p:spPr>
-      </p:pic>
-      <p:sp>
-        <p:nvSpPr>
-          <p:cNvPr id="5" name="Rectangle 4">
-            <a:extLst>
-              <a:ext uri="{FF2B5EF4-FFF2-40B4-BE49-F238E27FC236}">
-                <a16:creationId xmlns:a16="http://schemas.microsoft.com/office/drawing/2014/main" id="{7F2EDB75-395E-77EA-70F3-A5E7AC437C76}"/>
-              </a:ext>
-            </a:extLst>
-          </p:cNvPr>
-          <p:cNvSpPr/>
-          <p:nvPr/>
-        </p:nvSpPr>
-        <p:spPr>
-          <a:xfrm>
-            <a:off x="1463040" y="1231392"/>
-            <a:ext cx="3706368" cy="4395214"/>
-          </a:xfrm>
-          <a:prstGeom prst="rect">
-            <a:avLst/>
-          </a:prstGeom>
-          <a:solidFill>
-            <a:srgbClr val="F5F5F5"/>
-          </a:solidFill>
-          <a:ln w="38100">
-            <a:solidFill>
-              <a:srgbClr val="043D4D"/>
-            </a:solidFill>
-          </a:ln>
-        </p:spPr>
-        <p:style>
-          <a:lnRef idx="2">
-            <a:schemeClr val="accent1">
-              <a:shade val="15000"/>
-            </a:schemeClr>
-          </a:lnRef>
-          <a:fillRef idx="1">
-            <a:schemeClr val="accent1"/>
-          </a:fillRef>
-          <a:effectRef idx="0">
-            <a:schemeClr val="accent1"/>
-          </a:effectRef>
-          <a:fontRef idx="minor">
-            <a:schemeClr val="lt1"/>
-          </a:fontRef>
-        </p:style>
-        <p:txBody>
-          <a:bodyPr rtlCol="0" anchor="ctr"/>
-          <a:lstStyle/>
-          <a:p>
-            <a:pPr algn="ctr"/>
-            <a:endParaRPr lang="en-US"/>
-          </a:p>
-        </p:txBody>
-      </p:sp>
-      <p:pic>
-        <p:nvPicPr>
-          <p:cNvPr id="9" name="Picture 8" descr="A screenshot of a computer code&#10;&#10;Description automatically generated">
-            <a:extLst>
-              <a:ext uri="{FF2B5EF4-FFF2-40B4-BE49-F238E27FC236}">
-                <a16:creationId xmlns:a16="http://schemas.microsoft.com/office/drawing/2014/main" id="{0E022537-F842-DB08-FD65-5E5CF7DDF811}"/>
-              </a:ext>
-            </a:extLst>
-          </p:cNvPr>
-          <p:cNvPicPr>
-            <a:picLocks noChangeAspect="1"/>
-          </p:cNvPicPr>
-          <p:nvPr/>
-        </p:nvPicPr>
-        <p:blipFill>
-          <a:blip r:embed="rId4"/>
-          <a:stretch>
-            <a:fillRect/>
-          </a:stretch>
-        </p:blipFill>
-        <p:spPr>
-          <a:xfrm>
-            <a:off x="1620774" y="1352549"/>
-            <a:ext cx="3390900" cy="4152900"/>
-          </a:xfrm>
-          <a:prstGeom prst="rect">
-            <a:avLst/>
-          </a:prstGeom>
-        </p:spPr>
-      </p:pic>
-    </p:spTree>
-    <p:extLst>
-      <p:ext uri="{BB962C8B-B14F-4D97-AF65-F5344CB8AC3E}">
-        <p14:creationId xmlns:p14="http://schemas.microsoft.com/office/powerpoint/2010/main" val="2737830703"/>
       </p:ext>
     </p:extLst>
   </p:cSld>

--- a/tskit_presentation.pptx
+++ b/tskit_presentation.pptx
@@ -4363,8 +4363,8 @@
         </p:nvSpPr>
         <p:spPr>
           <a:xfrm>
-            <a:off x="1463040" y="1231392"/>
-            <a:ext cx="3706368" cy="4395214"/>
+            <a:off x="1463040" y="2010945"/>
+            <a:ext cx="3706368" cy="2836111"/>
           </a:xfrm>
           <a:prstGeom prst="rect">
             <a:avLst/>
@@ -4405,10 +4405,10 @@
       </p:sp>
       <p:pic>
         <p:nvPicPr>
-          <p:cNvPr id="9" name="Picture 8" descr="A screenshot of a computer code&#10;&#10;Description automatically generated">
-            <a:extLst>
-              <a:ext uri="{FF2B5EF4-FFF2-40B4-BE49-F238E27FC236}">
-                <a16:creationId xmlns:a16="http://schemas.microsoft.com/office/drawing/2014/main" id="{0E022537-F842-DB08-FD65-5E5CF7DDF811}"/>
+          <p:cNvPr id="4" name="Picture 3" descr="A screenshot of a computer&#10;&#10;Description automatically generated">
+            <a:extLst>
+              <a:ext uri="{FF2B5EF4-FFF2-40B4-BE49-F238E27FC236}">
+                <a16:creationId xmlns:a16="http://schemas.microsoft.com/office/drawing/2014/main" id="{B8E0C30E-836E-AF59-1505-BC101C09EF88}"/>
               </a:ext>
             </a:extLst>
           </p:cNvPr>
@@ -4417,16 +4417,15 @@
           </p:cNvPicPr>
           <p:nvPr/>
         </p:nvPicPr>
-        <p:blipFill>
+        <p:blipFill rotWithShape="1">
           <a:blip r:embed="rId3"/>
-          <a:stretch>
-            <a:fillRect/>
-          </a:stretch>
+          <a:srcRect t="8889"/>
+          <a:stretch/>
         </p:blipFill>
         <p:spPr>
           <a:xfrm>
-            <a:off x="1620774" y="1352549"/>
-            <a:ext cx="3390900" cy="4152900"/>
+            <a:off x="5797235" y="570513"/>
+            <a:ext cx="5879545" cy="5716974"/>
           </a:xfrm>
           <a:prstGeom prst="rect">
             <a:avLst/>
@@ -4435,10 +4434,10 @@
       </p:pic>
       <p:pic>
         <p:nvPicPr>
-          <p:cNvPr id="2" name="Picture 1" descr="A screenshot of a computer&#10;&#10;Description automatically generated">
-            <a:extLst>
-              <a:ext uri="{FF2B5EF4-FFF2-40B4-BE49-F238E27FC236}">
-                <a16:creationId xmlns:a16="http://schemas.microsoft.com/office/drawing/2014/main" id="{902338C6-FA68-7400-0C1A-480271D50E75}"/>
+          <p:cNvPr id="7" name="Picture 6" descr="A screen shot of a computer code&#10;&#10;Description automatically generated">
+            <a:extLst>
+              <a:ext uri="{FF2B5EF4-FFF2-40B4-BE49-F238E27FC236}">
+                <a16:creationId xmlns:a16="http://schemas.microsoft.com/office/drawing/2014/main" id="{D22A63B8-8F9D-CD84-9BB9-40BA4FC2F113}"/>
               </a:ext>
             </a:extLst>
           </p:cNvPr>
@@ -4449,13 +4448,13 @@
         </p:nvPicPr>
         <p:blipFill rotWithShape="1">
           <a:blip r:embed="rId4"/>
-          <a:srcRect t="8390"/>
+          <a:srcRect t="1612"/>
           <a:stretch/>
         </p:blipFill>
         <p:spPr>
           <a:xfrm>
-            <a:off x="6243418" y="707237"/>
-            <a:ext cx="5624990" cy="5443527"/>
+            <a:off x="1555008" y="2125718"/>
+            <a:ext cx="3522431" cy="2606565"/>
           </a:xfrm>
           <a:prstGeom prst="rect">
             <a:avLst/>
@@ -5231,10 +5230,10 @@
       </p:grpSpPr>
       <p:pic>
         <p:nvPicPr>
-          <p:cNvPr id="14" name="Picture 13" descr="A screenshot of a computer&#10;&#10;Description automatically generated">
-            <a:extLst>
-              <a:ext uri="{FF2B5EF4-FFF2-40B4-BE49-F238E27FC236}">
-                <a16:creationId xmlns:a16="http://schemas.microsoft.com/office/drawing/2014/main" id="{6BBA1B56-8A9B-3E66-CE84-C5A0B56326B7}"/>
+          <p:cNvPr id="6" name="Picture 5" descr="A screenshot of a computer&#10;&#10;Description automatically generated">
+            <a:extLst>
+              <a:ext uri="{FF2B5EF4-FFF2-40B4-BE49-F238E27FC236}">
+                <a16:creationId xmlns:a16="http://schemas.microsoft.com/office/drawing/2014/main" id="{06154C2E-5EAE-162A-D45D-AAB8EB1B9620}"/>
               </a:ext>
             </a:extLst>
           </p:cNvPr>
@@ -5251,8 +5250,8 @@
         </p:blipFill>
         <p:spPr>
           <a:xfrm>
-            <a:off x="3653239" y="797011"/>
-            <a:ext cx="4885521" cy="5263977"/>
+            <a:off x="3360167" y="509283"/>
+            <a:ext cx="5471667" cy="5839434"/>
           </a:xfrm>
           <a:prstGeom prst="rect">
             <a:avLst/>
@@ -5291,10 +5290,10 @@
       </p:grpSpPr>
       <p:pic>
         <p:nvPicPr>
-          <p:cNvPr id="14" name="Picture 13" descr="A screenshot of a computer&#10;&#10;Description automatically generated">
-            <a:extLst>
-              <a:ext uri="{FF2B5EF4-FFF2-40B4-BE49-F238E27FC236}">
-                <a16:creationId xmlns:a16="http://schemas.microsoft.com/office/drawing/2014/main" id="{6BBA1B56-8A9B-3E66-CE84-C5A0B56326B7}"/>
+          <p:cNvPr id="5" name="Picture 4" descr="A screenshot of a computer&#10;&#10;Description automatically generated">
+            <a:extLst>
+              <a:ext uri="{FF2B5EF4-FFF2-40B4-BE49-F238E27FC236}">
+                <a16:creationId xmlns:a16="http://schemas.microsoft.com/office/drawing/2014/main" id="{AC9B39B4-AF5C-AFCB-096E-1C5307E6241C}"/>
               </a:ext>
             </a:extLst>
           </p:cNvPr>
@@ -5311,8 +5310,8 @@
         </p:blipFill>
         <p:spPr>
           <a:xfrm>
-            <a:off x="3653239" y="797011"/>
-            <a:ext cx="4885521" cy="5263977"/>
+            <a:off x="3360167" y="509283"/>
+            <a:ext cx="5471667" cy="5839434"/>
           </a:xfrm>
           <a:prstGeom prst="rect">
             <a:avLst/>
@@ -5453,10 +5452,10 @@
       </p:grpSpPr>
       <p:pic>
         <p:nvPicPr>
-          <p:cNvPr id="14" name="Picture 13" descr="A screenshot of a computer&#10;&#10;Description automatically generated">
-            <a:extLst>
-              <a:ext uri="{FF2B5EF4-FFF2-40B4-BE49-F238E27FC236}">
-                <a16:creationId xmlns:a16="http://schemas.microsoft.com/office/drawing/2014/main" id="{6BBA1B56-8A9B-3E66-CE84-C5A0B56326B7}"/>
+          <p:cNvPr id="6" name="Picture 5" descr="A screenshot of a computer&#10;&#10;Description automatically generated">
+            <a:extLst>
+              <a:ext uri="{FF2B5EF4-FFF2-40B4-BE49-F238E27FC236}">
+                <a16:creationId xmlns:a16="http://schemas.microsoft.com/office/drawing/2014/main" id="{FCF56B66-278C-EE68-5202-3C39E7E1E15C}"/>
               </a:ext>
             </a:extLst>
           </p:cNvPr>
@@ -5473,8 +5472,8 @@
         </p:blipFill>
         <p:spPr>
           <a:xfrm>
-            <a:off x="3653239" y="797011"/>
-            <a:ext cx="4885521" cy="5263977"/>
+            <a:off x="3360167" y="509283"/>
+            <a:ext cx="5471667" cy="5839434"/>
           </a:xfrm>
           <a:prstGeom prst="rect">
             <a:avLst/>
@@ -5495,7 +5494,7 @@
         </p:nvSpPr>
         <p:spPr>
           <a:xfrm>
-            <a:off x="812356" y="3694269"/>
+            <a:off x="812356" y="3526109"/>
             <a:ext cx="2315929" cy="923330"/>
           </a:xfrm>
           <a:prstGeom prst="rect">
@@ -5538,7 +5537,7 @@
         </p:nvCxnSpPr>
         <p:spPr>
           <a:xfrm>
-            <a:off x="3303270" y="4155934"/>
+            <a:off x="3303270" y="3987774"/>
             <a:ext cx="1025637" cy="0"/>
           </a:xfrm>
           <a:prstGeom prst="straightConnector1">
@@ -5598,10 +5597,10 @@
       </p:grpSpPr>
       <p:pic>
         <p:nvPicPr>
-          <p:cNvPr id="14" name="Picture 13" descr="A screenshot of a computer&#10;&#10;Description automatically generated">
-            <a:extLst>
-              <a:ext uri="{FF2B5EF4-FFF2-40B4-BE49-F238E27FC236}">
-                <a16:creationId xmlns:a16="http://schemas.microsoft.com/office/drawing/2014/main" id="{6BBA1B56-8A9B-3E66-CE84-C5A0B56326B7}"/>
+          <p:cNvPr id="4" name="Picture 3" descr="A screenshot of a computer&#10;&#10;Description automatically generated">
+            <a:extLst>
+              <a:ext uri="{FF2B5EF4-FFF2-40B4-BE49-F238E27FC236}">
+                <a16:creationId xmlns:a16="http://schemas.microsoft.com/office/drawing/2014/main" id="{89D3C0B4-5669-B46E-3FE7-4F59BF748A59}"/>
               </a:ext>
             </a:extLst>
           </p:cNvPr>
@@ -5618,8 +5617,8 @@
         </p:blipFill>
         <p:spPr>
           <a:xfrm>
-            <a:off x="3653239" y="797011"/>
-            <a:ext cx="4885521" cy="5263977"/>
+            <a:off x="3360167" y="509283"/>
+            <a:ext cx="5471667" cy="5839434"/>
           </a:xfrm>
           <a:prstGeom prst="rect">
             <a:avLst/>
@@ -5882,10 +5881,10 @@
       </p:grpSpPr>
       <p:pic>
         <p:nvPicPr>
-          <p:cNvPr id="14" name="Picture 13" descr="A screenshot of a computer&#10;&#10;Description automatically generated">
-            <a:extLst>
-              <a:ext uri="{FF2B5EF4-FFF2-40B4-BE49-F238E27FC236}">
-                <a16:creationId xmlns:a16="http://schemas.microsoft.com/office/drawing/2014/main" id="{6BBA1B56-8A9B-3E66-CE84-C5A0B56326B7}"/>
+          <p:cNvPr id="2" name="Picture 1" descr="A screenshot of a computer&#10;&#10;Description automatically generated">
+            <a:extLst>
+              <a:ext uri="{FF2B5EF4-FFF2-40B4-BE49-F238E27FC236}">
+                <a16:creationId xmlns:a16="http://schemas.microsoft.com/office/drawing/2014/main" id="{4D0E88CB-6441-2B66-D145-E8AA897002CF}"/>
               </a:ext>
             </a:extLst>
           </p:cNvPr>
@@ -5902,8 +5901,8 @@
         </p:blipFill>
         <p:spPr>
           <a:xfrm>
-            <a:off x="3653239" y="797011"/>
-            <a:ext cx="4885521" cy="5263977"/>
+            <a:off x="3360167" y="509283"/>
+            <a:ext cx="5471667" cy="5839434"/>
           </a:xfrm>
           <a:prstGeom prst="rect">
             <a:avLst/>
@@ -5926,7 +5925,7 @@
         </p:nvCxnSpPr>
         <p:spPr>
           <a:xfrm rot="10800000">
-            <a:off x="8362588" y="5166745"/>
+            <a:off x="8362588" y="5019605"/>
             <a:ext cx="506627" cy="0"/>
           </a:xfrm>
           <a:prstGeom prst="straightConnector1">
@@ -5968,7 +5967,7 @@
         </p:nvSpPr>
         <p:spPr>
           <a:xfrm>
-            <a:off x="8995961" y="4151082"/>
+            <a:off x="8995961" y="4003942"/>
             <a:ext cx="2298357" cy="2031325"/>
           </a:xfrm>
           <a:prstGeom prst="rect">
@@ -6027,10 +6026,10 @@
       </p:grpSpPr>
       <p:pic>
         <p:nvPicPr>
-          <p:cNvPr id="14" name="Picture 13" descr="A screenshot of a computer&#10;&#10;Description automatically generated">
-            <a:extLst>
-              <a:ext uri="{FF2B5EF4-FFF2-40B4-BE49-F238E27FC236}">
-                <a16:creationId xmlns:a16="http://schemas.microsoft.com/office/drawing/2014/main" id="{6BBA1B56-8A9B-3E66-CE84-C5A0B56326B7}"/>
+          <p:cNvPr id="3" name="Picture 2" descr="A screenshot of a computer&#10;&#10;Description automatically generated">
+            <a:extLst>
+              <a:ext uri="{FF2B5EF4-FFF2-40B4-BE49-F238E27FC236}">
+                <a16:creationId xmlns:a16="http://schemas.microsoft.com/office/drawing/2014/main" id="{7D00EF1F-AB3C-D52D-41E6-2032F295332B}"/>
               </a:ext>
             </a:extLst>
           </p:cNvPr>
@@ -6047,8 +6046,8 @@
         </p:blipFill>
         <p:spPr>
           <a:xfrm>
-            <a:off x="3653239" y="797011"/>
-            <a:ext cx="4885521" cy="5263977"/>
+            <a:off x="3360167" y="509283"/>
+            <a:ext cx="5471667" cy="5839434"/>
           </a:xfrm>
           <a:prstGeom prst="rect">
             <a:avLst/>
@@ -6069,8 +6068,8 @@
         </p:nvSpPr>
         <p:spPr>
           <a:xfrm>
-            <a:off x="6804201" y="253452"/>
-            <a:ext cx="2747372" cy="1754326"/>
+            <a:off x="6804200" y="509283"/>
+            <a:ext cx="3937371" cy="1200329"/>
           </a:xfrm>
           <a:prstGeom prst="rect">
             <a:avLst/>
@@ -6112,7 +6111,7 @@
         </p:nvCxnSpPr>
         <p:spPr>
           <a:xfrm rot="9000000">
-            <a:off x="6223325" y="1881121"/>
+            <a:off x="6223325" y="1712961"/>
             <a:ext cx="506627" cy="0"/>
           </a:xfrm>
           <a:prstGeom prst="straightConnector1">
@@ -6168,7 +6167,7 @@
         </p:blipFill>
         <p:spPr>
           <a:xfrm rot="15969267">
-            <a:off x="5804926" y="2155337"/>
+            <a:off x="5857476" y="1892587"/>
             <a:ext cx="400359" cy="400359"/>
           </a:xfrm>
           <a:prstGeom prst="rect">
@@ -6208,10 +6207,10 @@
       </p:grpSpPr>
       <p:pic>
         <p:nvPicPr>
-          <p:cNvPr id="14" name="Picture 13" descr="A screenshot of a computer&#10;&#10;Description automatically generated">
-            <a:extLst>
-              <a:ext uri="{FF2B5EF4-FFF2-40B4-BE49-F238E27FC236}">
-                <a16:creationId xmlns:a16="http://schemas.microsoft.com/office/drawing/2014/main" id="{6BBA1B56-8A9B-3E66-CE84-C5A0B56326B7}"/>
+          <p:cNvPr id="2" name="Picture 1" descr="A screenshot of a computer&#10;&#10;Description automatically generated">
+            <a:extLst>
+              <a:ext uri="{FF2B5EF4-FFF2-40B4-BE49-F238E27FC236}">
+                <a16:creationId xmlns:a16="http://schemas.microsoft.com/office/drawing/2014/main" id="{4DA364D9-AB13-AD0F-82A6-F9CA9B43AE2E}"/>
               </a:ext>
             </a:extLst>
           </p:cNvPr>
@@ -6228,8 +6227,8 @@
         </p:blipFill>
         <p:spPr>
           <a:xfrm>
-            <a:off x="3653239" y="797011"/>
-            <a:ext cx="4885521" cy="5263977"/>
+            <a:off x="3360167" y="509283"/>
+            <a:ext cx="5471667" cy="5839434"/>
           </a:xfrm>
           <a:prstGeom prst="rect">
             <a:avLst/>
@@ -6666,10 +6665,10 @@
       </p:grpSpPr>
       <p:pic>
         <p:nvPicPr>
-          <p:cNvPr id="14" name="Picture 13" descr="A screenshot of a computer&#10;&#10;Description automatically generated">
-            <a:extLst>
-              <a:ext uri="{FF2B5EF4-FFF2-40B4-BE49-F238E27FC236}">
-                <a16:creationId xmlns:a16="http://schemas.microsoft.com/office/drawing/2014/main" id="{6BBA1B56-8A9B-3E66-CE84-C5A0B56326B7}"/>
+          <p:cNvPr id="4" name="Picture 3" descr="A screenshot of a computer&#10;&#10;Description automatically generated">
+            <a:extLst>
+              <a:ext uri="{FF2B5EF4-FFF2-40B4-BE49-F238E27FC236}">
+                <a16:creationId xmlns:a16="http://schemas.microsoft.com/office/drawing/2014/main" id="{AC506128-D57B-65C7-C190-CDDBAFE75922}"/>
               </a:ext>
             </a:extLst>
           </p:cNvPr>
@@ -6686,8 +6685,8 @@
         </p:blipFill>
         <p:spPr>
           <a:xfrm>
-            <a:off x="3653239" y="797011"/>
-            <a:ext cx="4885521" cy="5263977"/>
+            <a:off x="3360167" y="509283"/>
+            <a:ext cx="5471667" cy="5839434"/>
           </a:xfrm>
           <a:prstGeom prst="rect">
             <a:avLst/>
@@ -6709,8 +6708,8 @@
           <p:nvPr/>
         </p:nvCxnSpPr>
         <p:spPr>
-          <a:xfrm>
-            <a:off x="3053934" y="1170619"/>
+          <a:xfrm flipH="1">
+            <a:off x="6537436" y="775597"/>
             <a:ext cx="506627" cy="0"/>
           </a:xfrm>
           <a:prstGeom prst="straightConnector1">
@@ -6752,8 +6751,8 @@
         </p:nvSpPr>
         <p:spPr>
           <a:xfrm>
-            <a:off x="755577" y="570454"/>
-            <a:ext cx="2298357" cy="2031325"/>
+            <a:off x="7170345" y="316957"/>
+            <a:ext cx="4363769" cy="1200329"/>
           </a:xfrm>
           <a:prstGeom prst="rect">
             <a:avLst/>
@@ -6774,7 +6773,7 @@
                 <a:latin typeface="Arial" panose="020B0604020202020204" pitchFamily="34" charset="0"/>
                 <a:cs typeface="Arial" panose="020B0604020202020204" pitchFamily="34" charset="0"/>
               </a:rPr>
-              <a:t>EXPERIMENTAL: this unfixes the x-axis positions of all nodes except the samples and allows the simulation to reposition the nodes</a:t>
+              <a:t>Reheat Simulation (experimental): this unfixes the x-axis positions of all nodes except the samples and allows the simulation to reposition the nodes</a:t>
             </a:r>
           </a:p>
         </p:txBody>
@@ -6809,6 +6808,36 @@
           <a:chExt cx="0" cy="0"/>
         </a:xfrm>
       </p:grpSpPr>
+      <p:pic>
+        <p:nvPicPr>
+          <p:cNvPr id="2" name="Picture 1" descr="A screenshot of a computer&#10;&#10;Description automatically generated">
+            <a:extLst>
+              <a:ext uri="{FF2B5EF4-FFF2-40B4-BE49-F238E27FC236}">
+                <a16:creationId xmlns:a16="http://schemas.microsoft.com/office/drawing/2014/main" id="{B8255DB8-90B3-89F2-4B35-C51F66C4A82D}"/>
+              </a:ext>
+            </a:extLst>
+          </p:cNvPr>
+          <p:cNvPicPr>
+            <a:picLocks noChangeAspect="1"/>
+          </p:cNvPicPr>
+          <p:nvPr/>
+        </p:nvPicPr>
+        <p:blipFill>
+          <a:blip r:embed="rId2"/>
+          <a:stretch>
+            <a:fillRect/>
+          </a:stretch>
+        </p:blipFill>
+        <p:spPr>
+          <a:xfrm>
+            <a:off x="3360167" y="509283"/>
+            <a:ext cx="5471667" cy="5839434"/>
+          </a:xfrm>
+          <a:prstGeom prst="rect">
+            <a:avLst/>
+          </a:prstGeom>
+        </p:spPr>
+      </p:pic>
       <p:sp>
         <p:nvSpPr>
           <p:cNvPr id="9" name="Rectangle 8">
@@ -6859,36 +6888,6 @@
           </a:p>
         </p:txBody>
       </p:sp>
-      <p:pic>
-        <p:nvPicPr>
-          <p:cNvPr id="14" name="Picture 13" descr="A screenshot of a computer&#10;&#10;Description automatically generated">
-            <a:extLst>
-              <a:ext uri="{FF2B5EF4-FFF2-40B4-BE49-F238E27FC236}">
-                <a16:creationId xmlns:a16="http://schemas.microsoft.com/office/drawing/2014/main" id="{6BBA1B56-8A9B-3E66-CE84-C5A0B56326B7}"/>
-              </a:ext>
-            </a:extLst>
-          </p:cNvPr>
-          <p:cNvPicPr>
-            <a:picLocks noChangeAspect="1"/>
-          </p:cNvPicPr>
-          <p:nvPr/>
-        </p:nvPicPr>
-        <p:blipFill>
-          <a:blip r:embed="rId2"/>
-          <a:stretch>
-            <a:fillRect/>
-          </a:stretch>
-        </p:blipFill>
-        <p:spPr>
-          <a:xfrm>
-            <a:off x="3653239" y="797011"/>
-            <a:ext cx="4885521" cy="5263977"/>
-          </a:xfrm>
-          <a:prstGeom prst="rect">
-            <a:avLst/>
-          </a:prstGeom>
-        </p:spPr>
-      </p:pic>
       <p:cxnSp>
         <p:nvCxnSpPr>
           <p:cNvPr id="4" name="Straight Arrow Connector 3">
@@ -6904,8 +6903,8 @@
           <p:nvPr/>
         </p:nvCxnSpPr>
         <p:spPr>
-          <a:xfrm rot="10800000">
-            <a:off x="5212644" y="955588"/>
+          <a:xfrm rot="10800000" flipH="1">
+            <a:off x="5231375" y="778033"/>
             <a:ext cx="506627" cy="0"/>
           </a:xfrm>
           <a:prstGeom prst="straightConnector1">
@@ -6947,7 +6946,7 @@
         </p:nvSpPr>
         <p:spPr>
           <a:xfrm>
-            <a:off x="5895539" y="355422"/>
+            <a:off x="1098533" y="177869"/>
             <a:ext cx="4052965" cy="1200329"/>
           </a:xfrm>
           <a:prstGeom prst="rect">
@@ -6974,21 +6973,125 @@
           </a:p>
         </p:txBody>
       </p:sp>
+      <p:sp>
+        <p:nvSpPr>
+          <p:cNvPr id="10" name="TextBox 9">
+            <a:extLst>
+              <a:ext uri="{FF2B5EF4-FFF2-40B4-BE49-F238E27FC236}">
+                <a16:creationId xmlns:a16="http://schemas.microsoft.com/office/drawing/2014/main" id="{1CDA38C4-92D6-1DEC-F0AD-1B762D1162A9}"/>
+              </a:ext>
+            </a:extLst>
+          </p:cNvPr>
+          <p:cNvSpPr txBox="1"/>
+          <p:nvPr/>
+        </p:nvSpPr>
+        <p:spPr>
+          <a:xfrm>
+            <a:off x="8641630" y="1679898"/>
+            <a:ext cx="3302720" cy="2339102"/>
+          </a:xfrm>
+          <a:prstGeom prst="rect">
+            <a:avLst/>
+          </a:prstGeom>
+          <a:noFill/>
+          <a:ln>
+            <a:noFill/>
+          </a:ln>
+        </p:spPr>
+        <p:txBody>
+          <a:bodyPr wrap="square" rtlCol="0">
+            <a:spAutoFit/>
+          </a:bodyPr>
+          <a:lstStyle/>
+          <a:p>
+            <a:pPr algn="ctr"/>
+            <a:r>
+              <a:rPr lang="en-US" sz="2800" dirty="0">
+                <a:solidFill>
+                  <a:srgbClr val="043D4D"/>
+                </a:solidFill>
+                <a:latin typeface="Arial" panose="020B0604020202020204" pitchFamily="34" charset="0"/>
+                <a:cs typeface="Arial" panose="020B0604020202020204" pitchFamily="34" charset="0"/>
+              </a:rPr>
+              <a:t>Steps to Replicate a Figure</a:t>
+            </a:r>
+          </a:p>
+          <a:p>
+            <a:endParaRPr lang="en-US" dirty="0">
+              <a:solidFill>
+                <a:srgbClr val="043D4D"/>
+              </a:solidFill>
+              <a:latin typeface="Arial" panose="020B0604020202020204" pitchFamily="34" charset="0"/>
+              <a:cs typeface="Arial" panose="020B0604020202020204" pitchFamily="34" charset="0"/>
+            </a:endParaRPr>
+          </a:p>
+          <a:p>
+            <a:r>
+              <a:rPr lang="en-US" dirty="0">
+                <a:solidFill>
+                  <a:srgbClr val="043D4D"/>
+                </a:solidFill>
+                <a:latin typeface="Arial" panose="020B0604020202020204" pitchFamily="34" charset="0"/>
+                <a:cs typeface="Arial" panose="020B0604020202020204" pitchFamily="34" charset="0"/>
+              </a:rPr>
+              <a:t>Paste the copied JSON object into a “.</a:t>
+            </a:r>
+            <a:r>
+              <a:rPr lang="en-US" dirty="0" err="1">
+                <a:solidFill>
+                  <a:srgbClr val="043D4D"/>
+                </a:solidFill>
+                <a:latin typeface="Arial" panose="020B0604020202020204" pitchFamily="34" charset="0"/>
+                <a:cs typeface="Arial" panose="020B0604020202020204" pitchFamily="34" charset="0"/>
+              </a:rPr>
+              <a:t>json</a:t>
+            </a:r>
+            <a:r>
+              <a:rPr lang="en-US" dirty="0">
+                <a:solidFill>
+                  <a:srgbClr val="043D4D"/>
+                </a:solidFill>
+                <a:latin typeface="Arial" panose="020B0604020202020204" pitchFamily="34" charset="0"/>
+                <a:cs typeface="Arial" panose="020B0604020202020204" pitchFamily="34" charset="0"/>
+              </a:rPr>
+              <a:t>” file and run the following (replacing “</a:t>
+            </a:r>
+            <a:r>
+              <a:rPr lang="en-US" dirty="0" err="1">
+                <a:solidFill>
+                  <a:srgbClr val="043D4D"/>
+                </a:solidFill>
+                <a:latin typeface="Arial" panose="020B0604020202020204" pitchFamily="34" charset="0"/>
+                <a:cs typeface="Arial" panose="020B0604020202020204" pitchFamily="34" charset="0"/>
+              </a:rPr>
+              <a:t>example.json</a:t>
+            </a:r>
+            <a:r>
+              <a:rPr lang="en-US" dirty="0">
+                <a:solidFill>
+                  <a:srgbClr val="043D4D"/>
+                </a:solidFill>
+                <a:latin typeface="Arial" panose="020B0604020202020204" pitchFamily="34" charset="0"/>
+                <a:cs typeface="Arial" panose="020B0604020202020204" pitchFamily="34" charset="0"/>
+              </a:rPr>
+              <a:t>” with your file):</a:t>
+            </a:r>
+          </a:p>
+        </p:txBody>
+      </p:sp>
       <p:pic>
         <p:nvPicPr>
-          <p:cNvPr id="6" name="Content Placeholder 4" descr="A close-up of text&#10;&#10;Description automatically generated">
-            <a:extLst>
-              <a:ext uri="{FF2B5EF4-FFF2-40B4-BE49-F238E27FC236}">
-                <a16:creationId xmlns:a16="http://schemas.microsoft.com/office/drawing/2014/main" id="{B5284A2D-5A8E-AA66-B623-FCFD603B308C}"/>
+          <p:cNvPr id="7" name="Picture 6" descr="A close-up of a computer code&#10;&#10;Description automatically generated">
+            <a:extLst>
+              <a:ext uri="{FF2B5EF4-FFF2-40B4-BE49-F238E27FC236}">
+                <a16:creationId xmlns:a16="http://schemas.microsoft.com/office/drawing/2014/main" id="{4CD426A4-E27A-5C27-BC99-EC436F28825C}"/>
               </a:ext>
             </a:extLst>
           </p:cNvPr>
           <p:cNvPicPr>
-            <a:picLocks noGrp="1" noChangeAspect="1"/>
+            <a:picLocks noChangeAspect="1"/>
           </p:cNvPicPr>
-          <p:nvPr>
-            <p:ph idx="1"/>
-          </p:nvPr>
+          <p:nvPr/>
         </p:nvPicPr>
         <p:blipFill>
           <a:blip r:embed="rId3"/>
@@ -6998,117 +7101,14 @@
         </p:blipFill>
         <p:spPr>
           <a:xfrm>
-            <a:off x="8768038" y="4239933"/>
-            <a:ext cx="3038474" cy="717236"/>
-          </a:xfrm>
+            <a:off x="8753608" y="4239932"/>
+            <a:ext cx="3067333" cy="717237"/>
+          </a:xfrm>
+          <a:prstGeom prst="rect">
+            <a:avLst/>
+          </a:prstGeom>
         </p:spPr>
       </p:pic>
-      <p:sp>
-        <p:nvSpPr>
-          <p:cNvPr id="10" name="TextBox 9">
-            <a:extLst>
-              <a:ext uri="{FF2B5EF4-FFF2-40B4-BE49-F238E27FC236}">
-                <a16:creationId xmlns:a16="http://schemas.microsoft.com/office/drawing/2014/main" id="{1CDA38C4-92D6-1DEC-F0AD-1B762D1162A9}"/>
-              </a:ext>
-            </a:extLst>
-          </p:cNvPr>
-          <p:cNvSpPr txBox="1"/>
-          <p:nvPr/>
-        </p:nvSpPr>
-        <p:spPr>
-          <a:xfrm>
-            <a:off x="8641630" y="1679898"/>
-            <a:ext cx="3302720" cy="2339102"/>
-          </a:xfrm>
-          <a:prstGeom prst="rect">
-            <a:avLst/>
-          </a:prstGeom>
-          <a:noFill/>
-          <a:ln>
-            <a:noFill/>
-          </a:ln>
-        </p:spPr>
-        <p:txBody>
-          <a:bodyPr wrap="square" rtlCol="0">
-            <a:spAutoFit/>
-          </a:bodyPr>
-          <a:lstStyle/>
-          <a:p>
-            <a:pPr algn="ctr"/>
-            <a:r>
-              <a:rPr lang="en-US" sz="2800" dirty="0">
-                <a:solidFill>
-                  <a:srgbClr val="043D4D"/>
-                </a:solidFill>
-                <a:latin typeface="Arial" panose="020B0604020202020204" pitchFamily="34" charset="0"/>
-                <a:cs typeface="Arial" panose="020B0604020202020204" pitchFamily="34" charset="0"/>
-              </a:rPr>
-              <a:t>Steps to Replicate a Figure</a:t>
-            </a:r>
-          </a:p>
-          <a:p>
-            <a:endParaRPr lang="en-US" dirty="0">
-              <a:solidFill>
-                <a:srgbClr val="043D4D"/>
-              </a:solidFill>
-              <a:latin typeface="Arial" panose="020B0604020202020204" pitchFamily="34" charset="0"/>
-              <a:cs typeface="Arial" panose="020B0604020202020204" pitchFamily="34" charset="0"/>
-            </a:endParaRPr>
-          </a:p>
-          <a:p>
-            <a:r>
-              <a:rPr lang="en-US" dirty="0">
-                <a:solidFill>
-                  <a:srgbClr val="043D4D"/>
-                </a:solidFill>
-                <a:latin typeface="Arial" panose="020B0604020202020204" pitchFamily="34" charset="0"/>
-                <a:cs typeface="Arial" panose="020B0604020202020204" pitchFamily="34" charset="0"/>
-              </a:rPr>
-              <a:t>Paste the copied JSON object into a “.</a:t>
-            </a:r>
-            <a:r>
-              <a:rPr lang="en-US" dirty="0" err="1">
-                <a:solidFill>
-                  <a:srgbClr val="043D4D"/>
-                </a:solidFill>
-                <a:latin typeface="Arial" panose="020B0604020202020204" pitchFamily="34" charset="0"/>
-                <a:cs typeface="Arial" panose="020B0604020202020204" pitchFamily="34" charset="0"/>
-              </a:rPr>
-              <a:t>json</a:t>
-            </a:r>
-            <a:r>
-              <a:rPr lang="en-US" dirty="0">
-                <a:solidFill>
-                  <a:srgbClr val="043D4D"/>
-                </a:solidFill>
-                <a:latin typeface="Arial" panose="020B0604020202020204" pitchFamily="34" charset="0"/>
-                <a:cs typeface="Arial" panose="020B0604020202020204" pitchFamily="34" charset="0"/>
-              </a:rPr>
-              <a:t>” file and run the following (replacing “</a:t>
-            </a:r>
-            <a:r>
-              <a:rPr lang="en-US" dirty="0" err="1">
-                <a:solidFill>
-                  <a:srgbClr val="043D4D"/>
-                </a:solidFill>
-                <a:latin typeface="Arial" panose="020B0604020202020204" pitchFamily="34" charset="0"/>
-                <a:cs typeface="Arial" panose="020B0604020202020204" pitchFamily="34" charset="0"/>
-              </a:rPr>
-              <a:t>example.json</a:t>
-            </a:r>
-            <a:r>
-              <a:rPr lang="en-US" dirty="0">
-                <a:solidFill>
-                  <a:srgbClr val="043D4D"/>
-                </a:solidFill>
-                <a:latin typeface="Arial" panose="020B0604020202020204" pitchFamily="34" charset="0"/>
-                <a:cs typeface="Arial" panose="020B0604020202020204" pitchFamily="34" charset="0"/>
-              </a:rPr>
-              <a:t>” with your file):</a:t>
-            </a:r>
-          </a:p>
-        </p:txBody>
-      </p:sp>
     </p:spTree>
     <p:extLst>
       <p:ext uri="{BB962C8B-B14F-4D97-AF65-F5344CB8AC3E}">
@@ -7139,6 +7139,35 @@
           <a:chExt cx="0" cy="0"/>
         </a:xfrm>
       </p:grpSpPr>
+      <p:pic>
+        <p:nvPicPr>
+          <p:cNvPr id="3" name="Picture 2" descr="A screenshot of a graph&#10;&#10;Description automatically generated">
+            <a:extLst>
+              <a:ext uri="{FF2B5EF4-FFF2-40B4-BE49-F238E27FC236}">
+                <a16:creationId xmlns:a16="http://schemas.microsoft.com/office/drawing/2014/main" id="{9B58C493-FF43-266A-7C82-74E0C754F962}"/>
+              </a:ext>
+            </a:extLst>
+          </p:cNvPr>
+          <p:cNvPicPr>
+            <a:picLocks noChangeAspect="1"/>
+          </p:cNvPicPr>
+          <p:nvPr/>
+        </p:nvPicPr>
+        <p:blipFill rotWithShape="1">
+          <a:blip r:embed="rId2"/>
+          <a:srcRect t="7186"/>
+          <a:stretch/>
+        </p:blipFill>
+        <p:spPr>
+          <a:xfrm>
+            <a:off x="1148577" y="1816290"/>
+            <a:ext cx="4560846" cy="4527921"/>
+          </a:xfrm>
+          <a:prstGeom prst="rect">
+            <a:avLst/>
+          </a:prstGeom>
+        </p:spPr>
+      </p:pic>
       <p:sp>
         <p:nvSpPr>
           <p:cNvPr id="5" name="TextBox 4">
@@ -7180,35 +7209,6 @@
           </a:p>
         </p:txBody>
       </p:sp>
-      <p:pic>
-        <p:nvPicPr>
-          <p:cNvPr id="23" name="Content Placeholder 22" descr="A diagram of lines and dots&#10;&#10;Description automatically generated">
-            <a:extLst>
-              <a:ext uri="{FF2B5EF4-FFF2-40B4-BE49-F238E27FC236}">
-                <a16:creationId xmlns:a16="http://schemas.microsoft.com/office/drawing/2014/main" id="{5DAF9310-9BAC-6B6C-1F1D-5F4BD88B4ECD}"/>
-              </a:ext>
-            </a:extLst>
-          </p:cNvPr>
-          <p:cNvPicPr>
-            <a:picLocks noGrp="1" noChangeAspect="1"/>
-          </p:cNvPicPr>
-          <p:nvPr>
-            <p:ph sz="half" idx="1"/>
-          </p:nvPr>
-        </p:nvPicPr>
-        <p:blipFill>
-          <a:blip r:embed="rId2"/>
-          <a:stretch>
-            <a:fillRect/>
-          </a:stretch>
-        </p:blipFill>
-        <p:spPr>
-          <a:xfrm>
-            <a:off x="1148577" y="1825625"/>
-            <a:ext cx="4560846" cy="4351338"/>
-          </a:xfrm>
-        </p:spPr>
-      </p:pic>
       <p:sp>
         <p:nvSpPr>
           <p:cNvPr id="24" name="Content Placeholder 10">
@@ -8733,10 +8733,10 @@
       </p:grpSpPr>
       <p:pic>
         <p:nvPicPr>
-          <p:cNvPr id="4" name="Picture 3" descr="A screenshot of a graph&#10;&#10;Description automatically generated">
-            <a:extLst>
-              <a:ext uri="{FF2B5EF4-FFF2-40B4-BE49-F238E27FC236}">
-                <a16:creationId xmlns:a16="http://schemas.microsoft.com/office/drawing/2014/main" id="{FE06C633-72F0-9E9C-8003-FD7CE1F8CEA7}"/>
+          <p:cNvPr id="13" name="Picture 12" descr="A screenshot of a graph&#10;&#10;Description automatically generated">
+            <a:extLst>
+              <a:ext uri="{FF2B5EF4-FFF2-40B4-BE49-F238E27FC236}">
+                <a16:creationId xmlns:a16="http://schemas.microsoft.com/office/drawing/2014/main" id="{F79A4937-DDFF-089C-99F1-C21CC7393F5F}"/>
               </a:ext>
             </a:extLst>
           </p:cNvPr>
@@ -8747,13 +8747,13 @@
         </p:nvPicPr>
         <p:blipFill rotWithShape="1">
           <a:blip r:embed="rId3"/>
-          <a:srcRect t="8389"/>
+          <a:srcRect t="8889"/>
           <a:stretch/>
         </p:blipFill>
         <p:spPr>
           <a:xfrm>
-            <a:off x="323592" y="707237"/>
-            <a:ext cx="5596234" cy="5443527"/>
+            <a:off x="143299" y="570513"/>
+            <a:ext cx="5882557" cy="5716975"/>
           </a:xfrm>
           <a:prstGeom prst="rect">
             <a:avLst/>
@@ -8762,10 +8762,10 @@
       </p:pic>
       <p:pic>
         <p:nvPicPr>
-          <p:cNvPr id="7" name="Picture 6" descr="A screenshot of a computer&#10;&#10;Description automatically generated">
-            <a:extLst>
-              <a:ext uri="{FF2B5EF4-FFF2-40B4-BE49-F238E27FC236}">
-                <a16:creationId xmlns:a16="http://schemas.microsoft.com/office/drawing/2014/main" id="{B0A7C332-75DA-B78F-C541-18A1CF6733F2}"/>
+          <p:cNvPr id="15" name="Picture 14" descr="A screenshot of a computer&#10;&#10;Description automatically generated">
+            <a:extLst>
+              <a:ext uri="{FF2B5EF4-FFF2-40B4-BE49-F238E27FC236}">
+                <a16:creationId xmlns:a16="http://schemas.microsoft.com/office/drawing/2014/main" id="{CBB7952D-EB8B-9F86-4EA4-C7B4F7079474}"/>
               </a:ext>
             </a:extLst>
           </p:cNvPr>
@@ -8776,13 +8776,13 @@
         </p:nvPicPr>
         <p:blipFill rotWithShape="1">
           <a:blip r:embed="rId4"/>
-          <a:srcRect t="8390"/>
+          <a:srcRect t="8889"/>
           <a:stretch/>
         </p:blipFill>
         <p:spPr>
           <a:xfrm>
-            <a:off x="6243418" y="707237"/>
-            <a:ext cx="5624990" cy="5443527"/>
+            <a:off x="6169155" y="570513"/>
+            <a:ext cx="5879545" cy="5716974"/>
           </a:xfrm>
           <a:prstGeom prst="rect">
             <a:avLst/>

--- a/tskit_presentation.pptx
+++ b/tskit_presentation.pptx
@@ -5,34 +5,33 @@
     <p:sldMasterId id="2147483648" r:id="rId1"/>
   </p:sldMasterIdLst>
   <p:notesMasterIdLst>
-    <p:notesMasterId r:id="rId27"/>
+    <p:notesMasterId r:id="rId26"/>
   </p:notesMasterIdLst>
   <p:sldIdLst>
     <p:sldId id="258" r:id="rId2"/>
     <p:sldId id="259" r:id="rId3"/>
-    <p:sldId id="260" r:id="rId4"/>
-    <p:sldId id="281" r:id="rId5"/>
-    <p:sldId id="256" r:id="rId6"/>
-    <p:sldId id="257" r:id="rId7"/>
-    <p:sldId id="261" r:id="rId8"/>
-    <p:sldId id="262" r:id="rId9"/>
-    <p:sldId id="273" r:id="rId10"/>
-    <p:sldId id="263" r:id="rId11"/>
-    <p:sldId id="264" r:id="rId12"/>
-    <p:sldId id="265" r:id="rId13"/>
-    <p:sldId id="275" r:id="rId14"/>
-    <p:sldId id="276" r:id="rId15"/>
-    <p:sldId id="267" r:id="rId16"/>
-    <p:sldId id="272" r:id="rId17"/>
-    <p:sldId id="266" r:id="rId18"/>
-    <p:sldId id="277" r:id="rId19"/>
-    <p:sldId id="268" r:id="rId20"/>
-    <p:sldId id="269" r:id="rId21"/>
-    <p:sldId id="270" r:id="rId22"/>
-    <p:sldId id="271" r:id="rId23"/>
-    <p:sldId id="274" r:id="rId24"/>
-    <p:sldId id="278" r:id="rId25"/>
-    <p:sldId id="279" r:id="rId26"/>
+    <p:sldId id="281" r:id="rId4"/>
+    <p:sldId id="256" r:id="rId5"/>
+    <p:sldId id="257" r:id="rId6"/>
+    <p:sldId id="261" r:id="rId7"/>
+    <p:sldId id="262" r:id="rId8"/>
+    <p:sldId id="273" r:id="rId9"/>
+    <p:sldId id="263" r:id="rId10"/>
+    <p:sldId id="264" r:id="rId11"/>
+    <p:sldId id="265" r:id="rId12"/>
+    <p:sldId id="275" r:id="rId13"/>
+    <p:sldId id="276" r:id="rId14"/>
+    <p:sldId id="267" r:id="rId15"/>
+    <p:sldId id="272" r:id="rId16"/>
+    <p:sldId id="266" r:id="rId17"/>
+    <p:sldId id="277" r:id="rId18"/>
+    <p:sldId id="268" r:id="rId19"/>
+    <p:sldId id="269" r:id="rId20"/>
+    <p:sldId id="270" r:id="rId21"/>
+    <p:sldId id="271" r:id="rId22"/>
+    <p:sldId id="274" r:id="rId23"/>
+    <p:sldId id="278" r:id="rId24"/>
+    <p:sldId id="279" r:id="rId25"/>
   </p:sldIdLst>
   <p:sldSz cx="12192000" cy="6858000"/>
   <p:notesSz cx="6858000" cy="9144000"/>
@@ -562,7 +561,7 @@
     </p:spTree>
     <p:extLst>
       <p:ext uri="{BB962C8B-B14F-4D97-AF65-F5344CB8AC3E}">
-        <p14:creationId xmlns:p14="http://schemas.microsoft.com/office/powerpoint/2010/main" val="46703716"/>
+        <p14:creationId xmlns:p14="http://schemas.microsoft.com/office/powerpoint/2010/main" val="1313555594"/>
       </p:ext>
     </p:extLst>
   </p:cSld>
@@ -637,7 +636,7 @@
           <a:p>
             <a:fld id="{1E0B3BE8-305E-9F48-A75D-74D5ECBEC479}" type="slidenum">
               <a:rPr lang="en-US" smtClean="0"/>
-              <a:t>4</a:t>
+              <a:t>9</a:t>
             </a:fld>
             <a:endParaRPr lang="en-US"/>
           </a:p>
@@ -646,7 +645,7 @@
     </p:spTree>
     <p:extLst>
       <p:ext uri="{BB962C8B-B14F-4D97-AF65-F5344CB8AC3E}">
-        <p14:creationId xmlns:p14="http://schemas.microsoft.com/office/powerpoint/2010/main" val="1313555594"/>
+        <p14:creationId xmlns:p14="http://schemas.microsoft.com/office/powerpoint/2010/main" val="2851776810"/>
       </p:ext>
     </p:extLst>
   </p:cSld>
@@ -722,90 +721,6 @@
             <a:fld id="{1E0B3BE8-305E-9F48-A75D-74D5ECBEC479}" type="slidenum">
               <a:rPr lang="en-US" smtClean="0"/>
               <a:t>10</a:t>
-            </a:fld>
-            <a:endParaRPr lang="en-US"/>
-          </a:p>
-        </p:txBody>
-      </p:sp>
-    </p:spTree>
-    <p:extLst>
-      <p:ext uri="{BB962C8B-B14F-4D97-AF65-F5344CB8AC3E}">
-        <p14:creationId xmlns:p14="http://schemas.microsoft.com/office/powerpoint/2010/main" val="2851776810"/>
-      </p:ext>
-    </p:extLst>
-  </p:cSld>
-  <p:clrMapOvr>
-    <a:masterClrMapping/>
-  </p:clrMapOvr>
-</p:notes>
-</file>
-
-<file path=ppt/notesSlides/notesSlide4.xml><?xml version="1.0" encoding="utf-8"?>
-<p:notes xmlns:a="http://schemas.openxmlformats.org/drawingml/2006/main" xmlns:r="http://schemas.openxmlformats.org/officeDocument/2006/relationships" xmlns:p="http://schemas.openxmlformats.org/presentationml/2006/main">
-  <p:cSld>
-    <p:spTree>
-      <p:nvGrpSpPr>
-        <p:cNvPr id="1" name=""/>
-        <p:cNvGrpSpPr/>
-        <p:nvPr/>
-      </p:nvGrpSpPr>
-      <p:grpSpPr>
-        <a:xfrm>
-          <a:off x="0" y="0"/>
-          <a:ext cx="0" cy="0"/>
-          <a:chOff x="0" y="0"/>
-          <a:chExt cx="0" cy="0"/>
-        </a:xfrm>
-      </p:grpSpPr>
-      <p:sp>
-        <p:nvSpPr>
-          <p:cNvPr id="2" name="Slide Image Placeholder 1"/>
-          <p:cNvSpPr>
-            <a:spLocks noGrp="1" noRot="1" noChangeAspect="1"/>
-          </p:cNvSpPr>
-          <p:nvPr>
-            <p:ph type="sldImg"/>
-          </p:nvPr>
-        </p:nvSpPr>
-        <p:spPr/>
-      </p:sp>
-      <p:sp>
-        <p:nvSpPr>
-          <p:cNvPr id="3" name="Notes Placeholder 2"/>
-          <p:cNvSpPr>
-            <a:spLocks noGrp="1"/>
-          </p:cNvSpPr>
-          <p:nvPr>
-            <p:ph type="body" idx="1"/>
-          </p:nvPr>
-        </p:nvSpPr>
-        <p:spPr/>
-        <p:txBody>
-          <a:bodyPr/>
-          <a:lstStyle/>
-          <a:p>
-            <a:endParaRPr lang="en-US" dirty="0"/>
-          </a:p>
-        </p:txBody>
-      </p:sp>
-      <p:sp>
-        <p:nvSpPr>
-          <p:cNvPr id="4" name="Slide Number Placeholder 3"/>
-          <p:cNvSpPr>
-            <a:spLocks noGrp="1"/>
-          </p:cNvSpPr>
-          <p:nvPr>
-            <p:ph type="sldNum" sz="quarter" idx="5"/>
-          </p:nvPr>
-        </p:nvSpPr>
-        <p:spPr/>
-        <p:txBody>
-          <a:bodyPr/>
-          <a:lstStyle/>
-          <a:p>
-            <a:fld id="{1E0B3BE8-305E-9F48-A75D-74D5ECBEC479}" type="slidenum">
-              <a:rPr lang="en-US" smtClean="0"/>
-              <a:t>11</a:t>
             </a:fld>
             <a:endParaRPr lang="en-US"/>
           </a:p>
@@ -4333,7 +4248,7 @@
 </file>
 
 <file path=ppt/slides/slide10.xml><?xml version="1.0" encoding="utf-8"?>
-<p:sld xmlns:a="http://schemas.openxmlformats.org/drawingml/2006/main" xmlns:r="http://schemas.openxmlformats.org/officeDocument/2006/relationships" xmlns:p="http://schemas.openxmlformats.org/presentationml/2006/main">
+<p:sld xmlns:a="http://schemas.openxmlformats.org/drawingml/2006/main" xmlns:r="http://schemas.openxmlformats.org/officeDocument/2006/relationships" xmlns:p="http://schemas.openxmlformats.org/presentationml/2006/main" show="0">
   <p:cSld>
     <p:spTree>
       <p:nvGrpSpPr>
@@ -4349,12 +4264,72 @@
           <a:chExt cx="0" cy="0"/>
         </a:xfrm>
       </p:grpSpPr>
-      <p:sp>
-        <p:nvSpPr>
-          <p:cNvPr id="5" name="Rectangle 4">
-            <a:extLst>
-              <a:ext uri="{FF2B5EF4-FFF2-40B4-BE49-F238E27FC236}">
-                <a16:creationId xmlns:a16="http://schemas.microsoft.com/office/drawing/2014/main" id="{7F2EDB75-395E-77EA-70F3-A5E7AC437C76}"/>
+      <p:pic>
+        <p:nvPicPr>
+          <p:cNvPr id="7" name="Picture 6">
+            <a:extLst>
+              <a:ext uri="{FF2B5EF4-FFF2-40B4-BE49-F238E27FC236}">
+                <a16:creationId xmlns:a16="http://schemas.microsoft.com/office/drawing/2014/main" id="{BC71CB2F-A70C-7D91-5294-8F42F2139097}"/>
+              </a:ext>
+            </a:extLst>
+          </p:cNvPr>
+          <p:cNvPicPr>
+            <a:picLocks noChangeAspect="1"/>
+          </p:cNvPicPr>
+          <p:nvPr/>
+        </p:nvPicPr>
+        <p:blipFill>
+          <a:blip r:embed="rId3"/>
+          <a:stretch>
+            <a:fillRect/>
+          </a:stretch>
+        </p:blipFill>
+        <p:spPr>
+          <a:xfrm>
+            <a:off x="383060" y="989603"/>
+            <a:ext cx="5430553" cy="5231179"/>
+          </a:xfrm>
+          <a:prstGeom prst="rect">
+            <a:avLst/>
+          </a:prstGeom>
+        </p:spPr>
+      </p:pic>
+      <p:pic>
+        <p:nvPicPr>
+          <p:cNvPr id="11" name="Picture 10">
+            <a:extLst>
+              <a:ext uri="{FF2B5EF4-FFF2-40B4-BE49-F238E27FC236}">
+                <a16:creationId xmlns:a16="http://schemas.microsoft.com/office/drawing/2014/main" id="{9E32968A-F8A1-27AE-E119-958BB4C5CB91}"/>
+              </a:ext>
+            </a:extLst>
+          </p:cNvPr>
+          <p:cNvPicPr>
+            <a:picLocks noChangeAspect="1"/>
+          </p:cNvPicPr>
+          <p:nvPr/>
+        </p:nvPicPr>
+        <p:blipFill>
+          <a:blip r:embed="rId4"/>
+          <a:stretch>
+            <a:fillRect/>
+          </a:stretch>
+        </p:blipFill>
+        <p:spPr>
+          <a:xfrm>
+            <a:off x="6291072" y="1050563"/>
+            <a:ext cx="5615404" cy="5102370"/>
+          </a:xfrm>
+          <a:prstGeom prst="rect">
+            <a:avLst/>
+          </a:prstGeom>
+        </p:spPr>
+      </p:pic>
+      <p:sp>
+        <p:nvSpPr>
+          <p:cNvPr id="6" name="Rectangle 5">
+            <a:extLst>
+              <a:ext uri="{FF2B5EF4-FFF2-40B4-BE49-F238E27FC236}">
+                <a16:creationId xmlns:a16="http://schemas.microsoft.com/office/drawing/2014/main" id="{5574FA6F-596D-A929-1F5B-53968E4482C5}"/>
               </a:ext>
             </a:extLst>
           </p:cNvPr>
@@ -4363,20 +4338,17 @@
         </p:nvSpPr>
         <p:spPr>
           <a:xfrm>
-            <a:off x="1463040" y="2010945"/>
-            <a:ext cx="3706368" cy="2836111"/>
+            <a:off x="0" y="0"/>
+            <a:ext cx="12192000" cy="6858000"/>
           </a:xfrm>
           <a:prstGeom prst="rect">
             <a:avLst/>
           </a:prstGeom>
           <a:solidFill>
-            <a:srgbClr val="F5F5F5"/>
+            <a:srgbClr val="FFFFFF">
+              <a:alpha val="89804"/>
+            </a:srgbClr>
           </a:solidFill>
-          <a:ln w="38100">
-            <a:solidFill>
-              <a:srgbClr val="043D4D"/>
-            </a:solidFill>
-          </a:ln>
         </p:spPr>
         <p:style>
           <a:lnRef idx="2">
@@ -4399,16 +4371,68 @@
           <a:lstStyle/>
           <a:p>
             <a:pPr algn="ctr"/>
+            <a:endParaRPr lang="en-US" dirty="0"/>
+          </a:p>
+        </p:txBody>
+      </p:sp>
+      <p:sp>
+        <p:nvSpPr>
+          <p:cNvPr id="5" name="Rectangle 4">
+            <a:extLst>
+              <a:ext uri="{FF2B5EF4-FFF2-40B4-BE49-F238E27FC236}">
+                <a16:creationId xmlns:a16="http://schemas.microsoft.com/office/drawing/2014/main" id="{7F2EDB75-395E-77EA-70F3-A5E7AC437C76}"/>
+              </a:ext>
+            </a:extLst>
+          </p:cNvPr>
+          <p:cNvSpPr/>
+          <p:nvPr/>
+        </p:nvSpPr>
+        <p:spPr>
+          <a:xfrm>
+            <a:off x="1987296" y="1804416"/>
+            <a:ext cx="8217408" cy="3249166"/>
+          </a:xfrm>
+          <a:prstGeom prst="rect">
+            <a:avLst/>
+          </a:prstGeom>
+          <a:solidFill>
+            <a:srgbClr val="F5F5F5"/>
+          </a:solidFill>
+          <a:ln>
+            <a:noFill/>
+          </a:ln>
+        </p:spPr>
+        <p:style>
+          <a:lnRef idx="2">
+            <a:schemeClr val="accent1">
+              <a:shade val="15000"/>
+            </a:schemeClr>
+          </a:lnRef>
+          <a:fillRef idx="1">
+            <a:schemeClr val="accent1"/>
+          </a:fillRef>
+          <a:effectRef idx="0">
+            <a:schemeClr val="accent1"/>
+          </a:effectRef>
+          <a:fontRef idx="minor">
+            <a:schemeClr val="lt1"/>
+          </a:fontRef>
+        </p:style>
+        <p:txBody>
+          <a:bodyPr rtlCol="0" anchor="ctr"/>
+          <a:lstStyle/>
+          <a:p>
+            <a:pPr algn="ctr"/>
             <a:endParaRPr lang="en-US"/>
           </a:p>
         </p:txBody>
       </p:sp>
       <p:pic>
         <p:nvPicPr>
-          <p:cNvPr id="4" name="Picture 3" descr="A screenshot of a computer&#10;&#10;Description automatically generated">
-            <a:extLst>
-              <a:ext uri="{FF2B5EF4-FFF2-40B4-BE49-F238E27FC236}">
-                <a16:creationId xmlns:a16="http://schemas.microsoft.com/office/drawing/2014/main" id="{B8E0C30E-836E-AF59-1505-BC101C09EF88}"/>
+          <p:cNvPr id="3" name="Picture 2" descr="A screenshot of a computer program&#10;&#10;Description automatically generated">
+            <a:extLst>
+              <a:ext uri="{FF2B5EF4-FFF2-40B4-BE49-F238E27FC236}">
+                <a16:creationId xmlns:a16="http://schemas.microsoft.com/office/drawing/2014/main" id="{F2647A63-B573-7D1A-1857-AE43EA607985}"/>
               </a:ext>
             </a:extLst>
           </p:cNvPr>
@@ -4418,43 +4442,14 @@
           <p:nvPr/>
         </p:nvPicPr>
         <p:blipFill rotWithShape="1">
-          <a:blip r:embed="rId3"/>
-          <a:srcRect t="8889"/>
+          <a:blip r:embed="rId5"/>
+          <a:srcRect l="640" t="2283" r="724" b="1811"/>
           <a:stretch/>
         </p:blipFill>
         <p:spPr>
           <a:xfrm>
-            <a:off x="5797235" y="570513"/>
-            <a:ext cx="5879545" cy="5716974"/>
-          </a:xfrm>
-          <a:prstGeom prst="rect">
-            <a:avLst/>
-          </a:prstGeom>
-        </p:spPr>
-      </p:pic>
-      <p:pic>
-        <p:nvPicPr>
-          <p:cNvPr id="7" name="Picture 6" descr="A screen shot of a computer code&#10;&#10;Description automatically generated">
-            <a:extLst>
-              <a:ext uri="{FF2B5EF4-FFF2-40B4-BE49-F238E27FC236}">
-                <a16:creationId xmlns:a16="http://schemas.microsoft.com/office/drawing/2014/main" id="{D22A63B8-8F9D-CD84-9BB9-40BA4FC2F113}"/>
-              </a:ext>
-            </a:extLst>
-          </p:cNvPr>
-          <p:cNvPicPr>
-            <a:picLocks noChangeAspect="1"/>
-          </p:cNvPicPr>
-          <p:nvPr/>
-        </p:nvPicPr>
-        <p:blipFill rotWithShape="1">
-          <a:blip r:embed="rId4"/>
-          <a:srcRect t="1612"/>
-          <a:stretch/>
-        </p:blipFill>
-        <p:spPr>
-          <a:xfrm>
-            <a:off x="1555008" y="2125718"/>
-            <a:ext cx="3522431" cy="2606565"/>
+            <a:off x="2262809" y="2080591"/>
+            <a:ext cx="7666382" cy="2696818"/>
           </a:xfrm>
           <a:prstGeom prst="rect">
             <a:avLst/>
@@ -4464,7 +4459,7 @@
     </p:spTree>
     <p:extLst>
       <p:ext uri="{BB962C8B-B14F-4D97-AF65-F5344CB8AC3E}">
-        <p14:creationId xmlns:p14="http://schemas.microsoft.com/office/powerpoint/2010/main" val="2737830703"/>
+        <p14:creationId xmlns:p14="http://schemas.microsoft.com/office/powerpoint/2010/main" val="2501787283"/>
       </p:ext>
     </p:extLst>
   </p:cSld>
@@ -4493,10 +4488,10 @@
       </p:grpSpPr>
       <p:pic>
         <p:nvPicPr>
-          <p:cNvPr id="7" name="Picture 6">
-            <a:extLst>
-              <a:ext uri="{FF2B5EF4-FFF2-40B4-BE49-F238E27FC236}">
-                <a16:creationId xmlns:a16="http://schemas.microsoft.com/office/drawing/2014/main" id="{BC71CB2F-A70C-7D91-5294-8F42F2139097}"/>
+          <p:cNvPr id="14" name="Picture 13" descr="A screenshot of a computer&#10;&#10;Description automatically generated">
+            <a:extLst>
+              <a:ext uri="{FF2B5EF4-FFF2-40B4-BE49-F238E27FC236}">
+                <a16:creationId xmlns:a16="http://schemas.microsoft.com/office/drawing/2014/main" id="{6BBA1B56-8A9B-3E66-CE84-C5A0B56326B7}"/>
               </a:ext>
             </a:extLst>
           </p:cNvPr>
@@ -4506,187 +4501,480 @@
           <p:nvPr/>
         </p:nvPicPr>
         <p:blipFill>
-          <a:blip r:embed="rId3"/>
+          <a:blip r:embed="rId2"/>
           <a:stretch>
             <a:fillRect/>
           </a:stretch>
         </p:blipFill>
         <p:spPr>
           <a:xfrm>
-            <a:off x="383060" y="989603"/>
-            <a:ext cx="5430553" cy="5231179"/>
+            <a:off x="3653239" y="797011"/>
+            <a:ext cx="4885521" cy="5263977"/>
           </a:xfrm>
           <a:prstGeom prst="rect">
             <a:avLst/>
           </a:prstGeom>
         </p:spPr>
       </p:pic>
-      <p:pic>
-        <p:nvPicPr>
-          <p:cNvPr id="11" name="Picture 10">
-            <a:extLst>
-              <a:ext uri="{FF2B5EF4-FFF2-40B4-BE49-F238E27FC236}">
-                <a16:creationId xmlns:a16="http://schemas.microsoft.com/office/drawing/2014/main" id="{9E32968A-F8A1-27AE-E119-958BB4C5CB91}"/>
-              </a:ext>
-            </a:extLst>
-          </p:cNvPr>
-          <p:cNvPicPr>
-            <a:picLocks noChangeAspect="1"/>
-          </p:cNvPicPr>
+      <p:cxnSp>
+        <p:nvCxnSpPr>
+          <p:cNvPr id="9" name="Straight Arrow Connector 8">
+            <a:extLst>
+              <a:ext uri="{FF2B5EF4-FFF2-40B4-BE49-F238E27FC236}">
+                <a16:creationId xmlns:a16="http://schemas.microsoft.com/office/drawing/2014/main" id="{F129AD86-1D32-3687-7A7C-3D5DBBA4F048}"/>
+              </a:ext>
+            </a:extLst>
+          </p:cNvPr>
+          <p:cNvCxnSpPr>
+            <a:cxnSpLocks/>
+          </p:cNvCxnSpPr>
           <p:nvPr/>
-        </p:nvPicPr>
-        <p:blipFill>
-          <a:blip r:embed="rId4"/>
-          <a:stretch>
-            <a:fillRect/>
-          </a:stretch>
-        </p:blipFill>
-        <p:spPr>
-          <a:xfrm>
-            <a:off x="6291072" y="1050563"/>
-            <a:ext cx="5615404" cy="5102370"/>
-          </a:xfrm>
-          <a:prstGeom prst="rect">
-            <a:avLst/>
-          </a:prstGeom>
-        </p:spPr>
-      </p:pic>
-      <p:sp>
-        <p:nvSpPr>
-          <p:cNvPr id="6" name="Rectangle 5">
-            <a:extLst>
-              <a:ext uri="{FF2B5EF4-FFF2-40B4-BE49-F238E27FC236}">
-                <a16:creationId xmlns:a16="http://schemas.microsoft.com/office/drawing/2014/main" id="{5574FA6F-596D-A929-1F5B-53968E4482C5}"/>
-              </a:ext>
-            </a:extLst>
-          </p:cNvPr>
-          <p:cNvSpPr/>
-          <p:nvPr/>
-        </p:nvSpPr>
-        <p:spPr>
-          <a:xfrm>
-            <a:off x="0" y="0"/>
-            <a:ext cx="12192000" cy="6858000"/>
-          </a:xfrm>
-          <a:prstGeom prst="rect">
-            <a:avLst/>
-          </a:prstGeom>
-          <a:solidFill>
-            <a:srgbClr val="FFFFFF">
-              <a:alpha val="89804"/>
-            </a:srgbClr>
-          </a:solidFill>
+        </p:nvCxnSpPr>
+        <p:spPr>
+          <a:xfrm rot="10800000">
+            <a:off x="8362588" y="5166745"/>
+            <a:ext cx="506627" cy="0"/>
+          </a:xfrm>
+          <a:prstGeom prst="straightConnector1">
+            <a:avLst/>
+          </a:prstGeom>
+          <a:ln w="63500">
+            <a:solidFill>
+              <a:srgbClr val="043D4D"/>
+            </a:solidFill>
+            <a:tailEnd type="triangle"/>
+          </a:ln>
         </p:spPr>
         <p:style>
-          <a:lnRef idx="2">
-            <a:schemeClr val="accent1">
-              <a:shade val="15000"/>
-            </a:schemeClr>
+          <a:lnRef idx="1">
+            <a:schemeClr val="accent1"/>
           </a:lnRef>
-          <a:fillRef idx="1">
+          <a:fillRef idx="0">
             <a:schemeClr val="accent1"/>
           </a:fillRef>
           <a:effectRef idx="0">
             <a:schemeClr val="accent1"/>
           </a:effectRef>
           <a:fontRef idx="minor">
-            <a:schemeClr val="lt1"/>
+            <a:schemeClr val="tx1"/>
           </a:fontRef>
         </p:style>
-        <p:txBody>
-          <a:bodyPr rtlCol="0" anchor="ctr"/>
+      </p:cxnSp>
+      <p:sp>
+        <p:nvSpPr>
+          <p:cNvPr id="10" name="TextBox 9">
+            <a:extLst>
+              <a:ext uri="{FF2B5EF4-FFF2-40B4-BE49-F238E27FC236}">
+                <a16:creationId xmlns:a16="http://schemas.microsoft.com/office/drawing/2014/main" id="{CF0D38E0-5A9A-8159-FA28-72D3FFC1AB04}"/>
+              </a:ext>
+            </a:extLst>
+          </p:cNvPr>
+          <p:cNvSpPr txBox="1"/>
+          <p:nvPr/>
+        </p:nvSpPr>
+        <p:spPr>
+          <a:xfrm>
+            <a:off x="8995961" y="4151082"/>
+            <a:ext cx="2298357" cy="2031325"/>
+          </a:xfrm>
+          <a:prstGeom prst="rect">
+            <a:avLst/>
+          </a:prstGeom>
+          <a:noFill/>
+        </p:spPr>
+        <p:txBody>
+          <a:bodyPr wrap="square" rtlCol="0">
+            <a:spAutoFit/>
+          </a:bodyPr>
           <a:lstStyle/>
           <a:p>
-            <a:pPr algn="ctr"/>
-            <a:endParaRPr lang="en-US" dirty="0"/>
-          </a:p>
-        </p:txBody>
-      </p:sp>
-      <p:sp>
-        <p:nvSpPr>
-          <p:cNvPr id="5" name="Rectangle 4">
-            <a:extLst>
-              <a:ext uri="{FF2B5EF4-FFF2-40B4-BE49-F238E27FC236}">
-                <a16:creationId xmlns:a16="http://schemas.microsoft.com/office/drawing/2014/main" id="{7F2EDB75-395E-77EA-70F3-A5E7AC437C76}"/>
-              </a:ext>
-            </a:extLst>
-          </p:cNvPr>
-          <p:cNvSpPr/>
+            <a:r>
+              <a:rPr lang="en-US" dirty="0">
+                <a:solidFill>
+                  <a:srgbClr val="043D4D"/>
+                </a:solidFill>
+                <a:latin typeface="Arial" panose="020B0604020202020204" pitchFamily="34" charset="0"/>
+                <a:cs typeface="Arial" panose="020B0604020202020204" pitchFamily="34" charset="0"/>
+              </a:rPr>
+              <a:t>Ordering of sample nodes is set by the first tree in the tree sequence (these are the only nodes with fixed x-axis positions at the start)</a:t>
+            </a:r>
+          </a:p>
+        </p:txBody>
+      </p:sp>
+      <p:cxnSp>
+        <p:nvCxnSpPr>
+          <p:cNvPr id="11" name="Straight Arrow Connector 10">
+            <a:extLst>
+              <a:ext uri="{FF2B5EF4-FFF2-40B4-BE49-F238E27FC236}">
+                <a16:creationId xmlns:a16="http://schemas.microsoft.com/office/drawing/2014/main" id="{402323CE-3900-0F71-22DC-0C1BF6DE958C}"/>
+              </a:ext>
+            </a:extLst>
+          </p:cNvPr>
+          <p:cNvCxnSpPr>
+            <a:cxnSpLocks/>
+          </p:cNvCxnSpPr>
           <p:nvPr/>
-        </p:nvSpPr>
-        <p:spPr>
-          <a:xfrm>
-            <a:off x="1987296" y="1804416"/>
-            <a:ext cx="8217408" cy="3249166"/>
-          </a:xfrm>
-          <a:prstGeom prst="rect">
-            <a:avLst/>
-          </a:prstGeom>
-          <a:solidFill>
-            <a:srgbClr val="F5F5F5"/>
-          </a:solidFill>
-          <a:ln>
-            <a:noFill/>
+        </p:nvCxnSpPr>
+        <p:spPr>
+          <a:xfrm>
+            <a:off x="3469945" y="5800284"/>
+            <a:ext cx="506627" cy="0"/>
+          </a:xfrm>
+          <a:prstGeom prst="straightConnector1">
+            <a:avLst/>
+          </a:prstGeom>
+          <a:ln w="63500">
+            <a:solidFill>
+              <a:srgbClr val="043D4D"/>
+            </a:solidFill>
+            <a:tailEnd type="triangle"/>
           </a:ln>
         </p:spPr>
         <p:style>
-          <a:lnRef idx="2">
-            <a:schemeClr val="accent1">
-              <a:shade val="15000"/>
-            </a:schemeClr>
+          <a:lnRef idx="1">
+            <a:schemeClr val="accent1"/>
           </a:lnRef>
-          <a:fillRef idx="1">
+          <a:fillRef idx="0">
             <a:schemeClr val="accent1"/>
           </a:fillRef>
           <a:effectRef idx="0">
             <a:schemeClr val="accent1"/>
           </a:effectRef>
           <a:fontRef idx="minor">
-            <a:schemeClr val="lt1"/>
+            <a:schemeClr val="tx1"/>
           </a:fontRef>
         </p:style>
-        <p:txBody>
-          <a:bodyPr rtlCol="0" anchor="ctr"/>
+      </p:cxnSp>
+      <p:sp>
+        <p:nvSpPr>
+          <p:cNvPr id="12" name="TextBox 11">
+            <a:extLst>
+              <a:ext uri="{FF2B5EF4-FFF2-40B4-BE49-F238E27FC236}">
+                <a16:creationId xmlns:a16="http://schemas.microsoft.com/office/drawing/2014/main" id="{EAA6295F-65C6-92A9-902C-5C0A5324AF3E}"/>
+              </a:ext>
+            </a:extLst>
+          </p:cNvPr>
+          <p:cNvSpPr txBox="1"/>
+          <p:nvPr/>
+        </p:nvSpPr>
+        <p:spPr>
+          <a:xfrm>
+            <a:off x="1135640" y="5200119"/>
+            <a:ext cx="2298357" cy="1200329"/>
+          </a:xfrm>
+          <a:prstGeom prst="rect">
+            <a:avLst/>
+          </a:prstGeom>
+          <a:noFill/>
+        </p:spPr>
+        <p:txBody>
+          <a:bodyPr wrap="square" rtlCol="0">
+            <a:spAutoFit/>
+          </a:bodyPr>
           <a:lstStyle/>
           <a:p>
-            <a:pPr algn="ctr"/>
-            <a:endParaRPr lang="en-US"/>
-          </a:p>
-        </p:txBody>
-      </p:sp>
-      <p:pic>
-        <p:nvPicPr>
-          <p:cNvPr id="3" name="Picture 2" descr="A screenshot of a computer program&#10;&#10;Description automatically generated">
-            <a:extLst>
-              <a:ext uri="{FF2B5EF4-FFF2-40B4-BE49-F238E27FC236}">
-                <a16:creationId xmlns:a16="http://schemas.microsoft.com/office/drawing/2014/main" id="{F2647A63-B573-7D1A-1857-AE43EA607985}"/>
-              </a:ext>
-            </a:extLst>
-          </p:cNvPr>
-          <p:cNvPicPr>
-            <a:picLocks noChangeAspect="1"/>
-          </p:cNvPicPr>
+            <a:r>
+              <a:rPr lang="en-US" dirty="0" err="1">
+                <a:solidFill>
+                  <a:srgbClr val="043D4D"/>
+                </a:solidFill>
+                <a:latin typeface="Arial" panose="020B0604020202020204" pitchFamily="34" charset="0"/>
+                <a:cs typeface="Arial" panose="020B0604020202020204" pitchFamily="34" charset="0"/>
+              </a:rPr>
+              <a:t>Hoverable</a:t>
+            </a:r>
+            <a:r>
+              <a:rPr lang="en-US" dirty="0">
+                <a:solidFill>
+                  <a:srgbClr val="043D4D"/>
+                </a:solidFill>
+                <a:latin typeface="Arial" panose="020B0604020202020204" pitchFamily="34" charset="0"/>
+                <a:cs typeface="Arial" panose="020B0604020202020204" pitchFamily="34" charset="0"/>
+              </a:rPr>
+              <a:t> blocks corresponding to the different trees in the tree sequence</a:t>
+            </a:r>
+          </a:p>
+        </p:txBody>
+      </p:sp>
+      <p:cxnSp>
+        <p:nvCxnSpPr>
+          <p:cNvPr id="15" name="Straight Arrow Connector 14">
+            <a:extLst>
+              <a:ext uri="{FF2B5EF4-FFF2-40B4-BE49-F238E27FC236}">
+                <a16:creationId xmlns:a16="http://schemas.microsoft.com/office/drawing/2014/main" id="{93A076EB-E03D-E5E2-D7C1-523E4AC4346C}"/>
+              </a:ext>
+            </a:extLst>
+          </p:cNvPr>
+          <p:cNvCxnSpPr>
+            <a:cxnSpLocks/>
+          </p:cNvCxnSpPr>
           <p:nvPr/>
-        </p:nvPicPr>
-        <p:blipFill rotWithShape="1">
-          <a:blip r:embed="rId5"/>
-          <a:srcRect l="640" t="2283" r="724" b="1811"/>
-          <a:stretch/>
-        </p:blipFill>
-        <p:spPr>
-          <a:xfrm>
-            <a:off x="2262809" y="2080591"/>
-            <a:ext cx="7666382" cy="2696818"/>
+        </p:nvCxnSpPr>
+        <p:spPr>
+          <a:xfrm rot="10800000">
+            <a:off x="5212644" y="955588"/>
+            <a:ext cx="506627" cy="0"/>
+          </a:xfrm>
+          <a:prstGeom prst="straightConnector1">
+            <a:avLst/>
+          </a:prstGeom>
+          <a:ln w="63500">
+            <a:solidFill>
+              <a:srgbClr val="043D4D"/>
+            </a:solidFill>
+            <a:tailEnd type="triangle"/>
+          </a:ln>
+        </p:spPr>
+        <p:style>
+          <a:lnRef idx="1">
+            <a:schemeClr val="accent1"/>
+          </a:lnRef>
+          <a:fillRef idx="0">
+            <a:schemeClr val="accent1"/>
+          </a:fillRef>
+          <a:effectRef idx="0">
+            <a:schemeClr val="accent1"/>
+          </a:effectRef>
+          <a:fontRef idx="minor">
+            <a:schemeClr val="tx1"/>
+          </a:fontRef>
+        </p:style>
+      </p:cxnSp>
+      <p:sp>
+        <p:nvSpPr>
+          <p:cNvPr id="16" name="TextBox 15">
+            <a:extLst>
+              <a:ext uri="{FF2B5EF4-FFF2-40B4-BE49-F238E27FC236}">
+                <a16:creationId xmlns:a16="http://schemas.microsoft.com/office/drawing/2014/main" id="{03BF55EC-9CD8-5613-5957-41A0769E02F2}"/>
+              </a:ext>
+            </a:extLst>
+          </p:cNvPr>
+          <p:cNvSpPr txBox="1"/>
+          <p:nvPr/>
+        </p:nvSpPr>
+        <p:spPr>
+          <a:xfrm>
+            <a:off x="5902565" y="216923"/>
+            <a:ext cx="3235500" cy="1477328"/>
           </a:xfrm>
           <a:prstGeom prst="rect">
             <a:avLst/>
           </a:prstGeom>
-        </p:spPr>
-      </p:pic>
+          <a:noFill/>
+        </p:spPr>
+        <p:txBody>
+          <a:bodyPr wrap="square" rtlCol="0">
+            <a:spAutoFit/>
+          </a:bodyPr>
+          <a:lstStyle/>
+          <a:p>
+            <a:r>
+              <a:rPr lang="en-US" dirty="0">
+                <a:solidFill>
+                  <a:srgbClr val="043D4D"/>
+                </a:solidFill>
+                <a:latin typeface="Arial" panose="020B0604020202020204" pitchFamily="34" charset="0"/>
+                <a:cs typeface="Arial" panose="020B0604020202020204" pitchFamily="34" charset="0"/>
+              </a:rPr>
+              <a:t>JSON object is updated as the simulation runs, which means this can be copied, giving user’s the ability to replicate figures</a:t>
+            </a:r>
+          </a:p>
+        </p:txBody>
+      </p:sp>
+      <p:cxnSp>
+        <p:nvCxnSpPr>
+          <p:cNvPr id="17" name="Straight Arrow Connector 16">
+            <a:extLst>
+              <a:ext uri="{FF2B5EF4-FFF2-40B4-BE49-F238E27FC236}">
+                <a16:creationId xmlns:a16="http://schemas.microsoft.com/office/drawing/2014/main" id="{9047F1FF-3949-5492-6AFD-6E6A60B5ADC0}"/>
+              </a:ext>
+            </a:extLst>
+          </p:cNvPr>
+          <p:cNvCxnSpPr>
+            <a:cxnSpLocks/>
+          </p:cNvCxnSpPr>
+          <p:nvPr/>
+        </p:nvCxnSpPr>
+        <p:spPr>
+          <a:xfrm>
+            <a:off x="3053934" y="1170619"/>
+            <a:ext cx="506627" cy="0"/>
+          </a:xfrm>
+          <a:prstGeom prst="straightConnector1">
+            <a:avLst/>
+          </a:prstGeom>
+          <a:ln w="63500">
+            <a:solidFill>
+              <a:srgbClr val="043D4D"/>
+            </a:solidFill>
+            <a:tailEnd type="triangle"/>
+          </a:ln>
+        </p:spPr>
+        <p:style>
+          <a:lnRef idx="1">
+            <a:schemeClr val="accent1"/>
+          </a:lnRef>
+          <a:fillRef idx="0">
+            <a:schemeClr val="accent1"/>
+          </a:fillRef>
+          <a:effectRef idx="0">
+            <a:schemeClr val="accent1"/>
+          </a:effectRef>
+          <a:fontRef idx="minor">
+            <a:schemeClr val="tx1"/>
+          </a:fontRef>
+        </p:style>
+      </p:cxnSp>
+      <p:sp>
+        <p:nvSpPr>
+          <p:cNvPr id="18" name="TextBox 17">
+            <a:extLst>
+              <a:ext uri="{FF2B5EF4-FFF2-40B4-BE49-F238E27FC236}">
+                <a16:creationId xmlns:a16="http://schemas.microsoft.com/office/drawing/2014/main" id="{AE326D61-D68A-69C6-8CAD-3F9087B251E0}"/>
+              </a:ext>
+            </a:extLst>
+          </p:cNvPr>
+          <p:cNvSpPr txBox="1"/>
+          <p:nvPr/>
+        </p:nvSpPr>
+        <p:spPr>
+          <a:xfrm>
+            <a:off x="755577" y="570454"/>
+            <a:ext cx="2298357" cy="2308324"/>
+          </a:xfrm>
+          <a:prstGeom prst="rect">
+            <a:avLst/>
+          </a:prstGeom>
+          <a:noFill/>
+        </p:spPr>
+        <p:txBody>
+          <a:bodyPr wrap="square" rtlCol="0">
+            <a:spAutoFit/>
+          </a:bodyPr>
+          <a:lstStyle/>
+          <a:p>
+            <a:r>
+              <a:rPr lang="en-US" dirty="0">
+                <a:solidFill>
+                  <a:srgbClr val="043D4D"/>
+                </a:solidFill>
+                <a:latin typeface="Arial" panose="020B0604020202020204" pitchFamily="34" charset="0"/>
+                <a:cs typeface="Arial" panose="020B0604020202020204" pitchFamily="34" charset="0"/>
+              </a:rPr>
+              <a:t>EXPERIMENTAL: a node’s position becomes fixed after dragging, this unfixes the x-axis positions of all nodes except the samples</a:t>
+            </a:r>
+          </a:p>
+        </p:txBody>
+      </p:sp>
+      <p:cxnSp>
+        <p:nvCxnSpPr>
+          <p:cNvPr id="20" name="Straight Arrow Connector 19">
+            <a:extLst>
+              <a:ext uri="{FF2B5EF4-FFF2-40B4-BE49-F238E27FC236}">
+                <a16:creationId xmlns:a16="http://schemas.microsoft.com/office/drawing/2014/main" id="{8A4D5C1C-806C-8444-9212-9099145AAE48}"/>
+              </a:ext>
+            </a:extLst>
+          </p:cNvPr>
+          <p:cNvCxnSpPr>
+            <a:cxnSpLocks/>
+          </p:cNvCxnSpPr>
+          <p:nvPr/>
+        </p:nvCxnSpPr>
+        <p:spPr>
+          <a:xfrm>
+            <a:off x="3090760" y="3440130"/>
+            <a:ext cx="506627" cy="0"/>
+          </a:xfrm>
+          <a:prstGeom prst="straightConnector1">
+            <a:avLst/>
+          </a:prstGeom>
+          <a:ln w="63500">
+            <a:solidFill>
+              <a:srgbClr val="043D4D"/>
+            </a:solidFill>
+            <a:tailEnd type="triangle"/>
+          </a:ln>
+        </p:spPr>
+        <p:style>
+          <a:lnRef idx="1">
+            <a:schemeClr val="accent1"/>
+          </a:lnRef>
+          <a:fillRef idx="0">
+            <a:schemeClr val="accent1"/>
+          </a:fillRef>
+          <a:effectRef idx="0">
+            <a:schemeClr val="accent1"/>
+          </a:effectRef>
+          <a:fontRef idx="minor">
+            <a:schemeClr val="tx1"/>
+          </a:fontRef>
+        </p:style>
+      </p:cxnSp>
+      <p:sp>
+        <p:nvSpPr>
+          <p:cNvPr id="21" name="TextBox 20">
+            <a:extLst>
+              <a:ext uri="{FF2B5EF4-FFF2-40B4-BE49-F238E27FC236}">
+                <a16:creationId xmlns:a16="http://schemas.microsoft.com/office/drawing/2014/main" id="{4F5AD698-FD2F-9E42-9360-7983630F5F03}"/>
+              </a:ext>
+            </a:extLst>
+          </p:cNvPr>
+          <p:cNvSpPr txBox="1"/>
+          <p:nvPr/>
+        </p:nvSpPr>
+        <p:spPr>
+          <a:xfrm>
+            <a:off x="755577" y="2701466"/>
+            <a:ext cx="2298357" cy="1477328"/>
+          </a:xfrm>
+          <a:prstGeom prst="rect">
+            <a:avLst/>
+          </a:prstGeom>
+          <a:noFill/>
+        </p:spPr>
+        <p:txBody>
+          <a:bodyPr wrap="square" rtlCol="0">
+            <a:spAutoFit/>
+          </a:bodyPr>
+          <a:lstStyle/>
+          <a:p>
+            <a:r>
+              <a:rPr lang="en-US" dirty="0">
+                <a:solidFill>
+                  <a:srgbClr val="043D4D"/>
+                </a:solidFill>
+                <a:latin typeface="Arial" panose="020B0604020202020204" pitchFamily="34" charset="0"/>
+                <a:cs typeface="Arial" panose="020B0604020202020204" pitchFamily="34" charset="0"/>
+              </a:rPr>
+              <a:t>Three options for the y-axis scale: rank, time, and </a:t>
+            </a:r>
+            <a:r>
+              <a:rPr lang="en-US" dirty="0" err="1">
+                <a:solidFill>
+                  <a:srgbClr val="043D4D"/>
+                </a:solidFill>
+                <a:latin typeface="Arial" panose="020B0604020202020204" pitchFamily="34" charset="0"/>
+                <a:cs typeface="Arial" panose="020B0604020202020204" pitchFamily="34" charset="0"/>
+              </a:rPr>
+              <a:t>log_time</a:t>
+            </a:r>
+            <a:r>
+              <a:rPr lang="en-US" dirty="0">
+                <a:solidFill>
+                  <a:srgbClr val="043D4D"/>
+                </a:solidFill>
+                <a:latin typeface="Arial" panose="020B0604020202020204" pitchFamily="34" charset="0"/>
+                <a:cs typeface="Arial" panose="020B0604020202020204" pitchFamily="34" charset="0"/>
+              </a:rPr>
+              <a:t> (all nodes have fixed y-axis positions)</a:t>
+            </a:r>
+          </a:p>
+        </p:txBody>
+      </p:sp>
     </p:spTree>
     <p:extLst>
       <p:ext uri="{BB962C8B-B14F-4D97-AF65-F5344CB8AC3E}">
-        <p14:creationId xmlns:p14="http://schemas.microsoft.com/office/powerpoint/2010/main" val="2501787283"/>
+        <p14:creationId xmlns:p14="http://schemas.microsoft.com/office/powerpoint/2010/main" val="3755420000"/>
       </p:ext>
     </p:extLst>
   </p:cSld>
@@ -4697,7 +4985,7 @@
 </file>
 
 <file path=ppt/slides/slide12.xml><?xml version="1.0" encoding="utf-8"?>
-<p:sld xmlns:a="http://schemas.openxmlformats.org/drawingml/2006/main" xmlns:r="http://schemas.openxmlformats.org/officeDocument/2006/relationships" xmlns:p="http://schemas.openxmlformats.org/presentationml/2006/main" show="0">
+<p:sld xmlns:a="http://schemas.openxmlformats.org/drawingml/2006/main" xmlns:r="http://schemas.openxmlformats.org/officeDocument/2006/relationships" xmlns:p="http://schemas.openxmlformats.org/presentationml/2006/main">
   <p:cSld>
     <p:spTree>
       <p:nvGrpSpPr>
@@ -4715,10 +5003,10 @@
       </p:grpSpPr>
       <p:pic>
         <p:nvPicPr>
-          <p:cNvPr id="14" name="Picture 13" descr="A screenshot of a computer&#10;&#10;Description automatically generated">
-            <a:extLst>
-              <a:ext uri="{FF2B5EF4-FFF2-40B4-BE49-F238E27FC236}">
-                <a16:creationId xmlns:a16="http://schemas.microsoft.com/office/drawing/2014/main" id="{6BBA1B56-8A9B-3E66-CE84-C5A0B56326B7}"/>
+          <p:cNvPr id="6" name="Picture 5" descr="A screenshot of a computer&#10;&#10;Description automatically generated">
+            <a:extLst>
+              <a:ext uri="{FF2B5EF4-FFF2-40B4-BE49-F238E27FC236}">
+                <a16:creationId xmlns:a16="http://schemas.microsoft.com/office/drawing/2014/main" id="{06154C2E-5EAE-162A-D45D-AAB8EB1B9620}"/>
               </a:ext>
             </a:extLst>
           </p:cNvPr>
@@ -4735,473 +5023,18 @@
         </p:blipFill>
         <p:spPr>
           <a:xfrm>
-            <a:off x="3653239" y="797011"/>
-            <a:ext cx="4885521" cy="5263977"/>
+            <a:off x="3360167" y="509283"/>
+            <a:ext cx="5471667" cy="5839434"/>
           </a:xfrm>
           <a:prstGeom prst="rect">
             <a:avLst/>
           </a:prstGeom>
         </p:spPr>
       </p:pic>
-      <p:cxnSp>
-        <p:nvCxnSpPr>
-          <p:cNvPr id="9" name="Straight Arrow Connector 8">
-            <a:extLst>
-              <a:ext uri="{FF2B5EF4-FFF2-40B4-BE49-F238E27FC236}">
-                <a16:creationId xmlns:a16="http://schemas.microsoft.com/office/drawing/2014/main" id="{F129AD86-1D32-3687-7A7C-3D5DBBA4F048}"/>
-              </a:ext>
-            </a:extLst>
-          </p:cNvPr>
-          <p:cNvCxnSpPr>
-            <a:cxnSpLocks/>
-          </p:cNvCxnSpPr>
-          <p:nvPr/>
-        </p:nvCxnSpPr>
-        <p:spPr>
-          <a:xfrm rot="10800000">
-            <a:off x="8362588" y="5166745"/>
-            <a:ext cx="506627" cy="0"/>
-          </a:xfrm>
-          <a:prstGeom prst="straightConnector1">
-            <a:avLst/>
-          </a:prstGeom>
-          <a:ln w="63500">
-            <a:solidFill>
-              <a:srgbClr val="043D4D"/>
-            </a:solidFill>
-            <a:tailEnd type="triangle"/>
-          </a:ln>
-        </p:spPr>
-        <p:style>
-          <a:lnRef idx="1">
-            <a:schemeClr val="accent1"/>
-          </a:lnRef>
-          <a:fillRef idx="0">
-            <a:schemeClr val="accent1"/>
-          </a:fillRef>
-          <a:effectRef idx="0">
-            <a:schemeClr val="accent1"/>
-          </a:effectRef>
-          <a:fontRef idx="minor">
-            <a:schemeClr val="tx1"/>
-          </a:fontRef>
-        </p:style>
-      </p:cxnSp>
-      <p:sp>
-        <p:nvSpPr>
-          <p:cNvPr id="10" name="TextBox 9">
-            <a:extLst>
-              <a:ext uri="{FF2B5EF4-FFF2-40B4-BE49-F238E27FC236}">
-                <a16:creationId xmlns:a16="http://schemas.microsoft.com/office/drawing/2014/main" id="{CF0D38E0-5A9A-8159-FA28-72D3FFC1AB04}"/>
-              </a:ext>
-            </a:extLst>
-          </p:cNvPr>
-          <p:cNvSpPr txBox="1"/>
-          <p:nvPr/>
-        </p:nvSpPr>
-        <p:spPr>
-          <a:xfrm>
-            <a:off x="8995961" y="4151082"/>
-            <a:ext cx="2298357" cy="2031325"/>
-          </a:xfrm>
-          <a:prstGeom prst="rect">
-            <a:avLst/>
-          </a:prstGeom>
-          <a:noFill/>
-        </p:spPr>
-        <p:txBody>
-          <a:bodyPr wrap="square" rtlCol="0">
-            <a:spAutoFit/>
-          </a:bodyPr>
-          <a:lstStyle/>
-          <a:p>
-            <a:r>
-              <a:rPr lang="en-US" dirty="0">
-                <a:solidFill>
-                  <a:srgbClr val="043D4D"/>
-                </a:solidFill>
-                <a:latin typeface="Arial" panose="020B0604020202020204" pitchFamily="34" charset="0"/>
-                <a:cs typeface="Arial" panose="020B0604020202020204" pitchFamily="34" charset="0"/>
-              </a:rPr>
-              <a:t>Ordering of sample nodes is set by the first tree in the tree sequence (these are the only nodes with fixed x-axis positions at the start)</a:t>
-            </a:r>
-          </a:p>
-        </p:txBody>
-      </p:sp>
-      <p:cxnSp>
-        <p:nvCxnSpPr>
-          <p:cNvPr id="11" name="Straight Arrow Connector 10">
-            <a:extLst>
-              <a:ext uri="{FF2B5EF4-FFF2-40B4-BE49-F238E27FC236}">
-                <a16:creationId xmlns:a16="http://schemas.microsoft.com/office/drawing/2014/main" id="{402323CE-3900-0F71-22DC-0C1BF6DE958C}"/>
-              </a:ext>
-            </a:extLst>
-          </p:cNvPr>
-          <p:cNvCxnSpPr>
-            <a:cxnSpLocks/>
-          </p:cNvCxnSpPr>
-          <p:nvPr/>
-        </p:nvCxnSpPr>
-        <p:spPr>
-          <a:xfrm>
-            <a:off x="3469945" y="5800284"/>
-            <a:ext cx="506627" cy="0"/>
-          </a:xfrm>
-          <a:prstGeom prst="straightConnector1">
-            <a:avLst/>
-          </a:prstGeom>
-          <a:ln w="63500">
-            <a:solidFill>
-              <a:srgbClr val="043D4D"/>
-            </a:solidFill>
-            <a:tailEnd type="triangle"/>
-          </a:ln>
-        </p:spPr>
-        <p:style>
-          <a:lnRef idx="1">
-            <a:schemeClr val="accent1"/>
-          </a:lnRef>
-          <a:fillRef idx="0">
-            <a:schemeClr val="accent1"/>
-          </a:fillRef>
-          <a:effectRef idx="0">
-            <a:schemeClr val="accent1"/>
-          </a:effectRef>
-          <a:fontRef idx="minor">
-            <a:schemeClr val="tx1"/>
-          </a:fontRef>
-        </p:style>
-      </p:cxnSp>
-      <p:sp>
-        <p:nvSpPr>
-          <p:cNvPr id="12" name="TextBox 11">
-            <a:extLst>
-              <a:ext uri="{FF2B5EF4-FFF2-40B4-BE49-F238E27FC236}">
-                <a16:creationId xmlns:a16="http://schemas.microsoft.com/office/drawing/2014/main" id="{EAA6295F-65C6-92A9-902C-5C0A5324AF3E}"/>
-              </a:ext>
-            </a:extLst>
-          </p:cNvPr>
-          <p:cNvSpPr txBox="1"/>
-          <p:nvPr/>
-        </p:nvSpPr>
-        <p:spPr>
-          <a:xfrm>
-            <a:off x="1135640" y="5200119"/>
-            <a:ext cx="2298357" cy="1200329"/>
-          </a:xfrm>
-          <a:prstGeom prst="rect">
-            <a:avLst/>
-          </a:prstGeom>
-          <a:noFill/>
-        </p:spPr>
-        <p:txBody>
-          <a:bodyPr wrap="square" rtlCol="0">
-            <a:spAutoFit/>
-          </a:bodyPr>
-          <a:lstStyle/>
-          <a:p>
-            <a:r>
-              <a:rPr lang="en-US" dirty="0" err="1">
-                <a:solidFill>
-                  <a:srgbClr val="043D4D"/>
-                </a:solidFill>
-                <a:latin typeface="Arial" panose="020B0604020202020204" pitchFamily="34" charset="0"/>
-                <a:cs typeface="Arial" panose="020B0604020202020204" pitchFamily="34" charset="0"/>
-              </a:rPr>
-              <a:t>Hoverable</a:t>
-            </a:r>
-            <a:r>
-              <a:rPr lang="en-US" dirty="0">
-                <a:solidFill>
-                  <a:srgbClr val="043D4D"/>
-                </a:solidFill>
-                <a:latin typeface="Arial" panose="020B0604020202020204" pitchFamily="34" charset="0"/>
-                <a:cs typeface="Arial" panose="020B0604020202020204" pitchFamily="34" charset="0"/>
-              </a:rPr>
-              <a:t> blocks corresponding to the different trees in the tree sequence</a:t>
-            </a:r>
-          </a:p>
-        </p:txBody>
-      </p:sp>
-      <p:cxnSp>
-        <p:nvCxnSpPr>
-          <p:cNvPr id="15" name="Straight Arrow Connector 14">
-            <a:extLst>
-              <a:ext uri="{FF2B5EF4-FFF2-40B4-BE49-F238E27FC236}">
-                <a16:creationId xmlns:a16="http://schemas.microsoft.com/office/drawing/2014/main" id="{93A076EB-E03D-E5E2-D7C1-523E4AC4346C}"/>
-              </a:ext>
-            </a:extLst>
-          </p:cNvPr>
-          <p:cNvCxnSpPr>
-            <a:cxnSpLocks/>
-          </p:cNvCxnSpPr>
-          <p:nvPr/>
-        </p:nvCxnSpPr>
-        <p:spPr>
-          <a:xfrm rot="10800000">
-            <a:off x="5212644" y="955588"/>
-            <a:ext cx="506627" cy="0"/>
-          </a:xfrm>
-          <a:prstGeom prst="straightConnector1">
-            <a:avLst/>
-          </a:prstGeom>
-          <a:ln w="63500">
-            <a:solidFill>
-              <a:srgbClr val="043D4D"/>
-            </a:solidFill>
-            <a:tailEnd type="triangle"/>
-          </a:ln>
-        </p:spPr>
-        <p:style>
-          <a:lnRef idx="1">
-            <a:schemeClr val="accent1"/>
-          </a:lnRef>
-          <a:fillRef idx="0">
-            <a:schemeClr val="accent1"/>
-          </a:fillRef>
-          <a:effectRef idx="0">
-            <a:schemeClr val="accent1"/>
-          </a:effectRef>
-          <a:fontRef idx="minor">
-            <a:schemeClr val="tx1"/>
-          </a:fontRef>
-        </p:style>
-      </p:cxnSp>
-      <p:sp>
-        <p:nvSpPr>
-          <p:cNvPr id="16" name="TextBox 15">
-            <a:extLst>
-              <a:ext uri="{FF2B5EF4-FFF2-40B4-BE49-F238E27FC236}">
-                <a16:creationId xmlns:a16="http://schemas.microsoft.com/office/drawing/2014/main" id="{03BF55EC-9CD8-5613-5957-41A0769E02F2}"/>
-              </a:ext>
-            </a:extLst>
-          </p:cNvPr>
-          <p:cNvSpPr txBox="1"/>
-          <p:nvPr/>
-        </p:nvSpPr>
-        <p:spPr>
-          <a:xfrm>
-            <a:off x="5902565" y="216923"/>
-            <a:ext cx="3235500" cy="1477328"/>
-          </a:xfrm>
-          <a:prstGeom prst="rect">
-            <a:avLst/>
-          </a:prstGeom>
-          <a:noFill/>
-        </p:spPr>
-        <p:txBody>
-          <a:bodyPr wrap="square" rtlCol="0">
-            <a:spAutoFit/>
-          </a:bodyPr>
-          <a:lstStyle/>
-          <a:p>
-            <a:r>
-              <a:rPr lang="en-US" dirty="0">
-                <a:solidFill>
-                  <a:srgbClr val="043D4D"/>
-                </a:solidFill>
-                <a:latin typeface="Arial" panose="020B0604020202020204" pitchFamily="34" charset="0"/>
-                <a:cs typeface="Arial" panose="020B0604020202020204" pitchFamily="34" charset="0"/>
-              </a:rPr>
-              <a:t>JSON object is updated as the simulation runs, which means this can be copied, giving user’s the ability to replicate figures</a:t>
-            </a:r>
-          </a:p>
-        </p:txBody>
-      </p:sp>
-      <p:cxnSp>
-        <p:nvCxnSpPr>
-          <p:cNvPr id="17" name="Straight Arrow Connector 16">
-            <a:extLst>
-              <a:ext uri="{FF2B5EF4-FFF2-40B4-BE49-F238E27FC236}">
-                <a16:creationId xmlns:a16="http://schemas.microsoft.com/office/drawing/2014/main" id="{9047F1FF-3949-5492-6AFD-6E6A60B5ADC0}"/>
-              </a:ext>
-            </a:extLst>
-          </p:cNvPr>
-          <p:cNvCxnSpPr>
-            <a:cxnSpLocks/>
-          </p:cNvCxnSpPr>
-          <p:nvPr/>
-        </p:nvCxnSpPr>
-        <p:spPr>
-          <a:xfrm>
-            <a:off x="3053934" y="1170619"/>
-            <a:ext cx="506627" cy="0"/>
-          </a:xfrm>
-          <a:prstGeom prst="straightConnector1">
-            <a:avLst/>
-          </a:prstGeom>
-          <a:ln w="63500">
-            <a:solidFill>
-              <a:srgbClr val="043D4D"/>
-            </a:solidFill>
-            <a:tailEnd type="triangle"/>
-          </a:ln>
-        </p:spPr>
-        <p:style>
-          <a:lnRef idx="1">
-            <a:schemeClr val="accent1"/>
-          </a:lnRef>
-          <a:fillRef idx="0">
-            <a:schemeClr val="accent1"/>
-          </a:fillRef>
-          <a:effectRef idx="0">
-            <a:schemeClr val="accent1"/>
-          </a:effectRef>
-          <a:fontRef idx="minor">
-            <a:schemeClr val="tx1"/>
-          </a:fontRef>
-        </p:style>
-      </p:cxnSp>
-      <p:sp>
-        <p:nvSpPr>
-          <p:cNvPr id="18" name="TextBox 17">
-            <a:extLst>
-              <a:ext uri="{FF2B5EF4-FFF2-40B4-BE49-F238E27FC236}">
-                <a16:creationId xmlns:a16="http://schemas.microsoft.com/office/drawing/2014/main" id="{AE326D61-D68A-69C6-8CAD-3F9087B251E0}"/>
-              </a:ext>
-            </a:extLst>
-          </p:cNvPr>
-          <p:cNvSpPr txBox="1"/>
-          <p:nvPr/>
-        </p:nvSpPr>
-        <p:spPr>
-          <a:xfrm>
-            <a:off x="755577" y="570454"/>
-            <a:ext cx="2298357" cy="2308324"/>
-          </a:xfrm>
-          <a:prstGeom prst="rect">
-            <a:avLst/>
-          </a:prstGeom>
-          <a:noFill/>
-        </p:spPr>
-        <p:txBody>
-          <a:bodyPr wrap="square" rtlCol="0">
-            <a:spAutoFit/>
-          </a:bodyPr>
-          <a:lstStyle/>
-          <a:p>
-            <a:r>
-              <a:rPr lang="en-US" dirty="0">
-                <a:solidFill>
-                  <a:srgbClr val="043D4D"/>
-                </a:solidFill>
-                <a:latin typeface="Arial" panose="020B0604020202020204" pitchFamily="34" charset="0"/>
-                <a:cs typeface="Arial" panose="020B0604020202020204" pitchFamily="34" charset="0"/>
-              </a:rPr>
-              <a:t>EXPERIMENTAL: a node’s position becomes fixed after dragging, this unfixes the x-axis positions of all nodes except the samples</a:t>
-            </a:r>
-          </a:p>
-        </p:txBody>
-      </p:sp>
-      <p:cxnSp>
-        <p:nvCxnSpPr>
-          <p:cNvPr id="20" name="Straight Arrow Connector 19">
-            <a:extLst>
-              <a:ext uri="{FF2B5EF4-FFF2-40B4-BE49-F238E27FC236}">
-                <a16:creationId xmlns:a16="http://schemas.microsoft.com/office/drawing/2014/main" id="{8A4D5C1C-806C-8444-9212-9099145AAE48}"/>
-              </a:ext>
-            </a:extLst>
-          </p:cNvPr>
-          <p:cNvCxnSpPr>
-            <a:cxnSpLocks/>
-          </p:cNvCxnSpPr>
-          <p:nvPr/>
-        </p:nvCxnSpPr>
-        <p:spPr>
-          <a:xfrm>
-            <a:off x="3090760" y="3440130"/>
-            <a:ext cx="506627" cy="0"/>
-          </a:xfrm>
-          <a:prstGeom prst="straightConnector1">
-            <a:avLst/>
-          </a:prstGeom>
-          <a:ln w="63500">
-            <a:solidFill>
-              <a:srgbClr val="043D4D"/>
-            </a:solidFill>
-            <a:tailEnd type="triangle"/>
-          </a:ln>
-        </p:spPr>
-        <p:style>
-          <a:lnRef idx="1">
-            <a:schemeClr val="accent1"/>
-          </a:lnRef>
-          <a:fillRef idx="0">
-            <a:schemeClr val="accent1"/>
-          </a:fillRef>
-          <a:effectRef idx="0">
-            <a:schemeClr val="accent1"/>
-          </a:effectRef>
-          <a:fontRef idx="minor">
-            <a:schemeClr val="tx1"/>
-          </a:fontRef>
-        </p:style>
-      </p:cxnSp>
-      <p:sp>
-        <p:nvSpPr>
-          <p:cNvPr id="21" name="TextBox 20">
-            <a:extLst>
-              <a:ext uri="{FF2B5EF4-FFF2-40B4-BE49-F238E27FC236}">
-                <a16:creationId xmlns:a16="http://schemas.microsoft.com/office/drawing/2014/main" id="{4F5AD698-FD2F-9E42-9360-7983630F5F03}"/>
-              </a:ext>
-            </a:extLst>
-          </p:cNvPr>
-          <p:cNvSpPr txBox="1"/>
-          <p:nvPr/>
-        </p:nvSpPr>
-        <p:spPr>
-          <a:xfrm>
-            <a:off x="755577" y="2701466"/>
-            <a:ext cx="2298357" cy="1477328"/>
-          </a:xfrm>
-          <a:prstGeom prst="rect">
-            <a:avLst/>
-          </a:prstGeom>
-          <a:noFill/>
-        </p:spPr>
-        <p:txBody>
-          <a:bodyPr wrap="square" rtlCol="0">
-            <a:spAutoFit/>
-          </a:bodyPr>
-          <a:lstStyle/>
-          <a:p>
-            <a:r>
-              <a:rPr lang="en-US" dirty="0">
-                <a:solidFill>
-                  <a:srgbClr val="043D4D"/>
-                </a:solidFill>
-                <a:latin typeface="Arial" panose="020B0604020202020204" pitchFamily="34" charset="0"/>
-                <a:cs typeface="Arial" panose="020B0604020202020204" pitchFamily="34" charset="0"/>
-              </a:rPr>
-              <a:t>Three options for the y-axis scale: rank, time, and </a:t>
-            </a:r>
-            <a:r>
-              <a:rPr lang="en-US" dirty="0" err="1">
-                <a:solidFill>
-                  <a:srgbClr val="043D4D"/>
-                </a:solidFill>
-                <a:latin typeface="Arial" panose="020B0604020202020204" pitchFamily="34" charset="0"/>
-                <a:cs typeface="Arial" panose="020B0604020202020204" pitchFamily="34" charset="0"/>
-              </a:rPr>
-              <a:t>log_time</a:t>
-            </a:r>
-            <a:r>
-              <a:rPr lang="en-US" dirty="0">
-                <a:solidFill>
-                  <a:srgbClr val="043D4D"/>
-                </a:solidFill>
-                <a:latin typeface="Arial" panose="020B0604020202020204" pitchFamily="34" charset="0"/>
-                <a:cs typeface="Arial" panose="020B0604020202020204" pitchFamily="34" charset="0"/>
-              </a:rPr>
-              <a:t> (all nodes have fixed y-axis positions)</a:t>
-            </a:r>
-          </a:p>
-        </p:txBody>
-      </p:sp>
     </p:spTree>
     <p:extLst>
       <p:ext uri="{BB962C8B-B14F-4D97-AF65-F5344CB8AC3E}">
-        <p14:creationId xmlns:p14="http://schemas.microsoft.com/office/powerpoint/2010/main" val="3755420000"/>
+        <p14:creationId xmlns:p14="http://schemas.microsoft.com/office/powerpoint/2010/main" val="3253373374"/>
       </p:ext>
     </p:extLst>
   </p:cSld>
@@ -5230,10 +5063,10 @@
       </p:grpSpPr>
       <p:pic>
         <p:nvPicPr>
-          <p:cNvPr id="6" name="Picture 5" descr="A screenshot of a computer&#10;&#10;Description automatically generated">
-            <a:extLst>
-              <a:ext uri="{FF2B5EF4-FFF2-40B4-BE49-F238E27FC236}">
-                <a16:creationId xmlns:a16="http://schemas.microsoft.com/office/drawing/2014/main" id="{06154C2E-5EAE-162A-D45D-AAB8EB1B9620}"/>
+          <p:cNvPr id="5" name="Picture 4" descr="A screenshot of a computer&#10;&#10;Description automatically generated">
+            <a:extLst>
+              <a:ext uri="{FF2B5EF4-FFF2-40B4-BE49-F238E27FC236}">
+                <a16:creationId xmlns:a16="http://schemas.microsoft.com/office/drawing/2014/main" id="{AC9B39B4-AF5C-AFCB-096E-1C5307E6241C}"/>
               </a:ext>
             </a:extLst>
           </p:cNvPr>
@@ -5258,10 +5091,112 @@
           </a:prstGeom>
         </p:spPr>
       </p:pic>
+      <p:sp>
+        <p:nvSpPr>
+          <p:cNvPr id="2" name="TextBox 1">
+            <a:extLst>
+              <a:ext uri="{FF2B5EF4-FFF2-40B4-BE49-F238E27FC236}">
+                <a16:creationId xmlns:a16="http://schemas.microsoft.com/office/drawing/2014/main" id="{019077C8-F32E-0594-97E8-BF9A2E4D57E0}"/>
+              </a:ext>
+            </a:extLst>
+          </p:cNvPr>
+          <p:cNvSpPr txBox="1"/>
+          <p:nvPr/>
+        </p:nvSpPr>
+        <p:spPr>
+          <a:xfrm>
+            <a:off x="736551" y="2967334"/>
+            <a:ext cx="2298357" cy="923330"/>
+          </a:xfrm>
+          <a:prstGeom prst="rect">
+            <a:avLst/>
+          </a:prstGeom>
+          <a:noFill/>
+        </p:spPr>
+        <p:txBody>
+          <a:bodyPr wrap="square" rtlCol="0">
+            <a:spAutoFit/>
+          </a:bodyPr>
+          <a:lstStyle/>
+          <a:p>
+            <a:r>
+              <a:rPr lang="en-US" dirty="0">
+                <a:solidFill>
+                  <a:srgbClr val="043D4D"/>
+                </a:solidFill>
+                <a:latin typeface="Arial" panose="020B0604020202020204" pitchFamily="34" charset="0"/>
+                <a:cs typeface="Arial" panose="020B0604020202020204" pitchFamily="34" charset="0"/>
+              </a:rPr>
+              <a:t>Three options for the y-axis scale: rank, time, and </a:t>
+            </a:r>
+            <a:r>
+              <a:rPr lang="en-US" dirty="0" err="1">
+                <a:solidFill>
+                  <a:srgbClr val="043D4D"/>
+                </a:solidFill>
+                <a:latin typeface="Arial" panose="020B0604020202020204" pitchFamily="34" charset="0"/>
+                <a:cs typeface="Arial" panose="020B0604020202020204" pitchFamily="34" charset="0"/>
+              </a:rPr>
+              <a:t>log_time</a:t>
+            </a:r>
+            <a:endParaRPr lang="en-US" dirty="0">
+              <a:solidFill>
+                <a:srgbClr val="043D4D"/>
+              </a:solidFill>
+              <a:latin typeface="Arial" panose="020B0604020202020204" pitchFamily="34" charset="0"/>
+              <a:cs typeface="Arial" panose="020B0604020202020204" pitchFamily="34" charset="0"/>
+            </a:endParaRPr>
+          </a:p>
+        </p:txBody>
+      </p:sp>
+      <p:cxnSp>
+        <p:nvCxnSpPr>
+          <p:cNvPr id="3" name="Straight Arrow Connector 2">
+            <a:extLst>
+              <a:ext uri="{FF2B5EF4-FFF2-40B4-BE49-F238E27FC236}">
+                <a16:creationId xmlns:a16="http://schemas.microsoft.com/office/drawing/2014/main" id="{A7EF5928-919C-4C99-9350-45EB89824C5C}"/>
+              </a:ext>
+            </a:extLst>
+          </p:cNvPr>
+          <p:cNvCxnSpPr>
+            <a:cxnSpLocks/>
+          </p:cNvCxnSpPr>
+          <p:nvPr/>
+        </p:nvCxnSpPr>
+        <p:spPr>
+          <a:xfrm>
+            <a:off x="3090760" y="3440130"/>
+            <a:ext cx="506627" cy="0"/>
+          </a:xfrm>
+          <a:prstGeom prst="straightConnector1">
+            <a:avLst/>
+          </a:prstGeom>
+          <a:ln w="63500">
+            <a:solidFill>
+              <a:srgbClr val="043D4D"/>
+            </a:solidFill>
+            <a:tailEnd type="triangle"/>
+          </a:ln>
+        </p:spPr>
+        <p:style>
+          <a:lnRef idx="1">
+            <a:schemeClr val="accent1"/>
+          </a:lnRef>
+          <a:fillRef idx="0">
+            <a:schemeClr val="accent1"/>
+          </a:fillRef>
+          <a:effectRef idx="0">
+            <a:schemeClr val="accent1"/>
+          </a:effectRef>
+          <a:fontRef idx="minor">
+            <a:schemeClr val="tx1"/>
+          </a:fontRef>
+        </p:style>
+      </p:cxnSp>
     </p:spTree>
     <p:extLst>
       <p:ext uri="{BB962C8B-B14F-4D97-AF65-F5344CB8AC3E}">
-        <p14:creationId xmlns:p14="http://schemas.microsoft.com/office/powerpoint/2010/main" val="3253373374"/>
+        <p14:creationId xmlns:p14="http://schemas.microsoft.com/office/powerpoint/2010/main" val="175854428"/>
       </p:ext>
     </p:extLst>
   </p:cSld>
@@ -5290,10 +5225,10 @@
       </p:grpSpPr>
       <p:pic>
         <p:nvPicPr>
-          <p:cNvPr id="5" name="Picture 4" descr="A screenshot of a computer&#10;&#10;Description automatically generated">
-            <a:extLst>
-              <a:ext uri="{FF2B5EF4-FFF2-40B4-BE49-F238E27FC236}">
-                <a16:creationId xmlns:a16="http://schemas.microsoft.com/office/drawing/2014/main" id="{AC9B39B4-AF5C-AFCB-096E-1C5307E6241C}"/>
+          <p:cNvPr id="6" name="Picture 5" descr="A screenshot of a computer&#10;&#10;Description automatically generated">
+            <a:extLst>
+              <a:ext uri="{FF2B5EF4-FFF2-40B4-BE49-F238E27FC236}">
+                <a16:creationId xmlns:a16="http://schemas.microsoft.com/office/drawing/2014/main" id="{FCF56B66-278C-EE68-5202-3C39E7E1E15C}"/>
               </a:ext>
             </a:extLst>
           </p:cNvPr>
@@ -5332,8 +5267,8 @@
         </p:nvSpPr>
         <p:spPr>
           <a:xfrm>
-            <a:off x="736551" y="2967334"/>
-            <a:ext cx="2298357" cy="923330"/>
+            <a:off x="812356" y="3526109"/>
+            <a:ext cx="2315929" cy="923330"/>
           </a:xfrm>
           <a:prstGeom prst="rect">
             <a:avLst/>
@@ -5354,25 +5289,8 @@
                 <a:latin typeface="Arial" panose="020B0604020202020204" pitchFamily="34" charset="0"/>
                 <a:cs typeface="Arial" panose="020B0604020202020204" pitchFamily="34" charset="0"/>
               </a:rPr>
-              <a:t>Three options for the y-axis scale: rank, time, and </a:t>
-            </a:r>
-            <a:r>
-              <a:rPr lang="en-US" dirty="0" err="1">
-                <a:solidFill>
-                  <a:srgbClr val="043D4D"/>
-                </a:solidFill>
-                <a:latin typeface="Arial" panose="020B0604020202020204" pitchFamily="34" charset="0"/>
-                <a:cs typeface="Arial" panose="020B0604020202020204" pitchFamily="34" charset="0"/>
-              </a:rPr>
-              <a:t>log_time</a:t>
-            </a:r>
-            <a:endParaRPr lang="en-US" dirty="0">
-              <a:solidFill>
-                <a:srgbClr val="043D4D"/>
-              </a:solidFill>
-              <a:latin typeface="Arial" panose="020B0604020202020204" pitchFamily="34" charset="0"/>
-              <a:cs typeface="Arial" panose="020B0604020202020204" pitchFamily="34" charset="0"/>
-            </a:endParaRPr>
+              <a:t>Corresponding recombination nodes have been merged</a:t>
+            </a:r>
           </a:p>
         </p:txBody>
       </p:sp>
@@ -5392,8 +5310,8 @@
         </p:nvCxnSpPr>
         <p:spPr>
           <a:xfrm>
-            <a:off x="3090760" y="3440130"/>
-            <a:ext cx="506627" cy="0"/>
+            <a:off x="3303270" y="3987774"/>
+            <a:ext cx="1025637" cy="0"/>
           </a:xfrm>
           <a:prstGeom prst="straightConnector1">
             <a:avLst/>
@@ -5423,7 +5341,7 @@
     </p:spTree>
     <p:extLst>
       <p:ext uri="{BB962C8B-B14F-4D97-AF65-F5344CB8AC3E}">
-        <p14:creationId xmlns:p14="http://schemas.microsoft.com/office/powerpoint/2010/main" val="175854428"/>
+        <p14:creationId xmlns:p14="http://schemas.microsoft.com/office/powerpoint/2010/main" val="2300527140"/>
       </p:ext>
     </p:extLst>
   </p:cSld>
@@ -5452,10 +5370,10 @@
       </p:grpSpPr>
       <p:pic>
         <p:nvPicPr>
-          <p:cNvPr id="6" name="Picture 5" descr="A screenshot of a computer&#10;&#10;Description automatically generated">
-            <a:extLst>
-              <a:ext uri="{FF2B5EF4-FFF2-40B4-BE49-F238E27FC236}">
-                <a16:creationId xmlns:a16="http://schemas.microsoft.com/office/drawing/2014/main" id="{FCF56B66-278C-EE68-5202-3C39E7E1E15C}"/>
+          <p:cNvPr id="4" name="Picture 3" descr="A screenshot of a computer&#10;&#10;Description automatically generated">
+            <a:extLst>
+              <a:ext uri="{FF2B5EF4-FFF2-40B4-BE49-F238E27FC236}">
+                <a16:creationId xmlns:a16="http://schemas.microsoft.com/office/drawing/2014/main" id="{89D3C0B4-5669-B46E-3FE7-4F59BF748A59}"/>
               </a:ext>
             </a:extLst>
           </p:cNvPr>
@@ -5482,10 +5400,10 @@
       </p:pic>
       <p:sp>
         <p:nvSpPr>
-          <p:cNvPr id="2" name="TextBox 1">
-            <a:extLst>
-              <a:ext uri="{FF2B5EF4-FFF2-40B4-BE49-F238E27FC236}">
-                <a16:creationId xmlns:a16="http://schemas.microsoft.com/office/drawing/2014/main" id="{019077C8-F32E-0594-97E8-BF9A2E4D57E0}"/>
+          <p:cNvPr id="10" name="TextBox 9">
+            <a:extLst>
+              <a:ext uri="{FF2B5EF4-FFF2-40B4-BE49-F238E27FC236}">
+                <a16:creationId xmlns:a16="http://schemas.microsoft.com/office/drawing/2014/main" id="{CF0D38E0-5A9A-8159-FA28-72D3FFC1AB04}"/>
               </a:ext>
             </a:extLst>
           </p:cNvPr>
@@ -5494,8 +5412,8 @@
         </p:nvSpPr>
         <p:spPr>
           <a:xfrm>
-            <a:off x="812356" y="3526109"/>
-            <a:ext cx="2315929" cy="923330"/>
+            <a:off x="8407401" y="2078581"/>
+            <a:ext cx="3052018" cy="1477328"/>
           </a:xfrm>
           <a:prstGeom prst="rect">
             <a:avLst/>
@@ -5516,17 +5434,37 @@
                 <a:latin typeface="Arial" panose="020B0604020202020204" pitchFamily="34" charset="0"/>
                 <a:cs typeface="Arial" panose="020B0604020202020204" pitchFamily="34" charset="0"/>
               </a:rPr>
-              <a:t>Corresponding recombination nodes have been merged</a:t>
+              <a:t>With `</a:t>
+            </a:r>
+            <a:r>
+              <a:rPr lang="en-US" dirty="0" err="1">
+                <a:solidFill>
+                  <a:srgbClr val="043D4D"/>
+                </a:solidFill>
+                <a:latin typeface="Arial" panose="020B0604020202020204" pitchFamily="34" charset="0"/>
+                <a:cs typeface="Arial" panose="020B0604020202020204" pitchFamily="34" charset="0"/>
+              </a:rPr>
+              <a:t>edge_type</a:t>
+            </a:r>
+            <a:r>
+              <a:rPr lang="en-US" dirty="0">
+                <a:solidFill>
+                  <a:srgbClr val="043D4D"/>
+                </a:solidFill>
+                <a:latin typeface="Arial" panose="020B0604020202020204" pitchFamily="34" charset="0"/>
+                <a:cs typeface="Arial" panose="020B0604020202020204" pitchFamily="34" charset="0"/>
+              </a:rPr>
+              <a:t>=“ortho”`, the visualizer uses the flags of the source and target nodes to set the pathing rules</a:t>
             </a:r>
           </a:p>
         </p:txBody>
       </p:sp>
       <p:cxnSp>
         <p:nvCxnSpPr>
-          <p:cNvPr id="3" name="Straight Arrow Connector 2">
-            <a:extLst>
-              <a:ext uri="{FF2B5EF4-FFF2-40B4-BE49-F238E27FC236}">
-                <a16:creationId xmlns:a16="http://schemas.microsoft.com/office/drawing/2014/main" id="{A7EF5928-919C-4C99-9350-45EB89824C5C}"/>
+          <p:cNvPr id="2" name="Straight Arrow Connector 1">
+            <a:extLst>
+              <a:ext uri="{FF2B5EF4-FFF2-40B4-BE49-F238E27FC236}">
+                <a16:creationId xmlns:a16="http://schemas.microsoft.com/office/drawing/2014/main" id="{FCC53BCE-08B4-0BFE-738F-56BAE2CAE5FE}"/>
               </a:ext>
             </a:extLst>
           </p:cNvPr>
@@ -5536,9 +5474,9 @@
           <p:nvPr/>
         </p:nvCxnSpPr>
         <p:spPr>
-          <a:xfrm>
-            <a:off x="3303270" y="3987774"/>
-            <a:ext cx="1025637" cy="0"/>
+          <a:xfrm rot="10800000">
+            <a:off x="7748374" y="2817245"/>
+            <a:ext cx="506627" cy="0"/>
           </a:xfrm>
           <a:prstGeom prst="straightConnector1">
             <a:avLst/>
@@ -5565,10 +5503,129 @@
           </a:fontRef>
         </p:style>
       </p:cxnSp>
+      <p:sp>
+        <p:nvSpPr>
+          <p:cNvPr id="3" name="TextBox 2">
+            <a:extLst>
+              <a:ext uri="{FF2B5EF4-FFF2-40B4-BE49-F238E27FC236}">
+                <a16:creationId xmlns:a16="http://schemas.microsoft.com/office/drawing/2014/main" id="{48C29319-95E1-1F22-2D71-1A2DDB43AF1F}"/>
+              </a:ext>
+            </a:extLst>
+          </p:cNvPr>
+          <p:cNvSpPr txBox="1"/>
+          <p:nvPr/>
+        </p:nvSpPr>
+        <p:spPr>
+          <a:xfrm>
+            <a:off x="6425184" y="6550223"/>
+            <a:ext cx="5766816" cy="307777"/>
+          </a:xfrm>
+          <a:prstGeom prst="rect">
+            <a:avLst/>
+          </a:prstGeom>
+          <a:noFill/>
+        </p:spPr>
+        <p:txBody>
+          <a:bodyPr wrap="square">
+            <a:spAutoFit/>
+          </a:bodyPr>
+          <a:lstStyle/>
+          <a:p>
+            <a:pPr algn="r"/>
+            <a:r>
+              <a:rPr lang="en-US" sz="1400" dirty="0">
+                <a:solidFill>
+                  <a:srgbClr val="043D4D"/>
+                </a:solidFill>
+                <a:latin typeface="Arial" panose="020B0604020202020204" pitchFamily="34" charset="0"/>
+                <a:cs typeface="Arial" panose="020B0604020202020204" pitchFamily="34" charset="0"/>
+              </a:rPr>
+              <a:t>https://</a:t>
+            </a:r>
+            <a:r>
+              <a:rPr lang="en-US" sz="1400" dirty="0" err="1">
+                <a:solidFill>
+                  <a:srgbClr val="043D4D"/>
+                </a:solidFill>
+                <a:latin typeface="Arial" panose="020B0604020202020204" pitchFamily="34" charset="0"/>
+                <a:cs typeface="Arial" panose="020B0604020202020204" pitchFamily="34" charset="0"/>
+              </a:rPr>
+              <a:t>github.com</a:t>
+            </a:r>
+            <a:r>
+              <a:rPr lang="en-US" sz="1400" dirty="0">
+                <a:solidFill>
+                  <a:srgbClr val="043D4D"/>
+                </a:solidFill>
+                <a:latin typeface="Arial" panose="020B0604020202020204" pitchFamily="34" charset="0"/>
+                <a:cs typeface="Arial" panose="020B0604020202020204" pitchFamily="34" charset="0"/>
+              </a:rPr>
+              <a:t>/</a:t>
+            </a:r>
+            <a:r>
+              <a:rPr lang="en-US" sz="1400" dirty="0" err="1">
+                <a:solidFill>
+                  <a:srgbClr val="043D4D"/>
+                </a:solidFill>
+                <a:latin typeface="Arial" panose="020B0604020202020204" pitchFamily="34" charset="0"/>
+                <a:cs typeface="Arial" panose="020B0604020202020204" pitchFamily="34" charset="0"/>
+              </a:rPr>
+              <a:t>kitchensjn</a:t>
+            </a:r>
+            <a:r>
+              <a:rPr lang="en-US" sz="1400" dirty="0">
+                <a:solidFill>
+                  <a:srgbClr val="043D4D"/>
+                </a:solidFill>
+                <a:latin typeface="Arial" panose="020B0604020202020204" pitchFamily="34" charset="0"/>
+                <a:cs typeface="Arial" panose="020B0604020202020204" pitchFamily="34" charset="0"/>
+              </a:rPr>
+              <a:t>/</a:t>
+            </a:r>
+            <a:r>
+              <a:rPr lang="en-US" sz="1400" dirty="0" err="1">
+                <a:solidFill>
+                  <a:srgbClr val="043D4D"/>
+                </a:solidFill>
+                <a:latin typeface="Arial" panose="020B0604020202020204" pitchFamily="34" charset="0"/>
+                <a:cs typeface="Arial" panose="020B0604020202020204" pitchFamily="34" charset="0"/>
+              </a:rPr>
+              <a:t>tskit_arg_visualizer</a:t>
+            </a:r>
+            <a:r>
+              <a:rPr lang="en-US" sz="1400" dirty="0">
+                <a:solidFill>
+                  <a:srgbClr val="043D4D"/>
+                </a:solidFill>
+                <a:latin typeface="Arial" panose="020B0604020202020204" pitchFamily="34" charset="0"/>
+                <a:cs typeface="Arial" panose="020B0604020202020204" pitchFamily="34" charset="0"/>
+              </a:rPr>
+              <a:t>/blob/main/</a:t>
+            </a:r>
+            <a:r>
+              <a:rPr lang="en-US" sz="1400" dirty="0" err="1">
+                <a:solidFill>
+                  <a:srgbClr val="043D4D"/>
+                </a:solidFill>
+                <a:latin typeface="Arial" panose="020B0604020202020204" pitchFamily="34" charset="0"/>
+                <a:cs typeface="Arial" panose="020B0604020202020204" pitchFamily="34" charset="0"/>
+              </a:rPr>
+              <a:t>pathing.md</a:t>
+            </a:r>
+            <a:endParaRPr lang="en-US" sz="1400" dirty="0">
+              <a:solidFill>
+                <a:srgbClr val="043D4D"/>
+              </a:solidFill>
+              <a:latin typeface="Arial" panose="020B0604020202020204" pitchFamily="34" charset="0"/>
+              <a:cs typeface="Arial" panose="020B0604020202020204" pitchFamily="34" charset="0"/>
+            </a:endParaRPr>
+          </a:p>
+        </p:txBody>
+      </p:sp>
     </p:spTree>
     <p:extLst>
       <p:ext uri="{BB962C8B-B14F-4D97-AF65-F5344CB8AC3E}">
-        <p14:creationId xmlns:p14="http://schemas.microsoft.com/office/powerpoint/2010/main" val="2300527140"/>
+        <p14:creationId xmlns:p14="http://schemas.microsoft.com/office/powerpoint/2010/main" val="3760029924"/>
       </p:ext>
     </p:extLst>
   </p:cSld>
@@ -5597,10 +5654,10 @@
       </p:grpSpPr>
       <p:pic>
         <p:nvPicPr>
-          <p:cNvPr id="4" name="Picture 3" descr="A screenshot of a computer&#10;&#10;Description automatically generated">
-            <a:extLst>
-              <a:ext uri="{FF2B5EF4-FFF2-40B4-BE49-F238E27FC236}">
-                <a16:creationId xmlns:a16="http://schemas.microsoft.com/office/drawing/2014/main" id="{89D3C0B4-5669-B46E-3FE7-4F59BF748A59}"/>
+          <p:cNvPr id="2" name="Picture 1" descr="A screenshot of a computer&#10;&#10;Description automatically generated">
+            <a:extLst>
+              <a:ext uri="{FF2B5EF4-FFF2-40B4-BE49-F238E27FC236}">
+                <a16:creationId xmlns:a16="http://schemas.microsoft.com/office/drawing/2014/main" id="{4D0E88CB-6441-2B66-D145-E8AA897002CF}"/>
               </a:ext>
             </a:extLst>
           </p:cNvPr>
@@ -5625,73 +5682,12 @@
           </a:prstGeom>
         </p:spPr>
       </p:pic>
-      <p:sp>
-        <p:nvSpPr>
-          <p:cNvPr id="10" name="TextBox 9">
-            <a:extLst>
-              <a:ext uri="{FF2B5EF4-FFF2-40B4-BE49-F238E27FC236}">
-                <a16:creationId xmlns:a16="http://schemas.microsoft.com/office/drawing/2014/main" id="{CF0D38E0-5A9A-8159-FA28-72D3FFC1AB04}"/>
-              </a:ext>
-            </a:extLst>
-          </p:cNvPr>
-          <p:cNvSpPr txBox="1"/>
-          <p:nvPr/>
-        </p:nvSpPr>
-        <p:spPr>
-          <a:xfrm>
-            <a:off x="8407401" y="2078581"/>
-            <a:ext cx="3052018" cy="1477328"/>
-          </a:xfrm>
-          <a:prstGeom prst="rect">
-            <a:avLst/>
-          </a:prstGeom>
-          <a:noFill/>
-        </p:spPr>
-        <p:txBody>
-          <a:bodyPr wrap="square" rtlCol="0">
-            <a:spAutoFit/>
-          </a:bodyPr>
-          <a:lstStyle/>
-          <a:p>
-            <a:r>
-              <a:rPr lang="en-US" dirty="0">
-                <a:solidFill>
-                  <a:srgbClr val="043D4D"/>
-                </a:solidFill>
-                <a:latin typeface="Arial" panose="020B0604020202020204" pitchFamily="34" charset="0"/>
-                <a:cs typeface="Arial" panose="020B0604020202020204" pitchFamily="34" charset="0"/>
-              </a:rPr>
-              <a:t>With `</a:t>
-            </a:r>
-            <a:r>
-              <a:rPr lang="en-US" dirty="0" err="1">
-                <a:solidFill>
-                  <a:srgbClr val="043D4D"/>
-                </a:solidFill>
-                <a:latin typeface="Arial" panose="020B0604020202020204" pitchFamily="34" charset="0"/>
-                <a:cs typeface="Arial" panose="020B0604020202020204" pitchFamily="34" charset="0"/>
-              </a:rPr>
-              <a:t>edge_type</a:t>
-            </a:r>
-            <a:r>
-              <a:rPr lang="en-US" dirty="0">
-                <a:solidFill>
-                  <a:srgbClr val="043D4D"/>
-                </a:solidFill>
-                <a:latin typeface="Arial" panose="020B0604020202020204" pitchFamily="34" charset="0"/>
-                <a:cs typeface="Arial" panose="020B0604020202020204" pitchFamily="34" charset="0"/>
-              </a:rPr>
-              <a:t>=“ortho”`, the visualizer uses the flags of the source and target nodes to set the pathing rules</a:t>
-            </a:r>
-          </a:p>
-        </p:txBody>
-      </p:sp>
       <p:cxnSp>
         <p:nvCxnSpPr>
-          <p:cNvPr id="2" name="Straight Arrow Connector 1">
-            <a:extLst>
-              <a:ext uri="{FF2B5EF4-FFF2-40B4-BE49-F238E27FC236}">
-                <a16:creationId xmlns:a16="http://schemas.microsoft.com/office/drawing/2014/main" id="{FCC53BCE-08B4-0BFE-738F-56BAE2CAE5FE}"/>
+          <p:cNvPr id="9" name="Straight Arrow Connector 8">
+            <a:extLst>
+              <a:ext uri="{FF2B5EF4-FFF2-40B4-BE49-F238E27FC236}">
+                <a16:creationId xmlns:a16="http://schemas.microsoft.com/office/drawing/2014/main" id="{F129AD86-1D32-3687-7A7C-3D5DBBA4F048}"/>
               </a:ext>
             </a:extLst>
           </p:cNvPr>
@@ -5702,7 +5698,7 @@
         </p:nvCxnSpPr>
         <p:spPr>
           <a:xfrm rot="10800000">
-            <a:off x="7748374" y="2817245"/>
+            <a:off x="8362588" y="5019605"/>
             <a:ext cx="506627" cy="0"/>
           </a:xfrm>
           <a:prstGeom prst="straightConnector1">
@@ -5732,10 +5728,10 @@
       </p:cxnSp>
       <p:sp>
         <p:nvSpPr>
-          <p:cNvPr id="3" name="TextBox 2">
-            <a:extLst>
-              <a:ext uri="{FF2B5EF4-FFF2-40B4-BE49-F238E27FC236}">
-                <a16:creationId xmlns:a16="http://schemas.microsoft.com/office/drawing/2014/main" id="{48C29319-95E1-1F22-2D71-1A2DDB43AF1F}"/>
+          <p:cNvPr id="10" name="TextBox 9">
+            <a:extLst>
+              <a:ext uri="{FF2B5EF4-FFF2-40B4-BE49-F238E27FC236}">
+                <a16:creationId xmlns:a16="http://schemas.microsoft.com/office/drawing/2014/main" id="{CF0D38E0-5A9A-8159-FA28-72D3FFC1AB04}"/>
               </a:ext>
             </a:extLst>
           </p:cNvPr>
@@ -5744,8 +5740,8 @@
         </p:nvSpPr>
         <p:spPr>
           <a:xfrm>
-            <a:off x="6425184" y="6550223"/>
-            <a:ext cx="5766816" cy="307777"/>
+            <a:off x="8995961" y="4003942"/>
+            <a:ext cx="2298357" cy="2031325"/>
           </a:xfrm>
           <a:prstGeom prst="rect">
             <a:avLst/>
@@ -5753,106 +5749,28 @@
           <a:noFill/>
         </p:spPr>
         <p:txBody>
-          <a:bodyPr wrap="square">
+          <a:bodyPr wrap="square" rtlCol="0">
             <a:spAutoFit/>
           </a:bodyPr>
           <a:lstStyle/>
           <a:p>
-            <a:pPr algn="r"/>
-            <a:r>
-              <a:rPr lang="en-US" sz="1400" dirty="0">
+            <a:r>
+              <a:rPr lang="en-US" dirty="0">
                 <a:solidFill>
                   <a:srgbClr val="043D4D"/>
                 </a:solidFill>
                 <a:latin typeface="Arial" panose="020B0604020202020204" pitchFamily="34" charset="0"/>
                 <a:cs typeface="Arial" panose="020B0604020202020204" pitchFamily="34" charset="0"/>
               </a:rPr>
-              <a:t>https://</a:t>
-            </a:r>
-            <a:r>
-              <a:rPr lang="en-US" sz="1400" dirty="0" err="1">
-                <a:solidFill>
-                  <a:srgbClr val="043D4D"/>
-                </a:solidFill>
-                <a:latin typeface="Arial" panose="020B0604020202020204" pitchFamily="34" charset="0"/>
-                <a:cs typeface="Arial" panose="020B0604020202020204" pitchFamily="34" charset="0"/>
-              </a:rPr>
-              <a:t>github.com</a:t>
-            </a:r>
-            <a:r>
-              <a:rPr lang="en-US" sz="1400" dirty="0">
-                <a:solidFill>
-                  <a:srgbClr val="043D4D"/>
-                </a:solidFill>
-                <a:latin typeface="Arial" panose="020B0604020202020204" pitchFamily="34" charset="0"/>
-                <a:cs typeface="Arial" panose="020B0604020202020204" pitchFamily="34" charset="0"/>
-              </a:rPr>
-              <a:t>/</a:t>
-            </a:r>
-            <a:r>
-              <a:rPr lang="en-US" sz="1400" dirty="0" err="1">
-                <a:solidFill>
-                  <a:srgbClr val="043D4D"/>
-                </a:solidFill>
-                <a:latin typeface="Arial" panose="020B0604020202020204" pitchFamily="34" charset="0"/>
-                <a:cs typeface="Arial" panose="020B0604020202020204" pitchFamily="34" charset="0"/>
-              </a:rPr>
-              <a:t>kitchensjn</a:t>
-            </a:r>
-            <a:r>
-              <a:rPr lang="en-US" sz="1400" dirty="0">
-                <a:solidFill>
-                  <a:srgbClr val="043D4D"/>
-                </a:solidFill>
-                <a:latin typeface="Arial" panose="020B0604020202020204" pitchFamily="34" charset="0"/>
-                <a:cs typeface="Arial" panose="020B0604020202020204" pitchFamily="34" charset="0"/>
-              </a:rPr>
-              <a:t>/</a:t>
-            </a:r>
-            <a:r>
-              <a:rPr lang="en-US" sz="1400" dirty="0" err="1">
-                <a:solidFill>
-                  <a:srgbClr val="043D4D"/>
-                </a:solidFill>
-                <a:latin typeface="Arial" panose="020B0604020202020204" pitchFamily="34" charset="0"/>
-                <a:cs typeface="Arial" panose="020B0604020202020204" pitchFamily="34" charset="0"/>
-              </a:rPr>
-              <a:t>tskit_arg_visualizer</a:t>
-            </a:r>
-            <a:r>
-              <a:rPr lang="en-US" sz="1400" dirty="0">
-                <a:solidFill>
-                  <a:srgbClr val="043D4D"/>
-                </a:solidFill>
-                <a:latin typeface="Arial" panose="020B0604020202020204" pitchFamily="34" charset="0"/>
-                <a:cs typeface="Arial" panose="020B0604020202020204" pitchFamily="34" charset="0"/>
-              </a:rPr>
-              <a:t>/blob/main/</a:t>
-            </a:r>
-            <a:r>
-              <a:rPr lang="en-US" sz="1400" dirty="0" err="1">
-                <a:solidFill>
-                  <a:srgbClr val="043D4D"/>
-                </a:solidFill>
-                <a:latin typeface="Arial" panose="020B0604020202020204" pitchFamily="34" charset="0"/>
-                <a:cs typeface="Arial" panose="020B0604020202020204" pitchFamily="34" charset="0"/>
-              </a:rPr>
-              <a:t>pathing.md</a:t>
-            </a:r>
-            <a:endParaRPr lang="en-US" sz="1400" dirty="0">
-              <a:solidFill>
-                <a:srgbClr val="043D4D"/>
-              </a:solidFill>
-              <a:latin typeface="Arial" panose="020B0604020202020204" pitchFamily="34" charset="0"/>
-              <a:cs typeface="Arial" panose="020B0604020202020204" pitchFamily="34" charset="0"/>
-            </a:endParaRPr>
+              <a:t>Ordering of sample nodes is set by the first tree in the tree sequence (these are the only nodes with fixed x-axis positions at the start)</a:t>
+            </a:r>
           </a:p>
         </p:txBody>
       </p:sp>
     </p:spTree>
     <p:extLst>
       <p:ext uri="{BB962C8B-B14F-4D97-AF65-F5344CB8AC3E}">
-        <p14:creationId xmlns:p14="http://schemas.microsoft.com/office/powerpoint/2010/main" val="3760029924"/>
+        <p14:creationId xmlns:p14="http://schemas.microsoft.com/office/powerpoint/2010/main" val="297343203"/>
       </p:ext>
     </p:extLst>
   </p:cSld>
@@ -5881,10 +5799,10 @@
       </p:grpSpPr>
       <p:pic>
         <p:nvPicPr>
-          <p:cNvPr id="2" name="Picture 1" descr="A screenshot of a computer&#10;&#10;Description automatically generated">
-            <a:extLst>
-              <a:ext uri="{FF2B5EF4-FFF2-40B4-BE49-F238E27FC236}">
-                <a16:creationId xmlns:a16="http://schemas.microsoft.com/office/drawing/2014/main" id="{4D0E88CB-6441-2B66-D145-E8AA897002CF}"/>
+          <p:cNvPr id="3" name="Picture 2" descr="A screenshot of a computer&#10;&#10;Description automatically generated">
+            <a:extLst>
+              <a:ext uri="{FF2B5EF4-FFF2-40B4-BE49-F238E27FC236}">
+                <a16:creationId xmlns:a16="http://schemas.microsoft.com/office/drawing/2014/main" id="{7D00EF1F-AB3C-D52D-41E6-2032F295332B}"/>
               </a:ext>
             </a:extLst>
           </p:cNvPr>
@@ -5909,12 +5827,53 @@
           </a:prstGeom>
         </p:spPr>
       </p:pic>
+      <p:sp>
+        <p:nvSpPr>
+          <p:cNvPr id="10" name="TextBox 9">
+            <a:extLst>
+              <a:ext uri="{FF2B5EF4-FFF2-40B4-BE49-F238E27FC236}">
+                <a16:creationId xmlns:a16="http://schemas.microsoft.com/office/drawing/2014/main" id="{CF0D38E0-5A9A-8159-FA28-72D3FFC1AB04}"/>
+              </a:ext>
+            </a:extLst>
+          </p:cNvPr>
+          <p:cNvSpPr txBox="1"/>
+          <p:nvPr/>
+        </p:nvSpPr>
+        <p:spPr>
+          <a:xfrm>
+            <a:off x="6804200" y="509283"/>
+            <a:ext cx="3937371" cy="1200329"/>
+          </a:xfrm>
+          <a:prstGeom prst="rect">
+            <a:avLst/>
+          </a:prstGeom>
+          <a:noFill/>
+        </p:spPr>
+        <p:txBody>
+          <a:bodyPr wrap="square" rtlCol="0">
+            <a:spAutoFit/>
+          </a:bodyPr>
+          <a:lstStyle/>
+          <a:p>
+            <a:r>
+              <a:rPr lang="en-US" dirty="0">
+                <a:solidFill>
+                  <a:srgbClr val="043D4D"/>
+                </a:solidFill>
+                <a:latin typeface="Arial" panose="020B0604020202020204" pitchFamily="34" charset="0"/>
+                <a:cs typeface="Arial" panose="020B0604020202020204" pitchFamily="34" charset="0"/>
+              </a:rPr>
+              <a:t>All nodes are draggable along the x-axis (nodes have fixed y-axis positions); a node’s position becomes fixed after dragging</a:t>
+            </a:r>
+          </a:p>
+        </p:txBody>
+      </p:sp>
       <p:cxnSp>
         <p:nvCxnSpPr>
-          <p:cNvPr id="9" name="Straight Arrow Connector 8">
-            <a:extLst>
-              <a:ext uri="{FF2B5EF4-FFF2-40B4-BE49-F238E27FC236}">
-                <a16:creationId xmlns:a16="http://schemas.microsoft.com/office/drawing/2014/main" id="{F129AD86-1D32-3687-7A7C-3D5DBBA4F048}"/>
+          <p:cNvPr id="2" name="Straight Arrow Connector 1">
+            <a:extLst>
+              <a:ext uri="{FF2B5EF4-FFF2-40B4-BE49-F238E27FC236}">
+                <a16:creationId xmlns:a16="http://schemas.microsoft.com/office/drawing/2014/main" id="{8125081F-7472-3DEB-806E-96B2F2F61F14}"/>
               </a:ext>
             </a:extLst>
           </p:cNvPr>
@@ -5924,8 +5883,8 @@
           <p:nvPr/>
         </p:nvCxnSpPr>
         <p:spPr>
-          <a:xfrm rot="10800000">
-            <a:off x="8362588" y="5019605"/>
+          <a:xfrm rot="9000000">
+            <a:off x="6223325" y="1712961"/>
             <a:ext cx="506627" cy="0"/>
           </a:xfrm>
           <a:prstGeom prst="straightConnector1">
@@ -5953,51 +5912,46 @@
           </a:fontRef>
         </p:style>
       </p:cxnSp>
-      <p:sp>
-        <p:nvSpPr>
-          <p:cNvPr id="10" name="TextBox 9">
-            <a:extLst>
-              <a:ext uri="{FF2B5EF4-FFF2-40B4-BE49-F238E27FC236}">
-                <a16:creationId xmlns:a16="http://schemas.microsoft.com/office/drawing/2014/main" id="{CF0D38E0-5A9A-8159-FA28-72D3FFC1AB04}"/>
-              </a:ext>
-            </a:extLst>
-          </p:cNvPr>
-          <p:cNvSpPr txBox="1"/>
+      <p:pic>
+        <p:nvPicPr>
+          <p:cNvPr id="4" name="Graphic 3" descr="Right pointing backhand index with solid fill">
+            <a:extLst>
+              <a:ext uri="{FF2B5EF4-FFF2-40B4-BE49-F238E27FC236}">
+                <a16:creationId xmlns:a16="http://schemas.microsoft.com/office/drawing/2014/main" id="{DDBA9612-5EB4-408F-B239-F2B366788BE5}"/>
+              </a:ext>
+            </a:extLst>
+          </p:cNvPr>
+          <p:cNvPicPr>
+            <a:picLocks noChangeAspect="1"/>
+          </p:cNvPicPr>
           <p:nvPr/>
-        </p:nvSpPr>
-        <p:spPr>
-          <a:xfrm>
-            <a:off x="8995961" y="4003942"/>
-            <a:ext cx="2298357" cy="2031325"/>
+        </p:nvPicPr>
+        <p:blipFill>
+          <a:blip r:embed="rId3">
+            <a:extLst>
+              <a:ext uri="{96DAC541-7B7A-43D3-8B79-37D633B846F1}">
+                <asvg:svgBlip xmlns:asvg="http://schemas.microsoft.com/office/drawing/2016/SVG/main" r:embed="rId4"/>
+              </a:ext>
+            </a:extLst>
+          </a:blip>
+          <a:stretch>
+            <a:fillRect/>
+          </a:stretch>
+        </p:blipFill>
+        <p:spPr>
+          <a:xfrm rot="15969267">
+            <a:off x="5857476" y="1892587"/>
+            <a:ext cx="400359" cy="400359"/>
           </a:xfrm>
           <a:prstGeom prst="rect">
             <a:avLst/>
           </a:prstGeom>
-          <a:noFill/>
-        </p:spPr>
-        <p:txBody>
-          <a:bodyPr wrap="square" rtlCol="0">
-            <a:spAutoFit/>
-          </a:bodyPr>
-          <a:lstStyle/>
-          <a:p>
-            <a:r>
-              <a:rPr lang="en-US" dirty="0">
-                <a:solidFill>
-                  <a:srgbClr val="043D4D"/>
-                </a:solidFill>
-                <a:latin typeface="Arial" panose="020B0604020202020204" pitchFamily="34" charset="0"/>
-                <a:cs typeface="Arial" panose="020B0604020202020204" pitchFamily="34" charset="0"/>
-              </a:rPr>
-              <a:t>Ordering of sample nodes is set by the first tree in the tree sequence (these are the only nodes with fixed x-axis positions at the start)</a:t>
-            </a:r>
-          </a:p>
-        </p:txBody>
-      </p:sp>
+        </p:spPr>
+      </p:pic>
     </p:spTree>
     <p:extLst>
       <p:ext uri="{BB962C8B-B14F-4D97-AF65-F5344CB8AC3E}">
-        <p14:creationId xmlns:p14="http://schemas.microsoft.com/office/powerpoint/2010/main" val="297343203"/>
+        <p14:creationId xmlns:p14="http://schemas.microsoft.com/office/powerpoint/2010/main" val="1617870256"/>
       </p:ext>
     </p:extLst>
   </p:cSld>
@@ -6026,10 +5980,10 @@
       </p:grpSpPr>
       <p:pic>
         <p:nvPicPr>
-          <p:cNvPr id="3" name="Picture 2" descr="A screenshot of a computer&#10;&#10;Description automatically generated">
-            <a:extLst>
-              <a:ext uri="{FF2B5EF4-FFF2-40B4-BE49-F238E27FC236}">
-                <a16:creationId xmlns:a16="http://schemas.microsoft.com/office/drawing/2014/main" id="{7D00EF1F-AB3C-D52D-41E6-2032F295332B}"/>
+          <p:cNvPr id="2" name="Picture 1" descr="A screenshot of a computer&#10;&#10;Description automatically generated">
+            <a:extLst>
+              <a:ext uri="{FF2B5EF4-FFF2-40B4-BE49-F238E27FC236}">
+                <a16:creationId xmlns:a16="http://schemas.microsoft.com/office/drawing/2014/main" id="{4DA364D9-AB13-AD0F-82A6-F9CA9B43AE2E}"/>
               </a:ext>
             </a:extLst>
           </p:cNvPr>
@@ -6054,53 +6008,12 @@
           </a:prstGeom>
         </p:spPr>
       </p:pic>
-      <p:sp>
-        <p:nvSpPr>
-          <p:cNvPr id="10" name="TextBox 9">
-            <a:extLst>
-              <a:ext uri="{FF2B5EF4-FFF2-40B4-BE49-F238E27FC236}">
-                <a16:creationId xmlns:a16="http://schemas.microsoft.com/office/drawing/2014/main" id="{CF0D38E0-5A9A-8159-FA28-72D3FFC1AB04}"/>
-              </a:ext>
-            </a:extLst>
-          </p:cNvPr>
-          <p:cNvSpPr txBox="1"/>
-          <p:nvPr/>
-        </p:nvSpPr>
-        <p:spPr>
-          <a:xfrm>
-            <a:off x="6804200" y="509283"/>
-            <a:ext cx="3937371" cy="1200329"/>
-          </a:xfrm>
-          <a:prstGeom prst="rect">
-            <a:avLst/>
-          </a:prstGeom>
-          <a:noFill/>
-        </p:spPr>
-        <p:txBody>
-          <a:bodyPr wrap="square" rtlCol="0">
-            <a:spAutoFit/>
-          </a:bodyPr>
-          <a:lstStyle/>
-          <a:p>
-            <a:r>
-              <a:rPr lang="en-US" dirty="0">
-                <a:solidFill>
-                  <a:srgbClr val="043D4D"/>
-                </a:solidFill>
-                <a:latin typeface="Arial" panose="020B0604020202020204" pitchFamily="34" charset="0"/>
-                <a:cs typeface="Arial" panose="020B0604020202020204" pitchFamily="34" charset="0"/>
-              </a:rPr>
-              <a:t>All nodes are draggable along the x-axis (nodes have fixed y-axis positions); a node’s position becomes fixed after dragging</a:t>
-            </a:r>
-          </a:p>
-        </p:txBody>
-      </p:sp>
       <p:cxnSp>
         <p:nvCxnSpPr>
-          <p:cNvPr id="2" name="Straight Arrow Connector 1">
-            <a:extLst>
-              <a:ext uri="{FF2B5EF4-FFF2-40B4-BE49-F238E27FC236}">
-                <a16:creationId xmlns:a16="http://schemas.microsoft.com/office/drawing/2014/main" id="{8125081F-7472-3DEB-806E-96B2F2F61F14}"/>
+          <p:cNvPr id="4" name="Straight Arrow Connector 3">
+            <a:extLst>
+              <a:ext uri="{FF2B5EF4-FFF2-40B4-BE49-F238E27FC236}">
+                <a16:creationId xmlns:a16="http://schemas.microsoft.com/office/drawing/2014/main" id="{7FC52C38-F35F-6B46-FD51-3B2A74FE1E5B}"/>
               </a:ext>
             </a:extLst>
           </p:cNvPr>
@@ -6110,8 +6023,8 @@
           <p:nvPr/>
         </p:nvCxnSpPr>
         <p:spPr>
-          <a:xfrm rot="9000000">
-            <a:off x="6223325" y="1712961"/>
+          <a:xfrm>
+            <a:off x="3469945" y="5800284"/>
             <a:ext cx="506627" cy="0"/>
           </a:xfrm>
           <a:prstGeom prst="straightConnector1">
@@ -6139,46 +6052,61 @@
           </a:fontRef>
         </p:style>
       </p:cxnSp>
-      <p:pic>
-        <p:nvPicPr>
-          <p:cNvPr id="4" name="Graphic 3" descr="Right pointing backhand index with solid fill">
-            <a:extLst>
-              <a:ext uri="{FF2B5EF4-FFF2-40B4-BE49-F238E27FC236}">
-                <a16:creationId xmlns:a16="http://schemas.microsoft.com/office/drawing/2014/main" id="{DDBA9612-5EB4-408F-B239-F2B366788BE5}"/>
-              </a:ext>
-            </a:extLst>
-          </p:cNvPr>
-          <p:cNvPicPr>
-            <a:picLocks noChangeAspect="1"/>
-          </p:cNvPicPr>
+      <p:sp>
+        <p:nvSpPr>
+          <p:cNvPr id="5" name="TextBox 4">
+            <a:extLst>
+              <a:ext uri="{FF2B5EF4-FFF2-40B4-BE49-F238E27FC236}">
+                <a16:creationId xmlns:a16="http://schemas.microsoft.com/office/drawing/2014/main" id="{134118FB-E13B-1278-BC7D-680E352E297D}"/>
+              </a:ext>
+            </a:extLst>
+          </p:cNvPr>
+          <p:cNvSpPr txBox="1"/>
           <p:nvPr/>
-        </p:nvPicPr>
-        <p:blipFill>
-          <a:blip r:embed="rId3">
-            <a:extLst>
-              <a:ext uri="{96DAC541-7B7A-43D3-8B79-37D633B846F1}">
-                <asvg:svgBlip xmlns:asvg="http://schemas.microsoft.com/office/drawing/2016/SVG/main" r:embed="rId4"/>
-              </a:ext>
-            </a:extLst>
-          </a:blip>
-          <a:stretch>
-            <a:fillRect/>
-          </a:stretch>
-        </p:blipFill>
-        <p:spPr>
-          <a:xfrm rot="15969267">
-            <a:off x="5857476" y="1892587"/>
-            <a:ext cx="400359" cy="400359"/>
+        </p:nvSpPr>
+        <p:spPr>
+          <a:xfrm>
+            <a:off x="1135640" y="5200119"/>
+            <a:ext cx="2298357" cy="1200329"/>
           </a:xfrm>
           <a:prstGeom prst="rect">
             <a:avLst/>
           </a:prstGeom>
-        </p:spPr>
-      </p:pic>
+          <a:noFill/>
+        </p:spPr>
+        <p:txBody>
+          <a:bodyPr wrap="square" rtlCol="0">
+            <a:spAutoFit/>
+          </a:bodyPr>
+          <a:lstStyle/>
+          <a:p>
+            <a:r>
+              <a:rPr lang="en-US" dirty="0" err="1">
+                <a:solidFill>
+                  <a:srgbClr val="043D4D"/>
+                </a:solidFill>
+                <a:latin typeface="Arial" panose="020B0604020202020204" pitchFamily="34" charset="0"/>
+                <a:cs typeface="Arial" panose="020B0604020202020204" pitchFamily="34" charset="0"/>
+              </a:rPr>
+              <a:t>Hoverable</a:t>
+            </a:r>
+            <a:r>
+              <a:rPr lang="en-US" dirty="0">
+                <a:solidFill>
+                  <a:srgbClr val="043D4D"/>
+                </a:solidFill>
+                <a:latin typeface="Arial" panose="020B0604020202020204" pitchFamily="34" charset="0"/>
+                <a:cs typeface="Arial" panose="020B0604020202020204" pitchFamily="34" charset="0"/>
+              </a:rPr>
+              <a:t> blocks corresponding to the different trees in the tree sequence</a:t>
+            </a:r>
+          </a:p>
+        </p:txBody>
+      </p:sp>
     </p:spTree>
     <p:extLst>
       <p:ext uri="{BB962C8B-B14F-4D97-AF65-F5344CB8AC3E}">
-        <p14:creationId xmlns:p14="http://schemas.microsoft.com/office/powerpoint/2010/main" val="1617870256"/>
+        <p14:creationId xmlns:p14="http://schemas.microsoft.com/office/powerpoint/2010/main" val="3706269338"/>
       </p:ext>
     </p:extLst>
   </p:cSld>
@@ -6207,10 +6135,10 @@
       </p:grpSpPr>
       <p:pic>
         <p:nvPicPr>
-          <p:cNvPr id="2" name="Picture 1" descr="A screenshot of a computer&#10;&#10;Description automatically generated">
-            <a:extLst>
-              <a:ext uri="{FF2B5EF4-FFF2-40B4-BE49-F238E27FC236}">
-                <a16:creationId xmlns:a16="http://schemas.microsoft.com/office/drawing/2014/main" id="{4DA364D9-AB13-AD0F-82A6-F9CA9B43AE2E}"/>
+          <p:cNvPr id="4" name="Picture 3" descr="A screenshot of a computer&#10;&#10;Description automatically generated">
+            <a:extLst>
+              <a:ext uri="{FF2B5EF4-FFF2-40B4-BE49-F238E27FC236}">
+                <a16:creationId xmlns:a16="http://schemas.microsoft.com/office/drawing/2014/main" id="{AC506128-D57B-65C7-C190-CDDBAFE75922}"/>
               </a:ext>
             </a:extLst>
           </p:cNvPr>
@@ -6237,10 +6165,10 @@
       </p:pic>
       <p:cxnSp>
         <p:nvCxnSpPr>
-          <p:cNvPr id="4" name="Straight Arrow Connector 3">
-            <a:extLst>
-              <a:ext uri="{FF2B5EF4-FFF2-40B4-BE49-F238E27FC236}">
-                <a16:creationId xmlns:a16="http://schemas.microsoft.com/office/drawing/2014/main" id="{7FC52C38-F35F-6B46-FD51-3B2A74FE1E5B}"/>
+          <p:cNvPr id="2" name="Straight Arrow Connector 1">
+            <a:extLst>
+              <a:ext uri="{FF2B5EF4-FFF2-40B4-BE49-F238E27FC236}">
+                <a16:creationId xmlns:a16="http://schemas.microsoft.com/office/drawing/2014/main" id="{E47B28F6-E880-10DD-751B-6767312ABE3A}"/>
               </a:ext>
             </a:extLst>
           </p:cNvPr>
@@ -6250,8 +6178,8 @@
           <p:nvPr/>
         </p:nvCxnSpPr>
         <p:spPr>
-          <a:xfrm>
-            <a:off x="3469945" y="5800284"/>
+          <a:xfrm flipH="1">
+            <a:off x="6537436" y="775597"/>
             <a:ext cx="506627" cy="0"/>
           </a:xfrm>
           <a:prstGeom prst="straightConnector1">
@@ -6281,10 +6209,10 @@
       </p:cxnSp>
       <p:sp>
         <p:nvSpPr>
-          <p:cNvPr id="5" name="TextBox 4">
-            <a:extLst>
-              <a:ext uri="{FF2B5EF4-FFF2-40B4-BE49-F238E27FC236}">
-                <a16:creationId xmlns:a16="http://schemas.microsoft.com/office/drawing/2014/main" id="{134118FB-E13B-1278-BC7D-680E352E297D}"/>
+          <p:cNvPr id="3" name="TextBox 2">
+            <a:extLst>
+              <a:ext uri="{FF2B5EF4-FFF2-40B4-BE49-F238E27FC236}">
+                <a16:creationId xmlns:a16="http://schemas.microsoft.com/office/drawing/2014/main" id="{64B4708C-B0E1-CC6E-2B75-A7AC7F57D981}"/>
               </a:ext>
             </a:extLst>
           </p:cNvPr>
@@ -6293,8 +6221,8 @@
         </p:nvSpPr>
         <p:spPr>
           <a:xfrm>
-            <a:off x="1135640" y="5200119"/>
-            <a:ext cx="2298357" cy="1200329"/>
+            <a:off x="7170345" y="316957"/>
+            <a:ext cx="4363769" cy="1200329"/>
           </a:xfrm>
           <a:prstGeom prst="rect">
             <a:avLst/>
@@ -6308,24 +6236,14 @@
           <a:lstStyle/>
           <a:p>
             <a:r>
-              <a:rPr lang="en-US" dirty="0" err="1">
+              <a:rPr lang="en-US" dirty="0">
                 <a:solidFill>
                   <a:srgbClr val="043D4D"/>
                 </a:solidFill>
                 <a:latin typeface="Arial" panose="020B0604020202020204" pitchFamily="34" charset="0"/>
                 <a:cs typeface="Arial" panose="020B0604020202020204" pitchFamily="34" charset="0"/>
               </a:rPr>
-              <a:t>Hoverable</a:t>
-            </a:r>
-            <a:r>
-              <a:rPr lang="en-US" dirty="0">
-                <a:solidFill>
-                  <a:srgbClr val="043D4D"/>
-                </a:solidFill>
-                <a:latin typeface="Arial" panose="020B0604020202020204" pitchFamily="34" charset="0"/>
-                <a:cs typeface="Arial" panose="020B0604020202020204" pitchFamily="34" charset="0"/>
-              </a:rPr>
-              <a:t> blocks corresponding to the different trees in the tree sequence</a:t>
+              <a:t>Reheat Simulation (experimental): this unfixes the x-axis positions of all nodes except the samples and allows the simulation to reposition the nodes</a:t>
             </a:r>
           </a:p>
         </p:txBody>
@@ -6333,7 +6251,7 @@
     </p:spTree>
     <p:extLst>
       <p:ext uri="{BB962C8B-B14F-4D97-AF65-F5344CB8AC3E}">
-        <p14:creationId xmlns:p14="http://schemas.microsoft.com/office/powerpoint/2010/main" val="3706269338"/>
+        <p14:creationId xmlns:p14="http://schemas.microsoft.com/office/powerpoint/2010/main" val="367473304"/>
       </p:ext>
     </p:extLst>
   </p:cSld>
@@ -6665,10 +6583,10 @@
       </p:grpSpPr>
       <p:pic>
         <p:nvPicPr>
-          <p:cNvPr id="4" name="Picture 3" descr="A screenshot of a computer&#10;&#10;Description automatically generated">
-            <a:extLst>
-              <a:ext uri="{FF2B5EF4-FFF2-40B4-BE49-F238E27FC236}">
-                <a16:creationId xmlns:a16="http://schemas.microsoft.com/office/drawing/2014/main" id="{AC506128-D57B-65C7-C190-CDDBAFE75922}"/>
+          <p:cNvPr id="2" name="Picture 1" descr="A screenshot of a computer&#10;&#10;Description automatically generated">
+            <a:extLst>
+              <a:ext uri="{FF2B5EF4-FFF2-40B4-BE49-F238E27FC236}">
+                <a16:creationId xmlns:a16="http://schemas.microsoft.com/office/drawing/2014/main" id="{B8255DB8-90B3-89F2-4B35-C51F66C4A82D}"/>
               </a:ext>
             </a:extLst>
           </p:cNvPr>
@@ -6693,12 +6611,62 @@
           </a:prstGeom>
         </p:spPr>
       </p:pic>
+      <p:sp>
+        <p:nvSpPr>
+          <p:cNvPr id="9" name="Rectangle 8">
+            <a:extLst>
+              <a:ext uri="{FF2B5EF4-FFF2-40B4-BE49-F238E27FC236}">
+                <a16:creationId xmlns:a16="http://schemas.microsoft.com/office/drawing/2014/main" id="{8032ADFE-4D7D-2EFE-FE06-7EB77C77CC46}"/>
+              </a:ext>
+            </a:extLst>
+          </p:cNvPr>
+          <p:cNvSpPr/>
+          <p:nvPr/>
+        </p:nvSpPr>
+        <p:spPr>
+          <a:xfrm>
+            <a:off x="8573050" y="1555751"/>
+            <a:ext cx="3428450" cy="3622351"/>
+          </a:xfrm>
+          <a:prstGeom prst="rect">
+            <a:avLst/>
+          </a:prstGeom>
+          <a:solidFill>
+            <a:srgbClr val="F5F5F5"/>
+          </a:solidFill>
+          <a:ln w="38100"/>
+        </p:spPr>
+        <p:style>
+          <a:lnRef idx="2">
+            <a:schemeClr val="accent1">
+              <a:shade val="15000"/>
+            </a:schemeClr>
+          </a:lnRef>
+          <a:fillRef idx="1">
+            <a:schemeClr val="accent1"/>
+          </a:fillRef>
+          <a:effectRef idx="0">
+            <a:schemeClr val="accent1"/>
+          </a:effectRef>
+          <a:fontRef idx="minor">
+            <a:schemeClr val="lt1"/>
+          </a:fontRef>
+        </p:style>
+        <p:txBody>
+          <a:bodyPr rtlCol="0" anchor="ctr"/>
+          <a:lstStyle/>
+          <a:p>
+            <a:pPr algn="ctr"/>
+            <a:endParaRPr lang="en-US"/>
+          </a:p>
+        </p:txBody>
+      </p:sp>
       <p:cxnSp>
         <p:nvCxnSpPr>
-          <p:cNvPr id="2" name="Straight Arrow Connector 1">
-            <a:extLst>
-              <a:ext uri="{FF2B5EF4-FFF2-40B4-BE49-F238E27FC236}">
-                <a16:creationId xmlns:a16="http://schemas.microsoft.com/office/drawing/2014/main" id="{E47B28F6-E880-10DD-751B-6767312ABE3A}"/>
+          <p:cNvPr id="4" name="Straight Arrow Connector 3">
+            <a:extLst>
+              <a:ext uri="{FF2B5EF4-FFF2-40B4-BE49-F238E27FC236}">
+                <a16:creationId xmlns:a16="http://schemas.microsoft.com/office/drawing/2014/main" id="{8865EE20-8F00-DE58-F370-C90883DB53BC}"/>
               </a:ext>
             </a:extLst>
           </p:cNvPr>
@@ -6708,8 +6676,8 @@
           <p:nvPr/>
         </p:nvCxnSpPr>
         <p:spPr>
-          <a:xfrm flipH="1">
-            <a:off x="6537436" y="775597"/>
+          <a:xfrm rot="10800000" flipH="1">
+            <a:off x="5231375" y="778033"/>
             <a:ext cx="506627" cy="0"/>
           </a:xfrm>
           <a:prstGeom prst="straightConnector1">
@@ -6739,10 +6707,10 @@
       </p:cxnSp>
       <p:sp>
         <p:nvSpPr>
-          <p:cNvPr id="3" name="TextBox 2">
-            <a:extLst>
-              <a:ext uri="{FF2B5EF4-FFF2-40B4-BE49-F238E27FC236}">
-                <a16:creationId xmlns:a16="http://schemas.microsoft.com/office/drawing/2014/main" id="{64B4708C-B0E1-CC6E-2B75-A7AC7F57D981}"/>
+          <p:cNvPr id="5" name="TextBox 4">
+            <a:extLst>
+              <a:ext uri="{FF2B5EF4-FFF2-40B4-BE49-F238E27FC236}">
+                <a16:creationId xmlns:a16="http://schemas.microsoft.com/office/drawing/2014/main" id="{220A9610-CBC7-3A91-94EE-69BAF36E6CF3}"/>
               </a:ext>
             </a:extLst>
           </p:cNvPr>
@@ -6751,8 +6719,8 @@
         </p:nvSpPr>
         <p:spPr>
           <a:xfrm>
-            <a:off x="7170345" y="316957"/>
-            <a:ext cx="4363769" cy="1200329"/>
+            <a:off x="1098533" y="177869"/>
+            <a:ext cx="4052965" cy="1200329"/>
           </a:xfrm>
           <a:prstGeom prst="rect">
             <a:avLst/>
@@ -6773,15 +6741,151 @@
                 <a:latin typeface="Arial" panose="020B0604020202020204" pitchFamily="34" charset="0"/>
                 <a:cs typeface="Arial" panose="020B0604020202020204" pitchFamily="34" charset="0"/>
               </a:rPr>
-              <a:t>Reheat Simulation (experimental): this unfixes the x-axis positions of all nodes except the samples and allows the simulation to reposition the nodes</a:t>
-            </a:r>
-          </a:p>
-        </p:txBody>
-      </p:sp>
+              <a:t>JSON object is updated as the simulation runs, which means this can be copied, giving user’s the ability to replicate figures</a:t>
+            </a:r>
+          </a:p>
+        </p:txBody>
+      </p:sp>
+      <p:sp>
+        <p:nvSpPr>
+          <p:cNvPr id="10" name="TextBox 9">
+            <a:extLst>
+              <a:ext uri="{FF2B5EF4-FFF2-40B4-BE49-F238E27FC236}">
+                <a16:creationId xmlns:a16="http://schemas.microsoft.com/office/drawing/2014/main" id="{1CDA38C4-92D6-1DEC-F0AD-1B762D1162A9}"/>
+              </a:ext>
+            </a:extLst>
+          </p:cNvPr>
+          <p:cNvSpPr txBox="1"/>
+          <p:nvPr/>
+        </p:nvSpPr>
+        <p:spPr>
+          <a:xfrm>
+            <a:off x="8641630" y="1679898"/>
+            <a:ext cx="3302720" cy="2339102"/>
+          </a:xfrm>
+          <a:prstGeom prst="rect">
+            <a:avLst/>
+          </a:prstGeom>
+          <a:noFill/>
+          <a:ln>
+            <a:noFill/>
+          </a:ln>
+        </p:spPr>
+        <p:txBody>
+          <a:bodyPr wrap="square" rtlCol="0">
+            <a:spAutoFit/>
+          </a:bodyPr>
+          <a:lstStyle/>
+          <a:p>
+            <a:pPr algn="ctr"/>
+            <a:r>
+              <a:rPr lang="en-US" sz="2800" dirty="0">
+                <a:solidFill>
+                  <a:srgbClr val="043D4D"/>
+                </a:solidFill>
+                <a:latin typeface="Arial" panose="020B0604020202020204" pitchFamily="34" charset="0"/>
+                <a:cs typeface="Arial" panose="020B0604020202020204" pitchFamily="34" charset="0"/>
+              </a:rPr>
+              <a:t>Steps to Replicate a Figure</a:t>
+            </a:r>
+          </a:p>
+          <a:p>
+            <a:endParaRPr lang="en-US" dirty="0">
+              <a:solidFill>
+                <a:srgbClr val="043D4D"/>
+              </a:solidFill>
+              <a:latin typeface="Arial" panose="020B0604020202020204" pitchFamily="34" charset="0"/>
+              <a:cs typeface="Arial" panose="020B0604020202020204" pitchFamily="34" charset="0"/>
+            </a:endParaRPr>
+          </a:p>
+          <a:p>
+            <a:r>
+              <a:rPr lang="en-US" dirty="0">
+                <a:solidFill>
+                  <a:srgbClr val="043D4D"/>
+                </a:solidFill>
+                <a:latin typeface="Arial" panose="020B0604020202020204" pitchFamily="34" charset="0"/>
+                <a:cs typeface="Arial" panose="020B0604020202020204" pitchFamily="34" charset="0"/>
+              </a:rPr>
+              <a:t>Paste the copied JSON object into a “.</a:t>
+            </a:r>
+            <a:r>
+              <a:rPr lang="en-US" dirty="0" err="1">
+                <a:solidFill>
+                  <a:srgbClr val="043D4D"/>
+                </a:solidFill>
+                <a:latin typeface="Arial" panose="020B0604020202020204" pitchFamily="34" charset="0"/>
+                <a:cs typeface="Arial" panose="020B0604020202020204" pitchFamily="34" charset="0"/>
+              </a:rPr>
+              <a:t>json</a:t>
+            </a:r>
+            <a:r>
+              <a:rPr lang="en-US" dirty="0">
+                <a:solidFill>
+                  <a:srgbClr val="043D4D"/>
+                </a:solidFill>
+                <a:latin typeface="Arial" panose="020B0604020202020204" pitchFamily="34" charset="0"/>
+                <a:cs typeface="Arial" panose="020B0604020202020204" pitchFamily="34" charset="0"/>
+              </a:rPr>
+              <a:t>” file and run the following (replacing “</a:t>
+            </a:r>
+            <a:r>
+              <a:rPr lang="en-US" dirty="0" err="1">
+                <a:solidFill>
+                  <a:srgbClr val="043D4D"/>
+                </a:solidFill>
+                <a:latin typeface="Arial" panose="020B0604020202020204" pitchFamily="34" charset="0"/>
+                <a:cs typeface="Arial" panose="020B0604020202020204" pitchFamily="34" charset="0"/>
+              </a:rPr>
+              <a:t>example.json</a:t>
+            </a:r>
+            <a:r>
+              <a:rPr lang="en-US" dirty="0">
+                <a:solidFill>
+                  <a:srgbClr val="043D4D"/>
+                </a:solidFill>
+                <a:latin typeface="Arial" panose="020B0604020202020204" pitchFamily="34" charset="0"/>
+                <a:cs typeface="Arial" panose="020B0604020202020204" pitchFamily="34" charset="0"/>
+              </a:rPr>
+              <a:t>” with your file):</a:t>
+            </a:r>
+          </a:p>
+        </p:txBody>
+      </p:sp>
+      <p:pic>
+        <p:nvPicPr>
+          <p:cNvPr id="7" name="Picture 6" descr="A close-up of a computer code&#10;&#10;Description automatically generated">
+            <a:extLst>
+              <a:ext uri="{FF2B5EF4-FFF2-40B4-BE49-F238E27FC236}">
+                <a16:creationId xmlns:a16="http://schemas.microsoft.com/office/drawing/2014/main" id="{4CD426A4-E27A-5C27-BC99-EC436F28825C}"/>
+              </a:ext>
+            </a:extLst>
+          </p:cNvPr>
+          <p:cNvPicPr>
+            <a:picLocks noChangeAspect="1"/>
+          </p:cNvPicPr>
+          <p:nvPr/>
+        </p:nvPicPr>
+        <p:blipFill>
+          <a:blip r:embed="rId3"/>
+          <a:stretch>
+            <a:fillRect/>
+          </a:stretch>
+        </p:blipFill>
+        <p:spPr>
+          <a:xfrm>
+            <a:off x="8753608" y="4239932"/>
+            <a:ext cx="3067333" cy="717237"/>
+          </a:xfrm>
+          <a:prstGeom prst="rect">
+            <a:avLst/>
+          </a:prstGeom>
+        </p:spPr>
+      </p:pic>
     </p:spTree>
     <p:extLst>
       <p:ext uri="{BB962C8B-B14F-4D97-AF65-F5344CB8AC3E}">
-        <p14:creationId xmlns:p14="http://schemas.microsoft.com/office/powerpoint/2010/main" val="367473304"/>
+        <p14:creationId xmlns:p14="http://schemas.microsoft.com/office/powerpoint/2010/main" val="3275529585"/>
       </p:ext>
     </p:extLst>
   </p:cSld>
@@ -6810,10 +6914,10 @@
       </p:grpSpPr>
       <p:pic>
         <p:nvPicPr>
-          <p:cNvPr id="2" name="Picture 1" descr="A screenshot of a computer&#10;&#10;Description automatically generated">
-            <a:extLst>
-              <a:ext uri="{FF2B5EF4-FFF2-40B4-BE49-F238E27FC236}">
-                <a16:creationId xmlns:a16="http://schemas.microsoft.com/office/drawing/2014/main" id="{B8255DB8-90B3-89F2-4B35-C51F66C4A82D}"/>
+          <p:cNvPr id="3" name="Picture 2" descr="A screenshot of a graph&#10;&#10;Description automatically generated">
+            <a:extLst>
+              <a:ext uri="{FF2B5EF4-FFF2-40B4-BE49-F238E27FC236}">
+                <a16:creationId xmlns:a16="http://schemas.microsoft.com/office/drawing/2014/main" id="{9B58C493-FF43-266A-7C82-74E0C754F962}"/>
               </a:ext>
             </a:extLst>
           </p:cNvPr>
@@ -6822,16 +6926,15 @@
           </p:cNvPicPr>
           <p:nvPr/>
         </p:nvPicPr>
-        <p:blipFill>
+        <p:blipFill rotWithShape="1">
           <a:blip r:embed="rId2"/>
-          <a:stretch>
-            <a:fillRect/>
-          </a:stretch>
+          <a:srcRect t="7186"/>
+          <a:stretch/>
         </p:blipFill>
         <p:spPr>
           <a:xfrm>
-            <a:off x="3360167" y="509283"/>
-            <a:ext cx="5471667" cy="5839434"/>
+            <a:off x="1148577" y="1816290"/>
+            <a:ext cx="4560846" cy="4527921"/>
           </a:xfrm>
           <a:prstGeom prst="rect">
             <a:avLst/>
@@ -6840,104 +6943,10 @@
       </p:pic>
       <p:sp>
         <p:nvSpPr>
-          <p:cNvPr id="9" name="Rectangle 8">
-            <a:extLst>
-              <a:ext uri="{FF2B5EF4-FFF2-40B4-BE49-F238E27FC236}">
-                <a16:creationId xmlns:a16="http://schemas.microsoft.com/office/drawing/2014/main" id="{8032ADFE-4D7D-2EFE-FE06-7EB77C77CC46}"/>
-              </a:ext>
-            </a:extLst>
-          </p:cNvPr>
-          <p:cNvSpPr/>
-          <p:nvPr/>
-        </p:nvSpPr>
-        <p:spPr>
-          <a:xfrm>
-            <a:off x="8573050" y="1555751"/>
-            <a:ext cx="3428450" cy="3622351"/>
-          </a:xfrm>
-          <a:prstGeom prst="rect">
-            <a:avLst/>
-          </a:prstGeom>
-          <a:solidFill>
-            <a:srgbClr val="F5F5F5"/>
-          </a:solidFill>
-          <a:ln w="38100"/>
-        </p:spPr>
-        <p:style>
-          <a:lnRef idx="2">
-            <a:schemeClr val="accent1">
-              <a:shade val="15000"/>
-            </a:schemeClr>
-          </a:lnRef>
-          <a:fillRef idx="1">
-            <a:schemeClr val="accent1"/>
-          </a:fillRef>
-          <a:effectRef idx="0">
-            <a:schemeClr val="accent1"/>
-          </a:effectRef>
-          <a:fontRef idx="minor">
-            <a:schemeClr val="lt1"/>
-          </a:fontRef>
-        </p:style>
-        <p:txBody>
-          <a:bodyPr rtlCol="0" anchor="ctr"/>
-          <a:lstStyle/>
-          <a:p>
-            <a:pPr algn="ctr"/>
-            <a:endParaRPr lang="en-US"/>
-          </a:p>
-        </p:txBody>
-      </p:sp>
-      <p:cxnSp>
-        <p:nvCxnSpPr>
-          <p:cNvPr id="4" name="Straight Arrow Connector 3">
-            <a:extLst>
-              <a:ext uri="{FF2B5EF4-FFF2-40B4-BE49-F238E27FC236}">
-                <a16:creationId xmlns:a16="http://schemas.microsoft.com/office/drawing/2014/main" id="{8865EE20-8F00-DE58-F370-C90883DB53BC}"/>
-              </a:ext>
-            </a:extLst>
-          </p:cNvPr>
-          <p:cNvCxnSpPr>
-            <a:cxnSpLocks/>
-          </p:cNvCxnSpPr>
-          <p:nvPr/>
-        </p:nvCxnSpPr>
-        <p:spPr>
-          <a:xfrm rot="10800000" flipH="1">
-            <a:off x="5231375" y="778033"/>
-            <a:ext cx="506627" cy="0"/>
-          </a:xfrm>
-          <a:prstGeom prst="straightConnector1">
-            <a:avLst/>
-          </a:prstGeom>
-          <a:ln w="63500">
-            <a:solidFill>
-              <a:srgbClr val="043D4D"/>
-            </a:solidFill>
-            <a:tailEnd type="triangle"/>
-          </a:ln>
-        </p:spPr>
-        <p:style>
-          <a:lnRef idx="1">
-            <a:schemeClr val="accent1"/>
-          </a:lnRef>
-          <a:fillRef idx="0">
-            <a:schemeClr val="accent1"/>
-          </a:fillRef>
-          <a:effectRef idx="0">
-            <a:schemeClr val="accent1"/>
-          </a:effectRef>
-          <a:fontRef idx="minor">
-            <a:schemeClr val="tx1"/>
-          </a:fontRef>
-        </p:style>
-      </p:cxnSp>
-      <p:sp>
-        <p:nvSpPr>
           <p:cNvPr id="5" name="TextBox 4">
             <a:extLst>
               <a:ext uri="{FF2B5EF4-FFF2-40B4-BE49-F238E27FC236}">
-                <a16:creationId xmlns:a16="http://schemas.microsoft.com/office/drawing/2014/main" id="{220A9610-CBC7-3A91-94EE-69BAF36E6CF3}"/>
+                <a16:creationId xmlns:a16="http://schemas.microsoft.com/office/drawing/2014/main" id="{6D006505-1806-2ECF-1FAC-7227B64795FA}"/>
               </a:ext>
             </a:extLst>
           </p:cNvPr>
@@ -6946,8 +6955,8 @@
         </p:nvSpPr>
         <p:spPr>
           <a:xfrm>
-            <a:off x="1098533" y="177869"/>
-            <a:ext cx="4052965" cy="1200329"/>
+            <a:off x="722517" y="492851"/>
+            <a:ext cx="9336723" cy="1323439"/>
           </a:xfrm>
           <a:prstGeom prst="rect">
             <a:avLst/>
@@ -6955,69 +6964,221 @@
           <a:noFill/>
         </p:spPr>
         <p:txBody>
-          <a:bodyPr wrap="square" rtlCol="0">
+          <a:bodyPr wrap="none" rtlCol="0">
             <a:spAutoFit/>
           </a:bodyPr>
           <a:lstStyle/>
           <a:p>
             <a:r>
-              <a:rPr lang="en-US" dirty="0">
+              <a:rPr lang="en-US" sz="8000" dirty="0">
                 <a:solidFill>
                   <a:srgbClr val="043D4D"/>
                 </a:solidFill>
-                <a:latin typeface="Arial" panose="020B0604020202020204" pitchFamily="34" charset="0"/>
-                <a:cs typeface="Arial" panose="020B0604020202020204" pitchFamily="34" charset="0"/>
+                <a:latin typeface="DIN Condensed" pitchFamily="2" charset="0"/>
+                <a:cs typeface="Aharoni" panose="02010803020104030203" pitchFamily="2" charset="-79"/>
               </a:rPr>
-              <a:t>JSON object is updated as the simulation runs, which means this can be copied, giving user’s the ability to replicate figures</a:t>
-            </a:r>
-          </a:p>
-        </p:txBody>
-      </p:sp>
-      <p:sp>
-        <p:nvSpPr>
-          <p:cNvPr id="10" name="TextBox 9">
-            <a:extLst>
-              <a:ext uri="{FF2B5EF4-FFF2-40B4-BE49-F238E27FC236}">
-                <a16:creationId xmlns:a16="http://schemas.microsoft.com/office/drawing/2014/main" id="{1CDA38C4-92D6-1DEC-F0AD-1B762D1162A9}"/>
-              </a:ext>
-            </a:extLst>
-          </p:cNvPr>
-          <p:cNvSpPr txBox="1"/>
+              <a:t>”Simplified” Tree Sequences</a:t>
+            </a:r>
+          </a:p>
+        </p:txBody>
+      </p:sp>
+      <p:sp>
+        <p:nvSpPr>
+          <p:cNvPr id="24" name="Content Placeholder 10">
+            <a:extLst>
+              <a:ext uri="{FF2B5EF4-FFF2-40B4-BE49-F238E27FC236}">
+                <a16:creationId xmlns:a16="http://schemas.microsoft.com/office/drawing/2014/main" id="{EEDC9D2F-D905-17D7-48F0-F3BEC25E6B8E}"/>
+              </a:ext>
+            </a:extLst>
+          </p:cNvPr>
+          <p:cNvSpPr txBox="1">
+            <a:spLocks/>
+          </p:cNvSpPr>
           <p:nvPr/>
         </p:nvSpPr>
         <p:spPr>
           <a:xfrm>
-            <a:off x="8641630" y="1679898"/>
-            <a:ext cx="3302720" cy="2339102"/>
+            <a:off x="6324600" y="1978025"/>
+            <a:ext cx="5181600" cy="4351338"/>
           </a:xfrm>
           <a:prstGeom prst="rect">
             <a:avLst/>
           </a:prstGeom>
-          <a:noFill/>
-          <a:ln>
-            <a:noFill/>
-          </a:ln>
-        </p:spPr>
-        <p:txBody>
-          <a:bodyPr wrap="square" rtlCol="0">
-            <a:spAutoFit/>
+        </p:spPr>
+        <p:txBody>
+          <a:bodyPr vert="horz" lIns="91440" tIns="45720" rIns="91440" bIns="45720" rtlCol="0">
+            <a:normAutofit/>
           </a:bodyPr>
-          <a:lstStyle/>
-          <a:p>
-            <a:pPr algn="ctr"/>
-            <a:r>
-              <a:rPr lang="en-US" sz="2800" dirty="0">
-                <a:solidFill>
-                  <a:srgbClr val="043D4D"/>
-                </a:solidFill>
-                <a:latin typeface="Arial" panose="020B0604020202020204" pitchFamily="34" charset="0"/>
-                <a:cs typeface="Arial" panose="020B0604020202020204" pitchFamily="34" charset="0"/>
-              </a:rPr>
-              <a:t>Steps to Replicate a Figure</a:t>
-            </a:r>
-          </a:p>
-          <a:p>
-            <a:endParaRPr lang="en-US" dirty="0">
+          <a:lstStyle>
+            <a:lvl1pPr marL="228600" indent="-228600" algn="l" defTabSz="914400" rtl="0" eaLnBrk="1" latinLnBrk="0" hangingPunct="1">
+              <a:lnSpc>
+                <a:spcPct val="90000"/>
+              </a:lnSpc>
+              <a:spcBef>
+                <a:spcPts val="1000"/>
+              </a:spcBef>
+              <a:buFont typeface="Arial" panose="020B0604020202020204" pitchFamily="34" charset="0"/>
+              <a:buChar char="•"/>
+              <a:defRPr sz="2800" kern="1200">
+                <a:solidFill>
+                  <a:schemeClr val="tx1"/>
+                </a:solidFill>
+                <a:latin typeface="+mn-lt"/>
+                <a:ea typeface="+mn-ea"/>
+                <a:cs typeface="+mn-cs"/>
+              </a:defRPr>
+            </a:lvl1pPr>
+            <a:lvl2pPr marL="685800" indent="-228600" algn="l" defTabSz="914400" rtl="0" eaLnBrk="1" latinLnBrk="0" hangingPunct="1">
+              <a:lnSpc>
+                <a:spcPct val="90000"/>
+              </a:lnSpc>
+              <a:spcBef>
+                <a:spcPts val="500"/>
+              </a:spcBef>
+              <a:buFont typeface="Arial" panose="020B0604020202020204" pitchFamily="34" charset="0"/>
+              <a:buChar char="•"/>
+              <a:defRPr sz="2400" kern="1200">
+                <a:solidFill>
+                  <a:schemeClr val="tx1"/>
+                </a:solidFill>
+                <a:latin typeface="+mn-lt"/>
+                <a:ea typeface="+mn-ea"/>
+                <a:cs typeface="+mn-cs"/>
+              </a:defRPr>
+            </a:lvl2pPr>
+            <a:lvl3pPr marL="1143000" indent="-228600" algn="l" defTabSz="914400" rtl="0" eaLnBrk="1" latinLnBrk="0" hangingPunct="1">
+              <a:lnSpc>
+                <a:spcPct val="90000"/>
+              </a:lnSpc>
+              <a:spcBef>
+                <a:spcPts val="500"/>
+              </a:spcBef>
+              <a:buFont typeface="Arial" panose="020B0604020202020204" pitchFamily="34" charset="0"/>
+              <a:buChar char="•"/>
+              <a:defRPr sz="2000" kern="1200">
+                <a:solidFill>
+                  <a:schemeClr val="tx1"/>
+                </a:solidFill>
+                <a:latin typeface="+mn-lt"/>
+                <a:ea typeface="+mn-ea"/>
+                <a:cs typeface="+mn-cs"/>
+              </a:defRPr>
+            </a:lvl3pPr>
+            <a:lvl4pPr marL="1600200" indent="-228600" algn="l" defTabSz="914400" rtl="0" eaLnBrk="1" latinLnBrk="0" hangingPunct="1">
+              <a:lnSpc>
+                <a:spcPct val="90000"/>
+              </a:lnSpc>
+              <a:spcBef>
+                <a:spcPts val="500"/>
+              </a:spcBef>
+              <a:buFont typeface="Arial" panose="020B0604020202020204" pitchFamily="34" charset="0"/>
+              <a:buChar char="•"/>
+              <a:defRPr sz="1800" kern="1200">
+                <a:solidFill>
+                  <a:schemeClr val="tx1"/>
+                </a:solidFill>
+                <a:latin typeface="+mn-lt"/>
+                <a:ea typeface="+mn-ea"/>
+                <a:cs typeface="+mn-cs"/>
+              </a:defRPr>
+            </a:lvl4pPr>
+            <a:lvl5pPr marL="2057400" indent="-228600" algn="l" defTabSz="914400" rtl="0" eaLnBrk="1" latinLnBrk="0" hangingPunct="1">
+              <a:lnSpc>
+                <a:spcPct val="90000"/>
+              </a:lnSpc>
+              <a:spcBef>
+                <a:spcPts val="500"/>
+              </a:spcBef>
+              <a:buFont typeface="Arial" panose="020B0604020202020204" pitchFamily="34" charset="0"/>
+              <a:buChar char="•"/>
+              <a:defRPr sz="1800" kern="1200">
+                <a:solidFill>
+                  <a:schemeClr val="tx1"/>
+                </a:solidFill>
+                <a:latin typeface="+mn-lt"/>
+                <a:ea typeface="+mn-ea"/>
+                <a:cs typeface="+mn-cs"/>
+              </a:defRPr>
+            </a:lvl5pPr>
+            <a:lvl6pPr marL="2514600" indent="-228600" algn="l" defTabSz="914400" rtl="0" eaLnBrk="1" latinLnBrk="0" hangingPunct="1">
+              <a:lnSpc>
+                <a:spcPct val="90000"/>
+              </a:lnSpc>
+              <a:spcBef>
+                <a:spcPts val="500"/>
+              </a:spcBef>
+              <a:buFont typeface="Arial" panose="020B0604020202020204" pitchFamily="34" charset="0"/>
+              <a:buChar char="•"/>
+              <a:defRPr sz="1800" kern="1200">
+                <a:solidFill>
+                  <a:schemeClr val="tx1"/>
+                </a:solidFill>
+                <a:latin typeface="+mn-lt"/>
+                <a:ea typeface="+mn-ea"/>
+                <a:cs typeface="+mn-cs"/>
+              </a:defRPr>
+            </a:lvl6pPr>
+            <a:lvl7pPr marL="2971800" indent="-228600" algn="l" defTabSz="914400" rtl="0" eaLnBrk="1" latinLnBrk="0" hangingPunct="1">
+              <a:lnSpc>
+                <a:spcPct val="90000"/>
+              </a:lnSpc>
+              <a:spcBef>
+                <a:spcPts val="500"/>
+              </a:spcBef>
+              <a:buFont typeface="Arial" panose="020B0604020202020204" pitchFamily="34" charset="0"/>
+              <a:buChar char="•"/>
+              <a:defRPr sz="1800" kern="1200">
+                <a:solidFill>
+                  <a:schemeClr val="tx1"/>
+                </a:solidFill>
+                <a:latin typeface="+mn-lt"/>
+                <a:ea typeface="+mn-ea"/>
+                <a:cs typeface="+mn-cs"/>
+              </a:defRPr>
+            </a:lvl7pPr>
+            <a:lvl8pPr marL="3429000" indent="-228600" algn="l" defTabSz="914400" rtl="0" eaLnBrk="1" latinLnBrk="0" hangingPunct="1">
+              <a:lnSpc>
+                <a:spcPct val="90000"/>
+              </a:lnSpc>
+              <a:spcBef>
+                <a:spcPts val="500"/>
+              </a:spcBef>
+              <a:buFont typeface="Arial" panose="020B0604020202020204" pitchFamily="34" charset="0"/>
+              <a:buChar char="•"/>
+              <a:defRPr sz="1800" kern="1200">
+                <a:solidFill>
+                  <a:schemeClr val="tx1"/>
+                </a:solidFill>
+                <a:latin typeface="+mn-lt"/>
+                <a:ea typeface="+mn-ea"/>
+                <a:cs typeface="+mn-cs"/>
+              </a:defRPr>
+            </a:lvl8pPr>
+            <a:lvl9pPr marL="3886200" indent="-228600" algn="l" defTabSz="914400" rtl="0" eaLnBrk="1" latinLnBrk="0" hangingPunct="1">
+              <a:lnSpc>
+                <a:spcPct val="90000"/>
+              </a:lnSpc>
+              <a:spcBef>
+                <a:spcPts val="500"/>
+              </a:spcBef>
+              <a:buFont typeface="Arial" panose="020B0604020202020204" pitchFamily="34" charset="0"/>
+              <a:buChar char="•"/>
+              <a:defRPr sz="1800" kern="1200">
+                <a:solidFill>
+                  <a:schemeClr val="tx1"/>
+                </a:solidFill>
+                <a:latin typeface="+mn-lt"/>
+                <a:ea typeface="+mn-ea"/>
+                <a:cs typeface="+mn-cs"/>
+              </a:defRPr>
+            </a:lvl9pPr>
+          </a:lstStyle>
+          <a:p>
+            <a:pPr>
+              <a:buFontTx/>
+              <a:buChar char="-"/>
+            </a:pPr>
+            <a:endParaRPr lang="en-US" sz="1050" dirty="0">
               <a:solidFill>
                 <a:srgbClr val="043D4D"/>
               </a:solidFill>
@@ -7026,93 +7187,87 @@
             </a:endParaRPr>
           </a:p>
           <a:p>
-            <a:r>
-              <a:rPr lang="en-US" dirty="0">
+            <a:pPr>
+              <a:buFontTx/>
+              <a:buChar char="-"/>
+            </a:pPr>
+            <a:r>
+              <a:rPr lang="en-US" sz="2400" dirty="0">
                 <a:solidFill>
                   <a:srgbClr val="043D4D"/>
                 </a:solidFill>
                 <a:latin typeface="Arial" panose="020B0604020202020204" pitchFamily="34" charset="0"/>
                 <a:cs typeface="Arial" panose="020B0604020202020204" pitchFamily="34" charset="0"/>
               </a:rPr>
-              <a:t>Paste the copied JSON object into a “.</a:t>
-            </a:r>
-            <a:r>
-              <a:rPr lang="en-US" dirty="0" err="1">
+              <a:t>Visualizer also works for tree sequences that don’t have marked recombination nodes as long as `</a:t>
+            </a:r>
+            <a:r>
+              <a:rPr lang="en-US" sz="2400" dirty="0" err="1">
                 <a:solidFill>
                   <a:srgbClr val="043D4D"/>
                 </a:solidFill>
                 <a:latin typeface="Arial" panose="020B0604020202020204" pitchFamily="34" charset="0"/>
                 <a:cs typeface="Arial" panose="020B0604020202020204" pitchFamily="34" charset="0"/>
               </a:rPr>
-              <a:t>json</a:t>
-            </a:r>
-            <a:r>
-              <a:rPr lang="en-US" dirty="0">
+              <a:t>edge_type</a:t>
+            </a:r>
+            <a:r>
+              <a:rPr lang="en-US" sz="2400" dirty="0">
                 <a:solidFill>
                   <a:srgbClr val="043D4D"/>
                 </a:solidFill>
                 <a:latin typeface="Arial" panose="020B0604020202020204" pitchFamily="34" charset="0"/>
                 <a:cs typeface="Arial" panose="020B0604020202020204" pitchFamily="34" charset="0"/>
               </a:rPr>
-              <a:t>” file and run the following (replacing “</a:t>
-            </a:r>
-            <a:r>
-              <a:rPr lang="en-US" dirty="0" err="1">
+              <a:t>=“line”` (default).</a:t>
+            </a:r>
+          </a:p>
+          <a:p>
+            <a:pPr>
+              <a:buFontTx/>
+              <a:buChar char="-"/>
+            </a:pPr>
+            <a:r>
+              <a:rPr lang="en-US" sz="2400" dirty="0">
                 <a:solidFill>
                   <a:srgbClr val="043D4D"/>
                 </a:solidFill>
                 <a:latin typeface="Arial" panose="020B0604020202020204" pitchFamily="34" charset="0"/>
                 <a:cs typeface="Arial" panose="020B0604020202020204" pitchFamily="34" charset="0"/>
               </a:rPr>
-              <a:t>example.json</a:t>
-            </a:r>
-            <a:r>
-              <a:rPr lang="en-US" dirty="0">
-                <a:solidFill>
-                  <a:srgbClr val="043D4D"/>
-                </a:solidFill>
-                <a:latin typeface="Arial" panose="020B0604020202020204" pitchFamily="34" charset="0"/>
-                <a:cs typeface="Arial" panose="020B0604020202020204" pitchFamily="34" charset="0"/>
-              </a:rPr>
-              <a:t>” with your file):</a:t>
-            </a:r>
-          </a:p>
-        </p:txBody>
-      </p:sp>
-      <p:pic>
-        <p:nvPicPr>
-          <p:cNvPr id="7" name="Picture 6" descr="A close-up of a computer code&#10;&#10;Description automatically generated">
-            <a:extLst>
-              <a:ext uri="{FF2B5EF4-FFF2-40B4-BE49-F238E27FC236}">
-                <a16:creationId xmlns:a16="http://schemas.microsoft.com/office/drawing/2014/main" id="{4CD426A4-E27A-5C27-BC99-EC436F28825C}"/>
-              </a:ext>
-            </a:extLst>
-          </p:cNvPr>
-          <p:cNvPicPr>
-            <a:picLocks noChangeAspect="1"/>
-          </p:cNvPicPr>
-          <p:nvPr/>
-        </p:nvPicPr>
-        <p:blipFill>
-          <a:blip r:embed="rId3"/>
-          <a:stretch>
-            <a:fillRect/>
-          </a:stretch>
-        </p:blipFill>
-        <p:spPr>
-          <a:xfrm>
-            <a:off x="8753608" y="4239932"/>
-            <a:ext cx="3067333" cy="717237"/>
-          </a:xfrm>
-          <a:prstGeom prst="rect">
-            <a:avLst/>
-          </a:prstGeom>
-        </p:spPr>
-      </p:pic>
+              <a:t>“ortho” edge pathing does not work for that type of tree sequences. All other functionality is the same.</a:t>
+            </a:r>
+          </a:p>
+          <a:p>
+            <a:pPr marL="0" indent="0">
+              <a:buNone/>
+            </a:pPr>
+            <a:endParaRPr lang="en-US" sz="2400" dirty="0">
+              <a:solidFill>
+                <a:srgbClr val="043D4D"/>
+              </a:solidFill>
+              <a:latin typeface="Arial" panose="020B0604020202020204" pitchFamily="34" charset="0"/>
+              <a:cs typeface="Arial" panose="020B0604020202020204" pitchFamily="34" charset="0"/>
+            </a:endParaRPr>
+          </a:p>
+          <a:p>
+            <a:pPr marL="0" indent="0">
+              <a:buNone/>
+            </a:pPr>
+            <a:endParaRPr lang="en-US" sz="2400" dirty="0">
+              <a:solidFill>
+                <a:srgbClr val="043D4D"/>
+              </a:solidFill>
+              <a:latin typeface="Arial" panose="020B0604020202020204" pitchFamily="34" charset="0"/>
+              <a:cs typeface="Arial" panose="020B0604020202020204" pitchFamily="34" charset="0"/>
+            </a:endParaRPr>
+          </a:p>
+        </p:txBody>
+      </p:sp>
     </p:spTree>
     <p:extLst>
       <p:ext uri="{BB962C8B-B14F-4D97-AF65-F5344CB8AC3E}">
-        <p14:creationId xmlns:p14="http://schemas.microsoft.com/office/powerpoint/2010/main" val="3275529585"/>
+        <p14:creationId xmlns:p14="http://schemas.microsoft.com/office/powerpoint/2010/main" val="1365822039"/>
       </p:ext>
     </p:extLst>
   </p:cSld>
@@ -7139,41 +7294,120 @@
           <a:chExt cx="0" cy="0"/>
         </a:xfrm>
       </p:grpSpPr>
-      <p:pic>
-        <p:nvPicPr>
-          <p:cNvPr id="3" name="Picture 2" descr="A screenshot of a graph&#10;&#10;Description automatically generated">
-            <a:extLst>
-              <a:ext uri="{FF2B5EF4-FFF2-40B4-BE49-F238E27FC236}">
-                <a16:creationId xmlns:a16="http://schemas.microsoft.com/office/drawing/2014/main" id="{9B58C493-FF43-266A-7C82-74E0C754F962}"/>
-              </a:ext>
-            </a:extLst>
-          </p:cNvPr>
-          <p:cNvPicPr>
-            <a:picLocks noChangeAspect="1"/>
-          </p:cNvPicPr>
-          <p:nvPr/>
-        </p:nvPicPr>
-        <p:blipFill rotWithShape="1">
-          <a:blip r:embed="rId2"/>
-          <a:srcRect t="7186"/>
-          <a:stretch/>
-        </p:blipFill>
-        <p:spPr>
-          <a:xfrm>
-            <a:off x="1148577" y="1816290"/>
-            <a:ext cx="4560846" cy="4527921"/>
-          </a:xfrm>
-          <a:prstGeom prst="rect">
-            <a:avLst/>
-          </a:prstGeom>
-        </p:spPr>
-      </p:pic>
-      <p:sp>
-        <p:nvSpPr>
-          <p:cNvPr id="5" name="TextBox 4">
-            <a:extLst>
-              <a:ext uri="{FF2B5EF4-FFF2-40B4-BE49-F238E27FC236}">
-                <a16:creationId xmlns:a16="http://schemas.microsoft.com/office/drawing/2014/main" id="{6D006505-1806-2ECF-1FAC-7227B64795FA}"/>
+      <p:sp>
+        <p:nvSpPr>
+          <p:cNvPr id="6" name="Content Placeholder 5">
+            <a:extLst>
+              <a:ext uri="{FF2B5EF4-FFF2-40B4-BE49-F238E27FC236}">
+                <a16:creationId xmlns:a16="http://schemas.microsoft.com/office/drawing/2014/main" id="{141E0C07-F06C-4411-E1BD-5213BE6F5B12}"/>
+              </a:ext>
+            </a:extLst>
+          </p:cNvPr>
+          <p:cNvSpPr>
+            <a:spLocks noGrp="1"/>
+          </p:cNvSpPr>
+          <p:nvPr>
+            <p:ph idx="1"/>
+          </p:nvPr>
+        </p:nvSpPr>
+        <p:spPr/>
+        <p:txBody>
+          <a:bodyPr>
+            <a:normAutofit/>
+          </a:bodyPr>
+          <a:lstStyle/>
+          <a:p>
+            <a:pPr>
+              <a:buFontTx/>
+              <a:buChar char="-"/>
+            </a:pPr>
+            <a:r>
+              <a:rPr lang="en-US" sz="2400" dirty="0">
+                <a:solidFill>
+                  <a:srgbClr val="043D4D"/>
+                </a:solidFill>
+                <a:latin typeface="Arial" panose="020B0604020202020204" pitchFamily="34" charset="0"/>
+                <a:cs typeface="Arial" panose="020B0604020202020204" pitchFamily="34" charset="0"/>
+              </a:rPr>
+              <a:t>Best for smaller ARGs</a:t>
+            </a:r>
+          </a:p>
+          <a:p>
+            <a:pPr>
+              <a:buFontTx/>
+              <a:buChar char="-"/>
+            </a:pPr>
+            <a:r>
+              <a:rPr lang="en-US" sz="2400" dirty="0">
+                <a:solidFill>
+                  <a:srgbClr val="043D4D"/>
+                </a:solidFill>
+                <a:latin typeface="Arial" panose="020B0604020202020204" pitchFamily="34" charset="0"/>
+                <a:cs typeface="Arial" panose="020B0604020202020204" pitchFamily="34" charset="0"/>
+              </a:rPr>
+              <a:t>Node positions will still require fine tuning/untangling, particularly around recombination nodes or if the order of the sample nodes isn’t optimal</a:t>
+            </a:r>
+          </a:p>
+          <a:p>
+            <a:pPr>
+              <a:buFontTx/>
+              <a:buChar char="-"/>
+            </a:pPr>
+            <a:r>
+              <a:rPr lang="en-US" sz="2400" dirty="0">
+                <a:solidFill>
+                  <a:srgbClr val="043D4D"/>
+                </a:solidFill>
+                <a:latin typeface="Arial" panose="020B0604020202020204" pitchFamily="34" charset="0"/>
+                <a:cs typeface="Arial" panose="020B0604020202020204" pitchFamily="34" charset="0"/>
+              </a:rPr>
+              <a:t>“ortho” edge pathing can’t yet handle polytomies; `</a:t>
+            </a:r>
+            <a:r>
+              <a:rPr lang="en-US" sz="2400" dirty="0" err="1">
+                <a:solidFill>
+                  <a:srgbClr val="043D4D"/>
+                </a:solidFill>
+                <a:latin typeface="Arial" panose="020B0604020202020204" pitchFamily="34" charset="0"/>
+                <a:cs typeface="Arial" panose="020B0604020202020204" pitchFamily="34" charset="0"/>
+              </a:rPr>
+              <a:t>edge_type</a:t>
+            </a:r>
+            <a:r>
+              <a:rPr lang="en-US" sz="2400" dirty="0">
+                <a:solidFill>
+                  <a:srgbClr val="043D4D"/>
+                </a:solidFill>
+                <a:latin typeface="Arial" panose="020B0604020202020204" pitchFamily="34" charset="0"/>
+                <a:cs typeface="Arial" panose="020B0604020202020204" pitchFamily="34" charset="0"/>
+              </a:rPr>
+              <a:t>=“line”` is better for this</a:t>
+            </a:r>
+          </a:p>
+          <a:p>
+            <a:pPr>
+              <a:buFontTx/>
+              <a:buChar char="-"/>
+            </a:pPr>
+            <a:r>
+              <a:rPr lang="en-US" sz="2400" dirty="0">
+                <a:solidFill>
+                  <a:srgbClr val="043D4D"/>
+                </a:solidFill>
+                <a:latin typeface="Arial" panose="020B0604020202020204" pitchFamily="34" charset="0"/>
+                <a:cs typeface="Arial" panose="020B0604020202020204" pitchFamily="34" charset="0"/>
+              </a:rPr>
+              <a:t>Requires a connection to the internet to load D3.js from a CDN</a:t>
+            </a:r>
+          </a:p>
+        </p:txBody>
+      </p:sp>
+      <p:sp>
+        <p:nvSpPr>
+          <p:cNvPr id="7" name="TextBox 6">
+            <a:extLst>
+              <a:ext uri="{FF2B5EF4-FFF2-40B4-BE49-F238E27FC236}">
+                <a16:creationId xmlns:a16="http://schemas.microsoft.com/office/drawing/2014/main" id="{92123D94-AB6A-43B5-88FC-674D83D33E35}"/>
               </a:ext>
             </a:extLst>
           </p:cNvPr>
@@ -7183,7 +7417,7 @@
         <p:spPr>
           <a:xfrm>
             <a:off x="722517" y="492851"/>
-            <a:ext cx="9336723" cy="1323439"/>
+            <a:ext cx="5101333" cy="1323439"/>
           </a:xfrm>
           <a:prstGeom prst="rect">
             <a:avLst/>
@@ -7204,297 +7438,15 @@
                 <a:latin typeface="DIN Condensed" pitchFamily="2" charset="0"/>
                 <a:cs typeface="Aharoni" panose="02010803020104030203" pitchFamily="2" charset="-79"/>
               </a:rPr>
-              <a:t>”Simplified” Tree Sequences</a:t>
-            </a:r>
-          </a:p>
-        </p:txBody>
-      </p:sp>
-      <p:sp>
-        <p:nvSpPr>
-          <p:cNvPr id="24" name="Content Placeholder 10">
-            <a:extLst>
-              <a:ext uri="{FF2B5EF4-FFF2-40B4-BE49-F238E27FC236}">
-                <a16:creationId xmlns:a16="http://schemas.microsoft.com/office/drawing/2014/main" id="{EEDC9D2F-D905-17D7-48F0-F3BEC25E6B8E}"/>
-              </a:ext>
-            </a:extLst>
-          </p:cNvPr>
-          <p:cNvSpPr txBox="1">
-            <a:spLocks/>
-          </p:cNvSpPr>
-          <p:nvPr/>
-        </p:nvSpPr>
-        <p:spPr>
-          <a:xfrm>
-            <a:off x="6324600" y="1978025"/>
-            <a:ext cx="5181600" cy="4351338"/>
-          </a:xfrm>
-          <a:prstGeom prst="rect">
-            <a:avLst/>
-          </a:prstGeom>
-        </p:spPr>
-        <p:txBody>
-          <a:bodyPr vert="horz" lIns="91440" tIns="45720" rIns="91440" bIns="45720" rtlCol="0">
-            <a:normAutofit/>
-          </a:bodyPr>
-          <a:lstStyle>
-            <a:lvl1pPr marL="228600" indent="-228600" algn="l" defTabSz="914400" rtl="0" eaLnBrk="1" latinLnBrk="0" hangingPunct="1">
-              <a:lnSpc>
-                <a:spcPct val="90000"/>
-              </a:lnSpc>
-              <a:spcBef>
-                <a:spcPts val="1000"/>
-              </a:spcBef>
-              <a:buFont typeface="Arial" panose="020B0604020202020204" pitchFamily="34" charset="0"/>
-              <a:buChar char="•"/>
-              <a:defRPr sz="2800" kern="1200">
-                <a:solidFill>
-                  <a:schemeClr val="tx1"/>
-                </a:solidFill>
-                <a:latin typeface="+mn-lt"/>
-                <a:ea typeface="+mn-ea"/>
-                <a:cs typeface="+mn-cs"/>
-              </a:defRPr>
-            </a:lvl1pPr>
-            <a:lvl2pPr marL="685800" indent="-228600" algn="l" defTabSz="914400" rtl="0" eaLnBrk="1" latinLnBrk="0" hangingPunct="1">
-              <a:lnSpc>
-                <a:spcPct val="90000"/>
-              </a:lnSpc>
-              <a:spcBef>
-                <a:spcPts val="500"/>
-              </a:spcBef>
-              <a:buFont typeface="Arial" panose="020B0604020202020204" pitchFamily="34" charset="0"/>
-              <a:buChar char="•"/>
-              <a:defRPr sz="2400" kern="1200">
-                <a:solidFill>
-                  <a:schemeClr val="tx1"/>
-                </a:solidFill>
-                <a:latin typeface="+mn-lt"/>
-                <a:ea typeface="+mn-ea"/>
-                <a:cs typeface="+mn-cs"/>
-              </a:defRPr>
-            </a:lvl2pPr>
-            <a:lvl3pPr marL="1143000" indent="-228600" algn="l" defTabSz="914400" rtl="0" eaLnBrk="1" latinLnBrk="0" hangingPunct="1">
-              <a:lnSpc>
-                <a:spcPct val="90000"/>
-              </a:lnSpc>
-              <a:spcBef>
-                <a:spcPts val="500"/>
-              </a:spcBef>
-              <a:buFont typeface="Arial" panose="020B0604020202020204" pitchFamily="34" charset="0"/>
-              <a:buChar char="•"/>
-              <a:defRPr sz="2000" kern="1200">
-                <a:solidFill>
-                  <a:schemeClr val="tx1"/>
-                </a:solidFill>
-                <a:latin typeface="+mn-lt"/>
-                <a:ea typeface="+mn-ea"/>
-                <a:cs typeface="+mn-cs"/>
-              </a:defRPr>
-            </a:lvl3pPr>
-            <a:lvl4pPr marL="1600200" indent="-228600" algn="l" defTabSz="914400" rtl="0" eaLnBrk="1" latinLnBrk="0" hangingPunct="1">
-              <a:lnSpc>
-                <a:spcPct val="90000"/>
-              </a:lnSpc>
-              <a:spcBef>
-                <a:spcPts val="500"/>
-              </a:spcBef>
-              <a:buFont typeface="Arial" panose="020B0604020202020204" pitchFamily="34" charset="0"/>
-              <a:buChar char="•"/>
-              <a:defRPr sz="1800" kern="1200">
-                <a:solidFill>
-                  <a:schemeClr val="tx1"/>
-                </a:solidFill>
-                <a:latin typeface="+mn-lt"/>
-                <a:ea typeface="+mn-ea"/>
-                <a:cs typeface="+mn-cs"/>
-              </a:defRPr>
-            </a:lvl4pPr>
-            <a:lvl5pPr marL="2057400" indent="-228600" algn="l" defTabSz="914400" rtl="0" eaLnBrk="1" latinLnBrk="0" hangingPunct="1">
-              <a:lnSpc>
-                <a:spcPct val="90000"/>
-              </a:lnSpc>
-              <a:spcBef>
-                <a:spcPts val="500"/>
-              </a:spcBef>
-              <a:buFont typeface="Arial" panose="020B0604020202020204" pitchFamily="34" charset="0"/>
-              <a:buChar char="•"/>
-              <a:defRPr sz="1800" kern="1200">
-                <a:solidFill>
-                  <a:schemeClr val="tx1"/>
-                </a:solidFill>
-                <a:latin typeface="+mn-lt"/>
-                <a:ea typeface="+mn-ea"/>
-                <a:cs typeface="+mn-cs"/>
-              </a:defRPr>
-            </a:lvl5pPr>
-            <a:lvl6pPr marL="2514600" indent="-228600" algn="l" defTabSz="914400" rtl="0" eaLnBrk="1" latinLnBrk="0" hangingPunct="1">
-              <a:lnSpc>
-                <a:spcPct val="90000"/>
-              </a:lnSpc>
-              <a:spcBef>
-                <a:spcPts val="500"/>
-              </a:spcBef>
-              <a:buFont typeface="Arial" panose="020B0604020202020204" pitchFamily="34" charset="0"/>
-              <a:buChar char="•"/>
-              <a:defRPr sz="1800" kern="1200">
-                <a:solidFill>
-                  <a:schemeClr val="tx1"/>
-                </a:solidFill>
-                <a:latin typeface="+mn-lt"/>
-                <a:ea typeface="+mn-ea"/>
-                <a:cs typeface="+mn-cs"/>
-              </a:defRPr>
-            </a:lvl6pPr>
-            <a:lvl7pPr marL="2971800" indent="-228600" algn="l" defTabSz="914400" rtl="0" eaLnBrk="1" latinLnBrk="0" hangingPunct="1">
-              <a:lnSpc>
-                <a:spcPct val="90000"/>
-              </a:lnSpc>
-              <a:spcBef>
-                <a:spcPts val="500"/>
-              </a:spcBef>
-              <a:buFont typeface="Arial" panose="020B0604020202020204" pitchFamily="34" charset="0"/>
-              <a:buChar char="•"/>
-              <a:defRPr sz="1800" kern="1200">
-                <a:solidFill>
-                  <a:schemeClr val="tx1"/>
-                </a:solidFill>
-                <a:latin typeface="+mn-lt"/>
-                <a:ea typeface="+mn-ea"/>
-                <a:cs typeface="+mn-cs"/>
-              </a:defRPr>
-            </a:lvl7pPr>
-            <a:lvl8pPr marL="3429000" indent="-228600" algn="l" defTabSz="914400" rtl="0" eaLnBrk="1" latinLnBrk="0" hangingPunct="1">
-              <a:lnSpc>
-                <a:spcPct val="90000"/>
-              </a:lnSpc>
-              <a:spcBef>
-                <a:spcPts val="500"/>
-              </a:spcBef>
-              <a:buFont typeface="Arial" panose="020B0604020202020204" pitchFamily="34" charset="0"/>
-              <a:buChar char="•"/>
-              <a:defRPr sz="1800" kern="1200">
-                <a:solidFill>
-                  <a:schemeClr val="tx1"/>
-                </a:solidFill>
-                <a:latin typeface="+mn-lt"/>
-                <a:ea typeface="+mn-ea"/>
-                <a:cs typeface="+mn-cs"/>
-              </a:defRPr>
-            </a:lvl8pPr>
-            <a:lvl9pPr marL="3886200" indent="-228600" algn="l" defTabSz="914400" rtl="0" eaLnBrk="1" latinLnBrk="0" hangingPunct="1">
-              <a:lnSpc>
-                <a:spcPct val="90000"/>
-              </a:lnSpc>
-              <a:spcBef>
-                <a:spcPts val="500"/>
-              </a:spcBef>
-              <a:buFont typeface="Arial" panose="020B0604020202020204" pitchFamily="34" charset="0"/>
-              <a:buChar char="•"/>
-              <a:defRPr sz="1800" kern="1200">
-                <a:solidFill>
-                  <a:schemeClr val="tx1"/>
-                </a:solidFill>
-                <a:latin typeface="+mn-lt"/>
-                <a:ea typeface="+mn-ea"/>
-                <a:cs typeface="+mn-cs"/>
-              </a:defRPr>
-            </a:lvl9pPr>
-          </a:lstStyle>
-          <a:p>
-            <a:pPr>
-              <a:buFontTx/>
-              <a:buChar char="-"/>
-            </a:pPr>
-            <a:endParaRPr lang="en-US" sz="1050" dirty="0">
-              <a:solidFill>
-                <a:srgbClr val="043D4D"/>
-              </a:solidFill>
-              <a:latin typeface="Arial" panose="020B0604020202020204" pitchFamily="34" charset="0"/>
-              <a:cs typeface="Arial" panose="020B0604020202020204" pitchFamily="34" charset="0"/>
-            </a:endParaRPr>
-          </a:p>
-          <a:p>
-            <a:pPr>
-              <a:buFontTx/>
-              <a:buChar char="-"/>
-            </a:pPr>
-            <a:r>
-              <a:rPr lang="en-US" sz="2400" dirty="0">
-                <a:solidFill>
-                  <a:srgbClr val="043D4D"/>
-                </a:solidFill>
-                <a:latin typeface="Arial" panose="020B0604020202020204" pitchFamily="34" charset="0"/>
-                <a:cs typeface="Arial" panose="020B0604020202020204" pitchFamily="34" charset="0"/>
-              </a:rPr>
-              <a:t>Visualizer also works for tree sequences that don’t have marked recombination nodes as long as `</a:t>
-            </a:r>
-            <a:r>
-              <a:rPr lang="en-US" sz="2400" dirty="0" err="1">
-                <a:solidFill>
-                  <a:srgbClr val="043D4D"/>
-                </a:solidFill>
-                <a:latin typeface="Arial" panose="020B0604020202020204" pitchFamily="34" charset="0"/>
-                <a:cs typeface="Arial" panose="020B0604020202020204" pitchFamily="34" charset="0"/>
-              </a:rPr>
-              <a:t>edge_type</a:t>
-            </a:r>
-            <a:r>
-              <a:rPr lang="en-US" sz="2400" dirty="0">
-                <a:solidFill>
-                  <a:srgbClr val="043D4D"/>
-                </a:solidFill>
-                <a:latin typeface="Arial" panose="020B0604020202020204" pitchFamily="34" charset="0"/>
-                <a:cs typeface="Arial" panose="020B0604020202020204" pitchFamily="34" charset="0"/>
-              </a:rPr>
-              <a:t>=“line”` (default).</a:t>
-            </a:r>
-          </a:p>
-          <a:p>
-            <a:pPr>
-              <a:buFontTx/>
-              <a:buChar char="-"/>
-            </a:pPr>
-            <a:r>
-              <a:rPr lang="en-US" sz="2400" dirty="0">
-                <a:solidFill>
-                  <a:srgbClr val="043D4D"/>
-                </a:solidFill>
-                <a:latin typeface="Arial" panose="020B0604020202020204" pitchFamily="34" charset="0"/>
-                <a:cs typeface="Arial" panose="020B0604020202020204" pitchFamily="34" charset="0"/>
-              </a:rPr>
-              <a:t>“ortho” edge pathing does not work for that type of tree sequences. All other functionality is the same.</a:t>
-            </a:r>
-          </a:p>
-          <a:p>
-            <a:pPr marL="0" indent="0">
-              <a:buNone/>
-            </a:pPr>
-            <a:endParaRPr lang="en-US" sz="2400" dirty="0">
-              <a:solidFill>
-                <a:srgbClr val="043D4D"/>
-              </a:solidFill>
-              <a:latin typeface="Arial" panose="020B0604020202020204" pitchFamily="34" charset="0"/>
-              <a:cs typeface="Arial" panose="020B0604020202020204" pitchFamily="34" charset="0"/>
-            </a:endParaRPr>
-          </a:p>
-          <a:p>
-            <a:pPr marL="0" indent="0">
-              <a:buNone/>
-            </a:pPr>
-            <a:endParaRPr lang="en-US" sz="2400" dirty="0">
-              <a:solidFill>
-                <a:srgbClr val="043D4D"/>
-              </a:solidFill>
-              <a:latin typeface="Arial" panose="020B0604020202020204" pitchFamily="34" charset="0"/>
-              <a:cs typeface="Arial" panose="020B0604020202020204" pitchFamily="34" charset="0"/>
-            </a:endParaRPr>
+              <a:t>Considerations</a:t>
+            </a:r>
           </a:p>
         </p:txBody>
       </p:sp>
     </p:spTree>
     <p:extLst>
       <p:ext uri="{BB962C8B-B14F-4D97-AF65-F5344CB8AC3E}">
-        <p14:creationId xmlns:p14="http://schemas.microsoft.com/office/powerpoint/2010/main" val="1365822039"/>
+        <p14:creationId xmlns:p14="http://schemas.microsoft.com/office/powerpoint/2010/main" val="1291751435"/>
       </p:ext>
     </p:extLst>
   </p:cSld>
@@ -7523,185 +7475,6 @@
       </p:grpSpPr>
       <p:sp>
         <p:nvSpPr>
-          <p:cNvPr id="6" name="Content Placeholder 5">
-            <a:extLst>
-              <a:ext uri="{FF2B5EF4-FFF2-40B4-BE49-F238E27FC236}">
-                <a16:creationId xmlns:a16="http://schemas.microsoft.com/office/drawing/2014/main" id="{141E0C07-F06C-4411-E1BD-5213BE6F5B12}"/>
-              </a:ext>
-            </a:extLst>
-          </p:cNvPr>
-          <p:cNvSpPr>
-            <a:spLocks noGrp="1"/>
-          </p:cNvSpPr>
-          <p:nvPr>
-            <p:ph idx="1"/>
-          </p:nvPr>
-        </p:nvSpPr>
-        <p:spPr/>
-        <p:txBody>
-          <a:bodyPr>
-            <a:normAutofit/>
-          </a:bodyPr>
-          <a:lstStyle/>
-          <a:p>
-            <a:pPr>
-              <a:buFontTx/>
-              <a:buChar char="-"/>
-            </a:pPr>
-            <a:r>
-              <a:rPr lang="en-US" sz="2400" dirty="0">
-                <a:solidFill>
-                  <a:srgbClr val="043D4D"/>
-                </a:solidFill>
-                <a:latin typeface="Arial" panose="020B0604020202020204" pitchFamily="34" charset="0"/>
-                <a:cs typeface="Arial" panose="020B0604020202020204" pitchFamily="34" charset="0"/>
-              </a:rPr>
-              <a:t>Best for smaller ARGs</a:t>
-            </a:r>
-          </a:p>
-          <a:p>
-            <a:pPr>
-              <a:buFontTx/>
-              <a:buChar char="-"/>
-            </a:pPr>
-            <a:r>
-              <a:rPr lang="en-US" sz="2400" dirty="0">
-                <a:solidFill>
-                  <a:srgbClr val="043D4D"/>
-                </a:solidFill>
-                <a:latin typeface="Arial" panose="020B0604020202020204" pitchFamily="34" charset="0"/>
-                <a:cs typeface="Arial" panose="020B0604020202020204" pitchFamily="34" charset="0"/>
-              </a:rPr>
-              <a:t>Node positions will still require fine tuning/untangling, particularly around recombination nodes or if the order of the sample nodes isn’t optimal</a:t>
-            </a:r>
-          </a:p>
-          <a:p>
-            <a:pPr>
-              <a:buFontTx/>
-              <a:buChar char="-"/>
-            </a:pPr>
-            <a:r>
-              <a:rPr lang="en-US" sz="2400" dirty="0">
-                <a:solidFill>
-                  <a:srgbClr val="043D4D"/>
-                </a:solidFill>
-                <a:latin typeface="Arial" panose="020B0604020202020204" pitchFamily="34" charset="0"/>
-                <a:cs typeface="Arial" panose="020B0604020202020204" pitchFamily="34" charset="0"/>
-              </a:rPr>
-              <a:t>“ortho” edge pathing can’t yet handle polytomies; `</a:t>
-            </a:r>
-            <a:r>
-              <a:rPr lang="en-US" sz="2400" dirty="0" err="1">
-                <a:solidFill>
-                  <a:srgbClr val="043D4D"/>
-                </a:solidFill>
-                <a:latin typeface="Arial" panose="020B0604020202020204" pitchFamily="34" charset="0"/>
-                <a:cs typeface="Arial" panose="020B0604020202020204" pitchFamily="34" charset="0"/>
-              </a:rPr>
-              <a:t>edge_type</a:t>
-            </a:r>
-            <a:r>
-              <a:rPr lang="en-US" sz="2400" dirty="0">
-                <a:solidFill>
-                  <a:srgbClr val="043D4D"/>
-                </a:solidFill>
-                <a:latin typeface="Arial" panose="020B0604020202020204" pitchFamily="34" charset="0"/>
-                <a:cs typeface="Arial" panose="020B0604020202020204" pitchFamily="34" charset="0"/>
-              </a:rPr>
-              <a:t>=“line”` is better for this</a:t>
-            </a:r>
-          </a:p>
-          <a:p>
-            <a:pPr>
-              <a:buFontTx/>
-              <a:buChar char="-"/>
-            </a:pPr>
-            <a:r>
-              <a:rPr lang="en-US" sz="2400" dirty="0">
-                <a:solidFill>
-                  <a:srgbClr val="043D4D"/>
-                </a:solidFill>
-                <a:latin typeface="Arial" panose="020B0604020202020204" pitchFamily="34" charset="0"/>
-                <a:cs typeface="Arial" panose="020B0604020202020204" pitchFamily="34" charset="0"/>
-              </a:rPr>
-              <a:t>Requires a connection to the internet to load D3.js from a CDN</a:t>
-            </a:r>
-          </a:p>
-        </p:txBody>
-      </p:sp>
-      <p:sp>
-        <p:nvSpPr>
-          <p:cNvPr id="7" name="TextBox 6">
-            <a:extLst>
-              <a:ext uri="{FF2B5EF4-FFF2-40B4-BE49-F238E27FC236}">
-                <a16:creationId xmlns:a16="http://schemas.microsoft.com/office/drawing/2014/main" id="{92123D94-AB6A-43B5-88FC-674D83D33E35}"/>
-              </a:ext>
-            </a:extLst>
-          </p:cNvPr>
-          <p:cNvSpPr txBox="1"/>
-          <p:nvPr/>
-        </p:nvSpPr>
-        <p:spPr>
-          <a:xfrm>
-            <a:off x="722517" y="492851"/>
-            <a:ext cx="5101333" cy="1323439"/>
-          </a:xfrm>
-          <a:prstGeom prst="rect">
-            <a:avLst/>
-          </a:prstGeom>
-          <a:noFill/>
-        </p:spPr>
-        <p:txBody>
-          <a:bodyPr wrap="none" rtlCol="0">
-            <a:spAutoFit/>
-          </a:bodyPr>
-          <a:lstStyle/>
-          <a:p>
-            <a:r>
-              <a:rPr lang="en-US" sz="8000" dirty="0">
-                <a:solidFill>
-                  <a:srgbClr val="043D4D"/>
-                </a:solidFill>
-                <a:latin typeface="DIN Condensed" pitchFamily="2" charset="0"/>
-                <a:cs typeface="Aharoni" panose="02010803020104030203" pitchFamily="2" charset="-79"/>
-              </a:rPr>
-              <a:t>Considerations</a:t>
-            </a:r>
-          </a:p>
-        </p:txBody>
-      </p:sp>
-    </p:spTree>
-    <p:extLst>
-      <p:ext uri="{BB962C8B-B14F-4D97-AF65-F5344CB8AC3E}">
-        <p14:creationId xmlns:p14="http://schemas.microsoft.com/office/powerpoint/2010/main" val="1291751435"/>
-      </p:ext>
-    </p:extLst>
-  </p:cSld>
-  <p:clrMapOvr>
-    <a:masterClrMapping/>
-  </p:clrMapOvr>
-</p:sld>
-</file>
-
-<file path=ppt/slides/slide24.xml><?xml version="1.0" encoding="utf-8"?>
-<p:sld xmlns:a="http://schemas.openxmlformats.org/drawingml/2006/main" xmlns:r="http://schemas.openxmlformats.org/officeDocument/2006/relationships" xmlns:p="http://schemas.openxmlformats.org/presentationml/2006/main">
-  <p:cSld>
-    <p:spTree>
-      <p:nvGrpSpPr>
-        <p:cNvPr id="1" name=""/>
-        <p:cNvGrpSpPr/>
-        <p:nvPr/>
-      </p:nvGrpSpPr>
-      <p:grpSpPr>
-        <a:xfrm>
-          <a:off x="0" y="0"/>
-          <a:ext cx="0" cy="0"/>
-          <a:chOff x="0" y="0"/>
-          <a:chExt cx="0" cy="0"/>
-        </a:xfrm>
-      </p:grpSpPr>
-      <p:sp>
-        <p:nvSpPr>
           <p:cNvPr id="3" name="Content Placeholder 2">
             <a:extLst>
               <a:ext uri="{FF2B5EF4-FFF2-40B4-BE49-F238E27FC236}">
@@ -8001,7 +7774,7 @@
 </p:sld>
 </file>
 
-<file path=ppt/slides/slide25.xml><?xml version="1.0" encoding="utf-8"?>
+<file path=ppt/slides/slide24.xml><?xml version="1.0" encoding="utf-8"?>
 <p:sld xmlns:a="http://schemas.openxmlformats.org/drawingml/2006/main" xmlns:r="http://schemas.openxmlformats.org/officeDocument/2006/relationships" xmlns:p="http://schemas.openxmlformats.org/presentationml/2006/main" show="0">
   <p:cSld>
     <p:spTree>
@@ -8625,7 +8398,7 @@
 </file>
 
 <file path=ppt/slides/slide3.xml><?xml version="1.0" encoding="utf-8"?>
-<p:sld xmlns:a="http://schemas.openxmlformats.org/drawingml/2006/main" xmlns:r="http://schemas.openxmlformats.org/officeDocument/2006/relationships" xmlns:p="http://schemas.openxmlformats.org/presentationml/2006/main" show="0">
+<p:sld xmlns:a="http://schemas.openxmlformats.org/drawingml/2006/main" xmlns:r="http://schemas.openxmlformats.org/officeDocument/2006/relationships" xmlns:p="http://schemas.openxmlformats.org/presentationml/2006/main">
   <p:cSld>
     <p:spTree>
       <p:nvGrpSpPr>
@@ -8643,10 +8416,10 @@
       </p:grpSpPr>
       <p:pic>
         <p:nvPicPr>
-          <p:cNvPr id="7" name="Picture 6">
-            <a:extLst>
-              <a:ext uri="{FF2B5EF4-FFF2-40B4-BE49-F238E27FC236}">
-                <a16:creationId xmlns:a16="http://schemas.microsoft.com/office/drawing/2014/main" id="{BC71CB2F-A70C-7D91-5294-8F42F2139097}"/>
+          <p:cNvPr id="13" name="Picture 12" descr="A screenshot of a graph&#10;&#10;Description automatically generated">
+            <a:extLst>
+              <a:ext uri="{FF2B5EF4-FFF2-40B4-BE49-F238E27FC236}">
+                <a16:creationId xmlns:a16="http://schemas.microsoft.com/office/drawing/2014/main" id="{F79A4937-DDFF-089C-99F1-C21CC7393F5F}"/>
               </a:ext>
             </a:extLst>
           </p:cNvPr>
@@ -8655,16 +8428,15 @@
           </p:cNvPicPr>
           <p:nvPr/>
         </p:nvPicPr>
-        <p:blipFill>
+        <p:blipFill rotWithShape="1">
           <a:blip r:embed="rId3"/>
-          <a:stretch>
-            <a:fillRect/>
-          </a:stretch>
+          <a:srcRect t="8889"/>
+          <a:stretch/>
         </p:blipFill>
         <p:spPr>
           <a:xfrm>
-            <a:off x="383060" y="989603"/>
-            <a:ext cx="5430553" cy="5231179"/>
+            <a:off x="143299" y="570513"/>
+            <a:ext cx="5882557" cy="5716975"/>
           </a:xfrm>
           <a:prstGeom prst="rect">
             <a:avLst/>
@@ -8673,10 +8445,10 @@
       </p:pic>
       <p:pic>
         <p:nvPicPr>
-          <p:cNvPr id="11" name="Picture 10">
-            <a:extLst>
-              <a:ext uri="{FF2B5EF4-FFF2-40B4-BE49-F238E27FC236}">
-                <a16:creationId xmlns:a16="http://schemas.microsoft.com/office/drawing/2014/main" id="{9E32968A-F8A1-27AE-E119-958BB4C5CB91}"/>
+          <p:cNvPr id="15" name="Picture 14" descr="A screenshot of a computer&#10;&#10;Description automatically generated">
+            <a:extLst>
+              <a:ext uri="{FF2B5EF4-FFF2-40B4-BE49-F238E27FC236}">
+                <a16:creationId xmlns:a16="http://schemas.microsoft.com/office/drawing/2014/main" id="{CBB7952D-EB8B-9F86-4EA4-C7B4F7079474}"/>
               </a:ext>
             </a:extLst>
           </p:cNvPr>
@@ -8685,16 +8457,15 @@
           </p:cNvPicPr>
           <p:nvPr/>
         </p:nvPicPr>
-        <p:blipFill>
+        <p:blipFill rotWithShape="1">
           <a:blip r:embed="rId4"/>
-          <a:stretch>
-            <a:fillRect/>
-          </a:stretch>
+          <a:srcRect t="8889"/>
+          <a:stretch/>
         </p:blipFill>
         <p:spPr>
           <a:xfrm>
-            <a:off x="6291072" y="1050563"/>
-            <a:ext cx="5615404" cy="5102370"/>
+            <a:off x="6169155" y="570513"/>
+            <a:ext cx="5879545" cy="5716974"/>
           </a:xfrm>
           <a:prstGeom prst="rect">
             <a:avLst/>
@@ -8704,7 +8475,7 @@
     </p:spTree>
     <p:extLst>
       <p:ext uri="{BB962C8B-B14F-4D97-AF65-F5344CB8AC3E}">
-        <p14:creationId xmlns:p14="http://schemas.microsoft.com/office/powerpoint/2010/main" val="1216929573"/>
+        <p14:creationId xmlns:p14="http://schemas.microsoft.com/office/powerpoint/2010/main" val="2483702775"/>
       </p:ext>
     </p:extLst>
   </p:cSld>
@@ -8733,66 +8504,365 @@
       </p:grpSpPr>
       <p:pic>
         <p:nvPicPr>
-          <p:cNvPr id="13" name="Picture 12" descr="A screenshot of a graph&#10;&#10;Description automatically generated">
-            <a:extLst>
-              <a:ext uri="{FF2B5EF4-FFF2-40B4-BE49-F238E27FC236}">
-                <a16:creationId xmlns:a16="http://schemas.microsoft.com/office/drawing/2014/main" id="{F79A4937-DDFF-089C-99F1-C21CC7393F5F}"/>
+          <p:cNvPr id="1028" name="Picture 4" descr="What is Python Coding?">
+            <a:extLst>
+              <a:ext uri="{FF2B5EF4-FFF2-40B4-BE49-F238E27FC236}">
+                <a16:creationId xmlns:a16="http://schemas.microsoft.com/office/drawing/2014/main" id="{0BC942EC-3C18-A94B-7E4E-6A81C77E978C}"/>
               </a:ext>
             </a:extLst>
           </p:cNvPr>
           <p:cNvPicPr>
-            <a:picLocks noChangeAspect="1"/>
+            <a:picLocks noChangeAspect="1" noChangeArrowheads="1"/>
           </p:cNvPicPr>
           <p:nvPr/>
         </p:nvPicPr>
-        <p:blipFill rotWithShape="1">
-          <a:blip r:embed="rId3"/>
-          <a:srcRect t="8889"/>
-          <a:stretch/>
+        <p:blipFill>
+          <a:blip r:embed="rId2">
+            <a:extLst>
+              <a:ext uri="{28A0092B-C50C-407E-A947-70E740481C1C}">
+                <a14:useLocalDpi xmlns:a14="http://schemas.microsoft.com/office/drawing/2010/main" val="0"/>
+              </a:ext>
+            </a:extLst>
+          </a:blip>
+          <a:srcRect/>
+          <a:stretch>
+            <a:fillRect/>
+          </a:stretch>
         </p:blipFill>
-        <p:spPr>
-          <a:xfrm>
-            <a:off x="143299" y="570513"/>
-            <a:ext cx="5882557" cy="5716975"/>
+        <p:spPr bwMode="auto">
+          <a:xfrm>
+            <a:off x="316894" y="2083735"/>
+            <a:ext cx="4460789" cy="4460789"/>
           </a:xfrm>
           <a:prstGeom prst="rect">
             <a:avLst/>
           </a:prstGeom>
+          <a:noFill/>
+          <a:extLst>
+            <a:ext uri="{909E8E84-426E-40DD-AFC4-6F175D3DCCD1}">
+              <a14:hiddenFill xmlns:a14="http://schemas.microsoft.com/office/drawing/2010/main">
+                <a:solidFill>
+                  <a:srgbClr val="FFFFFF"/>
+                </a:solidFill>
+              </a14:hiddenFill>
+            </a:ext>
+          </a:extLst>
         </p:spPr>
       </p:pic>
       <p:pic>
         <p:nvPicPr>
-          <p:cNvPr id="15" name="Picture 14" descr="A screenshot of a computer&#10;&#10;Description automatically generated">
-            <a:extLst>
-              <a:ext uri="{FF2B5EF4-FFF2-40B4-BE49-F238E27FC236}">
-                <a16:creationId xmlns:a16="http://schemas.microsoft.com/office/drawing/2014/main" id="{CBB7952D-EB8B-9F86-4EA4-C7B4F7079474}"/>
+          <p:cNvPr id="1026" name="Picture 2">
+            <a:extLst>
+              <a:ext uri="{FF2B5EF4-FFF2-40B4-BE49-F238E27FC236}">
+                <a16:creationId xmlns:a16="http://schemas.microsoft.com/office/drawing/2014/main" id="{D1AC9C57-4A7F-F547-29AC-7D28E0A698C1}"/>
               </a:ext>
             </a:extLst>
           </p:cNvPr>
           <p:cNvPicPr>
-            <a:picLocks noChangeAspect="1"/>
+            <a:picLocks noChangeAspect="1" noChangeArrowheads="1"/>
           </p:cNvPicPr>
           <p:nvPr/>
         </p:nvPicPr>
-        <p:blipFill rotWithShape="1">
-          <a:blip r:embed="rId4"/>
-          <a:srcRect t="8889"/>
-          <a:stretch/>
+        <p:blipFill>
+          <a:blip r:embed="rId3">
+            <a:extLst>
+              <a:ext uri="{28A0092B-C50C-407E-A947-70E740481C1C}">
+                <a14:useLocalDpi xmlns:a14="http://schemas.microsoft.com/office/drawing/2010/main" val="0"/>
+              </a:ext>
+            </a:extLst>
+          </a:blip>
+          <a:srcRect/>
+          <a:stretch>
+            <a:fillRect/>
+          </a:stretch>
         </p:blipFill>
-        <p:spPr>
-          <a:xfrm>
-            <a:off x="6169155" y="570513"/>
-            <a:ext cx="5879545" cy="5716974"/>
+        <p:spPr bwMode="auto">
+          <a:xfrm>
+            <a:off x="5346791" y="3090124"/>
+            <a:ext cx="2448010" cy="2448010"/>
           </a:xfrm>
           <a:prstGeom prst="rect">
             <a:avLst/>
           </a:prstGeom>
+          <a:noFill/>
+          <a:extLst>
+            <a:ext uri="{909E8E84-426E-40DD-AFC4-6F175D3DCCD1}">
+              <a14:hiddenFill xmlns:a14="http://schemas.microsoft.com/office/drawing/2010/main">
+                <a:solidFill>
+                  <a:srgbClr val="FFFFFF"/>
+                </a:solidFill>
+              </a14:hiddenFill>
+            </a:ext>
+          </a:extLst>
         </p:spPr>
       </p:pic>
+      <p:pic>
+        <p:nvPicPr>
+          <p:cNvPr id="1030" name="Picture 6" descr="HTML - Wikipedia">
+            <a:extLst>
+              <a:ext uri="{FF2B5EF4-FFF2-40B4-BE49-F238E27FC236}">
+                <a16:creationId xmlns:a16="http://schemas.microsoft.com/office/drawing/2014/main" id="{832DF6FD-5747-3CBA-C551-E68C46AB4D38}"/>
+              </a:ext>
+            </a:extLst>
+          </p:cNvPr>
+          <p:cNvPicPr>
+            <a:picLocks noChangeAspect="1" noChangeArrowheads="1"/>
+          </p:cNvPicPr>
+          <p:nvPr/>
+        </p:nvPicPr>
+        <p:blipFill>
+          <a:blip r:embed="rId4">
+            <a:extLst>
+              <a:ext uri="{28A0092B-C50C-407E-A947-70E740481C1C}">
+                <a14:useLocalDpi xmlns:a14="http://schemas.microsoft.com/office/drawing/2010/main" val="0"/>
+              </a:ext>
+            </a:extLst>
+          </a:blip>
+          <a:srcRect/>
+          <a:stretch>
+            <a:fillRect/>
+          </a:stretch>
+        </p:blipFill>
+        <p:spPr bwMode="auto">
+          <a:xfrm>
+            <a:off x="9203686" y="3090124"/>
+            <a:ext cx="2448010" cy="2448010"/>
+          </a:xfrm>
+          <a:prstGeom prst="rect">
+            <a:avLst/>
+          </a:prstGeom>
+          <a:noFill/>
+          <a:extLst>
+            <a:ext uri="{909E8E84-426E-40DD-AFC4-6F175D3DCCD1}">
+              <a14:hiddenFill xmlns:a14="http://schemas.microsoft.com/office/drawing/2010/main">
+                <a:solidFill>
+                  <a:srgbClr val="FFFFFF"/>
+                </a:solidFill>
+              </a14:hiddenFill>
+            </a:ext>
+          </a:extLst>
+        </p:spPr>
+      </p:pic>
+      <p:pic>
+        <p:nvPicPr>
+          <p:cNvPr id="1032" name="Picture 8" descr="CSS - Wikipedia">
+            <a:extLst>
+              <a:ext uri="{FF2B5EF4-FFF2-40B4-BE49-F238E27FC236}">
+                <a16:creationId xmlns:a16="http://schemas.microsoft.com/office/drawing/2014/main" id="{277BC29C-935F-9AE1-7BD2-CF9F97C9F053}"/>
+              </a:ext>
+            </a:extLst>
+          </p:cNvPr>
+          <p:cNvPicPr>
+            <a:picLocks noChangeAspect="1" noChangeArrowheads="1"/>
+          </p:cNvPicPr>
+          <p:nvPr/>
+        </p:nvPicPr>
+        <p:blipFill>
+          <a:blip r:embed="rId5">
+            <a:extLst>
+              <a:ext uri="{28A0092B-C50C-407E-A947-70E740481C1C}">
+                <a14:useLocalDpi xmlns:a14="http://schemas.microsoft.com/office/drawing/2010/main" val="0"/>
+              </a:ext>
+            </a:extLst>
+          </a:blip>
+          <a:srcRect/>
+          <a:stretch>
+            <a:fillRect/>
+          </a:stretch>
+        </p:blipFill>
+        <p:spPr bwMode="auto">
+          <a:xfrm>
+            <a:off x="8533111" y="1010996"/>
+            <a:ext cx="826389" cy="1167438"/>
+          </a:xfrm>
+          <a:prstGeom prst="rect">
+            <a:avLst/>
+          </a:prstGeom>
+          <a:noFill/>
+          <a:extLst>
+            <a:ext uri="{909E8E84-426E-40DD-AFC4-6F175D3DCCD1}">
+              <a14:hiddenFill xmlns:a14="http://schemas.microsoft.com/office/drawing/2010/main">
+                <a:solidFill>
+                  <a:srgbClr val="FFFFFF"/>
+                </a:solidFill>
+              </a14:hiddenFill>
+            </a:ext>
+          </a:extLst>
+        </p:spPr>
+      </p:pic>
+      <p:cxnSp>
+        <p:nvCxnSpPr>
+          <p:cNvPr id="5" name="Straight Arrow Connector 4">
+            <a:extLst>
+              <a:ext uri="{FF2B5EF4-FFF2-40B4-BE49-F238E27FC236}">
+                <a16:creationId xmlns:a16="http://schemas.microsoft.com/office/drawing/2014/main" id="{393F6AF3-1800-FD5B-0E01-315919A80FB5}"/>
+              </a:ext>
+            </a:extLst>
+          </p:cNvPr>
+          <p:cNvCxnSpPr/>
+          <p:nvPr/>
+        </p:nvCxnSpPr>
+        <p:spPr>
+          <a:xfrm>
+            <a:off x="4312584" y="4314129"/>
+            <a:ext cx="506627" cy="0"/>
+          </a:xfrm>
+          <a:prstGeom prst="straightConnector1">
+            <a:avLst/>
+          </a:prstGeom>
+          <a:ln w="63500">
+            <a:solidFill>
+              <a:srgbClr val="043D4D"/>
+            </a:solidFill>
+            <a:tailEnd type="triangle"/>
+          </a:ln>
+        </p:spPr>
+        <p:style>
+          <a:lnRef idx="1">
+            <a:schemeClr val="accent1"/>
+          </a:lnRef>
+          <a:fillRef idx="0">
+            <a:schemeClr val="accent1"/>
+          </a:fillRef>
+          <a:effectRef idx="0">
+            <a:schemeClr val="accent1"/>
+          </a:effectRef>
+          <a:fontRef idx="minor">
+            <a:schemeClr val="tx1"/>
+          </a:fontRef>
+        </p:style>
+      </p:cxnSp>
+      <p:cxnSp>
+        <p:nvCxnSpPr>
+          <p:cNvPr id="6" name="Straight Arrow Connector 5">
+            <a:extLst>
+              <a:ext uri="{FF2B5EF4-FFF2-40B4-BE49-F238E27FC236}">
+                <a16:creationId xmlns:a16="http://schemas.microsoft.com/office/drawing/2014/main" id="{62717A5B-C61F-AFEB-95F1-1FDCFA56E9EC}"/>
+              </a:ext>
+            </a:extLst>
+          </p:cNvPr>
+          <p:cNvCxnSpPr/>
+          <p:nvPr/>
+        </p:nvCxnSpPr>
+        <p:spPr>
+          <a:xfrm>
+            <a:off x="8468464" y="4314129"/>
+            <a:ext cx="506627" cy="0"/>
+          </a:xfrm>
+          <a:prstGeom prst="straightConnector1">
+            <a:avLst/>
+          </a:prstGeom>
+          <a:ln w="63500">
+            <a:solidFill>
+              <a:srgbClr val="043D4D"/>
+            </a:solidFill>
+            <a:tailEnd type="triangle"/>
+          </a:ln>
+        </p:spPr>
+        <p:style>
+          <a:lnRef idx="1">
+            <a:schemeClr val="accent1"/>
+          </a:lnRef>
+          <a:fillRef idx="0">
+            <a:schemeClr val="accent1"/>
+          </a:fillRef>
+          <a:effectRef idx="0">
+            <a:schemeClr val="accent1"/>
+          </a:effectRef>
+          <a:fontRef idx="minor">
+            <a:schemeClr val="tx1"/>
+          </a:fontRef>
+        </p:style>
+      </p:cxnSp>
+      <p:cxnSp>
+        <p:nvCxnSpPr>
+          <p:cNvPr id="7" name="Straight Arrow Connector 6">
+            <a:extLst>
+              <a:ext uri="{FF2B5EF4-FFF2-40B4-BE49-F238E27FC236}">
+                <a16:creationId xmlns:a16="http://schemas.microsoft.com/office/drawing/2014/main" id="{7BFFD168-25DA-61DE-73A4-857B8831C027}"/>
+              </a:ext>
+            </a:extLst>
+          </p:cNvPr>
+          <p:cNvCxnSpPr>
+            <a:cxnSpLocks/>
+          </p:cNvCxnSpPr>
+          <p:nvPr/>
+        </p:nvCxnSpPr>
+        <p:spPr>
+          <a:xfrm rot="3600000">
+            <a:off x="9173159" y="2560312"/>
+            <a:ext cx="506627" cy="0"/>
+          </a:xfrm>
+          <a:prstGeom prst="straightConnector1">
+            <a:avLst/>
+          </a:prstGeom>
+          <a:ln w="63500">
+            <a:solidFill>
+              <a:srgbClr val="043D4D"/>
+            </a:solidFill>
+            <a:tailEnd type="triangle"/>
+          </a:ln>
+        </p:spPr>
+        <p:style>
+          <a:lnRef idx="1">
+            <a:schemeClr val="accent1"/>
+          </a:lnRef>
+          <a:fillRef idx="0">
+            <a:schemeClr val="accent1"/>
+          </a:fillRef>
+          <a:effectRef idx="0">
+            <a:schemeClr val="accent1"/>
+          </a:effectRef>
+          <a:fontRef idx="minor">
+            <a:schemeClr val="tx1"/>
+          </a:fontRef>
+        </p:style>
+      </p:cxnSp>
+      <p:sp>
+        <p:nvSpPr>
+          <p:cNvPr id="10" name="TextBox 9">
+            <a:extLst>
+              <a:ext uri="{FF2B5EF4-FFF2-40B4-BE49-F238E27FC236}">
+                <a16:creationId xmlns:a16="http://schemas.microsoft.com/office/drawing/2014/main" id="{4E20BD24-16BF-2B52-98E0-5B9B54A02758}"/>
+              </a:ext>
+            </a:extLst>
+          </p:cNvPr>
+          <p:cNvSpPr txBox="1"/>
+          <p:nvPr/>
+        </p:nvSpPr>
+        <p:spPr>
+          <a:xfrm>
+            <a:off x="722517" y="492851"/>
+            <a:ext cx="3181705" cy="1323439"/>
+          </a:xfrm>
+          <a:prstGeom prst="rect">
+            <a:avLst/>
+          </a:prstGeom>
+          <a:noFill/>
+        </p:spPr>
+        <p:txBody>
+          <a:bodyPr wrap="none" rtlCol="0">
+            <a:spAutoFit/>
+          </a:bodyPr>
+          <a:lstStyle/>
+          <a:p>
+            <a:r>
+              <a:rPr lang="en-US" sz="8000" dirty="0">
+                <a:solidFill>
+                  <a:srgbClr val="043D4D"/>
+                </a:solidFill>
+                <a:latin typeface="DIN Condensed" pitchFamily="2" charset="0"/>
+                <a:cs typeface="Aharoni" panose="02010803020104030203" pitchFamily="2" charset="-79"/>
+              </a:rPr>
+              <a:t>Workflow</a:t>
+            </a:r>
+          </a:p>
+        </p:txBody>
+      </p:sp>
     </p:spTree>
     <p:extLst>
       <p:ext uri="{BB962C8B-B14F-4D97-AF65-F5344CB8AC3E}">
-        <p14:creationId xmlns:p14="http://schemas.microsoft.com/office/powerpoint/2010/main" val="2483702775"/>
+        <p14:creationId xmlns:p14="http://schemas.microsoft.com/office/powerpoint/2010/main" val="3957441001"/>
       </p:ext>
     </p:extLst>
   </p:cSld>
@@ -8821,393 +8891,6 @@
       </p:grpSpPr>
       <p:pic>
         <p:nvPicPr>
-          <p:cNvPr id="1028" name="Picture 4" descr="What is Python Coding?">
-            <a:extLst>
-              <a:ext uri="{FF2B5EF4-FFF2-40B4-BE49-F238E27FC236}">
-                <a16:creationId xmlns:a16="http://schemas.microsoft.com/office/drawing/2014/main" id="{0BC942EC-3C18-A94B-7E4E-6A81C77E978C}"/>
-              </a:ext>
-            </a:extLst>
-          </p:cNvPr>
-          <p:cNvPicPr>
-            <a:picLocks noChangeAspect="1" noChangeArrowheads="1"/>
-          </p:cNvPicPr>
-          <p:nvPr/>
-        </p:nvPicPr>
-        <p:blipFill>
-          <a:blip r:embed="rId2">
-            <a:extLst>
-              <a:ext uri="{28A0092B-C50C-407E-A947-70E740481C1C}">
-                <a14:useLocalDpi xmlns:a14="http://schemas.microsoft.com/office/drawing/2010/main" val="0"/>
-              </a:ext>
-            </a:extLst>
-          </a:blip>
-          <a:srcRect/>
-          <a:stretch>
-            <a:fillRect/>
-          </a:stretch>
-        </p:blipFill>
-        <p:spPr bwMode="auto">
-          <a:xfrm>
-            <a:off x="316894" y="2083735"/>
-            <a:ext cx="4460789" cy="4460789"/>
-          </a:xfrm>
-          <a:prstGeom prst="rect">
-            <a:avLst/>
-          </a:prstGeom>
-          <a:noFill/>
-          <a:extLst>
-            <a:ext uri="{909E8E84-426E-40DD-AFC4-6F175D3DCCD1}">
-              <a14:hiddenFill xmlns:a14="http://schemas.microsoft.com/office/drawing/2010/main">
-                <a:solidFill>
-                  <a:srgbClr val="FFFFFF"/>
-                </a:solidFill>
-              </a14:hiddenFill>
-            </a:ext>
-          </a:extLst>
-        </p:spPr>
-      </p:pic>
-      <p:pic>
-        <p:nvPicPr>
-          <p:cNvPr id="1026" name="Picture 2">
-            <a:extLst>
-              <a:ext uri="{FF2B5EF4-FFF2-40B4-BE49-F238E27FC236}">
-                <a16:creationId xmlns:a16="http://schemas.microsoft.com/office/drawing/2014/main" id="{D1AC9C57-4A7F-F547-29AC-7D28E0A698C1}"/>
-              </a:ext>
-            </a:extLst>
-          </p:cNvPr>
-          <p:cNvPicPr>
-            <a:picLocks noChangeAspect="1" noChangeArrowheads="1"/>
-          </p:cNvPicPr>
-          <p:nvPr/>
-        </p:nvPicPr>
-        <p:blipFill>
-          <a:blip r:embed="rId3">
-            <a:extLst>
-              <a:ext uri="{28A0092B-C50C-407E-A947-70E740481C1C}">
-                <a14:useLocalDpi xmlns:a14="http://schemas.microsoft.com/office/drawing/2010/main" val="0"/>
-              </a:ext>
-            </a:extLst>
-          </a:blip>
-          <a:srcRect/>
-          <a:stretch>
-            <a:fillRect/>
-          </a:stretch>
-        </p:blipFill>
-        <p:spPr bwMode="auto">
-          <a:xfrm>
-            <a:off x="5346791" y="3090124"/>
-            <a:ext cx="2448010" cy="2448010"/>
-          </a:xfrm>
-          <a:prstGeom prst="rect">
-            <a:avLst/>
-          </a:prstGeom>
-          <a:noFill/>
-          <a:extLst>
-            <a:ext uri="{909E8E84-426E-40DD-AFC4-6F175D3DCCD1}">
-              <a14:hiddenFill xmlns:a14="http://schemas.microsoft.com/office/drawing/2010/main">
-                <a:solidFill>
-                  <a:srgbClr val="FFFFFF"/>
-                </a:solidFill>
-              </a14:hiddenFill>
-            </a:ext>
-          </a:extLst>
-        </p:spPr>
-      </p:pic>
-      <p:pic>
-        <p:nvPicPr>
-          <p:cNvPr id="1030" name="Picture 6" descr="HTML - Wikipedia">
-            <a:extLst>
-              <a:ext uri="{FF2B5EF4-FFF2-40B4-BE49-F238E27FC236}">
-                <a16:creationId xmlns:a16="http://schemas.microsoft.com/office/drawing/2014/main" id="{832DF6FD-5747-3CBA-C551-E68C46AB4D38}"/>
-              </a:ext>
-            </a:extLst>
-          </p:cNvPr>
-          <p:cNvPicPr>
-            <a:picLocks noChangeAspect="1" noChangeArrowheads="1"/>
-          </p:cNvPicPr>
-          <p:nvPr/>
-        </p:nvPicPr>
-        <p:blipFill>
-          <a:blip r:embed="rId4">
-            <a:extLst>
-              <a:ext uri="{28A0092B-C50C-407E-A947-70E740481C1C}">
-                <a14:useLocalDpi xmlns:a14="http://schemas.microsoft.com/office/drawing/2010/main" val="0"/>
-              </a:ext>
-            </a:extLst>
-          </a:blip>
-          <a:srcRect/>
-          <a:stretch>
-            <a:fillRect/>
-          </a:stretch>
-        </p:blipFill>
-        <p:spPr bwMode="auto">
-          <a:xfrm>
-            <a:off x="9203686" y="3090124"/>
-            <a:ext cx="2448010" cy="2448010"/>
-          </a:xfrm>
-          <a:prstGeom prst="rect">
-            <a:avLst/>
-          </a:prstGeom>
-          <a:noFill/>
-          <a:extLst>
-            <a:ext uri="{909E8E84-426E-40DD-AFC4-6F175D3DCCD1}">
-              <a14:hiddenFill xmlns:a14="http://schemas.microsoft.com/office/drawing/2010/main">
-                <a:solidFill>
-                  <a:srgbClr val="FFFFFF"/>
-                </a:solidFill>
-              </a14:hiddenFill>
-            </a:ext>
-          </a:extLst>
-        </p:spPr>
-      </p:pic>
-      <p:pic>
-        <p:nvPicPr>
-          <p:cNvPr id="1032" name="Picture 8" descr="CSS - Wikipedia">
-            <a:extLst>
-              <a:ext uri="{FF2B5EF4-FFF2-40B4-BE49-F238E27FC236}">
-                <a16:creationId xmlns:a16="http://schemas.microsoft.com/office/drawing/2014/main" id="{277BC29C-935F-9AE1-7BD2-CF9F97C9F053}"/>
-              </a:ext>
-            </a:extLst>
-          </p:cNvPr>
-          <p:cNvPicPr>
-            <a:picLocks noChangeAspect="1" noChangeArrowheads="1"/>
-          </p:cNvPicPr>
-          <p:nvPr/>
-        </p:nvPicPr>
-        <p:blipFill>
-          <a:blip r:embed="rId5">
-            <a:extLst>
-              <a:ext uri="{28A0092B-C50C-407E-A947-70E740481C1C}">
-                <a14:useLocalDpi xmlns:a14="http://schemas.microsoft.com/office/drawing/2010/main" val="0"/>
-              </a:ext>
-            </a:extLst>
-          </a:blip>
-          <a:srcRect/>
-          <a:stretch>
-            <a:fillRect/>
-          </a:stretch>
-        </p:blipFill>
-        <p:spPr bwMode="auto">
-          <a:xfrm>
-            <a:off x="8533111" y="1010996"/>
-            <a:ext cx="826389" cy="1167438"/>
-          </a:xfrm>
-          <a:prstGeom prst="rect">
-            <a:avLst/>
-          </a:prstGeom>
-          <a:noFill/>
-          <a:extLst>
-            <a:ext uri="{909E8E84-426E-40DD-AFC4-6F175D3DCCD1}">
-              <a14:hiddenFill xmlns:a14="http://schemas.microsoft.com/office/drawing/2010/main">
-                <a:solidFill>
-                  <a:srgbClr val="FFFFFF"/>
-                </a:solidFill>
-              </a14:hiddenFill>
-            </a:ext>
-          </a:extLst>
-        </p:spPr>
-      </p:pic>
-      <p:cxnSp>
-        <p:nvCxnSpPr>
-          <p:cNvPr id="5" name="Straight Arrow Connector 4">
-            <a:extLst>
-              <a:ext uri="{FF2B5EF4-FFF2-40B4-BE49-F238E27FC236}">
-                <a16:creationId xmlns:a16="http://schemas.microsoft.com/office/drawing/2014/main" id="{393F6AF3-1800-FD5B-0E01-315919A80FB5}"/>
-              </a:ext>
-            </a:extLst>
-          </p:cNvPr>
-          <p:cNvCxnSpPr/>
-          <p:nvPr/>
-        </p:nvCxnSpPr>
-        <p:spPr>
-          <a:xfrm>
-            <a:off x="4312584" y="4314129"/>
-            <a:ext cx="506627" cy="0"/>
-          </a:xfrm>
-          <a:prstGeom prst="straightConnector1">
-            <a:avLst/>
-          </a:prstGeom>
-          <a:ln w="63500">
-            <a:solidFill>
-              <a:srgbClr val="043D4D"/>
-            </a:solidFill>
-            <a:tailEnd type="triangle"/>
-          </a:ln>
-        </p:spPr>
-        <p:style>
-          <a:lnRef idx="1">
-            <a:schemeClr val="accent1"/>
-          </a:lnRef>
-          <a:fillRef idx="0">
-            <a:schemeClr val="accent1"/>
-          </a:fillRef>
-          <a:effectRef idx="0">
-            <a:schemeClr val="accent1"/>
-          </a:effectRef>
-          <a:fontRef idx="minor">
-            <a:schemeClr val="tx1"/>
-          </a:fontRef>
-        </p:style>
-      </p:cxnSp>
-      <p:cxnSp>
-        <p:nvCxnSpPr>
-          <p:cNvPr id="6" name="Straight Arrow Connector 5">
-            <a:extLst>
-              <a:ext uri="{FF2B5EF4-FFF2-40B4-BE49-F238E27FC236}">
-                <a16:creationId xmlns:a16="http://schemas.microsoft.com/office/drawing/2014/main" id="{62717A5B-C61F-AFEB-95F1-1FDCFA56E9EC}"/>
-              </a:ext>
-            </a:extLst>
-          </p:cNvPr>
-          <p:cNvCxnSpPr/>
-          <p:nvPr/>
-        </p:nvCxnSpPr>
-        <p:spPr>
-          <a:xfrm>
-            <a:off x="8468464" y="4314129"/>
-            <a:ext cx="506627" cy="0"/>
-          </a:xfrm>
-          <a:prstGeom prst="straightConnector1">
-            <a:avLst/>
-          </a:prstGeom>
-          <a:ln w="63500">
-            <a:solidFill>
-              <a:srgbClr val="043D4D"/>
-            </a:solidFill>
-            <a:tailEnd type="triangle"/>
-          </a:ln>
-        </p:spPr>
-        <p:style>
-          <a:lnRef idx="1">
-            <a:schemeClr val="accent1"/>
-          </a:lnRef>
-          <a:fillRef idx="0">
-            <a:schemeClr val="accent1"/>
-          </a:fillRef>
-          <a:effectRef idx="0">
-            <a:schemeClr val="accent1"/>
-          </a:effectRef>
-          <a:fontRef idx="minor">
-            <a:schemeClr val="tx1"/>
-          </a:fontRef>
-        </p:style>
-      </p:cxnSp>
-      <p:cxnSp>
-        <p:nvCxnSpPr>
-          <p:cNvPr id="7" name="Straight Arrow Connector 6">
-            <a:extLst>
-              <a:ext uri="{FF2B5EF4-FFF2-40B4-BE49-F238E27FC236}">
-                <a16:creationId xmlns:a16="http://schemas.microsoft.com/office/drawing/2014/main" id="{7BFFD168-25DA-61DE-73A4-857B8831C027}"/>
-              </a:ext>
-            </a:extLst>
-          </p:cNvPr>
-          <p:cNvCxnSpPr>
-            <a:cxnSpLocks/>
-          </p:cNvCxnSpPr>
-          <p:nvPr/>
-        </p:nvCxnSpPr>
-        <p:spPr>
-          <a:xfrm rot="3600000">
-            <a:off x="9173159" y="2560312"/>
-            <a:ext cx="506627" cy="0"/>
-          </a:xfrm>
-          <a:prstGeom prst="straightConnector1">
-            <a:avLst/>
-          </a:prstGeom>
-          <a:ln w="63500">
-            <a:solidFill>
-              <a:srgbClr val="043D4D"/>
-            </a:solidFill>
-            <a:tailEnd type="triangle"/>
-          </a:ln>
-        </p:spPr>
-        <p:style>
-          <a:lnRef idx="1">
-            <a:schemeClr val="accent1"/>
-          </a:lnRef>
-          <a:fillRef idx="0">
-            <a:schemeClr val="accent1"/>
-          </a:fillRef>
-          <a:effectRef idx="0">
-            <a:schemeClr val="accent1"/>
-          </a:effectRef>
-          <a:fontRef idx="minor">
-            <a:schemeClr val="tx1"/>
-          </a:fontRef>
-        </p:style>
-      </p:cxnSp>
-      <p:sp>
-        <p:nvSpPr>
-          <p:cNvPr id="10" name="TextBox 9">
-            <a:extLst>
-              <a:ext uri="{FF2B5EF4-FFF2-40B4-BE49-F238E27FC236}">
-                <a16:creationId xmlns:a16="http://schemas.microsoft.com/office/drawing/2014/main" id="{4E20BD24-16BF-2B52-98E0-5B9B54A02758}"/>
-              </a:ext>
-            </a:extLst>
-          </p:cNvPr>
-          <p:cNvSpPr txBox="1"/>
-          <p:nvPr/>
-        </p:nvSpPr>
-        <p:spPr>
-          <a:xfrm>
-            <a:off x="722517" y="492851"/>
-            <a:ext cx="3181705" cy="1323439"/>
-          </a:xfrm>
-          <a:prstGeom prst="rect">
-            <a:avLst/>
-          </a:prstGeom>
-          <a:noFill/>
-        </p:spPr>
-        <p:txBody>
-          <a:bodyPr wrap="none" rtlCol="0">
-            <a:spAutoFit/>
-          </a:bodyPr>
-          <a:lstStyle/>
-          <a:p>
-            <a:r>
-              <a:rPr lang="en-US" sz="8000" dirty="0">
-                <a:solidFill>
-                  <a:srgbClr val="043D4D"/>
-                </a:solidFill>
-                <a:latin typeface="DIN Condensed" pitchFamily="2" charset="0"/>
-                <a:cs typeface="Aharoni" panose="02010803020104030203" pitchFamily="2" charset="-79"/>
-              </a:rPr>
-              <a:t>Workflow</a:t>
-            </a:r>
-          </a:p>
-        </p:txBody>
-      </p:sp>
-    </p:spTree>
-    <p:extLst>
-      <p:ext uri="{BB962C8B-B14F-4D97-AF65-F5344CB8AC3E}">
-        <p14:creationId xmlns:p14="http://schemas.microsoft.com/office/powerpoint/2010/main" val="3957441001"/>
-      </p:ext>
-    </p:extLst>
-  </p:cSld>
-  <p:clrMapOvr>
-    <a:masterClrMapping/>
-  </p:clrMapOvr>
-</p:sld>
-</file>
-
-<file path=ppt/slides/slide6.xml><?xml version="1.0" encoding="utf-8"?>
-<p:sld xmlns:a="http://schemas.openxmlformats.org/drawingml/2006/main" xmlns:r="http://schemas.openxmlformats.org/officeDocument/2006/relationships" xmlns:p="http://schemas.openxmlformats.org/presentationml/2006/main">
-  <p:cSld>
-    <p:spTree>
-      <p:nvGrpSpPr>
-        <p:cNvPr id="1" name=""/>
-        <p:cNvGrpSpPr/>
-        <p:nvPr/>
-      </p:nvGrpSpPr>
-      <p:grpSpPr>
-        <a:xfrm>
-          <a:off x="0" y="0"/>
-          <a:ext cx="0" cy="0"/>
-          <a:chOff x="0" y="0"/>
-          <a:chExt cx="0" cy="0"/>
-        </a:xfrm>
-      </p:grpSpPr>
-      <p:pic>
-        <p:nvPicPr>
           <p:cNvPr id="18" name="Picture 4" descr="What is Python Coding?">
             <a:extLst>
               <a:ext uri="{FF2B5EF4-FFF2-40B4-BE49-F238E27FC236}">
@@ -9812,6 +9495,603 @@
 </p:sld>
 </file>
 
+<file path=ppt/slides/slide6.xml><?xml version="1.0" encoding="utf-8"?>
+<p:sld xmlns:a="http://schemas.openxmlformats.org/drawingml/2006/main" xmlns:r="http://schemas.openxmlformats.org/officeDocument/2006/relationships" xmlns:p="http://schemas.openxmlformats.org/presentationml/2006/main">
+  <p:cSld>
+    <p:spTree>
+      <p:nvGrpSpPr>
+        <p:cNvPr id="1" name=""/>
+        <p:cNvGrpSpPr/>
+        <p:nvPr/>
+      </p:nvGrpSpPr>
+      <p:grpSpPr>
+        <a:xfrm>
+          <a:off x="0" y="0"/>
+          <a:ext cx="0" cy="0"/>
+          <a:chOff x="0" y="0"/>
+          <a:chExt cx="0" cy="0"/>
+        </a:xfrm>
+      </p:grpSpPr>
+      <p:sp>
+        <p:nvSpPr>
+          <p:cNvPr id="4" name="TextBox 3">
+            <a:extLst>
+              <a:ext uri="{FF2B5EF4-FFF2-40B4-BE49-F238E27FC236}">
+                <a16:creationId xmlns:a16="http://schemas.microsoft.com/office/drawing/2014/main" id="{B05A8C33-3DB9-0ECF-9D9C-8C6C1F6928C6}"/>
+              </a:ext>
+            </a:extLst>
+          </p:cNvPr>
+          <p:cNvSpPr txBox="1"/>
+          <p:nvPr/>
+        </p:nvSpPr>
+        <p:spPr>
+          <a:xfrm>
+            <a:off x="722517" y="492851"/>
+            <a:ext cx="1835759" cy="1323439"/>
+          </a:xfrm>
+          <a:prstGeom prst="rect">
+            <a:avLst/>
+          </a:prstGeom>
+          <a:noFill/>
+        </p:spPr>
+        <p:txBody>
+          <a:bodyPr wrap="none" rtlCol="0">
+            <a:spAutoFit/>
+          </a:bodyPr>
+          <a:lstStyle/>
+          <a:p>
+            <a:r>
+              <a:rPr lang="en-US" sz="8000" dirty="0">
+                <a:solidFill>
+                  <a:srgbClr val="043D4D"/>
+                </a:solidFill>
+                <a:latin typeface="DIN Condensed" pitchFamily="2" charset="0"/>
+                <a:cs typeface="Aharoni" panose="02010803020104030203" pitchFamily="2" charset="-79"/>
+              </a:rPr>
+              <a:t>JSON</a:t>
+            </a:r>
+          </a:p>
+        </p:txBody>
+      </p:sp>
+      <p:sp>
+        <p:nvSpPr>
+          <p:cNvPr id="6" name="TextBox 5">
+            <a:extLst>
+              <a:ext uri="{FF2B5EF4-FFF2-40B4-BE49-F238E27FC236}">
+                <a16:creationId xmlns:a16="http://schemas.microsoft.com/office/drawing/2014/main" id="{5A1096C9-DABB-8DA8-FE70-789BF979FB56}"/>
+              </a:ext>
+            </a:extLst>
+          </p:cNvPr>
+          <p:cNvSpPr txBox="1"/>
+          <p:nvPr/>
+        </p:nvSpPr>
+        <p:spPr>
+          <a:xfrm>
+            <a:off x="6425184" y="6550223"/>
+            <a:ext cx="5766816" cy="307777"/>
+          </a:xfrm>
+          <a:prstGeom prst="rect">
+            <a:avLst/>
+          </a:prstGeom>
+          <a:noFill/>
+        </p:spPr>
+        <p:txBody>
+          <a:bodyPr wrap="square">
+            <a:spAutoFit/>
+          </a:bodyPr>
+          <a:lstStyle/>
+          <a:p>
+            <a:pPr algn="r"/>
+            <a:r>
+              <a:rPr lang="en-US" sz="1400" dirty="0">
+                <a:solidFill>
+                  <a:srgbClr val="043D4D"/>
+                </a:solidFill>
+                <a:latin typeface="Arial" panose="020B0604020202020204" pitchFamily="34" charset="0"/>
+                <a:cs typeface="Arial" panose="020B0604020202020204" pitchFamily="34" charset="0"/>
+              </a:rPr>
+              <a:t>https://</a:t>
+            </a:r>
+            <a:r>
+              <a:rPr lang="en-US" sz="1400" dirty="0" err="1">
+                <a:solidFill>
+                  <a:srgbClr val="043D4D"/>
+                </a:solidFill>
+                <a:latin typeface="Arial" panose="020B0604020202020204" pitchFamily="34" charset="0"/>
+                <a:cs typeface="Arial" panose="020B0604020202020204" pitchFamily="34" charset="0"/>
+              </a:rPr>
+              <a:t>github.com</a:t>
+            </a:r>
+            <a:r>
+              <a:rPr lang="en-US" sz="1400" dirty="0">
+                <a:solidFill>
+                  <a:srgbClr val="043D4D"/>
+                </a:solidFill>
+                <a:latin typeface="Arial" panose="020B0604020202020204" pitchFamily="34" charset="0"/>
+                <a:cs typeface="Arial" panose="020B0604020202020204" pitchFamily="34" charset="0"/>
+              </a:rPr>
+              <a:t>/</a:t>
+            </a:r>
+            <a:r>
+              <a:rPr lang="en-US" sz="1400" dirty="0" err="1">
+                <a:solidFill>
+                  <a:srgbClr val="043D4D"/>
+                </a:solidFill>
+                <a:latin typeface="Arial" panose="020B0604020202020204" pitchFamily="34" charset="0"/>
+                <a:cs typeface="Arial" panose="020B0604020202020204" pitchFamily="34" charset="0"/>
+              </a:rPr>
+              <a:t>kitchensjn</a:t>
+            </a:r>
+            <a:r>
+              <a:rPr lang="en-US" sz="1400" dirty="0">
+                <a:solidFill>
+                  <a:srgbClr val="043D4D"/>
+                </a:solidFill>
+                <a:latin typeface="Arial" panose="020B0604020202020204" pitchFamily="34" charset="0"/>
+                <a:cs typeface="Arial" panose="020B0604020202020204" pitchFamily="34" charset="0"/>
+              </a:rPr>
+              <a:t>/</a:t>
+            </a:r>
+            <a:r>
+              <a:rPr lang="en-US" sz="1400" dirty="0" err="1">
+                <a:solidFill>
+                  <a:srgbClr val="043D4D"/>
+                </a:solidFill>
+                <a:latin typeface="Arial" panose="020B0604020202020204" pitchFamily="34" charset="0"/>
+                <a:cs typeface="Arial" panose="020B0604020202020204" pitchFamily="34" charset="0"/>
+              </a:rPr>
+              <a:t>tskit_arg_visualizer</a:t>
+            </a:r>
+            <a:r>
+              <a:rPr lang="en-US" sz="1400" dirty="0">
+                <a:solidFill>
+                  <a:srgbClr val="043D4D"/>
+                </a:solidFill>
+                <a:latin typeface="Arial" panose="020B0604020202020204" pitchFamily="34" charset="0"/>
+                <a:cs typeface="Arial" panose="020B0604020202020204" pitchFamily="34" charset="0"/>
+              </a:rPr>
+              <a:t>/blob/main/</a:t>
+            </a:r>
+            <a:r>
+              <a:rPr lang="en-US" sz="1400" dirty="0" err="1">
+                <a:solidFill>
+                  <a:srgbClr val="043D4D"/>
+                </a:solidFill>
+                <a:latin typeface="Arial" panose="020B0604020202020204" pitchFamily="34" charset="0"/>
+                <a:cs typeface="Arial" panose="020B0604020202020204" pitchFamily="34" charset="0"/>
+              </a:rPr>
+              <a:t>plotting.md</a:t>
+            </a:r>
+            <a:endParaRPr lang="en-US" sz="1400" dirty="0">
+              <a:solidFill>
+                <a:srgbClr val="043D4D"/>
+              </a:solidFill>
+              <a:latin typeface="Arial" panose="020B0604020202020204" pitchFamily="34" charset="0"/>
+              <a:cs typeface="Arial" panose="020B0604020202020204" pitchFamily="34" charset="0"/>
+            </a:endParaRPr>
+          </a:p>
+        </p:txBody>
+      </p:sp>
+      <p:sp>
+        <p:nvSpPr>
+          <p:cNvPr id="7" name="Right Brace 6">
+            <a:extLst>
+              <a:ext uri="{FF2B5EF4-FFF2-40B4-BE49-F238E27FC236}">
+                <a16:creationId xmlns:a16="http://schemas.microsoft.com/office/drawing/2014/main" id="{5AE150C6-64CA-82DA-A979-40F8922F9E58}"/>
+              </a:ext>
+            </a:extLst>
+          </p:cNvPr>
+          <p:cNvSpPr/>
+          <p:nvPr/>
+        </p:nvSpPr>
+        <p:spPr>
+          <a:xfrm>
+            <a:off x="5003617" y="2194559"/>
+            <a:ext cx="1597152" cy="1005839"/>
+          </a:xfrm>
+          <a:prstGeom prst="rightBrace">
+            <a:avLst/>
+          </a:prstGeom>
+          <a:ln w="63500">
+            <a:solidFill>
+              <a:srgbClr val="043D4D"/>
+            </a:solidFill>
+          </a:ln>
+        </p:spPr>
+        <p:style>
+          <a:lnRef idx="1">
+            <a:schemeClr val="accent1"/>
+          </a:lnRef>
+          <a:fillRef idx="0">
+            <a:schemeClr val="accent1"/>
+          </a:fillRef>
+          <a:effectRef idx="0">
+            <a:schemeClr val="accent1"/>
+          </a:effectRef>
+          <a:fontRef idx="minor">
+            <a:schemeClr val="tx1"/>
+          </a:fontRef>
+        </p:style>
+        <p:txBody>
+          <a:bodyPr rtlCol="0" anchor="ctr"/>
+          <a:lstStyle/>
+          <a:p>
+            <a:pPr algn="ctr"/>
+            <a:endParaRPr lang="en-US"/>
+          </a:p>
+        </p:txBody>
+      </p:sp>
+      <p:sp>
+        <p:nvSpPr>
+          <p:cNvPr id="8" name="Right Brace 7">
+            <a:extLst>
+              <a:ext uri="{FF2B5EF4-FFF2-40B4-BE49-F238E27FC236}">
+                <a16:creationId xmlns:a16="http://schemas.microsoft.com/office/drawing/2014/main" id="{6AE7CEE9-BF8F-5843-FDC9-A3DB9F5F4388}"/>
+              </a:ext>
+            </a:extLst>
+          </p:cNvPr>
+          <p:cNvSpPr/>
+          <p:nvPr/>
+        </p:nvSpPr>
+        <p:spPr>
+          <a:xfrm>
+            <a:off x="5003617" y="3657601"/>
+            <a:ext cx="1597152" cy="2218944"/>
+          </a:xfrm>
+          <a:prstGeom prst="rightBrace">
+            <a:avLst/>
+          </a:prstGeom>
+          <a:ln w="63500">
+            <a:solidFill>
+              <a:srgbClr val="043D4D"/>
+            </a:solidFill>
+          </a:ln>
+        </p:spPr>
+        <p:style>
+          <a:lnRef idx="1">
+            <a:schemeClr val="accent1"/>
+          </a:lnRef>
+          <a:fillRef idx="0">
+            <a:schemeClr val="accent1"/>
+          </a:fillRef>
+          <a:effectRef idx="0">
+            <a:schemeClr val="accent1"/>
+          </a:effectRef>
+          <a:fontRef idx="minor">
+            <a:schemeClr val="tx1"/>
+          </a:fontRef>
+        </p:style>
+        <p:txBody>
+          <a:bodyPr rtlCol="0" anchor="ctr"/>
+          <a:lstStyle/>
+          <a:p>
+            <a:pPr algn="ctr"/>
+            <a:endParaRPr lang="en-US"/>
+          </a:p>
+        </p:txBody>
+      </p:sp>
+      <p:sp>
+        <p:nvSpPr>
+          <p:cNvPr id="10" name="TextBox 9">
+            <a:extLst>
+              <a:ext uri="{FF2B5EF4-FFF2-40B4-BE49-F238E27FC236}">
+                <a16:creationId xmlns:a16="http://schemas.microsoft.com/office/drawing/2014/main" id="{701C1C2A-23F1-4276-98DE-4591A93D55D4}"/>
+              </a:ext>
+            </a:extLst>
+          </p:cNvPr>
+          <p:cNvSpPr txBox="1"/>
+          <p:nvPr/>
+        </p:nvSpPr>
+        <p:spPr>
+          <a:xfrm>
+            <a:off x="7125025" y="2220424"/>
+            <a:ext cx="3490423" cy="954107"/>
+          </a:xfrm>
+          <a:prstGeom prst="rect">
+            <a:avLst/>
+          </a:prstGeom>
+          <a:noFill/>
+        </p:spPr>
+        <p:txBody>
+          <a:bodyPr wrap="square" rtlCol="0">
+            <a:spAutoFit/>
+          </a:bodyPr>
+          <a:lstStyle/>
+          <a:p>
+            <a:r>
+              <a:rPr lang="en-US" sz="2800" dirty="0">
+                <a:solidFill>
+                  <a:srgbClr val="043D4D"/>
+                </a:solidFill>
+                <a:latin typeface="Arial" panose="020B0604020202020204" pitchFamily="34" charset="0"/>
+                <a:cs typeface="Arial" panose="020B0604020202020204" pitchFamily="34" charset="0"/>
+              </a:rPr>
+              <a:t>Modified versions of the tables from </a:t>
+            </a:r>
+            <a:r>
+              <a:rPr lang="en-US" sz="2800" dirty="0" err="1">
+                <a:solidFill>
+                  <a:srgbClr val="043D4D"/>
+                </a:solidFill>
+                <a:latin typeface="Arial" panose="020B0604020202020204" pitchFamily="34" charset="0"/>
+                <a:cs typeface="Arial" panose="020B0604020202020204" pitchFamily="34" charset="0"/>
+              </a:rPr>
+              <a:t>tskit</a:t>
+            </a:r>
+            <a:endParaRPr lang="en-US" sz="2800" dirty="0">
+              <a:solidFill>
+                <a:srgbClr val="043D4D"/>
+              </a:solidFill>
+              <a:latin typeface="Arial" panose="020B0604020202020204" pitchFamily="34" charset="0"/>
+              <a:cs typeface="Arial" panose="020B0604020202020204" pitchFamily="34" charset="0"/>
+            </a:endParaRPr>
+          </a:p>
+        </p:txBody>
+      </p:sp>
+      <p:sp>
+        <p:nvSpPr>
+          <p:cNvPr id="11" name="TextBox 10">
+            <a:extLst>
+              <a:ext uri="{FF2B5EF4-FFF2-40B4-BE49-F238E27FC236}">
+                <a16:creationId xmlns:a16="http://schemas.microsoft.com/office/drawing/2014/main" id="{9FD2E621-270E-A35F-6E0B-66E107F67D1A}"/>
+              </a:ext>
+            </a:extLst>
+          </p:cNvPr>
+          <p:cNvSpPr txBox="1"/>
+          <p:nvPr/>
+        </p:nvSpPr>
+        <p:spPr>
+          <a:xfrm>
+            <a:off x="1451806" y="1999170"/>
+            <a:ext cx="3289683" cy="4139595"/>
+          </a:xfrm>
+          <a:prstGeom prst="rect">
+            <a:avLst/>
+          </a:prstGeom>
+          <a:noFill/>
+        </p:spPr>
+        <p:txBody>
+          <a:bodyPr wrap="none" rtlCol="0">
+            <a:spAutoFit/>
+          </a:bodyPr>
+          <a:lstStyle/>
+          <a:p>
+            <a:pPr marL="457200" indent="-457200">
+              <a:buFontTx/>
+              <a:buChar char="-"/>
+            </a:pPr>
+            <a:r>
+              <a:rPr lang="en-US" sz="2800" dirty="0">
+                <a:solidFill>
+                  <a:srgbClr val="043D4D"/>
+                </a:solidFill>
+                <a:latin typeface="Arial" panose="020B0604020202020204" pitchFamily="34" charset="0"/>
+                <a:cs typeface="Arial" panose="020B0604020202020204" pitchFamily="34" charset="0"/>
+              </a:rPr>
+              <a:t>nodes</a:t>
+            </a:r>
+          </a:p>
+          <a:p>
+            <a:pPr marL="457200" indent="-457200">
+              <a:buFontTx/>
+              <a:buChar char="-"/>
+            </a:pPr>
+            <a:r>
+              <a:rPr lang="en-US" sz="2800" dirty="0">
+                <a:solidFill>
+                  <a:srgbClr val="043D4D"/>
+                </a:solidFill>
+                <a:latin typeface="Arial" panose="020B0604020202020204" pitchFamily="34" charset="0"/>
+                <a:cs typeface="Arial" panose="020B0604020202020204" pitchFamily="34" charset="0"/>
+              </a:rPr>
+              <a:t>links</a:t>
+            </a:r>
+          </a:p>
+          <a:p>
+            <a:pPr marL="457200" indent="-457200">
+              <a:buFontTx/>
+              <a:buChar char="-"/>
+            </a:pPr>
+            <a:r>
+              <a:rPr lang="en-US" sz="2800" dirty="0">
+                <a:solidFill>
+                  <a:srgbClr val="043D4D"/>
+                </a:solidFill>
+                <a:latin typeface="Arial" panose="020B0604020202020204" pitchFamily="34" charset="0"/>
+                <a:cs typeface="Arial" panose="020B0604020202020204" pitchFamily="34" charset="0"/>
+              </a:rPr>
+              <a:t>breakpoints</a:t>
+            </a:r>
+          </a:p>
+          <a:p>
+            <a:endParaRPr lang="en-US" sz="1100" dirty="0">
+              <a:solidFill>
+                <a:srgbClr val="043D4D"/>
+              </a:solidFill>
+              <a:latin typeface="Arial" panose="020B0604020202020204" pitchFamily="34" charset="0"/>
+              <a:cs typeface="Arial" panose="020B0604020202020204" pitchFamily="34" charset="0"/>
+            </a:endParaRPr>
+          </a:p>
+          <a:p>
+            <a:pPr marL="457200" indent="-457200">
+              <a:buFontTx/>
+              <a:buChar char="-"/>
+            </a:pPr>
+            <a:r>
+              <a:rPr lang="en-US" sz="2800" dirty="0">
+                <a:solidFill>
+                  <a:srgbClr val="043D4D"/>
+                </a:solidFill>
+                <a:latin typeface="Arial" panose="020B0604020202020204" pitchFamily="34" charset="0"/>
+                <a:cs typeface="Arial" panose="020B0604020202020204" pitchFamily="34" charset="0"/>
+              </a:rPr>
+              <a:t>width</a:t>
+            </a:r>
+          </a:p>
+          <a:p>
+            <a:pPr marL="457200" indent="-457200">
+              <a:buFontTx/>
+              <a:buChar char="-"/>
+            </a:pPr>
+            <a:r>
+              <a:rPr lang="en-US" sz="2800" dirty="0">
+                <a:solidFill>
+                  <a:srgbClr val="043D4D"/>
+                </a:solidFill>
+                <a:latin typeface="Arial" panose="020B0604020202020204" pitchFamily="34" charset="0"/>
+                <a:cs typeface="Arial" panose="020B0604020202020204" pitchFamily="34" charset="0"/>
+              </a:rPr>
+              <a:t>height</a:t>
+            </a:r>
+          </a:p>
+          <a:p>
+            <a:pPr marL="457200" indent="-457200">
+              <a:buFontTx/>
+              <a:buChar char="-"/>
+            </a:pPr>
+            <a:r>
+              <a:rPr lang="en-US" sz="2800" dirty="0" err="1">
+                <a:solidFill>
+                  <a:srgbClr val="043D4D"/>
+                </a:solidFill>
+                <a:latin typeface="Arial" panose="020B0604020202020204" pitchFamily="34" charset="0"/>
+                <a:cs typeface="Arial" panose="020B0604020202020204" pitchFamily="34" charset="0"/>
+              </a:rPr>
+              <a:t>tree_highlighting</a:t>
+            </a:r>
+            <a:endParaRPr lang="en-US" sz="2800" dirty="0">
+              <a:solidFill>
+                <a:srgbClr val="043D4D"/>
+              </a:solidFill>
+              <a:latin typeface="Arial" panose="020B0604020202020204" pitchFamily="34" charset="0"/>
+              <a:cs typeface="Arial" panose="020B0604020202020204" pitchFamily="34" charset="0"/>
+            </a:endParaRPr>
+          </a:p>
+          <a:p>
+            <a:pPr marL="457200" indent="-457200">
+              <a:buFontTx/>
+              <a:buChar char="-"/>
+            </a:pPr>
+            <a:r>
+              <a:rPr lang="en-US" sz="2800" dirty="0" err="1">
+                <a:solidFill>
+                  <a:srgbClr val="043D4D"/>
+                </a:solidFill>
+                <a:latin typeface="Arial" panose="020B0604020202020204" pitchFamily="34" charset="0"/>
+                <a:cs typeface="Arial" panose="020B0604020202020204" pitchFamily="34" charset="0"/>
+              </a:rPr>
+              <a:t>y_axis</a:t>
+            </a:r>
+            <a:endParaRPr lang="en-US" sz="2800" dirty="0">
+              <a:solidFill>
+                <a:srgbClr val="043D4D"/>
+              </a:solidFill>
+              <a:latin typeface="Arial" panose="020B0604020202020204" pitchFamily="34" charset="0"/>
+              <a:cs typeface="Arial" panose="020B0604020202020204" pitchFamily="34" charset="0"/>
+            </a:endParaRPr>
+          </a:p>
+          <a:p>
+            <a:pPr marL="457200" indent="-457200">
+              <a:buFontTx/>
+              <a:buChar char="-"/>
+            </a:pPr>
+            <a:r>
+              <a:rPr lang="en-US" sz="2800" dirty="0" err="1">
+                <a:solidFill>
+                  <a:srgbClr val="043D4D"/>
+                </a:solidFill>
+                <a:latin typeface="Arial" panose="020B0604020202020204" pitchFamily="34" charset="0"/>
+                <a:cs typeface="Arial" panose="020B0604020202020204" pitchFamily="34" charset="0"/>
+              </a:rPr>
+              <a:t>edge_type</a:t>
+            </a:r>
+            <a:endParaRPr lang="en-US" sz="2800" dirty="0">
+              <a:solidFill>
+                <a:srgbClr val="043D4D"/>
+              </a:solidFill>
+              <a:latin typeface="Arial" panose="020B0604020202020204" pitchFamily="34" charset="0"/>
+              <a:cs typeface="Arial" panose="020B0604020202020204" pitchFamily="34" charset="0"/>
+            </a:endParaRPr>
+          </a:p>
+          <a:p>
+            <a:pPr marL="457200" indent="-457200">
+              <a:buFontTx/>
+              <a:buChar char="-"/>
+            </a:pPr>
+            <a:r>
+              <a:rPr lang="en-US" sz="2800" dirty="0" err="1">
+                <a:solidFill>
+                  <a:srgbClr val="043D4D"/>
+                </a:solidFill>
+                <a:latin typeface="Arial" panose="020B0604020202020204" pitchFamily="34" charset="0"/>
+                <a:cs typeface="Arial" panose="020B0604020202020204" pitchFamily="34" charset="0"/>
+              </a:rPr>
+              <a:t>subset_nodes</a:t>
+            </a:r>
+            <a:endParaRPr lang="en-US" dirty="0">
+              <a:solidFill>
+                <a:srgbClr val="043D4D"/>
+              </a:solidFill>
+              <a:latin typeface="Arial" panose="020B0604020202020204" pitchFamily="34" charset="0"/>
+              <a:cs typeface="Arial" panose="020B0604020202020204" pitchFamily="34" charset="0"/>
+            </a:endParaRPr>
+          </a:p>
+        </p:txBody>
+      </p:sp>
+      <p:sp>
+        <p:nvSpPr>
+          <p:cNvPr id="14" name="TextBox 13">
+            <a:extLst>
+              <a:ext uri="{FF2B5EF4-FFF2-40B4-BE49-F238E27FC236}">
+                <a16:creationId xmlns:a16="http://schemas.microsoft.com/office/drawing/2014/main" id="{C82EC6A0-2BBE-2434-70D8-A008DD62B334}"/>
+              </a:ext>
+            </a:extLst>
+          </p:cNvPr>
+          <p:cNvSpPr txBox="1"/>
+          <p:nvPr/>
+        </p:nvSpPr>
+        <p:spPr>
+          <a:xfrm>
+            <a:off x="7125025" y="4505463"/>
+            <a:ext cx="4523995" cy="523220"/>
+          </a:xfrm>
+          <a:prstGeom prst="rect">
+            <a:avLst/>
+          </a:prstGeom>
+          <a:noFill/>
+        </p:spPr>
+        <p:txBody>
+          <a:bodyPr wrap="none" rtlCol="0">
+            <a:spAutoFit/>
+          </a:bodyPr>
+          <a:lstStyle/>
+          <a:p>
+            <a:r>
+              <a:rPr lang="en-US" sz="2800" dirty="0">
+                <a:solidFill>
+                  <a:srgbClr val="043D4D"/>
+                </a:solidFill>
+                <a:latin typeface="Arial" panose="020B0604020202020204" pitchFamily="34" charset="0"/>
+                <a:cs typeface="Arial" panose="020B0604020202020204" pitchFamily="34" charset="0"/>
+              </a:rPr>
+              <a:t>Describes the graph styling</a:t>
+            </a:r>
+          </a:p>
+        </p:txBody>
+      </p:sp>
+    </p:spTree>
+    <p:extLst>
+      <p:ext uri="{BB962C8B-B14F-4D97-AF65-F5344CB8AC3E}">
+        <p14:creationId xmlns:p14="http://schemas.microsoft.com/office/powerpoint/2010/main" val="1897785487"/>
+      </p:ext>
+    </p:extLst>
+  </p:cSld>
+  <p:clrMapOvr>
+    <a:masterClrMapping/>
+  </p:clrMapOvr>
+</p:sld>
+</file>
+
 <file path=ppt/slides/slide7.xml><?xml version="1.0" encoding="utf-8"?>
 <p:sld xmlns:a="http://schemas.openxmlformats.org/drawingml/2006/main" xmlns:r="http://schemas.openxmlformats.org/officeDocument/2006/relationships" xmlns:p="http://schemas.openxmlformats.org/presentationml/2006/main">
   <p:cSld>
@@ -9844,603 +10124,6 @@
         <p:spPr>
           <a:xfrm>
             <a:off x="722517" y="492851"/>
-            <a:ext cx="1835759" cy="1323439"/>
-          </a:xfrm>
-          <a:prstGeom prst="rect">
-            <a:avLst/>
-          </a:prstGeom>
-          <a:noFill/>
-        </p:spPr>
-        <p:txBody>
-          <a:bodyPr wrap="none" rtlCol="0">
-            <a:spAutoFit/>
-          </a:bodyPr>
-          <a:lstStyle/>
-          <a:p>
-            <a:r>
-              <a:rPr lang="en-US" sz="8000" dirty="0">
-                <a:solidFill>
-                  <a:srgbClr val="043D4D"/>
-                </a:solidFill>
-                <a:latin typeface="DIN Condensed" pitchFamily="2" charset="0"/>
-                <a:cs typeface="Aharoni" panose="02010803020104030203" pitchFamily="2" charset="-79"/>
-              </a:rPr>
-              <a:t>JSON</a:t>
-            </a:r>
-          </a:p>
-        </p:txBody>
-      </p:sp>
-      <p:sp>
-        <p:nvSpPr>
-          <p:cNvPr id="6" name="TextBox 5">
-            <a:extLst>
-              <a:ext uri="{FF2B5EF4-FFF2-40B4-BE49-F238E27FC236}">
-                <a16:creationId xmlns:a16="http://schemas.microsoft.com/office/drawing/2014/main" id="{5A1096C9-DABB-8DA8-FE70-789BF979FB56}"/>
-              </a:ext>
-            </a:extLst>
-          </p:cNvPr>
-          <p:cNvSpPr txBox="1"/>
-          <p:nvPr/>
-        </p:nvSpPr>
-        <p:spPr>
-          <a:xfrm>
-            <a:off x="6425184" y="6550223"/>
-            <a:ext cx="5766816" cy="307777"/>
-          </a:xfrm>
-          <a:prstGeom prst="rect">
-            <a:avLst/>
-          </a:prstGeom>
-          <a:noFill/>
-        </p:spPr>
-        <p:txBody>
-          <a:bodyPr wrap="square">
-            <a:spAutoFit/>
-          </a:bodyPr>
-          <a:lstStyle/>
-          <a:p>
-            <a:pPr algn="r"/>
-            <a:r>
-              <a:rPr lang="en-US" sz="1400" dirty="0">
-                <a:solidFill>
-                  <a:srgbClr val="043D4D"/>
-                </a:solidFill>
-                <a:latin typeface="Arial" panose="020B0604020202020204" pitchFamily="34" charset="0"/>
-                <a:cs typeface="Arial" panose="020B0604020202020204" pitchFamily="34" charset="0"/>
-              </a:rPr>
-              <a:t>https://</a:t>
-            </a:r>
-            <a:r>
-              <a:rPr lang="en-US" sz="1400" dirty="0" err="1">
-                <a:solidFill>
-                  <a:srgbClr val="043D4D"/>
-                </a:solidFill>
-                <a:latin typeface="Arial" panose="020B0604020202020204" pitchFamily="34" charset="0"/>
-                <a:cs typeface="Arial" panose="020B0604020202020204" pitchFamily="34" charset="0"/>
-              </a:rPr>
-              <a:t>github.com</a:t>
-            </a:r>
-            <a:r>
-              <a:rPr lang="en-US" sz="1400" dirty="0">
-                <a:solidFill>
-                  <a:srgbClr val="043D4D"/>
-                </a:solidFill>
-                <a:latin typeface="Arial" panose="020B0604020202020204" pitchFamily="34" charset="0"/>
-                <a:cs typeface="Arial" panose="020B0604020202020204" pitchFamily="34" charset="0"/>
-              </a:rPr>
-              <a:t>/</a:t>
-            </a:r>
-            <a:r>
-              <a:rPr lang="en-US" sz="1400" dirty="0" err="1">
-                <a:solidFill>
-                  <a:srgbClr val="043D4D"/>
-                </a:solidFill>
-                <a:latin typeface="Arial" panose="020B0604020202020204" pitchFamily="34" charset="0"/>
-                <a:cs typeface="Arial" panose="020B0604020202020204" pitchFamily="34" charset="0"/>
-              </a:rPr>
-              <a:t>kitchensjn</a:t>
-            </a:r>
-            <a:r>
-              <a:rPr lang="en-US" sz="1400" dirty="0">
-                <a:solidFill>
-                  <a:srgbClr val="043D4D"/>
-                </a:solidFill>
-                <a:latin typeface="Arial" panose="020B0604020202020204" pitchFamily="34" charset="0"/>
-                <a:cs typeface="Arial" panose="020B0604020202020204" pitchFamily="34" charset="0"/>
-              </a:rPr>
-              <a:t>/</a:t>
-            </a:r>
-            <a:r>
-              <a:rPr lang="en-US" sz="1400" dirty="0" err="1">
-                <a:solidFill>
-                  <a:srgbClr val="043D4D"/>
-                </a:solidFill>
-                <a:latin typeface="Arial" panose="020B0604020202020204" pitchFamily="34" charset="0"/>
-                <a:cs typeface="Arial" panose="020B0604020202020204" pitchFamily="34" charset="0"/>
-              </a:rPr>
-              <a:t>tskit_arg_visualizer</a:t>
-            </a:r>
-            <a:r>
-              <a:rPr lang="en-US" sz="1400" dirty="0">
-                <a:solidFill>
-                  <a:srgbClr val="043D4D"/>
-                </a:solidFill>
-                <a:latin typeface="Arial" panose="020B0604020202020204" pitchFamily="34" charset="0"/>
-                <a:cs typeface="Arial" panose="020B0604020202020204" pitchFamily="34" charset="0"/>
-              </a:rPr>
-              <a:t>/blob/main/</a:t>
-            </a:r>
-            <a:r>
-              <a:rPr lang="en-US" sz="1400" dirty="0" err="1">
-                <a:solidFill>
-                  <a:srgbClr val="043D4D"/>
-                </a:solidFill>
-                <a:latin typeface="Arial" panose="020B0604020202020204" pitchFamily="34" charset="0"/>
-                <a:cs typeface="Arial" panose="020B0604020202020204" pitchFamily="34" charset="0"/>
-              </a:rPr>
-              <a:t>plotting.md</a:t>
-            </a:r>
-            <a:endParaRPr lang="en-US" sz="1400" dirty="0">
-              <a:solidFill>
-                <a:srgbClr val="043D4D"/>
-              </a:solidFill>
-              <a:latin typeface="Arial" panose="020B0604020202020204" pitchFamily="34" charset="0"/>
-              <a:cs typeface="Arial" panose="020B0604020202020204" pitchFamily="34" charset="0"/>
-            </a:endParaRPr>
-          </a:p>
-        </p:txBody>
-      </p:sp>
-      <p:sp>
-        <p:nvSpPr>
-          <p:cNvPr id="7" name="Right Brace 6">
-            <a:extLst>
-              <a:ext uri="{FF2B5EF4-FFF2-40B4-BE49-F238E27FC236}">
-                <a16:creationId xmlns:a16="http://schemas.microsoft.com/office/drawing/2014/main" id="{5AE150C6-64CA-82DA-A979-40F8922F9E58}"/>
-              </a:ext>
-            </a:extLst>
-          </p:cNvPr>
-          <p:cNvSpPr/>
-          <p:nvPr/>
-        </p:nvSpPr>
-        <p:spPr>
-          <a:xfrm>
-            <a:off x="5003617" y="2194559"/>
-            <a:ext cx="1597152" cy="1005839"/>
-          </a:xfrm>
-          <a:prstGeom prst="rightBrace">
-            <a:avLst/>
-          </a:prstGeom>
-          <a:ln w="63500">
-            <a:solidFill>
-              <a:srgbClr val="043D4D"/>
-            </a:solidFill>
-          </a:ln>
-        </p:spPr>
-        <p:style>
-          <a:lnRef idx="1">
-            <a:schemeClr val="accent1"/>
-          </a:lnRef>
-          <a:fillRef idx="0">
-            <a:schemeClr val="accent1"/>
-          </a:fillRef>
-          <a:effectRef idx="0">
-            <a:schemeClr val="accent1"/>
-          </a:effectRef>
-          <a:fontRef idx="minor">
-            <a:schemeClr val="tx1"/>
-          </a:fontRef>
-        </p:style>
-        <p:txBody>
-          <a:bodyPr rtlCol="0" anchor="ctr"/>
-          <a:lstStyle/>
-          <a:p>
-            <a:pPr algn="ctr"/>
-            <a:endParaRPr lang="en-US"/>
-          </a:p>
-        </p:txBody>
-      </p:sp>
-      <p:sp>
-        <p:nvSpPr>
-          <p:cNvPr id="8" name="Right Brace 7">
-            <a:extLst>
-              <a:ext uri="{FF2B5EF4-FFF2-40B4-BE49-F238E27FC236}">
-                <a16:creationId xmlns:a16="http://schemas.microsoft.com/office/drawing/2014/main" id="{6AE7CEE9-BF8F-5843-FDC9-A3DB9F5F4388}"/>
-              </a:ext>
-            </a:extLst>
-          </p:cNvPr>
-          <p:cNvSpPr/>
-          <p:nvPr/>
-        </p:nvSpPr>
-        <p:spPr>
-          <a:xfrm>
-            <a:off x="5003617" y="3657601"/>
-            <a:ext cx="1597152" cy="2218944"/>
-          </a:xfrm>
-          <a:prstGeom prst="rightBrace">
-            <a:avLst/>
-          </a:prstGeom>
-          <a:ln w="63500">
-            <a:solidFill>
-              <a:srgbClr val="043D4D"/>
-            </a:solidFill>
-          </a:ln>
-        </p:spPr>
-        <p:style>
-          <a:lnRef idx="1">
-            <a:schemeClr val="accent1"/>
-          </a:lnRef>
-          <a:fillRef idx="0">
-            <a:schemeClr val="accent1"/>
-          </a:fillRef>
-          <a:effectRef idx="0">
-            <a:schemeClr val="accent1"/>
-          </a:effectRef>
-          <a:fontRef idx="minor">
-            <a:schemeClr val="tx1"/>
-          </a:fontRef>
-        </p:style>
-        <p:txBody>
-          <a:bodyPr rtlCol="0" anchor="ctr"/>
-          <a:lstStyle/>
-          <a:p>
-            <a:pPr algn="ctr"/>
-            <a:endParaRPr lang="en-US"/>
-          </a:p>
-        </p:txBody>
-      </p:sp>
-      <p:sp>
-        <p:nvSpPr>
-          <p:cNvPr id="10" name="TextBox 9">
-            <a:extLst>
-              <a:ext uri="{FF2B5EF4-FFF2-40B4-BE49-F238E27FC236}">
-                <a16:creationId xmlns:a16="http://schemas.microsoft.com/office/drawing/2014/main" id="{701C1C2A-23F1-4276-98DE-4591A93D55D4}"/>
-              </a:ext>
-            </a:extLst>
-          </p:cNvPr>
-          <p:cNvSpPr txBox="1"/>
-          <p:nvPr/>
-        </p:nvSpPr>
-        <p:spPr>
-          <a:xfrm>
-            <a:off x="7125025" y="2220424"/>
-            <a:ext cx="3490423" cy="954107"/>
-          </a:xfrm>
-          <a:prstGeom prst="rect">
-            <a:avLst/>
-          </a:prstGeom>
-          <a:noFill/>
-        </p:spPr>
-        <p:txBody>
-          <a:bodyPr wrap="square" rtlCol="0">
-            <a:spAutoFit/>
-          </a:bodyPr>
-          <a:lstStyle/>
-          <a:p>
-            <a:r>
-              <a:rPr lang="en-US" sz="2800" dirty="0">
-                <a:solidFill>
-                  <a:srgbClr val="043D4D"/>
-                </a:solidFill>
-                <a:latin typeface="Arial" panose="020B0604020202020204" pitchFamily="34" charset="0"/>
-                <a:cs typeface="Arial" panose="020B0604020202020204" pitchFamily="34" charset="0"/>
-              </a:rPr>
-              <a:t>Modified versions of the tables from </a:t>
-            </a:r>
-            <a:r>
-              <a:rPr lang="en-US" sz="2800" dirty="0" err="1">
-                <a:solidFill>
-                  <a:srgbClr val="043D4D"/>
-                </a:solidFill>
-                <a:latin typeface="Arial" panose="020B0604020202020204" pitchFamily="34" charset="0"/>
-                <a:cs typeface="Arial" panose="020B0604020202020204" pitchFamily="34" charset="0"/>
-              </a:rPr>
-              <a:t>tskit</a:t>
-            </a:r>
-            <a:endParaRPr lang="en-US" sz="2800" dirty="0">
-              <a:solidFill>
-                <a:srgbClr val="043D4D"/>
-              </a:solidFill>
-              <a:latin typeface="Arial" panose="020B0604020202020204" pitchFamily="34" charset="0"/>
-              <a:cs typeface="Arial" panose="020B0604020202020204" pitchFamily="34" charset="0"/>
-            </a:endParaRPr>
-          </a:p>
-        </p:txBody>
-      </p:sp>
-      <p:sp>
-        <p:nvSpPr>
-          <p:cNvPr id="11" name="TextBox 10">
-            <a:extLst>
-              <a:ext uri="{FF2B5EF4-FFF2-40B4-BE49-F238E27FC236}">
-                <a16:creationId xmlns:a16="http://schemas.microsoft.com/office/drawing/2014/main" id="{9FD2E621-270E-A35F-6E0B-66E107F67D1A}"/>
-              </a:ext>
-            </a:extLst>
-          </p:cNvPr>
-          <p:cNvSpPr txBox="1"/>
-          <p:nvPr/>
-        </p:nvSpPr>
-        <p:spPr>
-          <a:xfrm>
-            <a:off x="1451806" y="1999170"/>
-            <a:ext cx="3289683" cy="4139595"/>
-          </a:xfrm>
-          <a:prstGeom prst="rect">
-            <a:avLst/>
-          </a:prstGeom>
-          <a:noFill/>
-        </p:spPr>
-        <p:txBody>
-          <a:bodyPr wrap="none" rtlCol="0">
-            <a:spAutoFit/>
-          </a:bodyPr>
-          <a:lstStyle/>
-          <a:p>
-            <a:pPr marL="457200" indent="-457200">
-              <a:buFontTx/>
-              <a:buChar char="-"/>
-            </a:pPr>
-            <a:r>
-              <a:rPr lang="en-US" sz="2800" dirty="0">
-                <a:solidFill>
-                  <a:srgbClr val="043D4D"/>
-                </a:solidFill>
-                <a:latin typeface="Arial" panose="020B0604020202020204" pitchFamily="34" charset="0"/>
-                <a:cs typeface="Arial" panose="020B0604020202020204" pitchFamily="34" charset="0"/>
-              </a:rPr>
-              <a:t>nodes</a:t>
-            </a:r>
-          </a:p>
-          <a:p>
-            <a:pPr marL="457200" indent="-457200">
-              <a:buFontTx/>
-              <a:buChar char="-"/>
-            </a:pPr>
-            <a:r>
-              <a:rPr lang="en-US" sz="2800" dirty="0">
-                <a:solidFill>
-                  <a:srgbClr val="043D4D"/>
-                </a:solidFill>
-                <a:latin typeface="Arial" panose="020B0604020202020204" pitchFamily="34" charset="0"/>
-                <a:cs typeface="Arial" panose="020B0604020202020204" pitchFamily="34" charset="0"/>
-              </a:rPr>
-              <a:t>links</a:t>
-            </a:r>
-          </a:p>
-          <a:p>
-            <a:pPr marL="457200" indent="-457200">
-              <a:buFontTx/>
-              <a:buChar char="-"/>
-            </a:pPr>
-            <a:r>
-              <a:rPr lang="en-US" sz="2800" dirty="0">
-                <a:solidFill>
-                  <a:srgbClr val="043D4D"/>
-                </a:solidFill>
-                <a:latin typeface="Arial" panose="020B0604020202020204" pitchFamily="34" charset="0"/>
-                <a:cs typeface="Arial" panose="020B0604020202020204" pitchFamily="34" charset="0"/>
-              </a:rPr>
-              <a:t>breakpoints</a:t>
-            </a:r>
-          </a:p>
-          <a:p>
-            <a:endParaRPr lang="en-US" sz="1100" dirty="0">
-              <a:solidFill>
-                <a:srgbClr val="043D4D"/>
-              </a:solidFill>
-              <a:latin typeface="Arial" panose="020B0604020202020204" pitchFamily="34" charset="0"/>
-              <a:cs typeface="Arial" panose="020B0604020202020204" pitchFamily="34" charset="0"/>
-            </a:endParaRPr>
-          </a:p>
-          <a:p>
-            <a:pPr marL="457200" indent="-457200">
-              <a:buFontTx/>
-              <a:buChar char="-"/>
-            </a:pPr>
-            <a:r>
-              <a:rPr lang="en-US" sz="2800" dirty="0">
-                <a:solidFill>
-                  <a:srgbClr val="043D4D"/>
-                </a:solidFill>
-                <a:latin typeface="Arial" panose="020B0604020202020204" pitchFamily="34" charset="0"/>
-                <a:cs typeface="Arial" panose="020B0604020202020204" pitchFamily="34" charset="0"/>
-              </a:rPr>
-              <a:t>width</a:t>
-            </a:r>
-          </a:p>
-          <a:p>
-            <a:pPr marL="457200" indent="-457200">
-              <a:buFontTx/>
-              <a:buChar char="-"/>
-            </a:pPr>
-            <a:r>
-              <a:rPr lang="en-US" sz="2800" dirty="0">
-                <a:solidFill>
-                  <a:srgbClr val="043D4D"/>
-                </a:solidFill>
-                <a:latin typeface="Arial" panose="020B0604020202020204" pitchFamily="34" charset="0"/>
-                <a:cs typeface="Arial" panose="020B0604020202020204" pitchFamily="34" charset="0"/>
-              </a:rPr>
-              <a:t>height</a:t>
-            </a:r>
-          </a:p>
-          <a:p>
-            <a:pPr marL="457200" indent="-457200">
-              <a:buFontTx/>
-              <a:buChar char="-"/>
-            </a:pPr>
-            <a:r>
-              <a:rPr lang="en-US" sz="2800" dirty="0" err="1">
-                <a:solidFill>
-                  <a:srgbClr val="043D4D"/>
-                </a:solidFill>
-                <a:latin typeface="Arial" panose="020B0604020202020204" pitchFamily="34" charset="0"/>
-                <a:cs typeface="Arial" panose="020B0604020202020204" pitchFamily="34" charset="0"/>
-              </a:rPr>
-              <a:t>tree_highlighting</a:t>
-            </a:r>
-            <a:endParaRPr lang="en-US" sz="2800" dirty="0">
-              <a:solidFill>
-                <a:srgbClr val="043D4D"/>
-              </a:solidFill>
-              <a:latin typeface="Arial" panose="020B0604020202020204" pitchFamily="34" charset="0"/>
-              <a:cs typeface="Arial" panose="020B0604020202020204" pitchFamily="34" charset="0"/>
-            </a:endParaRPr>
-          </a:p>
-          <a:p>
-            <a:pPr marL="457200" indent="-457200">
-              <a:buFontTx/>
-              <a:buChar char="-"/>
-            </a:pPr>
-            <a:r>
-              <a:rPr lang="en-US" sz="2800" dirty="0" err="1">
-                <a:solidFill>
-                  <a:srgbClr val="043D4D"/>
-                </a:solidFill>
-                <a:latin typeface="Arial" panose="020B0604020202020204" pitchFamily="34" charset="0"/>
-                <a:cs typeface="Arial" panose="020B0604020202020204" pitchFamily="34" charset="0"/>
-              </a:rPr>
-              <a:t>y_axis</a:t>
-            </a:r>
-            <a:endParaRPr lang="en-US" sz="2800" dirty="0">
-              <a:solidFill>
-                <a:srgbClr val="043D4D"/>
-              </a:solidFill>
-              <a:latin typeface="Arial" panose="020B0604020202020204" pitchFamily="34" charset="0"/>
-              <a:cs typeface="Arial" panose="020B0604020202020204" pitchFamily="34" charset="0"/>
-            </a:endParaRPr>
-          </a:p>
-          <a:p>
-            <a:pPr marL="457200" indent="-457200">
-              <a:buFontTx/>
-              <a:buChar char="-"/>
-            </a:pPr>
-            <a:r>
-              <a:rPr lang="en-US" sz="2800" dirty="0" err="1">
-                <a:solidFill>
-                  <a:srgbClr val="043D4D"/>
-                </a:solidFill>
-                <a:latin typeface="Arial" panose="020B0604020202020204" pitchFamily="34" charset="0"/>
-                <a:cs typeface="Arial" panose="020B0604020202020204" pitchFamily="34" charset="0"/>
-              </a:rPr>
-              <a:t>edge_type</a:t>
-            </a:r>
-            <a:endParaRPr lang="en-US" sz="2800" dirty="0">
-              <a:solidFill>
-                <a:srgbClr val="043D4D"/>
-              </a:solidFill>
-              <a:latin typeface="Arial" panose="020B0604020202020204" pitchFamily="34" charset="0"/>
-              <a:cs typeface="Arial" panose="020B0604020202020204" pitchFamily="34" charset="0"/>
-            </a:endParaRPr>
-          </a:p>
-          <a:p>
-            <a:pPr marL="457200" indent="-457200">
-              <a:buFontTx/>
-              <a:buChar char="-"/>
-            </a:pPr>
-            <a:r>
-              <a:rPr lang="en-US" sz="2800" dirty="0" err="1">
-                <a:solidFill>
-                  <a:srgbClr val="043D4D"/>
-                </a:solidFill>
-                <a:latin typeface="Arial" panose="020B0604020202020204" pitchFamily="34" charset="0"/>
-                <a:cs typeface="Arial" panose="020B0604020202020204" pitchFamily="34" charset="0"/>
-              </a:rPr>
-              <a:t>subset_nodes</a:t>
-            </a:r>
-            <a:endParaRPr lang="en-US" dirty="0">
-              <a:solidFill>
-                <a:srgbClr val="043D4D"/>
-              </a:solidFill>
-              <a:latin typeface="Arial" panose="020B0604020202020204" pitchFamily="34" charset="0"/>
-              <a:cs typeface="Arial" panose="020B0604020202020204" pitchFamily="34" charset="0"/>
-            </a:endParaRPr>
-          </a:p>
-        </p:txBody>
-      </p:sp>
-      <p:sp>
-        <p:nvSpPr>
-          <p:cNvPr id="14" name="TextBox 13">
-            <a:extLst>
-              <a:ext uri="{FF2B5EF4-FFF2-40B4-BE49-F238E27FC236}">
-                <a16:creationId xmlns:a16="http://schemas.microsoft.com/office/drawing/2014/main" id="{C82EC6A0-2BBE-2434-70D8-A008DD62B334}"/>
-              </a:ext>
-            </a:extLst>
-          </p:cNvPr>
-          <p:cNvSpPr txBox="1"/>
-          <p:nvPr/>
-        </p:nvSpPr>
-        <p:spPr>
-          <a:xfrm>
-            <a:off x="7125025" y="4505463"/>
-            <a:ext cx="4523995" cy="523220"/>
-          </a:xfrm>
-          <a:prstGeom prst="rect">
-            <a:avLst/>
-          </a:prstGeom>
-          <a:noFill/>
-        </p:spPr>
-        <p:txBody>
-          <a:bodyPr wrap="none" rtlCol="0">
-            <a:spAutoFit/>
-          </a:bodyPr>
-          <a:lstStyle/>
-          <a:p>
-            <a:r>
-              <a:rPr lang="en-US" sz="2800" dirty="0">
-                <a:solidFill>
-                  <a:srgbClr val="043D4D"/>
-                </a:solidFill>
-                <a:latin typeface="Arial" panose="020B0604020202020204" pitchFamily="34" charset="0"/>
-                <a:cs typeface="Arial" panose="020B0604020202020204" pitchFamily="34" charset="0"/>
-              </a:rPr>
-              <a:t>Describes the graph styling</a:t>
-            </a:r>
-          </a:p>
-        </p:txBody>
-      </p:sp>
-    </p:spTree>
-    <p:extLst>
-      <p:ext uri="{BB962C8B-B14F-4D97-AF65-F5344CB8AC3E}">
-        <p14:creationId xmlns:p14="http://schemas.microsoft.com/office/powerpoint/2010/main" val="1897785487"/>
-      </p:ext>
-    </p:extLst>
-  </p:cSld>
-  <p:clrMapOvr>
-    <a:masterClrMapping/>
-  </p:clrMapOvr>
-</p:sld>
-</file>
-
-<file path=ppt/slides/slide8.xml><?xml version="1.0" encoding="utf-8"?>
-<p:sld xmlns:a="http://schemas.openxmlformats.org/drawingml/2006/main" xmlns:r="http://schemas.openxmlformats.org/officeDocument/2006/relationships" xmlns:p="http://schemas.openxmlformats.org/presentationml/2006/main">
-  <p:cSld>
-    <p:spTree>
-      <p:nvGrpSpPr>
-        <p:cNvPr id="1" name=""/>
-        <p:cNvGrpSpPr/>
-        <p:nvPr/>
-      </p:nvGrpSpPr>
-      <p:grpSpPr>
-        <a:xfrm>
-          <a:off x="0" y="0"/>
-          <a:ext cx="0" cy="0"/>
-          <a:chOff x="0" y="0"/>
-          <a:chExt cx="0" cy="0"/>
-        </a:xfrm>
-      </p:grpSpPr>
-      <p:sp>
-        <p:nvSpPr>
-          <p:cNvPr id="4" name="TextBox 3">
-            <a:extLst>
-              <a:ext uri="{FF2B5EF4-FFF2-40B4-BE49-F238E27FC236}">
-                <a16:creationId xmlns:a16="http://schemas.microsoft.com/office/drawing/2014/main" id="{B05A8C33-3DB9-0ECF-9D9C-8C6C1F6928C6}"/>
-              </a:ext>
-            </a:extLst>
-          </p:cNvPr>
-          <p:cNvSpPr txBox="1"/>
-          <p:nvPr/>
-        </p:nvSpPr>
-        <p:spPr>
-          <a:xfrm>
-            <a:off x="722517" y="492851"/>
             <a:ext cx="8840818" cy="1323439"/>
           </a:xfrm>
           <a:prstGeom prst="rect">
@@ -10679,7 +10362,7 @@
 </p:sld>
 </file>
 
-<file path=ppt/slides/slide9.xml><?xml version="1.0" encoding="utf-8"?>
+<file path=ppt/slides/slide8.xml><?xml version="1.0" encoding="utf-8"?>
 <p:sld xmlns:a="http://schemas.openxmlformats.org/drawingml/2006/main" xmlns:r="http://schemas.openxmlformats.org/officeDocument/2006/relationships" xmlns:p="http://schemas.openxmlformats.org/presentationml/2006/main">
   <p:cSld>
     <p:spTree>
@@ -11575,6 +11258,148 @@
     <p:extLst>
       <p:ext uri="{BB962C8B-B14F-4D97-AF65-F5344CB8AC3E}">
         <p14:creationId xmlns:p14="http://schemas.microsoft.com/office/powerpoint/2010/main" val="1511584320"/>
+      </p:ext>
+    </p:extLst>
+  </p:cSld>
+  <p:clrMapOvr>
+    <a:masterClrMapping/>
+  </p:clrMapOvr>
+</p:sld>
+</file>
+
+<file path=ppt/slides/slide9.xml><?xml version="1.0" encoding="utf-8"?>
+<p:sld xmlns:a="http://schemas.openxmlformats.org/drawingml/2006/main" xmlns:r="http://schemas.openxmlformats.org/officeDocument/2006/relationships" xmlns:p="http://schemas.openxmlformats.org/presentationml/2006/main">
+  <p:cSld>
+    <p:spTree>
+      <p:nvGrpSpPr>
+        <p:cNvPr id="1" name=""/>
+        <p:cNvGrpSpPr/>
+        <p:nvPr/>
+      </p:nvGrpSpPr>
+      <p:grpSpPr>
+        <a:xfrm>
+          <a:off x="0" y="0"/>
+          <a:ext cx="0" cy="0"/>
+          <a:chOff x="0" y="0"/>
+          <a:chExt cx="0" cy="0"/>
+        </a:xfrm>
+      </p:grpSpPr>
+      <p:sp>
+        <p:nvSpPr>
+          <p:cNvPr id="5" name="Rectangle 4">
+            <a:extLst>
+              <a:ext uri="{FF2B5EF4-FFF2-40B4-BE49-F238E27FC236}">
+                <a16:creationId xmlns:a16="http://schemas.microsoft.com/office/drawing/2014/main" id="{7F2EDB75-395E-77EA-70F3-A5E7AC437C76}"/>
+              </a:ext>
+            </a:extLst>
+          </p:cNvPr>
+          <p:cNvSpPr/>
+          <p:nvPr/>
+        </p:nvSpPr>
+        <p:spPr>
+          <a:xfrm>
+            <a:off x="1463040" y="2010945"/>
+            <a:ext cx="3706368" cy="2836111"/>
+          </a:xfrm>
+          <a:prstGeom prst="rect">
+            <a:avLst/>
+          </a:prstGeom>
+          <a:solidFill>
+            <a:srgbClr val="F5F5F5"/>
+          </a:solidFill>
+          <a:ln w="38100">
+            <a:solidFill>
+              <a:srgbClr val="043D4D"/>
+            </a:solidFill>
+          </a:ln>
+        </p:spPr>
+        <p:style>
+          <a:lnRef idx="2">
+            <a:schemeClr val="accent1">
+              <a:shade val="15000"/>
+            </a:schemeClr>
+          </a:lnRef>
+          <a:fillRef idx="1">
+            <a:schemeClr val="accent1"/>
+          </a:fillRef>
+          <a:effectRef idx="0">
+            <a:schemeClr val="accent1"/>
+          </a:effectRef>
+          <a:fontRef idx="minor">
+            <a:schemeClr val="lt1"/>
+          </a:fontRef>
+        </p:style>
+        <p:txBody>
+          <a:bodyPr rtlCol="0" anchor="ctr"/>
+          <a:lstStyle/>
+          <a:p>
+            <a:pPr algn="ctr"/>
+            <a:endParaRPr lang="en-US"/>
+          </a:p>
+        </p:txBody>
+      </p:sp>
+      <p:pic>
+        <p:nvPicPr>
+          <p:cNvPr id="4" name="Picture 3" descr="A screenshot of a computer&#10;&#10;Description automatically generated">
+            <a:extLst>
+              <a:ext uri="{FF2B5EF4-FFF2-40B4-BE49-F238E27FC236}">
+                <a16:creationId xmlns:a16="http://schemas.microsoft.com/office/drawing/2014/main" id="{B8E0C30E-836E-AF59-1505-BC101C09EF88}"/>
+              </a:ext>
+            </a:extLst>
+          </p:cNvPr>
+          <p:cNvPicPr>
+            <a:picLocks noChangeAspect="1"/>
+          </p:cNvPicPr>
+          <p:nvPr/>
+        </p:nvPicPr>
+        <p:blipFill rotWithShape="1">
+          <a:blip r:embed="rId3"/>
+          <a:srcRect t="8889"/>
+          <a:stretch/>
+        </p:blipFill>
+        <p:spPr>
+          <a:xfrm>
+            <a:off x="5797235" y="570513"/>
+            <a:ext cx="5879545" cy="5716974"/>
+          </a:xfrm>
+          <a:prstGeom prst="rect">
+            <a:avLst/>
+          </a:prstGeom>
+        </p:spPr>
+      </p:pic>
+      <p:pic>
+        <p:nvPicPr>
+          <p:cNvPr id="7" name="Picture 6" descr="A screen shot of a computer code&#10;&#10;Description automatically generated">
+            <a:extLst>
+              <a:ext uri="{FF2B5EF4-FFF2-40B4-BE49-F238E27FC236}">
+                <a16:creationId xmlns:a16="http://schemas.microsoft.com/office/drawing/2014/main" id="{D22A63B8-8F9D-CD84-9BB9-40BA4FC2F113}"/>
+              </a:ext>
+            </a:extLst>
+          </p:cNvPr>
+          <p:cNvPicPr>
+            <a:picLocks noChangeAspect="1"/>
+          </p:cNvPicPr>
+          <p:nvPr/>
+        </p:nvPicPr>
+        <p:blipFill rotWithShape="1">
+          <a:blip r:embed="rId4"/>
+          <a:srcRect t="1612"/>
+          <a:stretch/>
+        </p:blipFill>
+        <p:spPr>
+          <a:xfrm>
+            <a:off x="1555008" y="2125718"/>
+            <a:ext cx="3522431" cy="2606565"/>
+          </a:xfrm>
+          <a:prstGeom prst="rect">
+            <a:avLst/>
+          </a:prstGeom>
+        </p:spPr>
+      </p:pic>
+    </p:spTree>
+    <p:extLst>
+      <p:ext uri="{BB962C8B-B14F-4D97-AF65-F5344CB8AC3E}">
+        <p14:creationId xmlns:p14="http://schemas.microsoft.com/office/powerpoint/2010/main" val="2737830703"/>
       </p:ext>
     </p:extLst>
   </p:cSld>

--- a/tskit_presentation.pptx
+++ b/tskit_presentation.pptx
@@ -4042,7 +4042,7 @@
                     <a:srgbClr val="043D4D"/>
                   </a:solidFill>
                 </a:rPr>
-                <a:t>August X, 2023</a:t>
+                <a:t>September 13, 2023</a:t>
               </a:r>
             </a:p>
           </p:txBody>
@@ -10674,109 +10674,58 @@
               </p:txBody>
             </p:sp>
           </p:grpSp>
-          <p:grpSp>
-            <p:nvGrpSpPr>
-              <p:cNvPr id="26" name="Group 25">
+          <p:sp>
+            <p:nvSpPr>
+              <p:cNvPr id="25" name="Rectangle 24">
                 <a:extLst>
                   <a:ext uri="{FF2B5EF4-FFF2-40B4-BE49-F238E27FC236}">
-                    <a16:creationId xmlns:a16="http://schemas.microsoft.com/office/drawing/2014/main" id="{623F03BE-86CE-BD8F-579D-BA0600E6ABFC}"/>
+                    <a16:creationId xmlns:a16="http://schemas.microsoft.com/office/drawing/2014/main" id="{7E3906EA-1408-FA8B-1BE9-22DBD01294AA}"/>
                   </a:ext>
                 </a:extLst>
               </p:cNvPr>
-              <p:cNvGrpSpPr/>
+              <p:cNvSpPr/>
               <p:nvPr/>
-            </p:nvGrpSpPr>
-            <p:grpSpPr>
+            </p:nvSpPr>
+            <p:spPr>
               <a:xfrm>
                 <a:off x="3885249" y="3429000"/>
                 <a:ext cx="3724190" cy="1672497"/>
-                <a:chOff x="3901601" y="3206843"/>
-                <a:chExt cx="3724190" cy="1672497"/>
               </a:xfrm>
-            </p:grpSpPr>
-            <p:sp>
-              <p:nvSpPr>
-                <p:cNvPr id="25" name="Rectangle 24">
-                  <a:extLst>
-                    <a:ext uri="{FF2B5EF4-FFF2-40B4-BE49-F238E27FC236}">
-                      <a16:creationId xmlns:a16="http://schemas.microsoft.com/office/drawing/2014/main" id="{7E3906EA-1408-FA8B-1BE9-22DBD01294AA}"/>
-                    </a:ext>
-                  </a:extLst>
-                </p:cNvPr>
-                <p:cNvSpPr/>
-                <p:nvPr/>
-              </p:nvSpPr>
-              <p:spPr>
-                <a:xfrm>
-                  <a:off x="3901601" y="3206843"/>
-                  <a:ext cx="3724190" cy="1672497"/>
-                </a:xfrm>
-                <a:prstGeom prst="rect">
-                  <a:avLst/>
-                </a:prstGeom>
-                <a:solidFill>
-                  <a:srgbClr val="F5F5F5"/>
-                </a:solidFill>
-                <a:ln w="12700">
-                  <a:noFill/>
-                </a:ln>
-              </p:spPr>
-              <p:style>
-                <a:lnRef idx="2">
-                  <a:schemeClr val="accent1">
-                    <a:shade val="15000"/>
-                  </a:schemeClr>
-                </a:lnRef>
-                <a:fillRef idx="1">
-                  <a:schemeClr val="accent1"/>
-                </a:fillRef>
-                <a:effectRef idx="0">
-                  <a:schemeClr val="accent1"/>
-                </a:effectRef>
-                <a:fontRef idx="minor">
-                  <a:schemeClr val="lt1"/>
-                </a:fontRef>
-              </p:style>
-              <p:txBody>
-                <a:bodyPr rtlCol="0" anchor="ctr"/>
-                <a:lstStyle/>
-                <a:p>
-                  <a:pPr algn="ctr"/>
-                  <a:endParaRPr lang="en-US"/>
-                </a:p>
-              </p:txBody>
-            </p:sp>
-            <p:pic>
-              <p:nvPicPr>
-                <p:cNvPr id="15" name="Picture 14" descr="A screen shot of a computer code&#10;&#10;Description automatically generated">
-                  <a:extLst>
-                    <a:ext uri="{FF2B5EF4-FFF2-40B4-BE49-F238E27FC236}">
-                      <a16:creationId xmlns:a16="http://schemas.microsoft.com/office/drawing/2014/main" id="{7FF7B4EC-14D9-13ED-59B8-41C53015918F}"/>
-                    </a:ext>
-                  </a:extLst>
-                </p:cNvPr>
-                <p:cNvPicPr>
-                  <a:picLocks noChangeAspect="1"/>
-                </p:cNvPicPr>
-                <p:nvPr/>
-              </p:nvPicPr>
-              <p:blipFill>
-                <a:blip r:embed="rId2"/>
-                <a:stretch>
-                  <a:fillRect/>
-                </a:stretch>
-              </p:blipFill>
-              <p:spPr>
-                <a:xfrm>
-                  <a:off x="3973991" y="3304903"/>
-                  <a:ext cx="2921000" cy="1476375"/>
-                </a:xfrm>
-                <a:prstGeom prst="rect">
-                  <a:avLst/>
-                </a:prstGeom>
-              </p:spPr>
-            </p:pic>
-          </p:grpSp>
+              <a:prstGeom prst="rect">
+                <a:avLst/>
+              </a:prstGeom>
+              <a:solidFill>
+                <a:srgbClr val="F5F5F5"/>
+              </a:solidFill>
+              <a:ln w="12700">
+                <a:noFill/>
+              </a:ln>
+            </p:spPr>
+            <p:style>
+              <a:lnRef idx="2">
+                <a:schemeClr val="accent1">
+                  <a:shade val="15000"/>
+                </a:schemeClr>
+              </a:lnRef>
+              <a:fillRef idx="1">
+                <a:schemeClr val="accent1"/>
+              </a:fillRef>
+              <a:effectRef idx="0">
+                <a:schemeClr val="accent1"/>
+              </a:effectRef>
+              <a:fontRef idx="minor">
+                <a:schemeClr val="lt1"/>
+              </a:fontRef>
+            </p:style>
+            <p:txBody>
+              <a:bodyPr rtlCol="0" anchor="ctr"/>
+              <a:lstStyle/>
+              <a:p>
+                <a:pPr algn="ctr"/>
+                <a:endParaRPr lang="en-US"/>
+              </a:p>
+            </p:txBody>
+          </p:sp>
         </p:grpSp>
         <p:grpSp>
           <p:nvGrpSpPr>
@@ -11149,111 +11098,120 @@
               </p:txBody>
             </p:sp>
           </p:grpSp>
-          <p:grpSp>
-            <p:nvGrpSpPr>
-              <p:cNvPr id="31" name="Group 30">
+          <p:sp>
+            <p:nvSpPr>
+              <p:cNvPr id="30" name="Rectangle 29">
                 <a:extLst>
                   <a:ext uri="{FF2B5EF4-FFF2-40B4-BE49-F238E27FC236}">
-                    <a16:creationId xmlns:a16="http://schemas.microsoft.com/office/drawing/2014/main" id="{BDA76B93-1FA4-CFE1-4528-E61007829C4E}"/>
+                    <a16:creationId xmlns:a16="http://schemas.microsoft.com/office/drawing/2014/main" id="{8D795929-8CB5-7634-0436-102B077B76CA}"/>
                   </a:ext>
                 </a:extLst>
               </p:cNvPr>
-              <p:cNvGrpSpPr/>
+              <p:cNvSpPr/>
               <p:nvPr/>
-            </p:nvGrpSpPr>
-            <p:grpSpPr>
+            </p:nvSpPr>
+            <p:spPr>
               <a:xfrm>
                 <a:off x="7970864" y="3429000"/>
                 <a:ext cx="3740542" cy="1048781"/>
-                <a:chOff x="7970864" y="3843259"/>
-                <a:chExt cx="3740542" cy="1048781"/>
               </a:xfrm>
-            </p:grpSpPr>
-            <p:sp>
-              <p:nvSpPr>
-                <p:cNvPr id="30" name="Rectangle 29">
-                  <a:extLst>
-                    <a:ext uri="{FF2B5EF4-FFF2-40B4-BE49-F238E27FC236}">
-                      <a16:creationId xmlns:a16="http://schemas.microsoft.com/office/drawing/2014/main" id="{8D795929-8CB5-7634-0436-102B077B76CA}"/>
-                    </a:ext>
-                  </a:extLst>
-                </p:cNvPr>
-                <p:cNvSpPr/>
-                <p:nvPr/>
-              </p:nvSpPr>
-              <p:spPr>
-                <a:xfrm>
-                  <a:off x="7970864" y="3843259"/>
-                  <a:ext cx="3740542" cy="1048781"/>
-                </a:xfrm>
-                <a:prstGeom prst="rect">
-                  <a:avLst/>
-                </a:prstGeom>
-                <a:solidFill>
-                  <a:srgbClr val="F5F5F5"/>
-                </a:solidFill>
-                <a:ln>
-                  <a:noFill/>
-                </a:ln>
-              </p:spPr>
-              <p:style>
-                <a:lnRef idx="2">
-                  <a:schemeClr val="accent1">
-                    <a:shade val="15000"/>
-                  </a:schemeClr>
-                </a:lnRef>
-                <a:fillRef idx="1">
-                  <a:schemeClr val="accent1"/>
-                </a:fillRef>
-                <a:effectRef idx="0">
-                  <a:schemeClr val="accent1"/>
-                </a:effectRef>
-                <a:fontRef idx="minor">
-                  <a:schemeClr val="lt1"/>
-                </a:fontRef>
-              </p:style>
-              <p:txBody>
-                <a:bodyPr rtlCol="0" anchor="ctr"/>
-                <a:lstStyle/>
-                <a:p>
-                  <a:pPr algn="ctr"/>
-                  <a:endParaRPr lang="en-US"/>
-                </a:p>
-              </p:txBody>
-            </p:sp>
-            <p:pic>
-              <p:nvPicPr>
-                <p:cNvPr id="13" name="Picture 12" descr="A close-up of a computer code&#10;&#10;Description automatically generated">
-                  <a:extLst>
-                    <a:ext uri="{FF2B5EF4-FFF2-40B4-BE49-F238E27FC236}">
-                      <a16:creationId xmlns:a16="http://schemas.microsoft.com/office/drawing/2014/main" id="{1C1FA5EF-53E4-45AB-6659-48FBD4919188}"/>
-                    </a:ext>
-                  </a:extLst>
-                </p:cNvPr>
-                <p:cNvPicPr>
-                  <a:picLocks noChangeAspect="1"/>
-                </p:cNvPicPr>
-                <p:nvPr/>
-              </p:nvPicPr>
-              <p:blipFill>
-                <a:blip r:embed="rId3"/>
-                <a:stretch>
-                  <a:fillRect/>
-                </a:stretch>
-              </p:blipFill>
-              <p:spPr>
-                <a:xfrm>
-                  <a:off x="8013413" y="3939024"/>
-                  <a:ext cx="3655443" cy="857250"/>
-                </a:xfrm>
-                <a:prstGeom prst="rect">
-                  <a:avLst/>
-                </a:prstGeom>
-              </p:spPr>
-            </p:pic>
-          </p:grpSp>
+              <a:prstGeom prst="rect">
+                <a:avLst/>
+              </a:prstGeom>
+              <a:solidFill>
+                <a:srgbClr val="F5F5F5"/>
+              </a:solidFill>
+              <a:ln>
+                <a:noFill/>
+              </a:ln>
+            </p:spPr>
+            <p:style>
+              <a:lnRef idx="2">
+                <a:schemeClr val="accent1">
+                  <a:shade val="15000"/>
+                </a:schemeClr>
+              </a:lnRef>
+              <a:fillRef idx="1">
+                <a:schemeClr val="accent1"/>
+              </a:fillRef>
+              <a:effectRef idx="0">
+                <a:schemeClr val="accent1"/>
+              </a:effectRef>
+              <a:fontRef idx="minor">
+                <a:schemeClr val="lt1"/>
+              </a:fontRef>
+            </p:style>
+            <p:txBody>
+              <a:bodyPr rtlCol="0" anchor="ctr"/>
+              <a:lstStyle/>
+              <a:p>
+                <a:pPr algn="ctr"/>
+                <a:endParaRPr lang="en-US"/>
+              </a:p>
+            </p:txBody>
+          </p:sp>
         </p:grpSp>
       </p:grpSp>
+      <p:pic>
+        <p:nvPicPr>
+          <p:cNvPr id="3" name="Picture 2" descr="A close-up of a computer code&#10;&#10;Description automatically generated">
+            <a:extLst>
+              <a:ext uri="{FF2B5EF4-FFF2-40B4-BE49-F238E27FC236}">
+                <a16:creationId xmlns:a16="http://schemas.microsoft.com/office/drawing/2014/main" id="{7927718B-40DA-E74F-52BE-347FDDBC2722}"/>
+              </a:ext>
+            </a:extLst>
+          </p:cNvPr>
+          <p:cNvPicPr>
+            <a:picLocks noChangeAspect="1"/>
+          </p:cNvPicPr>
+          <p:nvPr/>
+        </p:nvPicPr>
+        <p:blipFill>
+          <a:blip r:embed="rId2"/>
+          <a:stretch>
+            <a:fillRect/>
+          </a:stretch>
+        </p:blipFill>
+        <p:spPr>
+          <a:xfrm>
+            <a:off x="7614455" y="3941675"/>
+            <a:ext cx="3740543" cy="890155"/>
+          </a:xfrm>
+          <a:prstGeom prst="rect">
+            <a:avLst/>
+          </a:prstGeom>
+        </p:spPr>
+      </p:pic>
+      <p:pic>
+        <p:nvPicPr>
+          <p:cNvPr id="6" name="Picture 5" descr="A screenshot of a computer code&#10;&#10;Description automatically generated">
+            <a:extLst>
+              <a:ext uri="{FF2B5EF4-FFF2-40B4-BE49-F238E27FC236}">
+                <a16:creationId xmlns:a16="http://schemas.microsoft.com/office/drawing/2014/main" id="{EC565A2A-D5B0-623F-CC43-E3F1A71ACAC3}"/>
+              </a:ext>
+            </a:extLst>
+          </p:cNvPr>
+          <p:cNvPicPr>
+            <a:picLocks noChangeAspect="1"/>
+          </p:cNvPicPr>
+          <p:nvPr/>
+        </p:nvPicPr>
+        <p:blipFill>
+          <a:blip r:embed="rId3"/>
+          <a:stretch>
+            <a:fillRect/>
+          </a:stretch>
+        </p:blipFill>
+        <p:spPr>
+          <a:xfrm>
+            <a:off x="3480168" y="4020378"/>
+            <a:ext cx="2847059" cy="1441898"/>
+          </a:xfrm>
+          <a:prstGeom prst="rect">
+            <a:avLst/>
+          </a:prstGeom>
+        </p:spPr>
+      </p:pic>
     </p:spTree>
     <p:extLst>
       <p:ext uri="{BB962C8B-B14F-4D97-AF65-F5344CB8AC3E}">
